--- a/longman 3000.pptx
+++ b/longman 3000.pptx
@@ -16,11 +16,11 @@
     <p:sldId id="288" r:id="rId9"/>
     <p:sldId id="289" r:id="rId10"/>
     <p:sldId id="290" r:id="rId11"/>
-    <p:sldId id="302" r:id="rId12"/>
-    <p:sldId id="295" r:id="rId13"/>
-    <p:sldId id="296" r:id="rId14"/>
-    <p:sldId id="297" r:id="rId15"/>
-    <p:sldId id="298" r:id="rId16"/>
+    <p:sldId id="298" r:id="rId12"/>
+    <p:sldId id="302" r:id="rId13"/>
+    <p:sldId id="295" r:id="rId14"/>
+    <p:sldId id="296" r:id="rId15"/>
+    <p:sldId id="297" r:id="rId16"/>
     <p:sldId id="273" r:id="rId17"/>
     <p:sldId id="277" r:id="rId18"/>
     <p:sldId id="299" r:id="rId19"/>
@@ -198,11 +198,11 @@
             <p14:sldId id="288"/>
             <p14:sldId id="289"/>
             <p14:sldId id="290"/>
+            <p14:sldId id="298"/>
             <p14:sldId id="302"/>
             <p14:sldId id="295"/>
             <p14:sldId id="296"/>
             <p14:sldId id="297"/>
-            <p14:sldId id="298"/>
             <p14:sldId id="273"/>
             <p14:sldId id="277"/>
             <p14:sldId id="299"/>
@@ -665,7 +665,7 @@
           <a:p>
             <a:fld id="{492D48B2-9EB0-4B37-9B35-FC11E2EA535A}" type="slidenum">
               <a:rPr lang="de-DE" smtClean="0"/>
-              <a:t>11</a:t>
+              <a:t>12</a:t>
             </a:fld>
             <a:endParaRPr lang="de-DE"/>
           </a:p>
@@ -8431,7 +8431,7 @@
           <p:cNvPr id="2" name="Title 1">
             <a:extLst>
               <a:ext uri="{FF2B5EF4-FFF2-40B4-BE49-F238E27FC236}">
-                <a16:creationId xmlns:a16="http://schemas.microsoft.com/office/drawing/2014/main" id="{4C2957F9-635A-C2AA-6027-953A66372B08}"/>
+                <a16:creationId xmlns:a16="http://schemas.microsoft.com/office/drawing/2014/main" id="{5A07C7AC-0942-2A18-F8B7-92BC87849CBB}"/>
               </a:ext>
             </a:extLst>
           </p:cNvPr>
@@ -8448,9 +8448,10 @@
           <a:lstStyle/>
           <a:p>
             <a:r>
-              <a:rPr lang="en-US" dirty="0"/>
-              <a:t>whatsoever</a:t>
-            </a:r>
+              <a:rPr lang="en-US" sz="2800" dirty="0"/>
+              <a:t>wild</a:t>
+            </a:r>
+            <a:endParaRPr lang="en-US" dirty="0"/>
           </a:p>
         </p:txBody>
       </p:sp>
@@ -8459,7 +8460,7 @@
           <p:cNvPr id="3" name="Text Placeholder 2">
             <a:extLst>
               <a:ext uri="{FF2B5EF4-FFF2-40B4-BE49-F238E27FC236}">
-                <a16:creationId xmlns:a16="http://schemas.microsoft.com/office/drawing/2014/main" id="{F569A644-1300-8F79-29B7-BF833D1CBA60}"/>
+                <a16:creationId xmlns:a16="http://schemas.microsoft.com/office/drawing/2014/main" id="{E617A994-FCFA-7BF2-F1CA-3FDB01A9F96D}"/>
               </a:ext>
             </a:extLst>
           </p:cNvPr>
@@ -8487,7 +8488,7 @@
           <p:cNvPr id="4" name="Content Placeholder 3">
             <a:extLst>
               <a:ext uri="{FF2B5EF4-FFF2-40B4-BE49-F238E27FC236}">
-                <a16:creationId xmlns:a16="http://schemas.microsoft.com/office/drawing/2014/main" id="{010036FE-A1FB-6C99-8108-1CFF4EFA09E1}"/>
+                <a16:creationId xmlns:a16="http://schemas.microsoft.com/office/drawing/2014/main" id="{DAC021C5-0D5B-825E-3239-3A3F94E7E7CA}"/>
               </a:ext>
             </a:extLst>
           </p:cNvPr>
@@ -8505,23 +8506,60 @@
           <a:p>
             <a:r>
               <a:rPr lang="en-US" dirty="0"/>
-              <a:t>used to </a:t>
+              <a:t>living in a </a:t>
             </a:r>
             <a:r>
               <a:rPr lang="en-US" dirty="0">
-                <a:hlinkClick r:id="rId2" tooltip="emphasize"/>
-              </a:rPr>
-              <a:t>emphasize</a:t>
-            </a:r>
-            <a:r>
-              <a:rPr lang="en-US" dirty="0"/>
-              <a:t> a </a:t>
+                <a:hlinkClick r:id="rId2" tooltip="natural"/>
+              </a:rPr>
+              <a:t>natural</a:t>
+            </a:r>
+            <a:r>
+              <a:rPr lang="en-US" dirty="0"/>
+              <a:t> state, not changed or controlled by people</a:t>
+            </a:r>
+          </a:p>
+          <a:p>
+            <a:r>
+              <a:rPr lang="en-US" dirty="0"/>
+              <a:t>not used by people for </a:t>
             </a:r>
             <a:r>
               <a:rPr lang="en-US" dirty="0">
-                <a:hlinkClick r:id="rId3" tooltip="negative"/>
-              </a:rPr>
-              <a:t>negative</a:t>
+                <a:hlinkClick r:id="rId3" tooltip="farm"/>
+              </a:rPr>
+              <a:t>farming</a:t>
+            </a:r>
+            <a:r>
+              <a:rPr lang="en-US" dirty="0"/>
+              <a:t>, building </a:t>
+            </a:r>
+            <a:r>
+              <a:rPr lang="en-US" dirty="0" err="1"/>
+              <a:t>etc</a:t>
+            </a:r>
+            <a:endParaRPr lang="en-US" dirty="0"/>
+          </a:p>
+          <a:p>
+            <a:r>
+              <a:rPr lang="en-US" dirty="0"/>
+              <a:t>feeling or </a:t>
+            </a:r>
+            <a:r>
+              <a:rPr lang="en-US" dirty="0">
+                <a:hlinkClick r:id="rId4" tooltip="express"/>
+              </a:rPr>
+              <a:t>expressing</a:t>
+            </a:r>
+            <a:r>
+              <a:rPr lang="en-US" dirty="0"/>
+              <a:t> strong </a:t>
+            </a:r>
+            <a:r>
+              <a:rPr lang="en-US" dirty="0">
+                <a:hlinkClick r:id="rId5" tooltip="uncontrolled"/>
+              </a:rPr>
+              <a:t>uncontrolled</a:t>
             </a:r>
             <a:r>
               <a:rPr lang="en-US" dirty="0"/>
@@ -8529,12 +8567,64 @@
             </a:r>
             <a:r>
               <a:rPr lang="en-US" dirty="0">
-                <a:hlinkClick r:id="rId4" tooltip="statement"/>
-              </a:rPr>
-              <a:t>statement</a:t>
+                <a:hlinkClick r:id="rId6" tooltip="emotion"/>
+              </a:rPr>
+              <a:t>emotions</a:t>
+            </a:r>
+            <a:r>
+              <a:rPr lang="en-US" dirty="0"/>
+              <a:t>, especially </a:t>
+            </a:r>
+            <a:r>
+              <a:rPr lang="en-US" dirty="0">
+                <a:hlinkClick r:id="rId7" tooltip="anger"/>
+              </a:rPr>
+              <a:t>anger</a:t>
+            </a:r>
+            <a:r>
+              <a:rPr lang="en-US" dirty="0"/>
+              <a:t>, </a:t>
+            </a:r>
+            <a:r>
+              <a:rPr lang="en-US" dirty="0">
+                <a:hlinkClick r:id="rId8" tooltip="happiness"/>
+              </a:rPr>
+              <a:t>happiness</a:t>
+            </a:r>
+            <a:r>
+              <a:rPr lang="en-US" dirty="0"/>
+              <a:t>, or </a:t>
+            </a:r>
+            <a:r>
+              <a:rPr lang="en-US" dirty="0">
+                <a:hlinkClick r:id="rId9" tooltip="excitement"/>
+              </a:rPr>
+              <a:t>excitement</a:t>
             </a:r>
             <a:endParaRPr lang="en-US" dirty="0"/>
           </a:p>
+          <a:p>
+            <a:r>
+              <a:rPr lang="en-US" dirty="0">
+                <a:hlinkClick r:id="rId10" tooltip="behave"/>
+              </a:rPr>
+              <a:t>behaving</a:t>
+            </a:r>
+            <a:r>
+              <a:rPr lang="en-US" dirty="0"/>
+              <a:t> in an uncontrolled, sometimes </a:t>
+            </a:r>
+            <a:r>
+              <a:rPr lang="en-US" dirty="0">
+                <a:hlinkClick r:id="rId11" tooltip="violent"/>
+              </a:rPr>
+              <a:t>violent</a:t>
+            </a:r>
+            <a:r>
+              <a:rPr lang="en-US" dirty="0"/>
+              <a:t> way</a:t>
+            </a:r>
+          </a:p>
         </p:txBody>
       </p:sp>
       <p:sp>
@@ -8542,7 +8632,7 @@
           <p:cNvPr id="5" name="Slide Number Placeholder 4">
             <a:extLst>
               <a:ext uri="{FF2B5EF4-FFF2-40B4-BE49-F238E27FC236}">
-                <a16:creationId xmlns:a16="http://schemas.microsoft.com/office/drawing/2014/main" id="{82BA1F10-D59B-238A-9898-EAA8CCFB02B8}"/>
+                <a16:creationId xmlns:a16="http://schemas.microsoft.com/office/drawing/2014/main" id="{289B017D-8843-168A-BC7D-5D7139812C0F}"/>
               </a:ext>
             </a:extLst>
           </p:cNvPr>
@@ -8569,60 +8659,20 @@
       </p:sp>
       <p:sp>
         <p:nvSpPr>
-          <p:cNvPr id="6" name="Rectangle 5">
-            <a:extLst>
-              <a:ext uri="{FF2B5EF4-FFF2-40B4-BE49-F238E27FC236}">
-                <a16:creationId xmlns:a16="http://schemas.microsoft.com/office/drawing/2014/main" id="{9C3D0A6D-6655-8F76-6136-F3F69E879F53}"/>
-              </a:ext>
-            </a:extLst>
-          </p:cNvPr>
-          <p:cNvSpPr/>
+          <p:cNvPr id="6" name="TextBox 5">
+            <a:extLst>
+              <a:ext uri="{FF2B5EF4-FFF2-40B4-BE49-F238E27FC236}">
+                <a16:creationId xmlns:a16="http://schemas.microsoft.com/office/drawing/2014/main" id="{E4D766DA-BF4A-7122-4460-A95D86B0CFAE}"/>
+              </a:ext>
+            </a:extLst>
+          </p:cNvPr>
+          <p:cNvSpPr txBox="1"/>
           <p:nvPr/>
         </p:nvSpPr>
         <p:spPr>
           <a:xfrm>
-            <a:off x="8767034" y="4359606"/>
-            <a:ext cx="1996966" cy="1030013"/>
-          </a:xfrm>
-          <a:prstGeom prst="rect">
-            <a:avLst/>
-          </a:prstGeom>
-          <a:noFill/>
-          <a:ln w="9525" cap="flat" cmpd="sng" algn="ctr">
-            <a:solidFill>
-              <a:srgbClr val="3F136C"/>
-            </a:solidFill>
-            <a:prstDash val="solid"/>
-          </a:ln>
-          <a:effectLst/>
-        </p:spPr>
-        <p:txBody>
-          <a:bodyPr rtlCol="0" anchor="ctr"/>
-          <a:lstStyle/>
-          <a:p>
-            <a:r>
-              <a:rPr lang="en-US" dirty="0"/>
-              <a:t>whatever</a:t>
-            </a:r>
-          </a:p>
-        </p:txBody>
-      </p:sp>
-      <p:sp>
-        <p:nvSpPr>
-          <p:cNvPr id="7" name="TextBox 6">
-            <a:extLst>
-              <a:ext uri="{FF2B5EF4-FFF2-40B4-BE49-F238E27FC236}">
-                <a16:creationId xmlns:a16="http://schemas.microsoft.com/office/drawing/2014/main" id="{7CE0552D-2F7B-E816-F699-61128C711AD4}"/>
-              </a:ext>
-            </a:extLst>
-          </p:cNvPr>
-          <p:cNvSpPr txBox="1"/>
-          <p:nvPr/>
-        </p:nvSpPr>
-        <p:spPr>
-          <a:xfrm>
-            <a:off x="349345" y="1616406"/>
-            <a:ext cx="9866710" cy="3258207"/>
+            <a:off x="349345" y="2408193"/>
+            <a:ext cx="10833662" cy="3258207"/>
           </a:xfrm>
           <a:prstGeom prst="rect">
             <a:avLst/>
@@ -8654,7 +8704,7 @@
                   <a:schemeClr val="bg2"/>
                 </a:solidFill>
               </a:rPr>
-              <a:t>whatsoever</a:t>
+              <a:t>wild</a:t>
             </a:r>
             <a:endParaRPr kumimoji="0" lang="en-US" sz="15000" b="0" i="0" u="none" strike="noStrike" kern="0" cap="none" spc="0" normalizeH="0" baseline="0" noProof="0" dirty="0">
               <a:ln>
@@ -8670,10 +8720,40 @@
           </a:p>
         </p:txBody>
       </p:sp>
+      <p:pic>
+        <p:nvPicPr>
+          <p:cNvPr id="7" name="Picture 6">
+            <a:extLst>
+              <a:ext uri="{FF2B5EF4-FFF2-40B4-BE49-F238E27FC236}">
+                <a16:creationId xmlns:a16="http://schemas.microsoft.com/office/drawing/2014/main" id="{5990989E-8D72-B565-3F85-B87D3223064E}"/>
+              </a:ext>
+            </a:extLst>
+          </p:cNvPr>
+          <p:cNvPicPr>
+            <a:picLocks noChangeAspect="1"/>
+          </p:cNvPicPr>
+          <p:nvPr/>
+        </p:nvPicPr>
+        <p:blipFill>
+          <a:blip r:embed="rId12"/>
+          <a:stretch>
+            <a:fillRect/>
+          </a:stretch>
+        </p:blipFill>
+        <p:spPr>
+          <a:xfrm>
+            <a:off x="6865280" y="3041933"/>
+            <a:ext cx="2305050" cy="1990725"/>
+          </a:xfrm>
+          <a:prstGeom prst="rect">
+            <a:avLst/>
+          </a:prstGeom>
+        </p:spPr>
+      </p:pic>
     </p:spTree>
     <p:extLst>
       <p:ext uri="{BB962C8B-B14F-4D97-AF65-F5344CB8AC3E}">
-        <p14:creationId xmlns:p14="http://schemas.microsoft.com/office/powerpoint/2010/main" val="2123276413"/>
+        <p14:creationId xmlns:p14="http://schemas.microsoft.com/office/powerpoint/2010/main" val="405749646"/>
       </p:ext>
     </p:extLst>
   </p:cSld>
@@ -8705,7 +8785,7 @@
           <p:cNvPr id="2" name="Title 1">
             <a:extLst>
               <a:ext uri="{FF2B5EF4-FFF2-40B4-BE49-F238E27FC236}">
-                <a16:creationId xmlns:a16="http://schemas.microsoft.com/office/drawing/2014/main" id="{068985E6-0294-5FE5-753E-5B47C6CA136F}"/>
+                <a16:creationId xmlns:a16="http://schemas.microsoft.com/office/drawing/2014/main" id="{4C2957F9-635A-C2AA-6027-953A66372B08}"/>
               </a:ext>
             </a:extLst>
           </p:cNvPr>
@@ -8723,7 +8803,7 @@
           <a:p>
             <a:r>
               <a:rPr lang="en-US" dirty="0"/>
-              <a:t>whereas</a:t>
+              <a:t>whatsoever</a:t>
             </a:r>
           </a:p>
         </p:txBody>
@@ -8733,7 +8813,7 @@
           <p:cNvPr id="3" name="Text Placeholder 2">
             <a:extLst>
               <a:ext uri="{FF2B5EF4-FFF2-40B4-BE49-F238E27FC236}">
-                <a16:creationId xmlns:a16="http://schemas.microsoft.com/office/drawing/2014/main" id="{285BC5FC-D441-B7CF-D206-01654C9247F0}"/>
+                <a16:creationId xmlns:a16="http://schemas.microsoft.com/office/drawing/2014/main" id="{F569A644-1300-8F79-29B7-BF833D1CBA60}"/>
               </a:ext>
             </a:extLst>
           </p:cNvPr>
@@ -8761,7 +8841,7 @@
           <p:cNvPr id="4" name="Content Placeholder 3">
             <a:extLst>
               <a:ext uri="{FF2B5EF4-FFF2-40B4-BE49-F238E27FC236}">
-                <a16:creationId xmlns:a16="http://schemas.microsoft.com/office/drawing/2014/main" id="{2A28F16E-0C75-DCD8-E3F8-281312C5DDEF}"/>
+                <a16:creationId xmlns:a16="http://schemas.microsoft.com/office/drawing/2014/main" id="{010036FE-A1FB-6C99-8108-1CFF4EFA09E1}"/>
               </a:ext>
             </a:extLst>
           </p:cNvPr>
@@ -8779,74 +8859,35 @@
           <a:p>
             <a:r>
               <a:rPr lang="en-US" dirty="0"/>
-              <a:t>used to say that although something is </a:t>
+              <a:t>used to </a:t>
             </a:r>
             <a:r>
               <a:rPr lang="en-US" dirty="0">
-                <a:hlinkClick r:id="rId3" tooltip="true"/>
-              </a:rPr>
-              <a:t>true</a:t>
-            </a:r>
-            <a:r>
-              <a:rPr lang="en-US" dirty="0"/>
-              <a:t> of one thing, it is not true of another</a:t>
-            </a:r>
-          </a:p>
-          <a:p>
-            <a:r>
-              <a:rPr lang="en-US" dirty="0"/>
-              <a:t>used at the </a:t>
+                <a:hlinkClick r:id="rId2" tooltip="emphasize"/>
+              </a:rPr>
+              <a:t>emphasize</a:t>
+            </a:r>
+            <a:r>
+              <a:rPr lang="en-US" dirty="0"/>
+              <a:t> a </a:t>
             </a:r>
             <a:r>
               <a:rPr lang="en-US" dirty="0">
-                <a:hlinkClick r:id="rId4" tooltip="begin"/>
-              </a:rPr>
-              <a:t>beginning</a:t>
-            </a:r>
-            <a:r>
-              <a:rPr lang="en-US" dirty="0"/>
-              <a:t> of an </a:t>
+                <a:hlinkClick r:id="rId3" tooltip="negative"/>
+              </a:rPr>
+              <a:t>negative</a:t>
+            </a:r>
+            <a:r>
+              <a:rPr lang="en-US" dirty="0"/>
+              <a:t> </a:t>
             </a:r>
             <a:r>
               <a:rPr lang="en-US" dirty="0">
-                <a:hlinkClick r:id="rId5" tooltip="official"/>
-              </a:rPr>
-              <a:t>official</a:t>
-            </a:r>
-            <a:r>
-              <a:rPr lang="en-US" dirty="0"/>
-              <a:t> </a:t>
-            </a:r>
-            <a:r>
-              <a:rPr lang="en-US" dirty="0">
-                <a:hlinkClick r:id="rId6" tooltip="document"/>
-              </a:rPr>
-              <a:t>document</a:t>
-            </a:r>
-            <a:r>
-              <a:rPr lang="en-US" dirty="0"/>
-              <a:t> to </a:t>
-            </a:r>
-            <a:r>
-              <a:rPr lang="en-US" dirty="0">
-                <a:hlinkClick r:id="rId7" tooltip="mean"/>
-              </a:rPr>
-              <a:t>mean</a:t>
-            </a:r>
-            <a:r>
-              <a:rPr lang="en-US" dirty="0"/>
-              <a:t> ‘because of a particular </a:t>
-            </a:r>
-            <a:r>
-              <a:rPr lang="en-US" dirty="0">
-                <a:hlinkClick r:id="rId8" tooltip="fact"/>
-              </a:rPr>
-              <a:t>fact</a:t>
-            </a:r>
-            <a:r>
-              <a:rPr lang="en-US" dirty="0"/>
-              <a:t>’</a:t>
-            </a:r>
+                <a:hlinkClick r:id="rId4" tooltip="statement"/>
+              </a:rPr>
+              <a:t>statement</a:t>
+            </a:r>
+            <a:endParaRPr lang="en-US" dirty="0"/>
           </a:p>
         </p:txBody>
       </p:sp>
@@ -8855,7 +8896,7 @@
           <p:cNvPr id="5" name="Slide Number Placeholder 4">
             <a:extLst>
               <a:ext uri="{FF2B5EF4-FFF2-40B4-BE49-F238E27FC236}">
-                <a16:creationId xmlns:a16="http://schemas.microsoft.com/office/drawing/2014/main" id="{B915F7E7-C166-5DA3-74B1-3B4470503546}"/>
+                <a16:creationId xmlns:a16="http://schemas.microsoft.com/office/drawing/2014/main" id="{82BA1F10-D59B-238A-9898-EAA8CCFB02B8}"/>
               </a:ext>
             </a:extLst>
           </p:cNvPr>
@@ -8882,10 +8923,50 @@
       </p:sp>
       <p:sp>
         <p:nvSpPr>
-          <p:cNvPr id="6" name="TextBox 5">
-            <a:extLst>
-              <a:ext uri="{FF2B5EF4-FFF2-40B4-BE49-F238E27FC236}">
-                <a16:creationId xmlns:a16="http://schemas.microsoft.com/office/drawing/2014/main" id="{281DAF1A-5B0E-D10C-5C8B-EE0A8DA8BDD3}"/>
+          <p:cNvPr id="6" name="Rectangle 5">
+            <a:extLst>
+              <a:ext uri="{FF2B5EF4-FFF2-40B4-BE49-F238E27FC236}">
+                <a16:creationId xmlns:a16="http://schemas.microsoft.com/office/drawing/2014/main" id="{9C3D0A6D-6655-8F76-6136-F3F69E879F53}"/>
+              </a:ext>
+            </a:extLst>
+          </p:cNvPr>
+          <p:cNvSpPr/>
+          <p:nvPr/>
+        </p:nvSpPr>
+        <p:spPr>
+          <a:xfrm>
+            <a:off x="8767034" y="4359606"/>
+            <a:ext cx="1996966" cy="1030013"/>
+          </a:xfrm>
+          <a:prstGeom prst="rect">
+            <a:avLst/>
+          </a:prstGeom>
+          <a:noFill/>
+          <a:ln w="9525" cap="flat" cmpd="sng" algn="ctr">
+            <a:solidFill>
+              <a:srgbClr val="3F136C"/>
+            </a:solidFill>
+            <a:prstDash val="solid"/>
+          </a:ln>
+          <a:effectLst/>
+        </p:spPr>
+        <p:txBody>
+          <a:bodyPr rtlCol="0" anchor="ctr"/>
+          <a:lstStyle/>
+          <a:p>
+            <a:r>
+              <a:rPr lang="en-US" dirty="0"/>
+              <a:t>whatever</a:t>
+            </a:r>
+          </a:p>
+        </p:txBody>
+      </p:sp>
+      <p:sp>
+        <p:nvSpPr>
+          <p:cNvPr id="7" name="TextBox 6">
+            <a:extLst>
+              <a:ext uri="{FF2B5EF4-FFF2-40B4-BE49-F238E27FC236}">
+                <a16:creationId xmlns:a16="http://schemas.microsoft.com/office/drawing/2014/main" id="{7CE0552D-2F7B-E816-F699-61128C711AD4}"/>
               </a:ext>
             </a:extLst>
           </p:cNvPr>
@@ -8927,7 +9008,7 @@
                   <a:schemeClr val="bg2"/>
                 </a:solidFill>
               </a:rPr>
-              <a:t>whereas</a:t>
+              <a:t>whatsoever</a:t>
             </a:r>
             <a:endParaRPr kumimoji="0" lang="en-US" sz="15000" b="0" i="0" u="none" strike="noStrike" kern="0" cap="none" spc="0" normalizeH="0" baseline="0" noProof="0" dirty="0">
               <a:ln>
@@ -8946,7 +9027,7 @@
     </p:spTree>
     <p:extLst>
       <p:ext uri="{BB962C8B-B14F-4D97-AF65-F5344CB8AC3E}">
-        <p14:creationId xmlns:p14="http://schemas.microsoft.com/office/powerpoint/2010/main" val="3893519129"/>
+        <p14:creationId xmlns:p14="http://schemas.microsoft.com/office/powerpoint/2010/main" val="2123276413"/>
       </p:ext>
     </p:extLst>
   </p:cSld>
@@ -8978,7 +9059,7 @@
           <p:cNvPr id="2" name="Title 1">
             <a:extLst>
               <a:ext uri="{FF2B5EF4-FFF2-40B4-BE49-F238E27FC236}">
-                <a16:creationId xmlns:a16="http://schemas.microsoft.com/office/drawing/2014/main" id="{85E6A14D-9482-6230-969C-9A482E65877A}"/>
+                <a16:creationId xmlns:a16="http://schemas.microsoft.com/office/drawing/2014/main" id="{068985E6-0294-5FE5-753E-5B47C6CA136F}"/>
               </a:ext>
             </a:extLst>
           </p:cNvPr>
@@ -8996,7 +9077,7 @@
           <a:p>
             <a:r>
               <a:rPr lang="en-US" dirty="0"/>
-              <a:t>whisper</a:t>
+              <a:t>whereas</a:t>
             </a:r>
           </a:p>
         </p:txBody>
@@ -9006,7 +9087,7 @@
           <p:cNvPr id="3" name="Text Placeholder 2">
             <a:extLst>
               <a:ext uri="{FF2B5EF4-FFF2-40B4-BE49-F238E27FC236}">
-                <a16:creationId xmlns:a16="http://schemas.microsoft.com/office/drawing/2014/main" id="{257D7C63-9C40-5FF6-2B42-C4F1568C27ED}"/>
+                <a16:creationId xmlns:a16="http://schemas.microsoft.com/office/drawing/2014/main" id="{285BC5FC-D441-B7CF-D206-01654C9247F0}"/>
               </a:ext>
             </a:extLst>
           </p:cNvPr>
@@ -9034,7 +9115,7 @@
           <p:cNvPr id="4" name="Content Placeholder 3">
             <a:extLst>
               <a:ext uri="{FF2B5EF4-FFF2-40B4-BE49-F238E27FC236}">
-                <a16:creationId xmlns:a16="http://schemas.microsoft.com/office/drawing/2014/main" id="{3495BDC3-16BC-6A94-C3B9-7B939F8FCF53}"/>
+                <a16:creationId xmlns:a16="http://schemas.microsoft.com/office/drawing/2014/main" id="{2A28F16E-0C75-DCD8-E3F8-281312C5DDEF}"/>
               </a:ext>
             </a:extLst>
           </p:cNvPr>
@@ -9052,50 +9133,73 @@
           <a:p>
             <a:r>
               <a:rPr lang="en-US" dirty="0"/>
-              <a:t>to </a:t>
+              <a:t>used to say that although something is </a:t>
             </a:r>
             <a:r>
               <a:rPr lang="en-US" dirty="0">
-                <a:hlinkClick r:id="rId2" tooltip="speak"/>
-              </a:rPr>
-              <a:t>speak</a:t>
-            </a:r>
-            <a:r>
-              <a:rPr lang="en-US" dirty="0"/>
-              <a:t> or say something very quietly, using your </a:t>
+                <a:hlinkClick r:id="rId3" tooltip="true"/>
+              </a:rPr>
+              <a:t>true</a:t>
+            </a:r>
+            <a:r>
+              <a:rPr lang="en-US" dirty="0"/>
+              <a:t> of one thing, it is not true of another</a:t>
+            </a:r>
+          </a:p>
+          <a:p>
+            <a:r>
+              <a:rPr lang="en-US" dirty="0"/>
+              <a:t>used at the </a:t>
             </a:r>
             <a:r>
               <a:rPr lang="en-US" dirty="0">
-                <a:hlinkClick r:id="rId3" tooltip="breath"/>
-              </a:rPr>
-              <a:t>breath</a:t>
-            </a:r>
-            <a:r>
-              <a:rPr lang="en-US" dirty="0"/>
-              <a:t> rather than your </a:t>
+                <a:hlinkClick r:id="rId4" tooltip="begin"/>
+              </a:rPr>
+              <a:t>beginning</a:t>
+            </a:r>
+            <a:r>
+              <a:rPr lang="en-US" dirty="0"/>
+              <a:t> of an </a:t>
             </a:r>
             <a:r>
               <a:rPr lang="en-US" dirty="0">
-                <a:hlinkClick r:id="rId4" tooltip="voice"/>
-              </a:rPr>
-              <a:t>voice</a:t>
-            </a:r>
-            <a:endParaRPr lang="en-US" dirty="0"/>
-          </a:p>
-          <a:p>
-            <a:r>
-              <a:rPr lang="en-US" dirty="0"/>
-              <a:t>to say or </a:t>
+                <a:hlinkClick r:id="rId5" tooltip="official"/>
+              </a:rPr>
+              <a:t>official</a:t>
+            </a:r>
+            <a:r>
+              <a:rPr lang="en-US" dirty="0"/>
+              <a:t> </a:t>
             </a:r>
             <a:r>
               <a:rPr lang="en-US" dirty="0">
-                <a:hlinkClick r:id="rId5" tooltip="suggest"/>
-              </a:rPr>
-              <a:t>suggest</a:t>
-            </a:r>
-            <a:r>
-              <a:rPr lang="en-US" dirty="0"/>
-              <a:t> something privately or secretly</a:t>
+                <a:hlinkClick r:id="rId6" tooltip="document"/>
+              </a:rPr>
+              <a:t>document</a:t>
+            </a:r>
+            <a:r>
+              <a:rPr lang="en-US" dirty="0"/>
+              <a:t> to </a:t>
+            </a:r>
+            <a:r>
+              <a:rPr lang="en-US" dirty="0">
+                <a:hlinkClick r:id="rId7" tooltip="mean"/>
+              </a:rPr>
+              <a:t>mean</a:t>
+            </a:r>
+            <a:r>
+              <a:rPr lang="en-US" dirty="0"/>
+              <a:t> ‘because of a particular </a:t>
+            </a:r>
+            <a:r>
+              <a:rPr lang="en-US" dirty="0">
+                <a:hlinkClick r:id="rId8" tooltip="fact"/>
+              </a:rPr>
+              <a:t>fact</a:t>
+            </a:r>
+            <a:r>
+              <a:rPr lang="en-US" dirty="0"/>
+              <a:t>’</a:t>
             </a:r>
           </a:p>
         </p:txBody>
@@ -9105,7 +9209,7 @@
           <p:cNvPr id="5" name="Slide Number Placeholder 4">
             <a:extLst>
               <a:ext uri="{FF2B5EF4-FFF2-40B4-BE49-F238E27FC236}">
-                <a16:creationId xmlns:a16="http://schemas.microsoft.com/office/drawing/2014/main" id="{D1992CDA-33D1-FEE4-808D-037C15762F9A}"/>
+                <a16:creationId xmlns:a16="http://schemas.microsoft.com/office/drawing/2014/main" id="{B915F7E7-C166-5DA3-74B1-3B4470503546}"/>
               </a:ext>
             </a:extLst>
           </p:cNvPr>
@@ -9135,7 +9239,7 @@
           <p:cNvPr id="6" name="TextBox 5">
             <a:extLst>
               <a:ext uri="{FF2B5EF4-FFF2-40B4-BE49-F238E27FC236}">
-                <a16:creationId xmlns:a16="http://schemas.microsoft.com/office/drawing/2014/main" id="{DF0F3860-868F-CE04-1366-E247366D8030}"/>
+                <a16:creationId xmlns:a16="http://schemas.microsoft.com/office/drawing/2014/main" id="{281DAF1A-5B0E-D10C-5C8B-EE0A8DA8BDD3}"/>
               </a:ext>
             </a:extLst>
           </p:cNvPr>
@@ -9177,7 +9281,7 @@
                   <a:schemeClr val="bg2"/>
                 </a:solidFill>
               </a:rPr>
-              <a:t>whisper</a:t>
+              <a:t>whereas</a:t>
             </a:r>
             <a:endParaRPr kumimoji="0" lang="en-US" sz="15000" b="0" i="0" u="none" strike="noStrike" kern="0" cap="none" spc="0" normalizeH="0" baseline="0" noProof="0" dirty="0">
               <a:ln>
@@ -9196,7 +9300,7 @@
     </p:spTree>
     <p:extLst>
       <p:ext uri="{BB962C8B-B14F-4D97-AF65-F5344CB8AC3E}">
-        <p14:creationId xmlns:p14="http://schemas.microsoft.com/office/powerpoint/2010/main" val="2262829845"/>
+        <p14:creationId xmlns:p14="http://schemas.microsoft.com/office/powerpoint/2010/main" val="3893519129"/>
       </p:ext>
     </p:extLst>
   </p:cSld>
@@ -9228,7 +9332,7 @@
           <p:cNvPr id="2" name="Title 1">
             <a:extLst>
               <a:ext uri="{FF2B5EF4-FFF2-40B4-BE49-F238E27FC236}">
-                <a16:creationId xmlns:a16="http://schemas.microsoft.com/office/drawing/2014/main" id="{23311F79-AAFF-E1B3-2CF7-05003569FC0E}"/>
+                <a16:creationId xmlns:a16="http://schemas.microsoft.com/office/drawing/2014/main" id="{85E6A14D-9482-6230-969C-9A482E65877A}"/>
               </a:ext>
             </a:extLst>
           </p:cNvPr>
@@ -9245,10 +9349,9 @@
           <a:lstStyle/>
           <a:p>
             <a:r>
-              <a:rPr lang="en-US" sz="2800" dirty="0"/>
-              <a:t>wicked</a:t>
-            </a:r>
-            <a:endParaRPr lang="en-US" dirty="0"/>
+              <a:rPr lang="en-US" dirty="0"/>
+              <a:t>whisper</a:t>
+            </a:r>
           </a:p>
         </p:txBody>
       </p:sp>
@@ -9257,7 +9360,7 @@
           <p:cNvPr id="3" name="Text Placeholder 2">
             <a:extLst>
               <a:ext uri="{FF2B5EF4-FFF2-40B4-BE49-F238E27FC236}">
-                <a16:creationId xmlns:a16="http://schemas.microsoft.com/office/drawing/2014/main" id="{114F6AA2-3512-85B5-385E-EC5D29E0262A}"/>
+                <a16:creationId xmlns:a16="http://schemas.microsoft.com/office/drawing/2014/main" id="{257D7C63-9C40-5FF6-2B42-C4F1568C27ED}"/>
               </a:ext>
             </a:extLst>
           </p:cNvPr>
@@ -9285,7 +9388,7 @@
           <p:cNvPr id="4" name="Content Placeholder 3">
             <a:extLst>
               <a:ext uri="{FF2B5EF4-FFF2-40B4-BE49-F238E27FC236}">
-                <a16:creationId xmlns:a16="http://schemas.microsoft.com/office/drawing/2014/main" id="{CB11449A-503C-4783-B843-4155E4909112}"/>
+                <a16:creationId xmlns:a16="http://schemas.microsoft.com/office/drawing/2014/main" id="{3495BDC3-16BC-6A94-C3B9-7B939F8FCF53}"/>
               </a:ext>
             </a:extLst>
           </p:cNvPr>
@@ -9302,14 +9405,51 @@
           <a:lstStyle/>
           <a:p>
             <a:r>
+              <a:rPr lang="en-US" dirty="0"/>
+              <a:t>to </a:t>
+            </a:r>
+            <a:r>
               <a:rPr lang="en-US" dirty="0">
-                <a:hlinkClick r:id="rId2" tooltip="behave"/>
-              </a:rPr>
-              <a:t>behaving</a:t>
-            </a:r>
-            <a:r>
-              <a:rPr lang="en-US" dirty="0"/>
-              <a:t> in a way that is morally wrong</a:t>
+                <a:hlinkClick r:id="rId2" tooltip="speak"/>
+              </a:rPr>
+              <a:t>speak</a:t>
+            </a:r>
+            <a:r>
+              <a:rPr lang="en-US" dirty="0"/>
+              <a:t> or say something very quietly, using your </a:t>
+            </a:r>
+            <a:r>
+              <a:rPr lang="en-US" dirty="0">
+                <a:hlinkClick r:id="rId3" tooltip="breath"/>
+              </a:rPr>
+              <a:t>breath</a:t>
+            </a:r>
+            <a:r>
+              <a:rPr lang="en-US" dirty="0"/>
+              <a:t> rather than your </a:t>
+            </a:r>
+            <a:r>
+              <a:rPr lang="en-US" dirty="0">
+                <a:hlinkClick r:id="rId4" tooltip="voice"/>
+              </a:rPr>
+              <a:t>voice</a:t>
+            </a:r>
+            <a:endParaRPr lang="en-US" dirty="0"/>
+          </a:p>
+          <a:p>
+            <a:r>
+              <a:rPr lang="en-US" dirty="0"/>
+              <a:t>to say or </a:t>
+            </a:r>
+            <a:r>
+              <a:rPr lang="en-US" dirty="0">
+                <a:hlinkClick r:id="rId5" tooltip="suggest"/>
+              </a:rPr>
+              <a:t>suggest</a:t>
+            </a:r>
+            <a:r>
+              <a:rPr lang="en-US" dirty="0"/>
+              <a:t> something privately or secretly</a:t>
             </a:r>
           </a:p>
         </p:txBody>
@@ -9319,7 +9459,7 @@
           <p:cNvPr id="5" name="Slide Number Placeholder 4">
             <a:extLst>
               <a:ext uri="{FF2B5EF4-FFF2-40B4-BE49-F238E27FC236}">
-                <a16:creationId xmlns:a16="http://schemas.microsoft.com/office/drawing/2014/main" id="{DBDEC464-F33D-2496-4724-3369ED0A8727}"/>
+                <a16:creationId xmlns:a16="http://schemas.microsoft.com/office/drawing/2014/main" id="{D1992CDA-33D1-FEE4-808D-037C15762F9A}"/>
               </a:ext>
             </a:extLst>
           </p:cNvPr>
@@ -9346,60 +9486,10 @@
       </p:sp>
       <p:sp>
         <p:nvSpPr>
-          <p:cNvPr id="6" name="Rectangle 5">
-            <a:extLst>
-              <a:ext uri="{FF2B5EF4-FFF2-40B4-BE49-F238E27FC236}">
-                <a16:creationId xmlns:a16="http://schemas.microsoft.com/office/drawing/2014/main" id="{460BBE3D-1B0C-7FD5-1B66-265D3CB6429E}"/>
-              </a:ext>
-            </a:extLst>
-          </p:cNvPr>
-          <p:cNvSpPr/>
-          <p:nvPr/>
-        </p:nvSpPr>
-        <p:spPr>
-          <a:xfrm>
-            <a:off x="8767034" y="4359606"/>
-            <a:ext cx="1996966" cy="1030013"/>
-          </a:xfrm>
-          <a:prstGeom prst="rect">
-            <a:avLst/>
-          </a:prstGeom>
-          <a:noFill/>
-          <a:ln w="9525" cap="flat" cmpd="sng" algn="ctr">
-            <a:solidFill>
-              <a:srgbClr val="3F136C"/>
-            </a:solidFill>
-            <a:prstDash val="solid"/>
-          </a:ln>
-          <a:effectLst/>
-        </p:spPr>
-        <p:txBody>
-          <a:bodyPr rtlCol="0" anchor="ctr"/>
-          <a:lstStyle/>
-          <a:p>
-            <a:r>
-              <a:rPr lang="en-US" b="1" dirty="0">
-                <a:solidFill>
-                  <a:srgbClr val="FFC000"/>
-                </a:solidFill>
-              </a:rPr>
-              <a:t>SYN</a:t>
-            </a:r>
-          </a:p>
-          <a:p>
-            <a:r>
-              <a:rPr lang="en-US" dirty="0"/>
-              <a:t>evil</a:t>
-            </a:r>
-          </a:p>
-        </p:txBody>
-      </p:sp>
-      <p:sp>
-        <p:nvSpPr>
-          <p:cNvPr id="7" name="TextBox 6">
-            <a:extLst>
-              <a:ext uri="{FF2B5EF4-FFF2-40B4-BE49-F238E27FC236}">
-                <a16:creationId xmlns:a16="http://schemas.microsoft.com/office/drawing/2014/main" id="{91E4382A-BA05-3896-6F94-089679D86CB4}"/>
+          <p:cNvPr id="6" name="TextBox 5">
+            <a:extLst>
+              <a:ext uri="{FF2B5EF4-FFF2-40B4-BE49-F238E27FC236}">
+                <a16:creationId xmlns:a16="http://schemas.microsoft.com/office/drawing/2014/main" id="{DF0F3860-868F-CE04-1366-E247366D8030}"/>
               </a:ext>
             </a:extLst>
           </p:cNvPr>
@@ -9441,7 +9531,7 @@
                   <a:schemeClr val="bg2"/>
                 </a:solidFill>
               </a:rPr>
-              <a:t>wicked</a:t>
+              <a:t>whisper</a:t>
             </a:r>
             <a:endParaRPr kumimoji="0" lang="en-US" sz="15000" b="0" i="0" u="none" strike="noStrike" kern="0" cap="none" spc="0" normalizeH="0" baseline="0" noProof="0" dirty="0">
               <a:ln>
@@ -9457,56 +9547,40 @@
           </a:p>
         </p:txBody>
       </p:sp>
-      <p:sp>
-        <p:nvSpPr>
-          <p:cNvPr id="8" name="Rectangle 7">
-            <a:extLst>
-              <a:ext uri="{FF2B5EF4-FFF2-40B4-BE49-F238E27FC236}">
-                <a16:creationId xmlns:a16="http://schemas.microsoft.com/office/drawing/2014/main" id="{C0B7BAF4-2ABF-5C52-3959-31537134C673}"/>
-              </a:ext>
-            </a:extLst>
-          </p:cNvPr>
-          <p:cNvSpPr/>
+      <p:pic>
+        <p:nvPicPr>
+          <p:cNvPr id="7" name="Picture 6">
+            <a:extLst>
+              <a:ext uri="{FF2B5EF4-FFF2-40B4-BE49-F238E27FC236}">
+                <a16:creationId xmlns:a16="http://schemas.microsoft.com/office/drawing/2014/main" id="{B14F82FA-B8F8-2D48-91C3-808E54AF6DEC}"/>
+              </a:ext>
+            </a:extLst>
+          </p:cNvPr>
+          <p:cNvPicPr>
+            <a:picLocks noChangeAspect="1"/>
+          </p:cNvPicPr>
           <p:nvPr/>
-        </p:nvSpPr>
+        </p:nvPicPr>
+        <p:blipFill>
+          <a:blip r:embed="rId6"/>
+          <a:stretch>
+            <a:fillRect/>
+          </a:stretch>
+        </p:blipFill>
         <p:spPr>
           <a:xfrm>
-            <a:off x="8767034" y="2814587"/>
-            <a:ext cx="1996966" cy="1030013"/>
+            <a:off x="7108910" y="3196338"/>
+            <a:ext cx="2619375" cy="1743075"/>
           </a:xfrm>
           <a:prstGeom prst="rect">
             <a:avLst/>
           </a:prstGeom>
-          <a:noFill/>
-          <a:ln w="9525" cap="flat" cmpd="sng" algn="ctr">
-            <a:solidFill>
-              <a:srgbClr val="3F136C"/>
-            </a:solidFill>
-            <a:prstDash val="solid"/>
-          </a:ln>
-          <a:effectLst/>
         </p:spPr>
-        <p:txBody>
-          <a:bodyPr rtlCol="0" anchor="ctr"/>
-          <a:lstStyle/>
-          <a:p>
-            <a:r>
-              <a:rPr lang="en-US" dirty="0"/>
-              <a:t>weekend</a:t>
-            </a:r>
-          </a:p>
-          <a:p>
-            <a:r>
-              <a:rPr lang="en-US" dirty="0"/>
-              <a:t>kid</a:t>
-            </a:r>
-          </a:p>
-        </p:txBody>
-      </p:sp>
+      </p:pic>
     </p:spTree>
     <p:extLst>
       <p:ext uri="{BB962C8B-B14F-4D97-AF65-F5344CB8AC3E}">
-        <p14:creationId xmlns:p14="http://schemas.microsoft.com/office/powerpoint/2010/main" val="677363327"/>
+        <p14:creationId xmlns:p14="http://schemas.microsoft.com/office/powerpoint/2010/main" val="2262829845"/>
       </p:ext>
     </p:extLst>
   </p:cSld>
@@ -11167,6 +11241,42 @@
           </a:p>
         </p:txBody>
       </p:sp>
+      <p:pic>
+        <p:nvPicPr>
+          <p:cNvPr id="10" name="Picture 9">
+            <a:extLst>
+              <a:ext uri="{FF2B5EF4-FFF2-40B4-BE49-F238E27FC236}">
+                <a16:creationId xmlns:a16="http://schemas.microsoft.com/office/drawing/2014/main" id="{7BA7ADF8-D136-67B4-444C-DB20A70F43CF}"/>
+              </a:ext>
+            </a:extLst>
+          </p:cNvPr>
+          <p:cNvPicPr>
+            <a:picLocks noChangeAspect="1"/>
+          </p:cNvPicPr>
+          <p:nvPr/>
+        </p:nvPicPr>
+        <p:blipFill>
+          <a:blip r:embed="rId8">
+            <a:extLst>
+              <a:ext uri="{28A0092B-C50C-407E-A947-70E740481C1C}">
+                <a14:useLocalDpi xmlns:a14="http://schemas.microsoft.com/office/drawing/2010/main" val="0"/>
+              </a:ext>
+            </a:extLst>
+          </a:blip>
+          <a:stretch>
+            <a:fillRect/>
+          </a:stretch>
+        </p:blipFill>
+        <p:spPr>
+          <a:xfrm>
+            <a:off x="6240079" y="2784512"/>
+            <a:ext cx="2714625" cy="1685925"/>
+          </a:xfrm>
+          <a:prstGeom prst="rect">
+            <a:avLst/>
+          </a:prstGeom>
+        </p:spPr>
+      </p:pic>
     </p:spTree>
     <p:extLst>
       <p:ext uri="{BB962C8B-B14F-4D97-AF65-F5344CB8AC3E}">
@@ -12836,6 +12946,42 @@
           </a:p>
         </p:txBody>
       </p:sp>
+      <p:pic>
+        <p:nvPicPr>
+          <p:cNvPr id="8" name="Picture 7">
+            <a:extLst>
+              <a:ext uri="{FF2B5EF4-FFF2-40B4-BE49-F238E27FC236}">
+                <a16:creationId xmlns:a16="http://schemas.microsoft.com/office/drawing/2014/main" id="{0243A150-30E5-F414-F3A7-A94E9D95B8C5}"/>
+              </a:ext>
+            </a:extLst>
+          </p:cNvPr>
+          <p:cNvPicPr>
+            <a:picLocks noChangeAspect="1"/>
+          </p:cNvPicPr>
+          <p:nvPr/>
+        </p:nvPicPr>
+        <p:blipFill>
+          <a:blip r:embed="rId9">
+            <a:extLst>
+              <a:ext uri="{28A0092B-C50C-407E-A947-70E740481C1C}">
+                <a14:useLocalDpi xmlns:a14="http://schemas.microsoft.com/office/drawing/2010/main" val="0"/>
+              </a:ext>
+            </a:extLst>
+          </a:blip>
+          <a:stretch>
+            <a:fillRect/>
+          </a:stretch>
+        </p:blipFill>
+        <p:spPr>
+          <a:xfrm>
+            <a:off x="6909128" y="3262323"/>
+            <a:ext cx="2847975" cy="1609725"/>
+          </a:xfrm>
+          <a:prstGeom prst="rect">
+            <a:avLst/>
+          </a:prstGeom>
+        </p:spPr>
+      </p:pic>
     </p:spTree>
     <p:extLst>
       <p:ext uri="{BB962C8B-B14F-4D97-AF65-F5344CB8AC3E}">
@@ -13051,7 +13197,7 @@
         </p:nvSpPr>
         <p:spPr>
           <a:xfrm>
-            <a:off x="938753" y="2124496"/>
+            <a:off x="875691" y="2278593"/>
             <a:ext cx="10833662" cy="3258207"/>
           </a:xfrm>
           <a:prstGeom prst="rect">
@@ -14533,7 +14679,11 @@
           </a:p>
           <a:p>
             <a:r>
-              <a:rPr lang="en-US" sz="1800" dirty="0"/>
+              <a:rPr lang="en-US" sz="1800" b="1" dirty="0">
+                <a:solidFill>
+                  <a:srgbClr val="007BC0"/>
+                </a:solidFill>
+              </a:rPr>
               <a:t>will</a:t>
             </a:r>
           </a:p>
@@ -14545,7 +14695,11 @@
           </a:p>
           <a:p>
             <a:r>
-              <a:rPr lang="en-US" sz="1800" dirty="0"/>
+              <a:rPr lang="en-US" sz="1800" b="1" dirty="0">
+                <a:solidFill>
+                  <a:srgbClr val="007BC0"/>
+                </a:solidFill>
+              </a:rPr>
               <a:t>wind</a:t>
             </a:r>
           </a:p>
@@ -14557,7 +14711,11 @@
           </a:p>
           <a:p>
             <a:r>
-              <a:rPr lang="en-US" sz="1800" dirty="0"/>
+              <a:rPr lang="en-US" sz="1800" b="1" dirty="0">
+                <a:solidFill>
+                  <a:srgbClr val="007BC0"/>
+                </a:solidFill>
+              </a:rPr>
               <a:t>wine</a:t>
             </a:r>
           </a:p>
@@ -14569,7 +14727,11 @@
           </a:p>
           <a:p>
             <a:r>
-              <a:rPr lang="en-US" sz="1800" dirty="0"/>
+              <a:rPr lang="en-US" sz="1800" b="1" dirty="0">
+                <a:solidFill>
+                  <a:srgbClr val="007BC0"/>
+                </a:solidFill>
+              </a:rPr>
               <a:t>winter</a:t>
             </a:r>
           </a:p>
@@ -14581,7 +14743,11 @@
           </a:p>
           <a:p>
             <a:r>
-              <a:rPr lang="en-US" sz="1800" dirty="0"/>
+              <a:rPr lang="en-US" sz="1800" b="1" dirty="0">
+                <a:solidFill>
+                  <a:srgbClr val="007BC0"/>
+                </a:solidFill>
+              </a:rPr>
               <a:t>wire</a:t>
             </a:r>
           </a:p>
@@ -14593,7 +14759,11 @@
           </a:p>
           <a:p>
             <a:r>
-              <a:rPr lang="en-US" sz="1800" dirty="0"/>
+              <a:rPr lang="en-US" sz="1800" b="1" dirty="0">
+                <a:solidFill>
+                  <a:srgbClr val="007BC0"/>
+                </a:solidFill>
+              </a:rPr>
               <a:t>witness</a:t>
             </a:r>
           </a:p>
@@ -14605,7 +14775,11 @@
           </a:p>
           <a:p>
             <a:r>
-              <a:rPr lang="en-US" sz="1800" dirty="0"/>
+              <a:rPr lang="en-US" sz="1800" b="1" dirty="0">
+                <a:solidFill>
+                  <a:srgbClr val="007BC0"/>
+                </a:solidFill>
+              </a:rPr>
               <a:t>word</a:t>
             </a:r>
           </a:p>
@@ -14617,7 +14791,11 @@
           </a:p>
           <a:p>
             <a:r>
-              <a:rPr lang="en-US" sz="1800" dirty="0"/>
+              <a:rPr lang="en-US" sz="1800" b="1" dirty="0">
+                <a:solidFill>
+                  <a:srgbClr val="007BC0"/>
+                </a:solidFill>
+              </a:rPr>
               <a:t>would</a:t>
             </a:r>
           </a:p>
@@ -14635,7 +14813,11 @@
           </a:p>
           <a:p>
             <a:r>
-              <a:rPr lang="en-US" sz="1800" dirty="0"/>
+              <a:rPr lang="en-US" sz="1800" b="1" dirty="0">
+                <a:solidFill>
+                  <a:srgbClr val="007BC0"/>
+                </a:solidFill>
+              </a:rPr>
               <a:t>write</a:t>
             </a:r>
           </a:p>
@@ -14647,7 +14829,11 @@
           </a:p>
           <a:p>
             <a:r>
-              <a:rPr lang="en-US" sz="1800" dirty="0"/>
+              <a:rPr lang="en-US" sz="1800" b="1" dirty="0">
+                <a:solidFill>
+                  <a:srgbClr val="007BC0"/>
+                </a:solidFill>
+              </a:rPr>
               <a:t>writing</a:t>
             </a:r>
           </a:p>
@@ -16970,6 +17156,42 @@
           </a:p>
         </p:txBody>
       </p:sp>
+      <p:pic>
+        <p:nvPicPr>
+          <p:cNvPr id="9" name="Picture 8">
+            <a:extLst>
+              <a:ext uri="{FF2B5EF4-FFF2-40B4-BE49-F238E27FC236}">
+                <a16:creationId xmlns:a16="http://schemas.microsoft.com/office/drawing/2014/main" id="{572CABFF-D4C8-7296-8826-84B500714064}"/>
+              </a:ext>
+            </a:extLst>
+          </p:cNvPr>
+          <p:cNvPicPr>
+            <a:picLocks noChangeAspect="1"/>
+          </p:cNvPicPr>
+          <p:nvPr/>
+        </p:nvPicPr>
+        <p:blipFill>
+          <a:blip r:embed="rId4">
+            <a:extLst>
+              <a:ext uri="{28A0092B-C50C-407E-A947-70E740481C1C}">
+                <a14:useLocalDpi xmlns:a14="http://schemas.microsoft.com/office/drawing/2010/main" val="0"/>
+              </a:ext>
+            </a:extLst>
+          </a:blip>
+          <a:stretch>
+            <a:fillRect/>
+          </a:stretch>
+        </p:blipFill>
+        <p:spPr>
+          <a:xfrm>
+            <a:off x="5222894" y="1887582"/>
+            <a:ext cx="3559326" cy="3778818"/>
+          </a:xfrm>
+          <a:prstGeom prst="rect">
+            <a:avLst/>
+          </a:prstGeom>
+        </p:spPr>
+      </p:pic>
     </p:spTree>
     <p:extLst>
       <p:ext uri="{BB962C8B-B14F-4D97-AF65-F5344CB8AC3E}">
@@ -17808,7 +18030,7 @@
         </p:nvSpPr>
         <p:spPr>
           <a:xfrm>
-            <a:off x="205200" y="2057840"/>
+            <a:off x="493490" y="2110392"/>
             <a:ext cx="9866710" cy="3258207"/>
           </a:xfrm>
           <a:prstGeom prst="rect">
@@ -18148,6 +18370,42 @@
           </a:p>
         </p:txBody>
       </p:sp>
+      <p:pic>
+        <p:nvPicPr>
+          <p:cNvPr id="10" name="Picture 9">
+            <a:extLst>
+              <a:ext uri="{FF2B5EF4-FFF2-40B4-BE49-F238E27FC236}">
+                <a16:creationId xmlns:a16="http://schemas.microsoft.com/office/drawing/2014/main" id="{01E75BDF-6F93-CFFC-968F-1CAC5A53C021}"/>
+              </a:ext>
+            </a:extLst>
+          </p:cNvPr>
+          <p:cNvPicPr>
+            <a:picLocks noChangeAspect="1"/>
+          </p:cNvPicPr>
+          <p:nvPr/>
+        </p:nvPicPr>
+        <p:blipFill>
+          <a:blip r:embed="rId10">
+            <a:extLst>
+              <a:ext uri="{28A0092B-C50C-407E-A947-70E740481C1C}">
+                <a14:useLocalDpi xmlns:a14="http://schemas.microsoft.com/office/drawing/2010/main" val="0"/>
+              </a:ext>
+            </a:extLst>
+          </a:blip>
+          <a:stretch>
+            <a:fillRect/>
+          </a:stretch>
+        </p:blipFill>
+        <p:spPr>
+          <a:xfrm>
+            <a:off x="6401019" y="2686470"/>
+            <a:ext cx="3384112" cy="2745344"/>
+          </a:xfrm>
+          <a:prstGeom prst="rect">
+            <a:avLst/>
+          </a:prstGeom>
+        </p:spPr>
+      </p:pic>
     </p:spTree>
     <p:extLst>
       <p:ext uri="{BB962C8B-B14F-4D97-AF65-F5344CB8AC3E}">
@@ -18596,6 +18854,42 @@
           </a:p>
         </p:txBody>
       </p:sp>
+      <p:pic>
+        <p:nvPicPr>
+          <p:cNvPr id="8" name="Picture 7">
+            <a:extLst>
+              <a:ext uri="{FF2B5EF4-FFF2-40B4-BE49-F238E27FC236}">
+                <a16:creationId xmlns:a16="http://schemas.microsoft.com/office/drawing/2014/main" id="{8A1C8BF0-D160-57DE-A76E-94271129D31C}"/>
+              </a:ext>
+            </a:extLst>
+          </p:cNvPr>
+          <p:cNvPicPr>
+            <a:picLocks noChangeAspect="1"/>
+          </p:cNvPicPr>
+          <p:nvPr/>
+        </p:nvPicPr>
+        <p:blipFill>
+          <a:blip r:embed="rId5">
+            <a:extLst>
+              <a:ext uri="{28A0092B-C50C-407E-A947-70E740481C1C}">
+                <a14:useLocalDpi xmlns:a14="http://schemas.microsoft.com/office/drawing/2010/main" val="0"/>
+              </a:ext>
+            </a:extLst>
+          </a:blip>
+          <a:stretch>
+            <a:fillRect/>
+          </a:stretch>
+        </p:blipFill>
+        <p:spPr>
+          <a:xfrm>
+            <a:off x="6247797" y="2819821"/>
+            <a:ext cx="3603470" cy="2162082"/>
+          </a:xfrm>
+          <a:prstGeom prst="rect">
+            <a:avLst/>
+          </a:prstGeom>
+        </p:spPr>
+      </p:pic>
     </p:spTree>
     <p:extLst>
       <p:ext uri="{BB962C8B-B14F-4D97-AF65-F5344CB8AC3E}">
@@ -18631,7 +18925,7 @@
           <p:cNvPr id="2" name="Title 1">
             <a:extLst>
               <a:ext uri="{FF2B5EF4-FFF2-40B4-BE49-F238E27FC236}">
-                <a16:creationId xmlns:a16="http://schemas.microsoft.com/office/drawing/2014/main" id="{5A07C7AC-0942-2A18-F8B7-92BC87849CBB}"/>
+                <a16:creationId xmlns:a16="http://schemas.microsoft.com/office/drawing/2014/main" id="{23311F79-AAFF-E1B3-2CF7-05003569FC0E}"/>
               </a:ext>
             </a:extLst>
           </p:cNvPr>
@@ -18649,7 +18943,7 @@
           <a:p>
             <a:r>
               <a:rPr lang="en-US" sz="2800" dirty="0"/>
-              <a:t>wild</a:t>
+              <a:t>wicked</a:t>
             </a:r>
             <a:endParaRPr lang="en-US" dirty="0"/>
           </a:p>
@@ -18660,7 +18954,7 @@
           <p:cNvPr id="3" name="Text Placeholder 2">
             <a:extLst>
               <a:ext uri="{FF2B5EF4-FFF2-40B4-BE49-F238E27FC236}">
-                <a16:creationId xmlns:a16="http://schemas.microsoft.com/office/drawing/2014/main" id="{E617A994-FCFA-7BF2-F1CA-3FDB01A9F96D}"/>
+                <a16:creationId xmlns:a16="http://schemas.microsoft.com/office/drawing/2014/main" id="{114F6AA2-3512-85B5-385E-EC5D29E0262A}"/>
               </a:ext>
             </a:extLst>
           </p:cNvPr>
@@ -18688,7 +18982,7 @@
           <p:cNvPr id="4" name="Content Placeholder 3">
             <a:extLst>
               <a:ext uri="{FF2B5EF4-FFF2-40B4-BE49-F238E27FC236}">
-                <a16:creationId xmlns:a16="http://schemas.microsoft.com/office/drawing/2014/main" id="{DAC021C5-0D5B-825E-3239-3A3F94E7E7CA}"/>
+                <a16:creationId xmlns:a16="http://schemas.microsoft.com/office/drawing/2014/main" id="{CB11449A-503C-4783-B843-4155E4909112}"/>
               </a:ext>
             </a:extLst>
           </p:cNvPr>
@@ -18705,124 +18999,14 @@
           <a:lstStyle/>
           <a:p>
             <a:r>
-              <a:rPr lang="en-US" dirty="0"/>
-              <a:t>living in a </a:t>
-            </a:r>
-            <a:r>
               <a:rPr lang="en-US" dirty="0">
-                <a:hlinkClick r:id="rId2" tooltip="natural"/>
-              </a:rPr>
-              <a:t>natural</a:t>
-            </a:r>
-            <a:r>
-              <a:rPr lang="en-US" dirty="0"/>
-              <a:t> state, not changed or controlled by people</a:t>
-            </a:r>
-          </a:p>
-          <a:p>
-            <a:r>
-              <a:rPr lang="en-US" dirty="0"/>
-              <a:t>not used by people for </a:t>
-            </a:r>
-            <a:r>
-              <a:rPr lang="en-US" dirty="0">
-                <a:hlinkClick r:id="rId3" tooltip="farm"/>
-              </a:rPr>
-              <a:t>farming</a:t>
-            </a:r>
-            <a:r>
-              <a:rPr lang="en-US" dirty="0"/>
-              <a:t>, building </a:t>
-            </a:r>
-            <a:r>
-              <a:rPr lang="en-US" dirty="0" err="1"/>
-              <a:t>etc</a:t>
-            </a:r>
-            <a:endParaRPr lang="en-US" dirty="0"/>
-          </a:p>
-          <a:p>
-            <a:r>
-              <a:rPr lang="en-US" dirty="0"/>
-              <a:t>feeling or </a:t>
-            </a:r>
-            <a:r>
-              <a:rPr lang="en-US" dirty="0">
-                <a:hlinkClick r:id="rId4" tooltip="express"/>
-              </a:rPr>
-              <a:t>expressing</a:t>
-            </a:r>
-            <a:r>
-              <a:rPr lang="en-US" dirty="0"/>
-              <a:t> strong </a:t>
-            </a:r>
-            <a:r>
-              <a:rPr lang="en-US" dirty="0">
-                <a:hlinkClick r:id="rId5" tooltip="uncontrolled"/>
-              </a:rPr>
-              <a:t>uncontrolled</a:t>
-            </a:r>
-            <a:r>
-              <a:rPr lang="en-US" dirty="0"/>
-              <a:t> </a:t>
-            </a:r>
-            <a:r>
-              <a:rPr lang="en-US" dirty="0">
-                <a:hlinkClick r:id="rId6" tooltip="emotion"/>
-              </a:rPr>
-              <a:t>emotions</a:t>
-            </a:r>
-            <a:r>
-              <a:rPr lang="en-US" dirty="0"/>
-              <a:t>, especially </a:t>
-            </a:r>
-            <a:r>
-              <a:rPr lang="en-US" dirty="0">
-                <a:hlinkClick r:id="rId7" tooltip="anger"/>
-              </a:rPr>
-              <a:t>anger</a:t>
-            </a:r>
-            <a:r>
-              <a:rPr lang="en-US" dirty="0"/>
-              <a:t>, </a:t>
-            </a:r>
-            <a:r>
-              <a:rPr lang="en-US" dirty="0">
-                <a:hlinkClick r:id="rId8" tooltip="happiness"/>
-              </a:rPr>
-              <a:t>happiness</a:t>
-            </a:r>
-            <a:r>
-              <a:rPr lang="en-US" dirty="0"/>
-              <a:t>, or </a:t>
-            </a:r>
-            <a:r>
-              <a:rPr lang="en-US" dirty="0">
-                <a:hlinkClick r:id="rId9" tooltip="excitement"/>
-              </a:rPr>
-              <a:t>excitement</a:t>
-            </a:r>
-            <a:endParaRPr lang="en-US" dirty="0"/>
-          </a:p>
-          <a:p>
-            <a:r>
-              <a:rPr lang="en-US" dirty="0">
-                <a:hlinkClick r:id="rId10" tooltip="behave"/>
+                <a:hlinkClick r:id="rId2" tooltip="behave"/>
               </a:rPr>
               <a:t>behaving</a:t>
             </a:r>
             <a:r>
               <a:rPr lang="en-US" dirty="0"/>
-              <a:t> in an uncontrolled, sometimes </a:t>
-            </a:r>
-            <a:r>
-              <a:rPr lang="en-US" dirty="0">
-                <a:hlinkClick r:id="rId11" tooltip="violent"/>
-              </a:rPr>
-              <a:t>violent</a:t>
-            </a:r>
-            <a:r>
-              <a:rPr lang="en-US" dirty="0"/>
-              <a:t> way</a:t>
+              <a:t> in a way that is morally wrong</a:t>
             </a:r>
           </a:p>
         </p:txBody>
@@ -18832,7 +19016,7 @@
           <p:cNvPr id="5" name="Slide Number Placeholder 4">
             <a:extLst>
               <a:ext uri="{FF2B5EF4-FFF2-40B4-BE49-F238E27FC236}">
-                <a16:creationId xmlns:a16="http://schemas.microsoft.com/office/drawing/2014/main" id="{289B017D-8843-168A-BC7D-5D7139812C0F}"/>
+                <a16:creationId xmlns:a16="http://schemas.microsoft.com/office/drawing/2014/main" id="{DBDEC464-F33D-2496-4724-3369ED0A8727}"/>
               </a:ext>
             </a:extLst>
           </p:cNvPr>
@@ -18859,10 +19043,60 @@
       </p:sp>
       <p:sp>
         <p:nvSpPr>
-          <p:cNvPr id="6" name="TextBox 5">
-            <a:extLst>
-              <a:ext uri="{FF2B5EF4-FFF2-40B4-BE49-F238E27FC236}">
-                <a16:creationId xmlns:a16="http://schemas.microsoft.com/office/drawing/2014/main" id="{E4D766DA-BF4A-7122-4460-A95D86B0CFAE}"/>
+          <p:cNvPr id="6" name="Rectangle 5">
+            <a:extLst>
+              <a:ext uri="{FF2B5EF4-FFF2-40B4-BE49-F238E27FC236}">
+                <a16:creationId xmlns:a16="http://schemas.microsoft.com/office/drawing/2014/main" id="{460BBE3D-1B0C-7FD5-1B66-265D3CB6429E}"/>
+              </a:ext>
+            </a:extLst>
+          </p:cNvPr>
+          <p:cNvSpPr/>
+          <p:nvPr/>
+        </p:nvSpPr>
+        <p:spPr>
+          <a:xfrm>
+            <a:off x="8767034" y="4359606"/>
+            <a:ext cx="1996966" cy="1030013"/>
+          </a:xfrm>
+          <a:prstGeom prst="rect">
+            <a:avLst/>
+          </a:prstGeom>
+          <a:noFill/>
+          <a:ln w="9525" cap="flat" cmpd="sng" algn="ctr">
+            <a:solidFill>
+              <a:srgbClr val="3F136C"/>
+            </a:solidFill>
+            <a:prstDash val="solid"/>
+          </a:ln>
+          <a:effectLst/>
+        </p:spPr>
+        <p:txBody>
+          <a:bodyPr rtlCol="0" anchor="ctr"/>
+          <a:lstStyle/>
+          <a:p>
+            <a:r>
+              <a:rPr lang="en-US" b="1" dirty="0">
+                <a:solidFill>
+                  <a:srgbClr val="FFC000"/>
+                </a:solidFill>
+              </a:rPr>
+              <a:t>SYN</a:t>
+            </a:r>
+          </a:p>
+          <a:p>
+            <a:r>
+              <a:rPr lang="en-US" dirty="0"/>
+              <a:t>evil</a:t>
+            </a:r>
+          </a:p>
+        </p:txBody>
+      </p:sp>
+      <p:sp>
+        <p:nvSpPr>
+          <p:cNvPr id="7" name="TextBox 6">
+            <a:extLst>
+              <a:ext uri="{FF2B5EF4-FFF2-40B4-BE49-F238E27FC236}">
+                <a16:creationId xmlns:a16="http://schemas.microsoft.com/office/drawing/2014/main" id="{91E4382A-BA05-3896-6F94-089679D86CB4}"/>
               </a:ext>
             </a:extLst>
           </p:cNvPr>
@@ -18871,8 +19105,8 @@
         </p:nvSpPr>
         <p:spPr>
           <a:xfrm>
-            <a:off x="349345" y="2408193"/>
-            <a:ext cx="10833662" cy="3258207"/>
+            <a:off x="349345" y="1616406"/>
+            <a:ext cx="9866710" cy="3258207"/>
           </a:xfrm>
           <a:prstGeom prst="rect">
             <a:avLst/>
@@ -18904,7 +19138,7 @@
                   <a:schemeClr val="bg2"/>
                 </a:solidFill>
               </a:rPr>
-              <a:t>wild</a:t>
+              <a:t>wicked</a:t>
             </a:r>
             <a:endParaRPr kumimoji="0" lang="en-US" sz="15000" b="0" i="0" u="none" strike="noStrike" kern="0" cap="none" spc="0" normalizeH="0" baseline="0" noProof="0" dirty="0">
               <a:ln>
@@ -18920,10 +19154,92 @@
           </a:p>
         </p:txBody>
       </p:sp>
+      <p:sp>
+        <p:nvSpPr>
+          <p:cNvPr id="8" name="Rectangle 7">
+            <a:extLst>
+              <a:ext uri="{FF2B5EF4-FFF2-40B4-BE49-F238E27FC236}">
+                <a16:creationId xmlns:a16="http://schemas.microsoft.com/office/drawing/2014/main" id="{C0B7BAF4-2ABF-5C52-3959-31537134C673}"/>
+              </a:ext>
+            </a:extLst>
+          </p:cNvPr>
+          <p:cNvSpPr/>
+          <p:nvPr/>
+        </p:nvSpPr>
+        <p:spPr>
+          <a:xfrm>
+            <a:off x="8767034" y="2814587"/>
+            <a:ext cx="1996966" cy="1030013"/>
+          </a:xfrm>
+          <a:prstGeom prst="rect">
+            <a:avLst/>
+          </a:prstGeom>
+          <a:noFill/>
+          <a:ln w="9525" cap="flat" cmpd="sng" algn="ctr">
+            <a:solidFill>
+              <a:srgbClr val="3F136C"/>
+            </a:solidFill>
+            <a:prstDash val="solid"/>
+          </a:ln>
+          <a:effectLst/>
+        </p:spPr>
+        <p:txBody>
+          <a:bodyPr rtlCol="0" anchor="ctr"/>
+          <a:lstStyle/>
+          <a:p>
+            <a:r>
+              <a:rPr lang="en-US" dirty="0"/>
+              <a:t>weekend</a:t>
+            </a:r>
+          </a:p>
+          <a:p>
+            <a:r>
+              <a:rPr lang="en-US" dirty="0"/>
+              <a:t>kid</a:t>
+            </a:r>
+          </a:p>
+        </p:txBody>
+      </p:sp>
+      <p:pic>
+        <p:nvPicPr>
+          <p:cNvPr id="10" name="Picture 9">
+            <a:extLst>
+              <a:ext uri="{FF2B5EF4-FFF2-40B4-BE49-F238E27FC236}">
+                <a16:creationId xmlns:a16="http://schemas.microsoft.com/office/drawing/2014/main" id="{7D35537C-CE21-ECF1-5CC1-6861D0830644}"/>
+              </a:ext>
+            </a:extLst>
+          </p:cNvPr>
+          <p:cNvPicPr>
+            <a:picLocks noChangeAspect="1"/>
+          </p:cNvPicPr>
+          <p:nvPr/>
+        </p:nvPicPr>
+        <p:blipFill>
+          <a:blip r:embed="rId3">
+            <a:extLst>
+              <a:ext uri="{28A0092B-C50C-407E-A947-70E740481C1C}">
+                <a14:useLocalDpi xmlns:a14="http://schemas.microsoft.com/office/drawing/2010/main" val="0"/>
+              </a:ext>
+            </a:extLst>
+          </a:blip>
+          <a:stretch>
+            <a:fillRect/>
+          </a:stretch>
+        </p:blipFill>
+        <p:spPr>
+          <a:xfrm>
+            <a:off x="7084520" y="882734"/>
+            <a:ext cx="2581275" cy="1771650"/>
+          </a:xfrm>
+          <a:prstGeom prst="rect">
+            <a:avLst/>
+          </a:prstGeom>
+        </p:spPr>
+      </p:pic>
     </p:spTree>
     <p:extLst>
       <p:ext uri="{BB962C8B-B14F-4D97-AF65-F5344CB8AC3E}">
-        <p14:creationId xmlns:p14="http://schemas.microsoft.com/office/powerpoint/2010/main" val="405749646"/>
+        <p14:creationId xmlns:p14="http://schemas.microsoft.com/office/powerpoint/2010/main" val="677363327"/>
       </p:ext>
     </p:extLst>
   </p:cSld>
@@ -19552,27 +19868,6 @@
 </file>
 
 <file path=customXml/item1.xml><?xml version="1.0" encoding="utf-8"?>
-<sax_Colors>
-  <Line size="7">
-    <Color val="9e2896" tooltip="Bosch Purple 40"/>
-    <Color val="551151" tooltip="Bosch Purple 20"/>
-  </Line>
-  <Line size="7">
-    <Color val="007bc0" tooltip="Bosch Blue 50"/>
-    <Color val="004975" tooltip="Bosch Blue 30"/>
-  </Line>
-  <Line size="7">
-    <Color val="18837e" tooltip="Bosch Turquoise 50"/>
-    <Color val="0a4f4b" tooltip="Bosch Turquoise 30"/>
-  </Line>
-  <Line size="7">
-    <Color val="00884a" tooltip="Bosch Green 50"/>
-    <Color val="00512a" tooltip="Bosch Green 30"/>
-  </Line>
-</sax_Colors>
-</file>
-
-<file path=customXml/item2.xml><?xml version="1.0" encoding="utf-8"?>
 <saxML>
   <saxMLTemplate>presentation_169</saxMLTemplate>
   <Variablen>
@@ -19721,14 +20016,35 @@
 </saxML>
 </file>
 
+<file path=customXml/item2.xml><?xml version="1.0" encoding="utf-8"?>
+<sax_Colors>
+  <Line size="7">
+    <Color val="9e2896" tooltip="Bosch Purple 40"/>
+    <Color val="551151" tooltip="Bosch Purple 20"/>
+  </Line>
+  <Line size="7">
+    <Color val="007bc0" tooltip="Bosch Blue 50"/>
+    <Color val="004975" tooltip="Bosch Blue 30"/>
+  </Line>
+  <Line size="7">
+    <Color val="18837e" tooltip="Bosch Turquoise 50"/>
+    <Color val="0a4f4b" tooltip="Bosch Turquoise 30"/>
+  </Line>
+  <Line size="7">
+    <Color val="00884a" tooltip="Bosch Green 50"/>
+    <Color val="00512a" tooltip="Bosch Green 30"/>
+  </Line>
+</sax_Colors>
+</file>
+
 <file path=customXml/itemProps1.xml><?xml version="1.0" encoding="utf-8"?>
-<ds:datastoreItem xmlns:ds="http://schemas.openxmlformats.org/officeDocument/2006/customXml" ds:itemID="{D0252559-44F8-474C-B66D-E357B88E32C2}">
+<ds:datastoreItem xmlns:ds="http://schemas.openxmlformats.org/officeDocument/2006/customXml" ds:itemID="{304CF217-3C90-4AA0-B541-CE45F9BD305E}">
   <ds:schemaRefs/>
 </ds:datastoreItem>
 </file>
 
 <file path=customXml/itemProps2.xml><?xml version="1.0" encoding="utf-8"?>
-<ds:datastoreItem xmlns:ds="http://schemas.openxmlformats.org/officeDocument/2006/customXml" ds:itemID="{304CF217-3C90-4AA0-B541-CE45F9BD305E}">
+<ds:datastoreItem xmlns:ds="http://schemas.openxmlformats.org/officeDocument/2006/customXml" ds:itemID="{D0252559-44F8-474C-B66D-E357B88E32C2}">
   <ds:schemaRefs/>
 </ds:datastoreItem>
 </file>
--- a/longman 3000.pptx
+++ b/longman 3000.pptx
@@ -17096,7 +17096,7 @@
         </p:nvSpPr>
         <p:spPr>
           <a:xfrm>
-            <a:off x="8854292" y="2628106"/>
+            <a:off x="8677646" y="582003"/>
             <a:ext cx="1909708" cy="914400"/>
           </a:xfrm>
           <a:prstGeom prst="rect">
@@ -17156,12 +17156,102 @@
           </a:p>
         </p:txBody>
       </p:sp>
+      <p:sp>
+        <p:nvSpPr>
+          <p:cNvPr id="8" name="AutoShape 2" descr="Mapped: Minimum Wage Around the World">
+            <a:extLst>
+              <a:ext uri="{FF2B5EF4-FFF2-40B4-BE49-F238E27FC236}">
+                <a16:creationId xmlns:a16="http://schemas.microsoft.com/office/drawing/2014/main" id="{69AB8196-46E4-7AB5-B76B-98E3ED22AC8D}"/>
+              </a:ext>
+            </a:extLst>
+          </p:cNvPr>
+          <p:cNvSpPr>
+            <a:spLocks noChangeAspect="1" noChangeArrowheads="1"/>
+          </p:cNvSpPr>
+          <p:nvPr/>
+        </p:nvSpPr>
+        <p:spPr bwMode="auto">
+          <a:xfrm>
+            <a:off x="5332413" y="2932113"/>
+            <a:ext cx="304800" cy="304800"/>
+          </a:xfrm>
+          <a:prstGeom prst="rect">
+            <a:avLst/>
+          </a:prstGeom>
+          <a:noFill/>
+          <a:extLst>
+            <a:ext uri="{909E8E84-426E-40DD-AFC4-6F175D3DCCD1}">
+              <a14:hiddenFill xmlns:a14="http://schemas.microsoft.com/office/drawing/2010/main">
+                <a:solidFill>
+                  <a:srgbClr val="FFFFFF"/>
+                </a:solidFill>
+              </a14:hiddenFill>
+            </a:ext>
+          </a:extLst>
+        </p:spPr>
+        <p:txBody>
+          <a:bodyPr vert="horz" wrap="square" lIns="91440" tIns="45720" rIns="91440" bIns="45720" numCol="1" anchor="t" anchorCtr="0" compatLnSpc="1">
+            <a:prstTxWarp prst="textNoShape">
+              <a:avLst/>
+            </a:prstTxWarp>
+          </a:bodyPr>
+          <a:lstStyle/>
+          <a:p>
+            <a:endParaRPr lang="en-US"/>
+          </a:p>
+        </p:txBody>
+      </p:sp>
+      <p:sp>
+        <p:nvSpPr>
+          <p:cNvPr id="11" name="AutoShape 4" descr="Chart: How America's Minimum Wage Compares | Statista">
+            <a:extLst>
+              <a:ext uri="{FF2B5EF4-FFF2-40B4-BE49-F238E27FC236}">
+                <a16:creationId xmlns:a16="http://schemas.microsoft.com/office/drawing/2014/main" id="{CF8AB646-64DE-A929-8B13-F8D9DB54926B}"/>
+              </a:ext>
+            </a:extLst>
+          </p:cNvPr>
+          <p:cNvSpPr>
+            <a:spLocks noChangeAspect="1" noChangeArrowheads="1"/>
+          </p:cNvSpPr>
+          <p:nvPr/>
+        </p:nvSpPr>
+        <p:spPr bwMode="auto">
+          <a:xfrm>
+            <a:off x="5484813" y="3084513"/>
+            <a:ext cx="304800" cy="304800"/>
+          </a:xfrm>
+          <a:prstGeom prst="rect">
+            <a:avLst/>
+          </a:prstGeom>
+          <a:noFill/>
+          <a:extLst>
+            <a:ext uri="{909E8E84-426E-40DD-AFC4-6F175D3DCCD1}">
+              <a14:hiddenFill xmlns:a14="http://schemas.microsoft.com/office/drawing/2010/main">
+                <a:solidFill>
+                  <a:srgbClr val="FFFFFF"/>
+                </a:solidFill>
+              </a14:hiddenFill>
+            </a:ext>
+          </a:extLst>
+        </p:spPr>
+        <p:txBody>
+          <a:bodyPr vert="horz" wrap="square" lIns="91440" tIns="45720" rIns="91440" bIns="45720" numCol="1" anchor="t" anchorCtr="0" compatLnSpc="1">
+            <a:prstTxWarp prst="textNoShape">
+              <a:avLst/>
+            </a:prstTxWarp>
+          </a:bodyPr>
+          <a:lstStyle/>
+          <a:p>
+            <a:endParaRPr lang="en-US"/>
+          </a:p>
+        </p:txBody>
+      </p:sp>
       <p:pic>
         <p:nvPicPr>
-          <p:cNvPr id="9" name="Picture 8">
-            <a:extLst>
-              <a:ext uri="{FF2B5EF4-FFF2-40B4-BE49-F238E27FC236}">
-                <a16:creationId xmlns:a16="http://schemas.microsoft.com/office/drawing/2014/main" id="{572CABFF-D4C8-7296-8826-84B500714064}"/>
+          <p:cNvPr id="12" name="图片 11">
+            <a:extLst>
+              <a:ext uri="{FF2B5EF4-FFF2-40B4-BE49-F238E27FC236}">
+                <a16:creationId xmlns:a16="http://schemas.microsoft.com/office/drawing/2014/main" id="{CC74C8FE-0A81-B7C3-A5EF-82D9BD334DEC}"/>
               </a:ext>
             </a:extLst>
           </p:cNvPr>
@@ -17171,21 +17261,15 @@
           <p:nvPr/>
         </p:nvPicPr>
         <p:blipFill>
-          <a:blip r:embed="rId4">
-            <a:extLst>
-              <a:ext uri="{28A0092B-C50C-407E-A947-70E740481C1C}">
-                <a14:useLocalDpi xmlns:a14="http://schemas.microsoft.com/office/drawing/2010/main" val="0"/>
-              </a:ext>
-            </a:extLst>
-          </a:blip>
+          <a:blip r:embed="rId4"/>
           <a:stretch>
             <a:fillRect/>
           </a:stretch>
         </p:blipFill>
         <p:spPr>
           <a:xfrm>
-            <a:off x="5222894" y="1887582"/>
-            <a:ext cx="3559326" cy="3778818"/>
+            <a:off x="6346572" y="1731920"/>
+            <a:ext cx="3150719" cy="3934480"/>
           </a:xfrm>
           <a:prstGeom prst="rect">
             <a:avLst/>

--- a/longman 3000.pptx
+++ b/longman 3000.pptx
@@ -5,7 +5,7 @@
     <p:sldMasterId id="2147483708" r:id="rId3"/>
   </p:sldMasterIdLst>
   <p:notesMasterIdLst>
-    <p:notesMasterId r:id="rId46"/>
+    <p:notesMasterId r:id="rId47"/>
   </p:notesMasterIdLst>
   <p:sldIdLst>
     <p:sldId id="256" r:id="rId4"/>
@@ -33,28 +33,29 @@
     <p:sldId id="285" r:id="rId26"/>
     <p:sldId id="291" r:id="rId27"/>
     <p:sldId id="293" r:id="rId28"/>
-    <p:sldId id="261" r:id="rId29"/>
-    <p:sldId id="262" r:id="rId30"/>
-    <p:sldId id="263" r:id="rId31"/>
-    <p:sldId id="265" r:id="rId32"/>
-    <p:sldId id="266" r:id="rId33"/>
-    <p:sldId id="264" r:id="rId34"/>
-    <p:sldId id="267" r:id="rId35"/>
-    <p:sldId id="268" r:id="rId36"/>
-    <p:sldId id="269" r:id="rId37"/>
-    <p:sldId id="270" r:id="rId38"/>
-    <p:sldId id="271" r:id="rId39"/>
-    <p:sldId id="272" r:id="rId40"/>
-    <p:sldId id="274" r:id="rId41"/>
-    <p:sldId id="276" r:id="rId42"/>
-    <p:sldId id="278" r:id="rId43"/>
-    <p:sldId id="279" r:id="rId44"/>
-    <p:sldId id="275" r:id="rId45"/>
+    <p:sldId id="303" r:id="rId29"/>
+    <p:sldId id="261" r:id="rId30"/>
+    <p:sldId id="262" r:id="rId31"/>
+    <p:sldId id="263" r:id="rId32"/>
+    <p:sldId id="265" r:id="rId33"/>
+    <p:sldId id="266" r:id="rId34"/>
+    <p:sldId id="264" r:id="rId35"/>
+    <p:sldId id="267" r:id="rId36"/>
+    <p:sldId id="268" r:id="rId37"/>
+    <p:sldId id="269" r:id="rId38"/>
+    <p:sldId id="270" r:id="rId39"/>
+    <p:sldId id="271" r:id="rId40"/>
+    <p:sldId id="272" r:id="rId41"/>
+    <p:sldId id="274" r:id="rId42"/>
+    <p:sldId id="276" r:id="rId43"/>
+    <p:sldId id="278" r:id="rId44"/>
+    <p:sldId id="279" r:id="rId45"/>
+    <p:sldId id="275" r:id="rId46"/>
   </p:sldIdLst>
   <p:sldSz cx="10969625" cy="6170613"/>
   <p:notesSz cx="6858000" cy="9144000"/>
   <p:custDataLst>
-    <p:tags r:id="rId47"/>
+    <p:tags r:id="rId48"/>
   </p:custDataLst>
   <p:defaultTextStyle>
     <a:defPPr>
@@ -215,6 +216,7 @@
             <p14:sldId id="285"/>
             <p14:sldId id="291"/>
             <p14:sldId id="293"/>
+            <p14:sldId id="303"/>
           </p14:sldIdLst>
         </p14:section>
         <p14:section name="other" id="{E5B522DA-BFF2-4C19-BC4F-A1C6CF6585F9}">
@@ -1013,7 +1015,7 @@
           <a:p>
             <a:fld id="{492D48B2-9EB0-4B37-9B35-FC11E2EA535A}" type="slidenum">
               <a:rPr lang="de-DE" smtClean="0"/>
-              <a:t>28</a:t>
+              <a:t>29</a:t>
             </a:fld>
             <a:endParaRPr lang="de-DE"/>
           </a:p>
@@ -13273,10 +13275,10 @@
       </p:grpSpPr>
       <p:sp>
         <p:nvSpPr>
-          <p:cNvPr id="2" name="Title 1">
-            <a:extLst>
-              <a:ext uri="{FF2B5EF4-FFF2-40B4-BE49-F238E27FC236}">
-                <a16:creationId xmlns:a16="http://schemas.microsoft.com/office/drawing/2014/main" id="{50DDDA36-EC41-C6D8-3B18-98B0DD374C76}"/>
+          <p:cNvPr id="2" name="标题 1">
+            <a:extLst>
+              <a:ext uri="{FF2B5EF4-FFF2-40B4-BE49-F238E27FC236}">
+                <a16:creationId xmlns:a16="http://schemas.microsoft.com/office/drawing/2014/main" id="{0D2E124D-9B8C-D9A5-04B5-1AB51EBDD618}"/>
               </a:ext>
             </a:extLst>
           </p:cNvPr>
@@ -13294,7 +13296,7 @@
           <a:p>
             <a:r>
               <a:rPr lang="en-US" altLang="zh-CN" dirty="0"/>
-              <a:t>address</a:t>
+              <a:t>wonder</a:t>
             </a:r>
             <a:endParaRPr lang="en-US" dirty="0"/>
           </a:p>
@@ -13302,10 +13304,10 @@
       </p:sp>
       <p:sp>
         <p:nvSpPr>
-          <p:cNvPr id="3" name="Text Placeholder 2">
-            <a:extLst>
-              <a:ext uri="{FF2B5EF4-FFF2-40B4-BE49-F238E27FC236}">
-                <a16:creationId xmlns:a16="http://schemas.microsoft.com/office/drawing/2014/main" id="{A247ACA5-0110-E3A3-AEC8-C152BD12C2B2}"/>
+          <p:cNvPr id="3" name="文本占位符 2">
+            <a:extLst>
+              <a:ext uri="{FF2B5EF4-FFF2-40B4-BE49-F238E27FC236}">
+                <a16:creationId xmlns:a16="http://schemas.microsoft.com/office/drawing/2014/main" id="{BFB6B83A-6E1F-62B4-C64E-6211BA1650EE}"/>
               </a:ext>
             </a:extLst>
           </p:cNvPr>
@@ -13321,121 +13323,16 @@
           <a:bodyPr/>
           <a:lstStyle/>
           <a:p>
-            <a:r>
-              <a:rPr lang="en-US" altLang="zh-CN" dirty="0"/>
-              <a:t>address</a:t>
-            </a:r>
-            <a:endParaRPr lang="en-US" dirty="0"/>
-          </a:p>
-        </p:txBody>
-      </p:sp>
-      <p:sp>
-        <p:nvSpPr>
-          <p:cNvPr id="4" name="Content Placeholder 3">
-            <a:extLst>
-              <a:ext uri="{FF2B5EF4-FFF2-40B4-BE49-F238E27FC236}">
-                <a16:creationId xmlns:a16="http://schemas.microsoft.com/office/drawing/2014/main" id="{0ECE3F59-4C42-35FB-EF21-F781300D4443}"/>
-              </a:ext>
-            </a:extLst>
-          </p:cNvPr>
-          <p:cNvSpPr>
-            <a:spLocks noGrp="1"/>
-          </p:cNvSpPr>
-          <p:nvPr>
-            <p:ph sz="quarter" idx="1"/>
-          </p:nvPr>
-        </p:nvSpPr>
-        <p:spPr/>
-        <p:txBody>
-          <a:bodyPr/>
-          <a:lstStyle/>
-          <a:p>
-            <a:r>
-              <a:rPr lang="en-US" dirty="0"/>
-              <a:t>the </a:t>
-            </a:r>
-            <a:r>
-              <a:rPr lang="en-US" dirty="0">
-                <a:hlinkClick r:id="rId2" tooltip="detail"/>
-              </a:rPr>
-              <a:t>details</a:t>
-            </a:r>
-            <a:r>
-              <a:rPr lang="en-US" dirty="0"/>
-              <a:t> of the place where someone lives or works, which you use to </a:t>
-            </a:r>
-            <a:r>
-              <a:rPr lang="en-US" dirty="0">
-                <a:hlinkClick r:id="rId3" tooltip="send"/>
-              </a:rPr>
-              <a:t>send</a:t>
-            </a:r>
-            <a:r>
-              <a:rPr lang="en-US" dirty="0"/>
-              <a:t> them </a:t>
-            </a:r>
-            <a:r>
-              <a:rPr lang="en-US" dirty="0">
-                <a:hlinkClick r:id="rId4" tooltip="letter"/>
-              </a:rPr>
-              <a:t>letters</a:t>
-            </a:r>
-            <a:r>
-              <a:rPr lang="en-US" dirty="0"/>
-              <a:t> </a:t>
-            </a:r>
-            <a:r>
-              <a:rPr lang="en-US" dirty="0" err="1"/>
-              <a:t>etc</a:t>
-            </a:r>
-            <a:endParaRPr lang="en-US" dirty="0"/>
-          </a:p>
-          <a:p>
-            <a:endParaRPr lang="en-US" dirty="0"/>
-          </a:p>
-          <a:p>
-            <a:r>
-              <a:rPr lang="en-US" dirty="0"/>
-              <a:t>to </a:t>
-            </a:r>
-            <a:r>
-              <a:rPr lang="en-US" dirty="0">
-                <a:hlinkClick r:id="rId5" tooltip="speak"/>
-              </a:rPr>
-              <a:t>speak</a:t>
-            </a:r>
-            <a:r>
-              <a:rPr lang="en-US" dirty="0"/>
-              <a:t> to someone directly</a:t>
-            </a:r>
-          </a:p>
-          <a:p>
-            <a:endParaRPr lang="en-US" dirty="0"/>
-          </a:p>
-          <a:p>
-            <a:r>
-              <a:rPr lang="en-US" dirty="0"/>
-              <a:t>if you address a problem, you start trying to </a:t>
-            </a:r>
-            <a:r>
-              <a:rPr lang="en-US" dirty="0">
-                <a:hlinkClick r:id="rId6" tooltip="solve"/>
-              </a:rPr>
-              <a:t>solve</a:t>
-            </a:r>
-            <a:r>
-              <a:rPr lang="en-US" dirty="0"/>
-              <a:t> it</a:t>
-            </a:r>
-          </a:p>
-        </p:txBody>
-      </p:sp>
-      <p:sp>
-        <p:nvSpPr>
-          <p:cNvPr id="5" name="Slide Number Placeholder 4">
-            <a:extLst>
-              <a:ext uri="{FF2B5EF4-FFF2-40B4-BE49-F238E27FC236}">
-                <a16:creationId xmlns:a16="http://schemas.microsoft.com/office/drawing/2014/main" id="{658C9DDC-94A5-607A-5AF1-69A4D0629264}"/>
+            <a:endParaRPr lang="en-US"/>
+          </a:p>
+        </p:txBody>
+      </p:sp>
+      <p:sp>
+        <p:nvSpPr>
+          <p:cNvPr id="5" name="灯片编号占位符 4">
+            <a:extLst>
+              <a:ext uri="{FF2B5EF4-FFF2-40B4-BE49-F238E27FC236}">
+                <a16:creationId xmlns:a16="http://schemas.microsoft.com/office/drawing/2014/main" id="{FD9BDEB5-A777-3185-386D-7BEBE4206BE3}"/>
               </a:ext>
             </a:extLst>
           </p:cNvPr>
@@ -13462,10 +13359,269 @@
       </p:sp>
       <p:sp>
         <p:nvSpPr>
-          <p:cNvPr id="6" name="TextBox 5">
-            <a:extLst>
-              <a:ext uri="{FF2B5EF4-FFF2-40B4-BE49-F238E27FC236}">
-                <a16:creationId xmlns:a16="http://schemas.microsoft.com/office/drawing/2014/main" id="{A96AA334-42EA-B43B-B7D8-87CB93BBEA4A}"/>
+          <p:cNvPr id="8" name="AutoShape 4" descr="Lemon Tree Song-Art // Happy Lemons&quot; Art Print for Sale by katycreates |  Redbubble">
+            <a:extLst>
+              <a:ext uri="{FF2B5EF4-FFF2-40B4-BE49-F238E27FC236}">
+                <a16:creationId xmlns:a16="http://schemas.microsoft.com/office/drawing/2014/main" id="{5D481A88-4162-888B-C1A8-DD430739B87B}"/>
+              </a:ext>
+            </a:extLst>
+          </p:cNvPr>
+          <p:cNvSpPr>
+            <a:spLocks noChangeAspect="1" noChangeArrowheads="1"/>
+          </p:cNvSpPr>
+          <p:nvPr/>
+        </p:nvSpPr>
+        <p:spPr bwMode="auto">
+          <a:xfrm>
+            <a:off x="5332413" y="2932113"/>
+            <a:ext cx="304800" cy="304800"/>
+          </a:xfrm>
+          <a:prstGeom prst="rect">
+            <a:avLst/>
+          </a:prstGeom>
+          <a:noFill/>
+          <a:extLst>
+            <a:ext uri="{909E8E84-426E-40DD-AFC4-6F175D3DCCD1}">
+              <a14:hiddenFill xmlns:a14="http://schemas.microsoft.com/office/drawing/2010/main">
+                <a:solidFill>
+                  <a:srgbClr val="FFFFFF"/>
+                </a:solidFill>
+              </a14:hiddenFill>
+            </a:ext>
+          </a:extLst>
+        </p:spPr>
+        <p:txBody>
+          <a:bodyPr vert="horz" wrap="square" lIns="91440" tIns="45720" rIns="91440" bIns="45720" numCol="1" anchor="t" anchorCtr="0" compatLnSpc="1">
+            <a:prstTxWarp prst="textNoShape">
+              <a:avLst/>
+            </a:prstTxWarp>
+          </a:bodyPr>
+          <a:lstStyle/>
+          <a:p>
+            <a:endParaRPr lang="en-US"/>
+          </a:p>
+        </p:txBody>
+      </p:sp>
+      <p:sp>
+        <p:nvSpPr>
+          <p:cNvPr id="11" name="内容占位符 10">
+            <a:extLst>
+              <a:ext uri="{FF2B5EF4-FFF2-40B4-BE49-F238E27FC236}">
+                <a16:creationId xmlns:a16="http://schemas.microsoft.com/office/drawing/2014/main" id="{E3A1DB98-7237-BCC8-E3A7-AABA063B9F43}"/>
+              </a:ext>
+            </a:extLst>
+          </p:cNvPr>
+          <p:cNvSpPr>
+            <a:spLocks noGrp="1"/>
+          </p:cNvSpPr>
+          <p:nvPr>
+            <p:ph sz="quarter" idx="1"/>
+          </p:nvPr>
+        </p:nvSpPr>
+        <p:spPr/>
+        <p:txBody>
+          <a:bodyPr/>
+          <a:lstStyle/>
+          <a:p>
+            <a:r>
+              <a:rPr lang="en-US" b="0" i="0" dirty="0">
+                <a:solidFill>
+                  <a:srgbClr val="333333"/>
+                </a:solidFill>
+                <a:effectLst/>
+                <a:latin typeface="arial" panose="020B0604020202020204" pitchFamily="34" charset="0"/>
+              </a:rPr>
+              <a:t> to think about something that you are not </a:t>
+            </a:r>
+            <a:r>
+              <a:rPr lang="en-US" b="0" i="0" dirty="0">
+                <a:solidFill>
+                  <a:srgbClr val="333333"/>
+                </a:solidFill>
+                <a:effectLst/>
+                <a:latin typeface="arial" panose="020B0604020202020204" pitchFamily="34" charset="0"/>
+                <a:hlinkClick r:id="rId2" tooltip="sure"/>
+              </a:rPr>
+              <a:t>sure</a:t>
+            </a:r>
+            <a:r>
+              <a:rPr lang="en-US" b="0" i="0" dirty="0">
+                <a:solidFill>
+                  <a:srgbClr val="333333"/>
+                </a:solidFill>
+                <a:effectLst/>
+                <a:latin typeface="arial" panose="020B0604020202020204" pitchFamily="34" charset="0"/>
+              </a:rPr>
+              <a:t> about and </a:t>
+            </a:r>
+            <a:r>
+              <a:rPr lang="en-US" b="0" i="0" dirty="0">
+                <a:solidFill>
+                  <a:srgbClr val="333333"/>
+                </a:solidFill>
+                <a:effectLst/>
+                <a:latin typeface="arial" panose="020B0604020202020204" pitchFamily="34" charset="0"/>
+                <a:hlinkClick r:id="rId3" tooltip="try"/>
+              </a:rPr>
+              <a:t>try</a:t>
+            </a:r>
+            <a:r>
+              <a:rPr lang="en-US" b="0" i="0" dirty="0">
+                <a:solidFill>
+                  <a:srgbClr val="333333"/>
+                </a:solidFill>
+                <a:effectLst/>
+                <a:latin typeface="arial" panose="020B0604020202020204" pitchFamily="34" charset="0"/>
+              </a:rPr>
+              <a:t> to </a:t>
+            </a:r>
+            <a:r>
+              <a:rPr lang="en-US" b="0" i="0" dirty="0">
+                <a:solidFill>
+                  <a:srgbClr val="333333"/>
+                </a:solidFill>
+                <a:effectLst/>
+                <a:latin typeface="arial" panose="020B0604020202020204" pitchFamily="34" charset="0"/>
+                <a:hlinkClick r:id="rId4" tooltip="guess"/>
+              </a:rPr>
+              <a:t>guess</a:t>
+            </a:r>
+            <a:r>
+              <a:rPr lang="en-US" b="0" i="0" dirty="0">
+                <a:solidFill>
+                  <a:srgbClr val="333333"/>
+                </a:solidFill>
+                <a:effectLst/>
+                <a:latin typeface="arial" panose="020B0604020202020204" pitchFamily="34" charset="0"/>
+              </a:rPr>
+              <a:t> what is </a:t>
+            </a:r>
+            <a:r>
+              <a:rPr lang="en-US" b="0" i="0" dirty="0">
+                <a:solidFill>
+                  <a:srgbClr val="333333"/>
+                </a:solidFill>
+                <a:effectLst/>
+                <a:latin typeface="arial" panose="020B0604020202020204" pitchFamily="34" charset="0"/>
+                <a:hlinkClick r:id="rId5" tooltip="true"/>
+              </a:rPr>
+              <a:t>true</a:t>
+            </a:r>
+            <a:r>
+              <a:rPr lang="en-US" b="0" i="0" dirty="0">
+                <a:solidFill>
+                  <a:srgbClr val="333333"/>
+                </a:solidFill>
+                <a:effectLst/>
+                <a:latin typeface="arial" panose="020B0604020202020204" pitchFamily="34" charset="0"/>
+              </a:rPr>
+              <a:t>, what will happen </a:t>
+            </a:r>
+            <a:r>
+              <a:rPr lang="en-US" b="0" i="0" dirty="0" err="1">
+                <a:solidFill>
+                  <a:srgbClr val="333333"/>
+                </a:solidFill>
+                <a:effectLst/>
+                <a:latin typeface="arial" panose="020B0604020202020204" pitchFamily="34" charset="0"/>
+              </a:rPr>
+              <a:t>etc</a:t>
+            </a:r>
+            <a:endParaRPr lang="en-US" b="0" i="0" dirty="0">
+              <a:solidFill>
+                <a:srgbClr val="333333"/>
+              </a:solidFill>
+              <a:effectLst/>
+              <a:latin typeface="arial" panose="020B0604020202020204" pitchFamily="34" charset="0"/>
+            </a:endParaRPr>
+          </a:p>
+          <a:p>
+            <a:r>
+              <a:rPr lang="en-US" b="0" i="0" dirty="0">
+                <a:solidFill>
+                  <a:srgbClr val="333333"/>
+                </a:solidFill>
+                <a:effectLst/>
+                <a:latin typeface="arial" panose="020B0604020202020204" pitchFamily="34" charset="0"/>
+              </a:rPr>
+              <a:t>to feel </a:t>
+            </a:r>
+            <a:r>
+              <a:rPr lang="en-US" b="0" i="0" dirty="0">
+                <a:effectLst/>
+                <a:latin typeface="arial" panose="020B0604020202020204" pitchFamily="34" charset="0"/>
+                <a:hlinkClick r:id="rId6" tooltip="surprise"/>
+              </a:rPr>
+              <a:t>surprised</a:t>
+            </a:r>
+            <a:r>
+              <a:rPr lang="en-US" b="0" i="0" dirty="0">
+                <a:solidFill>
+                  <a:srgbClr val="333333"/>
+                </a:solidFill>
+                <a:effectLst/>
+                <a:latin typeface="arial" panose="020B0604020202020204" pitchFamily="34" charset="0"/>
+              </a:rPr>
+              <a:t> and </a:t>
+            </a:r>
+            <a:r>
+              <a:rPr lang="en-US" b="0" i="0" dirty="0">
+                <a:effectLst/>
+                <a:latin typeface="arial" panose="020B0604020202020204" pitchFamily="34" charset="0"/>
+                <a:hlinkClick r:id="rId7" tooltip="unable"/>
+              </a:rPr>
+              <a:t>unable</a:t>
+            </a:r>
+            <a:r>
+              <a:rPr lang="en-US" b="0" i="0" dirty="0">
+                <a:solidFill>
+                  <a:srgbClr val="333333"/>
+                </a:solidFill>
+                <a:effectLst/>
+                <a:latin typeface="arial" panose="020B0604020202020204" pitchFamily="34" charset="0"/>
+              </a:rPr>
+              <a:t> to believe something</a:t>
+            </a:r>
+            <a:endParaRPr lang="en-US" dirty="0"/>
+          </a:p>
+        </p:txBody>
+      </p:sp>
+      <p:pic>
+        <p:nvPicPr>
+          <p:cNvPr id="13" name="图片 12">
+            <a:extLst>
+              <a:ext uri="{FF2B5EF4-FFF2-40B4-BE49-F238E27FC236}">
+                <a16:creationId xmlns:a16="http://schemas.microsoft.com/office/drawing/2014/main" id="{2E9ADD86-C680-0DAC-8BC2-A354C4995992}"/>
+              </a:ext>
+            </a:extLst>
+          </p:cNvPr>
+          <p:cNvPicPr>
+            <a:picLocks noChangeAspect="1"/>
+          </p:cNvPicPr>
+          <p:nvPr/>
+        </p:nvPicPr>
+        <p:blipFill>
+          <a:blip r:embed="rId8"/>
+          <a:stretch>
+            <a:fillRect/>
+          </a:stretch>
+        </p:blipFill>
+        <p:spPr>
+          <a:xfrm>
+            <a:off x="6337753" y="1756572"/>
+            <a:ext cx="4063548" cy="3909828"/>
+          </a:xfrm>
+          <a:prstGeom prst="rect">
+            <a:avLst/>
+          </a:prstGeom>
+        </p:spPr>
+      </p:pic>
+      <p:sp>
+        <p:nvSpPr>
+          <p:cNvPr id="14" name="TextBox 6">
+            <a:extLst>
+              <a:ext uri="{FF2B5EF4-FFF2-40B4-BE49-F238E27FC236}">
+                <a16:creationId xmlns:a16="http://schemas.microsoft.com/office/drawing/2014/main" id="{48B9AAE9-2AA1-D028-BAB5-890D61B7E8B0}"/>
               </a:ext>
             </a:extLst>
           </p:cNvPr>
@@ -13474,8 +13630,8 @@
         </p:nvSpPr>
         <p:spPr>
           <a:xfrm>
-            <a:off x="205200" y="2667174"/>
-            <a:ext cx="10833662" cy="3258207"/>
+            <a:off x="349345" y="2278593"/>
+            <a:ext cx="9740228" cy="3258207"/>
           </a:xfrm>
           <a:prstGeom prst="rect">
             <a:avLst/>
@@ -13513,15 +13669,40 @@
                 <a:uLnTx/>
                 <a:uFillTx/>
               </a:rPr>
-              <a:t>address</a:t>
-            </a:r>
+              <a:t>w</a:t>
+            </a:r>
+            <a:r>
+              <a:rPr kumimoji="0" lang="en-US" altLang="zh-CN" sz="15000" b="0" i="0" u="none" strike="noStrike" kern="0" cap="none" spc="0" normalizeH="0" baseline="0" noProof="0" dirty="0">
+                <a:ln>
+                  <a:noFill/>
+                </a:ln>
+                <a:solidFill>
+                  <a:schemeClr val="bg2"/>
+                </a:solidFill>
+                <a:effectLst/>
+                <a:uLnTx/>
+                <a:uFillTx/>
+              </a:rPr>
+              <a:t>onder</a:t>
+            </a:r>
+            <a:endParaRPr kumimoji="0" lang="en-US" sz="15000" b="0" i="0" u="none" strike="noStrike" kern="0" cap="none" spc="0" normalizeH="0" baseline="0" noProof="0" dirty="0">
+              <a:ln>
+                <a:noFill/>
+              </a:ln>
+              <a:solidFill>
+                <a:schemeClr val="bg2"/>
+              </a:solidFill>
+              <a:effectLst/>
+              <a:uLnTx/>
+              <a:uFillTx/>
+            </a:endParaRPr>
           </a:p>
         </p:txBody>
       </p:sp>
     </p:spTree>
     <p:extLst>
       <p:ext uri="{BB962C8B-B14F-4D97-AF65-F5344CB8AC3E}">
-        <p14:creationId xmlns:p14="http://schemas.microsoft.com/office/powerpoint/2010/main" val="1019580333"/>
+        <p14:creationId xmlns:p14="http://schemas.microsoft.com/office/powerpoint/2010/main" val="3147934916"/>
       </p:ext>
     </p:extLst>
   </p:cSld>
@@ -13553,7 +13734,7 @@
           <p:cNvPr id="2" name="Title 1">
             <a:extLst>
               <a:ext uri="{FF2B5EF4-FFF2-40B4-BE49-F238E27FC236}">
-                <a16:creationId xmlns:a16="http://schemas.microsoft.com/office/drawing/2014/main" id="{520CC3E6-E5D5-D88D-0CFD-93F104D6F34D}"/>
+                <a16:creationId xmlns:a16="http://schemas.microsoft.com/office/drawing/2014/main" id="{50DDDA36-EC41-C6D8-3B18-98B0DD374C76}"/>
               </a:ext>
             </a:extLst>
           </p:cNvPr>
@@ -13570,9 +13751,10 @@
           <a:lstStyle/>
           <a:p>
             <a:r>
-              <a:rPr lang="en-US" dirty="0"/>
-              <a:t>revenue</a:t>
-            </a:r>
+              <a:rPr lang="en-US" altLang="zh-CN" dirty="0"/>
+              <a:t>address</a:t>
+            </a:r>
+            <a:endParaRPr lang="en-US" dirty="0"/>
           </a:p>
         </p:txBody>
       </p:sp>
@@ -13581,7 +13763,7 @@
           <p:cNvPr id="3" name="Text Placeholder 2">
             <a:extLst>
               <a:ext uri="{FF2B5EF4-FFF2-40B4-BE49-F238E27FC236}">
-                <a16:creationId xmlns:a16="http://schemas.microsoft.com/office/drawing/2014/main" id="{4C991419-AB48-2F8E-A531-B7C3DAA1FDBD}"/>
+                <a16:creationId xmlns:a16="http://schemas.microsoft.com/office/drawing/2014/main" id="{A247ACA5-0110-E3A3-AEC8-C152BD12C2B2}"/>
               </a:ext>
             </a:extLst>
           </p:cNvPr>
@@ -13597,7 +13779,11 @@
           <a:bodyPr/>
           <a:lstStyle/>
           <a:p>
-            <a:endParaRPr lang="en-US"/>
+            <a:r>
+              <a:rPr lang="en-US" altLang="zh-CN" dirty="0"/>
+              <a:t>address</a:t>
+            </a:r>
+            <a:endParaRPr lang="en-US" dirty="0"/>
           </a:p>
         </p:txBody>
       </p:sp>
@@ -13606,7 +13792,7 @@
           <p:cNvPr id="4" name="Content Placeholder 3">
             <a:extLst>
               <a:ext uri="{FF2B5EF4-FFF2-40B4-BE49-F238E27FC236}">
-                <a16:creationId xmlns:a16="http://schemas.microsoft.com/office/drawing/2014/main" id="{B5CBA148-9BBF-F0FF-00F6-A116EB3FD2A4}"/>
+                <a16:creationId xmlns:a16="http://schemas.microsoft.com/office/drawing/2014/main" id="{0ECE3F59-4C42-35FB-EF21-F781300D4443}"/>
               </a:ext>
             </a:extLst>
           </p:cNvPr>
@@ -13624,47 +13810,80 @@
           <a:p>
             <a:r>
               <a:rPr lang="en-US" dirty="0"/>
-              <a:t>money that a business or </a:t>
+              <a:t>the </a:t>
             </a:r>
             <a:r>
               <a:rPr lang="en-US" dirty="0">
-                <a:hlinkClick r:id="rId2" tooltip="organization"/>
-              </a:rPr>
-              <a:t>organization</a:t>
+                <a:hlinkClick r:id="rId2" tooltip="detail"/>
+              </a:rPr>
+              <a:t>details</a:t>
+            </a:r>
+            <a:r>
+              <a:rPr lang="en-US" dirty="0"/>
+              <a:t> of the place where someone lives or works, which you use to </a:t>
+            </a:r>
+            <a:r>
+              <a:rPr lang="en-US" dirty="0">
+                <a:hlinkClick r:id="rId3" tooltip="send"/>
+              </a:rPr>
+              <a:t>send</a:t>
+            </a:r>
+            <a:r>
+              <a:rPr lang="en-US" dirty="0"/>
+              <a:t> them </a:t>
+            </a:r>
+            <a:r>
+              <a:rPr lang="en-US" dirty="0">
+                <a:hlinkClick r:id="rId4" tooltip="letter"/>
+              </a:rPr>
+              <a:t>letters</a:t>
             </a:r>
             <a:r>
               <a:rPr lang="en-US" dirty="0"/>
               <a:t> </a:t>
             </a:r>
             <a:r>
+              <a:rPr lang="en-US" dirty="0" err="1"/>
+              <a:t>etc</a:t>
+            </a:r>
+            <a:endParaRPr lang="en-US" dirty="0"/>
+          </a:p>
+          <a:p>
+            <a:endParaRPr lang="en-US" dirty="0"/>
+          </a:p>
+          <a:p>
+            <a:r>
+              <a:rPr lang="en-US" dirty="0"/>
+              <a:t>to </a:t>
+            </a:r>
+            <a:r>
               <a:rPr lang="en-US" dirty="0">
-                <a:hlinkClick r:id="rId3" tooltip="receive"/>
-              </a:rPr>
-              <a:t>receives</a:t>
-            </a:r>
-            <a:r>
-              <a:rPr lang="en-US" dirty="0"/>
-              <a:t> over a </a:t>
+                <a:hlinkClick r:id="rId5" tooltip="speak"/>
+              </a:rPr>
+              <a:t>speak</a:t>
+            </a:r>
+            <a:r>
+              <a:rPr lang="en-US" dirty="0"/>
+              <a:t> to someone directly</a:t>
+            </a:r>
+          </a:p>
+          <a:p>
+            <a:endParaRPr lang="en-US" dirty="0"/>
+          </a:p>
+          <a:p>
+            <a:r>
+              <a:rPr lang="en-US" dirty="0"/>
+              <a:t>if you address a problem, you start trying to </a:t>
             </a:r>
             <a:r>
               <a:rPr lang="en-US" dirty="0">
-                <a:hlinkClick r:id="rId4" tooltip="period"/>
-              </a:rPr>
-              <a:t>period</a:t>
-            </a:r>
-            <a:r>
-              <a:rPr lang="en-US" dirty="0"/>
-              <a:t> of time, especially from </a:t>
-            </a:r>
-            <a:r>
-              <a:rPr lang="en-US" dirty="0">
-                <a:hlinkClick r:id="rId5" tooltip="selling"/>
-              </a:rPr>
-              <a:t>selling</a:t>
-            </a:r>
-            <a:r>
-              <a:rPr lang="en-US" dirty="0"/>
-              <a:t> goods or services</a:t>
+                <a:hlinkClick r:id="rId6" tooltip="solve"/>
+              </a:rPr>
+              <a:t>solve</a:t>
+            </a:r>
+            <a:r>
+              <a:rPr lang="en-US" dirty="0"/>
+              <a:t> it</a:t>
             </a:r>
           </a:p>
         </p:txBody>
@@ -13674,7 +13893,7 @@
           <p:cNvPr id="5" name="Slide Number Placeholder 4">
             <a:extLst>
               <a:ext uri="{FF2B5EF4-FFF2-40B4-BE49-F238E27FC236}">
-                <a16:creationId xmlns:a16="http://schemas.microsoft.com/office/drawing/2014/main" id="{A75C985E-18DF-F57D-2C07-B8FD687191A6}"/>
+                <a16:creationId xmlns:a16="http://schemas.microsoft.com/office/drawing/2014/main" id="{658C9DDC-94A5-607A-5AF1-69A4D0629264}"/>
               </a:ext>
             </a:extLst>
           </p:cNvPr>
@@ -13701,60 +13920,19 @@
       </p:sp>
       <p:sp>
         <p:nvSpPr>
-          <p:cNvPr id="6" name="Rectangle 5">
-            <a:extLst>
-              <a:ext uri="{FF2B5EF4-FFF2-40B4-BE49-F238E27FC236}">
-                <a16:creationId xmlns:a16="http://schemas.microsoft.com/office/drawing/2014/main" id="{A656F8A9-42FC-1640-14D0-3B76C3D51C24}"/>
-              </a:ext>
-            </a:extLst>
-          </p:cNvPr>
-          <p:cNvSpPr/>
+          <p:cNvPr id="6" name="TextBox 5">
+            <a:extLst>
+              <a:ext uri="{FF2B5EF4-FFF2-40B4-BE49-F238E27FC236}">
+                <a16:creationId xmlns:a16="http://schemas.microsoft.com/office/drawing/2014/main" id="{A96AA334-42EA-B43B-B7D8-87CB93BBEA4A}"/>
+              </a:ext>
+            </a:extLst>
+          </p:cNvPr>
+          <p:cNvSpPr txBox="1"/>
           <p:nvPr/>
         </p:nvSpPr>
         <p:spPr>
           <a:xfrm>
-            <a:off x="8767034" y="4359606"/>
-            <a:ext cx="1996966" cy="1030013"/>
-          </a:xfrm>
-          <a:prstGeom prst="rect">
-            <a:avLst/>
-          </a:prstGeom>
-          <a:noFill/>
-          <a:ln w="9525" cap="flat" cmpd="sng" algn="ctr">
-            <a:solidFill>
-              <a:srgbClr val="3F136C"/>
-            </a:solidFill>
-            <a:prstDash val="solid"/>
-          </a:ln>
-          <a:effectLst/>
-        </p:spPr>
-        <p:txBody>
-          <a:bodyPr rtlCol="0" anchor="ctr"/>
-          <a:lstStyle/>
-          <a:p>
-            <a:r>
-              <a:rPr lang="en-US"/>
-              <a:t>Special revenues</a:t>
-            </a:r>
-            <a:endParaRPr lang="en-US" dirty="0"/>
-          </a:p>
-        </p:txBody>
-      </p:sp>
-      <p:sp>
-        <p:nvSpPr>
-          <p:cNvPr id="7" name="TextBox 6">
-            <a:extLst>
-              <a:ext uri="{FF2B5EF4-FFF2-40B4-BE49-F238E27FC236}">
-                <a16:creationId xmlns:a16="http://schemas.microsoft.com/office/drawing/2014/main" id="{82B37853-5DFD-BFD2-9B1E-2DF8CB09BC7E}"/>
-              </a:ext>
-            </a:extLst>
-          </p:cNvPr>
-          <p:cNvSpPr txBox="1"/>
-          <p:nvPr/>
-        </p:nvSpPr>
-        <p:spPr>
-          <a:xfrm>
-            <a:off x="349345" y="1998372"/>
+            <a:off x="205200" y="2667174"/>
             <a:ext cx="10833662" cy="3258207"/>
           </a:xfrm>
           <a:prstGeom prst="rect">
@@ -13793,7 +13971,7 @@
                 <a:uLnTx/>
                 <a:uFillTx/>
               </a:rPr>
-              <a:t>revenue</a:t>
+              <a:t>address</a:t>
             </a:r>
           </a:p>
         </p:txBody>
@@ -13801,7 +13979,7 @@
     </p:spTree>
     <p:extLst>
       <p:ext uri="{BB962C8B-B14F-4D97-AF65-F5344CB8AC3E}">
-        <p14:creationId xmlns:p14="http://schemas.microsoft.com/office/powerpoint/2010/main" val="3635752763"/>
+        <p14:creationId xmlns:p14="http://schemas.microsoft.com/office/powerpoint/2010/main" val="1019580333"/>
       </p:ext>
     </p:extLst>
   </p:cSld>
@@ -13833,7 +14011,7 @@
           <p:cNvPr id="2" name="Title 1">
             <a:extLst>
               <a:ext uri="{FF2B5EF4-FFF2-40B4-BE49-F238E27FC236}">
-                <a16:creationId xmlns:a16="http://schemas.microsoft.com/office/drawing/2014/main" id="{7E51CA73-B462-7EC3-48BB-FF54792B369F}"/>
+                <a16:creationId xmlns:a16="http://schemas.microsoft.com/office/drawing/2014/main" id="{520CC3E6-E5D5-D88D-0CFD-93F104D6F34D}"/>
               </a:ext>
             </a:extLst>
           </p:cNvPr>
@@ -13850,10 +14028,9 @@
           <a:lstStyle/>
           <a:p>
             <a:r>
-              <a:rPr lang="en-US" altLang="zh-CN" dirty="0"/>
-              <a:t>desperate</a:t>
-            </a:r>
-            <a:endParaRPr lang="en-US" dirty="0"/>
+              <a:rPr lang="en-US" dirty="0"/>
+              <a:t>revenue</a:t>
+            </a:r>
           </a:p>
         </p:txBody>
       </p:sp>
@@ -13862,7 +14039,7 @@
           <p:cNvPr id="3" name="Text Placeholder 2">
             <a:extLst>
               <a:ext uri="{FF2B5EF4-FFF2-40B4-BE49-F238E27FC236}">
-                <a16:creationId xmlns:a16="http://schemas.microsoft.com/office/drawing/2014/main" id="{DD3B3C7E-E839-BF01-5DE9-63C1BE3AE2A0}"/>
+                <a16:creationId xmlns:a16="http://schemas.microsoft.com/office/drawing/2014/main" id="{4C991419-AB48-2F8E-A531-B7C3DAA1FDBD}"/>
               </a:ext>
             </a:extLst>
           </p:cNvPr>
@@ -13878,10 +14055,7 @@
           <a:bodyPr/>
           <a:lstStyle/>
           <a:p>
-            <a:r>
-              <a:rPr lang="en-US"/>
-              <a:t>Wrap</a:t>
-            </a:r>
+            <a:endParaRPr lang="en-US"/>
           </a:p>
         </p:txBody>
       </p:sp>
@@ -13890,7 +14064,7 @@
           <p:cNvPr id="4" name="Content Placeholder 3">
             <a:extLst>
               <a:ext uri="{FF2B5EF4-FFF2-40B4-BE49-F238E27FC236}">
-                <a16:creationId xmlns:a16="http://schemas.microsoft.com/office/drawing/2014/main" id="{CBAFF63C-AD97-0678-70FE-CD665106FA9E}"/>
+                <a16:creationId xmlns:a16="http://schemas.microsoft.com/office/drawing/2014/main" id="{B5CBA148-9BBF-F0FF-00F6-A116EB3FD2A4}"/>
               </a:ext>
             </a:extLst>
           </p:cNvPr>
@@ -13908,30 +14082,47 @@
           <a:p>
             <a:r>
               <a:rPr lang="en-US" dirty="0"/>
-              <a:t>willing to do anything to change a very bad situation, and not caring about </a:t>
+              <a:t>money that a business or </a:t>
             </a:r>
             <a:r>
               <a:rPr lang="en-US" dirty="0">
-                <a:hlinkClick r:id="rId3" tooltip="danger"/>
-              </a:rPr>
-              <a:t>danger</a:t>
-            </a:r>
-            <a:endParaRPr lang="en-US" dirty="0"/>
-          </a:p>
-          <a:p>
-            <a:r>
-              <a:rPr lang="en-US" dirty="0"/>
-              <a:t>needing or </a:t>
+                <a:hlinkClick r:id="rId2" tooltip="organization"/>
+              </a:rPr>
+              <a:t>organization</a:t>
+            </a:r>
+            <a:r>
+              <a:rPr lang="en-US" dirty="0"/>
+              <a:t> </a:t>
             </a:r>
             <a:r>
               <a:rPr lang="en-US" dirty="0">
-                <a:hlinkClick r:id="rId4" tooltip="wanting"/>
-              </a:rPr>
-              <a:t>wanting</a:t>
-            </a:r>
-            <a:r>
-              <a:rPr lang="en-US" dirty="0"/>
-              <a:t> something very much</a:t>
+                <a:hlinkClick r:id="rId3" tooltip="receive"/>
+              </a:rPr>
+              <a:t>receives</a:t>
+            </a:r>
+            <a:r>
+              <a:rPr lang="en-US" dirty="0"/>
+              <a:t> over a </a:t>
+            </a:r>
+            <a:r>
+              <a:rPr lang="en-US" dirty="0">
+                <a:hlinkClick r:id="rId4" tooltip="period"/>
+              </a:rPr>
+              <a:t>period</a:t>
+            </a:r>
+            <a:r>
+              <a:rPr lang="en-US" dirty="0"/>
+              <a:t> of time, especially from </a:t>
+            </a:r>
+            <a:r>
+              <a:rPr lang="en-US" dirty="0">
+                <a:hlinkClick r:id="rId5" tooltip="selling"/>
+              </a:rPr>
+              <a:t>selling</a:t>
+            </a:r>
+            <a:r>
+              <a:rPr lang="en-US" dirty="0"/>
+              <a:t> goods or services</a:t>
             </a:r>
           </a:p>
         </p:txBody>
@@ -13941,7 +14132,7 @@
           <p:cNvPr id="5" name="Slide Number Placeholder 4">
             <a:extLst>
               <a:ext uri="{FF2B5EF4-FFF2-40B4-BE49-F238E27FC236}">
-                <a16:creationId xmlns:a16="http://schemas.microsoft.com/office/drawing/2014/main" id="{567B2CCC-685B-677B-EEBF-CC213000FBC9}"/>
+                <a16:creationId xmlns:a16="http://schemas.microsoft.com/office/drawing/2014/main" id="{A75C985E-18DF-F57D-2C07-B8FD687191A6}"/>
               </a:ext>
             </a:extLst>
           </p:cNvPr>
@@ -13971,7 +14162,7 @@
           <p:cNvPr id="6" name="Rectangle 5">
             <a:extLst>
               <a:ext uri="{FF2B5EF4-FFF2-40B4-BE49-F238E27FC236}">
-                <a16:creationId xmlns:a16="http://schemas.microsoft.com/office/drawing/2014/main" id="{3CC3607D-68F9-A1C7-A545-F2802F4C2EC6}"/>
+                <a16:creationId xmlns:a16="http://schemas.microsoft.com/office/drawing/2014/main" id="{A656F8A9-42FC-1640-14D0-3B76C3D51C24}"/>
               </a:ext>
             </a:extLst>
           </p:cNvPr>
@@ -14000,12 +14191,8 @@
           <a:lstStyle/>
           <a:p>
             <a:r>
-              <a:rPr lang="en-US" dirty="0"/>
-              <a:t>desperate</a:t>
-            </a:r>
-            <a:r>
-              <a:rPr lang="en-US" altLang="zh-CN" dirty="0"/>
-              <a:t>ly</a:t>
+              <a:rPr lang="en-US"/>
+              <a:t>Special revenues</a:t>
             </a:r>
             <a:endParaRPr lang="en-US" dirty="0"/>
           </a:p>
@@ -14016,7 +14203,7 @@
           <p:cNvPr id="7" name="TextBox 6">
             <a:extLst>
               <a:ext uri="{FF2B5EF4-FFF2-40B4-BE49-F238E27FC236}">
-                <a16:creationId xmlns:a16="http://schemas.microsoft.com/office/drawing/2014/main" id="{52B640B7-9966-22AD-A219-6F3BA32314B8}"/>
+                <a16:creationId xmlns:a16="http://schemas.microsoft.com/office/drawing/2014/main" id="{82B37853-5DFD-BFD2-9B1E-2DF8CB09BC7E}"/>
               </a:ext>
             </a:extLst>
           </p:cNvPr>
@@ -14053,31 +14240,26 @@
               <a:tabLst/>
             </a:pPr>
             <a:r>
-              <a:rPr lang="en-US" sz="15000" kern="0" dirty="0">
+              <a:rPr kumimoji="0" lang="en-US" sz="15000" b="0" i="0" u="none" strike="noStrike" kern="0" cap="none" spc="0" normalizeH="0" baseline="0" noProof="0" dirty="0">
+                <a:ln>
+                  <a:noFill/>
+                </a:ln>
                 <a:solidFill>
                   <a:schemeClr val="bg2"/>
                 </a:solidFill>
-              </a:rPr>
-              <a:t>desperate</a:t>
-            </a:r>
-            <a:endParaRPr kumimoji="0" lang="en-US" sz="15000" b="0" i="0" u="none" strike="noStrike" kern="0" cap="none" spc="0" normalizeH="0" baseline="0" noProof="0" dirty="0">
-              <a:ln>
-                <a:noFill/>
-              </a:ln>
-              <a:solidFill>
-                <a:schemeClr val="bg2"/>
-              </a:solidFill>
-              <a:effectLst/>
-              <a:uLnTx/>
-              <a:uFillTx/>
-            </a:endParaRPr>
+                <a:effectLst/>
+                <a:uLnTx/>
+                <a:uFillTx/>
+              </a:rPr>
+              <a:t>revenue</a:t>
+            </a:r>
           </a:p>
         </p:txBody>
       </p:sp>
     </p:spTree>
     <p:extLst>
       <p:ext uri="{BB962C8B-B14F-4D97-AF65-F5344CB8AC3E}">
-        <p14:creationId xmlns:p14="http://schemas.microsoft.com/office/powerpoint/2010/main" val="789544583"/>
+        <p14:creationId xmlns:p14="http://schemas.microsoft.com/office/powerpoint/2010/main" val="3635752763"/>
       </p:ext>
     </p:extLst>
   </p:cSld>
@@ -14109,7 +14291,7 @@
           <p:cNvPr id="2" name="Title 1">
             <a:extLst>
               <a:ext uri="{FF2B5EF4-FFF2-40B4-BE49-F238E27FC236}">
-                <a16:creationId xmlns:a16="http://schemas.microsoft.com/office/drawing/2014/main" id="{14702F1D-9DF7-B267-D7BE-AC3B8AD75F1B}"/>
+                <a16:creationId xmlns:a16="http://schemas.microsoft.com/office/drawing/2014/main" id="{7E51CA73-B462-7EC3-48BB-FF54792B369F}"/>
               </a:ext>
             </a:extLst>
           </p:cNvPr>
@@ -14126,9 +14308,10 @@
           <a:lstStyle/>
           <a:p>
             <a:r>
-              <a:rPr lang="en-US" dirty="0"/>
-              <a:t>expect</a:t>
-            </a:r>
+              <a:rPr lang="en-US" altLang="zh-CN" dirty="0"/>
+              <a:t>desperate</a:t>
+            </a:r>
+            <a:endParaRPr lang="en-US" dirty="0"/>
           </a:p>
         </p:txBody>
       </p:sp>
@@ -14137,7 +14320,7 @@
           <p:cNvPr id="3" name="Text Placeholder 2">
             <a:extLst>
               <a:ext uri="{FF2B5EF4-FFF2-40B4-BE49-F238E27FC236}">
-                <a16:creationId xmlns:a16="http://schemas.microsoft.com/office/drawing/2014/main" id="{36A626DB-F86B-5B2A-B0E1-68CBB168A05E}"/>
+                <a16:creationId xmlns:a16="http://schemas.microsoft.com/office/drawing/2014/main" id="{DD3B3C7E-E839-BF01-5DE9-63C1BE3AE2A0}"/>
               </a:ext>
             </a:extLst>
           </p:cNvPr>
@@ -14165,7 +14348,7 @@
           <p:cNvPr id="4" name="Content Placeholder 3">
             <a:extLst>
               <a:ext uri="{FF2B5EF4-FFF2-40B4-BE49-F238E27FC236}">
-                <a16:creationId xmlns:a16="http://schemas.microsoft.com/office/drawing/2014/main" id="{1B802817-B699-B0F5-F70C-31A7C96C1691}"/>
+                <a16:creationId xmlns:a16="http://schemas.microsoft.com/office/drawing/2014/main" id="{CBAFF63C-AD97-0678-70FE-CD665106FA9E}"/>
               </a:ext>
             </a:extLst>
           </p:cNvPr>
@@ -14183,17 +14366,30 @@
           <a:p>
             <a:r>
               <a:rPr lang="en-US" dirty="0"/>
-              <a:t>to think that something will happen because it seems </a:t>
+              <a:t>willing to do anything to change a very bad situation, and not caring about </a:t>
             </a:r>
             <a:r>
               <a:rPr lang="en-US" dirty="0">
-                <a:hlinkClick r:id="rId2" tooltip="likely"/>
-              </a:rPr>
-              <a:t>likely</a:t>
-            </a:r>
-            <a:r>
-              <a:rPr lang="en-US" dirty="0"/>
-              <a:t> or has been planned</a:t>
+                <a:hlinkClick r:id="rId3" tooltip="danger"/>
+              </a:rPr>
+              <a:t>danger</a:t>
+            </a:r>
+            <a:endParaRPr lang="en-US" dirty="0"/>
+          </a:p>
+          <a:p>
+            <a:r>
+              <a:rPr lang="en-US" dirty="0"/>
+              <a:t>needing or </a:t>
+            </a:r>
+            <a:r>
+              <a:rPr lang="en-US" dirty="0">
+                <a:hlinkClick r:id="rId4" tooltip="wanting"/>
+              </a:rPr>
+              <a:t>wanting</a:t>
+            </a:r>
+            <a:r>
+              <a:rPr lang="en-US" dirty="0"/>
+              <a:t> something very much</a:t>
             </a:r>
           </a:p>
         </p:txBody>
@@ -14203,7 +14399,7 @@
           <p:cNvPr id="5" name="Slide Number Placeholder 4">
             <a:extLst>
               <a:ext uri="{FF2B5EF4-FFF2-40B4-BE49-F238E27FC236}">
-                <a16:creationId xmlns:a16="http://schemas.microsoft.com/office/drawing/2014/main" id="{5785525B-3C9D-1722-9B76-987331F1C141}"/>
+                <a16:creationId xmlns:a16="http://schemas.microsoft.com/office/drawing/2014/main" id="{567B2CCC-685B-677B-EEBF-CC213000FBC9}"/>
               </a:ext>
             </a:extLst>
           </p:cNvPr>
@@ -14230,10 +14426,10 @@
       </p:sp>
       <p:sp>
         <p:nvSpPr>
-          <p:cNvPr id="7" name="Rectangle 6">
-            <a:extLst>
-              <a:ext uri="{FF2B5EF4-FFF2-40B4-BE49-F238E27FC236}">
-                <a16:creationId xmlns:a16="http://schemas.microsoft.com/office/drawing/2014/main" id="{4811B150-2977-E2A0-5AC8-F4326233EAF3}"/>
+          <p:cNvPr id="6" name="Rectangle 5">
+            <a:extLst>
+              <a:ext uri="{FF2B5EF4-FFF2-40B4-BE49-F238E27FC236}">
+                <a16:creationId xmlns:a16="http://schemas.microsoft.com/office/drawing/2014/main" id="{3CC3607D-68F9-A1C7-A545-F2802F4C2EC6}"/>
               </a:ext>
             </a:extLst>
           </p:cNvPr>
@@ -14263,17 +14459,22 @@
           <a:p>
             <a:r>
               <a:rPr lang="en-US" dirty="0"/>
-              <a:t>expectation</a:t>
-            </a:r>
-          </a:p>
-        </p:txBody>
-      </p:sp>
-      <p:sp>
-        <p:nvSpPr>
-          <p:cNvPr id="8" name="TextBox 7">
-            <a:extLst>
-              <a:ext uri="{FF2B5EF4-FFF2-40B4-BE49-F238E27FC236}">
-                <a16:creationId xmlns:a16="http://schemas.microsoft.com/office/drawing/2014/main" id="{A05CA3CA-8B47-8C13-8895-0912C62285D3}"/>
+              <a:t>desperate</a:t>
+            </a:r>
+            <a:r>
+              <a:rPr lang="en-US" altLang="zh-CN" dirty="0"/>
+              <a:t>ly</a:t>
+            </a:r>
+            <a:endParaRPr lang="en-US" dirty="0"/>
+          </a:p>
+        </p:txBody>
+      </p:sp>
+      <p:sp>
+        <p:nvSpPr>
+          <p:cNvPr id="7" name="TextBox 6">
+            <a:extLst>
+              <a:ext uri="{FF2B5EF4-FFF2-40B4-BE49-F238E27FC236}">
+                <a16:creationId xmlns:a16="http://schemas.microsoft.com/office/drawing/2014/main" id="{52B640B7-9966-22AD-A219-6F3BA32314B8}"/>
               </a:ext>
             </a:extLst>
           </p:cNvPr>
@@ -14310,26 +14511,31 @@
               <a:tabLst/>
             </a:pPr>
             <a:r>
-              <a:rPr kumimoji="0" lang="en-US" sz="15000" b="0" i="0" u="none" strike="noStrike" kern="0" cap="none" spc="0" normalizeH="0" baseline="0" noProof="0" dirty="0">
-                <a:ln>
-                  <a:noFill/>
-                </a:ln>
+              <a:rPr lang="en-US" sz="15000" kern="0" dirty="0">
                 <a:solidFill>
                   <a:schemeClr val="bg2"/>
                 </a:solidFill>
-                <a:effectLst/>
-                <a:uLnTx/>
-                <a:uFillTx/>
-              </a:rPr>
-              <a:t>expect</a:t>
-            </a:r>
+              </a:rPr>
+              <a:t>desperate</a:t>
+            </a:r>
+            <a:endParaRPr kumimoji="0" lang="en-US" sz="15000" b="0" i="0" u="none" strike="noStrike" kern="0" cap="none" spc="0" normalizeH="0" baseline="0" noProof="0" dirty="0">
+              <a:ln>
+                <a:noFill/>
+              </a:ln>
+              <a:solidFill>
+                <a:schemeClr val="bg2"/>
+              </a:solidFill>
+              <a:effectLst/>
+              <a:uLnTx/>
+              <a:uFillTx/>
+            </a:endParaRPr>
           </a:p>
         </p:txBody>
       </p:sp>
     </p:spTree>
     <p:extLst>
       <p:ext uri="{BB962C8B-B14F-4D97-AF65-F5344CB8AC3E}">
-        <p14:creationId xmlns:p14="http://schemas.microsoft.com/office/powerpoint/2010/main" val="1355945034"/>
+        <p14:creationId xmlns:p14="http://schemas.microsoft.com/office/powerpoint/2010/main" val="789544583"/>
       </p:ext>
     </p:extLst>
   </p:cSld>
@@ -14874,7 +15080,7 @@
           <p:cNvPr id="2" name="Title 1">
             <a:extLst>
               <a:ext uri="{FF2B5EF4-FFF2-40B4-BE49-F238E27FC236}">
-                <a16:creationId xmlns:a16="http://schemas.microsoft.com/office/drawing/2014/main" id="{51474C96-E740-9897-5C11-DA9CD5F1E667}"/>
+                <a16:creationId xmlns:a16="http://schemas.microsoft.com/office/drawing/2014/main" id="{14702F1D-9DF7-B267-D7BE-AC3B8AD75F1B}"/>
               </a:ext>
             </a:extLst>
           </p:cNvPr>
@@ -14892,7 +15098,7 @@
           <a:p>
             <a:r>
               <a:rPr lang="en-US" dirty="0"/>
-              <a:t>convince</a:t>
+              <a:t>expect</a:t>
             </a:r>
           </a:p>
         </p:txBody>
@@ -14902,7 +15108,7 @@
           <p:cNvPr id="3" name="Text Placeholder 2">
             <a:extLst>
               <a:ext uri="{FF2B5EF4-FFF2-40B4-BE49-F238E27FC236}">
-                <a16:creationId xmlns:a16="http://schemas.microsoft.com/office/drawing/2014/main" id="{B2E9AE9C-1CAD-CBAA-9497-E877208C2668}"/>
+                <a16:creationId xmlns:a16="http://schemas.microsoft.com/office/drawing/2014/main" id="{36A626DB-F86B-5B2A-B0E1-68CBB168A05E}"/>
               </a:ext>
             </a:extLst>
           </p:cNvPr>
@@ -14930,7 +15136,7 @@
           <p:cNvPr id="4" name="Content Placeholder 3">
             <a:extLst>
               <a:ext uri="{FF2B5EF4-FFF2-40B4-BE49-F238E27FC236}">
-                <a16:creationId xmlns:a16="http://schemas.microsoft.com/office/drawing/2014/main" id="{6CA680F2-F1EC-100D-73E5-34CE04780DB8}"/>
+                <a16:creationId xmlns:a16="http://schemas.microsoft.com/office/drawing/2014/main" id="{1B802817-B699-B0F5-F70C-31A7C96C1691}"/>
               </a:ext>
             </a:extLst>
           </p:cNvPr>
@@ -14948,25 +15154,18 @@
           <a:p>
             <a:r>
               <a:rPr lang="en-US" dirty="0"/>
-              <a:t>to make someone feel </a:t>
+              <a:t>to think that something will happen because it seems </a:t>
             </a:r>
             <a:r>
               <a:rPr lang="en-US" dirty="0">
-                <a:hlinkClick r:id="rId2" tooltip="certain"/>
-              </a:rPr>
-              <a:t>certain</a:t>
-            </a:r>
-            <a:r>
-              <a:rPr lang="en-US" dirty="0"/>
-              <a:t> that something is </a:t>
-            </a:r>
-            <a:r>
-              <a:rPr lang="en-US" dirty="0">
-                <a:hlinkClick r:id="rId3" tooltip="true"/>
-              </a:rPr>
-              <a:t>true</a:t>
-            </a:r>
-            <a:endParaRPr lang="en-US" dirty="0"/>
+                <a:hlinkClick r:id="rId2" tooltip="likely"/>
+              </a:rPr>
+              <a:t>likely</a:t>
+            </a:r>
+            <a:r>
+              <a:rPr lang="en-US" dirty="0"/>
+              <a:t> or has been planned</a:t>
+            </a:r>
           </a:p>
         </p:txBody>
       </p:sp>
@@ -14975,7 +15174,7 @@
           <p:cNvPr id="5" name="Slide Number Placeholder 4">
             <a:extLst>
               <a:ext uri="{FF2B5EF4-FFF2-40B4-BE49-F238E27FC236}">
-                <a16:creationId xmlns:a16="http://schemas.microsoft.com/office/drawing/2014/main" id="{34079A74-AF53-A7F6-2F7F-95AD9E28BFE8}"/>
+                <a16:creationId xmlns:a16="http://schemas.microsoft.com/office/drawing/2014/main" id="{5785525B-3C9D-1722-9B76-987331F1C141}"/>
               </a:ext>
             </a:extLst>
           </p:cNvPr>
@@ -15002,10 +15201,10 @@
       </p:sp>
       <p:sp>
         <p:nvSpPr>
-          <p:cNvPr id="6" name="Rectangle 5">
-            <a:extLst>
-              <a:ext uri="{FF2B5EF4-FFF2-40B4-BE49-F238E27FC236}">
-                <a16:creationId xmlns:a16="http://schemas.microsoft.com/office/drawing/2014/main" id="{3D14E73C-13B2-C169-B646-1CFBAE119B6C}"/>
+          <p:cNvPr id="7" name="Rectangle 6">
+            <a:extLst>
+              <a:ext uri="{FF2B5EF4-FFF2-40B4-BE49-F238E27FC236}">
+                <a16:creationId xmlns:a16="http://schemas.microsoft.com/office/drawing/2014/main" id="{4811B150-2977-E2A0-5AC8-F4326233EAF3}"/>
               </a:ext>
             </a:extLst>
           </p:cNvPr>
@@ -15035,17 +15234,17 @@
           <a:p>
             <a:r>
               <a:rPr lang="en-US" dirty="0"/>
-              <a:t>highly convinced that</a:t>
-            </a:r>
-          </a:p>
-        </p:txBody>
-      </p:sp>
-      <p:sp>
-        <p:nvSpPr>
-          <p:cNvPr id="7" name="TextBox 6">
-            <a:extLst>
-              <a:ext uri="{FF2B5EF4-FFF2-40B4-BE49-F238E27FC236}">
-                <a16:creationId xmlns:a16="http://schemas.microsoft.com/office/drawing/2014/main" id="{901AEAFA-5CAB-8F27-F9CA-92DC6D70FC24}"/>
+              <a:t>expectation</a:t>
+            </a:r>
+          </a:p>
+        </p:txBody>
+      </p:sp>
+      <p:sp>
+        <p:nvSpPr>
+          <p:cNvPr id="8" name="TextBox 7">
+            <a:extLst>
+              <a:ext uri="{FF2B5EF4-FFF2-40B4-BE49-F238E27FC236}">
+                <a16:creationId xmlns:a16="http://schemas.microsoft.com/office/drawing/2014/main" id="{A05CA3CA-8B47-8C13-8895-0912C62285D3}"/>
               </a:ext>
             </a:extLst>
           </p:cNvPr>
@@ -15093,7 +15292,7 @@
                 <a:uLnTx/>
                 <a:uFillTx/>
               </a:rPr>
-              <a:t>convince</a:t>
+              <a:t>expect</a:t>
             </a:r>
           </a:p>
         </p:txBody>
@@ -15101,7 +15300,7 @@
     </p:spTree>
     <p:extLst>
       <p:ext uri="{BB962C8B-B14F-4D97-AF65-F5344CB8AC3E}">
-        <p14:creationId xmlns:p14="http://schemas.microsoft.com/office/powerpoint/2010/main" val="3321650043"/>
+        <p14:creationId xmlns:p14="http://schemas.microsoft.com/office/powerpoint/2010/main" val="1355945034"/>
       </p:ext>
     </p:extLst>
   </p:cSld>
@@ -15133,7 +15332,7 @@
           <p:cNvPr id="2" name="Title 1">
             <a:extLst>
               <a:ext uri="{FF2B5EF4-FFF2-40B4-BE49-F238E27FC236}">
-                <a16:creationId xmlns:a16="http://schemas.microsoft.com/office/drawing/2014/main" id="{7F231921-9E12-E64A-4293-C95B698E849A}"/>
+                <a16:creationId xmlns:a16="http://schemas.microsoft.com/office/drawing/2014/main" id="{51474C96-E740-9897-5C11-DA9CD5F1E667}"/>
               </a:ext>
             </a:extLst>
           </p:cNvPr>
@@ -15150,81 +15349,91 @@
           <a:lstStyle/>
           <a:p>
             <a:r>
-              <a:rPr lang="en-US" b="1" dirty="0"/>
-              <a:t>capable</a:t>
-            </a:r>
-            <a:br>
-              <a:rPr lang="en-US" b="1" dirty="0"/>
-            </a:br>
+              <a:rPr lang="en-US" dirty="0"/>
+              <a:t>convince</a:t>
+            </a:r>
+          </a:p>
+        </p:txBody>
+      </p:sp>
+      <p:sp>
+        <p:nvSpPr>
+          <p:cNvPr id="3" name="Text Placeholder 2">
+            <a:extLst>
+              <a:ext uri="{FF2B5EF4-FFF2-40B4-BE49-F238E27FC236}">
+                <a16:creationId xmlns:a16="http://schemas.microsoft.com/office/drawing/2014/main" id="{B2E9AE9C-1CAD-CBAA-9497-E877208C2668}"/>
+              </a:ext>
+            </a:extLst>
+          </p:cNvPr>
+          <p:cNvSpPr>
+            <a:spLocks noGrp="1"/>
+          </p:cNvSpPr>
+          <p:nvPr>
+            <p:ph type="body" sz="quarter" idx="15"/>
+          </p:nvPr>
+        </p:nvSpPr>
+        <p:spPr/>
+        <p:txBody>
+          <a:bodyPr/>
+          <a:lstStyle/>
+          <a:p>
+            <a:r>
+              <a:rPr lang="en-US"/>
+              <a:t>Wrap</a:t>
+            </a:r>
+          </a:p>
+        </p:txBody>
+      </p:sp>
+      <p:sp>
+        <p:nvSpPr>
+          <p:cNvPr id="4" name="Content Placeholder 3">
+            <a:extLst>
+              <a:ext uri="{FF2B5EF4-FFF2-40B4-BE49-F238E27FC236}">
+                <a16:creationId xmlns:a16="http://schemas.microsoft.com/office/drawing/2014/main" id="{6CA680F2-F1EC-100D-73E5-34CE04780DB8}"/>
+              </a:ext>
+            </a:extLst>
+          </p:cNvPr>
+          <p:cNvSpPr>
+            <a:spLocks noGrp="1"/>
+          </p:cNvSpPr>
+          <p:nvPr>
+            <p:ph sz="quarter" idx="1"/>
+          </p:nvPr>
+        </p:nvSpPr>
+        <p:spPr/>
+        <p:txBody>
+          <a:bodyPr/>
+          <a:lstStyle/>
+          <a:p>
+            <a:r>
+              <a:rPr lang="en-US" dirty="0"/>
+              <a:t>to make someone feel </a:t>
+            </a:r>
+            <a:r>
+              <a:rPr lang="en-US" dirty="0">
+                <a:hlinkClick r:id="rId2" tooltip="certain"/>
+              </a:rPr>
+              <a:t>certain</a:t>
+            </a:r>
+            <a:r>
+              <a:rPr lang="en-US" dirty="0"/>
+              <a:t> that something is </a:t>
+            </a:r>
+            <a:r>
+              <a:rPr lang="en-US" dirty="0">
+                <a:hlinkClick r:id="rId3" tooltip="true"/>
+              </a:rPr>
+              <a:t>true</a:t>
+            </a:r>
             <a:endParaRPr lang="en-US" dirty="0"/>
           </a:p>
         </p:txBody>
       </p:sp>
       <p:sp>
         <p:nvSpPr>
-          <p:cNvPr id="3" name="Text Placeholder 2">
-            <a:extLst>
-              <a:ext uri="{FF2B5EF4-FFF2-40B4-BE49-F238E27FC236}">
-                <a16:creationId xmlns:a16="http://schemas.microsoft.com/office/drawing/2014/main" id="{A7761B4F-03C4-454D-3C99-00E9B2BF23B9}"/>
-              </a:ext>
-            </a:extLst>
-          </p:cNvPr>
-          <p:cNvSpPr>
-            <a:spLocks noGrp="1"/>
-          </p:cNvSpPr>
-          <p:nvPr>
-            <p:ph type="body" sz="quarter" idx="15"/>
-          </p:nvPr>
-        </p:nvSpPr>
-        <p:spPr/>
-        <p:txBody>
-          <a:bodyPr/>
-          <a:lstStyle/>
-          <a:p>
-            <a:endParaRPr lang="en-US" dirty="0"/>
-          </a:p>
-        </p:txBody>
-      </p:sp>
-      <p:sp>
-        <p:nvSpPr>
-          <p:cNvPr id="4" name="Content Placeholder 3">
-            <a:extLst>
-              <a:ext uri="{FF2B5EF4-FFF2-40B4-BE49-F238E27FC236}">
-                <a16:creationId xmlns:a16="http://schemas.microsoft.com/office/drawing/2014/main" id="{865B5770-19EB-A7B1-E5CE-D08E11CDC12C}"/>
-              </a:ext>
-            </a:extLst>
-          </p:cNvPr>
-          <p:cNvSpPr>
-            <a:spLocks noGrp="1"/>
-          </p:cNvSpPr>
-          <p:nvPr>
-            <p:ph sz="quarter" idx="1"/>
-          </p:nvPr>
-        </p:nvSpPr>
-        <p:spPr/>
-        <p:txBody>
-          <a:bodyPr/>
-          <a:lstStyle/>
-          <a:p>
-            <a:r>
-              <a:rPr lang="en-US" dirty="0">
-                <a:hlinkClick r:id="rId2" tooltip="able"/>
-              </a:rPr>
-              <a:t>able</a:t>
-            </a:r>
-            <a:r>
-              <a:rPr lang="en-US" dirty="0"/>
-              <a:t> to do things well</a:t>
-            </a:r>
-          </a:p>
-        </p:txBody>
-      </p:sp>
-      <p:sp>
-        <p:nvSpPr>
           <p:cNvPr id="5" name="Slide Number Placeholder 4">
             <a:extLst>
               <a:ext uri="{FF2B5EF4-FFF2-40B4-BE49-F238E27FC236}">
-                <a16:creationId xmlns:a16="http://schemas.microsoft.com/office/drawing/2014/main" id="{B430E695-4B80-2CFB-386B-C443B3E1AC40}"/>
+                <a16:creationId xmlns:a16="http://schemas.microsoft.com/office/drawing/2014/main" id="{34079A74-AF53-A7F6-2F7F-95AD9E28BFE8}"/>
               </a:ext>
             </a:extLst>
           </p:cNvPr>
@@ -15249,10 +15458,108 @@
           </a:p>
         </p:txBody>
       </p:sp>
+      <p:sp>
+        <p:nvSpPr>
+          <p:cNvPr id="6" name="Rectangle 5">
+            <a:extLst>
+              <a:ext uri="{FF2B5EF4-FFF2-40B4-BE49-F238E27FC236}">
+                <a16:creationId xmlns:a16="http://schemas.microsoft.com/office/drawing/2014/main" id="{3D14E73C-13B2-C169-B646-1CFBAE119B6C}"/>
+              </a:ext>
+            </a:extLst>
+          </p:cNvPr>
+          <p:cNvSpPr/>
+          <p:nvPr/>
+        </p:nvSpPr>
+        <p:spPr>
+          <a:xfrm>
+            <a:off x="8767034" y="4359606"/>
+            <a:ext cx="1996966" cy="1030013"/>
+          </a:xfrm>
+          <a:prstGeom prst="rect">
+            <a:avLst/>
+          </a:prstGeom>
+          <a:noFill/>
+          <a:ln w="9525" cap="flat" cmpd="sng" algn="ctr">
+            <a:solidFill>
+              <a:srgbClr val="3F136C"/>
+            </a:solidFill>
+            <a:prstDash val="solid"/>
+          </a:ln>
+          <a:effectLst/>
+        </p:spPr>
+        <p:txBody>
+          <a:bodyPr rtlCol="0" anchor="ctr"/>
+          <a:lstStyle/>
+          <a:p>
+            <a:r>
+              <a:rPr lang="en-US" dirty="0"/>
+              <a:t>highly convinced that</a:t>
+            </a:r>
+          </a:p>
+        </p:txBody>
+      </p:sp>
+      <p:sp>
+        <p:nvSpPr>
+          <p:cNvPr id="7" name="TextBox 6">
+            <a:extLst>
+              <a:ext uri="{FF2B5EF4-FFF2-40B4-BE49-F238E27FC236}">
+                <a16:creationId xmlns:a16="http://schemas.microsoft.com/office/drawing/2014/main" id="{901AEAFA-5CAB-8F27-F9CA-92DC6D70FC24}"/>
+              </a:ext>
+            </a:extLst>
+          </p:cNvPr>
+          <p:cNvSpPr txBox="1"/>
+          <p:nvPr/>
+        </p:nvSpPr>
+        <p:spPr>
+          <a:xfrm>
+            <a:off x="349345" y="1998372"/>
+            <a:ext cx="10833662" cy="3258207"/>
+          </a:xfrm>
+          <a:prstGeom prst="rect">
+            <a:avLst/>
+          </a:prstGeom>
+          <a:noFill/>
+        </p:spPr>
+        <p:txBody>
+          <a:bodyPr wrap="square" lIns="0" tIns="0" rIns="0" bIns="0" rtlCol="0">
+            <a:noAutofit/>
+          </a:bodyPr>
+          <a:lstStyle/>
+          <a:p>
+            <a:pPr marR="0" algn="l" defTabSz="914400" eaLnBrk="1" fontAlgn="auto" latinLnBrk="0" hangingPunct="1">
+              <a:spcBef>
+                <a:spcPts val="500"/>
+              </a:spcBef>
+              <a:spcAft>
+                <a:spcPts val="0"/>
+              </a:spcAft>
+              <a:buClrTx/>
+              <a:buSzTx/>
+              <a:buFontTx/>
+              <a:buNone/>
+              <a:tabLst/>
+            </a:pPr>
+            <a:r>
+              <a:rPr kumimoji="0" lang="en-US" sz="15000" b="0" i="0" u="none" strike="noStrike" kern="0" cap="none" spc="0" normalizeH="0" baseline="0" noProof="0" dirty="0">
+                <a:ln>
+                  <a:noFill/>
+                </a:ln>
+                <a:solidFill>
+                  <a:schemeClr val="bg2"/>
+                </a:solidFill>
+                <a:effectLst/>
+                <a:uLnTx/>
+                <a:uFillTx/>
+              </a:rPr>
+              <a:t>convince</a:t>
+            </a:r>
+          </a:p>
+        </p:txBody>
+      </p:sp>
     </p:spTree>
     <p:extLst>
       <p:ext uri="{BB962C8B-B14F-4D97-AF65-F5344CB8AC3E}">
-        <p14:creationId xmlns:p14="http://schemas.microsoft.com/office/powerpoint/2010/main" val="1771986767"/>
+        <p14:creationId xmlns:p14="http://schemas.microsoft.com/office/powerpoint/2010/main" val="3321650043"/>
       </p:ext>
     </p:extLst>
   </p:cSld>
@@ -15284,7 +15591,7 @@
           <p:cNvPr id="2" name="Title 1">
             <a:extLst>
               <a:ext uri="{FF2B5EF4-FFF2-40B4-BE49-F238E27FC236}">
-                <a16:creationId xmlns:a16="http://schemas.microsoft.com/office/drawing/2014/main" id="{BA756A44-5446-0DE4-DA31-FEFEC57CE605}"/>
+                <a16:creationId xmlns:a16="http://schemas.microsoft.com/office/drawing/2014/main" id="{7F231921-9E12-E64A-4293-C95B698E849A}"/>
               </a:ext>
             </a:extLst>
           </p:cNvPr>
@@ -15302,7 +15609,7 @@
           <a:p>
             <a:r>
               <a:rPr lang="en-US" b="1" dirty="0"/>
-              <a:t>reputation</a:t>
+              <a:t>capable</a:t>
             </a:r>
             <a:br>
               <a:rPr lang="en-US" b="1" dirty="0"/>
@@ -15316,7 +15623,7 @@
           <p:cNvPr id="3" name="Text Placeholder 2">
             <a:extLst>
               <a:ext uri="{FF2B5EF4-FFF2-40B4-BE49-F238E27FC236}">
-                <a16:creationId xmlns:a16="http://schemas.microsoft.com/office/drawing/2014/main" id="{8E23F542-D6A4-0722-18E5-27272C9A3D70}"/>
+                <a16:creationId xmlns:a16="http://schemas.microsoft.com/office/drawing/2014/main" id="{A7761B4F-03C4-454D-3C99-00E9B2BF23B9}"/>
               </a:ext>
             </a:extLst>
           </p:cNvPr>
@@ -15332,7 +15639,7 @@
           <a:bodyPr/>
           <a:lstStyle/>
           <a:p>
-            <a:endParaRPr lang="en-US"/>
+            <a:endParaRPr lang="en-US" dirty="0"/>
           </a:p>
         </p:txBody>
       </p:sp>
@@ -15341,7 +15648,7 @@
           <p:cNvPr id="4" name="Content Placeholder 3">
             <a:extLst>
               <a:ext uri="{FF2B5EF4-FFF2-40B4-BE49-F238E27FC236}">
-                <a16:creationId xmlns:a16="http://schemas.microsoft.com/office/drawing/2014/main" id="{C1A481C2-9383-6FC0-8EA8-9421FB474739}"/>
+                <a16:creationId xmlns:a16="http://schemas.microsoft.com/office/drawing/2014/main" id="{865B5770-19EB-A7B1-E5CE-D08E11CDC12C}"/>
               </a:ext>
             </a:extLst>
           </p:cNvPr>
@@ -15358,26 +15665,15 @@
           <a:lstStyle/>
           <a:p>
             <a:r>
-              <a:rPr lang="en-US" dirty="0"/>
-              <a:t>the </a:t>
-            </a:r>
-            <a:r>
               <a:rPr lang="en-US" dirty="0">
-                <a:hlinkClick r:id="rId2" tooltip="opinion"/>
-              </a:rPr>
-              <a:t>opinion</a:t>
-            </a:r>
-            <a:r>
-              <a:rPr lang="en-US" dirty="0"/>
-              <a:t> that people have about someone or something because of what has happened in the </a:t>
-            </a:r>
-            <a:r>
-              <a:rPr lang="en-US" dirty="0">
-                <a:hlinkClick r:id="rId3" tooltip="past"/>
-              </a:rPr>
-              <a:t>past</a:t>
-            </a:r>
-            <a:endParaRPr lang="en-US" dirty="0"/>
+                <a:hlinkClick r:id="rId2" tooltip="able"/>
+              </a:rPr>
+              <a:t>able</a:t>
+            </a:r>
+            <a:r>
+              <a:rPr lang="en-US" dirty="0"/>
+              <a:t> to do things well</a:t>
+            </a:r>
           </a:p>
         </p:txBody>
       </p:sp>
@@ -15386,7 +15682,7 @@
           <p:cNvPr id="5" name="Slide Number Placeholder 4">
             <a:extLst>
               <a:ext uri="{FF2B5EF4-FFF2-40B4-BE49-F238E27FC236}">
-                <a16:creationId xmlns:a16="http://schemas.microsoft.com/office/drawing/2014/main" id="{9FBF4AEA-B0F7-690A-0189-93D5AD1BD578}"/>
+                <a16:creationId xmlns:a16="http://schemas.microsoft.com/office/drawing/2014/main" id="{B430E695-4B80-2CFB-386B-C443B3E1AC40}"/>
               </a:ext>
             </a:extLst>
           </p:cNvPr>
@@ -15406,6 +15702,168 @@
               <a:rPr lang="en-US" noProof="1" smtClean="0"/>
               <a:pPr/>
               <a:t>32</a:t>
+            </a:fld>
+            <a:endParaRPr lang="en-US" noProof="1"/>
+          </a:p>
+        </p:txBody>
+      </p:sp>
+    </p:spTree>
+    <p:extLst>
+      <p:ext uri="{BB962C8B-B14F-4D97-AF65-F5344CB8AC3E}">
+        <p14:creationId xmlns:p14="http://schemas.microsoft.com/office/powerpoint/2010/main" val="1771986767"/>
+      </p:ext>
+    </p:extLst>
+  </p:cSld>
+  <p:clrMapOvr>
+    <a:masterClrMapping/>
+  </p:clrMapOvr>
+</p:sld>
+</file>
+
+<file path=ppt/slides/slide33.xml><?xml version="1.0" encoding="utf-8"?>
+<p:sld xmlns:a="http://schemas.openxmlformats.org/drawingml/2006/main" xmlns:r="http://schemas.openxmlformats.org/officeDocument/2006/relationships" xmlns:p="http://schemas.openxmlformats.org/presentationml/2006/main">
+  <p:cSld>
+    <p:spTree>
+      <p:nvGrpSpPr>
+        <p:cNvPr id="1" name=""/>
+        <p:cNvGrpSpPr/>
+        <p:nvPr/>
+      </p:nvGrpSpPr>
+      <p:grpSpPr>
+        <a:xfrm>
+          <a:off x="0" y="0"/>
+          <a:ext cx="0" cy="0"/>
+          <a:chOff x="0" y="0"/>
+          <a:chExt cx="0" cy="0"/>
+        </a:xfrm>
+      </p:grpSpPr>
+      <p:sp>
+        <p:nvSpPr>
+          <p:cNvPr id="2" name="Title 1">
+            <a:extLst>
+              <a:ext uri="{FF2B5EF4-FFF2-40B4-BE49-F238E27FC236}">
+                <a16:creationId xmlns:a16="http://schemas.microsoft.com/office/drawing/2014/main" id="{BA756A44-5446-0DE4-DA31-FEFEC57CE605}"/>
+              </a:ext>
+            </a:extLst>
+          </p:cNvPr>
+          <p:cNvSpPr>
+            <a:spLocks noGrp="1"/>
+          </p:cNvSpPr>
+          <p:nvPr>
+            <p:ph type="title"/>
+          </p:nvPr>
+        </p:nvSpPr>
+        <p:spPr/>
+        <p:txBody>
+          <a:bodyPr/>
+          <a:lstStyle/>
+          <a:p>
+            <a:r>
+              <a:rPr lang="en-US" b="1" dirty="0"/>
+              <a:t>reputation</a:t>
+            </a:r>
+            <a:br>
+              <a:rPr lang="en-US" b="1" dirty="0"/>
+            </a:br>
+            <a:endParaRPr lang="en-US" dirty="0"/>
+          </a:p>
+        </p:txBody>
+      </p:sp>
+      <p:sp>
+        <p:nvSpPr>
+          <p:cNvPr id="3" name="Text Placeholder 2">
+            <a:extLst>
+              <a:ext uri="{FF2B5EF4-FFF2-40B4-BE49-F238E27FC236}">
+                <a16:creationId xmlns:a16="http://schemas.microsoft.com/office/drawing/2014/main" id="{8E23F542-D6A4-0722-18E5-27272C9A3D70}"/>
+              </a:ext>
+            </a:extLst>
+          </p:cNvPr>
+          <p:cNvSpPr>
+            <a:spLocks noGrp="1"/>
+          </p:cNvSpPr>
+          <p:nvPr>
+            <p:ph type="body" sz="quarter" idx="15"/>
+          </p:nvPr>
+        </p:nvSpPr>
+        <p:spPr/>
+        <p:txBody>
+          <a:bodyPr/>
+          <a:lstStyle/>
+          <a:p>
+            <a:endParaRPr lang="en-US"/>
+          </a:p>
+        </p:txBody>
+      </p:sp>
+      <p:sp>
+        <p:nvSpPr>
+          <p:cNvPr id="4" name="Content Placeholder 3">
+            <a:extLst>
+              <a:ext uri="{FF2B5EF4-FFF2-40B4-BE49-F238E27FC236}">
+                <a16:creationId xmlns:a16="http://schemas.microsoft.com/office/drawing/2014/main" id="{C1A481C2-9383-6FC0-8EA8-9421FB474739}"/>
+              </a:ext>
+            </a:extLst>
+          </p:cNvPr>
+          <p:cNvSpPr>
+            <a:spLocks noGrp="1"/>
+          </p:cNvSpPr>
+          <p:nvPr>
+            <p:ph sz="quarter" idx="1"/>
+          </p:nvPr>
+        </p:nvSpPr>
+        <p:spPr/>
+        <p:txBody>
+          <a:bodyPr/>
+          <a:lstStyle/>
+          <a:p>
+            <a:r>
+              <a:rPr lang="en-US" dirty="0"/>
+              <a:t>the </a:t>
+            </a:r>
+            <a:r>
+              <a:rPr lang="en-US" dirty="0">
+                <a:hlinkClick r:id="rId2" tooltip="opinion"/>
+              </a:rPr>
+              <a:t>opinion</a:t>
+            </a:r>
+            <a:r>
+              <a:rPr lang="en-US" dirty="0"/>
+              <a:t> that people have about someone or something because of what has happened in the </a:t>
+            </a:r>
+            <a:r>
+              <a:rPr lang="en-US" dirty="0">
+                <a:hlinkClick r:id="rId3" tooltip="past"/>
+              </a:rPr>
+              <a:t>past</a:t>
+            </a:r>
+            <a:endParaRPr lang="en-US" dirty="0"/>
+          </a:p>
+        </p:txBody>
+      </p:sp>
+      <p:sp>
+        <p:nvSpPr>
+          <p:cNvPr id="5" name="Slide Number Placeholder 4">
+            <a:extLst>
+              <a:ext uri="{FF2B5EF4-FFF2-40B4-BE49-F238E27FC236}">
+                <a16:creationId xmlns:a16="http://schemas.microsoft.com/office/drawing/2014/main" id="{9FBF4AEA-B0F7-690A-0189-93D5AD1BD578}"/>
+              </a:ext>
+            </a:extLst>
+          </p:cNvPr>
+          <p:cNvSpPr>
+            <a:spLocks noGrp="1"/>
+          </p:cNvSpPr>
+          <p:nvPr>
+            <p:ph type="sldNum" sz="quarter" idx="12"/>
+          </p:nvPr>
+        </p:nvSpPr>
+        <p:spPr/>
+        <p:txBody>
+          <a:bodyPr/>
+          <a:lstStyle/>
+          <a:p>
+            <a:fld id="{4898AEC0-503E-4FA4-859C-D0F72D6E3F79}" type="slidenum">
+              <a:rPr lang="en-US" noProof="1" smtClean="0"/>
+              <a:pPr/>
+              <a:t>33</a:t>
             </a:fld>
             <a:endParaRPr lang="en-US" noProof="1"/>
           </a:p>
@@ -15496,7 +15954,7 @@
 </p:sld>
 </file>
 
-<file path=ppt/slides/slide33.xml><?xml version="1.0" encoding="utf-8"?>
+<file path=ppt/slides/slide34.xml><?xml version="1.0" encoding="utf-8"?>
 <p:sld xmlns:a="http://schemas.openxmlformats.org/drawingml/2006/main" xmlns:r="http://schemas.openxmlformats.org/officeDocument/2006/relationships" xmlns:p="http://schemas.openxmlformats.org/presentationml/2006/main">
   <p:cSld>
     <p:spTree>
@@ -15628,7 +16086,7 @@
             <a:fld id="{4898AEC0-503E-4FA4-859C-D0F72D6E3F79}" type="slidenum">
               <a:rPr lang="en-US" noProof="1" smtClean="0"/>
               <a:pPr/>
-              <a:t>33</a:t>
+              <a:t>34</a:t>
             </a:fld>
             <a:endParaRPr lang="en-US" noProof="1"/>
           </a:p>
@@ -15678,269 +16136,6 @@
     <p:extLst>
       <p:ext uri="{BB962C8B-B14F-4D97-AF65-F5344CB8AC3E}">
         <p14:creationId xmlns:p14="http://schemas.microsoft.com/office/powerpoint/2010/main" val="3117656691"/>
-      </p:ext>
-    </p:extLst>
-  </p:cSld>
-  <p:clrMapOvr>
-    <a:masterClrMapping/>
-  </p:clrMapOvr>
-</p:sld>
-</file>
-
-<file path=ppt/slides/slide34.xml><?xml version="1.0" encoding="utf-8"?>
-<p:sld xmlns:a="http://schemas.openxmlformats.org/drawingml/2006/main" xmlns:r="http://schemas.openxmlformats.org/officeDocument/2006/relationships" xmlns:p="http://schemas.openxmlformats.org/presentationml/2006/main">
-  <p:cSld>
-    <p:spTree>
-      <p:nvGrpSpPr>
-        <p:cNvPr id="1" name=""/>
-        <p:cNvGrpSpPr/>
-        <p:nvPr/>
-      </p:nvGrpSpPr>
-      <p:grpSpPr>
-        <a:xfrm>
-          <a:off x="0" y="0"/>
-          <a:ext cx="0" cy="0"/>
-          <a:chOff x="0" y="0"/>
-          <a:chExt cx="0" cy="0"/>
-        </a:xfrm>
-      </p:grpSpPr>
-      <p:sp>
-        <p:nvSpPr>
-          <p:cNvPr id="2" name="Title 1">
-            <a:extLst>
-              <a:ext uri="{FF2B5EF4-FFF2-40B4-BE49-F238E27FC236}">
-                <a16:creationId xmlns:a16="http://schemas.microsoft.com/office/drawing/2014/main" id="{A1A7DFAD-B11C-42CE-E33A-23FF9BE433DF}"/>
-              </a:ext>
-            </a:extLst>
-          </p:cNvPr>
-          <p:cNvSpPr>
-            <a:spLocks noGrp="1"/>
-          </p:cNvSpPr>
-          <p:nvPr>
-            <p:ph type="title"/>
-          </p:nvPr>
-        </p:nvSpPr>
-        <p:spPr/>
-        <p:txBody>
-          <a:bodyPr/>
-          <a:lstStyle/>
-          <a:p>
-            <a:r>
-              <a:rPr lang="en-US" dirty="0"/>
-              <a:t>profit</a:t>
-            </a:r>
-          </a:p>
-        </p:txBody>
-      </p:sp>
-      <p:sp>
-        <p:nvSpPr>
-          <p:cNvPr id="3" name="Text Placeholder 2">
-            <a:extLst>
-              <a:ext uri="{FF2B5EF4-FFF2-40B4-BE49-F238E27FC236}">
-                <a16:creationId xmlns:a16="http://schemas.microsoft.com/office/drawing/2014/main" id="{0F8ECC09-55E0-C3EF-3EA3-082533DE47D7}"/>
-              </a:ext>
-            </a:extLst>
-          </p:cNvPr>
-          <p:cNvSpPr>
-            <a:spLocks noGrp="1"/>
-          </p:cNvSpPr>
-          <p:nvPr>
-            <p:ph type="body" sz="quarter" idx="15"/>
-          </p:nvPr>
-        </p:nvSpPr>
-        <p:spPr/>
-        <p:txBody>
-          <a:bodyPr/>
-          <a:lstStyle/>
-          <a:p>
-            <a:endParaRPr lang="en-US"/>
-          </a:p>
-        </p:txBody>
-      </p:sp>
-      <p:sp>
-        <p:nvSpPr>
-          <p:cNvPr id="4" name="Content Placeholder 3">
-            <a:extLst>
-              <a:ext uri="{FF2B5EF4-FFF2-40B4-BE49-F238E27FC236}">
-                <a16:creationId xmlns:a16="http://schemas.microsoft.com/office/drawing/2014/main" id="{FA273C45-2EDF-687C-518E-9E8501F08DA8}"/>
-              </a:ext>
-            </a:extLst>
-          </p:cNvPr>
-          <p:cNvSpPr>
-            <a:spLocks noGrp="1"/>
-          </p:cNvSpPr>
-          <p:nvPr>
-            <p:ph sz="quarter" idx="1"/>
-          </p:nvPr>
-        </p:nvSpPr>
-        <p:spPr/>
-        <p:txBody>
-          <a:bodyPr/>
-          <a:lstStyle/>
-          <a:p>
-            <a:r>
-              <a:rPr lang="en-US" dirty="0"/>
-              <a:t>money that you </a:t>
-            </a:r>
-            <a:r>
-              <a:rPr lang="en-US" dirty="0">
-                <a:hlinkClick r:id="rId2" tooltip="gain"/>
-              </a:rPr>
-              <a:t>gain</a:t>
-            </a:r>
-            <a:r>
-              <a:rPr lang="en-US" dirty="0"/>
-              <a:t> by </a:t>
-            </a:r>
-            <a:r>
-              <a:rPr lang="en-US" dirty="0">
-                <a:hlinkClick r:id="rId3" tooltip="selling"/>
-              </a:rPr>
-              <a:t>selling</a:t>
-            </a:r>
-            <a:r>
-              <a:rPr lang="en-US" dirty="0"/>
-              <a:t> things or doing </a:t>
-            </a:r>
-            <a:r>
-              <a:rPr lang="en-US" dirty="0">
-                <a:hlinkClick r:id="rId4" tooltip="business"/>
-              </a:rPr>
-              <a:t>business</a:t>
-            </a:r>
-            <a:r>
-              <a:rPr lang="en-US" dirty="0"/>
-              <a:t>, after your </a:t>
-            </a:r>
-            <a:r>
-              <a:rPr lang="en-US" dirty="0">
-                <a:hlinkClick r:id="rId5" tooltip="cost"/>
-              </a:rPr>
-              <a:t>costs</a:t>
-            </a:r>
-            <a:r>
-              <a:rPr lang="en-US" dirty="0"/>
-              <a:t> have been </a:t>
-            </a:r>
-            <a:r>
-              <a:rPr lang="en-US" dirty="0">
-                <a:hlinkClick r:id="rId6" tooltip="pay"/>
-              </a:rPr>
-              <a:t>paid</a:t>
-            </a:r>
-            <a:endParaRPr lang="en-US" dirty="0"/>
-          </a:p>
-          <a:p>
-            <a:endParaRPr lang="en-US" dirty="0"/>
-          </a:p>
-          <a:p>
-            <a:r>
-              <a:rPr lang="en-US" dirty="0"/>
-              <a:t>profitable</a:t>
-            </a:r>
-          </a:p>
-          <a:p>
-            <a:r>
-              <a:rPr lang="en-US" dirty="0"/>
-              <a:t>producing a </a:t>
-            </a:r>
-            <a:r>
-              <a:rPr lang="en-US" dirty="0">
-                <a:hlinkClick r:id="rId7" tooltip="profit"/>
-              </a:rPr>
-              <a:t>profit</a:t>
-            </a:r>
-            <a:r>
-              <a:rPr lang="en-US" dirty="0"/>
-              <a:t> or a </a:t>
-            </a:r>
-            <a:r>
-              <a:rPr lang="en-US" dirty="0">
-                <a:hlinkClick r:id="rId8" tooltip="useful"/>
-              </a:rPr>
-              <a:t>useful</a:t>
-            </a:r>
-            <a:r>
-              <a:rPr lang="en-US" dirty="0"/>
-              <a:t> result</a:t>
-            </a:r>
-          </a:p>
-        </p:txBody>
-      </p:sp>
-      <p:sp>
-        <p:nvSpPr>
-          <p:cNvPr id="5" name="Slide Number Placeholder 4">
-            <a:extLst>
-              <a:ext uri="{FF2B5EF4-FFF2-40B4-BE49-F238E27FC236}">
-                <a16:creationId xmlns:a16="http://schemas.microsoft.com/office/drawing/2014/main" id="{2414E318-294D-E4CB-B8AB-254652BA2C75}"/>
-              </a:ext>
-            </a:extLst>
-          </p:cNvPr>
-          <p:cNvSpPr>
-            <a:spLocks noGrp="1"/>
-          </p:cNvSpPr>
-          <p:nvPr>
-            <p:ph type="sldNum" sz="quarter" idx="12"/>
-          </p:nvPr>
-        </p:nvSpPr>
-        <p:spPr/>
-        <p:txBody>
-          <a:bodyPr/>
-          <a:lstStyle/>
-          <a:p>
-            <a:fld id="{4898AEC0-503E-4FA4-859C-D0F72D6E3F79}" type="slidenum">
-              <a:rPr lang="en-US" noProof="1" smtClean="0"/>
-              <a:pPr/>
-              <a:t>34</a:t>
-            </a:fld>
-            <a:endParaRPr lang="en-US" noProof="1"/>
-          </a:p>
-        </p:txBody>
-      </p:sp>
-      <p:sp>
-        <p:nvSpPr>
-          <p:cNvPr id="6" name="Rectangle 5">
-            <a:extLst>
-              <a:ext uri="{FF2B5EF4-FFF2-40B4-BE49-F238E27FC236}">
-                <a16:creationId xmlns:a16="http://schemas.microsoft.com/office/drawing/2014/main" id="{145249E7-4C98-4D6F-F90E-5B48C30FD81C}"/>
-              </a:ext>
-            </a:extLst>
-          </p:cNvPr>
-          <p:cNvSpPr/>
-          <p:nvPr/>
-        </p:nvSpPr>
-        <p:spPr>
-          <a:xfrm>
-            <a:off x="8767034" y="4359606"/>
-            <a:ext cx="1996966" cy="1030013"/>
-          </a:xfrm>
-          <a:prstGeom prst="rect">
-            <a:avLst/>
-          </a:prstGeom>
-          <a:noFill/>
-          <a:ln w="9525" cap="flat" cmpd="sng" algn="ctr">
-            <a:solidFill>
-              <a:srgbClr val="3F136C"/>
-            </a:solidFill>
-            <a:prstDash val="solid"/>
-          </a:ln>
-          <a:effectLst/>
-        </p:spPr>
-        <p:txBody>
-          <a:bodyPr rtlCol="0" anchor="ctr"/>
-          <a:lstStyle/>
-          <a:p>
-            <a:r>
-              <a:rPr lang="en-US" dirty="0"/>
-              <a:t>profitable</a:t>
-            </a:r>
-          </a:p>
-        </p:txBody>
-      </p:sp>
-    </p:spTree>
-    <p:extLst>
-      <p:ext uri="{BB962C8B-B14F-4D97-AF65-F5344CB8AC3E}">
-        <p14:creationId xmlns:p14="http://schemas.microsoft.com/office/powerpoint/2010/main" val="3656376631"/>
       </p:ext>
     </p:extLst>
   </p:cSld>
@@ -15972,7 +16167,7 @@
           <p:cNvPr id="2" name="Title 1">
             <a:extLst>
               <a:ext uri="{FF2B5EF4-FFF2-40B4-BE49-F238E27FC236}">
-                <a16:creationId xmlns:a16="http://schemas.microsoft.com/office/drawing/2014/main" id="{AF28664D-38EA-DEE7-4D27-21E22984DD9C}"/>
+                <a16:creationId xmlns:a16="http://schemas.microsoft.com/office/drawing/2014/main" id="{A1A7DFAD-B11C-42CE-E33A-23FF9BE433DF}"/>
               </a:ext>
             </a:extLst>
           </p:cNvPr>
@@ -15989,134 +16184,144 @@
           <a:lstStyle/>
           <a:p>
             <a:r>
-              <a:rPr lang="en-US" b="1" dirty="0"/>
-              <a:t>sustain</a:t>
-            </a:r>
-            <a:br>
-              <a:rPr lang="en-US" b="1" dirty="0"/>
-            </a:br>
+              <a:rPr lang="en-US" dirty="0"/>
+              <a:t>profit</a:t>
+            </a:r>
+          </a:p>
+        </p:txBody>
+      </p:sp>
+      <p:sp>
+        <p:nvSpPr>
+          <p:cNvPr id="3" name="Text Placeholder 2">
+            <a:extLst>
+              <a:ext uri="{FF2B5EF4-FFF2-40B4-BE49-F238E27FC236}">
+                <a16:creationId xmlns:a16="http://schemas.microsoft.com/office/drawing/2014/main" id="{0F8ECC09-55E0-C3EF-3EA3-082533DE47D7}"/>
+              </a:ext>
+            </a:extLst>
+          </p:cNvPr>
+          <p:cNvSpPr>
+            <a:spLocks noGrp="1"/>
+          </p:cNvSpPr>
+          <p:nvPr>
+            <p:ph type="body" sz="quarter" idx="15"/>
+          </p:nvPr>
+        </p:nvSpPr>
+        <p:spPr/>
+        <p:txBody>
+          <a:bodyPr/>
+          <a:lstStyle/>
+          <a:p>
+            <a:endParaRPr lang="en-US"/>
+          </a:p>
+        </p:txBody>
+      </p:sp>
+      <p:sp>
+        <p:nvSpPr>
+          <p:cNvPr id="4" name="Content Placeholder 3">
+            <a:extLst>
+              <a:ext uri="{FF2B5EF4-FFF2-40B4-BE49-F238E27FC236}">
+                <a16:creationId xmlns:a16="http://schemas.microsoft.com/office/drawing/2014/main" id="{FA273C45-2EDF-687C-518E-9E8501F08DA8}"/>
+              </a:ext>
+            </a:extLst>
+          </p:cNvPr>
+          <p:cNvSpPr>
+            <a:spLocks noGrp="1"/>
+          </p:cNvSpPr>
+          <p:nvPr>
+            <p:ph sz="quarter" idx="1"/>
+          </p:nvPr>
+        </p:nvSpPr>
+        <p:spPr/>
+        <p:txBody>
+          <a:bodyPr/>
+          <a:lstStyle/>
+          <a:p>
+            <a:r>
+              <a:rPr lang="en-US" dirty="0"/>
+              <a:t>money that you </a:t>
+            </a:r>
+            <a:r>
+              <a:rPr lang="en-US" dirty="0">
+                <a:hlinkClick r:id="rId2" tooltip="gain"/>
+              </a:rPr>
+              <a:t>gain</a:t>
+            </a:r>
+            <a:r>
+              <a:rPr lang="en-US" dirty="0"/>
+              <a:t> by </a:t>
+            </a:r>
+            <a:r>
+              <a:rPr lang="en-US" dirty="0">
+                <a:hlinkClick r:id="rId3" tooltip="selling"/>
+              </a:rPr>
+              <a:t>selling</a:t>
+            </a:r>
+            <a:r>
+              <a:rPr lang="en-US" dirty="0"/>
+              <a:t> things or doing </a:t>
+            </a:r>
+            <a:r>
+              <a:rPr lang="en-US" dirty="0">
+                <a:hlinkClick r:id="rId4" tooltip="business"/>
+              </a:rPr>
+              <a:t>business</a:t>
+            </a:r>
+            <a:r>
+              <a:rPr lang="en-US" dirty="0"/>
+              <a:t>, after your </a:t>
+            </a:r>
+            <a:r>
+              <a:rPr lang="en-US" dirty="0">
+                <a:hlinkClick r:id="rId5" tooltip="cost"/>
+              </a:rPr>
+              <a:t>costs</a:t>
+            </a:r>
+            <a:r>
+              <a:rPr lang="en-US" dirty="0"/>
+              <a:t> have been </a:t>
+            </a:r>
+            <a:r>
+              <a:rPr lang="en-US" dirty="0">
+                <a:hlinkClick r:id="rId6" tooltip="pay"/>
+              </a:rPr>
+              <a:t>paid</a:t>
+            </a:r>
             <a:endParaRPr lang="en-US" dirty="0"/>
           </a:p>
-        </p:txBody>
-      </p:sp>
-      <p:sp>
-        <p:nvSpPr>
-          <p:cNvPr id="3" name="Text Placeholder 2">
-            <a:extLst>
-              <a:ext uri="{FF2B5EF4-FFF2-40B4-BE49-F238E27FC236}">
-                <a16:creationId xmlns:a16="http://schemas.microsoft.com/office/drawing/2014/main" id="{DAA54C3A-AF25-48F0-2601-EC5AA479BE24}"/>
-              </a:ext>
-            </a:extLst>
-          </p:cNvPr>
-          <p:cNvSpPr>
-            <a:spLocks noGrp="1"/>
-          </p:cNvSpPr>
-          <p:nvPr>
-            <p:ph type="body" sz="quarter" idx="15"/>
-          </p:nvPr>
-        </p:nvSpPr>
-        <p:spPr/>
-        <p:txBody>
-          <a:bodyPr/>
-          <a:lstStyle/>
-          <a:p>
-            <a:endParaRPr lang="en-US"/>
-          </a:p>
-        </p:txBody>
-      </p:sp>
-      <p:sp>
-        <p:nvSpPr>
-          <p:cNvPr id="4" name="Content Placeholder 3">
-            <a:extLst>
-              <a:ext uri="{FF2B5EF4-FFF2-40B4-BE49-F238E27FC236}">
-                <a16:creationId xmlns:a16="http://schemas.microsoft.com/office/drawing/2014/main" id="{80C18C18-9F94-8269-7084-7CD3FB2FA4B4}"/>
-              </a:ext>
-            </a:extLst>
-          </p:cNvPr>
-          <p:cNvSpPr>
-            <a:spLocks noGrp="1"/>
-          </p:cNvSpPr>
-          <p:nvPr>
-            <p:ph sz="quarter" idx="1"/>
-          </p:nvPr>
-        </p:nvSpPr>
-        <p:spPr/>
-        <p:txBody>
-          <a:bodyPr/>
-          <a:lstStyle/>
-          <a:p>
-            <a:r>
-              <a:rPr lang="en-US" dirty="0"/>
-              <a:t>to make something continue to </a:t>
+          <a:p>
+            <a:endParaRPr lang="en-US" dirty="0"/>
+          </a:p>
+          <a:p>
+            <a:r>
+              <a:rPr lang="en-US" dirty="0"/>
+              <a:t>profitable</a:t>
+            </a:r>
+          </a:p>
+          <a:p>
+            <a:r>
+              <a:rPr lang="en-US" dirty="0"/>
+              <a:t>producing a </a:t>
             </a:r>
             <a:r>
               <a:rPr lang="en-US" dirty="0">
-                <a:hlinkClick r:id="rId2" tooltip="exist"/>
-              </a:rPr>
-              <a:t>exist</a:t>
-            </a:r>
-            <a:r>
-              <a:rPr lang="en-US" dirty="0"/>
-              <a:t> or happen for a </a:t>
+                <a:hlinkClick r:id="rId7" tooltip="profit"/>
+              </a:rPr>
+              <a:t>profit</a:t>
+            </a:r>
+            <a:r>
+              <a:rPr lang="en-US" dirty="0"/>
+              <a:t> or a </a:t>
             </a:r>
             <a:r>
               <a:rPr lang="en-US" dirty="0">
-                <a:hlinkClick r:id="rId3" tooltip="period"/>
-              </a:rPr>
-              <a:t>period</a:t>
-            </a:r>
-            <a:r>
-              <a:rPr lang="en-US" dirty="0"/>
-              <a:t> of time</a:t>
-            </a:r>
-          </a:p>
-          <a:p>
-            <a:endParaRPr lang="en-US" dirty="0">
-              <a:hlinkClick r:id="rId4" tooltip="able"/>
-            </a:endParaRPr>
-          </a:p>
-          <a:p>
-            <a:endParaRPr lang="en-US" dirty="0">
-              <a:hlinkClick r:id="rId4" tooltip="able"/>
-            </a:endParaRPr>
-          </a:p>
-          <a:p>
-            <a:r>
-              <a:rPr lang="en-US" dirty="0"/>
-              <a:t>sustainable</a:t>
-            </a:r>
-            <a:endParaRPr lang="en-US" dirty="0">
-              <a:hlinkClick r:id="rId4" tooltip="able"/>
-            </a:endParaRPr>
-          </a:p>
-          <a:p>
-            <a:r>
-              <a:rPr lang="en-US" dirty="0">
-                <a:hlinkClick r:id="rId4" tooltip="able"/>
-              </a:rPr>
-              <a:t>able</a:t>
-            </a:r>
-            <a:r>
-              <a:rPr lang="en-US" dirty="0"/>
-              <a:t> to continue without causing </a:t>
-            </a:r>
-            <a:r>
-              <a:rPr lang="en-US" dirty="0">
-                <a:hlinkClick r:id="rId5" tooltip="damage"/>
-              </a:rPr>
-              <a:t>damage</a:t>
-            </a:r>
-            <a:r>
-              <a:rPr lang="en-US" dirty="0"/>
-              <a:t> to the </a:t>
-            </a:r>
-            <a:r>
-              <a:rPr lang="en-US" dirty="0">
-                <a:hlinkClick r:id="rId6" tooltip="environment"/>
-              </a:rPr>
-              <a:t>environment</a:t>
-            </a:r>
-            <a:endParaRPr lang="en-US" dirty="0"/>
+                <a:hlinkClick r:id="rId8" tooltip="useful"/>
+              </a:rPr>
+              <a:t>useful</a:t>
+            </a:r>
+            <a:r>
+              <a:rPr lang="en-US" dirty="0"/>
+              <a:t> result</a:t>
+            </a:r>
           </a:p>
         </p:txBody>
       </p:sp>
@@ -16125,7 +16330,7 @@
           <p:cNvPr id="5" name="Slide Number Placeholder 4">
             <a:extLst>
               <a:ext uri="{FF2B5EF4-FFF2-40B4-BE49-F238E27FC236}">
-                <a16:creationId xmlns:a16="http://schemas.microsoft.com/office/drawing/2014/main" id="{C2DDD712-C74E-651B-66A3-576A7F4C9999}"/>
+                <a16:creationId xmlns:a16="http://schemas.microsoft.com/office/drawing/2014/main" id="{2414E318-294D-E4CB-B8AB-254652BA2C75}"/>
               </a:ext>
             </a:extLst>
           </p:cNvPr>
@@ -16155,7 +16360,7 @@
           <p:cNvPr id="6" name="Rectangle 5">
             <a:extLst>
               <a:ext uri="{FF2B5EF4-FFF2-40B4-BE49-F238E27FC236}">
-                <a16:creationId xmlns:a16="http://schemas.microsoft.com/office/drawing/2014/main" id="{1C5CFF00-34BC-4040-FD8F-88C64D832B4B}"/>
+                <a16:creationId xmlns:a16="http://schemas.microsoft.com/office/drawing/2014/main" id="{145249E7-4C98-4D6F-F90E-5B48C30FD81C}"/>
               </a:ext>
             </a:extLst>
           </p:cNvPr>
@@ -16185,47 +16390,7 @@
           <a:p>
             <a:r>
               <a:rPr lang="en-US" dirty="0"/>
-              <a:t>maintain</a:t>
-            </a:r>
-          </a:p>
-        </p:txBody>
-      </p:sp>
-      <p:sp>
-        <p:nvSpPr>
-          <p:cNvPr id="7" name="Rectangle 6">
-            <a:extLst>
-              <a:ext uri="{FF2B5EF4-FFF2-40B4-BE49-F238E27FC236}">
-                <a16:creationId xmlns:a16="http://schemas.microsoft.com/office/drawing/2014/main" id="{63F865C3-9781-21F8-9EAA-2A94E7CFB6D0}"/>
-              </a:ext>
-            </a:extLst>
-          </p:cNvPr>
-          <p:cNvSpPr/>
-          <p:nvPr/>
-        </p:nvSpPr>
-        <p:spPr>
-          <a:xfrm>
-            <a:off x="8583103" y="2901393"/>
-            <a:ext cx="1996966" cy="1030013"/>
-          </a:xfrm>
-          <a:prstGeom prst="rect">
-            <a:avLst/>
-          </a:prstGeom>
-          <a:noFill/>
-          <a:ln w="9525" cap="flat" cmpd="sng" algn="ctr">
-            <a:solidFill>
-              <a:srgbClr val="3F136C"/>
-            </a:solidFill>
-            <a:prstDash val="solid"/>
-          </a:ln>
-          <a:effectLst/>
-        </p:spPr>
-        <p:txBody>
-          <a:bodyPr rtlCol="0" anchor="ctr"/>
-          <a:lstStyle/>
-          <a:p>
-            <a:r>
-              <a:rPr lang="en-US" dirty="0"/>
-              <a:t>sustainable</a:t>
+              <a:t>profitable</a:t>
             </a:r>
           </a:p>
         </p:txBody>
@@ -16233,7 +16398,7 @@
     </p:spTree>
     <p:extLst>
       <p:ext uri="{BB962C8B-B14F-4D97-AF65-F5344CB8AC3E}">
-        <p14:creationId xmlns:p14="http://schemas.microsoft.com/office/powerpoint/2010/main" val="333723795"/>
+        <p14:creationId xmlns:p14="http://schemas.microsoft.com/office/powerpoint/2010/main" val="3656376631"/>
       </p:ext>
     </p:extLst>
   </p:cSld>
@@ -16265,7 +16430,7 @@
           <p:cNvPr id="2" name="Title 1">
             <a:extLst>
               <a:ext uri="{FF2B5EF4-FFF2-40B4-BE49-F238E27FC236}">
-                <a16:creationId xmlns:a16="http://schemas.microsoft.com/office/drawing/2014/main" id="{02CD7084-42F7-9230-F186-048EF9DB5FE2}"/>
+                <a16:creationId xmlns:a16="http://schemas.microsoft.com/office/drawing/2014/main" id="{AF28664D-38EA-DEE7-4D27-21E22984DD9C}"/>
               </a:ext>
             </a:extLst>
           </p:cNvPr>
@@ -16282,9 +16447,13 @@
           <a:lstStyle/>
           <a:p>
             <a:r>
-              <a:rPr lang="en-US" dirty="0"/>
-              <a:t>continuous</a:t>
-            </a:r>
+              <a:rPr lang="en-US" b="1" dirty="0"/>
+              <a:t>sustain</a:t>
+            </a:r>
+            <a:br>
+              <a:rPr lang="en-US" b="1" dirty="0"/>
+            </a:br>
+            <a:endParaRPr lang="en-US" dirty="0"/>
           </a:p>
         </p:txBody>
       </p:sp>
@@ -16293,7 +16462,7 @@
           <p:cNvPr id="3" name="Text Placeholder 2">
             <a:extLst>
               <a:ext uri="{FF2B5EF4-FFF2-40B4-BE49-F238E27FC236}">
-                <a16:creationId xmlns:a16="http://schemas.microsoft.com/office/drawing/2014/main" id="{B82330B0-4BDA-7411-0B7A-1D9D2E73C363}"/>
+                <a16:creationId xmlns:a16="http://schemas.microsoft.com/office/drawing/2014/main" id="{DAA54C3A-AF25-48F0-2601-EC5AA479BE24}"/>
               </a:ext>
             </a:extLst>
           </p:cNvPr>
@@ -16318,7 +16487,7 @@
           <p:cNvPr id="4" name="Content Placeholder 3">
             <a:extLst>
               <a:ext uri="{FF2B5EF4-FFF2-40B4-BE49-F238E27FC236}">
-                <a16:creationId xmlns:a16="http://schemas.microsoft.com/office/drawing/2014/main" id="{F02CE0C7-E5E5-77DE-03C9-79F7E26B4F6F}"/>
+                <a16:creationId xmlns:a16="http://schemas.microsoft.com/office/drawing/2014/main" id="{80C18C18-9F94-8269-7084-7CD3FB2FA4B4}"/>
               </a:ext>
             </a:extLst>
           </p:cNvPr>
@@ -16336,7 +16505,7 @@
           <a:p>
             <a:r>
               <a:rPr lang="en-US" dirty="0"/>
-              <a:t>continuing to happen or </a:t>
+              <a:t>to make something continue to </a:t>
             </a:r>
             <a:r>
               <a:rPr lang="en-US" dirty="0">
@@ -16346,8 +16515,66 @@
             </a:r>
             <a:r>
               <a:rPr lang="en-US" dirty="0"/>
-              <a:t> without stopping</a:t>
-            </a:r>
+              <a:t> or happen for a </a:t>
+            </a:r>
+            <a:r>
+              <a:rPr lang="en-US" dirty="0">
+                <a:hlinkClick r:id="rId3" tooltip="period"/>
+              </a:rPr>
+              <a:t>period</a:t>
+            </a:r>
+            <a:r>
+              <a:rPr lang="en-US" dirty="0"/>
+              <a:t> of time</a:t>
+            </a:r>
+          </a:p>
+          <a:p>
+            <a:endParaRPr lang="en-US" dirty="0">
+              <a:hlinkClick r:id="rId4" tooltip="able"/>
+            </a:endParaRPr>
+          </a:p>
+          <a:p>
+            <a:endParaRPr lang="en-US" dirty="0">
+              <a:hlinkClick r:id="rId4" tooltip="able"/>
+            </a:endParaRPr>
+          </a:p>
+          <a:p>
+            <a:r>
+              <a:rPr lang="en-US" dirty="0"/>
+              <a:t>sustainable</a:t>
+            </a:r>
+            <a:endParaRPr lang="en-US" dirty="0">
+              <a:hlinkClick r:id="rId4" tooltip="able"/>
+            </a:endParaRPr>
+          </a:p>
+          <a:p>
+            <a:r>
+              <a:rPr lang="en-US" dirty="0">
+                <a:hlinkClick r:id="rId4" tooltip="able"/>
+              </a:rPr>
+              <a:t>able</a:t>
+            </a:r>
+            <a:r>
+              <a:rPr lang="en-US" dirty="0"/>
+              <a:t> to continue without causing </a:t>
+            </a:r>
+            <a:r>
+              <a:rPr lang="en-US" dirty="0">
+                <a:hlinkClick r:id="rId5" tooltip="damage"/>
+              </a:rPr>
+              <a:t>damage</a:t>
+            </a:r>
+            <a:r>
+              <a:rPr lang="en-US" dirty="0"/>
+              <a:t> to the </a:t>
+            </a:r>
+            <a:r>
+              <a:rPr lang="en-US" dirty="0">
+                <a:hlinkClick r:id="rId6" tooltip="environment"/>
+              </a:rPr>
+              <a:t>environment</a:t>
+            </a:r>
+            <a:endParaRPr lang="en-US" dirty="0"/>
           </a:p>
         </p:txBody>
       </p:sp>
@@ -16356,7 +16583,7 @@
           <p:cNvPr id="5" name="Slide Number Placeholder 4">
             <a:extLst>
               <a:ext uri="{FF2B5EF4-FFF2-40B4-BE49-F238E27FC236}">
-                <a16:creationId xmlns:a16="http://schemas.microsoft.com/office/drawing/2014/main" id="{8A3AF2E8-0EF5-A6AB-2A45-1406B6FA0F57}"/>
+                <a16:creationId xmlns:a16="http://schemas.microsoft.com/office/drawing/2014/main" id="{C2DDD712-C74E-651B-66A3-576A7F4C9999}"/>
               </a:ext>
             </a:extLst>
           </p:cNvPr>
@@ -16381,10 +16608,90 @@
           </a:p>
         </p:txBody>
       </p:sp>
+      <p:sp>
+        <p:nvSpPr>
+          <p:cNvPr id="6" name="Rectangle 5">
+            <a:extLst>
+              <a:ext uri="{FF2B5EF4-FFF2-40B4-BE49-F238E27FC236}">
+                <a16:creationId xmlns:a16="http://schemas.microsoft.com/office/drawing/2014/main" id="{1C5CFF00-34BC-4040-FD8F-88C64D832B4B}"/>
+              </a:ext>
+            </a:extLst>
+          </p:cNvPr>
+          <p:cNvSpPr/>
+          <p:nvPr/>
+        </p:nvSpPr>
+        <p:spPr>
+          <a:xfrm>
+            <a:off x="8767034" y="4359606"/>
+            <a:ext cx="1996966" cy="1030013"/>
+          </a:xfrm>
+          <a:prstGeom prst="rect">
+            <a:avLst/>
+          </a:prstGeom>
+          <a:noFill/>
+          <a:ln w="9525" cap="flat" cmpd="sng" algn="ctr">
+            <a:solidFill>
+              <a:srgbClr val="3F136C"/>
+            </a:solidFill>
+            <a:prstDash val="solid"/>
+          </a:ln>
+          <a:effectLst/>
+        </p:spPr>
+        <p:txBody>
+          <a:bodyPr rtlCol="0" anchor="ctr"/>
+          <a:lstStyle/>
+          <a:p>
+            <a:r>
+              <a:rPr lang="en-US" dirty="0"/>
+              <a:t>maintain</a:t>
+            </a:r>
+          </a:p>
+        </p:txBody>
+      </p:sp>
+      <p:sp>
+        <p:nvSpPr>
+          <p:cNvPr id="7" name="Rectangle 6">
+            <a:extLst>
+              <a:ext uri="{FF2B5EF4-FFF2-40B4-BE49-F238E27FC236}">
+                <a16:creationId xmlns:a16="http://schemas.microsoft.com/office/drawing/2014/main" id="{63F865C3-9781-21F8-9EAA-2A94E7CFB6D0}"/>
+              </a:ext>
+            </a:extLst>
+          </p:cNvPr>
+          <p:cNvSpPr/>
+          <p:nvPr/>
+        </p:nvSpPr>
+        <p:spPr>
+          <a:xfrm>
+            <a:off x="8583103" y="2901393"/>
+            <a:ext cx="1996966" cy="1030013"/>
+          </a:xfrm>
+          <a:prstGeom prst="rect">
+            <a:avLst/>
+          </a:prstGeom>
+          <a:noFill/>
+          <a:ln w="9525" cap="flat" cmpd="sng" algn="ctr">
+            <a:solidFill>
+              <a:srgbClr val="3F136C"/>
+            </a:solidFill>
+            <a:prstDash val="solid"/>
+          </a:ln>
+          <a:effectLst/>
+        </p:spPr>
+        <p:txBody>
+          <a:bodyPr rtlCol="0" anchor="ctr"/>
+          <a:lstStyle/>
+          <a:p>
+            <a:r>
+              <a:rPr lang="en-US" dirty="0"/>
+              <a:t>sustainable</a:t>
+            </a:r>
+          </a:p>
+        </p:txBody>
+      </p:sp>
     </p:spTree>
     <p:extLst>
       <p:ext uri="{BB962C8B-B14F-4D97-AF65-F5344CB8AC3E}">
-        <p14:creationId xmlns:p14="http://schemas.microsoft.com/office/powerpoint/2010/main" val="1724883301"/>
+        <p14:creationId xmlns:p14="http://schemas.microsoft.com/office/powerpoint/2010/main" val="333723795"/>
       </p:ext>
     </p:extLst>
   </p:cSld>
@@ -16416,7 +16723,7 @@
           <p:cNvPr id="2" name="Title 1">
             <a:extLst>
               <a:ext uri="{FF2B5EF4-FFF2-40B4-BE49-F238E27FC236}">
-                <a16:creationId xmlns:a16="http://schemas.microsoft.com/office/drawing/2014/main" id="{1EEB4FEF-7AD6-4BA4-9CF2-2E94C0F4376E}"/>
+                <a16:creationId xmlns:a16="http://schemas.microsoft.com/office/drawing/2014/main" id="{02CD7084-42F7-9230-F186-048EF9DB5FE2}"/>
               </a:ext>
             </a:extLst>
           </p:cNvPr>
@@ -16434,7 +16741,7 @@
           <a:p>
             <a:r>
               <a:rPr lang="en-US" dirty="0"/>
-              <a:t>consistent</a:t>
+              <a:t>continuous</a:t>
             </a:r>
           </a:p>
         </p:txBody>
@@ -16444,7 +16751,7 @@
           <p:cNvPr id="3" name="Text Placeholder 2">
             <a:extLst>
               <a:ext uri="{FF2B5EF4-FFF2-40B4-BE49-F238E27FC236}">
-                <a16:creationId xmlns:a16="http://schemas.microsoft.com/office/drawing/2014/main" id="{F3AF01CA-BBD9-C8AC-587E-7B5A60CF1638}"/>
+                <a16:creationId xmlns:a16="http://schemas.microsoft.com/office/drawing/2014/main" id="{B82330B0-4BDA-7411-0B7A-1D9D2E73C363}"/>
               </a:ext>
             </a:extLst>
           </p:cNvPr>
@@ -16469,7 +16776,7 @@
           <p:cNvPr id="4" name="Content Placeholder 3">
             <a:extLst>
               <a:ext uri="{FF2B5EF4-FFF2-40B4-BE49-F238E27FC236}">
-                <a16:creationId xmlns:a16="http://schemas.microsoft.com/office/drawing/2014/main" id="{77785CC7-61CD-1645-17D7-F5B5C0DC41E7}"/>
+                <a16:creationId xmlns:a16="http://schemas.microsoft.com/office/drawing/2014/main" id="{F02CE0C7-E5E5-77DE-03C9-79F7E26B4F6F}"/>
               </a:ext>
             </a:extLst>
           </p:cNvPr>
@@ -16487,53 +16794,18 @@
           <a:p>
             <a:r>
               <a:rPr lang="en-US" dirty="0"/>
-              <a:t>always </a:t>
+              <a:t>continuing to happen or </a:t>
             </a:r>
             <a:r>
               <a:rPr lang="en-US" dirty="0">
-                <a:hlinkClick r:id="rId2" tooltip="behave"/>
-              </a:rPr>
-              <a:t>behaving</a:t>
-            </a:r>
-            <a:r>
-              <a:rPr lang="en-US" dirty="0"/>
-              <a:t> in the same way or having the same </a:t>
-            </a:r>
-            <a:r>
-              <a:rPr lang="en-US" dirty="0">
-                <a:hlinkClick r:id="rId3" tooltip="attitude"/>
-              </a:rPr>
-              <a:t>attitudes</a:t>
-            </a:r>
-            <a:r>
-              <a:rPr lang="en-US" dirty="0"/>
-              <a:t>, </a:t>
-            </a:r>
-            <a:r>
-              <a:rPr lang="en-US" dirty="0">
-                <a:hlinkClick r:id="rId4" tooltip="standard"/>
-              </a:rPr>
-              <a:t>standards</a:t>
-            </a:r>
-            <a:r>
-              <a:rPr lang="en-US" dirty="0"/>
-              <a:t> </a:t>
-            </a:r>
-            <a:r>
-              <a:rPr lang="en-US" dirty="0" err="1"/>
-              <a:t>etc</a:t>
-            </a:r>
-            <a:r>
-              <a:rPr lang="en-US" dirty="0"/>
-              <a:t> – usually used to show </a:t>
-            </a:r>
-            <a:r>
-              <a:rPr lang="en-US" dirty="0">
-                <a:hlinkClick r:id="rId5" tooltip="approval"/>
-              </a:rPr>
-              <a:t>approval</a:t>
-            </a:r>
-            <a:endParaRPr lang="en-US" dirty="0"/>
+                <a:hlinkClick r:id="rId2" tooltip="exist"/>
+              </a:rPr>
+              <a:t>exist</a:t>
+            </a:r>
+            <a:r>
+              <a:rPr lang="en-US" dirty="0"/>
+              <a:t> without stopping</a:t>
+            </a:r>
           </a:p>
         </p:txBody>
       </p:sp>
@@ -16542,7 +16814,7 @@
           <p:cNvPr id="5" name="Slide Number Placeholder 4">
             <a:extLst>
               <a:ext uri="{FF2B5EF4-FFF2-40B4-BE49-F238E27FC236}">
-                <a16:creationId xmlns:a16="http://schemas.microsoft.com/office/drawing/2014/main" id="{B912952B-0E9B-FF53-C873-C32EB8EAC82D}"/>
+                <a16:creationId xmlns:a16="http://schemas.microsoft.com/office/drawing/2014/main" id="{8A3AF2E8-0EF5-A6AB-2A45-1406B6FA0F57}"/>
               </a:ext>
             </a:extLst>
           </p:cNvPr>
@@ -16570,7 +16842,7 @@
     </p:spTree>
     <p:extLst>
       <p:ext uri="{BB962C8B-B14F-4D97-AF65-F5344CB8AC3E}">
-        <p14:creationId xmlns:p14="http://schemas.microsoft.com/office/powerpoint/2010/main" val="2774795720"/>
+        <p14:creationId xmlns:p14="http://schemas.microsoft.com/office/powerpoint/2010/main" val="1724883301"/>
       </p:ext>
     </p:extLst>
   </p:cSld>
@@ -16602,7 +16874,7 @@
           <p:cNvPr id="2" name="Title 1">
             <a:extLst>
               <a:ext uri="{FF2B5EF4-FFF2-40B4-BE49-F238E27FC236}">
-                <a16:creationId xmlns:a16="http://schemas.microsoft.com/office/drawing/2014/main" id="{87FCEE62-D8F4-EA71-BE1F-104B4F641A58}"/>
+                <a16:creationId xmlns:a16="http://schemas.microsoft.com/office/drawing/2014/main" id="{1EEB4FEF-7AD6-4BA4-9CF2-2E94C0F4376E}"/>
               </a:ext>
             </a:extLst>
           </p:cNvPr>
@@ -16620,7 +16892,7 @@
           <a:p>
             <a:r>
               <a:rPr lang="en-US" dirty="0"/>
-              <a:t>further</a:t>
+              <a:t>consistent</a:t>
             </a:r>
           </a:p>
         </p:txBody>
@@ -16630,7 +16902,7 @@
           <p:cNvPr id="3" name="Text Placeholder 2">
             <a:extLst>
               <a:ext uri="{FF2B5EF4-FFF2-40B4-BE49-F238E27FC236}">
-                <a16:creationId xmlns:a16="http://schemas.microsoft.com/office/drawing/2014/main" id="{1CB565EB-1FA7-BC5A-9D12-33E485E28055}"/>
+                <a16:creationId xmlns:a16="http://schemas.microsoft.com/office/drawing/2014/main" id="{F3AF01CA-BBD9-C8AC-587E-7B5A60CF1638}"/>
               </a:ext>
             </a:extLst>
           </p:cNvPr>
@@ -16655,7 +16927,7 @@
           <p:cNvPr id="4" name="Content Placeholder 3">
             <a:extLst>
               <a:ext uri="{FF2B5EF4-FFF2-40B4-BE49-F238E27FC236}">
-                <a16:creationId xmlns:a16="http://schemas.microsoft.com/office/drawing/2014/main" id="{40FFE83D-75E5-6002-4A53-E6E400F6AAA5}"/>
+                <a16:creationId xmlns:a16="http://schemas.microsoft.com/office/drawing/2014/main" id="{77785CC7-61CD-1645-17D7-F5B5C0DC41E7}"/>
               </a:ext>
             </a:extLst>
           </p:cNvPr>
@@ -16673,13 +16945,51 @@
           <a:p>
             <a:r>
               <a:rPr lang="en-US" dirty="0"/>
-              <a:t>more, or to a greater </a:t>
+              <a:t>always </a:t>
             </a:r>
             <a:r>
               <a:rPr lang="en-US" dirty="0">
-                <a:hlinkClick r:id="rId2" tooltip="degree"/>
-              </a:rPr>
-              <a:t>degree</a:t>
+                <a:hlinkClick r:id="rId2" tooltip="behave"/>
+              </a:rPr>
+              <a:t>behaving</a:t>
+            </a:r>
+            <a:r>
+              <a:rPr lang="en-US" dirty="0"/>
+              <a:t> in the same way or having the same </a:t>
+            </a:r>
+            <a:r>
+              <a:rPr lang="en-US" dirty="0">
+                <a:hlinkClick r:id="rId3" tooltip="attitude"/>
+              </a:rPr>
+              <a:t>attitudes</a:t>
+            </a:r>
+            <a:r>
+              <a:rPr lang="en-US" dirty="0"/>
+              <a:t>, </a:t>
+            </a:r>
+            <a:r>
+              <a:rPr lang="en-US" dirty="0">
+                <a:hlinkClick r:id="rId4" tooltip="standard"/>
+              </a:rPr>
+              <a:t>standards</a:t>
+            </a:r>
+            <a:r>
+              <a:rPr lang="en-US" dirty="0"/>
+              <a:t> </a:t>
+            </a:r>
+            <a:r>
+              <a:rPr lang="en-US" dirty="0" err="1"/>
+              <a:t>etc</a:t>
+            </a:r>
+            <a:r>
+              <a:rPr lang="en-US" dirty="0"/>
+              <a:t> – usually used to show </a:t>
+            </a:r>
+            <a:r>
+              <a:rPr lang="en-US" dirty="0">
+                <a:hlinkClick r:id="rId5" tooltip="approval"/>
+              </a:rPr>
+              <a:t>approval</a:t>
             </a:r>
             <a:endParaRPr lang="en-US" dirty="0"/>
           </a:p>
@@ -16690,7 +17000,7 @@
           <p:cNvPr id="5" name="Slide Number Placeholder 4">
             <a:extLst>
               <a:ext uri="{FF2B5EF4-FFF2-40B4-BE49-F238E27FC236}">
-                <a16:creationId xmlns:a16="http://schemas.microsoft.com/office/drawing/2014/main" id="{C148F9A9-D761-2197-CE67-AF7E0307E22E}"/>
+                <a16:creationId xmlns:a16="http://schemas.microsoft.com/office/drawing/2014/main" id="{B912952B-0E9B-FF53-C873-C32EB8EAC82D}"/>
               </a:ext>
             </a:extLst>
           </p:cNvPr>
@@ -16718,7 +17028,7 @@
     </p:spTree>
     <p:extLst>
       <p:ext uri="{BB962C8B-B14F-4D97-AF65-F5344CB8AC3E}">
-        <p14:creationId xmlns:p14="http://schemas.microsoft.com/office/powerpoint/2010/main" val="3172991732"/>
+        <p14:creationId xmlns:p14="http://schemas.microsoft.com/office/powerpoint/2010/main" val="2774795720"/>
       </p:ext>
     </p:extLst>
   </p:cSld>
@@ -16750,7 +17060,7 @@
           <p:cNvPr id="2" name="Title 1">
             <a:extLst>
               <a:ext uri="{FF2B5EF4-FFF2-40B4-BE49-F238E27FC236}">
-                <a16:creationId xmlns:a16="http://schemas.microsoft.com/office/drawing/2014/main" id="{0A58C254-1C6D-A74D-B1DE-69237FEC60AF}"/>
+                <a16:creationId xmlns:a16="http://schemas.microsoft.com/office/drawing/2014/main" id="{87FCEE62-D8F4-EA71-BE1F-104B4F641A58}"/>
               </a:ext>
             </a:extLst>
           </p:cNvPr>
@@ -16767,75 +17077,78 @@
           <a:lstStyle/>
           <a:p>
             <a:r>
-              <a:rPr lang="en-US" b="1" dirty="0"/>
-              <a:t>prevent</a:t>
-            </a:r>
-            <a:br>
-              <a:rPr lang="en-US" b="1" dirty="0"/>
-            </a:br>
+              <a:rPr lang="en-US" dirty="0"/>
+              <a:t>further</a:t>
+            </a:r>
+          </a:p>
+        </p:txBody>
+      </p:sp>
+      <p:sp>
+        <p:nvSpPr>
+          <p:cNvPr id="3" name="Text Placeholder 2">
+            <a:extLst>
+              <a:ext uri="{FF2B5EF4-FFF2-40B4-BE49-F238E27FC236}">
+                <a16:creationId xmlns:a16="http://schemas.microsoft.com/office/drawing/2014/main" id="{1CB565EB-1FA7-BC5A-9D12-33E485E28055}"/>
+              </a:ext>
+            </a:extLst>
+          </p:cNvPr>
+          <p:cNvSpPr>
+            <a:spLocks noGrp="1"/>
+          </p:cNvSpPr>
+          <p:nvPr>
+            <p:ph type="body" sz="quarter" idx="15"/>
+          </p:nvPr>
+        </p:nvSpPr>
+        <p:spPr/>
+        <p:txBody>
+          <a:bodyPr/>
+          <a:lstStyle/>
+          <a:p>
+            <a:endParaRPr lang="en-US"/>
+          </a:p>
+        </p:txBody>
+      </p:sp>
+      <p:sp>
+        <p:nvSpPr>
+          <p:cNvPr id="4" name="Content Placeholder 3">
+            <a:extLst>
+              <a:ext uri="{FF2B5EF4-FFF2-40B4-BE49-F238E27FC236}">
+                <a16:creationId xmlns:a16="http://schemas.microsoft.com/office/drawing/2014/main" id="{40FFE83D-75E5-6002-4A53-E6E400F6AAA5}"/>
+              </a:ext>
+            </a:extLst>
+          </p:cNvPr>
+          <p:cNvSpPr>
+            <a:spLocks noGrp="1"/>
+          </p:cNvSpPr>
+          <p:nvPr>
+            <p:ph sz="quarter" idx="1"/>
+          </p:nvPr>
+        </p:nvSpPr>
+        <p:spPr/>
+        <p:txBody>
+          <a:bodyPr/>
+          <a:lstStyle/>
+          <a:p>
+            <a:r>
+              <a:rPr lang="en-US" dirty="0"/>
+              <a:t>more, or to a greater </a:t>
+            </a:r>
+            <a:r>
+              <a:rPr lang="en-US" dirty="0">
+                <a:hlinkClick r:id="rId2" tooltip="degree"/>
+              </a:rPr>
+              <a:t>degree</a:t>
+            </a:r>
             <a:endParaRPr lang="en-US" dirty="0"/>
           </a:p>
         </p:txBody>
       </p:sp>
       <p:sp>
         <p:nvSpPr>
-          <p:cNvPr id="3" name="Text Placeholder 2">
-            <a:extLst>
-              <a:ext uri="{FF2B5EF4-FFF2-40B4-BE49-F238E27FC236}">
-                <a16:creationId xmlns:a16="http://schemas.microsoft.com/office/drawing/2014/main" id="{988147F4-A8C2-A479-86A4-DD97F756F87F}"/>
-              </a:ext>
-            </a:extLst>
-          </p:cNvPr>
-          <p:cNvSpPr>
-            <a:spLocks noGrp="1"/>
-          </p:cNvSpPr>
-          <p:nvPr>
-            <p:ph type="body" sz="quarter" idx="15"/>
-          </p:nvPr>
-        </p:nvSpPr>
-        <p:spPr/>
-        <p:txBody>
-          <a:bodyPr/>
-          <a:lstStyle/>
-          <a:p>
-            <a:endParaRPr lang="en-US"/>
-          </a:p>
-        </p:txBody>
-      </p:sp>
-      <p:sp>
-        <p:nvSpPr>
-          <p:cNvPr id="4" name="Content Placeholder 3">
-            <a:extLst>
-              <a:ext uri="{FF2B5EF4-FFF2-40B4-BE49-F238E27FC236}">
-                <a16:creationId xmlns:a16="http://schemas.microsoft.com/office/drawing/2014/main" id="{DDA6C367-24F3-92FC-A0EB-9743E708EE92}"/>
-              </a:ext>
-            </a:extLst>
-          </p:cNvPr>
-          <p:cNvSpPr>
-            <a:spLocks noGrp="1"/>
-          </p:cNvSpPr>
-          <p:nvPr>
-            <p:ph sz="quarter" idx="1"/>
-          </p:nvPr>
-        </p:nvSpPr>
-        <p:spPr/>
-        <p:txBody>
-          <a:bodyPr/>
-          <a:lstStyle/>
-          <a:p>
-            <a:r>
-              <a:rPr lang="en-US" dirty="0"/>
-              <a:t>to stop something from happening, or stop someone from doing something</a:t>
-            </a:r>
-          </a:p>
-        </p:txBody>
-      </p:sp>
-      <p:sp>
-        <p:nvSpPr>
           <p:cNvPr id="5" name="Slide Number Placeholder 4">
             <a:extLst>
               <a:ext uri="{FF2B5EF4-FFF2-40B4-BE49-F238E27FC236}">
-                <a16:creationId xmlns:a16="http://schemas.microsoft.com/office/drawing/2014/main" id="{608EED32-F411-FBCC-908F-663D247547BC}"/>
+                <a16:creationId xmlns:a16="http://schemas.microsoft.com/office/drawing/2014/main" id="{C148F9A9-D761-2197-CE67-AF7E0307E22E}"/>
               </a:ext>
             </a:extLst>
           </p:cNvPr>
@@ -16863,7 +17176,7 @@
     </p:spTree>
     <p:extLst>
       <p:ext uri="{BB962C8B-B14F-4D97-AF65-F5344CB8AC3E}">
-        <p14:creationId xmlns:p14="http://schemas.microsoft.com/office/powerpoint/2010/main" val="3588496096"/>
+        <p14:creationId xmlns:p14="http://schemas.microsoft.com/office/powerpoint/2010/main" val="3172991732"/>
       </p:ext>
     </p:extLst>
   </p:cSld>
@@ -17311,7 +17624,7 @@
           <p:cNvPr id="2" name="Title 1">
             <a:extLst>
               <a:ext uri="{FF2B5EF4-FFF2-40B4-BE49-F238E27FC236}">
-                <a16:creationId xmlns:a16="http://schemas.microsoft.com/office/drawing/2014/main" id="{8A23F393-504D-BF15-43C2-C4FE7BB38A3C}"/>
+                <a16:creationId xmlns:a16="http://schemas.microsoft.com/office/drawing/2014/main" id="{0A58C254-1C6D-A74D-B1DE-69237FEC60AF}"/>
               </a:ext>
             </a:extLst>
           </p:cNvPr>
@@ -17328,9 +17641,13 @@
           <a:lstStyle/>
           <a:p>
             <a:r>
-              <a:rPr lang="en-US" dirty="0"/>
-              <a:t>therefore</a:t>
-            </a:r>
+              <a:rPr lang="en-US" b="1" dirty="0"/>
+              <a:t>prevent</a:t>
+            </a:r>
+            <a:br>
+              <a:rPr lang="en-US" b="1" dirty="0"/>
+            </a:br>
+            <a:endParaRPr lang="en-US" dirty="0"/>
           </a:p>
         </p:txBody>
       </p:sp>
@@ -17339,7 +17656,7 @@
           <p:cNvPr id="3" name="Text Placeholder 2">
             <a:extLst>
               <a:ext uri="{FF2B5EF4-FFF2-40B4-BE49-F238E27FC236}">
-                <a16:creationId xmlns:a16="http://schemas.microsoft.com/office/drawing/2014/main" id="{799DD14B-3D9B-2238-72FD-DC02B681CC5B}"/>
+                <a16:creationId xmlns:a16="http://schemas.microsoft.com/office/drawing/2014/main" id="{988147F4-A8C2-A479-86A4-DD97F756F87F}"/>
               </a:ext>
             </a:extLst>
           </p:cNvPr>
@@ -17364,7 +17681,7 @@
           <p:cNvPr id="4" name="Content Placeholder 3">
             <a:extLst>
               <a:ext uri="{FF2B5EF4-FFF2-40B4-BE49-F238E27FC236}">
-                <a16:creationId xmlns:a16="http://schemas.microsoft.com/office/drawing/2014/main" id="{3641870E-F439-B234-7965-8EF05074B415}"/>
+                <a16:creationId xmlns:a16="http://schemas.microsoft.com/office/drawing/2014/main" id="{DDA6C367-24F3-92FC-A0EB-9743E708EE92}"/>
               </a:ext>
             </a:extLst>
           </p:cNvPr>
@@ -17382,25 +17699,8 @@
           <a:p>
             <a:r>
               <a:rPr lang="en-US" dirty="0"/>
-              <a:t>as a </a:t>
-            </a:r>
-            <a:r>
-              <a:rPr lang="en-US" dirty="0">
-                <a:hlinkClick r:id="rId2" tooltip="result"/>
-              </a:rPr>
-              <a:t>result</a:t>
-            </a:r>
-            <a:r>
-              <a:rPr lang="en-US" dirty="0"/>
-              <a:t> of something that has just been </a:t>
-            </a:r>
-            <a:r>
-              <a:rPr lang="en-US" dirty="0">
-                <a:hlinkClick r:id="rId3" tooltip="mention"/>
-              </a:rPr>
-              <a:t>mentioned</a:t>
-            </a:r>
-            <a:endParaRPr lang="en-US" dirty="0"/>
+              <a:t>to stop something from happening, or stop someone from doing something</a:t>
+            </a:r>
           </a:p>
         </p:txBody>
       </p:sp>
@@ -17409,7 +17709,7 @@
           <p:cNvPr id="5" name="Slide Number Placeholder 4">
             <a:extLst>
               <a:ext uri="{FF2B5EF4-FFF2-40B4-BE49-F238E27FC236}">
-                <a16:creationId xmlns:a16="http://schemas.microsoft.com/office/drawing/2014/main" id="{8A96CE17-66DA-D4A6-C027-6994EAF6046C}"/>
+                <a16:creationId xmlns:a16="http://schemas.microsoft.com/office/drawing/2014/main" id="{608EED32-F411-FBCC-908F-663D247547BC}"/>
               </a:ext>
             </a:extLst>
           </p:cNvPr>
@@ -17434,73 +17734,10 @@
           </a:p>
         </p:txBody>
       </p:sp>
-      <p:sp>
-        <p:nvSpPr>
-          <p:cNvPr id="6" name="TextBox 5">
-            <a:extLst>
-              <a:ext uri="{FF2B5EF4-FFF2-40B4-BE49-F238E27FC236}">
-                <a16:creationId xmlns:a16="http://schemas.microsoft.com/office/drawing/2014/main" id="{8E6903F6-6A98-3096-57AA-5D84EC7D5ED0}"/>
-              </a:ext>
-            </a:extLst>
-          </p:cNvPr>
-          <p:cNvSpPr txBox="1"/>
-          <p:nvPr/>
-        </p:nvSpPr>
-        <p:spPr>
-          <a:xfrm>
-            <a:off x="349345" y="1616406"/>
-            <a:ext cx="9866710" cy="3258207"/>
-          </a:xfrm>
-          <a:prstGeom prst="rect">
-            <a:avLst/>
-          </a:prstGeom>
-          <a:noFill/>
-        </p:spPr>
-        <p:txBody>
-          <a:bodyPr wrap="square" lIns="0" tIns="0" rIns="0" bIns="0" rtlCol="0">
-            <a:noAutofit/>
-          </a:bodyPr>
-          <a:lstStyle/>
-          <a:p>
-            <a:pPr marR="0" algn="l" defTabSz="914400" eaLnBrk="1" fontAlgn="auto" latinLnBrk="0" hangingPunct="1">
-              <a:spcBef>
-                <a:spcPts val="500"/>
-              </a:spcBef>
-              <a:spcAft>
-                <a:spcPts val="0"/>
-              </a:spcAft>
-              <a:buClrTx/>
-              <a:buSzTx/>
-              <a:buFontTx/>
-              <a:buNone/>
-              <a:tabLst/>
-            </a:pPr>
-            <a:r>
-              <a:rPr lang="en-US" sz="15000" kern="0" dirty="0">
-                <a:solidFill>
-                  <a:schemeClr val="bg2"/>
-                </a:solidFill>
-              </a:rPr>
-              <a:t>therefore</a:t>
-            </a:r>
-            <a:endParaRPr kumimoji="0" lang="en-US" sz="15000" b="0" i="0" u="none" strike="noStrike" kern="0" cap="none" spc="0" normalizeH="0" baseline="0" noProof="0" dirty="0">
-              <a:ln>
-                <a:noFill/>
-              </a:ln>
-              <a:solidFill>
-                <a:schemeClr val="bg2"/>
-              </a:solidFill>
-              <a:effectLst/>
-              <a:uLnTx/>
-              <a:uFillTx/>
-            </a:endParaRPr>
-          </a:p>
-        </p:txBody>
-      </p:sp>
     </p:spTree>
     <p:extLst>
       <p:ext uri="{BB962C8B-B14F-4D97-AF65-F5344CB8AC3E}">
-        <p14:creationId xmlns:p14="http://schemas.microsoft.com/office/powerpoint/2010/main" val="3163232603"/>
+        <p14:creationId xmlns:p14="http://schemas.microsoft.com/office/powerpoint/2010/main" val="3588496096"/>
       </p:ext>
     </p:extLst>
   </p:cSld>
@@ -17532,7 +17769,7 @@
           <p:cNvPr id="2" name="Title 1">
             <a:extLst>
               <a:ext uri="{FF2B5EF4-FFF2-40B4-BE49-F238E27FC236}">
-                <a16:creationId xmlns:a16="http://schemas.microsoft.com/office/drawing/2014/main" id="{61139B36-148B-DB0B-B89D-420FB6308B8A}"/>
+                <a16:creationId xmlns:a16="http://schemas.microsoft.com/office/drawing/2014/main" id="{8A23F393-504D-BF15-43C2-C4FE7BB38A3C}"/>
               </a:ext>
             </a:extLst>
           </p:cNvPr>
@@ -17550,7 +17787,7 @@
           <a:p>
             <a:r>
               <a:rPr lang="en-US" dirty="0"/>
-              <a:t>heat</a:t>
+              <a:t>therefore</a:t>
             </a:r>
           </a:p>
         </p:txBody>
@@ -17560,7 +17797,7 @@
           <p:cNvPr id="3" name="Text Placeholder 2">
             <a:extLst>
               <a:ext uri="{FF2B5EF4-FFF2-40B4-BE49-F238E27FC236}">
-                <a16:creationId xmlns:a16="http://schemas.microsoft.com/office/drawing/2014/main" id="{26AF7392-29A5-FB99-2390-76F5816A677C}"/>
+                <a16:creationId xmlns:a16="http://schemas.microsoft.com/office/drawing/2014/main" id="{799DD14B-3D9B-2238-72FD-DC02B681CC5B}"/>
               </a:ext>
             </a:extLst>
           </p:cNvPr>
@@ -17585,7 +17822,7 @@
           <p:cNvPr id="4" name="Content Placeholder 3">
             <a:extLst>
               <a:ext uri="{FF2B5EF4-FFF2-40B4-BE49-F238E27FC236}">
-                <a16:creationId xmlns:a16="http://schemas.microsoft.com/office/drawing/2014/main" id="{5273B95A-4287-3211-4080-DADC2075272E}"/>
+                <a16:creationId xmlns:a16="http://schemas.microsoft.com/office/drawing/2014/main" id="{3641870E-F439-B234-7965-8EF05074B415}"/>
               </a:ext>
             </a:extLst>
           </p:cNvPr>
@@ -17603,8 +17840,25 @@
           <a:p>
             <a:r>
               <a:rPr lang="en-US" dirty="0"/>
-              <a:t>to make something become warm or hot</a:t>
-            </a:r>
+              <a:t>as a </a:t>
+            </a:r>
+            <a:r>
+              <a:rPr lang="en-US" dirty="0">
+                <a:hlinkClick r:id="rId2" tooltip="result"/>
+              </a:rPr>
+              <a:t>result</a:t>
+            </a:r>
+            <a:r>
+              <a:rPr lang="en-US" dirty="0"/>
+              <a:t> of something that has just been </a:t>
+            </a:r>
+            <a:r>
+              <a:rPr lang="en-US" dirty="0">
+                <a:hlinkClick r:id="rId3" tooltip="mention"/>
+              </a:rPr>
+              <a:t>mentioned</a:t>
+            </a:r>
+            <a:endParaRPr lang="en-US" dirty="0"/>
           </a:p>
         </p:txBody>
       </p:sp>
@@ -17613,7 +17867,7 @@
           <p:cNvPr id="5" name="Slide Number Placeholder 4">
             <a:extLst>
               <a:ext uri="{FF2B5EF4-FFF2-40B4-BE49-F238E27FC236}">
-                <a16:creationId xmlns:a16="http://schemas.microsoft.com/office/drawing/2014/main" id="{8FB81BA0-DEA5-CC6D-125D-1A43894E35E8}"/>
+                <a16:creationId xmlns:a16="http://schemas.microsoft.com/office/drawing/2014/main" id="{8A96CE17-66DA-D4A6-C027-6994EAF6046C}"/>
               </a:ext>
             </a:extLst>
           </p:cNvPr>
@@ -17640,60 +17894,20 @@
       </p:sp>
       <p:sp>
         <p:nvSpPr>
-          <p:cNvPr id="6" name="Rectangle 5">
-            <a:extLst>
-              <a:ext uri="{FF2B5EF4-FFF2-40B4-BE49-F238E27FC236}">
-                <a16:creationId xmlns:a16="http://schemas.microsoft.com/office/drawing/2014/main" id="{812CF06D-6391-067E-DA08-CC1A25DAC3ED}"/>
-              </a:ext>
-            </a:extLst>
-          </p:cNvPr>
-          <p:cNvSpPr/>
+          <p:cNvPr id="6" name="TextBox 5">
+            <a:extLst>
+              <a:ext uri="{FF2B5EF4-FFF2-40B4-BE49-F238E27FC236}">
+                <a16:creationId xmlns:a16="http://schemas.microsoft.com/office/drawing/2014/main" id="{8E6903F6-6A98-3096-57AA-5D84EC7D5ED0}"/>
+              </a:ext>
+            </a:extLst>
+          </p:cNvPr>
+          <p:cNvSpPr txBox="1"/>
           <p:nvPr/>
         </p:nvSpPr>
         <p:spPr>
           <a:xfrm>
-            <a:off x="8767034" y="4359606"/>
-            <a:ext cx="1996966" cy="1030013"/>
-          </a:xfrm>
-          <a:prstGeom prst="rect">
-            <a:avLst/>
-          </a:prstGeom>
-          <a:noFill/>
-          <a:ln w="9525" cap="flat" cmpd="sng" algn="ctr">
-            <a:solidFill>
-              <a:srgbClr val="3F136C"/>
-            </a:solidFill>
-            <a:prstDash val="solid"/>
-          </a:ln>
-          <a:effectLst/>
-        </p:spPr>
-        <p:txBody>
-          <a:bodyPr rtlCol="0" anchor="ctr"/>
-          <a:lstStyle/>
-          <a:p>
-            <a:r>
-              <a:rPr lang="en-US" dirty="0"/>
-              <a:t>heat up</a:t>
-            </a:r>
-          </a:p>
-        </p:txBody>
-      </p:sp>
-      <p:sp>
-        <p:nvSpPr>
-          <p:cNvPr id="8" name="TextBox 7">
-            <a:extLst>
-              <a:ext uri="{FF2B5EF4-FFF2-40B4-BE49-F238E27FC236}">
-                <a16:creationId xmlns:a16="http://schemas.microsoft.com/office/drawing/2014/main" id="{20606BDC-3900-ECAC-BF39-B223526E26A9}"/>
-              </a:ext>
-            </a:extLst>
-          </p:cNvPr>
-          <p:cNvSpPr txBox="1"/>
-          <p:nvPr/>
-        </p:nvSpPr>
-        <p:spPr>
-          <a:xfrm>
-            <a:off x="349345" y="1998372"/>
-            <a:ext cx="10833662" cy="3258207"/>
+            <a:off x="349345" y="1616406"/>
+            <a:ext cx="9866710" cy="3258207"/>
           </a:xfrm>
           <a:prstGeom prst="rect">
             <a:avLst/>
@@ -17725,7 +17939,7 @@
                   <a:schemeClr val="bg2"/>
                 </a:solidFill>
               </a:rPr>
-              <a:t>heat</a:t>
+              <a:t>therefore</a:t>
             </a:r>
             <a:endParaRPr kumimoji="0" lang="en-US" sz="15000" b="0" i="0" u="none" strike="noStrike" kern="0" cap="none" spc="0" normalizeH="0" baseline="0" noProof="0" dirty="0">
               <a:ln>
@@ -17744,7 +17958,7 @@
     </p:spTree>
     <p:extLst>
       <p:ext uri="{BB962C8B-B14F-4D97-AF65-F5344CB8AC3E}">
-        <p14:creationId xmlns:p14="http://schemas.microsoft.com/office/powerpoint/2010/main" val="2888334513"/>
+        <p14:creationId xmlns:p14="http://schemas.microsoft.com/office/powerpoint/2010/main" val="3163232603"/>
       </p:ext>
     </p:extLst>
   </p:cSld>
@@ -17776,6 +17990,250 @@
           <p:cNvPr id="2" name="Title 1">
             <a:extLst>
               <a:ext uri="{FF2B5EF4-FFF2-40B4-BE49-F238E27FC236}">
+                <a16:creationId xmlns:a16="http://schemas.microsoft.com/office/drawing/2014/main" id="{61139B36-148B-DB0B-B89D-420FB6308B8A}"/>
+              </a:ext>
+            </a:extLst>
+          </p:cNvPr>
+          <p:cNvSpPr>
+            <a:spLocks noGrp="1"/>
+          </p:cNvSpPr>
+          <p:nvPr>
+            <p:ph type="title"/>
+          </p:nvPr>
+        </p:nvSpPr>
+        <p:spPr/>
+        <p:txBody>
+          <a:bodyPr/>
+          <a:lstStyle/>
+          <a:p>
+            <a:r>
+              <a:rPr lang="en-US" dirty="0"/>
+              <a:t>heat</a:t>
+            </a:r>
+          </a:p>
+        </p:txBody>
+      </p:sp>
+      <p:sp>
+        <p:nvSpPr>
+          <p:cNvPr id="3" name="Text Placeholder 2">
+            <a:extLst>
+              <a:ext uri="{FF2B5EF4-FFF2-40B4-BE49-F238E27FC236}">
+                <a16:creationId xmlns:a16="http://schemas.microsoft.com/office/drawing/2014/main" id="{26AF7392-29A5-FB99-2390-76F5816A677C}"/>
+              </a:ext>
+            </a:extLst>
+          </p:cNvPr>
+          <p:cNvSpPr>
+            <a:spLocks noGrp="1"/>
+          </p:cNvSpPr>
+          <p:nvPr>
+            <p:ph type="body" sz="quarter" idx="15"/>
+          </p:nvPr>
+        </p:nvSpPr>
+        <p:spPr/>
+        <p:txBody>
+          <a:bodyPr/>
+          <a:lstStyle/>
+          <a:p>
+            <a:endParaRPr lang="en-US"/>
+          </a:p>
+        </p:txBody>
+      </p:sp>
+      <p:sp>
+        <p:nvSpPr>
+          <p:cNvPr id="4" name="Content Placeholder 3">
+            <a:extLst>
+              <a:ext uri="{FF2B5EF4-FFF2-40B4-BE49-F238E27FC236}">
+                <a16:creationId xmlns:a16="http://schemas.microsoft.com/office/drawing/2014/main" id="{5273B95A-4287-3211-4080-DADC2075272E}"/>
+              </a:ext>
+            </a:extLst>
+          </p:cNvPr>
+          <p:cNvSpPr>
+            <a:spLocks noGrp="1"/>
+          </p:cNvSpPr>
+          <p:nvPr>
+            <p:ph sz="quarter" idx="1"/>
+          </p:nvPr>
+        </p:nvSpPr>
+        <p:spPr/>
+        <p:txBody>
+          <a:bodyPr/>
+          <a:lstStyle/>
+          <a:p>
+            <a:r>
+              <a:rPr lang="en-US" dirty="0"/>
+              <a:t>to make something become warm or hot</a:t>
+            </a:r>
+          </a:p>
+        </p:txBody>
+      </p:sp>
+      <p:sp>
+        <p:nvSpPr>
+          <p:cNvPr id="5" name="Slide Number Placeholder 4">
+            <a:extLst>
+              <a:ext uri="{FF2B5EF4-FFF2-40B4-BE49-F238E27FC236}">
+                <a16:creationId xmlns:a16="http://schemas.microsoft.com/office/drawing/2014/main" id="{8FB81BA0-DEA5-CC6D-125D-1A43894E35E8}"/>
+              </a:ext>
+            </a:extLst>
+          </p:cNvPr>
+          <p:cNvSpPr>
+            <a:spLocks noGrp="1"/>
+          </p:cNvSpPr>
+          <p:nvPr>
+            <p:ph type="sldNum" sz="quarter" idx="12"/>
+          </p:nvPr>
+        </p:nvSpPr>
+        <p:spPr/>
+        <p:txBody>
+          <a:bodyPr/>
+          <a:lstStyle/>
+          <a:p>
+            <a:fld id="{4898AEC0-503E-4FA4-859C-D0F72D6E3F79}" type="slidenum">
+              <a:rPr lang="en-US" noProof="1" smtClean="0"/>
+              <a:pPr/>
+              <a:t>42</a:t>
+            </a:fld>
+            <a:endParaRPr lang="en-US" noProof="1"/>
+          </a:p>
+        </p:txBody>
+      </p:sp>
+      <p:sp>
+        <p:nvSpPr>
+          <p:cNvPr id="6" name="Rectangle 5">
+            <a:extLst>
+              <a:ext uri="{FF2B5EF4-FFF2-40B4-BE49-F238E27FC236}">
+                <a16:creationId xmlns:a16="http://schemas.microsoft.com/office/drawing/2014/main" id="{812CF06D-6391-067E-DA08-CC1A25DAC3ED}"/>
+              </a:ext>
+            </a:extLst>
+          </p:cNvPr>
+          <p:cNvSpPr/>
+          <p:nvPr/>
+        </p:nvSpPr>
+        <p:spPr>
+          <a:xfrm>
+            <a:off x="8767034" y="4359606"/>
+            <a:ext cx="1996966" cy="1030013"/>
+          </a:xfrm>
+          <a:prstGeom prst="rect">
+            <a:avLst/>
+          </a:prstGeom>
+          <a:noFill/>
+          <a:ln w="9525" cap="flat" cmpd="sng" algn="ctr">
+            <a:solidFill>
+              <a:srgbClr val="3F136C"/>
+            </a:solidFill>
+            <a:prstDash val="solid"/>
+          </a:ln>
+          <a:effectLst/>
+        </p:spPr>
+        <p:txBody>
+          <a:bodyPr rtlCol="0" anchor="ctr"/>
+          <a:lstStyle/>
+          <a:p>
+            <a:r>
+              <a:rPr lang="en-US" dirty="0"/>
+              <a:t>heat up</a:t>
+            </a:r>
+          </a:p>
+        </p:txBody>
+      </p:sp>
+      <p:sp>
+        <p:nvSpPr>
+          <p:cNvPr id="8" name="TextBox 7">
+            <a:extLst>
+              <a:ext uri="{FF2B5EF4-FFF2-40B4-BE49-F238E27FC236}">
+                <a16:creationId xmlns:a16="http://schemas.microsoft.com/office/drawing/2014/main" id="{20606BDC-3900-ECAC-BF39-B223526E26A9}"/>
+              </a:ext>
+            </a:extLst>
+          </p:cNvPr>
+          <p:cNvSpPr txBox="1"/>
+          <p:nvPr/>
+        </p:nvSpPr>
+        <p:spPr>
+          <a:xfrm>
+            <a:off x="349345" y="1998372"/>
+            <a:ext cx="10833662" cy="3258207"/>
+          </a:xfrm>
+          <a:prstGeom prst="rect">
+            <a:avLst/>
+          </a:prstGeom>
+          <a:noFill/>
+        </p:spPr>
+        <p:txBody>
+          <a:bodyPr wrap="square" lIns="0" tIns="0" rIns="0" bIns="0" rtlCol="0">
+            <a:noAutofit/>
+          </a:bodyPr>
+          <a:lstStyle/>
+          <a:p>
+            <a:pPr marR="0" algn="l" defTabSz="914400" eaLnBrk="1" fontAlgn="auto" latinLnBrk="0" hangingPunct="1">
+              <a:spcBef>
+                <a:spcPts val="500"/>
+              </a:spcBef>
+              <a:spcAft>
+                <a:spcPts val="0"/>
+              </a:spcAft>
+              <a:buClrTx/>
+              <a:buSzTx/>
+              <a:buFontTx/>
+              <a:buNone/>
+              <a:tabLst/>
+            </a:pPr>
+            <a:r>
+              <a:rPr lang="en-US" sz="15000" kern="0" dirty="0">
+                <a:solidFill>
+                  <a:schemeClr val="bg2"/>
+                </a:solidFill>
+              </a:rPr>
+              <a:t>heat</a:t>
+            </a:r>
+            <a:endParaRPr kumimoji="0" lang="en-US" sz="15000" b="0" i="0" u="none" strike="noStrike" kern="0" cap="none" spc="0" normalizeH="0" baseline="0" noProof="0" dirty="0">
+              <a:ln>
+                <a:noFill/>
+              </a:ln>
+              <a:solidFill>
+                <a:schemeClr val="bg2"/>
+              </a:solidFill>
+              <a:effectLst/>
+              <a:uLnTx/>
+              <a:uFillTx/>
+            </a:endParaRPr>
+          </a:p>
+        </p:txBody>
+      </p:sp>
+    </p:spTree>
+    <p:extLst>
+      <p:ext uri="{BB962C8B-B14F-4D97-AF65-F5344CB8AC3E}">
+        <p14:creationId xmlns:p14="http://schemas.microsoft.com/office/powerpoint/2010/main" val="2888334513"/>
+      </p:ext>
+    </p:extLst>
+  </p:cSld>
+  <p:clrMapOvr>
+    <a:masterClrMapping/>
+  </p:clrMapOvr>
+</p:sld>
+</file>
+
+<file path=ppt/slides/slide43.xml><?xml version="1.0" encoding="utf-8"?>
+<p:sld xmlns:a="http://schemas.openxmlformats.org/drawingml/2006/main" xmlns:r="http://schemas.openxmlformats.org/officeDocument/2006/relationships" xmlns:p="http://schemas.openxmlformats.org/presentationml/2006/main">
+  <p:cSld>
+    <p:spTree>
+      <p:nvGrpSpPr>
+        <p:cNvPr id="1" name=""/>
+        <p:cNvGrpSpPr/>
+        <p:nvPr/>
+      </p:nvGrpSpPr>
+      <p:grpSpPr>
+        <a:xfrm>
+          <a:off x="0" y="0"/>
+          <a:ext cx="0" cy="0"/>
+          <a:chOff x="0" y="0"/>
+          <a:chExt cx="0" cy="0"/>
+        </a:xfrm>
+      </p:grpSpPr>
+      <p:sp>
+        <p:nvSpPr>
+          <p:cNvPr id="2" name="Title 1">
+            <a:extLst>
+              <a:ext uri="{FF2B5EF4-FFF2-40B4-BE49-F238E27FC236}">
                 <a16:creationId xmlns:a16="http://schemas.microsoft.com/office/drawing/2014/main" id="{71FC6EC4-7A1C-E962-9A70-66909C7C9D80}"/>
               </a:ext>
             </a:extLst>
@@ -17883,7 +18341,7 @@
             <a:fld id="{4898AEC0-503E-4FA4-859C-D0F72D6E3F79}" type="slidenum">
               <a:rPr lang="en-US" noProof="1" smtClean="0"/>
               <a:pPr/>
-              <a:t>42</a:t>
+              <a:t>43</a:t>
             </a:fld>
             <a:endParaRPr lang="en-US" noProof="1"/>
           </a:p>
@@ -18576,41 +19034,6 @@
           </a:p>
         </p:txBody>
       </p:sp>
-      <p:pic>
-        <p:nvPicPr>
-          <p:cNvPr id="7" name="Content Placeholder 6">
-            <a:extLst>
-              <a:ext uri="{FF2B5EF4-FFF2-40B4-BE49-F238E27FC236}">
-                <a16:creationId xmlns:a16="http://schemas.microsoft.com/office/drawing/2014/main" id="{14D18E2A-D015-9C33-72B6-6DE6C491CDEF}"/>
-              </a:ext>
-            </a:extLst>
-          </p:cNvPr>
-          <p:cNvPicPr>
-            <a:picLocks noGrp="1" noChangeAspect="1"/>
-          </p:cNvPicPr>
-          <p:nvPr>
-            <p:ph sz="quarter" idx="1"/>
-          </p:nvPr>
-        </p:nvPicPr>
-        <p:blipFill>
-          <a:blip r:embed="rId2">
-            <a:extLst>
-              <a:ext uri="{28A0092B-C50C-407E-A947-70E740481C1C}">
-                <a14:useLocalDpi xmlns:a14="http://schemas.microsoft.com/office/drawing/2010/main" val="0"/>
-              </a:ext>
-            </a:extLst>
-          </a:blip>
-          <a:stretch>
-            <a:fillRect/>
-          </a:stretch>
-        </p:blipFill>
-        <p:spPr>
-          <a:xfrm>
-            <a:off x="6782304" y="-28819"/>
-            <a:ext cx="3981696" cy="2649638"/>
-          </a:xfrm>
-        </p:spPr>
-      </p:pic>
       <p:sp>
         <p:nvSpPr>
           <p:cNvPr id="5" name="Slide Number Placeholder 4">
@@ -18704,6 +19127,152 @@
           </a:p>
         </p:txBody>
       </p:sp>
+      <p:sp>
+        <p:nvSpPr>
+          <p:cNvPr id="10" name="内容占位符 9">
+            <a:extLst>
+              <a:ext uri="{FF2B5EF4-FFF2-40B4-BE49-F238E27FC236}">
+                <a16:creationId xmlns:a16="http://schemas.microsoft.com/office/drawing/2014/main" id="{C8D102F1-0969-1B20-F650-56A6E4E947F1}"/>
+              </a:ext>
+            </a:extLst>
+          </p:cNvPr>
+          <p:cNvSpPr>
+            <a:spLocks noGrp="1"/>
+          </p:cNvSpPr>
+          <p:nvPr>
+            <p:ph sz="quarter" idx="1"/>
+          </p:nvPr>
+        </p:nvSpPr>
+        <p:spPr/>
+        <p:txBody>
+          <a:bodyPr/>
+          <a:lstStyle/>
+          <a:p>
+            <a:r>
+              <a:rPr lang="en-US" b="0" i="0" dirty="0">
+                <a:solidFill>
+                  <a:srgbClr val="333333"/>
+                </a:solidFill>
+                <a:effectLst/>
+                <a:latin typeface="arial" panose="020B0604020202020204" pitchFamily="34" charset="0"/>
+              </a:rPr>
+              <a:t>a piece of </a:t>
+            </a:r>
+            <a:r>
+              <a:rPr lang="en-US" b="0" i="0" dirty="0">
+                <a:effectLst/>
+                <a:latin typeface="arial" panose="020B0604020202020204" pitchFamily="34" charset="0"/>
+                <a:hlinkClick r:id="rId2" tooltip="furniture"/>
+              </a:rPr>
+              <a:t>furniture</a:t>
+            </a:r>
+            <a:r>
+              <a:rPr lang="en-US" b="0" i="0" dirty="0">
+                <a:solidFill>
+                  <a:srgbClr val="333333"/>
+                </a:solidFill>
+                <a:effectLst/>
+                <a:latin typeface="arial" panose="020B0604020202020204" pitchFamily="34" charset="0"/>
+              </a:rPr>
+              <a:t> like a large </a:t>
+            </a:r>
+            <a:r>
+              <a:rPr lang="en-US" b="0" i="0" dirty="0">
+                <a:effectLst/>
+                <a:latin typeface="arial" panose="020B0604020202020204" pitchFamily="34" charset="0"/>
+                <a:hlinkClick r:id="rId3" tooltip="cupboard"/>
+              </a:rPr>
+              <a:t>cupboard</a:t>
+            </a:r>
+            <a:r>
+              <a:rPr lang="en-US" b="0" i="0" dirty="0">
+                <a:solidFill>
+                  <a:srgbClr val="333333"/>
+                </a:solidFill>
+                <a:effectLst/>
+                <a:latin typeface="arial" panose="020B0604020202020204" pitchFamily="34" charset="0"/>
+              </a:rPr>
+              <a:t> that you </a:t>
+            </a:r>
+            <a:r>
+              <a:rPr lang="en-US" b="0" i="0" dirty="0">
+                <a:effectLst/>
+                <a:latin typeface="arial" panose="020B0604020202020204" pitchFamily="34" charset="0"/>
+                <a:hlinkClick r:id="rId4" tooltip="hang"/>
+              </a:rPr>
+              <a:t>hang</a:t>
+            </a:r>
+            <a:r>
+              <a:rPr lang="en-US" b="0" i="0" dirty="0">
+                <a:solidFill>
+                  <a:srgbClr val="333333"/>
+                </a:solidFill>
+                <a:effectLst/>
+                <a:latin typeface="arial" panose="020B0604020202020204" pitchFamily="34" charset="0"/>
+              </a:rPr>
+              <a:t> </a:t>
+            </a:r>
+            <a:r>
+              <a:rPr lang="en-US" b="0" i="0" dirty="0">
+                <a:effectLst/>
+                <a:latin typeface="arial" panose="020B0604020202020204" pitchFamily="34" charset="0"/>
+                <a:hlinkClick r:id="rId5" tooltip="clothe"/>
+              </a:rPr>
+              <a:t>clothes</a:t>
+            </a:r>
+            <a:r>
+              <a:rPr lang="en-US" b="0" i="0" dirty="0">
+                <a:solidFill>
+                  <a:srgbClr val="333333"/>
+                </a:solidFill>
+                <a:effectLst/>
+                <a:latin typeface="arial" panose="020B0604020202020204" pitchFamily="34" charset="0"/>
+              </a:rPr>
+              <a:t> in</a:t>
+            </a:r>
+            <a:endParaRPr lang="en-US" dirty="0"/>
+          </a:p>
+          <a:p>
+            <a:endParaRPr lang="en-US" dirty="0"/>
+          </a:p>
+        </p:txBody>
+      </p:sp>
+      <p:pic>
+        <p:nvPicPr>
+          <p:cNvPr id="11" name="Content Placeholder 6">
+            <a:extLst>
+              <a:ext uri="{FF2B5EF4-FFF2-40B4-BE49-F238E27FC236}">
+                <a16:creationId xmlns:a16="http://schemas.microsoft.com/office/drawing/2014/main" id="{0B90072D-2268-328B-33F7-120839FEE078}"/>
+              </a:ext>
+            </a:extLst>
+          </p:cNvPr>
+          <p:cNvPicPr>
+            <a:picLocks noChangeAspect="1"/>
+          </p:cNvPicPr>
+          <p:nvPr/>
+        </p:nvPicPr>
+        <p:blipFill>
+          <a:blip r:embed="rId6">
+            <a:extLst>
+              <a:ext uri="{28A0092B-C50C-407E-A947-70E740481C1C}">
+                <a14:useLocalDpi xmlns:a14="http://schemas.microsoft.com/office/drawing/2010/main" val="0"/>
+              </a:ext>
+            </a:extLst>
+          </a:blip>
+          <a:stretch>
+            <a:fillRect/>
+          </a:stretch>
+        </p:blipFill>
+        <p:spPr>
+          <a:xfrm>
+            <a:off x="7355271" y="551730"/>
+            <a:ext cx="3323943" cy="2211933"/>
+          </a:xfrm>
+          <a:prstGeom prst="rect">
+            <a:avLst/>
+          </a:prstGeom>
+        </p:spPr>
+      </p:pic>
     </p:spTree>
     <p:extLst>
       <p:ext uri="{BB962C8B-B14F-4D97-AF65-F5344CB8AC3E}">

--- a/longman 3000.pptx
+++ b/longman 3000.pptx
@@ -29,11 +29,11 @@
     <p:sldId id="280" r:id="rId22"/>
     <p:sldId id="282" r:id="rId23"/>
     <p:sldId id="281" r:id="rId24"/>
-    <p:sldId id="284" r:id="rId25"/>
-    <p:sldId id="285" r:id="rId26"/>
-    <p:sldId id="291" r:id="rId27"/>
-    <p:sldId id="293" r:id="rId28"/>
-    <p:sldId id="303" r:id="rId29"/>
+    <p:sldId id="303" r:id="rId25"/>
+    <p:sldId id="284" r:id="rId26"/>
+    <p:sldId id="285" r:id="rId27"/>
+    <p:sldId id="291" r:id="rId28"/>
+    <p:sldId id="293" r:id="rId29"/>
     <p:sldId id="261" r:id="rId30"/>
     <p:sldId id="262" r:id="rId31"/>
     <p:sldId id="263" r:id="rId32"/>
@@ -212,11 +212,11 @@
             <p14:sldId id="280"/>
             <p14:sldId id="282"/>
             <p14:sldId id="281"/>
+            <p14:sldId id="303"/>
             <p14:sldId id="284"/>
             <p14:sldId id="285"/>
             <p14:sldId id="291"/>
             <p14:sldId id="293"/>
-            <p14:sldId id="303"/>
           </p14:sldIdLst>
         </p14:section>
         <p14:section name="other" id="{E5B522DA-BFF2-4C19-BC4F-A1C6CF6585F9}">
@@ -928,7 +928,7 @@
           <a:p>
             <a:fld id="{492D48B2-9EB0-4B37-9B35-FC11E2EA535A}" type="slidenum">
               <a:rPr lang="de-DE" smtClean="0"/>
-              <a:t>25</a:t>
+              <a:t>26</a:t>
             </a:fld>
             <a:endParaRPr lang="de-DE"/>
           </a:p>
@@ -12125,10 +12125,10 @@
       </p:grpSpPr>
       <p:sp>
         <p:nvSpPr>
-          <p:cNvPr id="2" name="Title 1">
-            <a:extLst>
-              <a:ext uri="{FF2B5EF4-FFF2-40B4-BE49-F238E27FC236}">
-                <a16:creationId xmlns:a16="http://schemas.microsoft.com/office/drawing/2014/main" id="{710DB5B6-5E2D-7E34-4252-C3DCD91D5C51}"/>
+          <p:cNvPr id="2" name="标题 1">
+            <a:extLst>
+              <a:ext uri="{FF2B5EF4-FFF2-40B4-BE49-F238E27FC236}">
+                <a16:creationId xmlns:a16="http://schemas.microsoft.com/office/drawing/2014/main" id="{0D2E124D-9B8C-D9A5-04B5-1AB51EBDD618}"/>
               </a:ext>
             </a:extLst>
           </p:cNvPr>
@@ -12145,18 +12145,19 @@
           <a:lstStyle/>
           <a:p>
             <a:r>
-              <a:rPr lang="en-US" dirty="0"/>
-              <a:t>wipe</a:t>
-            </a:r>
-          </a:p>
-        </p:txBody>
-      </p:sp>
-      <p:sp>
-        <p:nvSpPr>
-          <p:cNvPr id="3" name="Text Placeholder 2">
-            <a:extLst>
-              <a:ext uri="{FF2B5EF4-FFF2-40B4-BE49-F238E27FC236}">
-                <a16:creationId xmlns:a16="http://schemas.microsoft.com/office/drawing/2014/main" id="{58ADAED3-920C-7BD9-5D56-A5ADF7091FCB}"/>
+              <a:rPr lang="en-US" altLang="zh-CN" dirty="0"/>
+              <a:t>wonder</a:t>
+            </a:r>
+            <a:endParaRPr lang="en-US" dirty="0"/>
+          </a:p>
+        </p:txBody>
+      </p:sp>
+      <p:sp>
+        <p:nvSpPr>
+          <p:cNvPr id="3" name="文本占位符 2">
+            <a:extLst>
+              <a:ext uri="{FF2B5EF4-FFF2-40B4-BE49-F238E27FC236}">
+                <a16:creationId xmlns:a16="http://schemas.microsoft.com/office/drawing/2014/main" id="{BFB6B83A-6E1F-62B4-C64E-6211BA1650EE}"/>
               </a:ext>
             </a:extLst>
           </p:cNvPr>
@@ -12178,96 +12179,10 @@
       </p:sp>
       <p:sp>
         <p:nvSpPr>
-          <p:cNvPr id="4" name="Content Placeholder 3">
-            <a:extLst>
-              <a:ext uri="{FF2B5EF4-FFF2-40B4-BE49-F238E27FC236}">
-                <a16:creationId xmlns:a16="http://schemas.microsoft.com/office/drawing/2014/main" id="{4E7671A8-2166-E1F9-B7E8-04E7BB2F49C7}"/>
-              </a:ext>
-            </a:extLst>
-          </p:cNvPr>
-          <p:cNvSpPr>
-            <a:spLocks noGrp="1"/>
-          </p:cNvSpPr>
-          <p:nvPr>
-            <p:ph sz="quarter" idx="1"/>
-          </p:nvPr>
-        </p:nvSpPr>
-        <p:spPr/>
-        <p:txBody>
-          <a:bodyPr/>
-          <a:lstStyle/>
-          <a:p>
-            <a:r>
-              <a:rPr lang="en-US" dirty="0"/>
-              <a:t>to </a:t>
-            </a:r>
-            <a:r>
-              <a:rPr lang="en-US" dirty="0">
-                <a:hlinkClick r:id="rId2" tooltip="rub"/>
-              </a:rPr>
-              <a:t>rub</a:t>
-            </a:r>
-            <a:r>
-              <a:rPr lang="en-US" dirty="0"/>
-              <a:t> a </a:t>
-            </a:r>
-            <a:r>
-              <a:rPr lang="en-US" dirty="0">
-                <a:hlinkClick r:id="rId3" tooltip="surface"/>
-              </a:rPr>
-              <a:t>surface</a:t>
-            </a:r>
-            <a:r>
-              <a:rPr lang="en-US" dirty="0"/>
-              <a:t> with something in order to </a:t>
-            </a:r>
-            <a:r>
-              <a:rPr lang="en-US" dirty="0">
-                <a:hlinkClick r:id="rId4" tooltip="remove"/>
-              </a:rPr>
-              <a:t>remove</a:t>
-            </a:r>
-            <a:r>
-              <a:rPr lang="en-US" dirty="0"/>
-              <a:t> </a:t>
-            </a:r>
-            <a:r>
-              <a:rPr lang="en-US" dirty="0">
-                <a:hlinkClick r:id="rId5" tooltip="dirt"/>
-              </a:rPr>
-              <a:t>dirt</a:t>
-            </a:r>
-            <a:r>
-              <a:rPr lang="en-US" dirty="0"/>
-              <a:t>, </a:t>
-            </a:r>
-            <a:r>
-              <a:rPr lang="en-US" dirty="0">
-                <a:hlinkClick r:id="rId6" tooltip="liquid"/>
-              </a:rPr>
-              <a:t>liquid</a:t>
-            </a:r>
-            <a:r>
-              <a:rPr lang="en-US" dirty="0"/>
-              <a:t> </a:t>
-            </a:r>
-            <a:r>
-              <a:rPr lang="en-US" dirty="0" err="1"/>
-              <a:t>etc</a:t>
-            </a:r>
-            <a:endParaRPr lang="en-US" dirty="0"/>
-          </a:p>
-          <a:p>
-            <a:endParaRPr lang="en-US" dirty="0"/>
-          </a:p>
-        </p:txBody>
-      </p:sp>
-      <p:sp>
-        <p:nvSpPr>
-          <p:cNvPr id="5" name="Slide Number Placeholder 4">
-            <a:extLst>
-              <a:ext uri="{FF2B5EF4-FFF2-40B4-BE49-F238E27FC236}">
-                <a16:creationId xmlns:a16="http://schemas.microsoft.com/office/drawing/2014/main" id="{3E60368E-1210-3A97-096B-0300FEE91A28}"/>
+          <p:cNvPr id="5" name="灯片编号占位符 4">
+            <a:extLst>
+              <a:ext uri="{FF2B5EF4-FFF2-40B4-BE49-F238E27FC236}">
+                <a16:creationId xmlns:a16="http://schemas.microsoft.com/office/drawing/2014/main" id="{FD9BDEB5-A777-3185-386D-7BEBE4206BE3}"/>
               </a:ext>
             </a:extLst>
           </p:cNvPr>
@@ -12292,12 +12207,241 @@
           </a:p>
         </p:txBody>
       </p:sp>
+      <p:sp>
+        <p:nvSpPr>
+          <p:cNvPr id="8" name="AutoShape 4" descr="Lemon Tree Song-Art // Happy Lemons&quot; Art Print for Sale by katycreates |  Redbubble">
+            <a:extLst>
+              <a:ext uri="{FF2B5EF4-FFF2-40B4-BE49-F238E27FC236}">
+                <a16:creationId xmlns:a16="http://schemas.microsoft.com/office/drawing/2014/main" id="{5D481A88-4162-888B-C1A8-DD430739B87B}"/>
+              </a:ext>
+            </a:extLst>
+          </p:cNvPr>
+          <p:cNvSpPr>
+            <a:spLocks noChangeAspect="1" noChangeArrowheads="1"/>
+          </p:cNvSpPr>
+          <p:nvPr/>
+        </p:nvSpPr>
+        <p:spPr bwMode="auto">
+          <a:xfrm>
+            <a:off x="5332413" y="2932113"/>
+            <a:ext cx="304800" cy="304800"/>
+          </a:xfrm>
+          <a:prstGeom prst="rect">
+            <a:avLst/>
+          </a:prstGeom>
+          <a:noFill/>
+          <a:extLst>
+            <a:ext uri="{909E8E84-426E-40DD-AFC4-6F175D3DCCD1}">
+              <a14:hiddenFill xmlns:a14="http://schemas.microsoft.com/office/drawing/2010/main">
+                <a:solidFill>
+                  <a:srgbClr val="FFFFFF"/>
+                </a:solidFill>
+              </a14:hiddenFill>
+            </a:ext>
+          </a:extLst>
+        </p:spPr>
+        <p:txBody>
+          <a:bodyPr vert="horz" wrap="square" lIns="91440" tIns="45720" rIns="91440" bIns="45720" numCol="1" anchor="t" anchorCtr="0" compatLnSpc="1">
+            <a:prstTxWarp prst="textNoShape">
+              <a:avLst/>
+            </a:prstTxWarp>
+          </a:bodyPr>
+          <a:lstStyle/>
+          <a:p>
+            <a:endParaRPr lang="en-US"/>
+          </a:p>
+        </p:txBody>
+      </p:sp>
+      <p:sp>
+        <p:nvSpPr>
+          <p:cNvPr id="11" name="内容占位符 10">
+            <a:extLst>
+              <a:ext uri="{FF2B5EF4-FFF2-40B4-BE49-F238E27FC236}">
+                <a16:creationId xmlns:a16="http://schemas.microsoft.com/office/drawing/2014/main" id="{E3A1DB98-7237-BCC8-E3A7-AABA063B9F43}"/>
+              </a:ext>
+            </a:extLst>
+          </p:cNvPr>
+          <p:cNvSpPr>
+            <a:spLocks noGrp="1"/>
+          </p:cNvSpPr>
+          <p:nvPr>
+            <p:ph sz="quarter" idx="1"/>
+          </p:nvPr>
+        </p:nvSpPr>
+        <p:spPr/>
+        <p:txBody>
+          <a:bodyPr/>
+          <a:lstStyle/>
+          <a:p>
+            <a:r>
+              <a:rPr lang="en-US" b="0" i="0" dirty="0">
+                <a:solidFill>
+                  <a:srgbClr val="333333"/>
+                </a:solidFill>
+                <a:effectLst/>
+                <a:latin typeface="arial" panose="020B0604020202020204" pitchFamily="34" charset="0"/>
+              </a:rPr>
+              <a:t> to think about something that you are not </a:t>
+            </a:r>
+            <a:r>
+              <a:rPr lang="en-US" b="0" i="0" dirty="0">
+                <a:solidFill>
+                  <a:srgbClr val="333333"/>
+                </a:solidFill>
+                <a:effectLst/>
+                <a:latin typeface="arial" panose="020B0604020202020204" pitchFamily="34" charset="0"/>
+                <a:hlinkClick r:id="rId2" tooltip="sure"/>
+              </a:rPr>
+              <a:t>sure</a:t>
+            </a:r>
+            <a:r>
+              <a:rPr lang="en-US" b="0" i="0" dirty="0">
+                <a:solidFill>
+                  <a:srgbClr val="333333"/>
+                </a:solidFill>
+                <a:effectLst/>
+                <a:latin typeface="arial" panose="020B0604020202020204" pitchFamily="34" charset="0"/>
+              </a:rPr>
+              <a:t> about and </a:t>
+            </a:r>
+            <a:r>
+              <a:rPr lang="en-US" b="0" i="0" dirty="0">
+                <a:solidFill>
+                  <a:srgbClr val="333333"/>
+                </a:solidFill>
+                <a:effectLst/>
+                <a:latin typeface="arial" panose="020B0604020202020204" pitchFamily="34" charset="0"/>
+                <a:hlinkClick r:id="rId3" tooltip="try"/>
+              </a:rPr>
+              <a:t>try</a:t>
+            </a:r>
+            <a:r>
+              <a:rPr lang="en-US" b="0" i="0" dirty="0">
+                <a:solidFill>
+                  <a:srgbClr val="333333"/>
+                </a:solidFill>
+                <a:effectLst/>
+                <a:latin typeface="arial" panose="020B0604020202020204" pitchFamily="34" charset="0"/>
+              </a:rPr>
+              <a:t> to </a:t>
+            </a:r>
+            <a:r>
+              <a:rPr lang="en-US" b="0" i="0" dirty="0">
+                <a:solidFill>
+                  <a:srgbClr val="333333"/>
+                </a:solidFill>
+                <a:effectLst/>
+                <a:latin typeface="arial" panose="020B0604020202020204" pitchFamily="34" charset="0"/>
+                <a:hlinkClick r:id="rId4" tooltip="guess"/>
+              </a:rPr>
+              <a:t>guess</a:t>
+            </a:r>
+            <a:r>
+              <a:rPr lang="en-US" b="0" i="0" dirty="0">
+                <a:solidFill>
+                  <a:srgbClr val="333333"/>
+                </a:solidFill>
+                <a:effectLst/>
+                <a:latin typeface="arial" panose="020B0604020202020204" pitchFamily="34" charset="0"/>
+              </a:rPr>
+              <a:t> what is </a:t>
+            </a:r>
+            <a:r>
+              <a:rPr lang="en-US" b="0" i="0" dirty="0">
+                <a:solidFill>
+                  <a:srgbClr val="333333"/>
+                </a:solidFill>
+                <a:effectLst/>
+                <a:latin typeface="arial" panose="020B0604020202020204" pitchFamily="34" charset="0"/>
+                <a:hlinkClick r:id="rId5" tooltip="true"/>
+              </a:rPr>
+              <a:t>true</a:t>
+            </a:r>
+            <a:r>
+              <a:rPr lang="en-US" b="0" i="0" dirty="0">
+                <a:solidFill>
+                  <a:srgbClr val="333333"/>
+                </a:solidFill>
+                <a:effectLst/>
+                <a:latin typeface="arial" panose="020B0604020202020204" pitchFamily="34" charset="0"/>
+              </a:rPr>
+              <a:t>, what will happen </a:t>
+            </a:r>
+            <a:r>
+              <a:rPr lang="en-US" b="0" i="0" dirty="0" err="1">
+                <a:solidFill>
+                  <a:srgbClr val="333333"/>
+                </a:solidFill>
+                <a:effectLst/>
+                <a:latin typeface="arial" panose="020B0604020202020204" pitchFamily="34" charset="0"/>
+              </a:rPr>
+              <a:t>etc</a:t>
+            </a:r>
+            <a:endParaRPr lang="en-US" b="0" i="0" dirty="0">
+              <a:solidFill>
+                <a:srgbClr val="333333"/>
+              </a:solidFill>
+              <a:effectLst/>
+              <a:latin typeface="arial" panose="020B0604020202020204" pitchFamily="34" charset="0"/>
+            </a:endParaRPr>
+          </a:p>
+          <a:p>
+            <a:r>
+              <a:rPr lang="en-US" b="0" i="0" dirty="0">
+                <a:solidFill>
+                  <a:srgbClr val="333333"/>
+                </a:solidFill>
+                <a:effectLst/>
+                <a:latin typeface="arial" panose="020B0604020202020204" pitchFamily="34" charset="0"/>
+              </a:rPr>
+              <a:t>to feel </a:t>
+            </a:r>
+            <a:r>
+              <a:rPr lang="en-US" b="0" i="0" dirty="0">
+                <a:effectLst/>
+                <a:latin typeface="arial" panose="020B0604020202020204" pitchFamily="34" charset="0"/>
+                <a:hlinkClick r:id="rId6" tooltip="surprise"/>
+              </a:rPr>
+              <a:t>surprised</a:t>
+            </a:r>
+            <a:r>
+              <a:rPr lang="en-US" b="0" i="0" dirty="0">
+                <a:solidFill>
+                  <a:srgbClr val="333333"/>
+                </a:solidFill>
+                <a:effectLst/>
+                <a:latin typeface="arial" panose="020B0604020202020204" pitchFamily="34" charset="0"/>
+              </a:rPr>
+              <a:t> and </a:t>
+            </a:r>
+            <a:r>
+              <a:rPr lang="en-US" b="0" i="0" dirty="0">
+                <a:effectLst/>
+                <a:latin typeface="arial" panose="020B0604020202020204" pitchFamily="34" charset="0"/>
+                <a:hlinkClick r:id="rId7" tooltip="unable"/>
+              </a:rPr>
+              <a:t>unable</a:t>
+            </a:r>
+            <a:r>
+              <a:rPr lang="en-US" b="0" i="0" dirty="0">
+                <a:solidFill>
+                  <a:srgbClr val="333333"/>
+                </a:solidFill>
+                <a:effectLst/>
+                <a:latin typeface="arial" panose="020B0604020202020204" pitchFamily="34" charset="0"/>
+              </a:rPr>
+              <a:t> to believe something</a:t>
+            </a:r>
+            <a:endParaRPr lang="en-US" dirty="0"/>
+          </a:p>
+        </p:txBody>
+      </p:sp>
       <p:pic>
         <p:nvPicPr>
-          <p:cNvPr id="6" name="Content Placeholder 6">
-            <a:extLst>
-              <a:ext uri="{FF2B5EF4-FFF2-40B4-BE49-F238E27FC236}">
-                <a16:creationId xmlns:a16="http://schemas.microsoft.com/office/drawing/2014/main" id="{90C4C2DC-49EF-D712-3CE0-16FCC2E32A7D}"/>
+          <p:cNvPr id="13" name="图片 12">
+            <a:extLst>
+              <a:ext uri="{FF2B5EF4-FFF2-40B4-BE49-F238E27FC236}">
+                <a16:creationId xmlns:a16="http://schemas.microsoft.com/office/drawing/2014/main" id="{2E9ADD86-C680-0DAC-8BC2-A354C4995992}"/>
               </a:ext>
             </a:extLst>
           </p:cNvPr>
@@ -12307,21 +12451,15 @@
           <p:nvPr/>
         </p:nvPicPr>
         <p:blipFill>
-          <a:blip r:embed="rId7">
-            <a:extLst>
-              <a:ext uri="{28A0092B-C50C-407E-A947-70E740481C1C}">
-                <a14:useLocalDpi xmlns:a14="http://schemas.microsoft.com/office/drawing/2010/main" val="0"/>
-              </a:ext>
-            </a:extLst>
-          </a:blip>
+          <a:blip r:embed="rId8"/>
           <a:stretch>
             <a:fillRect/>
           </a:stretch>
         </p:blipFill>
         <p:spPr>
           <a:xfrm>
-            <a:off x="6263756" y="3165038"/>
-            <a:ext cx="2476500" cy="1847850"/>
+            <a:off x="6337753" y="1756572"/>
+            <a:ext cx="4063548" cy="3909828"/>
           </a:xfrm>
           <a:prstGeom prst="rect">
             <a:avLst/>
@@ -12330,10 +12468,10 @@
       </p:pic>
       <p:sp>
         <p:nvSpPr>
-          <p:cNvPr id="9" name="TextBox 8">
-            <a:extLst>
-              <a:ext uri="{FF2B5EF4-FFF2-40B4-BE49-F238E27FC236}">
-                <a16:creationId xmlns:a16="http://schemas.microsoft.com/office/drawing/2014/main" id="{EF664F9B-88E6-9C66-F1CF-23985D81DD06}"/>
+          <p:cNvPr id="14" name="TextBox 6">
+            <a:extLst>
+              <a:ext uri="{FF2B5EF4-FFF2-40B4-BE49-F238E27FC236}">
+                <a16:creationId xmlns:a16="http://schemas.microsoft.com/office/drawing/2014/main" id="{48B9AAE9-2AA1-D028-BAB5-890D61B7E8B0}"/>
               </a:ext>
             </a:extLst>
           </p:cNvPr>
@@ -12342,8 +12480,8 @@
         </p:nvSpPr>
         <p:spPr>
           <a:xfrm>
-            <a:off x="349345" y="1998372"/>
-            <a:ext cx="10833662" cy="3258207"/>
+            <a:off x="349345" y="2278593"/>
+            <a:ext cx="9740228" cy="3258207"/>
           </a:xfrm>
           <a:prstGeom prst="rect">
             <a:avLst/>
@@ -12370,12 +12508,32 @@
               <a:tabLst/>
             </a:pPr>
             <a:r>
-              <a:rPr lang="en-US" sz="15000" kern="0" dirty="0">
+              <a:rPr kumimoji="0" lang="en-US" sz="15000" b="0" i="0" u="none" strike="noStrike" kern="0" cap="none" spc="0" normalizeH="0" baseline="0" noProof="0" dirty="0">
+                <a:ln>
+                  <a:noFill/>
+                </a:ln>
                 <a:solidFill>
                   <a:schemeClr val="bg2"/>
                 </a:solidFill>
-              </a:rPr>
-              <a:t>wipe</a:t>
+                <a:effectLst/>
+                <a:uLnTx/>
+                <a:uFillTx/>
+              </a:rPr>
+              <a:t>w</a:t>
+            </a:r>
+            <a:r>
+              <a:rPr kumimoji="0" lang="en-US" altLang="zh-CN" sz="15000" b="0" i="0" u="none" strike="noStrike" kern="0" cap="none" spc="0" normalizeH="0" baseline="0" noProof="0" dirty="0">
+                <a:ln>
+                  <a:noFill/>
+                </a:ln>
+                <a:solidFill>
+                  <a:schemeClr val="bg2"/>
+                </a:solidFill>
+                <a:effectLst/>
+                <a:uLnTx/>
+                <a:uFillTx/>
+              </a:rPr>
+              <a:t>onder</a:t>
             </a:r>
             <a:endParaRPr kumimoji="0" lang="en-US" sz="15000" b="0" i="0" u="none" strike="noStrike" kern="0" cap="none" spc="0" normalizeH="0" baseline="0" noProof="0" dirty="0">
               <a:ln>
@@ -12394,7 +12552,7 @@
     </p:spTree>
     <p:extLst>
       <p:ext uri="{BB962C8B-B14F-4D97-AF65-F5344CB8AC3E}">
-        <p14:creationId xmlns:p14="http://schemas.microsoft.com/office/powerpoint/2010/main" val="1690197038"/>
+        <p14:creationId xmlns:p14="http://schemas.microsoft.com/office/powerpoint/2010/main" val="3147934916"/>
       </p:ext>
     </p:extLst>
   </p:cSld>
@@ -12426,7 +12584,7 @@
           <p:cNvPr id="2" name="Title 1">
             <a:extLst>
               <a:ext uri="{FF2B5EF4-FFF2-40B4-BE49-F238E27FC236}">
-                <a16:creationId xmlns:a16="http://schemas.microsoft.com/office/drawing/2014/main" id="{FE769E2E-35E1-4C47-7818-D76C92DB3378}"/>
+                <a16:creationId xmlns:a16="http://schemas.microsoft.com/office/drawing/2014/main" id="{710DB5B6-5E2D-7E34-4252-C3DCD91D5C51}"/>
               </a:ext>
             </a:extLst>
           </p:cNvPr>
@@ -12444,7 +12602,7 @@
           <a:p>
             <a:r>
               <a:rPr lang="en-US" dirty="0"/>
-              <a:t>winter</a:t>
+              <a:t>wipe</a:t>
             </a:r>
           </a:p>
         </p:txBody>
@@ -12454,7 +12612,7 @@
           <p:cNvPr id="3" name="Text Placeholder 2">
             <a:extLst>
               <a:ext uri="{FF2B5EF4-FFF2-40B4-BE49-F238E27FC236}">
-                <a16:creationId xmlns:a16="http://schemas.microsoft.com/office/drawing/2014/main" id="{E786776D-D494-F775-8363-188E7018770F}"/>
+                <a16:creationId xmlns:a16="http://schemas.microsoft.com/office/drawing/2014/main" id="{58ADAED3-920C-7BD9-5D56-A5ADF7091FCB}"/>
               </a:ext>
             </a:extLst>
           </p:cNvPr>
@@ -12479,7 +12637,7 @@
           <p:cNvPr id="4" name="Content Placeholder 3">
             <a:extLst>
               <a:ext uri="{FF2B5EF4-FFF2-40B4-BE49-F238E27FC236}">
-                <a16:creationId xmlns:a16="http://schemas.microsoft.com/office/drawing/2014/main" id="{FD4C280E-C44D-5BB2-A386-D7383E226286}"/>
+                <a16:creationId xmlns:a16="http://schemas.microsoft.com/office/drawing/2014/main" id="{4E7671A8-2166-E1F9-B7E8-04E7BB2F49C7}"/>
               </a:ext>
             </a:extLst>
           </p:cNvPr>
@@ -12497,56 +12655,67 @@
           <a:p>
             <a:r>
               <a:rPr lang="en-US" dirty="0"/>
-              <a:t>the </a:t>
+              <a:t>to </a:t>
             </a:r>
             <a:r>
               <a:rPr lang="en-US" dirty="0">
-                <a:hlinkClick r:id="rId2" tooltip="season"/>
-              </a:rPr>
-              <a:t>season</a:t>
-            </a:r>
-            <a:r>
-              <a:rPr lang="en-US" dirty="0"/>
-              <a:t> after </a:t>
+                <a:hlinkClick r:id="rId2" tooltip="rub"/>
+              </a:rPr>
+              <a:t>rub</a:t>
+            </a:r>
+            <a:r>
+              <a:rPr lang="en-US" dirty="0"/>
+              <a:t> a </a:t>
             </a:r>
             <a:r>
               <a:rPr lang="en-US" dirty="0">
-                <a:hlinkClick r:id="rId3" tooltip="autumn"/>
-              </a:rPr>
-              <a:t>autumn</a:t>
-            </a:r>
-            <a:r>
-              <a:rPr lang="en-US" dirty="0"/>
-              <a:t> and before </a:t>
+                <a:hlinkClick r:id="rId3" tooltip="surface"/>
+              </a:rPr>
+              <a:t>surface</a:t>
+            </a:r>
+            <a:r>
+              <a:rPr lang="en-US" dirty="0"/>
+              <a:t> with something in order to </a:t>
             </a:r>
             <a:r>
               <a:rPr lang="en-US" dirty="0">
-                <a:hlinkClick r:id="rId4" tooltip="spring"/>
-              </a:rPr>
-              <a:t>spring</a:t>
-            </a:r>
-            <a:r>
-              <a:rPr lang="en-US" dirty="0"/>
-              <a:t>, when the </a:t>
+                <a:hlinkClick r:id="rId4" tooltip="remove"/>
+              </a:rPr>
+              <a:t>remove</a:t>
+            </a:r>
+            <a:r>
+              <a:rPr lang="en-US" dirty="0"/>
+              <a:t> </a:t>
             </a:r>
             <a:r>
               <a:rPr lang="en-US" dirty="0">
-                <a:hlinkClick r:id="rId5" tooltip="weather"/>
-              </a:rPr>
-              <a:t>weather</a:t>
-            </a:r>
-            <a:r>
-              <a:rPr lang="en-US" dirty="0"/>
-              <a:t> is </a:t>
+                <a:hlinkClick r:id="rId5" tooltip="dirt"/>
+              </a:rPr>
+              <a:t>dirt</a:t>
+            </a:r>
+            <a:r>
+              <a:rPr lang="en-US" dirty="0"/>
+              <a:t>, </a:t>
             </a:r>
             <a:r>
               <a:rPr lang="en-US" dirty="0">
-                <a:hlinkClick r:id="rId6" tooltip="cold"/>
-              </a:rPr>
-              <a:t>coldest</a:t>
+                <a:hlinkClick r:id="rId6" tooltip="liquid"/>
+              </a:rPr>
+              <a:t>liquid</a:t>
+            </a:r>
+            <a:r>
+              <a:rPr lang="en-US" dirty="0"/>
+              <a:t> </a:t>
+            </a:r>
+            <a:r>
+              <a:rPr lang="en-US" dirty="0" err="1"/>
+              <a:t>etc</a:t>
             </a:r>
             <a:endParaRPr lang="en-US" dirty="0"/>
           </a:p>
+          <a:p>
+            <a:endParaRPr lang="en-US" dirty="0"/>
+          </a:p>
         </p:txBody>
       </p:sp>
       <p:sp>
@@ -12554,7 +12723,7 @@
           <p:cNvPr id="5" name="Slide Number Placeholder 4">
             <a:extLst>
               <a:ext uri="{FF2B5EF4-FFF2-40B4-BE49-F238E27FC236}">
-                <a16:creationId xmlns:a16="http://schemas.microsoft.com/office/drawing/2014/main" id="{F0B00515-FCEC-F023-DE14-59A37B690E4A}"/>
+                <a16:creationId xmlns:a16="http://schemas.microsoft.com/office/drawing/2014/main" id="{3E60368E-1210-3A97-096B-0300FEE91A28}"/>
               </a:ext>
             </a:extLst>
           </p:cNvPr>
@@ -12574,6 +12743,293 @@
               <a:rPr lang="en-US" noProof="1" smtClean="0"/>
               <a:pPr/>
               <a:t>23</a:t>
+            </a:fld>
+            <a:endParaRPr lang="en-US" noProof="1"/>
+          </a:p>
+        </p:txBody>
+      </p:sp>
+      <p:pic>
+        <p:nvPicPr>
+          <p:cNvPr id="6" name="Content Placeholder 6">
+            <a:extLst>
+              <a:ext uri="{FF2B5EF4-FFF2-40B4-BE49-F238E27FC236}">
+                <a16:creationId xmlns:a16="http://schemas.microsoft.com/office/drawing/2014/main" id="{90C4C2DC-49EF-D712-3CE0-16FCC2E32A7D}"/>
+              </a:ext>
+            </a:extLst>
+          </p:cNvPr>
+          <p:cNvPicPr>
+            <a:picLocks noChangeAspect="1"/>
+          </p:cNvPicPr>
+          <p:nvPr/>
+        </p:nvPicPr>
+        <p:blipFill>
+          <a:blip r:embed="rId7">
+            <a:extLst>
+              <a:ext uri="{28A0092B-C50C-407E-A947-70E740481C1C}">
+                <a14:useLocalDpi xmlns:a14="http://schemas.microsoft.com/office/drawing/2010/main" val="0"/>
+              </a:ext>
+            </a:extLst>
+          </a:blip>
+          <a:stretch>
+            <a:fillRect/>
+          </a:stretch>
+        </p:blipFill>
+        <p:spPr>
+          <a:xfrm>
+            <a:off x="6263756" y="3165038"/>
+            <a:ext cx="2476500" cy="1847850"/>
+          </a:xfrm>
+          <a:prstGeom prst="rect">
+            <a:avLst/>
+          </a:prstGeom>
+        </p:spPr>
+      </p:pic>
+      <p:sp>
+        <p:nvSpPr>
+          <p:cNvPr id="9" name="TextBox 8">
+            <a:extLst>
+              <a:ext uri="{FF2B5EF4-FFF2-40B4-BE49-F238E27FC236}">
+                <a16:creationId xmlns:a16="http://schemas.microsoft.com/office/drawing/2014/main" id="{EF664F9B-88E6-9C66-F1CF-23985D81DD06}"/>
+              </a:ext>
+            </a:extLst>
+          </p:cNvPr>
+          <p:cNvSpPr txBox="1"/>
+          <p:nvPr/>
+        </p:nvSpPr>
+        <p:spPr>
+          <a:xfrm>
+            <a:off x="349345" y="1998372"/>
+            <a:ext cx="10833662" cy="3258207"/>
+          </a:xfrm>
+          <a:prstGeom prst="rect">
+            <a:avLst/>
+          </a:prstGeom>
+          <a:noFill/>
+        </p:spPr>
+        <p:txBody>
+          <a:bodyPr wrap="square" lIns="0" tIns="0" rIns="0" bIns="0" rtlCol="0">
+            <a:noAutofit/>
+          </a:bodyPr>
+          <a:lstStyle/>
+          <a:p>
+            <a:pPr marR="0" algn="l" defTabSz="914400" eaLnBrk="1" fontAlgn="auto" latinLnBrk="0" hangingPunct="1">
+              <a:spcBef>
+                <a:spcPts val="500"/>
+              </a:spcBef>
+              <a:spcAft>
+                <a:spcPts val="0"/>
+              </a:spcAft>
+              <a:buClrTx/>
+              <a:buSzTx/>
+              <a:buFontTx/>
+              <a:buNone/>
+              <a:tabLst/>
+            </a:pPr>
+            <a:r>
+              <a:rPr lang="en-US" sz="15000" kern="0" dirty="0">
+                <a:solidFill>
+                  <a:schemeClr val="bg2"/>
+                </a:solidFill>
+              </a:rPr>
+              <a:t>wipe</a:t>
+            </a:r>
+            <a:endParaRPr kumimoji="0" lang="en-US" sz="15000" b="0" i="0" u="none" strike="noStrike" kern="0" cap="none" spc="0" normalizeH="0" baseline="0" noProof="0" dirty="0">
+              <a:ln>
+                <a:noFill/>
+              </a:ln>
+              <a:solidFill>
+                <a:schemeClr val="bg2"/>
+              </a:solidFill>
+              <a:effectLst/>
+              <a:uLnTx/>
+              <a:uFillTx/>
+            </a:endParaRPr>
+          </a:p>
+        </p:txBody>
+      </p:sp>
+    </p:spTree>
+    <p:extLst>
+      <p:ext uri="{BB962C8B-B14F-4D97-AF65-F5344CB8AC3E}">
+        <p14:creationId xmlns:p14="http://schemas.microsoft.com/office/powerpoint/2010/main" val="1690197038"/>
+      </p:ext>
+    </p:extLst>
+  </p:cSld>
+  <p:clrMapOvr>
+    <a:masterClrMapping/>
+  </p:clrMapOvr>
+</p:sld>
+</file>
+
+<file path=ppt/slides/slide24.xml><?xml version="1.0" encoding="utf-8"?>
+<p:sld xmlns:a="http://schemas.openxmlformats.org/drawingml/2006/main" xmlns:r="http://schemas.openxmlformats.org/officeDocument/2006/relationships" xmlns:p="http://schemas.openxmlformats.org/presentationml/2006/main">
+  <p:cSld>
+    <p:spTree>
+      <p:nvGrpSpPr>
+        <p:cNvPr id="1" name=""/>
+        <p:cNvGrpSpPr/>
+        <p:nvPr/>
+      </p:nvGrpSpPr>
+      <p:grpSpPr>
+        <a:xfrm>
+          <a:off x="0" y="0"/>
+          <a:ext cx="0" cy="0"/>
+          <a:chOff x="0" y="0"/>
+          <a:chExt cx="0" cy="0"/>
+        </a:xfrm>
+      </p:grpSpPr>
+      <p:sp>
+        <p:nvSpPr>
+          <p:cNvPr id="2" name="Title 1">
+            <a:extLst>
+              <a:ext uri="{FF2B5EF4-FFF2-40B4-BE49-F238E27FC236}">
+                <a16:creationId xmlns:a16="http://schemas.microsoft.com/office/drawing/2014/main" id="{FE769E2E-35E1-4C47-7818-D76C92DB3378}"/>
+              </a:ext>
+            </a:extLst>
+          </p:cNvPr>
+          <p:cNvSpPr>
+            <a:spLocks noGrp="1"/>
+          </p:cNvSpPr>
+          <p:nvPr>
+            <p:ph type="title"/>
+          </p:nvPr>
+        </p:nvSpPr>
+        <p:spPr/>
+        <p:txBody>
+          <a:bodyPr/>
+          <a:lstStyle/>
+          <a:p>
+            <a:r>
+              <a:rPr lang="en-US" dirty="0"/>
+              <a:t>winter</a:t>
+            </a:r>
+          </a:p>
+        </p:txBody>
+      </p:sp>
+      <p:sp>
+        <p:nvSpPr>
+          <p:cNvPr id="3" name="Text Placeholder 2">
+            <a:extLst>
+              <a:ext uri="{FF2B5EF4-FFF2-40B4-BE49-F238E27FC236}">
+                <a16:creationId xmlns:a16="http://schemas.microsoft.com/office/drawing/2014/main" id="{E786776D-D494-F775-8363-188E7018770F}"/>
+              </a:ext>
+            </a:extLst>
+          </p:cNvPr>
+          <p:cNvSpPr>
+            <a:spLocks noGrp="1"/>
+          </p:cNvSpPr>
+          <p:nvPr>
+            <p:ph type="body" sz="quarter" idx="15"/>
+          </p:nvPr>
+        </p:nvSpPr>
+        <p:spPr/>
+        <p:txBody>
+          <a:bodyPr/>
+          <a:lstStyle/>
+          <a:p>
+            <a:endParaRPr lang="en-US"/>
+          </a:p>
+        </p:txBody>
+      </p:sp>
+      <p:sp>
+        <p:nvSpPr>
+          <p:cNvPr id="4" name="Content Placeholder 3">
+            <a:extLst>
+              <a:ext uri="{FF2B5EF4-FFF2-40B4-BE49-F238E27FC236}">
+                <a16:creationId xmlns:a16="http://schemas.microsoft.com/office/drawing/2014/main" id="{FD4C280E-C44D-5BB2-A386-D7383E226286}"/>
+              </a:ext>
+            </a:extLst>
+          </p:cNvPr>
+          <p:cNvSpPr>
+            <a:spLocks noGrp="1"/>
+          </p:cNvSpPr>
+          <p:nvPr>
+            <p:ph sz="quarter" idx="1"/>
+          </p:nvPr>
+        </p:nvSpPr>
+        <p:spPr/>
+        <p:txBody>
+          <a:bodyPr/>
+          <a:lstStyle/>
+          <a:p>
+            <a:r>
+              <a:rPr lang="en-US" dirty="0"/>
+              <a:t>the </a:t>
+            </a:r>
+            <a:r>
+              <a:rPr lang="en-US" dirty="0">
+                <a:hlinkClick r:id="rId2" tooltip="season"/>
+              </a:rPr>
+              <a:t>season</a:t>
+            </a:r>
+            <a:r>
+              <a:rPr lang="en-US" dirty="0"/>
+              <a:t> after </a:t>
+            </a:r>
+            <a:r>
+              <a:rPr lang="en-US" dirty="0">
+                <a:hlinkClick r:id="rId3" tooltip="autumn"/>
+              </a:rPr>
+              <a:t>autumn</a:t>
+            </a:r>
+            <a:r>
+              <a:rPr lang="en-US" dirty="0"/>
+              <a:t> and before </a:t>
+            </a:r>
+            <a:r>
+              <a:rPr lang="en-US" dirty="0">
+                <a:hlinkClick r:id="rId4" tooltip="spring"/>
+              </a:rPr>
+              <a:t>spring</a:t>
+            </a:r>
+            <a:r>
+              <a:rPr lang="en-US" dirty="0"/>
+              <a:t>, when the </a:t>
+            </a:r>
+            <a:r>
+              <a:rPr lang="en-US" dirty="0">
+                <a:hlinkClick r:id="rId5" tooltip="weather"/>
+              </a:rPr>
+              <a:t>weather</a:t>
+            </a:r>
+            <a:r>
+              <a:rPr lang="en-US" dirty="0"/>
+              <a:t> is </a:t>
+            </a:r>
+            <a:r>
+              <a:rPr lang="en-US" dirty="0">
+                <a:hlinkClick r:id="rId6" tooltip="cold"/>
+              </a:rPr>
+              <a:t>coldest</a:t>
+            </a:r>
+            <a:endParaRPr lang="en-US" dirty="0"/>
+          </a:p>
+        </p:txBody>
+      </p:sp>
+      <p:sp>
+        <p:nvSpPr>
+          <p:cNvPr id="5" name="Slide Number Placeholder 4">
+            <a:extLst>
+              <a:ext uri="{FF2B5EF4-FFF2-40B4-BE49-F238E27FC236}">
+                <a16:creationId xmlns:a16="http://schemas.microsoft.com/office/drawing/2014/main" id="{F0B00515-FCEC-F023-DE14-59A37B690E4A}"/>
+              </a:ext>
+            </a:extLst>
+          </p:cNvPr>
+          <p:cNvSpPr>
+            <a:spLocks noGrp="1"/>
+          </p:cNvSpPr>
+          <p:nvPr>
+            <p:ph type="sldNum" sz="quarter" idx="12"/>
+          </p:nvPr>
+        </p:nvSpPr>
+        <p:spPr/>
+        <p:txBody>
+          <a:bodyPr/>
+          <a:lstStyle/>
+          <a:p>
+            <a:fld id="{4898AEC0-503E-4FA4-859C-D0F72D6E3F79}" type="slidenum">
+              <a:rPr lang="en-US" noProof="1" smtClean="0"/>
+              <a:pPr/>
+              <a:t>24</a:t>
             </a:fld>
             <a:endParaRPr lang="en-US" noProof="1"/>
           </a:p>
@@ -12686,7 +13142,7 @@
 </p:sld>
 </file>
 
-<file path=ppt/slides/slide24.xml><?xml version="1.0" encoding="utf-8"?>
+<file path=ppt/slides/slide25.xml><?xml version="1.0" encoding="utf-8"?>
 <p:sld xmlns:a="http://schemas.openxmlformats.org/drawingml/2006/main" xmlns:r="http://schemas.openxmlformats.org/officeDocument/2006/relationships" xmlns:p="http://schemas.openxmlformats.org/presentationml/2006/main">
   <p:cSld>
     <p:spTree>
@@ -12884,7 +13340,7 @@
             <a:fld id="{4898AEC0-503E-4FA4-859C-D0F72D6E3F79}" type="slidenum">
               <a:rPr lang="en-US" noProof="1" smtClean="0"/>
               <a:pPr/>
-              <a:t>24</a:t>
+              <a:t>25</a:t>
             </a:fld>
             <a:endParaRPr lang="en-US" noProof="1"/>
           </a:p>
@@ -12997,7 +13453,7 @@
 </p:sld>
 </file>
 
-<file path=ppt/slides/slide25.xml><?xml version="1.0" encoding="utf-8"?>
+<file path=ppt/slides/slide26.xml><?xml version="1.0" encoding="utf-8"?>
 <p:sld xmlns:a="http://schemas.openxmlformats.org/drawingml/2006/main" xmlns:r="http://schemas.openxmlformats.org/officeDocument/2006/relationships" xmlns:p="http://schemas.openxmlformats.org/presentationml/2006/main">
   <p:cSld>
     <p:spTree>
@@ -13149,7 +13605,7 @@
             <a:fld id="{4898AEC0-503E-4FA4-859C-D0F72D6E3F79}" type="slidenum">
               <a:rPr lang="en-US" noProof="1" smtClean="0"/>
               <a:pPr/>
-              <a:t>25</a:t>
+              <a:t>26</a:t>
             </a:fld>
             <a:endParaRPr lang="en-US" noProof="1"/>
           </a:p>
@@ -13247,462 +13703,6 @@
     <p:extLst>
       <p:ext uri="{BB962C8B-B14F-4D97-AF65-F5344CB8AC3E}">
         <p14:creationId xmlns:p14="http://schemas.microsoft.com/office/powerpoint/2010/main" val="3989913885"/>
-      </p:ext>
-    </p:extLst>
-  </p:cSld>
-  <p:clrMapOvr>
-    <a:masterClrMapping/>
-  </p:clrMapOvr>
-</p:sld>
-</file>
-
-<file path=ppt/slides/slide26.xml><?xml version="1.0" encoding="utf-8"?>
-<p:sld xmlns:a="http://schemas.openxmlformats.org/drawingml/2006/main" xmlns:r="http://schemas.openxmlformats.org/officeDocument/2006/relationships" xmlns:p="http://schemas.openxmlformats.org/presentationml/2006/main">
-  <p:cSld>
-    <p:spTree>
-      <p:nvGrpSpPr>
-        <p:cNvPr id="1" name=""/>
-        <p:cNvGrpSpPr/>
-        <p:nvPr/>
-      </p:nvGrpSpPr>
-      <p:grpSpPr>
-        <a:xfrm>
-          <a:off x="0" y="0"/>
-          <a:ext cx="0" cy="0"/>
-          <a:chOff x="0" y="0"/>
-          <a:chExt cx="0" cy="0"/>
-        </a:xfrm>
-      </p:grpSpPr>
-      <p:sp>
-        <p:nvSpPr>
-          <p:cNvPr id="2" name="标题 1">
-            <a:extLst>
-              <a:ext uri="{FF2B5EF4-FFF2-40B4-BE49-F238E27FC236}">
-                <a16:creationId xmlns:a16="http://schemas.microsoft.com/office/drawing/2014/main" id="{0D2E124D-9B8C-D9A5-04B5-1AB51EBDD618}"/>
-              </a:ext>
-            </a:extLst>
-          </p:cNvPr>
-          <p:cNvSpPr>
-            <a:spLocks noGrp="1"/>
-          </p:cNvSpPr>
-          <p:nvPr>
-            <p:ph type="title"/>
-          </p:nvPr>
-        </p:nvSpPr>
-        <p:spPr/>
-        <p:txBody>
-          <a:bodyPr/>
-          <a:lstStyle/>
-          <a:p>
-            <a:r>
-              <a:rPr lang="en-US" altLang="zh-CN" dirty="0"/>
-              <a:t>wonder</a:t>
-            </a:r>
-            <a:endParaRPr lang="en-US" dirty="0"/>
-          </a:p>
-        </p:txBody>
-      </p:sp>
-      <p:sp>
-        <p:nvSpPr>
-          <p:cNvPr id="3" name="文本占位符 2">
-            <a:extLst>
-              <a:ext uri="{FF2B5EF4-FFF2-40B4-BE49-F238E27FC236}">
-                <a16:creationId xmlns:a16="http://schemas.microsoft.com/office/drawing/2014/main" id="{BFB6B83A-6E1F-62B4-C64E-6211BA1650EE}"/>
-              </a:ext>
-            </a:extLst>
-          </p:cNvPr>
-          <p:cNvSpPr>
-            <a:spLocks noGrp="1"/>
-          </p:cNvSpPr>
-          <p:nvPr>
-            <p:ph type="body" sz="quarter" idx="15"/>
-          </p:nvPr>
-        </p:nvSpPr>
-        <p:spPr/>
-        <p:txBody>
-          <a:bodyPr/>
-          <a:lstStyle/>
-          <a:p>
-            <a:endParaRPr lang="en-US"/>
-          </a:p>
-        </p:txBody>
-      </p:sp>
-      <p:sp>
-        <p:nvSpPr>
-          <p:cNvPr id="5" name="灯片编号占位符 4">
-            <a:extLst>
-              <a:ext uri="{FF2B5EF4-FFF2-40B4-BE49-F238E27FC236}">
-                <a16:creationId xmlns:a16="http://schemas.microsoft.com/office/drawing/2014/main" id="{FD9BDEB5-A777-3185-386D-7BEBE4206BE3}"/>
-              </a:ext>
-            </a:extLst>
-          </p:cNvPr>
-          <p:cNvSpPr>
-            <a:spLocks noGrp="1"/>
-          </p:cNvSpPr>
-          <p:nvPr>
-            <p:ph type="sldNum" sz="quarter" idx="12"/>
-          </p:nvPr>
-        </p:nvSpPr>
-        <p:spPr/>
-        <p:txBody>
-          <a:bodyPr/>
-          <a:lstStyle/>
-          <a:p>
-            <a:fld id="{4898AEC0-503E-4FA4-859C-D0F72D6E3F79}" type="slidenum">
-              <a:rPr lang="en-US" noProof="1" smtClean="0"/>
-              <a:pPr/>
-              <a:t>26</a:t>
-            </a:fld>
-            <a:endParaRPr lang="en-US" noProof="1"/>
-          </a:p>
-        </p:txBody>
-      </p:sp>
-      <p:sp>
-        <p:nvSpPr>
-          <p:cNvPr id="8" name="AutoShape 4" descr="Lemon Tree Song-Art // Happy Lemons&quot; Art Print for Sale by katycreates |  Redbubble">
-            <a:extLst>
-              <a:ext uri="{FF2B5EF4-FFF2-40B4-BE49-F238E27FC236}">
-                <a16:creationId xmlns:a16="http://schemas.microsoft.com/office/drawing/2014/main" id="{5D481A88-4162-888B-C1A8-DD430739B87B}"/>
-              </a:ext>
-            </a:extLst>
-          </p:cNvPr>
-          <p:cNvSpPr>
-            <a:spLocks noChangeAspect="1" noChangeArrowheads="1"/>
-          </p:cNvSpPr>
-          <p:nvPr/>
-        </p:nvSpPr>
-        <p:spPr bwMode="auto">
-          <a:xfrm>
-            <a:off x="5332413" y="2932113"/>
-            <a:ext cx="304800" cy="304800"/>
-          </a:xfrm>
-          <a:prstGeom prst="rect">
-            <a:avLst/>
-          </a:prstGeom>
-          <a:noFill/>
-          <a:extLst>
-            <a:ext uri="{909E8E84-426E-40DD-AFC4-6F175D3DCCD1}">
-              <a14:hiddenFill xmlns:a14="http://schemas.microsoft.com/office/drawing/2010/main">
-                <a:solidFill>
-                  <a:srgbClr val="FFFFFF"/>
-                </a:solidFill>
-              </a14:hiddenFill>
-            </a:ext>
-          </a:extLst>
-        </p:spPr>
-        <p:txBody>
-          <a:bodyPr vert="horz" wrap="square" lIns="91440" tIns="45720" rIns="91440" bIns="45720" numCol="1" anchor="t" anchorCtr="0" compatLnSpc="1">
-            <a:prstTxWarp prst="textNoShape">
-              <a:avLst/>
-            </a:prstTxWarp>
-          </a:bodyPr>
-          <a:lstStyle/>
-          <a:p>
-            <a:endParaRPr lang="en-US"/>
-          </a:p>
-        </p:txBody>
-      </p:sp>
-      <p:sp>
-        <p:nvSpPr>
-          <p:cNvPr id="11" name="内容占位符 10">
-            <a:extLst>
-              <a:ext uri="{FF2B5EF4-FFF2-40B4-BE49-F238E27FC236}">
-                <a16:creationId xmlns:a16="http://schemas.microsoft.com/office/drawing/2014/main" id="{E3A1DB98-7237-BCC8-E3A7-AABA063B9F43}"/>
-              </a:ext>
-            </a:extLst>
-          </p:cNvPr>
-          <p:cNvSpPr>
-            <a:spLocks noGrp="1"/>
-          </p:cNvSpPr>
-          <p:nvPr>
-            <p:ph sz="quarter" idx="1"/>
-          </p:nvPr>
-        </p:nvSpPr>
-        <p:spPr/>
-        <p:txBody>
-          <a:bodyPr/>
-          <a:lstStyle/>
-          <a:p>
-            <a:r>
-              <a:rPr lang="en-US" b="0" i="0" dirty="0">
-                <a:solidFill>
-                  <a:srgbClr val="333333"/>
-                </a:solidFill>
-                <a:effectLst/>
-                <a:latin typeface="arial" panose="020B0604020202020204" pitchFamily="34" charset="0"/>
-              </a:rPr>
-              <a:t> to think about something that you are not </a:t>
-            </a:r>
-            <a:r>
-              <a:rPr lang="en-US" b="0" i="0" dirty="0">
-                <a:solidFill>
-                  <a:srgbClr val="333333"/>
-                </a:solidFill>
-                <a:effectLst/>
-                <a:latin typeface="arial" panose="020B0604020202020204" pitchFamily="34" charset="0"/>
-                <a:hlinkClick r:id="rId2" tooltip="sure"/>
-              </a:rPr>
-              <a:t>sure</a:t>
-            </a:r>
-            <a:r>
-              <a:rPr lang="en-US" b="0" i="0" dirty="0">
-                <a:solidFill>
-                  <a:srgbClr val="333333"/>
-                </a:solidFill>
-                <a:effectLst/>
-                <a:latin typeface="arial" panose="020B0604020202020204" pitchFamily="34" charset="0"/>
-              </a:rPr>
-              <a:t> about and </a:t>
-            </a:r>
-            <a:r>
-              <a:rPr lang="en-US" b="0" i="0" dirty="0">
-                <a:solidFill>
-                  <a:srgbClr val="333333"/>
-                </a:solidFill>
-                <a:effectLst/>
-                <a:latin typeface="arial" panose="020B0604020202020204" pitchFamily="34" charset="0"/>
-                <a:hlinkClick r:id="rId3" tooltip="try"/>
-              </a:rPr>
-              <a:t>try</a:t>
-            </a:r>
-            <a:r>
-              <a:rPr lang="en-US" b="0" i="0" dirty="0">
-                <a:solidFill>
-                  <a:srgbClr val="333333"/>
-                </a:solidFill>
-                <a:effectLst/>
-                <a:latin typeface="arial" panose="020B0604020202020204" pitchFamily="34" charset="0"/>
-              </a:rPr>
-              <a:t> to </a:t>
-            </a:r>
-            <a:r>
-              <a:rPr lang="en-US" b="0" i="0" dirty="0">
-                <a:solidFill>
-                  <a:srgbClr val="333333"/>
-                </a:solidFill>
-                <a:effectLst/>
-                <a:latin typeface="arial" panose="020B0604020202020204" pitchFamily="34" charset="0"/>
-                <a:hlinkClick r:id="rId4" tooltip="guess"/>
-              </a:rPr>
-              <a:t>guess</a:t>
-            </a:r>
-            <a:r>
-              <a:rPr lang="en-US" b="0" i="0" dirty="0">
-                <a:solidFill>
-                  <a:srgbClr val="333333"/>
-                </a:solidFill>
-                <a:effectLst/>
-                <a:latin typeface="arial" panose="020B0604020202020204" pitchFamily="34" charset="0"/>
-              </a:rPr>
-              <a:t> what is </a:t>
-            </a:r>
-            <a:r>
-              <a:rPr lang="en-US" b="0" i="0" dirty="0">
-                <a:solidFill>
-                  <a:srgbClr val="333333"/>
-                </a:solidFill>
-                <a:effectLst/>
-                <a:latin typeface="arial" panose="020B0604020202020204" pitchFamily="34" charset="0"/>
-                <a:hlinkClick r:id="rId5" tooltip="true"/>
-              </a:rPr>
-              <a:t>true</a:t>
-            </a:r>
-            <a:r>
-              <a:rPr lang="en-US" b="0" i="0" dirty="0">
-                <a:solidFill>
-                  <a:srgbClr val="333333"/>
-                </a:solidFill>
-                <a:effectLst/>
-                <a:latin typeface="arial" panose="020B0604020202020204" pitchFamily="34" charset="0"/>
-              </a:rPr>
-              <a:t>, what will happen </a:t>
-            </a:r>
-            <a:r>
-              <a:rPr lang="en-US" b="0" i="0" dirty="0" err="1">
-                <a:solidFill>
-                  <a:srgbClr val="333333"/>
-                </a:solidFill>
-                <a:effectLst/>
-                <a:latin typeface="arial" panose="020B0604020202020204" pitchFamily="34" charset="0"/>
-              </a:rPr>
-              <a:t>etc</a:t>
-            </a:r>
-            <a:endParaRPr lang="en-US" b="0" i="0" dirty="0">
-              <a:solidFill>
-                <a:srgbClr val="333333"/>
-              </a:solidFill>
-              <a:effectLst/>
-              <a:latin typeface="arial" panose="020B0604020202020204" pitchFamily="34" charset="0"/>
-            </a:endParaRPr>
-          </a:p>
-          <a:p>
-            <a:r>
-              <a:rPr lang="en-US" b="0" i="0" dirty="0">
-                <a:solidFill>
-                  <a:srgbClr val="333333"/>
-                </a:solidFill>
-                <a:effectLst/>
-                <a:latin typeface="arial" panose="020B0604020202020204" pitchFamily="34" charset="0"/>
-              </a:rPr>
-              <a:t>to feel </a:t>
-            </a:r>
-            <a:r>
-              <a:rPr lang="en-US" b="0" i="0" dirty="0">
-                <a:effectLst/>
-                <a:latin typeface="arial" panose="020B0604020202020204" pitchFamily="34" charset="0"/>
-                <a:hlinkClick r:id="rId6" tooltip="surprise"/>
-              </a:rPr>
-              <a:t>surprised</a:t>
-            </a:r>
-            <a:r>
-              <a:rPr lang="en-US" b="0" i="0" dirty="0">
-                <a:solidFill>
-                  <a:srgbClr val="333333"/>
-                </a:solidFill>
-                <a:effectLst/>
-                <a:latin typeface="arial" panose="020B0604020202020204" pitchFamily="34" charset="0"/>
-              </a:rPr>
-              <a:t> and </a:t>
-            </a:r>
-            <a:r>
-              <a:rPr lang="en-US" b="0" i="0" dirty="0">
-                <a:effectLst/>
-                <a:latin typeface="arial" panose="020B0604020202020204" pitchFamily="34" charset="0"/>
-                <a:hlinkClick r:id="rId7" tooltip="unable"/>
-              </a:rPr>
-              <a:t>unable</a:t>
-            </a:r>
-            <a:r>
-              <a:rPr lang="en-US" b="0" i="0" dirty="0">
-                <a:solidFill>
-                  <a:srgbClr val="333333"/>
-                </a:solidFill>
-                <a:effectLst/>
-                <a:latin typeface="arial" panose="020B0604020202020204" pitchFamily="34" charset="0"/>
-              </a:rPr>
-              <a:t> to believe something</a:t>
-            </a:r>
-            <a:endParaRPr lang="en-US" dirty="0"/>
-          </a:p>
-        </p:txBody>
-      </p:sp>
-      <p:pic>
-        <p:nvPicPr>
-          <p:cNvPr id="13" name="图片 12">
-            <a:extLst>
-              <a:ext uri="{FF2B5EF4-FFF2-40B4-BE49-F238E27FC236}">
-                <a16:creationId xmlns:a16="http://schemas.microsoft.com/office/drawing/2014/main" id="{2E9ADD86-C680-0DAC-8BC2-A354C4995992}"/>
-              </a:ext>
-            </a:extLst>
-          </p:cNvPr>
-          <p:cNvPicPr>
-            <a:picLocks noChangeAspect="1"/>
-          </p:cNvPicPr>
-          <p:nvPr/>
-        </p:nvPicPr>
-        <p:blipFill>
-          <a:blip r:embed="rId8"/>
-          <a:stretch>
-            <a:fillRect/>
-          </a:stretch>
-        </p:blipFill>
-        <p:spPr>
-          <a:xfrm>
-            <a:off x="6337753" y="1756572"/>
-            <a:ext cx="4063548" cy="3909828"/>
-          </a:xfrm>
-          <a:prstGeom prst="rect">
-            <a:avLst/>
-          </a:prstGeom>
-        </p:spPr>
-      </p:pic>
-      <p:sp>
-        <p:nvSpPr>
-          <p:cNvPr id="14" name="TextBox 6">
-            <a:extLst>
-              <a:ext uri="{FF2B5EF4-FFF2-40B4-BE49-F238E27FC236}">
-                <a16:creationId xmlns:a16="http://schemas.microsoft.com/office/drawing/2014/main" id="{48B9AAE9-2AA1-D028-BAB5-890D61B7E8B0}"/>
-              </a:ext>
-            </a:extLst>
-          </p:cNvPr>
-          <p:cNvSpPr txBox="1"/>
-          <p:nvPr/>
-        </p:nvSpPr>
-        <p:spPr>
-          <a:xfrm>
-            <a:off x="349345" y="2278593"/>
-            <a:ext cx="9740228" cy="3258207"/>
-          </a:xfrm>
-          <a:prstGeom prst="rect">
-            <a:avLst/>
-          </a:prstGeom>
-          <a:noFill/>
-        </p:spPr>
-        <p:txBody>
-          <a:bodyPr wrap="square" lIns="0" tIns="0" rIns="0" bIns="0" rtlCol="0">
-            <a:noAutofit/>
-          </a:bodyPr>
-          <a:lstStyle/>
-          <a:p>
-            <a:pPr marR="0" algn="l" defTabSz="914400" eaLnBrk="1" fontAlgn="auto" latinLnBrk="0" hangingPunct="1">
-              <a:spcBef>
-                <a:spcPts val="500"/>
-              </a:spcBef>
-              <a:spcAft>
-                <a:spcPts val="0"/>
-              </a:spcAft>
-              <a:buClrTx/>
-              <a:buSzTx/>
-              <a:buFontTx/>
-              <a:buNone/>
-              <a:tabLst/>
-            </a:pPr>
-            <a:r>
-              <a:rPr kumimoji="0" lang="en-US" sz="15000" b="0" i="0" u="none" strike="noStrike" kern="0" cap="none" spc="0" normalizeH="0" baseline="0" noProof="0" dirty="0">
-                <a:ln>
-                  <a:noFill/>
-                </a:ln>
-                <a:solidFill>
-                  <a:schemeClr val="bg2"/>
-                </a:solidFill>
-                <a:effectLst/>
-                <a:uLnTx/>
-                <a:uFillTx/>
-              </a:rPr>
-              <a:t>w</a:t>
-            </a:r>
-            <a:r>
-              <a:rPr kumimoji="0" lang="en-US" altLang="zh-CN" sz="15000" b="0" i="0" u="none" strike="noStrike" kern="0" cap="none" spc="0" normalizeH="0" baseline="0" noProof="0" dirty="0">
-                <a:ln>
-                  <a:noFill/>
-                </a:ln>
-                <a:solidFill>
-                  <a:schemeClr val="bg2"/>
-                </a:solidFill>
-                <a:effectLst/>
-                <a:uLnTx/>
-                <a:uFillTx/>
-              </a:rPr>
-              <a:t>onder</a:t>
-            </a:r>
-            <a:endParaRPr kumimoji="0" lang="en-US" sz="15000" b="0" i="0" u="none" strike="noStrike" kern="0" cap="none" spc="0" normalizeH="0" baseline="0" noProof="0" dirty="0">
-              <a:ln>
-                <a:noFill/>
-              </a:ln>
-              <a:solidFill>
-                <a:schemeClr val="bg2"/>
-              </a:solidFill>
-              <a:effectLst/>
-              <a:uLnTx/>
-              <a:uFillTx/>
-            </a:endParaRPr>
-          </a:p>
-        </p:txBody>
-      </p:sp>
-    </p:spTree>
-    <p:extLst>
-      <p:ext uri="{BB962C8B-B14F-4D97-AF65-F5344CB8AC3E}">
-        <p14:creationId xmlns:p14="http://schemas.microsoft.com/office/powerpoint/2010/main" val="3147934916"/>
       </p:ext>
     </p:extLst>
   </p:cSld>
@@ -14975,6 +14975,17 @@
           </a:p>
           <a:p>
             <a:r>
+              <a:rPr lang="en-US" altLang="zh-CN" sz="1800" dirty="0"/>
+              <a:t>wonder</a:t>
+            </a:r>
+            <a:endParaRPr lang="en-US" sz="1800" b="1" dirty="0">
+              <a:solidFill>
+                <a:srgbClr val="007BC0"/>
+              </a:solidFill>
+            </a:endParaRPr>
+          </a:p>
+          <a:p>
+            <a:r>
               <a:rPr lang="en-US" sz="1800" dirty="0"/>
               <a:t>wool</a:t>
             </a:r>
@@ -15010,6 +15021,13 @@
               <a:rPr lang="en-US" sz="1800" dirty="0"/>
               <a:t>wound</a:t>
             </a:r>
+          </a:p>
+          <a:p>
+            <a:r>
+              <a:rPr lang="en-US" altLang="zh-CN" sz="1800" dirty="0"/>
+              <a:t>wonder</a:t>
+            </a:r>
+            <a:endParaRPr lang="en-US" sz="1800" dirty="0"/>
           </a:p>
           <a:p>
             <a:r>

--- a/longman 3000.pptx
+++ b/longman 3000.pptx
@@ -5,7 +5,7 @@
     <p:sldMasterId id="2147483708" r:id="rId3"/>
   </p:sldMasterIdLst>
   <p:notesMasterIdLst>
-    <p:notesMasterId r:id="rId47"/>
+    <p:notesMasterId r:id="rId52"/>
   </p:notesMasterIdLst>
   <p:sldIdLst>
     <p:sldId id="256" r:id="rId4"/>
@@ -51,11 +51,16 @@
     <p:sldId id="278" r:id="rId44"/>
     <p:sldId id="279" r:id="rId45"/>
     <p:sldId id="275" r:id="rId46"/>
+    <p:sldId id="305" r:id="rId47"/>
+    <p:sldId id="306" r:id="rId48"/>
+    <p:sldId id="308" r:id="rId49"/>
+    <p:sldId id="309" r:id="rId50"/>
+    <p:sldId id="311" r:id="rId51"/>
   </p:sldIdLst>
   <p:sldSz cx="10969625" cy="6170613"/>
   <p:notesSz cx="6858000" cy="9144000"/>
   <p:custDataLst>
-    <p:tags r:id="rId48"/>
+    <p:tags r:id="rId53"/>
   </p:custDataLst>
   <p:defaultTextStyle>
     <a:defPPr>
@@ -242,6 +247,11 @@
         <p14:section name="others" id="{16B4B482-50F0-4E77-82F5-14AE5E646EA5}">
           <p14:sldIdLst>
             <p14:sldId id="275"/>
+            <p14:sldId id="305"/>
+            <p14:sldId id="306"/>
+            <p14:sldId id="308"/>
+            <p14:sldId id="309"/>
+            <p14:sldId id="311"/>
           </p14:sldIdLst>
         </p14:section>
       </p14:sectionLst>
@@ -335,7 +345,7 @@
           <a:p>
             <a:fld id="{6007911F-CEAF-4F0B-98BD-EFB38C6572AA}" type="datetimeFigureOut">
               <a:rPr lang="de-DE" smtClean="0"/>
-              <a:t>21.09.2023</a:t>
+              <a:t>08.12.2023</a:t>
             </a:fld>
             <a:endParaRPr lang="de-DE"/>
           </a:p>
@@ -10991,6 +11001,42 @@
           </a:p>
         </p:txBody>
       </p:sp>
+      <p:pic>
+        <p:nvPicPr>
+          <p:cNvPr id="8" name="Picture 7">
+            <a:extLst>
+              <a:ext uri="{FF2B5EF4-FFF2-40B4-BE49-F238E27FC236}">
+                <a16:creationId xmlns:a16="http://schemas.microsoft.com/office/drawing/2014/main" id="{A480D92A-1FD5-6A4D-F780-6016647AFC06}"/>
+              </a:ext>
+            </a:extLst>
+          </p:cNvPr>
+          <p:cNvPicPr>
+            <a:picLocks noChangeAspect="1"/>
+          </p:cNvPicPr>
+          <p:nvPr/>
+        </p:nvPicPr>
+        <p:blipFill>
+          <a:blip r:embed="rId3">
+            <a:extLst>
+              <a:ext uri="{28A0092B-C50C-407E-A947-70E740481C1C}">
+                <a14:useLocalDpi xmlns:a14="http://schemas.microsoft.com/office/drawing/2010/main" val="0"/>
+              </a:ext>
+            </a:extLst>
+          </a:blip>
+          <a:stretch>
+            <a:fillRect/>
+          </a:stretch>
+        </p:blipFill>
+        <p:spPr>
+          <a:xfrm>
+            <a:off x="6251081" y="4162435"/>
+            <a:ext cx="3028950" cy="1514475"/>
+          </a:xfrm>
+          <a:prstGeom prst="rect">
+            <a:avLst/>
+          </a:prstGeom>
+        </p:spPr>
+      </p:pic>
     </p:spTree>
     <p:extLst>
       <p:ext uri="{BB962C8B-B14F-4D97-AF65-F5344CB8AC3E}">
@@ -16857,6 +16903,64 @@
           </a:p>
         </p:txBody>
       </p:sp>
+      <p:sp>
+        <p:nvSpPr>
+          <p:cNvPr id="6" name="TextBox 5">
+            <a:extLst>
+              <a:ext uri="{FF2B5EF4-FFF2-40B4-BE49-F238E27FC236}">
+                <a16:creationId xmlns:a16="http://schemas.microsoft.com/office/drawing/2014/main" id="{860888C6-BB3D-3041-8F1C-2019CF7F0983}"/>
+              </a:ext>
+            </a:extLst>
+          </p:cNvPr>
+          <p:cNvSpPr txBox="1"/>
+          <p:nvPr/>
+        </p:nvSpPr>
+        <p:spPr>
+          <a:xfrm>
+            <a:off x="349345" y="1616406"/>
+            <a:ext cx="9866710" cy="3258207"/>
+          </a:xfrm>
+          <a:prstGeom prst="rect">
+            <a:avLst/>
+          </a:prstGeom>
+          <a:noFill/>
+        </p:spPr>
+        <p:txBody>
+          <a:bodyPr wrap="square" lIns="0" tIns="0" rIns="0" bIns="0" rtlCol="0">
+            <a:noAutofit/>
+          </a:bodyPr>
+          <a:lstStyle/>
+          <a:p>
+            <a:pPr marR="0" algn="l" defTabSz="914400" eaLnBrk="1" fontAlgn="auto" latinLnBrk="0" hangingPunct="1">
+              <a:spcBef>
+                <a:spcPts val="500"/>
+              </a:spcBef>
+              <a:spcAft>
+                <a:spcPts val="0"/>
+              </a:spcAft>
+              <a:buClrTx/>
+              <a:buSzTx/>
+              <a:buFontTx/>
+              <a:buNone/>
+              <a:tabLst/>
+            </a:pPr>
+            <a:r>
+              <a:rPr kumimoji="0" lang="en-US" sz="15000" b="0" i="0" u="none" strike="noStrike" kern="0" cap="none" spc="0" normalizeH="0" baseline="0" noProof="0" dirty="0">
+                <a:ln>
+                  <a:noFill/>
+                </a:ln>
+                <a:solidFill>
+                  <a:schemeClr val="bg2"/>
+                </a:solidFill>
+                <a:effectLst/>
+                <a:uLnTx/>
+                <a:uFillTx/>
+              </a:rPr>
+              <a:t>continuous</a:t>
+            </a:r>
+          </a:p>
+        </p:txBody>
+      </p:sp>
     </p:spTree>
     <p:extLst>
       <p:ext uri="{BB962C8B-B14F-4D97-AF65-F5344CB8AC3E}">
@@ -17043,6 +17147,64 @@
           </a:p>
         </p:txBody>
       </p:sp>
+      <p:sp>
+        <p:nvSpPr>
+          <p:cNvPr id="6" name="TextBox 5">
+            <a:extLst>
+              <a:ext uri="{FF2B5EF4-FFF2-40B4-BE49-F238E27FC236}">
+                <a16:creationId xmlns:a16="http://schemas.microsoft.com/office/drawing/2014/main" id="{3B2D91DE-4289-477F-3A7B-14220CCC5BC2}"/>
+              </a:ext>
+            </a:extLst>
+          </p:cNvPr>
+          <p:cNvSpPr txBox="1"/>
+          <p:nvPr/>
+        </p:nvSpPr>
+        <p:spPr>
+          <a:xfrm>
+            <a:off x="349345" y="1616406"/>
+            <a:ext cx="9866710" cy="3258207"/>
+          </a:xfrm>
+          <a:prstGeom prst="rect">
+            <a:avLst/>
+          </a:prstGeom>
+          <a:noFill/>
+        </p:spPr>
+        <p:txBody>
+          <a:bodyPr wrap="square" lIns="0" tIns="0" rIns="0" bIns="0" rtlCol="0">
+            <a:noAutofit/>
+          </a:bodyPr>
+          <a:lstStyle/>
+          <a:p>
+            <a:pPr marR="0" algn="l" defTabSz="914400" eaLnBrk="1" fontAlgn="auto" latinLnBrk="0" hangingPunct="1">
+              <a:spcBef>
+                <a:spcPts val="500"/>
+              </a:spcBef>
+              <a:spcAft>
+                <a:spcPts val="0"/>
+              </a:spcAft>
+              <a:buClrTx/>
+              <a:buSzTx/>
+              <a:buFontTx/>
+              <a:buNone/>
+              <a:tabLst/>
+            </a:pPr>
+            <a:r>
+              <a:rPr kumimoji="0" lang="en-US" sz="15000" b="0" i="0" u="none" strike="noStrike" kern="0" cap="none" spc="0" normalizeH="0" baseline="0" noProof="0" dirty="0">
+                <a:ln>
+                  <a:noFill/>
+                </a:ln>
+                <a:solidFill>
+                  <a:schemeClr val="bg2"/>
+                </a:solidFill>
+                <a:effectLst/>
+                <a:uLnTx/>
+                <a:uFillTx/>
+              </a:rPr>
+              <a:t>consistent</a:t>
+            </a:r>
+          </a:p>
+        </p:txBody>
+      </p:sp>
     </p:spTree>
     <p:extLst>
       <p:ext uri="{BB962C8B-B14F-4D97-AF65-F5344CB8AC3E}">
@@ -17188,6 +17350,64 @@
               <a:t>39</a:t>
             </a:fld>
             <a:endParaRPr lang="en-US" noProof="1"/>
+          </a:p>
+        </p:txBody>
+      </p:sp>
+      <p:sp>
+        <p:nvSpPr>
+          <p:cNvPr id="6" name="TextBox 5">
+            <a:extLst>
+              <a:ext uri="{FF2B5EF4-FFF2-40B4-BE49-F238E27FC236}">
+                <a16:creationId xmlns:a16="http://schemas.microsoft.com/office/drawing/2014/main" id="{1E64EAF9-B8B3-C640-940D-E7F591F917C5}"/>
+              </a:ext>
+            </a:extLst>
+          </p:cNvPr>
+          <p:cNvSpPr txBox="1"/>
+          <p:nvPr/>
+        </p:nvSpPr>
+        <p:spPr>
+          <a:xfrm>
+            <a:off x="349345" y="1616406"/>
+            <a:ext cx="9866710" cy="3258207"/>
+          </a:xfrm>
+          <a:prstGeom prst="rect">
+            <a:avLst/>
+          </a:prstGeom>
+          <a:noFill/>
+        </p:spPr>
+        <p:txBody>
+          <a:bodyPr wrap="square" lIns="0" tIns="0" rIns="0" bIns="0" rtlCol="0">
+            <a:noAutofit/>
+          </a:bodyPr>
+          <a:lstStyle/>
+          <a:p>
+            <a:pPr marR="0" algn="l" defTabSz="914400" eaLnBrk="1" fontAlgn="auto" latinLnBrk="0" hangingPunct="1">
+              <a:spcBef>
+                <a:spcPts val="500"/>
+              </a:spcBef>
+              <a:spcAft>
+                <a:spcPts val="0"/>
+              </a:spcAft>
+              <a:buClrTx/>
+              <a:buSzTx/>
+              <a:buFontTx/>
+              <a:buNone/>
+              <a:tabLst/>
+            </a:pPr>
+            <a:r>
+              <a:rPr kumimoji="0" lang="en-US" sz="15000" b="0" i="0" u="none" strike="noStrike" kern="0" cap="none" spc="0" normalizeH="0" baseline="0" noProof="0" dirty="0">
+                <a:ln>
+                  <a:noFill/>
+                </a:ln>
+                <a:solidFill>
+                  <a:schemeClr val="bg2"/>
+                </a:solidFill>
+                <a:effectLst/>
+                <a:uLnTx/>
+                <a:uFillTx/>
+              </a:rPr>
+              <a:t>further</a:t>
+            </a:r>
           </a:p>
         </p:txBody>
       </p:sp>
@@ -17752,6 +17972,64 @@
           </a:p>
         </p:txBody>
       </p:sp>
+      <p:sp>
+        <p:nvSpPr>
+          <p:cNvPr id="6" name="TextBox 5">
+            <a:extLst>
+              <a:ext uri="{FF2B5EF4-FFF2-40B4-BE49-F238E27FC236}">
+                <a16:creationId xmlns:a16="http://schemas.microsoft.com/office/drawing/2014/main" id="{523727AB-F098-0ED7-5F4A-8578FA6DB7D1}"/>
+              </a:ext>
+            </a:extLst>
+          </p:cNvPr>
+          <p:cNvSpPr txBox="1"/>
+          <p:nvPr/>
+        </p:nvSpPr>
+        <p:spPr>
+          <a:xfrm>
+            <a:off x="349345" y="1616406"/>
+            <a:ext cx="9866710" cy="3258207"/>
+          </a:xfrm>
+          <a:prstGeom prst="rect">
+            <a:avLst/>
+          </a:prstGeom>
+          <a:noFill/>
+        </p:spPr>
+        <p:txBody>
+          <a:bodyPr wrap="square" lIns="0" tIns="0" rIns="0" bIns="0" rtlCol="0">
+            <a:noAutofit/>
+          </a:bodyPr>
+          <a:lstStyle/>
+          <a:p>
+            <a:pPr marR="0" algn="l" defTabSz="914400" eaLnBrk="1" fontAlgn="auto" latinLnBrk="0" hangingPunct="1">
+              <a:spcBef>
+                <a:spcPts val="500"/>
+              </a:spcBef>
+              <a:spcAft>
+                <a:spcPts val="0"/>
+              </a:spcAft>
+              <a:buClrTx/>
+              <a:buSzTx/>
+              <a:buFontTx/>
+              <a:buNone/>
+              <a:tabLst/>
+            </a:pPr>
+            <a:r>
+              <a:rPr kumimoji="0" lang="en-US" sz="15000" b="0" i="0" u="none" strike="noStrike" kern="0" cap="none" spc="0" normalizeH="0" baseline="0" noProof="0" dirty="0">
+                <a:ln>
+                  <a:noFill/>
+                </a:ln>
+                <a:solidFill>
+                  <a:schemeClr val="bg2"/>
+                </a:solidFill>
+                <a:effectLst/>
+                <a:uLnTx/>
+                <a:uFillTx/>
+              </a:rPr>
+              <a:t>prevent</a:t>
+            </a:r>
+          </a:p>
+        </p:txBody>
+      </p:sp>
     </p:spTree>
     <p:extLst>
       <p:ext uri="{BB962C8B-B14F-4D97-AF65-F5344CB8AC3E}">
@@ -18330,7 +18608,7 @@
         </p:blipFill>
         <p:spPr>
           <a:xfrm>
-            <a:off x="3879056" y="2701925"/>
+            <a:off x="7189806" y="852108"/>
             <a:ext cx="3209925" cy="1428750"/>
           </a:xfrm>
         </p:spPr>
@@ -18405,10 +18683,1186 @@
           </a:p>
         </p:txBody>
       </p:sp>
+      <p:sp>
+        <p:nvSpPr>
+          <p:cNvPr id="4" name="TextBox 3">
+            <a:extLst>
+              <a:ext uri="{FF2B5EF4-FFF2-40B4-BE49-F238E27FC236}">
+                <a16:creationId xmlns:a16="http://schemas.microsoft.com/office/drawing/2014/main" id="{44A84EF0-0CE4-0111-D8E3-8F3993E68EAD}"/>
+              </a:ext>
+            </a:extLst>
+          </p:cNvPr>
+          <p:cNvSpPr txBox="1"/>
+          <p:nvPr/>
+        </p:nvSpPr>
+        <p:spPr>
+          <a:xfrm>
+            <a:off x="349345" y="1998372"/>
+            <a:ext cx="10833662" cy="3258207"/>
+          </a:xfrm>
+          <a:prstGeom prst="rect">
+            <a:avLst/>
+          </a:prstGeom>
+          <a:noFill/>
+        </p:spPr>
+        <p:txBody>
+          <a:bodyPr wrap="square" lIns="0" tIns="0" rIns="0" bIns="0" rtlCol="0">
+            <a:noAutofit/>
+          </a:bodyPr>
+          <a:lstStyle/>
+          <a:p>
+            <a:pPr marR="0" algn="l" defTabSz="914400" eaLnBrk="1" fontAlgn="auto" latinLnBrk="0" hangingPunct="1">
+              <a:spcBef>
+                <a:spcPts val="500"/>
+              </a:spcBef>
+              <a:spcAft>
+                <a:spcPts val="0"/>
+              </a:spcAft>
+              <a:buClrTx/>
+              <a:buSzTx/>
+              <a:buFontTx/>
+              <a:buNone/>
+              <a:tabLst/>
+            </a:pPr>
+            <a:r>
+              <a:rPr lang="en-US" sz="15000" kern="0" dirty="0">
+                <a:solidFill>
+                  <a:schemeClr val="bg2"/>
+                </a:solidFill>
+              </a:rPr>
+              <a:t>forbidden</a:t>
+            </a:r>
+            <a:endParaRPr kumimoji="0" lang="en-US" sz="15000" b="0" i="0" u="none" strike="noStrike" kern="0" cap="none" spc="0" normalizeH="0" baseline="0" noProof="0" dirty="0">
+              <a:ln>
+                <a:noFill/>
+              </a:ln>
+              <a:solidFill>
+                <a:schemeClr val="bg2"/>
+              </a:solidFill>
+              <a:effectLst/>
+              <a:uLnTx/>
+              <a:uFillTx/>
+            </a:endParaRPr>
+          </a:p>
+        </p:txBody>
+      </p:sp>
     </p:spTree>
     <p:extLst>
       <p:ext uri="{BB962C8B-B14F-4D97-AF65-F5344CB8AC3E}">
         <p14:creationId xmlns:p14="http://schemas.microsoft.com/office/powerpoint/2010/main" val="2496420042"/>
+      </p:ext>
+    </p:extLst>
+  </p:cSld>
+  <p:clrMapOvr>
+    <a:masterClrMapping/>
+  </p:clrMapOvr>
+</p:sld>
+</file>
+
+<file path=ppt/slides/slide44.xml><?xml version="1.0" encoding="utf-8"?>
+<p:sld xmlns:a="http://schemas.openxmlformats.org/drawingml/2006/main" xmlns:r="http://schemas.openxmlformats.org/officeDocument/2006/relationships" xmlns:p="http://schemas.openxmlformats.org/presentationml/2006/main">
+  <p:cSld>
+    <p:spTree>
+      <p:nvGrpSpPr>
+        <p:cNvPr id="1" name=""/>
+        <p:cNvGrpSpPr/>
+        <p:nvPr/>
+      </p:nvGrpSpPr>
+      <p:grpSpPr>
+        <a:xfrm>
+          <a:off x="0" y="0"/>
+          <a:ext cx="0" cy="0"/>
+          <a:chOff x="0" y="0"/>
+          <a:chExt cx="0" cy="0"/>
+        </a:xfrm>
+      </p:grpSpPr>
+      <p:sp>
+        <p:nvSpPr>
+          <p:cNvPr id="2" name="Title 1">
+            <a:extLst>
+              <a:ext uri="{FF2B5EF4-FFF2-40B4-BE49-F238E27FC236}">
+                <a16:creationId xmlns:a16="http://schemas.microsoft.com/office/drawing/2014/main" id="{71FC6EC4-7A1C-E962-9A70-66909C7C9D80}"/>
+              </a:ext>
+            </a:extLst>
+          </p:cNvPr>
+          <p:cNvSpPr>
+            <a:spLocks noGrp="1"/>
+          </p:cNvSpPr>
+          <p:nvPr>
+            <p:ph type="title"/>
+          </p:nvPr>
+        </p:nvSpPr>
+        <p:spPr/>
+        <p:txBody>
+          <a:bodyPr/>
+          <a:lstStyle/>
+          <a:p>
+            <a:r>
+              <a:rPr lang="en-US" dirty="0"/>
+              <a:t>forbidden</a:t>
+            </a:r>
+          </a:p>
+        </p:txBody>
+      </p:sp>
+      <p:sp>
+        <p:nvSpPr>
+          <p:cNvPr id="3" name="Text Placeholder 2">
+            <a:extLst>
+              <a:ext uri="{FF2B5EF4-FFF2-40B4-BE49-F238E27FC236}">
+                <a16:creationId xmlns:a16="http://schemas.microsoft.com/office/drawing/2014/main" id="{25FF3016-8E82-4C31-F406-69EFBBA4EA18}"/>
+              </a:ext>
+            </a:extLst>
+          </p:cNvPr>
+          <p:cNvSpPr>
+            <a:spLocks noGrp="1"/>
+          </p:cNvSpPr>
+          <p:nvPr>
+            <p:ph type="body" sz="quarter" idx="15"/>
+          </p:nvPr>
+        </p:nvSpPr>
+        <p:spPr/>
+        <p:txBody>
+          <a:bodyPr/>
+          <a:lstStyle/>
+          <a:p>
+            <a:endParaRPr lang="en-US"/>
+          </a:p>
+        </p:txBody>
+      </p:sp>
+      <p:sp>
+        <p:nvSpPr>
+          <p:cNvPr id="5" name="Slide Number Placeholder 4">
+            <a:extLst>
+              <a:ext uri="{FF2B5EF4-FFF2-40B4-BE49-F238E27FC236}">
+                <a16:creationId xmlns:a16="http://schemas.microsoft.com/office/drawing/2014/main" id="{BD9CE65A-BBD4-DACF-F38F-2563FB57AB37}"/>
+              </a:ext>
+            </a:extLst>
+          </p:cNvPr>
+          <p:cNvSpPr>
+            <a:spLocks noGrp="1"/>
+          </p:cNvSpPr>
+          <p:nvPr>
+            <p:ph type="sldNum" sz="quarter" idx="12"/>
+          </p:nvPr>
+        </p:nvSpPr>
+        <p:spPr/>
+        <p:txBody>
+          <a:bodyPr/>
+          <a:lstStyle/>
+          <a:p>
+            <a:fld id="{4898AEC0-503E-4FA4-859C-D0F72D6E3F79}" type="slidenum">
+              <a:rPr lang="en-US" noProof="1" smtClean="0"/>
+              <a:pPr/>
+              <a:t>44</a:t>
+            </a:fld>
+            <a:endParaRPr lang="en-US" noProof="1"/>
+          </a:p>
+        </p:txBody>
+      </p:sp>
+      <p:sp>
+        <p:nvSpPr>
+          <p:cNvPr id="8" name="Rectangle 7">
+            <a:extLst>
+              <a:ext uri="{FF2B5EF4-FFF2-40B4-BE49-F238E27FC236}">
+                <a16:creationId xmlns:a16="http://schemas.microsoft.com/office/drawing/2014/main" id="{2B33FFF4-32C7-D62D-CB6B-35E035C4E3F4}"/>
+              </a:ext>
+            </a:extLst>
+          </p:cNvPr>
+          <p:cNvSpPr/>
+          <p:nvPr/>
+        </p:nvSpPr>
+        <p:spPr>
+          <a:xfrm>
+            <a:off x="8583103" y="2901393"/>
+            <a:ext cx="1996966" cy="1030013"/>
+          </a:xfrm>
+          <a:prstGeom prst="rect">
+            <a:avLst/>
+          </a:prstGeom>
+          <a:noFill/>
+          <a:ln w="9525" cap="flat" cmpd="sng" algn="ctr">
+            <a:solidFill>
+              <a:srgbClr val="3F136C"/>
+            </a:solidFill>
+            <a:prstDash val="solid"/>
+          </a:ln>
+          <a:effectLst/>
+        </p:spPr>
+        <p:txBody>
+          <a:bodyPr rtlCol="0" anchor="ctr"/>
+          <a:lstStyle/>
+          <a:p>
+            <a:r>
+              <a:rPr lang="en-US" dirty="0"/>
+              <a:t>full swing</a:t>
+            </a:r>
+          </a:p>
+        </p:txBody>
+      </p:sp>
+      <p:sp>
+        <p:nvSpPr>
+          <p:cNvPr id="4" name="TextBox 3">
+            <a:extLst>
+              <a:ext uri="{FF2B5EF4-FFF2-40B4-BE49-F238E27FC236}">
+                <a16:creationId xmlns:a16="http://schemas.microsoft.com/office/drawing/2014/main" id="{44A84EF0-0CE4-0111-D8E3-8F3993E68EAD}"/>
+              </a:ext>
+            </a:extLst>
+          </p:cNvPr>
+          <p:cNvSpPr txBox="1"/>
+          <p:nvPr/>
+        </p:nvSpPr>
+        <p:spPr>
+          <a:xfrm>
+            <a:off x="349345" y="1998372"/>
+            <a:ext cx="10833662" cy="3258207"/>
+          </a:xfrm>
+          <a:prstGeom prst="rect">
+            <a:avLst/>
+          </a:prstGeom>
+          <a:noFill/>
+        </p:spPr>
+        <p:txBody>
+          <a:bodyPr wrap="square" lIns="0" tIns="0" rIns="0" bIns="0" rtlCol="0">
+            <a:noAutofit/>
+          </a:bodyPr>
+          <a:lstStyle/>
+          <a:p>
+            <a:pPr marR="0" algn="l" defTabSz="914400" eaLnBrk="1" fontAlgn="auto" latinLnBrk="0" hangingPunct="1">
+              <a:spcBef>
+                <a:spcPts val="500"/>
+              </a:spcBef>
+              <a:spcAft>
+                <a:spcPts val="0"/>
+              </a:spcAft>
+              <a:buClrTx/>
+              <a:buSzTx/>
+              <a:buFontTx/>
+              <a:buNone/>
+              <a:tabLst/>
+            </a:pPr>
+            <a:r>
+              <a:rPr lang="en-US" sz="15000" kern="0" dirty="0">
+                <a:solidFill>
+                  <a:schemeClr val="bg2"/>
+                </a:solidFill>
+              </a:rPr>
+              <a:t>swing</a:t>
+            </a:r>
+            <a:endParaRPr kumimoji="0" lang="en-US" sz="15000" b="0" i="0" u="none" strike="noStrike" kern="0" cap="none" spc="0" normalizeH="0" baseline="0" noProof="0" dirty="0">
+              <a:ln>
+                <a:noFill/>
+              </a:ln>
+              <a:solidFill>
+                <a:schemeClr val="bg2"/>
+              </a:solidFill>
+              <a:effectLst/>
+              <a:uLnTx/>
+              <a:uFillTx/>
+            </a:endParaRPr>
+          </a:p>
+        </p:txBody>
+      </p:sp>
+      <p:pic>
+        <p:nvPicPr>
+          <p:cNvPr id="11" name="Content Placeholder 10">
+            <a:extLst>
+              <a:ext uri="{FF2B5EF4-FFF2-40B4-BE49-F238E27FC236}">
+                <a16:creationId xmlns:a16="http://schemas.microsoft.com/office/drawing/2014/main" id="{199FBC39-F1AA-F329-8CB0-8E2F0A0E4FA7}"/>
+              </a:ext>
+            </a:extLst>
+          </p:cNvPr>
+          <p:cNvPicPr>
+            <a:picLocks noGrp="1" noChangeAspect="1"/>
+          </p:cNvPicPr>
+          <p:nvPr>
+            <p:ph sz="quarter" idx="1"/>
+          </p:nvPr>
+        </p:nvPicPr>
+        <p:blipFill>
+          <a:blip r:embed="rId2">
+            <a:extLst>
+              <a:ext uri="{28A0092B-C50C-407E-A947-70E740481C1C}">
+                <a14:useLocalDpi xmlns:a14="http://schemas.microsoft.com/office/drawing/2010/main" val="0"/>
+              </a:ext>
+            </a:extLst>
+          </a:blip>
+          <a:stretch>
+            <a:fillRect/>
+          </a:stretch>
+        </p:blipFill>
+        <p:spPr>
+          <a:xfrm>
+            <a:off x="7416290" y="842400"/>
+            <a:ext cx="2333625" cy="1962150"/>
+          </a:xfrm>
+        </p:spPr>
+      </p:pic>
+      <p:pic>
+        <p:nvPicPr>
+          <p:cNvPr id="13" name="Picture 12">
+            <a:extLst>
+              <a:ext uri="{FF2B5EF4-FFF2-40B4-BE49-F238E27FC236}">
+                <a16:creationId xmlns:a16="http://schemas.microsoft.com/office/drawing/2014/main" id="{324C7817-0D7B-B554-B211-99DA2AF7E1E6}"/>
+              </a:ext>
+            </a:extLst>
+          </p:cNvPr>
+          <p:cNvPicPr>
+            <a:picLocks noChangeAspect="1"/>
+          </p:cNvPicPr>
+          <p:nvPr/>
+        </p:nvPicPr>
+        <p:blipFill>
+          <a:blip r:embed="rId3">
+            <a:extLst>
+              <a:ext uri="{28A0092B-C50C-407E-A947-70E740481C1C}">
+                <a14:useLocalDpi xmlns:a14="http://schemas.microsoft.com/office/drawing/2010/main" val="0"/>
+              </a:ext>
+            </a:extLst>
+          </a:blip>
+          <a:stretch>
+            <a:fillRect/>
+          </a:stretch>
+        </p:blipFill>
+        <p:spPr>
+          <a:xfrm>
+            <a:off x="5766176" y="3766122"/>
+            <a:ext cx="2619375" cy="1743075"/>
+          </a:xfrm>
+          <a:prstGeom prst="rect">
+            <a:avLst/>
+          </a:prstGeom>
+        </p:spPr>
+      </p:pic>
+    </p:spTree>
+    <p:extLst>
+      <p:ext uri="{BB962C8B-B14F-4D97-AF65-F5344CB8AC3E}">
+        <p14:creationId xmlns:p14="http://schemas.microsoft.com/office/powerpoint/2010/main" val="3273583165"/>
+      </p:ext>
+    </p:extLst>
+  </p:cSld>
+  <p:clrMapOvr>
+    <a:masterClrMapping/>
+  </p:clrMapOvr>
+</p:sld>
+</file>
+
+<file path=ppt/slides/slide45.xml><?xml version="1.0" encoding="utf-8"?>
+<p:sld xmlns:a="http://schemas.openxmlformats.org/drawingml/2006/main" xmlns:r="http://schemas.openxmlformats.org/officeDocument/2006/relationships" xmlns:p="http://schemas.openxmlformats.org/presentationml/2006/main">
+  <p:cSld>
+    <p:spTree>
+      <p:nvGrpSpPr>
+        <p:cNvPr id="1" name=""/>
+        <p:cNvGrpSpPr/>
+        <p:nvPr/>
+      </p:nvGrpSpPr>
+      <p:grpSpPr>
+        <a:xfrm>
+          <a:off x="0" y="0"/>
+          <a:ext cx="0" cy="0"/>
+          <a:chOff x="0" y="0"/>
+          <a:chExt cx="0" cy="0"/>
+        </a:xfrm>
+      </p:grpSpPr>
+      <p:sp>
+        <p:nvSpPr>
+          <p:cNvPr id="2" name="Title 1">
+            <a:extLst>
+              <a:ext uri="{FF2B5EF4-FFF2-40B4-BE49-F238E27FC236}">
+                <a16:creationId xmlns:a16="http://schemas.microsoft.com/office/drawing/2014/main" id="{71FC6EC4-7A1C-E962-9A70-66909C7C9D80}"/>
+              </a:ext>
+            </a:extLst>
+          </p:cNvPr>
+          <p:cNvSpPr>
+            <a:spLocks noGrp="1"/>
+          </p:cNvSpPr>
+          <p:nvPr>
+            <p:ph type="title"/>
+          </p:nvPr>
+        </p:nvSpPr>
+        <p:spPr/>
+        <p:txBody>
+          <a:bodyPr/>
+          <a:lstStyle/>
+          <a:p>
+            <a:r>
+              <a:rPr lang="en-US" dirty="0"/>
+              <a:t>forbidden</a:t>
+            </a:r>
+          </a:p>
+        </p:txBody>
+      </p:sp>
+      <p:sp>
+        <p:nvSpPr>
+          <p:cNvPr id="3" name="Text Placeholder 2">
+            <a:extLst>
+              <a:ext uri="{FF2B5EF4-FFF2-40B4-BE49-F238E27FC236}">
+                <a16:creationId xmlns:a16="http://schemas.microsoft.com/office/drawing/2014/main" id="{25FF3016-8E82-4C31-F406-69EFBBA4EA18}"/>
+              </a:ext>
+            </a:extLst>
+          </p:cNvPr>
+          <p:cNvSpPr>
+            <a:spLocks noGrp="1"/>
+          </p:cNvSpPr>
+          <p:nvPr>
+            <p:ph type="body" sz="quarter" idx="15"/>
+          </p:nvPr>
+        </p:nvSpPr>
+        <p:spPr/>
+        <p:txBody>
+          <a:bodyPr/>
+          <a:lstStyle/>
+          <a:p>
+            <a:endParaRPr lang="en-US"/>
+          </a:p>
+        </p:txBody>
+      </p:sp>
+      <p:sp>
+        <p:nvSpPr>
+          <p:cNvPr id="5" name="Slide Number Placeholder 4">
+            <a:extLst>
+              <a:ext uri="{FF2B5EF4-FFF2-40B4-BE49-F238E27FC236}">
+                <a16:creationId xmlns:a16="http://schemas.microsoft.com/office/drawing/2014/main" id="{BD9CE65A-BBD4-DACF-F38F-2563FB57AB37}"/>
+              </a:ext>
+            </a:extLst>
+          </p:cNvPr>
+          <p:cNvSpPr>
+            <a:spLocks noGrp="1"/>
+          </p:cNvSpPr>
+          <p:nvPr>
+            <p:ph type="sldNum" sz="quarter" idx="12"/>
+          </p:nvPr>
+        </p:nvSpPr>
+        <p:spPr/>
+        <p:txBody>
+          <a:bodyPr/>
+          <a:lstStyle/>
+          <a:p>
+            <a:fld id="{4898AEC0-503E-4FA4-859C-D0F72D6E3F79}" type="slidenum">
+              <a:rPr lang="en-US" noProof="1" smtClean="0"/>
+              <a:pPr/>
+              <a:t>45</a:t>
+            </a:fld>
+            <a:endParaRPr lang="en-US" noProof="1"/>
+          </a:p>
+        </p:txBody>
+      </p:sp>
+      <p:sp>
+        <p:nvSpPr>
+          <p:cNvPr id="4" name="TextBox 3">
+            <a:extLst>
+              <a:ext uri="{FF2B5EF4-FFF2-40B4-BE49-F238E27FC236}">
+                <a16:creationId xmlns:a16="http://schemas.microsoft.com/office/drawing/2014/main" id="{44A84EF0-0CE4-0111-D8E3-8F3993E68EAD}"/>
+              </a:ext>
+            </a:extLst>
+          </p:cNvPr>
+          <p:cNvSpPr txBox="1"/>
+          <p:nvPr/>
+        </p:nvSpPr>
+        <p:spPr>
+          <a:xfrm>
+            <a:off x="349345" y="1998372"/>
+            <a:ext cx="10833662" cy="3258207"/>
+          </a:xfrm>
+          <a:prstGeom prst="rect">
+            <a:avLst/>
+          </a:prstGeom>
+          <a:noFill/>
+        </p:spPr>
+        <p:txBody>
+          <a:bodyPr wrap="square" lIns="0" tIns="0" rIns="0" bIns="0" rtlCol="0">
+            <a:noAutofit/>
+          </a:bodyPr>
+          <a:lstStyle/>
+          <a:p>
+            <a:pPr marR="0" algn="l" defTabSz="914400" eaLnBrk="1" fontAlgn="auto" latinLnBrk="0" hangingPunct="1">
+              <a:spcBef>
+                <a:spcPts val="500"/>
+              </a:spcBef>
+              <a:spcAft>
+                <a:spcPts val="0"/>
+              </a:spcAft>
+              <a:buClrTx/>
+              <a:buSzTx/>
+              <a:buFontTx/>
+              <a:buNone/>
+              <a:tabLst/>
+            </a:pPr>
+            <a:r>
+              <a:rPr lang="en-US" sz="15000" kern="0" dirty="0">
+                <a:solidFill>
+                  <a:schemeClr val="bg2"/>
+                </a:solidFill>
+              </a:rPr>
+              <a:t>steep</a:t>
+            </a:r>
+            <a:endParaRPr kumimoji="0" lang="en-US" sz="15000" b="0" i="0" u="none" strike="noStrike" kern="0" cap="none" spc="0" normalizeH="0" baseline="0" noProof="0" dirty="0">
+              <a:ln>
+                <a:noFill/>
+              </a:ln>
+              <a:solidFill>
+                <a:schemeClr val="bg2"/>
+              </a:solidFill>
+              <a:effectLst/>
+              <a:uLnTx/>
+              <a:uFillTx/>
+            </a:endParaRPr>
+          </a:p>
+        </p:txBody>
+      </p:sp>
+      <p:pic>
+        <p:nvPicPr>
+          <p:cNvPr id="9" name="Content Placeholder 8">
+            <a:extLst>
+              <a:ext uri="{FF2B5EF4-FFF2-40B4-BE49-F238E27FC236}">
+                <a16:creationId xmlns:a16="http://schemas.microsoft.com/office/drawing/2014/main" id="{9A915EB1-A540-6096-66B8-6DC064D6D5FA}"/>
+              </a:ext>
+            </a:extLst>
+          </p:cNvPr>
+          <p:cNvPicPr>
+            <a:picLocks noGrp="1" noChangeAspect="1"/>
+          </p:cNvPicPr>
+          <p:nvPr>
+            <p:ph sz="quarter" idx="1"/>
+          </p:nvPr>
+        </p:nvPicPr>
+        <p:blipFill>
+          <a:blip r:embed="rId2"/>
+          <a:stretch>
+            <a:fillRect/>
+          </a:stretch>
+        </p:blipFill>
+        <p:spPr>
+          <a:xfrm>
+            <a:off x="5391806" y="2591522"/>
+            <a:ext cx="2665057" cy="2665057"/>
+          </a:xfrm>
+          <a:prstGeom prst="rect">
+            <a:avLst/>
+          </a:prstGeom>
+        </p:spPr>
+      </p:pic>
+    </p:spTree>
+    <p:extLst>
+      <p:ext uri="{BB962C8B-B14F-4D97-AF65-F5344CB8AC3E}">
+        <p14:creationId xmlns:p14="http://schemas.microsoft.com/office/powerpoint/2010/main" val="2472760107"/>
+      </p:ext>
+    </p:extLst>
+  </p:cSld>
+  <p:clrMapOvr>
+    <a:masterClrMapping/>
+  </p:clrMapOvr>
+</p:sld>
+</file>
+
+<file path=ppt/slides/slide46.xml><?xml version="1.0" encoding="utf-8"?>
+<p:sld xmlns:a="http://schemas.openxmlformats.org/drawingml/2006/main" xmlns:r="http://schemas.openxmlformats.org/officeDocument/2006/relationships" xmlns:p="http://schemas.openxmlformats.org/presentationml/2006/main">
+  <p:cSld>
+    <p:spTree>
+      <p:nvGrpSpPr>
+        <p:cNvPr id="1" name=""/>
+        <p:cNvGrpSpPr/>
+        <p:nvPr/>
+      </p:nvGrpSpPr>
+      <p:grpSpPr>
+        <a:xfrm>
+          <a:off x="0" y="0"/>
+          <a:ext cx="0" cy="0"/>
+          <a:chOff x="0" y="0"/>
+          <a:chExt cx="0" cy="0"/>
+        </a:xfrm>
+      </p:grpSpPr>
+      <p:sp>
+        <p:nvSpPr>
+          <p:cNvPr id="2" name="Title 1">
+            <a:extLst>
+              <a:ext uri="{FF2B5EF4-FFF2-40B4-BE49-F238E27FC236}">
+                <a16:creationId xmlns:a16="http://schemas.microsoft.com/office/drawing/2014/main" id="{71FC6EC4-7A1C-E962-9A70-66909C7C9D80}"/>
+              </a:ext>
+            </a:extLst>
+          </p:cNvPr>
+          <p:cNvSpPr>
+            <a:spLocks noGrp="1"/>
+          </p:cNvSpPr>
+          <p:nvPr>
+            <p:ph type="title"/>
+          </p:nvPr>
+        </p:nvSpPr>
+        <p:spPr/>
+        <p:txBody>
+          <a:bodyPr/>
+          <a:lstStyle/>
+          <a:p>
+            <a:r>
+              <a:rPr lang="en-US" dirty="0"/>
+              <a:t>forbidden</a:t>
+            </a:r>
+          </a:p>
+        </p:txBody>
+      </p:sp>
+      <p:sp>
+        <p:nvSpPr>
+          <p:cNvPr id="3" name="Text Placeholder 2">
+            <a:extLst>
+              <a:ext uri="{FF2B5EF4-FFF2-40B4-BE49-F238E27FC236}">
+                <a16:creationId xmlns:a16="http://schemas.microsoft.com/office/drawing/2014/main" id="{25FF3016-8E82-4C31-F406-69EFBBA4EA18}"/>
+              </a:ext>
+            </a:extLst>
+          </p:cNvPr>
+          <p:cNvSpPr>
+            <a:spLocks noGrp="1"/>
+          </p:cNvSpPr>
+          <p:nvPr>
+            <p:ph type="body" sz="quarter" idx="15"/>
+          </p:nvPr>
+        </p:nvSpPr>
+        <p:spPr/>
+        <p:txBody>
+          <a:bodyPr/>
+          <a:lstStyle/>
+          <a:p>
+            <a:endParaRPr lang="en-US"/>
+          </a:p>
+        </p:txBody>
+      </p:sp>
+      <p:sp>
+        <p:nvSpPr>
+          <p:cNvPr id="5" name="Slide Number Placeholder 4">
+            <a:extLst>
+              <a:ext uri="{FF2B5EF4-FFF2-40B4-BE49-F238E27FC236}">
+                <a16:creationId xmlns:a16="http://schemas.microsoft.com/office/drawing/2014/main" id="{BD9CE65A-BBD4-DACF-F38F-2563FB57AB37}"/>
+              </a:ext>
+            </a:extLst>
+          </p:cNvPr>
+          <p:cNvSpPr>
+            <a:spLocks noGrp="1"/>
+          </p:cNvSpPr>
+          <p:nvPr>
+            <p:ph type="sldNum" sz="quarter" idx="12"/>
+          </p:nvPr>
+        </p:nvSpPr>
+        <p:spPr/>
+        <p:txBody>
+          <a:bodyPr/>
+          <a:lstStyle/>
+          <a:p>
+            <a:fld id="{4898AEC0-503E-4FA4-859C-D0F72D6E3F79}" type="slidenum">
+              <a:rPr lang="en-US" noProof="1" smtClean="0"/>
+              <a:pPr/>
+              <a:t>46</a:t>
+            </a:fld>
+            <a:endParaRPr lang="en-US" noProof="1"/>
+          </a:p>
+        </p:txBody>
+      </p:sp>
+      <p:sp>
+        <p:nvSpPr>
+          <p:cNvPr id="4" name="TextBox 3">
+            <a:extLst>
+              <a:ext uri="{FF2B5EF4-FFF2-40B4-BE49-F238E27FC236}">
+                <a16:creationId xmlns:a16="http://schemas.microsoft.com/office/drawing/2014/main" id="{44A84EF0-0CE4-0111-D8E3-8F3993E68EAD}"/>
+              </a:ext>
+            </a:extLst>
+          </p:cNvPr>
+          <p:cNvSpPr txBox="1"/>
+          <p:nvPr/>
+        </p:nvSpPr>
+        <p:spPr>
+          <a:xfrm>
+            <a:off x="349345" y="1998372"/>
+            <a:ext cx="10833662" cy="3258207"/>
+          </a:xfrm>
+          <a:prstGeom prst="rect">
+            <a:avLst/>
+          </a:prstGeom>
+          <a:noFill/>
+        </p:spPr>
+        <p:txBody>
+          <a:bodyPr wrap="square" lIns="0" tIns="0" rIns="0" bIns="0" rtlCol="0">
+            <a:noAutofit/>
+          </a:bodyPr>
+          <a:lstStyle/>
+          <a:p>
+            <a:pPr marR="0" algn="l" defTabSz="914400" eaLnBrk="1" fontAlgn="auto" latinLnBrk="0" hangingPunct="1">
+              <a:spcBef>
+                <a:spcPts val="500"/>
+              </a:spcBef>
+              <a:spcAft>
+                <a:spcPts val="0"/>
+              </a:spcAft>
+              <a:buClrTx/>
+              <a:buSzTx/>
+              <a:buFontTx/>
+              <a:buNone/>
+              <a:tabLst/>
+            </a:pPr>
+            <a:r>
+              <a:rPr kumimoji="0" lang="en-US" sz="15000" b="0" i="0" u="none" strike="noStrike" kern="0" cap="none" spc="0" normalizeH="0" baseline="0" noProof="0" dirty="0">
+                <a:ln>
+                  <a:noFill/>
+                </a:ln>
+                <a:solidFill>
+                  <a:schemeClr val="bg2"/>
+                </a:solidFill>
+                <a:effectLst/>
+                <a:uLnTx/>
+                <a:uFillTx/>
+              </a:rPr>
+              <a:t>spray</a:t>
+            </a:r>
+          </a:p>
+        </p:txBody>
+      </p:sp>
+      <p:pic>
+        <p:nvPicPr>
+          <p:cNvPr id="11" name="Content Placeholder 10">
+            <a:extLst>
+              <a:ext uri="{FF2B5EF4-FFF2-40B4-BE49-F238E27FC236}">
+                <a16:creationId xmlns:a16="http://schemas.microsoft.com/office/drawing/2014/main" id="{DDD38B47-B555-F628-8B6F-1150D67B66A1}"/>
+              </a:ext>
+            </a:extLst>
+          </p:cNvPr>
+          <p:cNvPicPr>
+            <a:picLocks noGrp="1" noChangeAspect="1"/>
+          </p:cNvPicPr>
+          <p:nvPr>
+            <p:ph sz="quarter" idx="1"/>
+          </p:nvPr>
+        </p:nvPicPr>
+        <p:blipFill>
+          <a:blip r:embed="rId2">
+            <a:extLst>
+              <a:ext uri="{28A0092B-C50C-407E-A947-70E740481C1C}">
+                <a14:useLocalDpi xmlns:a14="http://schemas.microsoft.com/office/drawing/2010/main" val="0"/>
+              </a:ext>
+            </a:extLst>
+          </a:blip>
+          <a:stretch>
+            <a:fillRect/>
+          </a:stretch>
+        </p:blipFill>
+        <p:spPr>
+          <a:xfrm>
+            <a:off x="5671584" y="2350906"/>
+            <a:ext cx="3804370" cy="2531635"/>
+          </a:xfrm>
+        </p:spPr>
+      </p:pic>
+    </p:spTree>
+    <p:extLst>
+      <p:ext uri="{BB962C8B-B14F-4D97-AF65-F5344CB8AC3E}">
+        <p14:creationId xmlns:p14="http://schemas.microsoft.com/office/powerpoint/2010/main" val="4235322663"/>
+      </p:ext>
+    </p:extLst>
+  </p:cSld>
+  <p:clrMapOvr>
+    <a:masterClrMapping/>
+  </p:clrMapOvr>
+</p:sld>
+</file>
+
+<file path=ppt/slides/slide47.xml><?xml version="1.0" encoding="utf-8"?>
+<p:sld xmlns:a="http://schemas.openxmlformats.org/drawingml/2006/main" xmlns:r="http://schemas.openxmlformats.org/officeDocument/2006/relationships" xmlns:p="http://schemas.openxmlformats.org/presentationml/2006/main">
+  <p:cSld>
+    <p:spTree>
+      <p:nvGrpSpPr>
+        <p:cNvPr id="1" name=""/>
+        <p:cNvGrpSpPr/>
+        <p:nvPr/>
+      </p:nvGrpSpPr>
+      <p:grpSpPr>
+        <a:xfrm>
+          <a:off x="0" y="0"/>
+          <a:ext cx="0" cy="0"/>
+          <a:chOff x="0" y="0"/>
+          <a:chExt cx="0" cy="0"/>
+        </a:xfrm>
+      </p:grpSpPr>
+      <p:sp>
+        <p:nvSpPr>
+          <p:cNvPr id="2" name="Title 1">
+            <a:extLst>
+              <a:ext uri="{FF2B5EF4-FFF2-40B4-BE49-F238E27FC236}">
+                <a16:creationId xmlns:a16="http://schemas.microsoft.com/office/drawing/2014/main" id="{71FC6EC4-7A1C-E962-9A70-66909C7C9D80}"/>
+              </a:ext>
+            </a:extLst>
+          </p:cNvPr>
+          <p:cNvSpPr>
+            <a:spLocks noGrp="1"/>
+          </p:cNvSpPr>
+          <p:nvPr>
+            <p:ph type="title"/>
+          </p:nvPr>
+        </p:nvSpPr>
+        <p:spPr/>
+        <p:txBody>
+          <a:bodyPr/>
+          <a:lstStyle/>
+          <a:p>
+            <a:r>
+              <a:rPr lang="en-US" dirty="0"/>
+              <a:t>forbidden</a:t>
+            </a:r>
+          </a:p>
+        </p:txBody>
+      </p:sp>
+      <p:sp>
+        <p:nvSpPr>
+          <p:cNvPr id="3" name="Text Placeholder 2">
+            <a:extLst>
+              <a:ext uri="{FF2B5EF4-FFF2-40B4-BE49-F238E27FC236}">
+                <a16:creationId xmlns:a16="http://schemas.microsoft.com/office/drawing/2014/main" id="{25FF3016-8E82-4C31-F406-69EFBBA4EA18}"/>
+              </a:ext>
+            </a:extLst>
+          </p:cNvPr>
+          <p:cNvSpPr>
+            <a:spLocks noGrp="1"/>
+          </p:cNvSpPr>
+          <p:nvPr>
+            <p:ph type="body" sz="quarter" idx="15"/>
+          </p:nvPr>
+        </p:nvSpPr>
+        <p:spPr/>
+        <p:txBody>
+          <a:bodyPr/>
+          <a:lstStyle/>
+          <a:p>
+            <a:endParaRPr lang="en-US"/>
+          </a:p>
+        </p:txBody>
+      </p:sp>
+      <p:sp>
+        <p:nvSpPr>
+          <p:cNvPr id="5" name="Slide Number Placeholder 4">
+            <a:extLst>
+              <a:ext uri="{FF2B5EF4-FFF2-40B4-BE49-F238E27FC236}">
+                <a16:creationId xmlns:a16="http://schemas.microsoft.com/office/drawing/2014/main" id="{BD9CE65A-BBD4-DACF-F38F-2563FB57AB37}"/>
+              </a:ext>
+            </a:extLst>
+          </p:cNvPr>
+          <p:cNvSpPr>
+            <a:spLocks noGrp="1"/>
+          </p:cNvSpPr>
+          <p:nvPr>
+            <p:ph type="sldNum" sz="quarter" idx="12"/>
+          </p:nvPr>
+        </p:nvSpPr>
+        <p:spPr/>
+        <p:txBody>
+          <a:bodyPr/>
+          <a:lstStyle/>
+          <a:p>
+            <a:fld id="{4898AEC0-503E-4FA4-859C-D0F72D6E3F79}" type="slidenum">
+              <a:rPr lang="en-US" noProof="1" smtClean="0"/>
+              <a:pPr/>
+              <a:t>47</a:t>
+            </a:fld>
+            <a:endParaRPr lang="en-US" noProof="1"/>
+          </a:p>
+        </p:txBody>
+      </p:sp>
+      <p:sp>
+        <p:nvSpPr>
+          <p:cNvPr id="4" name="TextBox 3">
+            <a:extLst>
+              <a:ext uri="{FF2B5EF4-FFF2-40B4-BE49-F238E27FC236}">
+                <a16:creationId xmlns:a16="http://schemas.microsoft.com/office/drawing/2014/main" id="{44A84EF0-0CE4-0111-D8E3-8F3993E68EAD}"/>
+              </a:ext>
+            </a:extLst>
+          </p:cNvPr>
+          <p:cNvSpPr txBox="1"/>
+          <p:nvPr/>
+        </p:nvSpPr>
+        <p:spPr>
+          <a:xfrm>
+            <a:off x="349345" y="1998372"/>
+            <a:ext cx="10833662" cy="3258207"/>
+          </a:xfrm>
+          <a:prstGeom prst="rect">
+            <a:avLst/>
+          </a:prstGeom>
+          <a:noFill/>
+        </p:spPr>
+        <p:txBody>
+          <a:bodyPr wrap="square" lIns="0" tIns="0" rIns="0" bIns="0" rtlCol="0">
+            <a:noAutofit/>
+          </a:bodyPr>
+          <a:lstStyle/>
+          <a:p>
+            <a:pPr marR="0" algn="l" defTabSz="914400" eaLnBrk="1" fontAlgn="auto" latinLnBrk="0" hangingPunct="1">
+              <a:spcBef>
+                <a:spcPts val="500"/>
+              </a:spcBef>
+              <a:spcAft>
+                <a:spcPts val="0"/>
+              </a:spcAft>
+              <a:buClrTx/>
+              <a:buSzTx/>
+              <a:buFontTx/>
+              <a:buNone/>
+              <a:tabLst/>
+            </a:pPr>
+            <a:r>
+              <a:rPr kumimoji="0" lang="en-US" sz="15000" b="0" i="0" u="none" strike="noStrike" kern="0" cap="none" spc="0" normalizeH="0" baseline="0" noProof="0" dirty="0">
+                <a:ln>
+                  <a:noFill/>
+                </a:ln>
+                <a:solidFill>
+                  <a:schemeClr val="bg2"/>
+                </a:solidFill>
+                <a:effectLst/>
+                <a:uLnTx/>
+                <a:uFillTx/>
+              </a:rPr>
+              <a:t>sack</a:t>
+            </a:r>
+          </a:p>
+        </p:txBody>
+      </p:sp>
+      <p:pic>
+        <p:nvPicPr>
+          <p:cNvPr id="14" name="Content Placeholder 13">
+            <a:extLst>
+              <a:ext uri="{FF2B5EF4-FFF2-40B4-BE49-F238E27FC236}">
+                <a16:creationId xmlns:a16="http://schemas.microsoft.com/office/drawing/2014/main" id="{A367BA54-61A2-5721-3660-5B28B8C0FED4}"/>
+              </a:ext>
+            </a:extLst>
+          </p:cNvPr>
+          <p:cNvPicPr>
+            <a:picLocks noGrp="1" noChangeAspect="1"/>
+          </p:cNvPicPr>
+          <p:nvPr>
+            <p:ph sz="quarter" idx="1"/>
+          </p:nvPr>
+        </p:nvPicPr>
+        <p:blipFill>
+          <a:blip r:embed="rId2">
+            <a:extLst>
+              <a:ext uri="{28A0092B-C50C-407E-A947-70E740481C1C}">
+                <a14:useLocalDpi xmlns:a14="http://schemas.microsoft.com/office/drawing/2010/main" val="0"/>
+              </a:ext>
+            </a:extLst>
+          </a:blip>
+          <a:stretch>
+            <a:fillRect/>
+          </a:stretch>
+        </p:blipFill>
+        <p:spPr>
+          <a:xfrm>
+            <a:off x="6117760" y="2479712"/>
+            <a:ext cx="1990725" cy="2295525"/>
+          </a:xfrm>
+        </p:spPr>
+      </p:pic>
+    </p:spTree>
+    <p:extLst>
+      <p:ext uri="{BB962C8B-B14F-4D97-AF65-F5344CB8AC3E}">
+        <p14:creationId xmlns:p14="http://schemas.microsoft.com/office/powerpoint/2010/main" val="3238520121"/>
+      </p:ext>
+    </p:extLst>
+  </p:cSld>
+  <p:clrMapOvr>
+    <a:masterClrMapping/>
+  </p:clrMapOvr>
+</p:sld>
+</file>
+
+<file path=ppt/slides/slide48.xml><?xml version="1.0" encoding="utf-8"?>
+<p:sld xmlns:a="http://schemas.openxmlformats.org/drawingml/2006/main" xmlns:r="http://schemas.openxmlformats.org/officeDocument/2006/relationships" xmlns:p="http://schemas.openxmlformats.org/presentationml/2006/main">
+  <p:cSld>
+    <p:spTree>
+      <p:nvGrpSpPr>
+        <p:cNvPr id="1" name=""/>
+        <p:cNvGrpSpPr/>
+        <p:nvPr/>
+      </p:nvGrpSpPr>
+      <p:grpSpPr>
+        <a:xfrm>
+          <a:off x="0" y="0"/>
+          <a:ext cx="0" cy="0"/>
+          <a:chOff x="0" y="0"/>
+          <a:chExt cx="0" cy="0"/>
+        </a:xfrm>
+      </p:grpSpPr>
+      <p:sp>
+        <p:nvSpPr>
+          <p:cNvPr id="2" name="Title 1">
+            <a:extLst>
+              <a:ext uri="{FF2B5EF4-FFF2-40B4-BE49-F238E27FC236}">
+                <a16:creationId xmlns:a16="http://schemas.microsoft.com/office/drawing/2014/main" id="{71FC6EC4-7A1C-E962-9A70-66909C7C9D80}"/>
+              </a:ext>
+            </a:extLst>
+          </p:cNvPr>
+          <p:cNvSpPr>
+            <a:spLocks noGrp="1"/>
+          </p:cNvSpPr>
+          <p:nvPr>
+            <p:ph type="title"/>
+          </p:nvPr>
+        </p:nvSpPr>
+        <p:spPr/>
+        <p:txBody>
+          <a:bodyPr/>
+          <a:lstStyle/>
+          <a:p>
+            <a:r>
+              <a:rPr lang="en-US" dirty="0"/>
+              <a:t>forbidden</a:t>
+            </a:r>
+          </a:p>
+        </p:txBody>
+      </p:sp>
+      <p:sp>
+        <p:nvSpPr>
+          <p:cNvPr id="3" name="Text Placeholder 2">
+            <a:extLst>
+              <a:ext uri="{FF2B5EF4-FFF2-40B4-BE49-F238E27FC236}">
+                <a16:creationId xmlns:a16="http://schemas.microsoft.com/office/drawing/2014/main" id="{25FF3016-8E82-4C31-F406-69EFBBA4EA18}"/>
+              </a:ext>
+            </a:extLst>
+          </p:cNvPr>
+          <p:cNvSpPr>
+            <a:spLocks noGrp="1"/>
+          </p:cNvSpPr>
+          <p:nvPr>
+            <p:ph type="body" sz="quarter" idx="15"/>
+          </p:nvPr>
+        </p:nvSpPr>
+        <p:spPr/>
+        <p:txBody>
+          <a:bodyPr/>
+          <a:lstStyle/>
+          <a:p>
+            <a:endParaRPr lang="en-US"/>
+          </a:p>
+        </p:txBody>
+      </p:sp>
+      <p:sp>
+        <p:nvSpPr>
+          <p:cNvPr id="5" name="Slide Number Placeholder 4">
+            <a:extLst>
+              <a:ext uri="{FF2B5EF4-FFF2-40B4-BE49-F238E27FC236}">
+                <a16:creationId xmlns:a16="http://schemas.microsoft.com/office/drawing/2014/main" id="{BD9CE65A-BBD4-DACF-F38F-2563FB57AB37}"/>
+              </a:ext>
+            </a:extLst>
+          </p:cNvPr>
+          <p:cNvSpPr>
+            <a:spLocks noGrp="1"/>
+          </p:cNvSpPr>
+          <p:nvPr>
+            <p:ph type="sldNum" sz="quarter" idx="12"/>
+          </p:nvPr>
+        </p:nvSpPr>
+        <p:spPr/>
+        <p:txBody>
+          <a:bodyPr/>
+          <a:lstStyle/>
+          <a:p>
+            <a:fld id="{4898AEC0-503E-4FA4-859C-D0F72D6E3F79}" type="slidenum">
+              <a:rPr lang="en-US" noProof="1" smtClean="0"/>
+              <a:pPr/>
+              <a:t>48</a:t>
+            </a:fld>
+            <a:endParaRPr lang="en-US" noProof="1"/>
+          </a:p>
+        </p:txBody>
+      </p:sp>
+      <p:sp>
+        <p:nvSpPr>
+          <p:cNvPr id="4" name="TextBox 3">
+            <a:extLst>
+              <a:ext uri="{FF2B5EF4-FFF2-40B4-BE49-F238E27FC236}">
+                <a16:creationId xmlns:a16="http://schemas.microsoft.com/office/drawing/2014/main" id="{44A84EF0-0CE4-0111-D8E3-8F3993E68EAD}"/>
+              </a:ext>
+            </a:extLst>
+          </p:cNvPr>
+          <p:cNvSpPr txBox="1"/>
+          <p:nvPr/>
+        </p:nvSpPr>
+        <p:spPr>
+          <a:xfrm>
+            <a:off x="349345" y="1998372"/>
+            <a:ext cx="10833662" cy="3258207"/>
+          </a:xfrm>
+          <a:prstGeom prst="rect">
+            <a:avLst/>
+          </a:prstGeom>
+          <a:noFill/>
+        </p:spPr>
+        <p:txBody>
+          <a:bodyPr wrap="square" lIns="0" tIns="0" rIns="0" bIns="0" rtlCol="0">
+            <a:noAutofit/>
+          </a:bodyPr>
+          <a:lstStyle/>
+          <a:p>
+            <a:pPr marR="0" algn="l" defTabSz="914400" eaLnBrk="1" fontAlgn="auto" latinLnBrk="0" hangingPunct="1">
+              <a:spcBef>
+                <a:spcPts val="500"/>
+              </a:spcBef>
+              <a:spcAft>
+                <a:spcPts val="0"/>
+              </a:spcAft>
+              <a:buClrTx/>
+              <a:buSzTx/>
+              <a:buFontTx/>
+              <a:buNone/>
+              <a:tabLst/>
+            </a:pPr>
+            <a:r>
+              <a:rPr kumimoji="0" lang="en-US" sz="15000" b="0" i="0" u="none" strike="noStrike" kern="0" cap="none" spc="0" normalizeH="0" baseline="0" noProof="0" dirty="0">
+                <a:ln>
+                  <a:noFill/>
+                </a:ln>
+                <a:solidFill>
+                  <a:schemeClr val="bg2"/>
+                </a:solidFill>
+                <a:effectLst/>
+                <a:uLnTx/>
+                <a:uFillTx/>
+              </a:rPr>
+              <a:t>sail</a:t>
+            </a:r>
+          </a:p>
+        </p:txBody>
+      </p:sp>
+      <p:pic>
+        <p:nvPicPr>
+          <p:cNvPr id="9" name="Content Placeholder 8">
+            <a:extLst>
+              <a:ext uri="{FF2B5EF4-FFF2-40B4-BE49-F238E27FC236}">
+                <a16:creationId xmlns:a16="http://schemas.microsoft.com/office/drawing/2014/main" id="{E11FBE37-248E-B0F5-9653-E8A63BBDE68F}"/>
+              </a:ext>
+            </a:extLst>
+          </p:cNvPr>
+          <p:cNvPicPr>
+            <a:picLocks noGrp="1" noChangeAspect="1"/>
+          </p:cNvPicPr>
+          <p:nvPr>
+            <p:ph sz="quarter" idx="1"/>
+          </p:nvPr>
+        </p:nvPicPr>
+        <p:blipFill>
+          <a:blip r:embed="rId2">
+            <a:extLst>
+              <a:ext uri="{28A0092B-C50C-407E-A947-70E740481C1C}">
+                <a14:useLocalDpi xmlns:a14="http://schemas.microsoft.com/office/drawing/2010/main" val="0"/>
+              </a:ext>
+            </a:extLst>
+          </a:blip>
+          <a:stretch>
+            <a:fillRect/>
+          </a:stretch>
+        </p:blipFill>
+        <p:spPr>
+          <a:xfrm>
+            <a:off x="7003584" y="2875452"/>
+            <a:ext cx="2657475" cy="1724025"/>
+          </a:xfrm>
+        </p:spPr>
+      </p:pic>
+    </p:spTree>
+    <p:extLst>
+      <p:ext uri="{BB962C8B-B14F-4D97-AF65-F5344CB8AC3E}">
+        <p14:creationId xmlns:p14="http://schemas.microsoft.com/office/powerpoint/2010/main" val="3958646617"/>
       </p:ext>
     </p:extLst>
   </p:cSld>
@@ -18639,6 +20093,42 @@
           </a:p>
         </p:txBody>
       </p:sp>
+      <p:pic>
+        <p:nvPicPr>
+          <p:cNvPr id="8" name="Picture 7">
+            <a:extLst>
+              <a:ext uri="{FF2B5EF4-FFF2-40B4-BE49-F238E27FC236}">
+                <a16:creationId xmlns:a16="http://schemas.microsoft.com/office/drawing/2014/main" id="{66D10EB3-E323-3026-CBD7-30D8433D8A96}"/>
+              </a:ext>
+            </a:extLst>
+          </p:cNvPr>
+          <p:cNvPicPr>
+            <a:picLocks noChangeAspect="1"/>
+          </p:cNvPicPr>
+          <p:nvPr/>
+        </p:nvPicPr>
+        <p:blipFill>
+          <a:blip r:embed="rId5">
+            <a:extLst>
+              <a:ext uri="{28A0092B-C50C-407E-A947-70E740481C1C}">
+                <a14:useLocalDpi xmlns:a14="http://schemas.microsoft.com/office/drawing/2010/main" val="0"/>
+              </a:ext>
+            </a:extLst>
+          </a:blip>
+          <a:stretch>
+            <a:fillRect/>
+          </a:stretch>
+        </p:blipFill>
+        <p:spPr>
+          <a:xfrm>
+            <a:off x="7301460" y="2863195"/>
+            <a:ext cx="2609850" cy="1752600"/>
+          </a:xfrm>
+          <a:prstGeom prst="rect">
+            <a:avLst/>
+          </a:prstGeom>
+        </p:spPr>
+      </p:pic>
     </p:spTree>
     <p:extLst>
       <p:ext uri="{BB962C8B-B14F-4D97-AF65-F5344CB8AC3E}">
@@ -20539,6 +22029,27 @@
 </file>
 
 <file path=customXml/item1.xml><?xml version="1.0" encoding="utf-8"?>
+<sax_Colors>
+  <Line size="7">
+    <Color val="9e2896" tooltip="Bosch Purple 40"/>
+    <Color val="551151" tooltip="Bosch Purple 20"/>
+  </Line>
+  <Line size="7">
+    <Color val="007bc0" tooltip="Bosch Blue 50"/>
+    <Color val="004975" tooltip="Bosch Blue 30"/>
+  </Line>
+  <Line size="7">
+    <Color val="18837e" tooltip="Bosch Turquoise 50"/>
+    <Color val="0a4f4b" tooltip="Bosch Turquoise 30"/>
+  </Line>
+  <Line size="7">
+    <Color val="00884a" tooltip="Bosch Green 50"/>
+    <Color val="00512a" tooltip="Bosch Green 30"/>
+  </Line>
+</sax_Colors>
+</file>
+
+<file path=customXml/item2.xml><?xml version="1.0" encoding="utf-8"?>
 <saxML>
   <saxMLTemplate>presentation_169</saxMLTemplate>
   <Variablen>
@@ -20687,35 +22198,14 @@
 </saxML>
 </file>
 
-<file path=customXml/item2.xml><?xml version="1.0" encoding="utf-8"?>
-<sax_Colors>
-  <Line size="7">
-    <Color val="9e2896" tooltip="Bosch Purple 40"/>
-    <Color val="551151" tooltip="Bosch Purple 20"/>
-  </Line>
-  <Line size="7">
-    <Color val="007bc0" tooltip="Bosch Blue 50"/>
-    <Color val="004975" tooltip="Bosch Blue 30"/>
-  </Line>
-  <Line size="7">
-    <Color val="18837e" tooltip="Bosch Turquoise 50"/>
-    <Color val="0a4f4b" tooltip="Bosch Turquoise 30"/>
-  </Line>
-  <Line size="7">
-    <Color val="00884a" tooltip="Bosch Green 50"/>
-    <Color val="00512a" tooltip="Bosch Green 30"/>
-  </Line>
-</sax_Colors>
-</file>
-
 <file path=customXml/itemProps1.xml><?xml version="1.0" encoding="utf-8"?>
-<ds:datastoreItem xmlns:ds="http://schemas.openxmlformats.org/officeDocument/2006/customXml" ds:itemID="{304CF217-3C90-4AA0-B541-CE45F9BD305E}">
+<ds:datastoreItem xmlns:ds="http://schemas.openxmlformats.org/officeDocument/2006/customXml" ds:itemID="{D0252559-44F8-474C-B66D-E357B88E32C2}">
   <ds:schemaRefs/>
 </ds:datastoreItem>
 </file>
 
 <file path=customXml/itemProps2.xml><?xml version="1.0" encoding="utf-8"?>
-<ds:datastoreItem xmlns:ds="http://schemas.openxmlformats.org/officeDocument/2006/customXml" ds:itemID="{D0252559-44F8-474C-B66D-E357B88E32C2}">
+<ds:datastoreItem xmlns:ds="http://schemas.openxmlformats.org/officeDocument/2006/customXml" ds:itemID="{304CF217-3C90-4AA0-B541-CE45F9BD305E}">
   <ds:schemaRefs/>
 </ds:datastoreItem>
 </file>
--- a/longman 3000.pptx
+++ b/longman 3000.pptx
@@ -5,7 +5,7 @@
     <p:sldMasterId id="2147483708" r:id="rId3"/>
   </p:sldMasterIdLst>
   <p:notesMasterIdLst>
-    <p:notesMasterId r:id="rId52"/>
+    <p:notesMasterId r:id="rId53"/>
   </p:notesMasterIdLst>
   <p:sldIdLst>
     <p:sldId id="256" r:id="rId4"/>
@@ -56,11 +56,12 @@
     <p:sldId id="308" r:id="rId49"/>
     <p:sldId id="309" r:id="rId50"/>
     <p:sldId id="311" r:id="rId51"/>
+    <p:sldId id="312" r:id="rId52"/>
   </p:sldIdLst>
   <p:sldSz cx="10969625" cy="6170613"/>
   <p:notesSz cx="6858000" cy="9144000"/>
   <p:custDataLst>
-    <p:tags r:id="rId53"/>
+    <p:tags r:id="rId54"/>
   </p:custDataLst>
   <p:defaultTextStyle>
     <a:defPPr>
@@ -252,6 +253,7 @@
             <p14:sldId id="308"/>
             <p14:sldId id="309"/>
             <p14:sldId id="311"/>
+            <p14:sldId id="312"/>
           </p14:sldIdLst>
         </p14:section>
       </p14:sectionLst>
@@ -345,7 +347,7 @@
           <a:p>
             <a:fld id="{6007911F-CEAF-4F0B-98BD-EFB38C6572AA}" type="datetimeFigureOut">
               <a:rPr lang="de-DE" smtClean="0"/>
-              <a:t>08.12.2023</a:t>
+              <a:t>26.12.2023</a:t>
             </a:fld>
             <a:endParaRPr lang="de-DE"/>
           </a:p>
@@ -19854,15 +19856,287 @@
         </p:blipFill>
         <p:spPr>
           <a:xfrm>
-            <a:off x="7003584" y="2875452"/>
+            <a:off x="7003582" y="3191301"/>
             <a:ext cx="2657475" cy="1724025"/>
           </a:xfrm>
+        </p:spPr>
+      </p:pic>
+      <p:pic>
+        <p:nvPicPr>
+          <p:cNvPr id="7" name="Picture 6">
+            <a:extLst>
+              <a:ext uri="{FF2B5EF4-FFF2-40B4-BE49-F238E27FC236}">
+                <a16:creationId xmlns:a16="http://schemas.microsoft.com/office/drawing/2014/main" id="{9D59027B-183E-7236-74EF-0DC8C8B9B454}"/>
+              </a:ext>
+            </a:extLst>
+          </p:cNvPr>
+          <p:cNvPicPr>
+            <a:picLocks noChangeAspect="1"/>
+          </p:cNvPicPr>
+          <p:nvPr/>
+        </p:nvPicPr>
+        <p:blipFill>
+          <a:blip r:embed="rId3">
+            <a:extLst>
+              <a:ext uri="{28A0092B-C50C-407E-A947-70E740481C1C}">
+                <a14:useLocalDpi xmlns:a14="http://schemas.microsoft.com/office/drawing/2010/main" val="0"/>
+              </a:ext>
+            </a:extLst>
+          </a:blip>
+          <a:stretch>
+            <a:fillRect/>
+          </a:stretch>
+        </p:blipFill>
+        <p:spPr>
+          <a:xfrm>
+            <a:off x="7260758" y="706924"/>
+            <a:ext cx="2143125" cy="2143125"/>
+          </a:xfrm>
+          <a:prstGeom prst="rect">
+            <a:avLst/>
+          </a:prstGeom>
         </p:spPr>
       </p:pic>
     </p:spTree>
     <p:extLst>
       <p:ext uri="{BB962C8B-B14F-4D97-AF65-F5344CB8AC3E}">
         <p14:creationId xmlns:p14="http://schemas.microsoft.com/office/powerpoint/2010/main" val="3958646617"/>
+      </p:ext>
+    </p:extLst>
+  </p:cSld>
+  <p:clrMapOvr>
+    <a:masterClrMapping/>
+  </p:clrMapOvr>
+</p:sld>
+</file>
+
+<file path=ppt/slides/slide49.xml><?xml version="1.0" encoding="utf-8"?>
+<p:sld xmlns:a="http://schemas.openxmlformats.org/drawingml/2006/main" xmlns:r="http://schemas.openxmlformats.org/officeDocument/2006/relationships" xmlns:p="http://schemas.openxmlformats.org/presentationml/2006/main">
+  <p:cSld>
+    <p:spTree>
+      <p:nvGrpSpPr>
+        <p:cNvPr id="1" name=""/>
+        <p:cNvGrpSpPr/>
+        <p:nvPr/>
+      </p:nvGrpSpPr>
+      <p:grpSpPr>
+        <a:xfrm>
+          <a:off x="0" y="0"/>
+          <a:ext cx="0" cy="0"/>
+          <a:chOff x="0" y="0"/>
+          <a:chExt cx="0" cy="0"/>
+        </a:xfrm>
+      </p:grpSpPr>
+      <p:sp>
+        <p:nvSpPr>
+          <p:cNvPr id="2" name="Title 1">
+            <a:extLst>
+              <a:ext uri="{FF2B5EF4-FFF2-40B4-BE49-F238E27FC236}">
+                <a16:creationId xmlns:a16="http://schemas.microsoft.com/office/drawing/2014/main" id="{71FC6EC4-7A1C-E962-9A70-66909C7C9D80}"/>
+              </a:ext>
+            </a:extLst>
+          </p:cNvPr>
+          <p:cNvSpPr>
+            <a:spLocks noGrp="1"/>
+          </p:cNvSpPr>
+          <p:nvPr>
+            <p:ph type="title"/>
+          </p:nvPr>
+        </p:nvSpPr>
+        <p:spPr/>
+        <p:txBody>
+          <a:bodyPr/>
+          <a:lstStyle/>
+          <a:p>
+            <a:r>
+              <a:rPr lang="en-US" dirty="0"/>
+              <a:t>forbidden</a:t>
+            </a:r>
+          </a:p>
+        </p:txBody>
+      </p:sp>
+      <p:sp>
+        <p:nvSpPr>
+          <p:cNvPr id="3" name="Text Placeholder 2">
+            <a:extLst>
+              <a:ext uri="{FF2B5EF4-FFF2-40B4-BE49-F238E27FC236}">
+                <a16:creationId xmlns:a16="http://schemas.microsoft.com/office/drawing/2014/main" id="{25FF3016-8E82-4C31-F406-69EFBBA4EA18}"/>
+              </a:ext>
+            </a:extLst>
+          </p:cNvPr>
+          <p:cNvSpPr>
+            <a:spLocks noGrp="1"/>
+          </p:cNvSpPr>
+          <p:nvPr>
+            <p:ph type="body" sz="quarter" idx="15"/>
+          </p:nvPr>
+        </p:nvSpPr>
+        <p:spPr/>
+        <p:txBody>
+          <a:bodyPr/>
+          <a:lstStyle/>
+          <a:p>
+            <a:endParaRPr lang="en-US"/>
+          </a:p>
+        </p:txBody>
+      </p:sp>
+      <p:sp>
+        <p:nvSpPr>
+          <p:cNvPr id="5" name="Slide Number Placeholder 4">
+            <a:extLst>
+              <a:ext uri="{FF2B5EF4-FFF2-40B4-BE49-F238E27FC236}">
+                <a16:creationId xmlns:a16="http://schemas.microsoft.com/office/drawing/2014/main" id="{BD9CE65A-BBD4-DACF-F38F-2563FB57AB37}"/>
+              </a:ext>
+            </a:extLst>
+          </p:cNvPr>
+          <p:cNvSpPr>
+            <a:spLocks noGrp="1"/>
+          </p:cNvSpPr>
+          <p:nvPr>
+            <p:ph type="sldNum" sz="quarter" idx="12"/>
+          </p:nvPr>
+        </p:nvSpPr>
+        <p:spPr/>
+        <p:txBody>
+          <a:bodyPr/>
+          <a:lstStyle/>
+          <a:p>
+            <a:fld id="{4898AEC0-503E-4FA4-859C-D0F72D6E3F79}" type="slidenum">
+              <a:rPr lang="en-US" noProof="1" smtClean="0"/>
+              <a:pPr/>
+              <a:t>49</a:t>
+            </a:fld>
+            <a:endParaRPr lang="en-US" noProof="1"/>
+          </a:p>
+        </p:txBody>
+      </p:sp>
+      <p:sp>
+        <p:nvSpPr>
+          <p:cNvPr id="4" name="TextBox 3">
+            <a:extLst>
+              <a:ext uri="{FF2B5EF4-FFF2-40B4-BE49-F238E27FC236}">
+                <a16:creationId xmlns:a16="http://schemas.microsoft.com/office/drawing/2014/main" id="{44A84EF0-0CE4-0111-D8E3-8F3993E68EAD}"/>
+              </a:ext>
+            </a:extLst>
+          </p:cNvPr>
+          <p:cNvSpPr txBox="1"/>
+          <p:nvPr/>
+        </p:nvSpPr>
+        <p:spPr>
+          <a:xfrm>
+            <a:off x="349345" y="1998372"/>
+            <a:ext cx="10833662" cy="3258207"/>
+          </a:xfrm>
+          <a:prstGeom prst="rect">
+            <a:avLst/>
+          </a:prstGeom>
+          <a:noFill/>
+        </p:spPr>
+        <p:txBody>
+          <a:bodyPr wrap="square" lIns="0" tIns="0" rIns="0" bIns="0" rtlCol="0">
+            <a:noAutofit/>
+          </a:bodyPr>
+          <a:lstStyle/>
+          <a:p>
+            <a:pPr marR="0" algn="l" defTabSz="914400" eaLnBrk="1" fontAlgn="auto" latinLnBrk="0" hangingPunct="1">
+              <a:spcBef>
+                <a:spcPts val="500"/>
+              </a:spcBef>
+              <a:spcAft>
+                <a:spcPts val="0"/>
+              </a:spcAft>
+              <a:buClrTx/>
+              <a:buSzTx/>
+              <a:buFontTx/>
+              <a:buNone/>
+              <a:tabLst/>
+            </a:pPr>
+            <a:r>
+              <a:rPr kumimoji="0" lang="en-US" sz="15000" b="0" i="0" u="none" strike="noStrike" kern="0" cap="none" spc="0" normalizeH="0" baseline="0" noProof="0" dirty="0">
+                <a:ln>
+                  <a:noFill/>
+                </a:ln>
+                <a:solidFill>
+                  <a:schemeClr val="bg2"/>
+                </a:solidFill>
+                <a:effectLst/>
+                <a:uLnTx/>
+                <a:uFillTx/>
+              </a:rPr>
+              <a:t>sake</a:t>
+            </a:r>
+          </a:p>
+        </p:txBody>
+      </p:sp>
+      <p:sp>
+        <p:nvSpPr>
+          <p:cNvPr id="8" name="Content Placeholder 7">
+            <a:extLst>
+              <a:ext uri="{FF2B5EF4-FFF2-40B4-BE49-F238E27FC236}">
+                <a16:creationId xmlns:a16="http://schemas.microsoft.com/office/drawing/2014/main" id="{95017AFC-1457-0503-4735-A4B3604B8235}"/>
+              </a:ext>
+            </a:extLst>
+          </p:cNvPr>
+          <p:cNvSpPr>
+            <a:spLocks noGrp="1"/>
+          </p:cNvSpPr>
+          <p:nvPr>
+            <p:ph sz="quarter" idx="1"/>
+          </p:nvPr>
+        </p:nvSpPr>
+        <p:spPr/>
+        <p:txBody>
+          <a:bodyPr/>
+          <a:lstStyle/>
+          <a:p>
+            <a:endParaRPr lang="en-US" dirty="0"/>
+          </a:p>
+        </p:txBody>
+      </p:sp>
+      <p:sp>
+        <p:nvSpPr>
+          <p:cNvPr id="10" name="Rectangle 9">
+            <a:extLst>
+              <a:ext uri="{FF2B5EF4-FFF2-40B4-BE49-F238E27FC236}">
+                <a16:creationId xmlns:a16="http://schemas.microsoft.com/office/drawing/2014/main" id="{D1741CB5-2F1F-5AEA-AB8F-038B7F76EDD5}"/>
+              </a:ext>
+            </a:extLst>
+          </p:cNvPr>
+          <p:cNvSpPr/>
+          <p:nvPr/>
+        </p:nvSpPr>
+        <p:spPr>
+          <a:xfrm>
+            <a:off x="7978055" y="3085306"/>
+            <a:ext cx="1996966" cy="1030013"/>
+          </a:xfrm>
+          <a:prstGeom prst="rect">
+            <a:avLst/>
+          </a:prstGeom>
+          <a:noFill/>
+          <a:ln w="9525" cap="flat" cmpd="sng" algn="ctr">
+            <a:solidFill>
+              <a:srgbClr val="3F136C"/>
+            </a:solidFill>
+            <a:prstDash val="solid"/>
+          </a:ln>
+          <a:effectLst/>
+        </p:spPr>
+        <p:txBody>
+          <a:bodyPr rtlCol="0" anchor="ctr"/>
+          <a:lstStyle/>
+          <a:p>
+            <a:r>
+              <a:rPr lang="en-US" dirty="0"/>
+              <a:t>for the sake of</a:t>
+            </a:r>
+          </a:p>
+        </p:txBody>
+      </p:sp>
+    </p:spTree>
+    <p:extLst>
+      <p:ext uri="{BB962C8B-B14F-4D97-AF65-F5344CB8AC3E}">
+        <p14:creationId xmlns:p14="http://schemas.microsoft.com/office/powerpoint/2010/main" val="2759758359"/>
       </p:ext>
     </p:extLst>
   </p:cSld>

--- a/longman 3000.pptx
+++ b/longman 3000.pptx
@@ -17548,7 +17548,7 @@
           <a:p>
             <a:r>
               <a:rPr lang="en-US" dirty="0"/>
-              <a:t>forbidden</a:t>
+              <a:t>swear</a:t>
             </a:r>
             <a:endParaRPr lang="en-US" dirty="0"/>
           </a:p>

--- a/longman 3000.pptx
+++ b/longman 3000.pptx
@@ -5,65 +5,68 @@
     <p:sldMasterId id="2147483648" r:id="rId1"/>
   </p:sldMasterIdLst>
   <p:notesMasterIdLst>
-    <p:notesMasterId r:id="rId15"/>
+    <p:notesMasterId r:id="rId56"/>
   </p:notesMasterIdLst>
   <p:sldIdLst>
-    <p:sldId id="256" r:id="rId3"/>
-    <p:sldId id="260" r:id="rId4"/>
-    <p:sldId id="294" r:id="rId5"/>
-    <p:sldId id="286" r:id="rId6"/>
-    <p:sldId id="287" r:id="rId7"/>
-    <p:sldId id="288" r:id="rId8"/>
-    <p:sldId id="289" r:id="rId9"/>
-    <p:sldId id="290" r:id="rId10"/>
-    <p:sldId id="298" r:id="rId11"/>
-    <p:sldId id="302" r:id="rId12"/>
-    <p:sldId id="295" r:id="rId13"/>
-    <p:sldId id="296" r:id="rId14"/>
-    <p:sldId id="297" r:id="rId16"/>
-    <p:sldId id="273" r:id="rId17"/>
-    <p:sldId id="277" r:id="rId18"/>
-    <p:sldId id="299" r:id="rId19"/>
-    <p:sldId id="300" r:id="rId20"/>
-    <p:sldId id="301" r:id="rId21"/>
-    <p:sldId id="280" r:id="rId22"/>
-    <p:sldId id="282" r:id="rId23"/>
-    <p:sldId id="281" r:id="rId24"/>
-    <p:sldId id="303" r:id="rId25"/>
-    <p:sldId id="284" r:id="rId26"/>
-    <p:sldId id="285" r:id="rId27"/>
-    <p:sldId id="291" r:id="rId28"/>
-    <p:sldId id="293" r:id="rId29"/>
-    <p:sldId id="342" r:id="rId30"/>
-    <p:sldId id="261" r:id="rId31"/>
-    <p:sldId id="262" r:id="rId32"/>
-    <p:sldId id="263" r:id="rId33"/>
-    <p:sldId id="265" r:id="rId34"/>
-    <p:sldId id="266" r:id="rId35"/>
-    <p:sldId id="264" r:id="rId36"/>
-    <p:sldId id="267" r:id="rId37"/>
-    <p:sldId id="268" r:id="rId38"/>
-    <p:sldId id="269" r:id="rId39"/>
-    <p:sldId id="270" r:id="rId40"/>
-    <p:sldId id="271" r:id="rId41"/>
-    <p:sldId id="272" r:id="rId42"/>
-    <p:sldId id="274" r:id="rId43"/>
-    <p:sldId id="276" r:id="rId44"/>
-    <p:sldId id="278" r:id="rId45"/>
-    <p:sldId id="279" r:id="rId46"/>
-    <p:sldId id="275" r:id="rId47"/>
-    <p:sldId id="305" r:id="rId48"/>
-    <p:sldId id="306" r:id="rId49"/>
-    <p:sldId id="308" r:id="rId50"/>
-    <p:sldId id="309" r:id="rId51"/>
-    <p:sldId id="344" r:id="rId52"/>
-    <p:sldId id="311" r:id="rId53"/>
-    <p:sldId id="312" r:id="rId54"/>
+    <p:sldId id="256" r:id="rId2"/>
+    <p:sldId id="260" r:id="rId3"/>
+    <p:sldId id="294" r:id="rId4"/>
+    <p:sldId id="286" r:id="rId5"/>
+    <p:sldId id="287" r:id="rId6"/>
+    <p:sldId id="288" r:id="rId7"/>
+    <p:sldId id="289" r:id="rId8"/>
+    <p:sldId id="290" r:id="rId9"/>
+    <p:sldId id="298" r:id="rId10"/>
+    <p:sldId id="302" r:id="rId11"/>
+    <p:sldId id="295" r:id="rId12"/>
+    <p:sldId id="296" r:id="rId13"/>
+    <p:sldId id="297" r:id="rId14"/>
+    <p:sldId id="273" r:id="rId15"/>
+    <p:sldId id="277" r:id="rId16"/>
+    <p:sldId id="299" r:id="rId17"/>
+    <p:sldId id="300" r:id="rId18"/>
+    <p:sldId id="301" r:id="rId19"/>
+    <p:sldId id="280" r:id="rId20"/>
+    <p:sldId id="282" r:id="rId21"/>
+    <p:sldId id="281" r:id="rId22"/>
+    <p:sldId id="303" r:id="rId23"/>
+    <p:sldId id="284" r:id="rId24"/>
+    <p:sldId id="285" r:id="rId25"/>
+    <p:sldId id="291" r:id="rId26"/>
+    <p:sldId id="293" r:id="rId27"/>
+    <p:sldId id="342" r:id="rId28"/>
+    <p:sldId id="261" r:id="rId29"/>
+    <p:sldId id="262" r:id="rId30"/>
+    <p:sldId id="263" r:id="rId31"/>
+    <p:sldId id="265" r:id="rId32"/>
+    <p:sldId id="266" r:id="rId33"/>
+    <p:sldId id="264" r:id="rId34"/>
+    <p:sldId id="267" r:id="rId35"/>
+    <p:sldId id="268" r:id="rId36"/>
+    <p:sldId id="269" r:id="rId37"/>
+    <p:sldId id="270" r:id="rId38"/>
+    <p:sldId id="271" r:id="rId39"/>
+    <p:sldId id="272" r:id="rId40"/>
+    <p:sldId id="274" r:id="rId41"/>
+    <p:sldId id="276" r:id="rId42"/>
+    <p:sldId id="278" r:id="rId43"/>
+    <p:sldId id="279" r:id="rId44"/>
+    <p:sldId id="275" r:id="rId45"/>
+    <p:sldId id="305" r:id="rId46"/>
+    <p:sldId id="306" r:id="rId47"/>
+    <p:sldId id="308" r:id="rId48"/>
+    <p:sldId id="309" r:id="rId49"/>
+    <p:sldId id="344" r:id="rId50"/>
+    <p:sldId id="311" r:id="rId51"/>
+    <p:sldId id="312" r:id="rId52"/>
+    <p:sldId id="345" r:id="rId53"/>
+    <p:sldId id="346" r:id="rId54"/>
+    <p:sldId id="347" r:id="rId55"/>
   </p:sldIdLst>
-  <p:sldSz cx="10969625" cy="6170295"/>
+  <p:sldSz cx="10969625" cy="6170613"/>
   <p:notesSz cx="6858000" cy="9144000"/>
   <p:custDataLst>
-    <p:tags r:id="rId58"/>
+    <p:tags r:id="rId57"/>
   </p:custDataLst>
   <p:defaultTextStyle>
     <a:defPPr>
@@ -258,9 +261,15 @@
             <p14:sldId id="344"/>
             <p14:sldId id="311"/>
             <p14:sldId id="312"/>
+            <p14:sldId id="345"/>
+            <p14:sldId id="346"/>
+            <p14:sldId id="347"/>
           </p14:sldIdLst>
         </p14:section>
       </p14:sectionLst>
+    </p:ext>
+    <p:ext uri="{EFAFB233-063F-42B5-8137-9DF3F51BA10A}">
+      <p15:sldGuideLst xmlns:p15="http://schemas.microsoft.com/office/powerpoint/2012/main"/>
     </p:ext>
   </p:extLst>
 </p:presentation>
@@ -348,6 +357,7 @@
           <a:p>
             <a:fld id="{6007911F-CEAF-4F0B-98BD-EFB38C6572AA}" type="datetimeFigureOut">
               <a:rPr lang="de-DE" smtClean="0"/>
+              <a:t>20.02.2024</a:t>
             </a:fld>
             <a:endParaRPr lang="de-DE"/>
           </a:p>
@@ -414,7 +424,6 @@
               <a:rPr lang="de-DE"/>
               <a:t>Mastertextformat bearbeiten</a:t>
             </a:r>
-            <a:endParaRPr lang="de-DE"/>
           </a:p>
           <a:p>
             <a:pPr lvl="1"/>
@@ -422,7 +431,6 @@
               <a:rPr lang="de-DE"/>
               <a:t>Zweite Ebene</a:t>
             </a:r>
-            <a:endParaRPr lang="de-DE"/>
           </a:p>
           <a:p>
             <a:pPr lvl="2"/>
@@ -430,7 +438,6 @@
               <a:rPr lang="de-DE"/>
               <a:t>Dritte Ebene</a:t>
             </a:r>
-            <a:endParaRPr lang="de-DE"/>
           </a:p>
           <a:p>
             <a:pPr lvl="3"/>
@@ -438,7 +445,6 @@
               <a:rPr lang="de-DE"/>
               <a:t>Vierte Ebene</a:t>
             </a:r>
-            <a:endParaRPr lang="de-DE"/>
           </a:p>
           <a:p>
             <a:pPr lvl="4"/>
@@ -446,7 +452,6 @@
               <a:rPr lang="de-DE"/>
               <a:t>Fünfte Ebene</a:t>
             </a:r>
-            <a:endParaRPr lang="de-DE"/>
           </a:p>
         </p:txBody>
       </p:sp>
@@ -510,6 +515,7 @@
           <a:p>
             <a:fld id="{492D48B2-9EB0-4B37-9B35-FC11E2EA535A}" type="slidenum">
               <a:rPr lang="de-DE" smtClean="0"/>
+              <a:t>‹#›</a:t>
             </a:fld>
             <a:endParaRPr lang="de-DE"/>
           </a:p>
@@ -678,6 +684,7 @@
           <a:p>
             <a:fld id="{492D48B2-9EB0-4B37-9B35-FC11E2EA535A}" type="slidenum">
               <a:rPr lang="de-DE" smtClean="0"/>
+              <a:t>12</a:t>
             </a:fld>
             <a:endParaRPr lang="de-DE"/>
           </a:p>
@@ -743,7 +750,6 @@
               <a:rPr lang="zh-CN" altLang="en-US" dirty="0"/>
               <a:t>是一个常用的口头表达，通常用来表示结束某个活动、会议、对话或任务。它的含义是告诉人们尽快完成正在进行的事情，不要再继续延长或拖延。这个短语可以在各种情境下使用，包括以下几种情况：</a:t>
             </a:r>
-            <a:endParaRPr lang="zh-CN" altLang="en-US" dirty="0"/>
           </a:p>
           <a:p>
             <a:pPr>
@@ -762,7 +768,6 @@
               <a:rPr lang="zh-CN" altLang="en-US" dirty="0"/>
               <a:t>，以表示他们需要结束讲话或会议。</a:t>
             </a:r>
-            <a:endParaRPr lang="zh-CN" altLang="en-US" dirty="0"/>
           </a:p>
           <a:p>
             <a:pPr>
@@ -781,7 +786,6 @@
               <a:rPr lang="zh-CN" altLang="en-US" dirty="0"/>
               <a:t>来宣布拍摄工作的结束。</a:t>
             </a:r>
-            <a:endParaRPr lang="zh-CN" altLang="en-US" dirty="0"/>
           </a:p>
           <a:p>
             <a:pPr>
@@ -800,7 +804,6 @@
               <a:rPr lang="zh-CN" altLang="en-US" dirty="0"/>
               <a:t>来表示他们需要结束谈话并离开。</a:t>
             </a:r>
-            <a:endParaRPr lang="zh-CN" altLang="en-US" dirty="0"/>
           </a:p>
           <a:p>
             <a:pPr>
@@ -819,7 +822,6 @@
               <a:rPr lang="zh-CN" altLang="en-US" dirty="0"/>
               <a:t>，表示你需要完成当前的任务或项目。</a:t>
             </a:r>
-            <a:endParaRPr lang="zh-CN" altLang="en-US" dirty="0"/>
           </a:p>
           <a:p>
             <a:r>
@@ -834,7 +836,6 @@
               <a:rPr lang="zh-CN" altLang="en-US" dirty="0"/>
               <a:t>是一种通用的表达方式，用来提醒人们结束正在进行的事情，通常是出于时间、进度或其他方面的考虑。</a:t>
             </a:r>
-            <a:endParaRPr lang="zh-CN" altLang="en-US" dirty="0"/>
           </a:p>
         </p:txBody>
       </p:sp>
@@ -855,6 +856,7 @@
           <a:p>
             <a:fld id="{492D48B2-9EB0-4B37-9B35-FC11E2EA535A}" type="slidenum">
               <a:rPr lang="de-DE" smtClean="0"/>
+              <a:t>14</a:t>
             </a:fld>
             <a:endParaRPr lang="de-DE"/>
           </a:p>
@@ -933,6 +935,7 @@
           <a:p>
             <a:fld id="{492D48B2-9EB0-4B37-9B35-FC11E2EA535A}" type="slidenum">
               <a:rPr lang="de-DE" smtClean="0"/>
+              <a:t>26</a:t>
             </a:fld>
             <a:endParaRPr lang="de-DE"/>
           </a:p>
@@ -1011,6 +1014,7 @@
           <a:p>
             <a:fld id="{492D48B2-9EB0-4B37-9B35-FC11E2EA535A}" type="slidenum">
               <a:rPr lang="de-DE" smtClean="0"/>
+              <a:t>27</a:t>
             </a:fld>
             <a:endParaRPr lang="de-DE"/>
           </a:p>
@@ -1072,7 +1076,6 @@
               <a:rPr lang="en-US" dirty="0"/>
               <a:t>The doctors tried desperately to save her life.</a:t>
             </a:r>
-            <a:endParaRPr lang="en-US" dirty="0"/>
           </a:p>
         </p:txBody>
       </p:sp>
@@ -1093,6 +1096,7 @@
           <a:p>
             <a:fld id="{492D48B2-9EB0-4B37-9B35-FC11E2EA535A}" type="slidenum">
               <a:rPr lang="de-DE" smtClean="0"/>
+              <a:t>30</a:t>
             </a:fld>
             <a:endParaRPr lang="de-DE"/>
           </a:p>
@@ -1107,7 +1111,7 @@
 </file>
 
 <file path=ppt/slideLayouts/slideLayout1.xml><?xml version="1.0" encoding="utf-8"?>
-<p:sldLayout xmlns:a="http://schemas.openxmlformats.org/drawingml/2006/main" xmlns:r="http://schemas.openxmlformats.org/officeDocument/2006/relationships" xmlns:p="http://schemas.openxmlformats.org/presentationml/2006/main" preserve="1" showMasterSp="0" userDrawn="1">
+<p:sldLayout xmlns:a="http://schemas.openxmlformats.org/drawingml/2006/main" xmlns:r="http://schemas.openxmlformats.org/officeDocument/2006/relationships" xmlns:p="http://schemas.openxmlformats.org/presentationml/2006/main" showMasterSp="0" preserve="1" userDrawn="1">
   <p:cSld name="Title horizontal ">
     <p:spTree>
       <p:nvGrpSpPr>
@@ -1132,7 +1136,7 @@
           <p:nvPr userDrawn="1"/>
         </p:nvPicPr>
         <p:blipFill>
-          <a:blip r:embed="rId2" cstate="hqprint">
+          <a:blip r:embed="rId2" cstate="print">
             <a:extLst>
               <a:ext uri="{28A0092B-C50C-407E-A947-70E740481C1C}">
                 <a14:useLocalDpi xmlns:a14="http://schemas.microsoft.com/office/drawing/2010/main" val="0"/>
@@ -1194,7 +1198,6 @@
               <a:rPr lang="en-US" noProof="1"/>
               <a:t>Presentation title</a:t>
             </a:r>
-            <a:endParaRPr lang="en-US" noProof="1"/>
           </a:p>
         </p:txBody>
       </p:sp>
@@ -1251,7 +1254,6 @@
               <a:rPr lang="en-US" noProof="1"/>
               <a:t>Name, Department, Date</a:t>
             </a:r>
-            <a:endParaRPr lang="en-US" noProof="1"/>
           </a:p>
         </p:txBody>
       </p:sp>
@@ -1264,7 +1266,7 @@
           <p:nvPr userDrawn="1"/>
         </p:nvPicPr>
         <p:blipFill>
-          <a:blip r:embed="rId3">
+          <a:blip r:embed="rId3" cstate="print">
             <a:extLst>
               <a:ext uri="{28A0092B-C50C-407E-A947-70E740481C1C}">
                 <a14:useLocalDpi xmlns:a14="http://schemas.microsoft.com/office/drawing/2010/main" val="0"/>
@@ -1367,7 +1369,6 @@
               <a:rPr lang="en-US" noProof="1"/>
               <a:t>Add Chapter Title</a:t>
             </a:r>
-            <a:endParaRPr lang="en-US" noProof="1"/>
           </a:p>
         </p:txBody>
       </p:sp>
@@ -1399,7 +1400,6 @@
               <a:rPr lang="en-US" noProof="1"/>
               <a:t>Add Slide Title</a:t>
             </a:r>
-            <a:endParaRPr lang="en-US" noProof="1"/>
           </a:p>
         </p:txBody>
       </p:sp>
@@ -1432,7 +1432,6 @@
               <a:rPr lang="en-US" noProof="1"/>
               <a:t>Add Text</a:t>
             </a:r>
-            <a:endParaRPr lang="en-US" noProof="1"/>
           </a:p>
           <a:p>
             <a:pPr lvl="1"/>
@@ -1440,7 +1439,6 @@
               <a:rPr lang="en-US" noProof="1"/>
               <a:t>Zweite Ebene</a:t>
             </a:r>
-            <a:endParaRPr lang="en-US" noProof="1"/>
           </a:p>
           <a:p>
             <a:pPr lvl="2"/>
@@ -1448,7 +1446,6 @@
               <a:rPr lang="en-US" noProof="1"/>
               <a:t>Dritte Ebene</a:t>
             </a:r>
-            <a:endParaRPr lang="en-US" noProof="1"/>
           </a:p>
           <a:p>
             <a:pPr lvl="3"/>
@@ -1456,7 +1453,6 @@
               <a:rPr lang="en-US" noProof="1"/>
               <a:t>Vierte Ebene</a:t>
             </a:r>
-            <a:endParaRPr lang="en-US" noProof="1"/>
           </a:p>
           <a:p>
             <a:pPr lvl="4"/>
@@ -1464,7 +1460,6 @@
               <a:rPr lang="en-US" noProof="1"/>
               <a:t>Fünfte Ebene</a:t>
             </a:r>
-            <a:endParaRPr lang="en-US" noProof="1"/>
           </a:p>
         </p:txBody>
       </p:sp>
@@ -1497,7 +1492,6 @@
               <a:rPr lang="en-US" noProof="1"/>
               <a:t>Add Text </a:t>
             </a:r>
-            <a:endParaRPr lang="en-US" noProof="1"/>
           </a:p>
           <a:p>
             <a:pPr lvl="1"/>
@@ -1505,7 +1499,6 @@
               <a:rPr lang="en-US" noProof="1"/>
               <a:t>Zweite Ebene</a:t>
             </a:r>
-            <a:endParaRPr lang="en-US" noProof="1"/>
           </a:p>
           <a:p>
             <a:pPr lvl="2"/>
@@ -1513,7 +1506,6 @@
               <a:rPr lang="en-US" noProof="1"/>
               <a:t>Dritte Ebene</a:t>
             </a:r>
-            <a:endParaRPr lang="en-US" noProof="1"/>
           </a:p>
           <a:p>
             <a:pPr lvl="3"/>
@@ -1521,7 +1513,6 @@
               <a:rPr lang="en-US" noProof="1"/>
               <a:t>Vierte Ebene</a:t>
             </a:r>
-            <a:endParaRPr lang="en-US" noProof="1"/>
           </a:p>
           <a:p>
             <a:pPr lvl="4"/>
@@ -1529,7 +1520,6 @@
               <a:rPr lang="en-US" noProof="1"/>
               <a:t>Fünfte Ebene</a:t>
             </a:r>
-            <a:endParaRPr lang="en-US" noProof="1"/>
           </a:p>
         </p:txBody>
       </p:sp>
@@ -1574,12 +1564,6 @@
               </a:rPr>
               <a:t> </a:t>
             </a:r>
-            <a:endParaRPr lang="en-US" sz="550" b="0" i="0" u="none" strike="noStrike" kern="0" baseline="0" noProof="1">
-              <a:solidFill>
-                <a:srgbClr val="000000"/>
-              </a:solidFill>
-              <a:latin typeface="+mn-lt"/>
-            </a:endParaRPr>
           </a:p>
         </p:txBody>
       </p:sp>
@@ -1600,6 +1584,7 @@
           <a:p>
             <a:fld id="{4898AEC0-503E-4FA4-859C-D0F72D6E3F79}" type="slidenum">
               <a:rPr lang="en-US" noProof="1" smtClean="0"/>
+              <a:t>‹#›</a:t>
             </a:fld>
             <a:endParaRPr lang="en-US" noProof="1"/>
           </a:p>
@@ -1686,7 +1671,6 @@
               <a:rPr lang="en-US" noProof="1"/>
               <a:t>Add Chapter Title</a:t>
             </a:r>
-            <a:endParaRPr lang="en-US" noProof="1"/>
           </a:p>
         </p:txBody>
       </p:sp>
@@ -1718,7 +1702,6 @@
               <a:rPr lang="en-US" noProof="1"/>
               <a:t>Add Slide Title</a:t>
             </a:r>
-            <a:endParaRPr lang="en-US" noProof="1"/>
           </a:p>
         </p:txBody>
       </p:sp>
@@ -1751,7 +1734,6 @@
               <a:rPr lang="en-US" noProof="1"/>
               <a:t>Add Text </a:t>
             </a:r>
-            <a:endParaRPr lang="en-US" noProof="1"/>
           </a:p>
           <a:p>
             <a:pPr lvl="1"/>
@@ -1759,7 +1741,6 @@
               <a:rPr lang="en-US" noProof="1"/>
               <a:t>Zweite Ebene</a:t>
             </a:r>
-            <a:endParaRPr lang="en-US" noProof="1"/>
           </a:p>
           <a:p>
             <a:pPr lvl="2"/>
@@ -1767,7 +1748,6 @@
               <a:rPr lang="en-US" noProof="1"/>
               <a:t>Dritte Ebene</a:t>
             </a:r>
-            <a:endParaRPr lang="en-US" noProof="1"/>
           </a:p>
           <a:p>
             <a:pPr lvl="3"/>
@@ -1775,7 +1755,6 @@
               <a:rPr lang="en-US" noProof="1"/>
               <a:t>Vierte Ebene</a:t>
             </a:r>
-            <a:endParaRPr lang="en-US" noProof="1"/>
           </a:p>
           <a:p>
             <a:pPr lvl="4"/>
@@ -1783,7 +1762,6 @@
               <a:rPr lang="en-US" noProof="1"/>
               <a:t>Fünfte Ebene</a:t>
             </a:r>
-            <a:endParaRPr lang="en-US" noProof="1"/>
           </a:p>
         </p:txBody>
       </p:sp>
@@ -1816,7 +1794,6 @@
               <a:rPr lang="en-US" noProof="1"/>
               <a:t>Add Text </a:t>
             </a:r>
-            <a:endParaRPr lang="en-US" noProof="1"/>
           </a:p>
           <a:p>
             <a:pPr lvl="1"/>
@@ -1824,7 +1801,6 @@
               <a:rPr lang="en-US" noProof="1"/>
               <a:t>Zweite Ebene</a:t>
             </a:r>
-            <a:endParaRPr lang="en-US" noProof="1"/>
           </a:p>
           <a:p>
             <a:pPr lvl="2"/>
@@ -1832,7 +1808,6 @@
               <a:rPr lang="en-US" noProof="1"/>
               <a:t>Dritte Ebene</a:t>
             </a:r>
-            <a:endParaRPr lang="en-US" noProof="1"/>
           </a:p>
           <a:p>
             <a:pPr lvl="3"/>
@@ -1840,7 +1815,6 @@
               <a:rPr lang="en-US" noProof="1"/>
               <a:t>Vierte Ebene</a:t>
             </a:r>
-            <a:endParaRPr lang="en-US" noProof="1"/>
           </a:p>
           <a:p>
             <a:pPr lvl="4"/>
@@ -1848,7 +1822,6 @@
               <a:rPr lang="en-US" noProof="1"/>
               <a:t>Fünfte Ebene</a:t>
             </a:r>
-            <a:endParaRPr lang="en-US" noProof="1"/>
           </a:p>
         </p:txBody>
       </p:sp>
@@ -1881,7 +1854,6 @@
               <a:rPr lang="en-US" noProof="1"/>
               <a:t>Add Text </a:t>
             </a:r>
-            <a:endParaRPr lang="en-US" noProof="1"/>
           </a:p>
           <a:p>
             <a:pPr lvl="1"/>
@@ -1889,7 +1861,6 @@
               <a:rPr lang="en-US" noProof="1"/>
               <a:t>Zweite Ebene</a:t>
             </a:r>
-            <a:endParaRPr lang="en-US" noProof="1"/>
           </a:p>
           <a:p>
             <a:pPr lvl="2"/>
@@ -1897,7 +1868,6 @@
               <a:rPr lang="en-US" noProof="1"/>
               <a:t>Dritte Ebene</a:t>
             </a:r>
-            <a:endParaRPr lang="en-US" noProof="1"/>
           </a:p>
           <a:p>
             <a:pPr lvl="3"/>
@@ -1905,7 +1875,6 @@
               <a:rPr lang="en-US" noProof="1"/>
               <a:t>Vierte Ebene</a:t>
             </a:r>
-            <a:endParaRPr lang="en-US" noProof="1"/>
           </a:p>
           <a:p>
             <a:pPr lvl="4"/>
@@ -1913,7 +1882,6 @@
               <a:rPr lang="en-US" noProof="1"/>
               <a:t>Fünfte Ebene</a:t>
             </a:r>
-            <a:endParaRPr lang="en-US" noProof="1"/>
           </a:p>
         </p:txBody>
       </p:sp>
@@ -1958,12 +1926,6 @@
               </a:rPr>
               <a:t> </a:t>
             </a:r>
-            <a:endParaRPr lang="en-US" sz="550" b="0" i="0" u="none" strike="noStrike" kern="0" baseline="0" noProof="1">
-              <a:solidFill>
-                <a:srgbClr val="000000"/>
-              </a:solidFill>
-              <a:latin typeface="+mn-lt"/>
-            </a:endParaRPr>
           </a:p>
         </p:txBody>
       </p:sp>
@@ -1984,6 +1946,7 @@
           <a:p>
             <a:fld id="{4898AEC0-503E-4FA4-859C-D0F72D6E3F79}" type="slidenum">
               <a:rPr lang="en-US" noProof="1" smtClean="0"/>
+              <a:t>‹#›</a:t>
             </a:fld>
             <a:endParaRPr lang="en-US" noProof="1"/>
           </a:p>
@@ -2070,7 +2033,6 @@
               <a:rPr lang="en-US" noProof="1"/>
               <a:t>Add Chapter Title</a:t>
             </a:r>
-            <a:endParaRPr lang="en-US" noProof="1"/>
           </a:p>
         </p:txBody>
       </p:sp>
@@ -2102,7 +2064,6 @@
               <a:rPr lang="en-US" noProof="1"/>
               <a:t>Add Slide Title</a:t>
             </a:r>
-            <a:endParaRPr lang="en-US" noProof="1"/>
           </a:p>
         </p:txBody>
       </p:sp>
@@ -2135,7 +2096,6 @@
               <a:rPr lang="en-US" noProof="1"/>
               <a:t>Add Text </a:t>
             </a:r>
-            <a:endParaRPr lang="en-US" noProof="1"/>
           </a:p>
           <a:p>
             <a:pPr lvl="1"/>
@@ -2143,7 +2103,6 @@
               <a:rPr lang="en-US" noProof="1"/>
               <a:t>Zweite Ebene</a:t>
             </a:r>
-            <a:endParaRPr lang="en-US" noProof="1"/>
           </a:p>
           <a:p>
             <a:pPr lvl="2"/>
@@ -2151,7 +2110,6 @@
               <a:rPr lang="en-US" noProof="1"/>
               <a:t>Dritte Ebene</a:t>
             </a:r>
-            <a:endParaRPr lang="en-US" noProof="1"/>
           </a:p>
           <a:p>
             <a:pPr lvl="3"/>
@@ -2159,7 +2117,6 @@
               <a:rPr lang="en-US" noProof="1"/>
               <a:t>Vierte Ebene</a:t>
             </a:r>
-            <a:endParaRPr lang="en-US" noProof="1"/>
           </a:p>
           <a:p>
             <a:pPr lvl="4"/>
@@ -2167,7 +2124,6 @@
               <a:rPr lang="en-US" noProof="1"/>
               <a:t>Fünfte Ebene</a:t>
             </a:r>
-            <a:endParaRPr lang="en-US" noProof="1"/>
           </a:p>
         </p:txBody>
       </p:sp>
@@ -2200,7 +2156,6 @@
               <a:rPr lang="en-US" noProof="1"/>
               <a:t>Add Text </a:t>
             </a:r>
-            <a:endParaRPr lang="en-US" noProof="1"/>
           </a:p>
           <a:p>
             <a:pPr lvl="1"/>
@@ -2208,7 +2163,6 @@
               <a:rPr lang="en-US" noProof="1"/>
               <a:t>Zweite Ebene</a:t>
             </a:r>
-            <a:endParaRPr lang="en-US" noProof="1"/>
           </a:p>
           <a:p>
             <a:pPr lvl="2"/>
@@ -2216,7 +2170,6 @@
               <a:rPr lang="en-US" noProof="1"/>
               <a:t>Dritte Ebene</a:t>
             </a:r>
-            <a:endParaRPr lang="en-US" noProof="1"/>
           </a:p>
           <a:p>
             <a:pPr lvl="3"/>
@@ -2224,7 +2177,6 @@
               <a:rPr lang="en-US" noProof="1"/>
               <a:t>Vierte Ebene</a:t>
             </a:r>
-            <a:endParaRPr lang="en-US" noProof="1"/>
           </a:p>
           <a:p>
             <a:pPr lvl="4"/>
@@ -2232,7 +2184,6 @@
               <a:rPr lang="en-US" noProof="1"/>
               <a:t>Fünfte Ebene</a:t>
             </a:r>
-            <a:endParaRPr lang="en-US" noProof="1"/>
           </a:p>
         </p:txBody>
       </p:sp>
@@ -2265,7 +2216,6 @@
               <a:rPr lang="en-US" noProof="1"/>
               <a:t>Add Text </a:t>
             </a:r>
-            <a:endParaRPr lang="en-US" noProof="1"/>
           </a:p>
           <a:p>
             <a:pPr lvl="1"/>
@@ -2273,7 +2223,6 @@
               <a:rPr lang="en-US" noProof="1"/>
               <a:t>Zweite Ebene</a:t>
             </a:r>
-            <a:endParaRPr lang="en-US" noProof="1"/>
           </a:p>
           <a:p>
             <a:pPr lvl="2"/>
@@ -2281,7 +2230,6 @@
               <a:rPr lang="en-US" noProof="1"/>
               <a:t>Dritte Ebene</a:t>
             </a:r>
-            <a:endParaRPr lang="en-US" noProof="1"/>
           </a:p>
           <a:p>
             <a:pPr lvl="3"/>
@@ -2289,7 +2237,6 @@
               <a:rPr lang="en-US" noProof="1"/>
               <a:t>Vierte Ebene</a:t>
             </a:r>
-            <a:endParaRPr lang="en-US" noProof="1"/>
           </a:p>
           <a:p>
             <a:pPr lvl="4"/>
@@ -2297,7 +2244,6 @@
               <a:rPr lang="en-US" noProof="1"/>
               <a:t>Fünfte Ebene</a:t>
             </a:r>
-            <a:endParaRPr lang="en-US" noProof="1"/>
           </a:p>
         </p:txBody>
       </p:sp>
@@ -2330,7 +2276,6 @@
               <a:rPr lang="en-US" noProof="1"/>
               <a:t>Add Text</a:t>
             </a:r>
-            <a:endParaRPr lang="en-US" noProof="1"/>
           </a:p>
           <a:p>
             <a:pPr lvl="1"/>
@@ -2338,7 +2283,6 @@
               <a:rPr lang="en-US" noProof="1"/>
               <a:t>Zweite Ebene</a:t>
             </a:r>
-            <a:endParaRPr lang="en-US" noProof="1"/>
           </a:p>
           <a:p>
             <a:pPr lvl="2"/>
@@ -2346,7 +2290,6 @@
               <a:rPr lang="en-US" noProof="1"/>
               <a:t>Dritte Ebene</a:t>
             </a:r>
-            <a:endParaRPr lang="en-US" noProof="1"/>
           </a:p>
           <a:p>
             <a:pPr lvl="3"/>
@@ -2354,7 +2297,6 @@
               <a:rPr lang="en-US" noProof="1"/>
               <a:t>Vierte Ebene</a:t>
             </a:r>
-            <a:endParaRPr lang="en-US" noProof="1"/>
           </a:p>
           <a:p>
             <a:pPr lvl="4"/>
@@ -2362,7 +2304,6 @@
               <a:rPr lang="en-US" noProof="1"/>
               <a:t>Fünfte Ebene</a:t>
             </a:r>
-            <a:endParaRPr lang="en-US" noProof="1"/>
           </a:p>
         </p:txBody>
       </p:sp>
@@ -2407,12 +2348,6 @@
               </a:rPr>
               <a:t> </a:t>
             </a:r>
-            <a:endParaRPr lang="en-US" sz="550" b="0" i="0" u="none" strike="noStrike" kern="0" baseline="0" noProof="1">
-              <a:solidFill>
-                <a:srgbClr val="000000"/>
-              </a:solidFill>
-              <a:latin typeface="+mn-lt"/>
-            </a:endParaRPr>
           </a:p>
         </p:txBody>
       </p:sp>
@@ -2433,6 +2368,7 @@
           <a:p>
             <a:fld id="{4898AEC0-503E-4FA4-859C-D0F72D6E3F79}" type="slidenum">
               <a:rPr lang="en-US" noProof="1" smtClean="0"/>
+              <a:t>‹#›</a:t>
             </a:fld>
             <a:endParaRPr lang="en-US" noProof="1"/>
           </a:p>
@@ -2519,7 +2455,6 @@
               <a:rPr lang="en-US" noProof="1"/>
               <a:t>Add Chapter Title</a:t>
             </a:r>
-            <a:endParaRPr lang="en-US" noProof="1"/>
           </a:p>
         </p:txBody>
       </p:sp>
@@ -2551,7 +2486,6 @@
               <a:rPr lang="en-US" noProof="1"/>
               <a:t>Add Slide Title</a:t>
             </a:r>
-            <a:endParaRPr lang="en-US" noProof="1"/>
           </a:p>
         </p:txBody>
       </p:sp>
@@ -2584,7 +2518,6 @@
               <a:rPr lang="en-US" noProof="1"/>
               <a:t>Add Text </a:t>
             </a:r>
-            <a:endParaRPr lang="en-US" noProof="1"/>
           </a:p>
           <a:p>
             <a:pPr lvl="1"/>
@@ -2592,7 +2525,6 @@
               <a:rPr lang="en-US" noProof="1"/>
               <a:t>Zweite Ebene</a:t>
             </a:r>
-            <a:endParaRPr lang="en-US" noProof="1"/>
           </a:p>
           <a:p>
             <a:pPr lvl="2"/>
@@ -2600,7 +2532,6 @@
               <a:rPr lang="en-US" noProof="1"/>
               <a:t>Dritte Ebene</a:t>
             </a:r>
-            <a:endParaRPr lang="en-US" noProof="1"/>
           </a:p>
           <a:p>
             <a:pPr lvl="3"/>
@@ -2608,7 +2539,6 @@
               <a:rPr lang="en-US" noProof="1"/>
               <a:t>Vierte Ebene</a:t>
             </a:r>
-            <a:endParaRPr lang="en-US" noProof="1"/>
           </a:p>
           <a:p>
             <a:pPr lvl="4"/>
@@ -2616,7 +2546,6 @@
               <a:rPr lang="en-US" noProof="1"/>
               <a:t>Fünfte Ebene</a:t>
             </a:r>
-            <a:endParaRPr lang="en-US" noProof="1"/>
           </a:p>
         </p:txBody>
       </p:sp>
@@ -2649,7 +2578,6 @@
               <a:rPr lang="en-US" noProof="1"/>
               <a:t>Add Text </a:t>
             </a:r>
-            <a:endParaRPr lang="en-US" noProof="1"/>
           </a:p>
           <a:p>
             <a:pPr lvl="1"/>
@@ -2657,7 +2585,6 @@
               <a:rPr lang="en-US" noProof="1"/>
               <a:t>Zweite Ebene</a:t>
             </a:r>
-            <a:endParaRPr lang="en-US" noProof="1"/>
           </a:p>
           <a:p>
             <a:pPr lvl="2"/>
@@ -2665,7 +2592,6 @@
               <a:rPr lang="en-US" noProof="1"/>
               <a:t>Dritte Ebene</a:t>
             </a:r>
-            <a:endParaRPr lang="en-US" noProof="1"/>
           </a:p>
           <a:p>
             <a:pPr lvl="3"/>
@@ -2673,7 +2599,6 @@
               <a:rPr lang="en-US" noProof="1"/>
               <a:t>Vierte Ebene</a:t>
             </a:r>
-            <a:endParaRPr lang="en-US" noProof="1"/>
           </a:p>
           <a:p>
             <a:pPr lvl="4"/>
@@ -2681,7 +2606,6 @@
               <a:rPr lang="en-US" noProof="1"/>
               <a:t>Fünfte Ebene</a:t>
             </a:r>
-            <a:endParaRPr lang="en-US" noProof="1"/>
           </a:p>
         </p:txBody>
       </p:sp>
@@ -2726,12 +2650,6 @@
               </a:rPr>
               <a:t> </a:t>
             </a:r>
-            <a:endParaRPr lang="en-US" sz="550" b="0" i="0" u="none" strike="noStrike" kern="0" baseline="0" noProof="1">
-              <a:solidFill>
-                <a:srgbClr val="000000"/>
-              </a:solidFill>
-              <a:latin typeface="+mn-lt"/>
-            </a:endParaRPr>
           </a:p>
         </p:txBody>
       </p:sp>
@@ -2752,6 +2670,7 @@
           <a:p>
             <a:fld id="{4898AEC0-503E-4FA4-859C-D0F72D6E3F79}" type="slidenum">
               <a:rPr lang="en-US" noProof="1" smtClean="0"/>
+              <a:t>‹#›</a:t>
             </a:fld>
             <a:endParaRPr lang="en-US" noProof="1"/>
           </a:p>
@@ -2838,7 +2757,6 @@
               <a:rPr lang="en-US" noProof="1"/>
               <a:t>Add Chapter Title</a:t>
             </a:r>
-            <a:endParaRPr lang="en-US" noProof="1"/>
           </a:p>
         </p:txBody>
       </p:sp>
@@ -2870,7 +2788,6 @@
               <a:rPr lang="en-US" noProof="1"/>
               <a:t>Add Slide Title</a:t>
             </a:r>
-            <a:endParaRPr lang="en-US" noProof="1"/>
           </a:p>
         </p:txBody>
       </p:sp>
@@ -2903,7 +2820,6 @@
               <a:rPr lang="en-US" noProof="1"/>
               <a:t>Add Text </a:t>
             </a:r>
-            <a:endParaRPr lang="en-US" noProof="1"/>
           </a:p>
           <a:p>
             <a:pPr lvl="1"/>
@@ -2911,7 +2827,6 @@
               <a:rPr lang="en-US" noProof="1"/>
               <a:t>Zweite Ebene</a:t>
             </a:r>
-            <a:endParaRPr lang="en-US" noProof="1"/>
           </a:p>
           <a:p>
             <a:pPr lvl="2"/>
@@ -2919,7 +2834,6 @@
               <a:rPr lang="en-US" noProof="1"/>
               <a:t>Dritte Ebene</a:t>
             </a:r>
-            <a:endParaRPr lang="en-US" noProof="1"/>
           </a:p>
           <a:p>
             <a:pPr lvl="3"/>
@@ -2927,7 +2841,6 @@
               <a:rPr lang="en-US" noProof="1"/>
               <a:t>Vierte Ebene</a:t>
             </a:r>
-            <a:endParaRPr lang="en-US" noProof="1"/>
           </a:p>
           <a:p>
             <a:pPr lvl="4"/>
@@ -2935,7 +2848,6 @@
               <a:rPr lang="en-US" noProof="1"/>
               <a:t>Fünfte Ebene</a:t>
             </a:r>
-            <a:endParaRPr lang="en-US" noProof="1"/>
           </a:p>
         </p:txBody>
       </p:sp>
@@ -2968,7 +2880,6 @@
               <a:rPr lang="en-US" noProof="1"/>
               <a:t>Add Text </a:t>
             </a:r>
-            <a:endParaRPr lang="en-US" noProof="1"/>
           </a:p>
           <a:p>
             <a:pPr lvl="1"/>
@@ -2976,7 +2887,6 @@
               <a:rPr lang="en-US" noProof="1"/>
               <a:t>Zweite Ebene</a:t>
             </a:r>
-            <a:endParaRPr lang="en-US" noProof="1"/>
           </a:p>
           <a:p>
             <a:pPr lvl="2"/>
@@ -2984,7 +2894,6 @@
               <a:rPr lang="en-US" noProof="1"/>
               <a:t>Dritte Ebene</a:t>
             </a:r>
-            <a:endParaRPr lang="en-US" noProof="1"/>
           </a:p>
           <a:p>
             <a:pPr lvl="3"/>
@@ -2992,7 +2901,6 @@
               <a:rPr lang="en-US" noProof="1"/>
               <a:t>Vierte Ebene</a:t>
             </a:r>
-            <a:endParaRPr lang="en-US" noProof="1"/>
           </a:p>
           <a:p>
             <a:pPr lvl="4"/>
@@ -3000,7 +2908,6 @@
               <a:rPr lang="en-US" noProof="1"/>
               <a:t>Fünfte Ebene</a:t>
             </a:r>
-            <a:endParaRPr lang="en-US" noProof="1"/>
           </a:p>
         </p:txBody>
       </p:sp>
@@ -3033,7 +2940,6 @@
               <a:rPr lang="en-US" noProof="1"/>
               <a:t>Add Text </a:t>
             </a:r>
-            <a:endParaRPr lang="en-US" noProof="1"/>
           </a:p>
           <a:p>
             <a:pPr lvl="1"/>
@@ -3041,7 +2947,6 @@
               <a:rPr lang="en-US" noProof="1"/>
               <a:t>Zweite Ebene</a:t>
             </a:r>
-            <a:endParaRPr lang="en-US" noProof="1"/>
           </a:p>
           <a:p>
             <a:pPr lvl="2"/>
@@ -3049,7 +2954,6 @@
               <a:rPr lang="en-US" noProof="1"/>
               <a:t>Dritte Ebene</a:t>
             </a:r>
-            <a:endParaRPr lang="en-US" noProof="1"/>
           </a:p>
           <a:p>
             <a:pPr lvl="3"/>
@@ -3057,7 +2961,6 @@
               <a:rPr lang="en-US" noProof="1"/>
               <a:t>Vierte Ebene</a:t>
             </a:r>
-            <a:endParaRPr lang="en-US" noProof="1"/>
           </a:p>
           <a:p>
             <a:pPr lvl="4"/>
@@ -3065,7 +2968,6 @@
               <a:rPr lang="en-US" noProof="1"/>
               <a:t>Fünfte Ebene</a:t>
             </a:r>
-            <a:endParaRPr lang="en-US" noProof="1"/>
           </a:p>
         </p:txBody>
       </p:sp>
@@ -3098,7 +3000,6 @@
               <a:rPr lang="en-US" noProof="1"/>
               <a:t>Add Text </a:t>
             </a:r>
-            <a:endParaRPr lang="en-US" noProof="1"/>
           </a:p>
           <a:p>
             <a:pPr lvl="1"/>
@@ -3106,7 +3007,6 @@
               <a:rPr lang="en-US" noProof="1"/>
               <a:t>Zweite Ebene</a:t>
             </a:r>
-            <a:endParaRPr lang="en-US" noProof="1"/>
           </a:p>
           <a:p>
             <a:pPr lvl="2"/>
@@ -3114,7 +3014,6 @@
               <a:rPr lang="en-US" noProof="1"/>
               <a:t>Dritte Ebene</a:t>
             </a:r>
-            <a:endParaRPr lang="en-US" noProof="1"/>
           </a:p>
           <a:p>
             <a:pPr lvl="3"/>
@@ -3122,7 +3021,6 @@
               <a:rPr lang="en-US" noProof="1"/>
               <a:t>Vierte Ebene</a:t>
             </a:r>
-            <a:endParaRPr lang="en-US" noProof="1"/>
           </a:p>
           <a:p>
             <a:pPr lvl="4"/>
@@ -3130,7 +3028,6 @@
               <a:rPr lang="en-US" noProof="1"/>
               <a:t>Fünfte Ebene</a:t>
             </a:r>
-            <a:endParaRPr lang="en-US" noProof="1"/>
           </a:p>
         </p:txBody>
       </p:sp>
@@ -3175,12 +3072,6 @@
               </a:rPr>
               <a:t> </a:t>
             </a:r>
-            <a:endParaRPr lang="en-US" sz="550" b="0" i="0" u="none" strike="noStrike" kern="0" baseline="0" noProof="1">
-              <a:solidFill>
-                <a:srgbClr val="000000"/>
-              </a:solidFill>
-              <a:latin typeface="+mn-lt"/>
-            </a:endParaRPr>
           </a:p>
         </p:txBody>
       </p:sp>
@@ -3201,6 +3092,7 @@
           <a:p>
             <a:fld id="{4898AEC0-503E-4FA4-859C-D0F72D6E3F79}" type="slidenum">
               <a:rPr lang="en-US" noProof="1" smtClean="0"/>
+              <a:t>‹#›</a:t>
             </a:fld>
             <a:endParaRPr lang="en-US" noProof="1"/>
           </a:p>
@@ -3287,7 +3179,6 @@
               <a:rPr lang="en-US" noProof="1"/>
               <a:t>Add Chapter Title</a:t>
             </a:r>
-            <a:endParaRPr lang="en-US" noProof="1"/>
           </a:p>
         </p:txBody>
       </p:sp>
@@ -3319,7 +3210,6 @@
               <a:rPr lang="en-US" noProof="1"/>
               <a:t>Add Slide Title</a:t>
             </a:r>
-            <a:endParaRPr lang="en-US" noProof="1"/>
           </a:p>
         </p:txBody>
       </p:sp>
@@ -3352,7 +3242,6 @@
               <a:rPr lang="en-US" noProof="1"/>
               <a:t>Add Text </a:t>
             </a:r>
-            <a:endParaRPr lang="en-US" noProof="1"/>
           </a:p>
           <a:p>
             <a:pPr lvl="1"/>
@@ -3360,7 +3249,6 @@
               <a:rPr lang="en-US" noProof="1"/>
               <a:t>Zweite Ebene</a:t>
             </a:r>
-            <a:endParaRPr lang="en-US" noProof="1"/>
           </a:p>
           <a:p>
             <a:pPr lvl="2"/>
@@ -3368,7 +3256,6 @@
               <a:rPr lang="en-US" noProof="1"/>
               <a:t>Dritte Ebene</a:t>
             </a:r>
-            <a:endParaRPr lang="en-US" noProof="1"/>
           </a:p>
           <a:p>
             <a:pPr lvl="3"/>
@@ -3376,7 +3263,6 @@
               <a:rPr lang="en-US" noProof="1"/>
               <a:t>Vierte Ebene</a:t>
             </a:r>
-            <a:endParaRPr lang="en-US" noProof="1"/>
           </a:p>
           <a:p>
             <a:pPr lvl="4"/>
@@ -3384,7 +3270,6 @@
               <a:rPr lang="en-US" noProof="1"/>
               <a:t>Fünfte Ebene</a:t>
             </a:r>
-            <a:endParaRPr lang="en-US" noProof="1"/>
           </a:p>
         </p:txBody>
       </p:sp>
@@ -3417,7 +3302,6 @@
               <a:rPr lang="en-US" noProof="1"/>
               <a:t>Add Text </a:t>
             </a:r>
-            <a:endParaRPr lang="en-US" noProof="1"/>
           </a:p>
           <a:p>
             <a:pPr lvl="1"/>
@@ -3425,7 +3309,6 @@
               <a:rPr lang="en-US" noProof="1"/>
               <a:t>Zweite Ebene</a:t>
             </a:r>
-            <a:endParaRPr lang="en-US" noProof="1"/>
           </a:p>
           <a:p>
             <a:pPr lvl="2"/>
@@ -3433,7 +3316,6 @@
               <a:rPr lang="en-US" noProof="1"/>
               <a:t>Dritte Ebene</a:t>
             </a:r>
-            <a:endParaRPr lang="en-US" noProof="1"/>
           </a:p>
           <a:p>
             <a:pPr lvl="3"/>
@@ -3441,7 +3323,6 @@
               <a:rPr lang="en-US" noProof="1"/>
               <a:t>Vierte Ebene</a:t>
             </a:r>
-            <a:endParaRPr lang="en-US" noProof="1"/>
           </a:p>
           <a:p>
             <a:pPr lvl="4"/>
@@ -3449,7 +3330,6 @@
               <a:rPr lang="en-US" noProof="1"/>
               <a:t>Fünfte Ebene</a:t>
             </a:r>
-            <a:endParaRPr lang="en-US" noProof="1"/>
           </a:p>
         </p:txBody>
       </p:sp>
@@ -3482,7 +3362,6 @@
               <a:rPr lang="en-US" noProof="1"/>
               <a:t>Add Text </a:t>
             </a:r>
-            <a:endParaRPr lang="en-US" noProof="1"/>
           </a:p>
           <a:p>
             <a:pPr lvl="1"/>
@@ -3490,7 +3369,6 @@
               <a:rPr lang="en-US" noProof="1"/>
               <a:t>Zweite Ebene</a:t>
             </a:r>
-            <a:endParaRPr lang="en-US" noProof="1"/>
           </a:p>
           <a:p>
             <a:pPr lvl="2"/>
@@ -3498,7 +3376,6 @@
               <a:rPr lang="en-US" noProof="1"/>
               <a:t>Dritte Ebene</a:t>
             </a:r>
-            <a:endParaRPr lang="en-US" noProof="1"/>
           </a:p>
           <a:p>
             <a:pPr lvl="3"/>
@@ -3506,7 +3383,6 @@
               <a:rPr lang="en-US" noProof="1"/>
               <a:t>Vierte Ebene</a:t>
             </a:r>
-            <a:endParaRPr lang="en-US" noProof="1"/>
           </a:p>
           <a:p>
             <a:pPr lvl="4"/>
@@ -3514,7 +3390,6 @@
               <a:rPr lang="en-US" noProof="1"/>
               <a:t>Fünfte Ebene</a:t>
             </a:r>
-            <a:endParaRPr lang="en-US" noProof="1"/>
           </a:p>
         </p:txBody>
       </p:sp>
@@ -3547,7 +3422,6 @@
               <a:rPr lang="en-US" noProof="1"/>
               <a:t>Add Text </a:t>
             </a:r>
-            <a:endParaRPr lang="en-US" noProof="1"/>
           </a:p>
           <a:p>
             <a:pPr lvl="1"/>
@@ -3555,7 +3429,6 @@
               <a:rPr lang="en-US" noProof="1"/>
               <a:t>Zweite Ebene</a:t>
             </a:r>
-            <a:endParaRPr lang="en-US" noProof="1"/>
           </a:p>
           <a:p>
             <a:pPr lvl="2"/>
@@ -3563,7 +3436,6 @@
               <a:rPr lang="en-US" noProof="1"/>
               <a:t>Dritte Ebene</a:t>
             </a:r>
-            <a:endParaRPr lang="en-US" noProof="1"/>
           </a:p>
           <a:p>
             <a:pPr lvl="3"/>
@@ -3571,7 +3443,6 @@
               <a:rPr lang="en-US" noProof="1"/>
               <a:t>Vierte Ebene</a:t>
             </a:r>
-            <a:endParaRPr lang="en-US" noProof="1"/>
           </a:p>
           <a:p>
             <a:pPr lvl="4"/>
@@ -3579,7 +3450,6 @@
               <a:rPr lang="en-US" noProof="1"/>
               <a:t>Fünfte Ebene</a:t>
             </a:r>
-            <a:endParaRPr lang="en-US" noProof="1"/>
           </a:p>
         </p:txBody>
       </p:sp>
@@ -3612,7 +3482,6 @@
               <a:rPr lang="en-US" noProof="1"/>
               <a:t>Add Text </a:t>
             </a:r>
-            <a:endParaRPr lang="en-US" noProof="1"/>
           </a:p>
           <a:p>
             <a:pPr lvl="1"/>
@@ -3620,7 +3489,6 @@
               <a:rPr lang="en-US" noProof="1"/>
               <a:t>Zweite Ebene</a:t>
             </a:r>
-            <a:endParaRPr lang="en-US" noProof="1"/>
           </a:p>
           <a:p>
             <a:pPr lvl="2"/>
@@ -3628,7 +3496,6 @@
               <a:rPr lang="en-US" noProof="1"/>
               <a:t>Dritte Ebene</a:t>
             </a:r>
-            <a:endParaRPr lang="en-US" noProof="1"/>
           </a:p>
           <a:p>
             <a:pPr lvl="3"/>
@@ -3636,7 +3503,6 @@
               <a:rPr lang="en-US" noProof="1"/>
               <a:t>Vierte Ebene</a:t>
             </a:r>
-            <a:endParaRPr lang="en-US" noProof="1"/>
           </a:p>
           <a:p>
             <a:pPr lvl="4"/>
@@ -3644,7 +3510,6 @@
               <a:rPr lang="en-US" noProof="1"/>
               <a:t>Fünfte Ebene</a:t>
             </a:r>
-            <a:endParaRPr lang="en-US" noProof="1"/>
           </a:p>
         </p:txBody>
       </p:sp>
@@ -3677,7 +3542,6 @@
               <a:rPr lang="en-US" noProof="1"/>
               <a:t>Add Text </a:t>
             </a:r>
-            <a:endParaRPr lang="en-US" noProof="1"/>
           </a:p>
           <a:p>
             <a:pPr lvl="1"/>
@@ -3685,7 +3549,6 @@
               <a:rPr lang="en-US" noProof="1"/>
               <a:t>Zweite Ebene</a:t>
             </a:r>
-            <a:endParaRPr lang="en-US" noProof="1"/>
           </a:p>
           <a:p>
             <a:pPr lvl="2"/>
@@ -3693,7 +3556,6 @@
               <a:rPr lang="en-US" noProof="1"/>
               <a:t>Dritte Ebene</a:t>
             </a:r>
-            <a:endParaRPr lang="en-US" noProof="1"/>
           </a:p>
           <a:p>
             <a:pPr lvl="3"/>
@@ -3701,7 +3563,6 @@
               <a:rPr lang="en-US" noProof="1"/>
               <a:t>Vierte Ebene</a:t>
             </a:r>
-            <a:endParaRPr lang="en-US" noProof="1"/>
           </a:p>
           <a:p>
             <a:pPr lvl="4"/>
@@ -3709,7 +3570,6 @@
               <a:rPr lang="en-US" noProof="1"/>
               <a:t>Fünfte Ebene</a:t>
             </a:r>
-            <a:endParaRPr lang="en-US" noProof="1"/>
           </a:p>
         </p:txBody>
       </p:sp>
@@ -3754,12 +3614,6 @@
               </a:rPr>
               <a:t> </a:t>
             </a:r>
-            <a:endParaRPr lang="en-US" sz="550" b="0" i="0" u="none" strike="noStrike" kern="0" baseline="0" noProof="1">
-              <a:solidFill>
-                <a:srgbClr val="000000"/>
-              </a:solidFill>
-              <a:latin typeface="+mn-lt"/>
-            </a:endParaRPr>
           </a:p>
         </p:txBody>
       </p:sp>
@@ -3780,6 +3634,7 @@
           <a:p>
             <a:fld id="{4898AEC0-503E-4FA4-859C-D0F72D6E3F79}" type="slidenum">
               <a:rPr lang="en-US" noProof="1" smtClean="0"/>
+              <a:t>‹#›</a:t>
             </a:fld>
             <a:endParaRPr lang="en-US" noProof="1"/>
           </a:p>
@@ -3866,7 +3721,6 @@
               <a:rPr lang="en-US" noProof="1"/>
               <a:t>Add Chapter Title</a:t>
             </a:r>
-            <a:endParaRPr lang="en-US" noProof="1"/>
           </a:p>
         </p:txBody>
       </p:sp>
@@ -3898,7 +3752,6 @@
               <a:rPr lang="en-US" noProof="1"/>
               <a:t>Add Slide Title</a:t>
             </a:r>
-            <a:endParaRPr lang="en-US" noProof="1"/>
           </a:p>
         </p:txBody>
       </p:sp>
@@ -3931,7 +3784,6 @@
               <a:rPr lang="en-US" noProof="1"/>
               <a:t>Add Text </a:t>
             </a:r>
-            <a:endParaRPr lang="en-US" noProof="1"/>
           </a:p>
           <a:p>
             <a:pPr lvl="1"/>
@@ -3939,7 +3791,6 @@
               <a:rPr lang="en-US" noProof="1"/>
               <a:t>Zweite Ebene</a:t>
             </a:r>
-            <a:endParaRPr lang="en-US" noProof="1"/>
           </a:p>
           <a:p>
             <a:pPr lvl="2"/>
@@ -3947,7 +3798,6 @@
               <a:rPr lang="en-US" noProof="1"/>
               <a:t>Dritte Ebene</a:t>
             </a:r>
-            <a:endParaRPr lang="en-US" noProof="1"/>
           </a:p>
           <a:p>
             <a:pPr lvl="3"/>
@@ -3955,7 +3805,6 @@
               <a:rPr lang="en-US" noProof="1"/>
               <a:t>Vierte Ebene</a:t>
             </a:r>
-            <a:endParaRPr lang="en-US" noProof="1"/>
           </a:p>
           <a:p>
             <a:pPr lvl="4"/>
@@ -3963,7 +3812,6 @@
               <a:rPr lang="en-US" noProof="1"/>
               <a:t>Fünfte Ebene</a:t>
             </a:r>
-            <a:endParaRPr lang="en-US" noProof="1"/>
           </a:p>
         </p:txBody>
       </p:sp>
@@ -3996,7 +3844,6 @@
               <a:rPr lang="en-US" noProof="1"/>
               <a:t>Add Text </a:t>
             </a:r>
-            <a:endParaRPr lang="en-US" noProof="1"/>
           </a:p>
           <a:p>
             <a:pPr lvl="1"/>
@@ -4004,7 +3851,6 @@
               <a:rPr lang="en-US" noProof="1"/>
               <a:t>Zweite Ebene</a:t>
             </a:r>
-            <a:endParaRPr lang="en-US" noProof="1"/>
           </a:p>
           <a:p>
             <a:pPr lvl="2"/>
@@ -4012,7 +3858,6 @@
               <a:rPr lang="en-US" noProof="1"/>
               <a:t>Dritte Ebene</a:t>
             </a:r>
-            <a:endParaRPr lang="en-US" noProof="1"/>
           </a:p>
           <a:p>
             <a:pPr lvl="3"/>
@@ -4020,7 +3865,6 @@
               <a:rPr lang="en-US" noProof="1"/>
               <a:t>Vierte Ebene</a:t>
             </a:r>
-            <a:endParaRPr lang="en-US" noProof="1"/>
           </a:p>
           <a:p>
             <a:pPr lvl="4"/>
@@ -4028,7 +3872,6 @@
               <a:rPr lang="en-US" noProof="1"/>
               <a:t>Fünfte Ebene</a:t>
             </a:r>
-            <a:endParaRPr lang="en-US" noProof="1"/>
           </a:p>
         </p:txBody>
       </p:sp>
@@ -4061,7 +3904,6 @@
               <a:rPr lang="en-US" noProof="1"/>
               <a:t>Add Text </a:t>
             </a:r>
-            <a:endParaRPr lang="en-US" noProof="1"/>
           </a:p>
           <a:p>
             <a:pPr lvl="1"/>
@@ -4069,7 +3911,6 @@
               <a:rPr lang="en-US" noProof="1"/>
               <a:t>Zweite Ebene</a:t>
             </a:r>
-            <a:endParaRPr lang="en-US" noProof="1"/>
           </a:p>
           <a:p>
             <a:pPr lvl="2"/>
@@ -4077,7 +3918,6 @@
               <a:rPr lang="en-US" noProof="1"/>
               <a:t>Dritte Ebene</a:t>
             </a:r>
-            <a:endParaRPr lang="en-US" noProof="1"/>
           </a:p>
           <a:p>
             <a:pPr lvl="3"/>
@@ -4085,7 +3925,6 @@
               <a:rPr lang="en-US" noProof="1"/>
               <a:t>Vierte Ebene</a:t>
             </a:r>
-            <a:endParaRPr lang="en-US" noProof="1"/>
           </a:p>
           <a:p>
             <a:pPr lvl="4"/>
@@ -4093,7 +3932,6 @@
               <a:rPr lang="en-US" noProof="1"/>
               <a:t>Fünfte Ebene</a:t>
             </a:r>
-            <a:endParaRPr lang="en-US" noProof="1"/>
           </a:p>
         </p:txBody>
       </p:sp>
@@ -4126,7 +3964,6 @@
               <a:rPr lang="en-US" noProof="1"/>
               <a:t>Add Text </a:t>
             </a:r>
-            <a:endParaRPr lang="en-US" noProof="1"/>
           </a:p>
           <a:p>
             <a:pPr lvl="1"/>
@@ -4134,7 +3971,6 @@
               <a:rPr lang="en-US" noProof="1"/>
               <a:t>Zweite Ebene</a:t>
             </a:r>
-            <a:endParaRPr lang="en-US" noProof="1"/>
           </a:p>
           <a:p>
             <a:pPr lvl="2"/>
@@ -4142,7 +3978,6 @@
               <a:rPr lang="en-US" noProof="1"/>
               <a:t>Dritte Ebene</a:t>
             </a:r>
-            <a:endParaRPr lang="en-US" noProof="1"/>
           </a:p>
           <a:p>
             <a:pPr lvl="3"/>
@@ -4150,7 +3985,6 @@
               <a:rPr lang="en-US" noProof="1"/>
               <a:t>Vierte Ebene</a:t>
             </a:r>
-            <a:endParaRPr lang="en-US" noProof="1"/>
           </a:p>
           <a:p>
             <a:pPr lvl="4"/>
@@ -4158,7 +3992,6 @@
               <a:rPr lang="en-US" noProof="1"/>
               <a:t>Fünfte Ebene</a:t>
             </a:r>
-            <a:endParaRPr lang="en-US" noProof="1"/>
           </a:p>
         </p:txBody>
       </p:sp>
@@ -4191,7 +4024,6 @@
               <a:rPr lang="en-US" noProof="1"/>
               <a:t>Add Text </a:t>
             </a:r>
-            <a:endParaRPr lang="en-US" noProof="1"/>
           </a:p>
           <a:p>
             <a:pPr lvl="1"/>
@@ -4199,7 +4031,6 @@
               <a:rPr lang="en-US" noProof="1"/>
               <a:t>Zweite Ebene</a:t>
             </a:r>
-            <a:endParaRPr lang="en-US" noProof="1"/>
           </a:p>
           <a:p>
             <a:pPr lvl="2"/>
@@ -4207,7 +4038,6 @@
               <a:rPr lang="en-US" noProof="1"/>
               <a:t>Dritte Ebene</a:t>
             </a:r>
-            <a:endParaRPr lang="en-US" noProof="1"/>
           </a:p>
           <a:p>
             <a:pPr lvl="3"/>
@@ -4215,7 +4045,6 @@
               <a:rPr lang="en-US" noProof="1"/>
               <a:t>Vierte Ebene</a:t>
             </a:r>
-            <a:endParaRPr lang="en-US" noProof="1"/>
           </a:p>
           <a:p>
             <a:pPr lvl="4"/>
@@ -4223,7 +4052,6 @@
               <a:rPr lang="en-US" noProof="1"/>
               <a:t>Fünfte Ebene</a:t>
             </a:r>
-            <a:endParaRPr lang="en-US" noProof="1"/>
           </a:p>
         </p:txBody>
       </p:sp>
@@ -4256,7 +4084,6 @@
               <a:rPr lang="en-US" noProof="1"/>
               <a:t>Add Text </a:t>
             </a:r>
-            <a:endParaRPr lang="en-US" noProof="1"/>
           </a:p>
           <a:p>
             <a:pPr lvl="1"/>
@@ -4264,7 +4091,6 @@
               <a:rPr lang="en-US" noProof="1"/>
               <a:t>Zweite Ebene</a:t>
             </a:r>
-            <a:endParaRPr lang="en-US" noProof="1"/>
           </a:p>
           <a:p>
             <a:pPr lvl="2"/>
@@ -4272,7 +4098,6 @@
               <a:rPr lang="en-US" noProof="1"/>
               <a:t>Dritte Ebene</a:t>
             </a:r>
-            <a:endParaRPr lang="en-US" noProof="1"/>
           </a:p>
           <a:p>
             <a:pPr lvl="3"/>
@@ -4280,7 +4105,6 @@
               <a:rPr lang="en-US" noProof="1"/>
               <a:t>Vierte Ebene</a:t>
             </a:r>
-            <a:endParaRPr lang="en-US" noProof="1"/>
           </a:p>
           <a:p>
             <a:pPr lvl="4"/>
@@ -4288,7 +4112,6 @@
               <a:rPr lang="en-US" noProof="1"/>
               <a:t>Fünfte Ebene</a:t>
             </a:r>
-            <a:endParaRPr lang="en-US" noProof="1"/>
           </a:p>
         </p:txBody>
       </p:sp>
@@ -4321,7 +4144,6 @@
               <a:rPr lang="en-US" noProof="1"/>
               <a:t>Add Text </a:t>
             </a:r>
-            <a:endParaRPr lang="en-US" noProof="1"/>
           </a:p>
           <a:p>
             <a:pPr lvl="1"/>
@@ -4329,7 +4151,6 @@
               <a:rPr lang="en-US" noProof="1"/>
               <a:t>Zweite Ebene</a:t>
             </a:r>
-            <a:endParaRPr lang="en-US" noProof="1"/>
           </a:p>
           <a:p>
             <a:pPr lvl="2"/>
@@ -4337,7 +4158,6 @@
               <a:rPr lang="en-US" noProof="1"/>
               <a:t>Dritte Ebene</a:t>
             </a:r>
-            <a:endParaRPr lang="en-US" noProof="1"/>
           </a:p>
           <a:p>
             <a:pPr lvl="3"/>
@@ -4345,7 +4165,6 @@
               <a:rPr lang="en-US" noProof="1"/>
               <a:t>Vierte Ebene</a:t>
             </a:r>
-            <a:endParaRPr lang="en-US" noProof="1"/>
           </a:p>
           <a:p>
             <a:pPr lvl="4"/>
@@ -4353,7 +4172,6 @@
               <a:rPr lang="en-US" noProof="1"/>
               <a:t>Fünfte Ebene</a:t>
             </a:r>
-            <a:endParaRPr lang="en-US" noProof="1"/>
           </a:p>
         </p:txBody>
       </p:sp>
@@ -4386,7 +4204,6 @@
               <a:rPr lang="en-US" noProof="1"/>
               <a:t>Add Text </a:t>
             </a:r>
-            <a:endParaRPr lang="en-US" noProof="1"/>
           </a:p>
           <a:p>
             <a:pPr lvl="1"/>
@@ -4394,7 +4211,6 @@
               <a:rPr lang="en-US" noProof="1"/>
               <a:t>Zweite Ebene</a:t>
             </a:r>
-            <a:endParaRPr lang="en-US" noProof="1"/>
           </a:p>
           <a:p>
             <a:pPr lvl="2"/>
@@ -4402,7 +4218,6 @@
               <a:rPr lang="en-US" noProof="1"/>
               <a:t>Dritte Ebene</a:t>
             </a:r>
-            <a:endParaRPr lang="en-US" noProof="1"/>
           </a:p>
           <a:p>
             <a:pPr lvl="3"/>
@@ -4410,7 +4225,6 @@
               <a:rPr lang="en-US" noProof="1"/>
               <a:t>Vierte Ebene</a:t>
             </a:r>
-            <a:endParaRPr lang="en-US" noProof="1"/>
           </a:p>
           <a:p>
             <a:pPr lvl="4"/>
@@ -4418,7 +4232,6 @@
               <a:rPr lang="en-US" noProof="1"/>
               <a:t>Fünfte Ebene</a:t>
             </a:r>
-            <a:endParaRPr lang="en-US" noProof="1"/>
           </a:p>
         </p:txBody>
       </p:sp>
@@ -4463,12 +4276,6 @@
               </a:rPr>
               <a:t> </a:t>
             </a:r>
-            <a:endParaRPr lang="en-US" sz="550" b="0" i="0" u="none" strike="noStrike" kern="0" baseline="0" noProof="1">
-              <a:solidFill>
-                <a:srgbClr val="000000"/>
-              </a:solidFill>
-              <a:latin typeface="+mn-lt"/>
-            </a:endParaRPr>
           </a:p>
         </p:txBody>
       </p:sp>
@@ -4489,6 +4296,7 @@
           <a:p>
             <a:fld id="{4898AEC0-503E-4FA4-859C-D0F72D6E3F79}" type="slidenum">
               <a:rPr lang="en-US" noProof="1" smtClean="0"/>
+              <a:t>‹#›</a:t>
             </a:fld>
             <a:endParaRPr lang="en-US" noProof="1"/>
           </a:p>
@@ -4575,7 +4383,6 @@
               <a:rPr lang="en-US" noProof="1"/>
               <a:t>Add Chapter Title</a:t>
             </a:r>
-            <a:endParaRPr lang="en-US" noProof="1"/>
           </a:p>
         </p:txBody>
       </p:sp>
@@ -4620,12 +4427,6 @@
               </a:rPr>
               <a:t> </a:t>
             </a:r>
-            <a:endParaRPr lang="en-US" sz="550" b="0" i="0" u="none" strike="noStrike" kern="0" baseline="0" noProof="1">
-              <a:solidFill>
-                <a:srgbClr val="000000"/>
-              </a:solidFill>
-              <a:latin typeface="+mn-lt"/>
-            </a:endParaRPr>
           </a:p>
         </p:txBody>
       </p:sp>
@@ -4648,7 +4449,6 @@
               <a:rPr lang="en-US"/>
               <a:t>Add Slide Title</a:t>
             </a:r>
-            <a:endParaRPr lang="en-US"/>
           </a:p>
         </p:txBody>
       </p:sp>
@@ -4669,6 +4469,7 @@
           <a:p>
             <a:fld id="{4898AEC0-503E-4FA4-859C-D0F72D6E3F79}" type="slidenum">
               <a:rPr lang="en-US" noProof="1" smtClean="0"/>
+              <a:t>‹#›</a:t>
             </a:fld>
             <a:endParaRPr lang="en-US" noProof="1"/>
           </a:p>
@@ -4740,12 +4541,6 @@
               </a:rPr>
               <a:t> </a:t>
             </a:r>
-            <a:endParaRPr lang="en-US" sz="550" b="0" i="0" u="none" strike="noStrike" kern="0" baseline="0" noProof="1">
-              <a:solidFill>
-                <a:srgbClr val="000000"/>
-              </a:solidFill>
-              <a:latin typeface="+mn-lt"/>
-            </a:endParaRPr>
           </a:p>
         </p:txBody>
       </p:sp>
@@ -4766,6 +4561,7 @@
           <a:p>
             <a:fld id="{4898AEC0-503E-4FA4-859C-D0F72D6E3F79}" type="slidenum">
               <a:rPr lang="en-US" noProof="1" smtClean="0"/>
+              <a:t>‹#›</a:t>
             </a:fld>
             <a:endParaRPr lang="en-US" noProof="1"/>
           </a:p>
@@ -4780,7 +4576,7 @@
 </file>
 
 <file path=ppt/slideLayouts/slideLayout2.xml><?xml version="1.0" encoding="utf-8"?>
-<p:sldLayout xmlns:a="http://schemas.openxmlformats.org/drawingml/2006/main" xmlns:r="http://schemas.openxmlformats.org/officeDocument/2006/relationships" xmlns:p="http://schemas.openxmlformats.org/presentationml/2006/main" preserve="1" showMasterSp="0" userDrawn="1">
+<p:sldLayout xmlns:a="http://schemas.openxmlformats.org/drawingml/2006/main" xmlns:r="http://schemas.openxmlformats.org/officeDocument/2006/relationships" xmlns:p="http://schemas.openxmlformats.org/presentationml/2006/main" showMasterSp="0" preserve="1" userDrawn="1">
   <p:cSld name="Title vertical ">
     <p:spTree>
       <p:nvGrpSpPr>
@@ -4805,7 +4601,7 @@
           <p:nvPr userDrawn="1"/>
         </p:nvPicPr>
         <p:blipFill>
-          <a:blip r:embed="rId2" cstate="hqprint">
+          <a:blip r:embed="rId2" cstate="print">
             <a:extLst>
               <a:ext uri="{28A0092B-C50C-407E-A947-70E740481C1C}">
                 <a14:useLocalDpi xmlns:a14="http://schemas.microsoft.com/office/drawing/2010/main" val="0"/>
@@ -4867,7 +4663,6 @@
               <a:rPr lang="en-US" noProof="1"/>
               <a:t>Presentation title</a:t>
             </a:r>
-            <a:endParaRPr lang="en-US" noProof="1"/>
           </a:p>
         </p:txBody>
       </p:sp>
@@ -4924,7 +4719,6 @@
               <a:rPr lang="en-US" noProof="1"/>
               <a:t>Name, Department, Date</a:t>
             </a:r>
-            <a:endParaRPr lang="en-US" noProof="1"/>
           </a:p>
         </p:txBody>
       </p:sp>
@@ -4968,7 +4762,7 @@
 </file>
 
 <file path=ppt/slideLayouts/slideLayout3.xml><?xml version="1.0" encoding="utf-8"?>
-<p:sldLayout xmlns:a="http://schemas.openxmlformats.org/drawingml/2006/main" xmlns:r="http://schemas.openxmlformats.org/officeDocument/2006/relationships" xmlns:p="http://schemas.openxmlformats.org/presentationml/2006/main" preserve="1" showMasterSp="0" userDrawn="1">
+<p:sldLayout xmlns:a="http://schemas.openxmlformats.org/drawingml/2006/main" xmlns:r="http://schemas.openxmlformats.org/officeDocument/2006/relationships" xmlns:p="http://schemas.openxmlformats.org/presentationml/2006/main" showMasterSp="0" preserve="1" userDrawn="1">
   <p:cSld name="Chapter horizontal ">
     <p:spTree>
       <p:nvGrpSpPr>
@@ -4993,7 +4787,7 @@
           <p:nvPr userDrawn="1"/>
         </p:nvPicPr>
         <p:blipFill>
-          <a:blip r:embed="rId2" cstate="hqprint">
+          <a:blip r:embed="rId2" cstate="print">
             <a:extLst>
               <a:ext uri="{28A0092B-C50C-407E-A947-70E740481C1C}">
                 <a14:useLocalDpi xmlns:a14="http://schemas.microsoft.com/office/drawing/2010/main" val="0"/>
@@ -5060,7 +4854,6 @@
               <a:rPr lang="en-US" noProof="1"/>
               <a:t>Chapter title</a:t>
             </a:r>
-            <a:endParaRPr lang="en-US" noProof="1"/>
           </a:p>
         </p:txBody>
       </p:sp>
@@ -5186,7 +4979,6 @@
               <a:rPr lang="en-US"/>
               <a:t>00</a:t>
             </a:r>
-            <a:endParaRPr lang="en-US"/>
           </a:p>
         </p:txBody>
       </p:sp>
@@ -5230,7 +5022,7 @@
 </file>
 
 <file path=ppt/slideLayouts/slideLayout4.xml><?xml version="1.0" encoding="utf-8"?>
-<p:sldLayout xmlns:a="http://schemas.openxmlformats.org/drawingml/2006/main" xmlns:r="http://schemas.openxmlformats.org/officeDocument/2006/relationships" xmlns:p="http://schemas.openxmlformats.org/presentationml/2006/main" preserve="1" showMasterSp="0" userDrawn="1">
+<p:sldLayout xmlns:a="http://schemas.openxmlformats.org/drawingml/2006/main" xmlns:r="http://schemas.openxmlformats.org/officeDocument/2006/relationships" xmlns:p="http://schemas.openxmlformats.org/presentationml/2006/main" showMasterSp="0" preserve="1" userDrawn="1">
   <p:cSld name="Chapter vertical ">
     <p:spTree>
       <p:nvGrpSpPr>
@@ -5255,7 +5047,7 @@
           <p:nvPr userDrawn="1"/>
         </p:nvPicPr>
         <p:blipFill>
-          <a:blip r:embed="rId2" cstate="hqprint">
+          <a:blip r:embed="rId2" cstate="print">
             <a:extLst>
               <a:ext uri="{28A0092B-C50C-407E-A947-70E740481C1C}">
                 <a14:useLocalDpi xmlns:a14="http://schemas.microsoft.com/office/drawing/2010/main" val="0"/>
@@ -5322,7 +5114,6 @@
               <a:rPr lang="en-US" noProof="1"/>
               <a:t>Chapter title</a:t>
             </a:r>
-            <a:endParaRPr lang="en-US" noProof="1"/>
           </a:p>
         </p:txBody>
       </p:sp>
@@ -5448,7 +5239,6 @@
               <a:rPr lang="en-US"/>
               <a:t>00</a:t>
             </a:r>
-            <a:endParaRPr lang="en-US"/>
           </a:p>
         </p:txBody>
       </p:sp>
@@ -5492,7 +5282,7 @@
 </file>
 
 <file path=ppt/slideLayouts/slideLayout5.xml><?xml version="1.0" encoding="utf-8"?>
-<p:sldLayout xmlns:a="http://schemas.openxmlformats.org/drawingml/2006/main" xmlns:r="http://schemas.openxmlformats.org/officeDocument/2006/relationships" xmlns:p="http://schemas.openxmlformats.org/presentationml/2006/main" preserve="1" showMasterSp="0" userDrawn="1">
+<p:sldLayout xmlns:a="http://schemas.openxmlformats.org/drawingml/2006/main" xmlns:r="http://schemas.openxmlformats.org/officeDocument/2006/relationships" xmlns:p="http://schemas.openxmlformats.org/presentationml/2006/main" showMasterSp="0" preserve="1" userDrawn="1">
   <p:cSld name="Full picture without text ">
     <p:spTree>
       <p:nvGrpSpPr>
@@ -5517,7 +5307,7 @@
           <p:nvPr userDrawn="1"/>
         </p:nvPicPr>
         <p:blipFill>
-          <a:blip r:embed="rId2" cstate="hqprint">
+          <a:blip r:embed="rId2" cstate="print">
             <a:extLst>
               <a:ext uri="{28A0092B-C50C-407E-A947-70E740481C1C}">
                 <a14:useLocalDpi xmlns:a14="http://schemas.microsoft.com/office/drawing/2010/main" val="0"/>
@@ -5610,7 +5400,6 @@
               <a:rPr lang="en-US" noProof="1"/>
               <a:t>Insert photo</a:t>
             </a:r>
-            <a:endParaRPr lang="en-US" noProof="1"/>
           </a:p>
         </p:txBody>
       </p:sp>
@@ -5624,7 +5413,7 @@
 </file>
 
 <file path=ppt/slideLayouts/slideLayout6.xml><?xml version="1.0" encoding="utf-8"?>
-<p:sldLayout xmlns:a="http://schemas.openxmlformats.org/drawingml/2006/main" xmlns:r="http://schemas.openxmlformats.org/officeDocument/2006/relationships" xmlns:p="http://schemas.openxmlformats.org/presentationml/2006/main" preserve="1" showMasterSp="0" userDrawn="1">
+<p:sldLayout xmlns:a="http://schemas.openxmlformats.org/drawingml/2006/main" xmlns:r="http://schemas.openxmlformats.org/officeDocument/2006/relationships" xmlns:p="http://schemas.openxmlformats.org/presentationml/2006/main" showMasterSp="0" preserve="1" userDrawn="1">
   <p:cSld name="Full picture with text ">
     <p:spTree>
       <p:nvGrpSpPr>
@@ -5649,7 +5438,7 @@
           <p:nvPr userDrawn="1"/>
         </p:nvPicPr>
         <p:blipFill>
-          <a:blip r:embed="rId2" cstate="hqprint">
+          <a:blip r:embed="rId2" cstate="print">
             <a:extLst>
               <a:ext uri="{28A0092B-C50C-407E-A947-70E740481C1C}">
                 <a14:useLocalDpi xmlns:a14="http://schemas.microsoft.com/office/drawing/2010/main" val="0"/>
@@ -5742,7 +5531,6 @@
               <a:rPr lang="en-US" noProof="1"/>
               <a:t>Insert photo</a:t>
             </a:r>
-            <a:endParaRPr lang="en-US" noProof="1"/>
           </a:p>
         </p:txBody>
       </p:sp>
@@ -5802,7 +5590,6 @@
               <a:rPr lang="en-US" noProof="1"/>
               <a:t>Add Text</a:t>
             </a:r>
-            <a:endParaRPr lang="en-US" noProof="1"/>
           </a:p>
         </p:txBody>
       </p:sp>
@@ -5816,7 +5603,7 @@
 </file>
 
 <file path=ppt/slideLayouts/slideLayout7.xml><?xml version="1.0" encoding="utf-8"?>
-<p:sldLayout xmlns:a="http://schemas.openxmlformats.org/drawingml/2006/main" xmlns:r="http://schemas.openxmlformats.org/officeDocument/2006/relationships" xmlns:p="http://schemas.openxmlformats.org/presentationml/2006/main" preserve="1" showMasterSp="0" userDrawn="1">
+<p:sldLayout xmlns:a="http://schemas.openxmlformats.org/drawingml/2006/main" xmlns:r="http://schemas.openxmlformats.org/officeDocument/2006/relationships" xmlns:p="http://schemas.openxmlformats.org/presentationml/2006/main" showMasterSp="0" preserve="1" userDrawn="1">
   <p:cSld name="Split horizontal ">
     <p:spTree>
       <p:nvGrpSpPr>
@@ -5841,7 +5628,7 @@
           <p:nvPr userDrawn="1"/>
         </p:nvPicPr>
         <p:blipFill>
-          <a:blip r:embed="rId2" cstate="hqprint">
+          <a:blip r:embed="rId2" cstate="print">
             <a:extLst>
               <a:ext uri="{28A0092B-C50C-407E-A947-70E740481C1C}">
                 <a14:useLocalDpi xmlns:a14="http://schemas.microsoft.com/office/drawing/2010/main" val="0"/>
@@ -5934,7 +5721,6 @@
               <a:rPr lang="en-US" noProof="1"/>
               <a:t>Insert photo</a:t>
             </a:r>
-            <a:endParaRPr lang="en-US" noProof="1"/>
           </a:p>
         </p:txBody>
       </p:sp>
@@ -5991,7 +5777,6 @@
               <a:rPr lang="en-US" noProof="1"/>
               <a:t>Add Text</a:t>
             </a:r>
-            <a:endParaRPr lang="en-US" noProof="1"/>
           </a:p>
         </p:txBody>
       </p:sp>
@@ -6005,7 +5790,7 @@
 </file>
 
 <file path=ppt/slideLayouts/slideLayout8.xml><?xml version="1.0" encoding="utf-8"?>
-<p:sldLayout xmlns:a="http://schemas.openxmlformats.org/drawingml/2006/main" xmlns:r="http://schemas.openxmlformats.org/officeDocument/2006/relationships" xmlns:p="http://schemas.openxmlformats.org/presentationml/2006/main" preserve="1" showMasterSp="0" userDrawn="1">
+<p:sldLayout xmlns:a="http://schemas.openxmlformats.org/drawingml/2006/main" xmlns:r="http://schemas.openxmlformats.org/officeDocument/2006/relationships" xmlns:p="http://schemas.openxmlformats.org/presentationml/2006/main" showMasterSp="0" preserve="1" userDrawn="1">
   <p:cSld name="Split vertical ">
     <p:spTree>
       <p:nvGrpSpPr>
@@ -6030,7 +5815,7 @@
           <p:nvPr userDrawn="1"/>
         </p:nvPicPr>
         <p:blipFill>
-          <a:blip r:embed="rId2" cstate="hqprint">
+          <a:blip r:embed="rId2" cstate="print">
             <a:extLst>
               <a:ext uri="{28A0092B-C50C-407E-A947-70E740481C1C}">
                 <a14:useLocalDpi xmlns:a14="http://schemas.microsoft.com/office/drawing/2010/main" val="0"/>
@@ -6093,7 +5878,6 @@
               <a:rPr lang="en-US" noProof="1"/>
               <a:t>Insert photo</a:t>
             </a:r>
-            <a:endParaRPr lang="en-US" noProof="1"/>
           </a:p>
         </p:txBody>
       </p:sp>
@@ -6150,7 +5934,6 @@
               <a:rPr lang="en-US" noProof="1"/>
               <a:t>Add Text</a:t>
             </a:r>
-            <a:endParaRPr lang="en-US" noProof="1"/>
           </a:p>
         </p:txBody>
       </p:sp>
@@ -6238,7 +6021,6 @@
               <a:rPr lang="en-US" noProof="1"/>
               <a:t>Add Slide Title</a:t>
             </a:r>
-            <a:endParaRPr lang="en-US" noProof="1"/>
           </a:p>
         </p:txBody>
       </p:sp>
@@ -6298,7 +6080,6 @@
               <a:rPr lang="en-US" noProof="1"/>
               <a:t>Add Chapter Title</a:t>
             </a:r>
-            <a:endParaRPr lang="en-US" noProof="1"/>
           </a:p>
         </p:txBody>
       </p:sp>
@@ -6343,12 +6124,6 @@
               </a:rPr>
               <a:t> </a:t>
             </a:r>
-            <a:endParaRPr lang="en-US" sz="550" b="0" i="0" u="none" strike="noStrike" kern="0" baseline="0" noProof="1">
-              <a:solidFill>
-                <a:srgbClr val="000000"/>
-              </a:solidFill>
-              <a:latin typeface="+mn-lt"/>
-            </a:endParaRPr>
           </a:p>
         </p:txBody>
       </p:sp>
@@ -6381,7 +6156,6 @@
               <a:rPr lang="en-US" noProof="1"/>
               <a:t>Add Text</a:t>
             </a:r>
-            <a:endParaRPr lang="en-US" noProof="1"/>
           </a:p>
           <a:p>
             <a:pPr lvl="1"/>
@@ -6389,7 +6163,6 @@
               <a:rPr lang="en-US" noProof="1"/>
               <a:t>Zweite Ebene</a:t>
             </a:r>
-            <a:endParaRPr lang="en-US" noProof="1"/>
           </a:p>
           <a:p>
             <a:pPr lvl="2"/>
@@ -6397,7 +6170,6 @@
               <a:rPr lang="en-US" noProof="1"/>
               <a:t>Dritte Ebene</a:t>
             </a:r>
-            <a:endParaRPr lang="en-US" noProof="1"/>
           </a:p>
           <a:p>
             <a:pPr lvl="3"/>
@@ -6405,7 +6177,6 @@
               <a:rPr lang="en-US" noProof="1"/>
               <a:t>Vierte Ebene</a:t>
             </a:r>
-            <a:endParaRPr lang="en-US" noProof="1"/>
           </a:p>
           <a:p>
             <a:pPr lvl="4"/>
@@ -6413,7 +6184,6 @@
               <a:rPr lang="en-US" noProof="1"/>
               <a:t>Fünfte Ebene</a:t>
             </a:r>
-            <a:endParaRPr lang="en-US" noProof="1"/>
           </a:p>
         </p:txBody>
       </p:sp>
@@ -6434,6 +6204,7 @@
           <a:p>
             <a:fld id="{4898AEC0-503E-4FA4-859C-D0F72D6E3F79}" type="slidenum">
               <a:rPr lang="en-US" noProof="1" smtClean="0"/>
+              <a:t>‹#›</a:t>
             </a:fld>
             <a:endParaRPr lang="en-US" noProof="1"/>
           </a:p>
@@ -6478,7 +6249,7 @@
           <p:nvPr userDrawn="1"/>
         </p:nvPicPr>
         <p:blipFill>
-          <a:blip r:embed="rId19" cstate="hqprint">
+          <a:blip r:embed="rId20" cstate="print">
             <a:extLst>
               <a:ext uri="{28A0092B-C50C-407E-A947-70E740481C1C}">
                 <a14:useLocalDpi xmlns:a14="http://schemas.microsoft.com/office/drawing/2010/main" val="0"/>
@@ -6528,7 +6299,6 @@
               <a:rPr lang="en-US" noProof="1"/>
               <a:t>Add Slide Title</a:t>
             </a:r>
-            <a:endParaRPr lang="en-US" noProof="1"/>
           </a:p>
         </p:txBody>
       </p:sp>
@@ -6562,7 +6332,6 @@
               <a:rPr lang="en-US" noProof="1"/>
               <a:t>Click to edit Master text styles</a:t>
             </a:r>
-            <a:endParaRPr lang="en-US" noProof="1"/>
           </a:p>
           <a:p>
             <a:pPr lvl="1"/>
@@ -6570,7 +6339,6 @@
               <a:rPr lang="en-US" noProof="1"/>
               <a:t>Second level</a:t>
             </a:r>
-            <a:endParaRPr lang="en-US" noProof="1"/>
           </a:p>
           <a:p>
             <a:pPr lvl="2"/>
@@ -6578,7 +6346,6 @@
               <a:rPr lang="en-US" noProof="1"/>
               <a:t>Third level</a:t>
             </a:r>
-            <a:endParaRPr lang="en-US" noProof="1"/>
           </a:p>
           <a:p>
             <a:pPr lvl="3"/>
@@ -6586,7 +6353,6 @@
               <a:rPr lang="en-US" noProof="1"/>
               <a:t>Fourth level</a:t>
             </a:r>
-            <a:endParaRPr lang="en-US" noProof="1"/>
           </a:p>
           <a:p>
             <a:pPr lvl="4"/>
@@ -6594,7 +6360,6 @@
               <a:rPr lang="en-US" noProof="1"/>
               <a:t>Fifth level</a:t>
             </a:r>
-            <a:endParaRPr lang="en-US" noProof="1"/>
           </a:p>
         </p:txBody>
       </p:sp>
@@ -6632,6 +6397,7 @@
           <a:p>
             <a:fld id="{4898AEC0-503E-4FA4-859C-D0F72D6E3F79}" type="slidenum">
               <a:rPr lang="en-US" noProof="1" dirty="0" smtClean="0"/>
+              <a:t>‹#›</a:t>
             </a:fld>
             <a:endParaRPr lang="en-US" noProof="1"/>
           </a:p>
@@ -6693,12 +6459,6 @@
               </a:rPr>
               <a:t> | XC/PJ-ICV-CN | 2023-09-21</a:t>
             </a:r>
-            <a:endParaRPr lang="en-US" sz="600" kern="0" baseline="0" noProof="1">
-              <a:solidFill>
-                <a:schemeClr val="tx1"/>
-              </a:solidFill>
-              <a:latin typeface="+mn-lt"/>
-            </a:endParaRPr>
           </a:p>
           <a:p>
             <a:pPr marR="0" defTabSz="914400" eaLnBrk="1" fontAlgn="auto" latinLnBrk="0" hangingPunct="1">
@@ -6770,12 +6530,6 @@
               </a:rPr>
               <a:t>© Bosch Automotive Products (Suzhou) Co., Ltd.  2023. All rights reserved, also regarding any disposal, exploitation, reproduction, editing, distribution, as well as in the event of applications for industrial property rights.</a:t>
             </a:r>
-            <a:endParaRPr lang="en-US" sz="600" kern="0" baseline="0" noProof="1">
-              <a:solidFill>
-                <a:srgbClr val="B2B3B5"/>
-              </a:solidFill>
-              <a:latin typeface="+mn-lt"/>
-            </a:endParaRPr>
           </a:p>
         </p:txBody>
       </p:sp>
@@ -6833,11 +6587,6 @@
               </a:rPr>
               <a:t>%businessunit%%departmentshort%%dateformat%</a:t>
             </a:r>
-            <a:endParaRPr lang="en-US" sz="600" kern="0" baseline="0" noProof="1">
-              <a:solidFill>
-                <a:schemeClr val="tx1"/>
-              </a:solidFill>
-            </a:endParaRPr>
           </a:p>
         </p:txBody>
       </p:sp>
@@ -6887,11 +6636,6 @@
               </a:rPr>
               <a:t>%copyright%</a:t>
             </a:r>
-            <a:endParaRPr lang="en-US" sz="600" kern="0" baseline="0" noProof="1">
-              <a:solidFill>
-                <a:srgbClr val="B2B3B5"/>
-              </a:solidFill>
-            </a:endParaRPr>
           </a:p>
         </p:txBody>
       </p:sp>
@@ -6936,12 +6680,6 @@
               </a:rPr>
               <a:t>%attachmentremark% </a:t>
             </a:r>
-            <a:endParaRPr lang="en-US" sz="550" b="0" i="0" u="none" strike="noStrike" kern="0" baseline="0" noProof="1">
-              <a:solidFill>
-                <a:srgbClr val="000000"/>
-              </a:solidFill>
-              <a:latin typeface="+mn-lt"/>
-            </a:endParaRPr>
           </a:p>
         </p:txBody>
       </p:sp>
@@ -6954,7 +6692,7 @@
           <p:nvPr userDrawn="1"/>
         </p:nvPicPr>
         <p:blipFill>
-          <a:blip r:embed="rId20">
+          <a:blip r:embed="rId21">
             <a:extLst>
               <a:ext uri="{28A0092B-C50C-407E-A947-70E740481C1C}">
                 <a14:useLocalDpi xmlns:a14="http://schemas.microsoft.com/office/drawing/2010/main" val="0"/>
@@ -7404,7 +7142,6 @@
               <a:rPr lang="en-US"/>
               <a:t>Wrap</a:t>
             </a:r>
-            <a:endParaRPr lang="en-US"/>
           </a:p>
         </p:txBody>
       </p:sp>
@@ -7429,7 +7166,7 @@
             </a:r>
             <a:r>
               <a:rPr lang="en-US" dirty="0">
-                <a:hlinkClick r:id="rId1" tooltip="natural"/>
+                <a:hlinkClick r:id="rId2" tooltip="natural"/>
               </a:rPr>
               <a:t>natural</a:t>
             </a:r>
@@ -7437,7 +7174,6 @@
               <a:rPr lang="en-US" dirty="0"/>
               <a:t> state, not changed or controlled by people</a:t>
             </a:r>
-            <a:endParaRPr lang="en-US" dirty="0"/>
           </a:p>
           <a:p>
             <a:r>
@@ -7446,7 +7182,7 @@
             </a:r>
             <a:r>
               <a:rPr lang="en-US" dirty="0">
-                <a:hlinkClick r:id="rId2" tooltip="farm"/>
+                <a:hlinkClick r:id="rId3" tooltip="farm"/>
               </a:rPr>
               <a:t>farming</a:t>
             </a:r>
@@ -7467,7 +7203,7 @@
             </a:r>
             <a:r>
               <a:rPr lang="en-US" dirty="0">
-                <a:hlinkClick r:id="rId3" tooltip="express"/>
+                <a:hlinkClick r:id="rId4" tooltip="express"/>
               </a:rPr>
               <a:t>expressing</a:t>
             </a:r>
@@ -7477,7 +7213,7 @@
             </a:r>
             <a:r>
               <a:rPr lang="en-US" dirty="0">
-                <a:hlinkClick r:id="rId4" tooltip="uncontrolled"/>
+                <a:hlinkClick r:id="rId5" tooltip="uncontrolled"/>
               </a:rPr>
               <a:t>uncontrolled</a:t>
             </a:r>
@@ -7487,7 +7223,7 @@
             </a:r>
             <a:r>
               <a:rPr lang="en-US" dirty="0">
-                <a:hlinkClick r:id="rId5" tooltip="emotion"/>
+                <a:hlinkClick r:id="rId6" tooltip="emotion"/>
               </a:rPr>
               <a:t>emotions</a:t>
             </a:r>
@@ -7497,7 +7233,7 @@
             </a:r>
             <a:r>
               <a:rPr lang="en-US" dirty="0">
-                <a:hlinkClick r:id="rId6" tooltip="anger"/>
+                <a:hlinkClick r:id="rId7" tooltip="anger"/>
               </a:rPr>
               <a:t>anger</a:t>
             </a:r>
@@ -7507,7 +7243,7 @@
             </a:r>
             <a:r>
               <a:rPr lang="en-US" dirty="0">
-                <a:hlinkClick r:id="rId7" tooltip="happiness"/>
+                <a:hlinkClick r:id="rId8" tooltip="happiness"/>
               </a:rPr>
               <a:t>happiness</a:t>
             </a:r>
@@ -7517,7 +7253,7 @@
             </a:r>
             <a:r>
               <a:rPr lang="en-US" dirty="0">
-                <a:hlinkClick r:id="rId8" tooltip="excitement"/>
+                <a:hlinkClick r:id="rId9" tooltip="excitement"/>
               </a:rPr>
               <a:t>excitement</a:t>
             </a:r>
@@ -7526,7 +7262,7 @@
           <a:p>
             <a:r>
               <a:rPr lang="en-US" dirty="0">
-                <a:hlinkClick r:id="rId9" tooltip="behave"/>
+                <a:hlinkClick r:id="rId10" tooltip="behave"/>
               </a:rPr>
               <a:t>behaving</a:t>
             </a:r>
@@ -7536,7 +7272,7 @@
             </a:r>
             <a:r>
               <a:rPr lang="en-US" dirty="0">
-                <a:hlinkClick r:id="rId10" tooltip="violent"/>
+                <a:hlinkClick r:id="rId11" tooltip="violent"/>
               </a:rPr>
               <a:t>violent</a:t>
             </a:r>
@@ -7544,7 +7280,6 @@
               <a:rPr lang="en-US" dirty="0"/>
               <a:t> way</a:t>
             </a:r>
-            <a:endParaRPr lang="en-US" dirty="0"/>
           </a:p>
         </p:txBody>
       </p:sp>
@@ -7565,6 +7300,7 @@
           <a:p>
             <a:fld id="{4898AEC0-503E-4FA4-859C-D0F72D6E3F79}" type="slidenum">
               <a:rPr lang="en-US" noProof="1" smtClean="0"/>
+              <a:t>10</a:t>
             </a:fld>
             <a:endParaRPr lang="en-US" noProof="1"/>
           </a:p>
@@ -7635,7 +7371,7 @@
           <p:nvPr/>
         </p:nvPicPr>
         <p:blipFill>
-          <a:blip r:embed="rId11"/>
+          <a:blip r:embed="rId12"/>
           <a:stretch>
             <a:fillRect/>
           </a:stretch>
@@ -7694,7 +7430,6 @@
               <a:rPr lang="en-US" dirty="0"/>
               <a:t>whatsoever</a:t>
             </a:r>
-            <a:endParaRPr lang="en-US" dirty="0"/>
           </a:p>
         </p:txBody>
       </p:sp>
@@ -7717,7 +7452,6 @@
               <a:rPr lang="en-US"/>
               <a:t>Wrap</a:t>
             </a:r>
-            <a:endParaRPr lang="en-US"/>
           </a:p>
         </p:txBody>
       </p:sp>
@@ -7742,7 +7476,7 @@
             </a:r>
             <a:r>
               <a:rPr lang="en-US" dirty="0">
-                <a:hlinkClick r:id="rId1" tooltip="emphasize"/>
+                <a:hlinkClick r:id="rId2" tooltip="emphasize"/>
               </a:rPr>
               <a:t>emphasize</a:t>
             </a:r>
@@ -7752,7 +7486,7 @@
             </a:r>
             <a:r>
               <a:rPr lang="en-US" dirty="0">
-                <a:hlinkClick r:id="rId2" tooltip="negative"/>
+                <a:hlinkClick r:id="rId3" tooltip="negative"/>
               </a:rPr>
               <a:t>negative</a:t>
             </a:r>
@@ -7762,7 +7496,7 @@
             </a:r>
             <a:r>
               <a:rPr lang="en-US" dirty="0">
-                <a:hlinkClick r:id="rId3" tooltip="statement"/>
+                <a:hlinkClick r:id="rId4" tooltip="statement"/>
               </a:rPr>
               <a:t>statement</a:t>
             </a:r>
@@ -7787,6 +7521,7 @@
           <a:p>
             <a:fld id="{4898AEC0-503E-4FA4-859C-D0F72D6E3F79}" type="slidenum">
               <a:rPr lang="en-US" noProof="1" smtClean="0"/>
+              <a:t>11</a:t>
             </a:fld>
             <a:endParaRPr lang="en-US" noProof="1"/>
           </a:p>
@@ -7823,7 +7558,6 @@
               <a:rPr lang="en-US" dirty="0"/>
               <a:t>whatever</a:t>
             </a:r>
-            <a:endParaRPr lang="en-US" dirty="0"/>
           </a:p>
         </p:txBody>
       </p:sp>
@@ -7927,7 +7661,6 @@
               <a:rPr lang="en-US" dirty="0"/>
               <a:t>whereas</a:t>
             </a:r>
-            <a:endParaRPr lang="en-US" dirty="0"/>
           </a:p>
         </p:txBody>
       </p:sp>
@@ -7950,7 +7683,6 @@
               <a:rPr lang="en-US"/>
               <a:t>Wrap</a:t>
             </a:r>
-            <a:endParaRPr lang="en-US"/>
           </a:p>
         </p:txBody>
       </p:sp>
@@ -7975,7 +7707,7 @@
             </a:r>
             <a:r>
               <a:rPr lang="en-US" dirty="0">
-                <a:hlinkClick r:id="rId1" tooltip="true"/>
+                <a:hlinkClick r:id="rId3" tooltip="true"/>
               </a:rPr>
               <a:t>true</a:t>
             </a:r>
@@ -7983,7 +7715,6 @@
               <a:rPr lang="en-US" dirty="0"/>
               <a:t> of one thing, it is not true of another</a:t>
             </a:r>
-            <a:endParaRPr lang="en-US" dirty="0"/>
           </a:p>
           <a:p>
             <a:r>
@@ -7992,7 +7723,7 @@
             </a:r>
             <a:r>
               <a:rPr lang="en-US" dirty="0">
-                <a:hlinkClick r:id="rId2" tooltip="begin"/>
+                <a:hlinkClick r:id="rId4" tooltip="begin"/>
               </a:rPr>
               <a:t>beginning</a:t>
             </a:r>
@@ -8002,7 +7733,7 @@
             </a:r>
             <a:r>
               <a:rPr lang="en-US" dirty="0">
-                <a:hlinkClick r:id="rId3" tooltip="official"/>
+                <a:hlinkClick r:id="rId5" tooltip="official"/>
               </a:rPr>
               <a:t>official</a:t>
             </a:r>
@@ -8012,7 +7743,7 @@
             </a:r>
             <a:r>
               <a:rPr lang="en-US" dirty="0">
-                <a:hlinkClick r:id="rId4" tooltip="document"/>
+                <a:hlinkClick r:id="rId6" tooltip="document"/>
               </a:rPr>
               <a:t>document</a:t>
             </a:r>
@@ -8022,7 +7753,7 @@
             </a:r>
             <a:r>
               <a:rPr lang="en-US" dirty="0">
-                <a:hlinkClick r:id="rId5" tooltip="mean"/>
+                <a:hlinkClick r:id="rId7" tooltip="mean"/>
               </a:rPr>
               <a:t>mean</a:t>
             </a:r>
@@ -8032,7 +7763,7 @@
             </a:r>
             <a:r>
               <a:rPr lang="en-US" dirty="0">
-                <a:hlinkClick r:id="rId6" tooltip="fact"/>
+                <a:hlinkClick r:id="rId8" tooltip="fact"/>
               </a:rPr>
               <a:t>fact</a:t>
             </a:r>
@@ -8040,7 +7771,6 @@
               <a:rPr lang="en-US" dirty="0"/>
               <a:t>’</a:t>
             </a:r>
-            <a:endParaRPr lang="en-US" dirty="0"/>
           </a:p>
         </p:txBody>
       </p:sp>
@@ -8061,6 +7791,7 @@
           <a:p>
             <a:fld id="{4898AEC0-503E-4FA4-859C-D0F72D6E3F79}" type="slidenum">
               <a:rPr lang="en-US" noProof="1" smtClean="0"/>
+              <a:t>12</a:t>
             </a:fld>
             <a:endParaRPr lang="en-US" noProof="1"/>
           </a:p>
@@ -8166,7 +7897,6 @@
               <a:rPr lang="en-US" dirty="0"/>
               <a:t>whisper</a:t>
             </a:r>
-            <a:endParaRPr lang="en-US" dirty="0"/>
           </a:p>
         </p:txBody>
       </p:sp>
@@ -8189,7 +7919,6 @@
               <a:rPr lang="en-US"/>
               <a:t>Wrap</a:t>
             </a:r>
-            <a:endParaRPr lang="en-US"/>
           </a:p>
         </p:txBody>
       </p:sp>
@@ -8214,7 +7943,7 @@
             </a:r>
             <a:r>
               <a:rPr lang="en-US" dirty="0">
-                <a:hlinkClick r:id="rId1" tooltip="speak"/>
+                <a:hlinkClick r:id="rId2" tooltip="speak"/>
               </a:rPr>
               <a:t>speak</a:t>
             </a:r>
@@ -8224,7 +7953,7 @@
             </a:r>
             <a:r>
               <a:rPr lang="en-US" dirty="0">
-                <a:hlinkClick r:id="rId2" tooltip="breath"/>
+                <a:hlinkClick r:id="rId3" tooltip="breath"/>
               </a:rPr>
               <a:t>breath</a:t>
             </a:r>
@@ -8234,7 +7963,7 @@
             </a:r>
             <a:r>
               <a:rPr lang="en-US" dirty="0">
-                <a:hlinkClick r:id="rId3" tooltip="voice"/>
+                <a:hlinkClick r:id="rId4" tooltip="voice"/>
               </a:rPr>
               <a:t>voice</a:t>
             </a:r>
@@ -8247,7 +7976,7 @@
             </a:r>
             <a:r>
               <a:rPr lang="en-US" dirty="0">
-                <a:hlinkClick r:id="rId4" tooltip="suggest"/>
+                <a:hlinkClick r:id="rId5" tooltip="suggest"/>
               </a:rPr>
               <a:t>suggest</a:t>
             </a:r>
@@ -8255,7 +7984,6 @@
               <a:rPr lang="en-US" dirty="0"/>
               <a:t> something privately or secretly</a:t>
             </a:r>
-            <a:endParaRPr lang="en-US" dirty="0"/>
           </a:p>
         </p:txBody>
       </p:sp>
@@ -8276,6 +8004,7 @@
           <a:p>
             <a:fld id="{4898AEC0-503E-4FA4-859C-D0F72D6E3F79}" type="slidenum">
               <a:rPr lang="en-US" noProof="1" smtClean="0"/>
+              <a:t>13</a:t>
             </a:fld>
             <a:endParaRPr lang="en-US" noProof="1"/>
           </a:p>
@@ -8346,7 +8075,7 @@
           <p:nvPr/>
         </p:nvPicPr>
         <p:blipFill>
-          <a:blip r:embed="rId5"/>
+          <a:blip r:embed="rId6"/>
           <a:stretch>
             <a:fillRect/>
           </a:stretch>
@@ -8405,7 +8134,6 @@
               <a:rPr lang="en-US" dirty="0"/>
               <a:t>wrap</a:t>
             </a:r>
-            <a:endParaRPr lang="en-US" dirty="0"/>
           </a:p>
         </p:txBody>
       </p:sp>
@@ -8428,7 +8156,6 @@
               <a:rPr lang="en-US" dirty="0"/>
               <a:t>W</a:t>
             </a:r>
-            <a:endParaRPr lang="en-US" dirty="0"/>
           </a:p>
         </p:txBody>
       </p:sp>
@@ -8451,7 +8178,6 @@
               <a:rPr lang="en-US" dirty="0"/>
               <a:t>to put paper or cloth over something to cover it</a:t>
             </a:r>
-            <a:endParaRPr lang="en-US" dirty="0"/>
           </a:p>
           <a:p>
             <a:r>
@@ -8460,7 +8186,7 @@
             </a:r>
             <a:r>
               <a:rPr lang="en-US" dirty="0">
-                <a:hlinkClick r:id="rId1" tooltip="wrap"/>
+                <a:hlinkClick r:id="rId3" tooltip="wrap"/>
               </a:rPr>
               <a:t>wrap</a:t>
             </a:r>
@@ -8470,7 +8196,7 @@
             </a:r>
             <a:r>
               <a:rPr lang="en-US" dirty="0">
-                <a:hlinkClick r:id="rId2" tooltip="leg"/>
+                <a:hlinkClick r:id="rId4" tooltip="leg"/>
               </a:rPr>
               <a:t>legs</a:t>
             </a:r>
@@ -8480,7 +8206,7 @@
             </a:r>
             <a:r>
               <a:rPr lang="en-US" dirty="0">
-                <a:hlinkClick r:id="rId3" tooltip="finger"/>
+                <a:hlinkClick r:id="rId5" tooltip="finger"/>
               </a:rPr>
               <a:t>fingers</a:t>
             </a:r>
@@ -8488,7 +8214,6 @@
               <a:rPr lang="en-US" dirty="0"/>
               <a:t> around something, you use them to hold it</a:t>
             </a:r>
-            <a:endParaRPr lang="en-US" dirty="0"/>
           </a:p>
         </p:txBody>
       </p:sp>
@@ -8509,6 +8234,7 @@
           <a:p>
             <a:fld id="{4898AEC0-503E-4FA4-859C-D0F72D6E3F79}" type="slidenum">
               <a:rPr lang="en-US" noProof="1" smtClean="0"/>
+              <a:t>14</a:t>
             </a:fld>
             <a:endParaRPr lang="en-US" noProof="1"/>
           </a:p>
@@ -8523,7 +8249,7 @@
           <p:nvPr/>
         </p:nvPicPr>
         <p:blipFill>
-          <a:blip r:embed="rId4"/>
+          <a:blip r:embed="rId6"/>
           <a:stretch>
             <a:fillRect/>
           </a:stretch>
@@ -8547,7 +8273,7 @@
           <p:nvPr/>
         </p:nvPicPr>
         <p:blipFill>
-          <a:blip r:embed="rId5"/>
+          <a:blip r:embed="rId7"/>
           <a:stretch>
             <a:fillRect/>
           </a:stretch>
@@ -8610,17 +8336,6 @@
               </a:rPr>
               <a:t>wrap</a:t>
             </a:r>
-            <a:endParaRPr kumimoji="0" lang="en-US" sz="15000" b="0" i="0" u="none" strike="noStrike" kern="0" cap="none" spc="0" normalizeH="0" baseline="0" noProof="0" dirty="0">
-              <a:ln>
-                <a:noFill/>
-              </a:ln>
-              <a:solidFill>
-                <a:schemeClr val="bg2"/>
-              </a:solidFill>
-              <a:effectLst/>
-              <a:uLnTx/>
-              <a:uFillTx/>
-            </a:endParaRPr>
           </a:p>
         </p:txBody>
       </p:sp>
@@ -8668,7 +8383,6 @@
               <a:rPr lang="en-US" dirty="0"/>
               <a:t>wind</a:t>
             </a:r>
-            <a:endParaRPr lang="en-US" dirty="0"/>
           </a:p>
         </p:txBody>
       </p:sp>
@@ -8712,7 +8426,7 @@
             </a:r>
             <a:r>
               <a:rPr lang="en-US" dirty="0">
-                <a:hlinkClick r:id="rId1" tooltip="current"/>
+                <a:hlinkClick r:id="rId2" tooltip="current"/>
               </a:rPr>
               <a:t>current</a:t>
             </a:r>
@@ -8737,6 +8451,7 @@
           <a:p>
             <a:fld id="{4898AEC0-503E-4FA4-859C-D0F72D6E3F79}" type="slidenum">
               <a:rPr lang="en-US" noProof="1" smtClean="0"/>
+              <a:t>15</a:t>
             </a:fld>
             <a:endParaRPr lang="en-US" noProof="1"/>
           </a:p>
@@ -8751,7 +8466,7 @@
           <p:nvPr/>
         </p:nvPicPr>
         <p:blipFill>
-          <a:blip r:embed="rId2"/>
+          <a:blip r:embed="rId3"/>
           <a:stretch>
             <a:fillRect/>
           </a:stretch>
@@ -8814,17 +8529,6 @@
               </a:rPr>
               <a:t>wind</a:t>
             </a:r>
-            <a:endParaRPr kumimoji="0" lang="en-US" sz="15000" b="0" i="0" u="none" strike="noStrike" kern="0" cap="none" spc="0" normalizeH="0" baseline="0" noProof="0" dirty="0">
-              <a:ln>
-                <a:noFill/>
-              </a:ln>
-              <a:solidFill>
-                <a:schemeClr val="bg2"/>
-              </a:solidFill>
-              <a:effectLst/>
-              <a:uLnTx/>
-              <a:uFillTx/>
-            </a:endParaRPr>
           </a:p>
         </p:txBody>
       </p:sp>
@@ -8872,117 +8576,115 @@
               <a:rPr lang="en-US" dirty="0"/>
               <a:t>wool</a:t>
             </a:r>
+          </a:p>
+        </p:txBody>
+      </p:sp>
+      <p:sp>
+        <p:nvSpPr>
+          <p:cNvPr id="3" name="Text Placeholder 2"/>
+          <p:cNvSpPr>
+            <a:spLocks noGrp="1"/>
+          </p:cNvSpPr>
+          <p:nvPr>
+            <p:ph type="body" sz="quarter" idx="15"/>
+          </p:nvPr>
+        </p:nvSpPr>
+        <p:spPr/>
+        <p:txBody>
+          <a:bodyPr/>
+          <a:lstStyle/>
+          <a:p>
+            <a:endParaRPr lang="en-US"/>
+          </a:p>
+        </p:txBody>
+      </p:sp>
+      <p:sp>
+        <p:nvSpPr>
+          <p:cNvPr id="4" name="Content Placeholder 3"/>
+          <p:cNvSpPr>
+            <a:spLocks noGrp="1"/>
+          </p:cNvSpPr>
+          <p:nvPr>
+            <p:ph sz="quarter" idx="1"/>
+          </p:nvPr>
+        </p:nvSpPr>
+        <p:spPr/>
+        <p:txBody>
+          <a:bodyPr/>
+          <a:lstStyle/>
+          <a:p>
+            <a:r>
+              <a:rPr lang="en-US" dirty="0"/>
+              <a:t>the </a:t>
+            </a:r>
+            <a:r>
+              <a:rPr lang="en-US" dirty="0">
+                <a:hlinkClick r:id="rId2" tooltip="soft"/>
+              </a:rPr>
+              <a:t>soft</a:t>
+            </a:r>
+            <a:r>
+              <a:rPr lang="en-US" dirty="0"/>
+              <a:t> </a:t>
+            </a:r>
+            <a:r>
+              <a:rPr lang="en-US" dirty="0">
+                <a:hlinkClick r:id="rId3" tooltip="thick"/>
+              </a:rPr>
+              <a:t>thick</a:t>
+            </a:r>
+            <a:r>
+              <a:rPr lang="en-US" dirty="0"/>
+              <a:t> hair that </a:t>
+            </a:r>
+            <a:r>
+              <a:rPr lang="en-US" dirty="0">
+                <a:hlinkClick r:id="rId4" tooltip="sheep"/>
+              </a:rPr>
+              <a:t>sheep</a:t>
+            </a:r>
+            <a:r>
+              <a:rPr lang="en-US" dirty="0"/>
+              <a:t> and some </a:t>
+            </a:r>
+            <a:r>
+              <a:rPr lang="en-US" dirty="0">
+                <a:hlinkClick r:id="rId5" tooltip="goat"/>
+              </a:rPr>
+              <a:t>goats</a:t>
+            </a:r>
+            <a:r>
+              <a:rPr lang="en-US" dirty="0"/>
+              <a:t> have on their body</a:t>
+            </a:r>
+          </a:p>
+          <a:p>
+            <a:r>
+              <a:rPr lang="en-US" dirty="0"/>
+              <a:t>material made from </a:t>
+            </a:r>
+            <a:r>
+              <a:rPr lang="en-US" dirty="0">
+                <a:hlinkClick r:id="rId6" tooltip="wool"/>
+              </a:rPr>
+              <a:t>wool</a:t>
+            </a:r>
             <a:endParaRPr lang="en-US" dirty="0"/>
           </a:p>
-        </p:txBody>
-      </p:sp>
-      <p:sp>
-        <p:nvSpPr>
-          <p:cNvPr id="3" name="Text Placeholder 2"/>
-          <p:cNvSpPr>
-            <a:spLocks noGrp="1"/>
-          </p:cNvSpPr>
-          <p:nvPr>
-            <p:ph type="body" sz="quarter" idx="15"/>
-          </p:nvPr>
-        </p:nvSpPr>
-        <p:spPr/>
-        <p:txBody>
-          <a:bodyPr/>
-          <a:lstStyle/>
-          <a:p>
-            <a:endParaRPr lang="en-US"/>
-          </a:p>
-        </p:txBody>
-      </p:sp>
-      <p:sp>
-        <p:nvSpPr>
-          <p:cNvPr id="4" name="Content Placeholder 3"/>
-          <p:cNvSpPr>
-            <a:spLocks noGrp="1"/>
-          </p:cNvSpPr>
-          <p:nvPr>
-            <p:ph sz="quarter" idx="1"/>
-          </p:nvPr>
-        </p:nvSpPr>
-        <p:spPr/>
-        <p:txBody>
-          <a:bodyPr/>
-          <a:lstStyle/>
-          <a:p>
-            <a:r>
-              <a:rPr lang="en-US" dirty="0"/>
-              <a:t>the </a:t>
-            </a:r>
+          <a:p>
             <a:r>
               <a:rPr lang="en-US" dirty="0">
-                <a:hlinkClick r:id="rId1" tooltip="soft"/>
-              </a:rPr>
-              <a:t>soft</a:t>
-            </a:r>
-            <a:r>
-              <a:rPr lang="en-US" dirty="0"/>
-              <a:t> </a:t>
+                <a:hlinkClick r:id="rId7" tooltip="thread"/>
+              </a:rPr>
+              <a:t>thread</a:t>
+            </a:r>
+            <a:r>
+              <a:rPr lang="en-US" dirty="0"/>
+              <a:t> made from wool that you use to </a:t>
             </a:r>
             <a:r>
               <a:rPr lang="en-US" dirty="0">
-                <a:hlinkClick r:id="rId2" tooltip="thick"/>
-              </a:rPr>
-              <a:t>thick</a:t>
-            </a:r>
-            <a:r>
-              <a:rPr lang="en-US" dirty="0"/>
-              <a:t> hair that </a:t>
-            </a:r>
-            <a:r>
-              <a:rPr lang="en-US" dirty="0">
-                <a:hlinkClick r:id="rId3" tooltip="sheep"/>
-              </a:rPr>
-              <a:t>sheep</a:t>
-            </a:r>
-            <a:r>
-              <a:rPr lang="en-US" dirty="0"/>
-              <a:t> and some </a:t>
-            </a:r>
-            <a:r>
-              <a:rPr lang="en-US" dirty="0">
-                <a:hlinkClick r:id="rId4" tooltip="goat"/>
-              </a:rPr>
-              <a:t>goats</a:t>
-            </a:r>
-            <a:r>
-              <a:rPr lang="en-US" dirty="0"/>
-              <a:t> have on their body</a:t>
-            </a:r>
-            <a:endParaRPr lang="en-US" dirty="0"/>
-          </a:p>
-          <a:p>
-            <a:r>
-              <a:rPr lang="en-US" dirty="0"/>
-              <a:t>material made from </a:t>
-            </a:r>
-            <a:r>
-              <a:rPr lang="en-US" dirty="0">
-                <a:hlinkClick r:id="rId5" tooltip="wool"/>
-              </a:rPr>
-              <a:t>wool</a:t>
-            </a:r>
-            <a:endParaRPr lang="en-US" dirty="0"/>
-          </a:p>
-          <a:p>
-            <a:r>
-              <a:rPr lang="en-US" dirty="0">
-                <a:hlinkClick r:id="rId6" tooltip="thread"/>
-              </a:rPr>
-              <a:t>thread</a:t>
-            </a:r>
-            <a:r>
-              <a:rPr lang="en-US" dirty="0"/>
-              <a:t> made from wool that you use to </a:t>
-            </a:r>
-            <a:r>
-              <a:rPr lang="en-US" dirty="0">
-                <a:hlinkClick r:id="rId7" tooltip="knit"/>
+                <a:hlinkClick r:id="rId8" tooltip="knit"/>
               </a:rPr>
               <a:t>knit</a:t>
             </a:r>
@@ -8990,7 +8692,6 @@
               <a:rPr lang="en-US" dirty="0"/>
               <a:t> clothes </a:t>
             </a:r>
-            <a:endParaRPr lang="en-US" dirty="0"/>
           </a:p>
         </p:txBody>
       </p:sp>
@@ -9011,6 +8712,7 @@
           <a:p>
             <a:fld id="{4898AEC0-503E-4FA4-859C-D0F72D6E3F79}" type="slidenum">
               <a:rPr lang="en-US" noProof="1" smtClean="0"/>
+              <a:t>16</a:t>
             </a:fld>
             <a:endParaRPr lang="en-US" noProof="1"/>
           </a:p>
@@ -9064,17 +8766,6 @@
               </a:rPr>
               <a:t>wool</a:t>
             </a:r>
-            <a:endParaRPr kumimoji="0" lang="en-US" sz="15000" b="0" i="0" u="none" strike="noStrike" kern="0" cap="none" spc="0" normalizeH="0" baseline="0" noProof="0" dirty="0">
-              <a:ln>
-                <a:noFill/>
-              </a:ln>
-              <a:solidFill>
-                <a:schemeClr val="bg2"/>
-              </a:solidFill>
-              <a:effectLst/>
-              <a:uLnTx/>
-              <a:uFillTx/>
-            </a:endParaRPr>
           </a:p>
         </p:txBody>
       </p:sp>
@@ -9087,7 +8778,7 @@
           <p:nvPr/>
         </p:nvPicPr>
         <p:blipFill>
-          <a:blip r:embed="rId8">
+          <a:blip r:embed="rId9">
             <a:extLst>
               <a:ext uri="{28A0092B-C50C-407E-A947-70E740481C1C}">
                 <a14:useLocalDpi xmlns:a14="http://schemas.microsoft.com/office/drawing/2010/main" val="0"/>
@@ -9117,7 +8808,7 @@
           <p:nvPr/>
         </p:nvPicPr>
         <p:blipFill>
-          <a:blip r:embed="rId9">
+          <a:blip r:embed="rId10">
             <a:extLst>
               <a:ext uri="{28A0092B-C50C-407E-A947-70E740481C1C}">
                 <a14:useLocalDpi xmlns:a14="http://schemas.microsoft.com/office/drawing/2010/main" val="0"/>
@@ -9226,7 +8917,7 @@
             </a:r>
             <a:r>
               <a:rPr lang="en-US" dirty="0">
-                <a:hlinkClick r:id="rId1" tooltip="injury"/>
+                <a:hlinkClick r:id="rId2" tooltip="injury"/>
               </a:rPr>
               <a:t>injury</a:t>
             </a:r>
@@ -9236,7 +8927,7 @@
             </a:r>
             <a:r>
               <a:rPr lang="en-US" dirty="0">
-                <a:hlinkClick r:id="rId2" tooltip="body"/>
+                <a:hlinkClick r:id="rId3" tooltip="body"/>
               </a:rPr>
               <a:t>body</a:t>
             </a:r>
@@ -9246,7 +8937,7 @@
             </a:r>
             <a:r>
               <a:rPr lang="en-US" dirty="0">
-                <a:hlinkClick r:id="rId3" tooltip="weapon"/>
+                <a:hlinkClick r:id="rId4" tooltip="weapon"/>
               </a:rPr>
               <a:t>weapon</a:t>
             </a:r>
@@ -9256,7 +8947,7 @@
             </a:r>
             <a:r>
               <a:rPr lang="en-US" dirty="0">
-                <a:hlinkClick r:id="rId4" tooltip="knife"/>
+                <a:hlinkClick r:id="rId5" tooltip="knife"/>
               </a:rPr>
               <a:t>knife</a:t>
             </a:r>
@@ -9266,7 +8957,7 @@
             </a:r>
             <a:r>
               <a:rPr lang="en-US" dirty="0">
-                <a:hlinkClick r:id="rId5" tooltip="bullet"/>
+                <a:hlinkClick r:id="rId6" tooltip="bullet"/>
               </a:rPr>
               <a:t>bullet</a:t>
             </a:r>
@@ -9279,7 +8970,7 @@
             </a:r>
             <a:r>
               <a:rPr lang="en-US" dirty="0">
-                <a:hlinkClick r:id="rId6" tooltip="emotional"/>
+                <a:hlinkClick r:id="rId7" tooltip="emotional"/>
               </a:rPr>
               <a:t>emotional</a:t>
             </a:r>
@@ -9289,7 +8980,7 @@
             </a:r>
             <a:r>
               <a:rPr lang="en-US" dirty="0">
-                <a:hlinkClick r:id="rId7" tooltip="mental"/>
+                <a:hlinkClick r:id="rId8" tooltip="mental"/>
               </a:rPr>
               <a:t>mental</a:t>
             </a:r>
@@ -9299,7 +8990,7 @@
             </a:r>
             <a:r>
               <a:rPr lang="en-US" dirty="0">
-                <a:hlinkClick r:id="rId8" tooltip="pain"/>
+                <a:hlinkClick r:id="rId9" tooltip="pain"/>
               </a:rPr>
               <a:t>pain</a:t>
             </a:r>
@@ -9309,7 +9000,7 @@
             </a:r>
             <a:r>
               <a:rPr lang="en-US" dirty="0">
-                <a:hlinkClick r:id="rId9" tooltip="unpleasant"/>
+                <a:hlinkClick r:id="rId10" tooltip="unpleasant"/>
               </a:rPr>
               <a:t>unpleasant</a:t>
             </a:r>
@@ -9317,7 +9008,6 @@
               <a:rPr lang="en-US" dirty="0"/>
               <a:t> to you</a:t>
             </a:r>
-            <a:endParaRPr lang="en-US" dirty="0"/>
           </a:p>
         </p:txBody>
       </p:sp>
@@ -9338,6 +9028,7 @@
           <a:p>
             <a:fld id="{4898AEC0-503E-4FA4-859C-D0F72D6E3F79}" type="slidenum">
               <a:rPr lang="en-US" noProof="1" smtClean="0"/>
+              <a:t>17</a:t>
             </a:fld>
             <a:endParaRPr lang="en-US" noProof="1"/>
           </a:p>
@@ -9391,17 +9082,6 @@
               </a:rPr>
               <a:t>wound</a:t>
             </a:r>
-            <a:endParaRPr kumimoji="0" lang="en-US" sz="15000" b="0" i="0" u="none" strike="noStrike" kern="0" cap="none" spc="0" normalizeH="0" baseline="0" noProof="0" dirty="0">
-              <a:ln>
-                <a:noFill/>
-              </a:ln>
-              <a:solidFill>
-                <a:schemeClr val="bg2"/>
-              </a:solidFill>
-              <a:effectLst/>
-              <a:uLnTx/>
-              <a:uFillTx/>
-            </a:endParaRPr>
           </a:p>
         </p:txBody>
       </p:sp>
@@ -9414,7 +9094,7 @@
           <p:nvPr/>
         </p:nvPicPr>
         <p:blipFill>
-          <a:blip r:embed="rId10"/>
+          <a:blip r:embed="rId11"/>
           <a:stretch>
             <a:fillRect/>
           </a:stretch>
@@ -9516,7 +9196,7 @@
           <a:p>
             <a:r>
               <a:rPr lang="en-US" dirty="0">
-                <a:hlinkClick r:id="rId1" tooltip="existing"/>
+                <a:hlinkClick r:id="rId2" tooltip="existing"/>
               </a:rPr>
               <a:t>existing</a:t>
             </a:r>
@@ -9524,7 +9204,6 @@
               <a:rPr lang="en-US" dirty="0"/>
               <a:t> or happening in many places or situations, or among many people</a:t>
             </a:r>
-            <a:endParaRPr lang="en-US" dirty="0"/>
           </a:p>
         </p:txBody>
       </p:sp>
@@ -9545,6 +9224,7 @@
           <a:p>
             <a:fld id="{4898AEC0-503E-4FA4-859C-D0F72D6E3F79}" type="slidenum">
               <a:rPr lang="en-US" noProof="1" smtClean="0"/>
+              <a:t>18</a:t>
             </a:fld>
             <a:endParaRPr lang="en-US" noProof="1"/>
           </a:p>
@@ -9598,17 +9278,6 @@
               </a:rPr>
               <a:t>widespread</a:t>
             </a:r>
-            <a:endParaRPr kumimoji="0" lang="en-US" sz="15000" b="0" i="0" u="none" strike="noStrike" kern="0" cap="none" spc="0" normalizeH="0" baseline="0" noProof="0" dirty="0">
-              <a:ln>
-                <a:noFill/>
-              </a:ln>
-              <a:solidFill>
-                <a:schemeClr val="bg2"/>
-              </a:solidFill>
-              <a:effectLst/>
-              <a:uLnTx/>
-              <a:uFillTx/>
-            </a:endParaRPr>
           </a:p>
         </p:txBody>
       </p:sp>
@@ -9621,7 +9290,7 @@
           <p:nvPr/>
         </p:nvPicPr>
         <p:blipFill>
-          <a:blip r:embed="rId2">
+          <a:blip r:embed="rId3">
             <a:extLst>
               <a:ext uri="{28A0092B-C50C-407E-A947-70E740481C1C}">
                 <a14:useLocalDpi xmlns:a14="http://schemas.microsoft.com/office/drawing/2010/main" val="0"/>
@@ -9686,7 +9355,6 @@
               <a:rPr lang="en-US" dirty="0"/>
               <a:t>wise</a:t>
             </a:r>
-            <a:endParaRPr lang="en-US" dirty="0"/>
           </a:p>
         </p:txBody>
       </p:sp>
@@ -9726,7 +9394,7 @@
           <a:p>
             <a:r>
               <a:rPr lang="en-US" dirty="0">
-                <a:hlinkClick r:id="rId1" tooltip="wise"/>
+                <a:hlinkClick r:id="rId2" tooltip="wise"/>
               </a:rPr>
               <a:t>wise</a:t>
             </a:r>
@@ -9736,7 +9404,7 @@
             </a:r>
             <a:r>
               <a:rPr lang="en-US" dirty="0">
-                <a:hlinkClick r:id="rId2" tooltip="decision"/>
+                <a:hlinkClick r:id="rId3" tooltip="decision"/>
               </a:rPr>
               <a:t>decisions</a:t>
             </a:r>
@@ -9746,7 +9414,7 @@
             </a:r>
             <a:r>
               <a:rPr lang="en-US" dirty="0">
-                <a:hlinkClick r:id="rId3" tooltip="action"/>
+                <a:hlinkClick r:id="rId4" tooltip="action"/>
               </a:rPr>
               <a:t>actions</a:t>
             </a:r>
@@ -9756,7 +9424,7 @@
             </a:r>
             <a:r>
               <a:rPr lang="en-US" dirty="0">
-                <a:hlinkClick r:id="rId4" tooltip="sensible"/>
+                <a:hlinkClick r:id="rId5" tooltip="sensible"/>
               </a:rPr>
               <a:t>sensible</a:t>
             </a:r>
@@ -9766,7 +9434,7 @@
             </a:r>
             <a:r>
               <a:rPr lang="en-US" dirty="0">
-                <a:hlinkClick r:id="rId5" tooltip="base"/>
+                <a:hlinkClick r:id="rId6" tooltip="base"/>
               </a:rPr>
               <a:t>based</a:t>
             </a:r>
@@ -9776,7 +9444,7 @@
             </a:r>
             <a:r>
               <a:rPr lang="en-US" dirty="0">
-                <a:hlinkClick r:id="rId6" tooltip="judgment"/>
+                <a:hlinkClick r:id="rId7" tooltip="judgment"/>
               </a:rPr>
               <a:t>judgment</a:t>
             </a:r>
@@ -9801,6 +9469,7 @@
           <a:p>
             <a:fld id="{4898AEC0-503E-4FA4-859C-D0F72D6E3F79}" type="slidenum">
               <a:rPr lang="en-US" noProof="1" smtClean="0"/>
+              <a:t>19</a:t>
             </a:fld>
             <a:endParaRPr lang="en-US" noProof="1"/>
           </a:p>
@@ -9854,17 +9523,6 @@
               </a:rPr>
               <a:t>wise</a:t>
             </a:r>
-            <a:endParaRPr kumimoji="0" lang="en-US" sz="15000" b="0" i="0" u="none" strike="noStrike" kern="0" cap="none" spc="0" normalizeH="0" baseline="0" noProof="0" dirty="0">
-              <a:ln>
-                <a:noFill/>
-              </a:ln>
-              <a:solidFill>
-                <a:schemeClr val="bg2"/>
-              </a:solidFill>
-              <a:effectLst/>
-              <a:uLnTx/>
-              <a:uFillTx/>
-            </a:endParaRPr>
           </a:p>
         </p:txBody>
       </p:sp>
@@ -9877,7 +9535,7 @@
           <p:nvPr/>
         </p:nvPicPr>
         <p:blipFill>
-          <a:blip r:embed="rId7">
+          <a:blip r:embed="rId8">
             <a:extLst>
               <a:ext uri="{28A0092B-C50C-407E-A947-70E740481C1C}">
                 <a14:useLocalDpi xmlns:a14="http://schemas.microsoft.com/office/drawing/2010/main" val="0"/>
@@ -9942,7 +9600,6 @@
               <a:rPr lang="en-US" dirty="0"/>
               <a:t>issue</a:t>
             </a:r>
-            <a:endParaRPr lang="en-US" dirty="0"/>
           </a:p>
         </p:txBody>
       </p:sp>
@@ -10069,6 +9726,7 @@
           <a:p>
             <a:fld id="{4898AEC0-503E-4FA4-859C-D0F72D6E3F79}" type="slidenum">
               <a:rPr lang="en-US" noProof="1" smtClean="0"/>
+              <a:t>2</a:t>
             </a:fld>
             <a:endParaRPr lang="en-US" noProof="1"/>
           </a:p>
@@ -10118,7 +9776,6 @@
               <a:rPr lang="en-US" dirty="0"/>
               <a:t>wire</a:t>
             </a:r>
-            <a:endParaRPr lang="en-US" dirty="0"/>
           </a:p>
         </p:txBody>
       </p:sp>
@@ -10158,7 +9815,7 @@
           <a:p>
             <a:r>
               <a:rPr lang="en-US" dirty="0">
-                <a:hlinkClick r:id="rId1" tooltip="thin"/>
+                <a:hlinkClick r:id="rId2" tooltip="thin"/>
               </a:rPr>
               <a:t>thin</a:t>
             </a:r>
@@ -10168,7 +9825,7 @@
             </a:r>
             <a:r>
               <a:rPr lang="en-US" dirty="0">
-                <a:hlinkClick r:id="rId2" tooltip="metal"/>
+                <a:hlinkClick r:id="rId3" tooltip="metal"/>
               </a:rPr>
               <a:t>metal</a:t>
             </a:r>
@@ -10178,7 +9835,7 @@
             </a:r>
             <a:r>
               <a:rPr lang="en-US" dirty="0">
-                <a:hlinkClick r:id="rId3" tooltip="thread"/>
+                <a:hlinkClick r:id="rId4" tooltip="thread"/>
               </a:rPr>
               <a:t>thread</a:t>
             </a:r>
@@ -10186,7 +9843,6 @@
               <a:rPr lang="en-US" dirty="0"/>
               <a:t>, or a piece of this</a:t>
             </a:r>
-            <a:endParaRPr lang="en-US" dirty="0"/>
           </a:p>
           <a:p>
             <a:r>
@@ -10195,7 +9851,7 @@
             </a:r>
             <a:r>
               <a:rPr lang="en-US" dirty="0">
-                <a:hlinkClick r:id="rId4" tooltip="carry"/>
+                <a:hlinkClick r:id="rId5" tooltip="carry"/>
               </a:rPr>
               <a:t>carrying</a:t>
             </a:r>
@@ -10205,7 +9861,7 @@
             </a:r>
             <a:r>
               <a:rPr lang="en-US" dirty="0">
-                <a:hlinkClick r:id="rId5" tooltip="electrical"/>
+                <a:hlinkClick r:id="rId6" tooltip="electrical"/>
               </a:rPr>
               <a:t>electrical</a:t>
             </a:r>
@@ -10215,7 +9871,7 @@
             </a:r>
             <a:r>
               <a:rPr lang="en-US" dirty="0">
-                <a:hlinkClick r:id="rId6" tooltip="current"/>
+                <a:hlinkClick r:id="rId7" tooltip="current"/>
               </a:rPr>
               <a:t>currents</a:t>
             </a:r>
@@ -10225,7 +9881,7 @@
             </a:r>
             <a:r>
               <a:rPr lang="en-US" dirty="0">
-                <a:hlinkClick r:id="rId7" tooltip="signal"/>
+                <a:hlinkClick r:id="rId8" tooltip="signal"/>
               </a:rPr>
               <a:t>signals</a:t>
             </a:r>
@@ -10250,6 +9906,7 @@
           <a:p>
             <a:fld id="{4898AEC0-503E-4FA4-859C-D0F72D6E3F79}" type="slidenum">
               <a:rPr lang="en-US" noProof="1" smtClean="0"/>
+              <a:t>20</a:t>
             </a:fld>
             <a:endParaRPr lang="en-US" noProof="1"/>
           </a:p>
@@ -10286,7 +9943,6 @@
               <a:rPr lang="en-US" dirty="0"/>
               <a:t>wireless</a:t>
             </a:r>
-            <a:endParaRPr lang="en-US" dirty="0"/>
           </a:p>
         </p:txBody>
       </p:sp>
@@ -10355,7 +10011,7 @@
           <p:nvPr/>
         </p:nvPicPr>
         <p:blipFill>
-          <a:blip r:embed="rId8"/>
+          <a:blip r:embed="rId9"/>
           <a:stretch>
             <a:fillRect/>
           </a:stretch>
@@ -10414,7 +10070,6 @@
               <a:rPr lang="en-US" dirty="0"/>
               <a:t>witness</a:t>
             </a:r>
-            <a:endParaRPr lang="en-US" dirty="0"/>
           </a:p>
         </p:txBody>
       </p:sp>
@@ -10458,7 +10113,7 @@
             </a:r>
             <a:r>
               <a:rPr lang="en-US" dirty="0">
-                <a:hlinkClick r:id="rId1" tooltip="crime"/>
+                <a:hlinkClick r:id="rId2" tooltip="crime"/>
               </a:rPr>
               <a:t>crime</a:t>
             </a:r>
@@ -10468,7 +10123,7 @@
             </a:r>
             <a:r>
               <a:rPr lang="en-US" dirty="0">
-                <a:hlinkClick r:id="rId2" tooltip="accident"/>
+                <a:hlinkClick r:id="rId3" tooltip="accident"/>
               </a:rPr>
               <a:t>accident</a:t>
             </a:r>
@@ -10478,7 +10133,7 @@
             </a:r>
             <a:r>
               <a:rPr lang="en-US" dirty="0">
-                <a:hlinkClick r:id="rId3" tooltip="describe"/>
+                <a:hlinkClick r:id="rId4" tooltip="describe"/>
               </a:rPr>
               <a:t>describe</a:t>
             </a:r>
@@ -10486,7 +10141,6 @@
               <a:rPr lang="en-US" dirty="0"/>
               <a:t> what happened</a:t>
             </a:r>
-            <a:endParaRPr lang="en-US" dirty="0"/>
           </a:p>
         </p:txBody>
       </p:sp>
@@ -10507,6 +10161,7 @@
           <a:p>
             <a:fld id="{4898AEC0-503E-4FA4-859C-D0F72D6E3F79}" type="slidenum">
               <a:rPr lang="en-US" noProof="1" smtClean="0"/>
+              <a:t>21</a:t>
             </a:fld>
             <a:endParaRPr lang="en-US" noProof="1"/>
           </a:p>
@@ -10521,7 +10176,7 @@
           <p:nvPr/>
         </p:nvPicPr>
         <p:blipFill>
-          <a:blip r:embed="rId4">
+          <a:blip r:embed="rId5">
             <a:extLst>
               <a:ext uri="{28A0092B-C50C-407E-A947-70E740481C1C}">
                 <a14:useLocalDpi xmlns:a14="http://schemas.microsoft.com/office/drawing/2010/main" val="0"/>
@@ -10590,17 +10245,6 @@
               </a:rPr>
               <a:t>witness</a:t>
             </a:r>
-            <a:endParaRPr kumimoji="0" lang="en-US" sz="15000" b="0" i="0" u="none" strike="noStrike" kern="0" cap="none" spc="0" normalizeH="0" baseline="0" noProof="0" dirty="0">
-              <a:ln>
-                <a:noFill/>
-              </a:ln>
-              <a:solidFill>
-                <a:schemeClr val="bg2"/>
-              </a:solidFill>
-              <a:effectLst/>
-              <a:uLnTx/>
-              <a:uFillTx/>
-            </a:endParaRPr>
           </a:p>
         </p:txBody>
       </p:sp>
@@ -10688,6 +10332,7 @@
           <a:p>
             <a:fld id="{4898AEC0-503E-4FA4-859C-D0F72D6E3F79}" type="slidenum">
               <a:rPr lang="en-US" noProof="1" smtClean="0"/>
+              <a:t>22</a:t>
             </a:fld>
             <a:endParaRPr lang="en-US" noProof="1"/>
           </a:p>
@@ -10760,7 +10405,7 @@
                 </a:solidFill>
                 <a:effectLst/>
                 <a:latin typeface="Arial" panose="02080604020202020204" pitchFamily="34" charset="0"/>
-                <a:hlinkClick r:id="rId1" tooltip="sure"/>
+                <a:hlinkClick r:id="rId2" tooltip="sure"/>
               </a:rPr>
               <a:t>sure</a:t>
             </a:r>
@@ -10781,7 +10426,7 @@
                 </a:solidFill>
                 <a:effectLst/>
                 <a:latin typeface="Arial" panose="02080604020202020204" pitchFamily="34" charset="0"/>
-                <a:hlinkClick r:id="rId2" tooltip="try"/>
+                <a:hlinkClick r:id="rId3" tooltip="try"/>
               </a:rPr>
               <a:t>try</a:t>
             </a:r>
@@ -10802,7 +10447,7 @@
                 </a:solidFill>
                 <a:effectLst/>
                 <a:latin typeface="Arial" panose="02080604020202020204" pitchFamily="34" charset="0"/>
-                <a:hlinkClick r:id="rId3" tooltip="guess"/>
+                <a:hlinkClick r:id="rId4" tooltip="guess"/>
               </a:rPr>
               <a:t>guess</a:t>
             </a:r>
@@ -10823,7 +10468,7 @@
                 </a:solidFill>
                 <a:effectLst/>
                 <a:latin typeface="Arial" panose="02080604020202020204" pitchFamily="34" charset="0"/>
-                <a:hlinkClick r:id="rId4" tooltip="true"/>
+                <a:hlinkClick r:id="rId5" tooltip="true"/>
               </a:rPr>
               <a:t>true</a:t>
             </a:r>
@@ -10870,7 +10515,7 @@
               <a:rPr lang="en-US" b="0" i="0" dirty="0">
                 <a:effectLst/>
                 <a:latin typeface="Arial" panose="02080604020202020204" pitchFamily="34" charset="0"/>
-                <a:hlinkClick r:id="rId5" tooltip="surprise"/>
+                <a:hlinkClick r:id="rId6" tooltip="surprise"/>
               </a:rPr>
               <a:t>surprised</a:t>
             </a:r>
@@ -10888,7 +10533,7 @@
               <a:rPr lang="en-US" b="0" i="0" dirty="0">
                 <a:effectLst/>
                 <a:latin typeface="Arial" panose="02080604020202020204" pitchFamily="34" charset="0"/>
-                <a:hlinkClick r:id="rId6" tooltip="unable"/>
+                <a:hlinkClick r:id="rId7" tooltip="unable"/>
               </a:rPr>
               <a:t>unable</a:t>
             </a:r>
@@ -10915,7 +10560,7 @@
           <p:nvPr/>
         </p:nvPicPr>
         <p:blipFill>
-          <a:blip r:embed="rId7"/>
+          <a:blip r:embed="rId8"/>
           <a:stretch>
             <a:fillRect/>
           </a:stretch>
@@ -11050,7 +10695,6 @@
               <a:rPr lang="en-US" dirty="0"/>
               <a:t>wipe</a:t>
             </a:r>
-            <a:endParaRPr lang="en-US" dirty="0"/>
           </a:p>
         </p:txBody>
       </p:sp>
@@ -11094,7 +10738,7 @@
             </a:r>
             <a:r>
               <a:rPr lang="en-US" dirty="0">
-                <a:hlinkClick r:id="rId1" tooltip="rub"/>
+                <a:hlinkClick r:id="rId2" tooltip="rub"/>
               </a:rPr>
               <a:t>rub</a:t>
             </a:r>
@@ -11104,7 +10748,7 @@
             </a:r>
             <a:r>
               <a:rPr lang="en-US" dirty="0">
-                <a:hlinkClick r:id="rId2" tooltip="surface"/>
+                <a:hlinkClick r:id="rId3" tooltip="surface"/>
               </a:rPr>
               <a:t>surface</a:t>
             </a:r>
@@ -11114,7 +10758,7 @@
             </a:r>
             <a:r>
               <a:rPr lang="en-US" dirty="0">
-                <a:hlinkClick r:id="rId3" tooltip="remove"/>
+                <a:hlinkClick r:id="rId4" tooltip="remove"/>
               </a:rPr>
               <a:t>remove</a:t>
             </a:r>
@@ -11124,7 +10768,7 @@
             </a:r>
             <a:r>
               <a:rPr lang="en-US" dirty="0">
-                <a:hlinkClick r:id="rId4" tooltip="dirt"/>
+                <a:hlinkClick r:id="rId5" tooltip="dirt"/>
               </a:rPr>
               <a:t>dirt</a:t>
             </a:r>
@@ -11134,7 +10778,7 @@
             </a:r>
             <a:r>
               <a:rPr lang="en-US" dirty="0">
-                <a:hlinkClick r:id="rId5" tooltip="liquid"/>
+                <a:hlinkClick r:id="rId6" tooltip="liquid"/>
               </a:rPr>
               <a:t>liquid</a:t>
             </a:r>
@@ -11170,6 +10814,7 @@
           <a:p>
             <a:fld id="{4898AEC0-503E-4FA4-859C-D0F72D6E3F79}" type="slidenum">
               <a:rPr lang="en-US" noProof="1" smtClean="0"/>
+              <a:t>23</a:t>
             </a:fld>
             <a:endParaRPr lang="en-US" noProof="1"/>
           </a:p>
@@ -11184,7 +10829,7 @@
           <p:nvPr/>
         </p:nvPicPr>
         <p:blipFill>
-          <a:blip r:embed="rId6">
+          <a:blip r:embed="rId7">
             <a:extLst>
               <a:ext uri="{28A0092B-C50C-407E-A947-70E740481C1C}">
                 <a14:useLocalDpi xmlns:a14="http://schemas.microsoft.com/office/drawing/2010/main" val="0"/>
@@ -11305,7 +10950,6 @@
               <a:rPr lang="en-US" dirty="0"/>
               <a:t>winter</a:t>
             </a:r>
-            <a:endParaRPr lang="en-US" dirty="0"/>
           </a:p>
         </p:txBody>
       </p:sp>
@@ -11349,7 +10993,7 @@
             </a:r>
             <a:r>
               <a:rPr lang="en-US" dirty="0">
-                <a:hlinkClick r:id="rId1" tooltip="season"/>
+                <a:hlinkClick r:id="rId2" tooltip="season"/>
               </a:rPr>
               <a:t>season</a:t>
             </a:r>
@@ -11359,7 +11003,7 @@
             </a:r>
             <a:r>
               <a:rPr lang="en-US" dirty="0">
-                <a:hlinkClick r:id="rId2" tooltip="autumn"/>
+                <a:hlinkClick r:id="rId3" tooltip="autumn"/>
               </a:rPr>
               <a:t>autumn</a:t>
             </a:r>
@@ -11369,7 +11013,7 @@
             </a:r>
             <a:r>
               <a:rPr lang="en-US" dirty="0">
-                <a:hlinkClick r:id="rId3" tooltip="spring"/>
+                <a:hlinkClick r:id="rId4" tooltip="spring"/>
               </a:rPr>
               <a:t>spring</a:t>
             </a:r>
@@ -11379,7 +11023,7 @@
             </a:r>
             <a:r>
               <a:rPr lang="en-US" dirty="0">
-                <a:hlinkClick r:id="rId4" tooltip="weather"/>
+                <a:hlinkClick r:id="rId5" tooltip="weather"/>
               </a:rPr>
               <a:t>weather</a:t>
             </a:r>
@@ -11389,7 +11033,7 @@
             </a:r>
             <a:r>
               <a:rPr lang="en-US" dirty="0">
-                <a:hlinkClick r:id="rId5" tooltip="cold"/>
+                <a:hlinkClick r:id="rId6" tooltip="cold"/>
               </a:rPr>
               <a:t>coldest</a:t>
             </a:r>
@@ -11414,6 +11058,7 @@
           <a:p>
             <a:fld id="{4898AEC0-503E-4FA4-859C-D0F72D6E3F79}" type="slidenum">
               <a:rPr lang="en-US" noProof="1" smtClean="0"/>
+              <a:t>24</a:t>
             </a:fld>
             <a:endParaRPr lang="en-US" noProof="1"/>
           </a:p>
@@ -11467,17 +11112,6 @@
               </a:rPr>
               <a:t>winter</a:t>
             </a:r>
-            <a:endParaRPr kumimoji="0" lang="en-US" sz="15000" b="0" i="0" u="none" strike="noStrike" kern="0" cap="none" spc="0" normalizeH="0" baseline="0" noProof="0" dirty="0">
-              <a:ln>
-                <a:noFill/>
-              </a:ln>
-              <a:solidFill>
-                <a:schemeClr val="bg2"/>
-              </a:solidFill>
-              <a:effectLst/>
-              <a:uLnTx/>
-              <a:uFillTx/>
-            </a:endParaRPr>
           </a:p>
         </p:txBody>
       </p:sp>
@@ -11490,7 +11124,7 @@
           <p:nvPr/>
         </p:nvPicPr>
         <p:blipFill>
-          <a:blip r:embed="rId6">
+          <a:blip r:embed="rId7">
             <a:extLst>
               <a:ext uri="{28A0092B-C50C-407E-A947-70E740481C1C}">
                 <a14:useLocalDpi xmlns:a14="http://schemas.microsoft.com/office/drawing/2010/main" val="0"/>
@@ -11555,121 +11189,119 @@
               <a:rPr lang="en-US" dirty="0"/>
               <a:t>welfare</a:t>
             </a:r>
+          </a:p>
+        </p:txBody>
+      </p:sp>
+      <p:sp>
+        <p:nvSpPr>
+          <p:cNvPr id="3" name="Text Placeholder 2"/>
+          <p:cNvSpPr>
+            <a:spLocks noGrp="1"/>
+          </p:cNvSpPr>
+          <p:nvPr>
+            <p:ph type="body" sz="quarter" idx="15"/>
+          </p:nvPr>
+        </p:nvSpPr>
+        <p:spPr/>
+        <p:txBody>
+          <a:bodyPr/>
+          <a:lstStyle/>
+          <a:p>
+            <a:endParaRPr lang="en-US"/>
+          </a:p>
+        </p:txBody>
+      </p:sp>
+      <p:sp>
+        <p:nvSpPr>
+          <p:cNvPr id="4" name="Content Placeholder 3"/>
+          <p:cNvSpPr>
+            <a:spLocks noGrp="1"/>
+          </p:cNvSpPr>
+          <p:nvPr>
+            <p:ph sz="quarter" idx="1"/>
+          </p:nvPr>
+        </p:nvSpPr>
+        <p:spPr/>
+        <p:txBody>
+          <a:bodyPr/>
+          <a:lstStyle/>
+          <a:p>
+            <a:r>
+              <a:rPr lang="en-US" dirty="0"/>
+              <a:t>someone’s </a:t>
+            </a:r>
+            <a:r>
+              <a:rPr lang="en-US" dirty="0">
+                <a:hlinkClick r:id="rId2" tooltip="welfare"/>
+              </a:rPr>
+              <a:t>welfare</a:t>
+            </a:r>
+            <a:r>
+              <a:rPr lang="en-US" dirty="0"/>
+              <a:t> is their </a:t>
+            </a:r>
+            <a:r>
+              <a:rPr lang="en-US" dirty="0">
+                <a:hlinkClick r:id="rId3" tooltip="health"/>
+              </a:rPr>
+              <a:t>health</a:t>
+            </a:r>
+            <a:r>
+              <a:rPr lang="en-US" dirty="0"/>
+              <a:t> and </a:t>
+            </a:r>
+            <a:r>
+              <a:rPr lang="en-US" dirty="0">
+                <a:hlinkClick r:id="rId4" tooltip="happiness"/>
+              </a:rPr>
+              <a:t>happiness</a:t>
+            </a:r>
             <a:endParaRPr lang="en-US" dirty="0"/>
           </a:p>
-        </p:txBody>
-      </p:sp>
-      <p:sp>
-        <p:nvSpPr>
-          <p:cNvPr id="3" name="Text Placeholder 2"/>
-          <p:cNvSpPr>
-            <a:spLocks noGrp="1"/>
-          </p:cNvSpPr>
-          <p:nvPr>
-            <p:ph type="body" sz="quarter" idx="15"/>
-          </p:nvPr>
-        </p:nvSpPr>
-        <p:spPr/>
-        <p:txBody>
-          <a:bodyPr/>
-          <a:lstStyle/>
-          <a:p>
-            <a:endParaRPr lang="en-US"/>
-          </a:p>
-        </p:txBody>
-      </p:sp>
-      <p:sp>
-        <p:nvSpPr>
-          <p:cNvPr id="4" name="Content Placeholder 3"/>
-          <p:cNvSpPr>
-            <a:spLocks noGrp="1"/>
-          </p:cNvSpPr>
-          <p:nvPr>
-            <p:ph sz="quarter" idx="1"/>
-          </p:nvPr>
-        </p:nvSpPr>
-        <p:spPr/>
-        <p:txBody>
-          <a:bodyPr/>
-          <a:lstStyle/>
-          <a:p>
-            <a:r>
-              <a:rPr lang="en-US" dirty="0"/>
-              <a:t>someone’s </a:t>
+          <a:p>
+            <a:r>
+              <a:rPr lang="en-US" dirty="0"/>
+              <a:t>help that is provided for people who have </a:t>
             </a:r>
             <a:r>
               <a:rPr lang="en-US" dirty="0">
-                <a:hlinkClick r:id="rId1" tooltip="welfare"/>
-              </a:rPr>
-              <a:t>welfare</a:t>
-            </a:r>
-            <a:r>
-              <a:rPr lang="en-US" dirty="0"/>
-              <a:t> is their </a:t>
+                <a:hlinkClick r:id="rId5" tooltip="personal"/>
+              </a:rPr>
+              <a:t>personal</a:t>
+            </a:r>
+            <a:r>
+              <a:rPr lang="en-US" dirty="0"/>
+              <a:t> or </a:t>
             </a:r>
             <a:r>
               <a:rPr lang="en-US" dirty="0">
-                <a:hlinkClick r:id="rId2" tooltip="health"/>
-              </a:rPr>
-              <a:t>health</a:t>
-            </a:r>
-            <a:r>
-              <a:rPr lang="en-US" dirty="0"/>
-              <a:t> and </a:t>
+                <a:hlinkClick r:id="rId6" tooltip="social"/>
+              </a:rPr>
+              <a:t>social</a:t>
+            </a:r>
+            <a:r>
+              <a:rPr lang="en-US" dirty="0"/>
+              <a:t> problems</a:t>
+            </a:r>
+          </a:p>
+          <a:p>
+            <a:r>
+              <a:rPr lang="en-US" dirty="0"/>
+              <a:t>money that is paid by the government in the US to people who are very </a:t>
             </a:r>
             <a:r>
               <a:rPr lang="en-US" dirty="0">
-                <a:hlinkClick r:id="rId3" tooltip="happiness"/>
-              </a:rPr>
-              <a:t>happiness</a:t>
-            </a:r>
-            <a:endParaRPr lang="en-US" dirty="0"/>
-          </a:p>
-          <a:p>
-            <a:r>
-              <a:rPr lang="en-US" dirty="0"/>
-              <a:t>help that is provided for people who have </a:t>
+                <a:hlinkClick r:id="rId7" tooltip="poor"/>
+              </a:rPr>
+              <a:t>poor</a:t>
+            </a:r>
+            <a:r>
+              <a:rPr lang="en-US" dirty="0"/>
+              <a:t> or </a:t>
             </a:r>
             <a:r>
               <a:rPr lang="en-US" dirty="0">
-                <a:hlinkClick r:id="rId4" tooltip="personal"/>
-              </a:rPr>
-              <a:t>personal</a:t>
-            </a:r>
-            <a:r>
-              <a:rPr lang="en-US" dirty="0"/>
-              <a:t> or </a:t>
-            </a:r>
-            <a:r>
-              <a:rPr lang="en-US" dirty="0">
-                <a:hlinkClick r:id="rId5" tooltip="social"/>
-              </a:rPr>
-              <a:t>social</a:t>
-            </a:r>
-            <a:r>
-              <a:rPr lang="en-US" dirty="0"/>
-              <a:t> problems</a:t>
-            </a:r>
-            <a:endParaRPr lang="en-US" dirty="0"/>
-          </a:p>
-          <a:p>
-            <a:r>
-              <a:rPr lang="en-US" dirty="0"/>
-              <a:t>money that is paid by the government in the US to people who are very </a:t>
-            </a:r>
-            <a:r>
-              <a:rPr lang="en-US" dirty="0">
-                <a:hlinkClick r:id="rId6" tooltip="poor"/>
-              </a:rPr>
-              <a:t>poor</a:t>
-            </a:r>
-            <a:r>
-              <a:rPr lang="en-US" dirty="0"/>
-              <a:t> or </a:t>
-            </a:r>
-            <a:r>
-              <a:rPr lang="en-US" dirty="0">
-                <a:hlinkClick r:id="rId7" tooltip="unemployed"/>
+                <a:hlinkClick r:id="rId8" tooltip="unemployed"/>
               </a:rPr>
               <a:t>unemployed</a:t>
             </a:r>
@@ -11694,6 +11326,7 @@
           <a:p>
             <a:fld id="{4898AEC0-503E-4FA4-859C-D0F72D6E3F79}" type="slidenum">
               <a:rPr lang="en-US" noProof="1" smtClean="0"/>
+              <a:t>25</a:t>
             </a:fld>
             <a:endParaRPr lang="en-US" noProof="1"/>
           </a:p>
@@ -11747,17 +11380,6 @@
               </a:rPr>
               <a:t>welfare</a:t>
             </a:r>
-            <a:endParaRPr kumimoji="0" lang="en-US" sz="15000" b="0" i="0" u="none" strike="noStrike" kern="0" cap="none" spc="0" normalizeH="0" baseline="0" noProof="0" dirty="0">
-              <a:ln>
-                <a:noFill/>
-              </a:ln>
-              <a:solidFill>
-                <a:schemeClr val="bg2"/>
-              </a:solidFill>
-              <a:effectLst/>
-              <a:uLnTx/>
-              <a:uFillTx/>
-            </a:endParaRPr>
           </a:p>
         </p:txBody>
       </p:sp>
@@ -11770,7 +11392,7 @@
           <p:nvPr/>
         </p:nvPicPr>
         <p:blipFill>
-          <a:blip r:embed="rId8">
+          <a:blip r:embed="rId9">
             <a:extLst>
               <a:ext uri="{28A0092B-C50C-407E-A947-70E740481C1C}">
                 <a14:useLocalDpi xmlns:a14="http://schemas.microsoft.com/office/drawing/2010/main" val="0"/>
@@ -11835,7 +11457,6 @@
               <a:rPr lang="en-US" dirty="0"/>
               <a:t>whisky</a:t>
             </a:r>
-            <a:endParaRPr lang="en-US" dirty="0"/>
           </a:p>
         </p:txBody>
       </p:sp>
@@ -11879,7 +11500,7 @@
             </a:r>
             <a:r>
               <a:rPr lang="en-US" dirty="0">
-                <a:hlinkClick r:id="rId1" tooltip="alcoholic"/>
+                <a:hlinkClick r:id="rId3" tooltip="alcoholic"/>
               </a:rPr>
               <a:t>alcoholic</a:t>
             </a:r>
@@ -11889,7 +11510,7 @@
             </a:r>
             <a:r>
               <a:rPr lang="en-US" dirty="0">
-                <a:hlinkClick r:id="rId2" tooltip="grain"/>
+                <a:hlinkClick r:id="rId4" tooltip="grain"/>
               </a:rPr>
               <a:t>grain</a:t>
             </a:r>
@@ -11899,7 +11520,7 @@
             </a:r>
             <a:r>
               <a:rPr lang="en-US" dirty="0">
-                <a:hlinkClick r:id="rId3" tooltip="glass"/>
+                <a:hlinkClick r:id="rId5" tooltip="glass"/>
               </a:rPr>
               <a:t>glass</a:t>
             </a:r>
@@ -11907,7 +11528,6 @@
               <a:rPr lang="en-US" dirty="0"/>
               <a:t> of this</a:t>
             </a:r>
-            <a:endParaRPr lang="en-US" dirty="0"/>
           </a:p>
         </p:txBody>
       </p:sp>
@@ -11928,6 +11548,7 @@
           <a:p>
             <a:fld id="{4898AEC0-503E-4FA4-859C-D0F72D6E3F79}" type="slidenum">
               <a:rPr lang="en-US" noProof="1" smtClean="0"/>
+              <a:t>26</a:t>
             </a:fld>
             <a:endParaRPr lang="en-US" noProof="1"/>
           </a:p>
@@ -11942,7 +11563,7 @@
           <p:nvPr/>
         </p:nvPicPr>
         <p:blipFill>
-          <a:blip r:embed="rId4"/>
+          <a:blip r:embed="rId6"/>
           <a:stretch>
             <a:fillRect/>
           </a:stretch>
@@ -12005,17 +11626,6 @@
               </a:rPr>
               <a:t>whisky</a:t>
             </a:r>
-            <a:endParaRPr kumimoji="0" lang="en-US" sz="15000" b="0" i="0" u="none" strike="noStrike" kern="0" cap="none" spc="0" normalizeH="0" baseline="0" noProof="0" dirty="0">
-              <a:ln>
-                <a:noFill/>
-              </a:ln>
-              <a:solidFill>
-                <a:schemeClr val="bg2"/>
-              </a:solidFill>
-              <a:effectLst/>
-              <a:uLnTx/>
-              <a:uFillTx/>
-            </a:endParaRPr>
           </a:p>
         </p:txBody>
       </p:sp>
@@ -12063,7 +11673,6 @@
               <a:rPr lang="en-US" dirty="0"/>
               <a:t>whisky</a:t>
             </a:r>
-            <a:endParaRPr lang="en-US" dirty="0"/>
           </a:p>
         </p:txBody>
       </p:sp>
@@ -12105,7 +11714,6 @@
               <a:rPr lang="en-US" dirty="0"/>
               <a:t>to ask someone a lot of questions about something </a:t>
             </a:r>
-            <a:endParaRPr lang="en-US" dirty="0"/>
           </a:p>
         </p:txBody>
       </p:sp>
@@ -12126,6 +11734,7 @@
           <a:p>
             <a:fld id="{4898AEC0-503E-4FA4-859C-D0F72D6E3F79}" type="slidenum">
               <a:rPr lang="en-US" noProof="1" smtClean="0"/>
+              <a:t>27</a:t>
             </a:fld>
             <a:endParaRPr lang="en-US" noProof="1"/>
           </a:p>
@@ -12179,17 +11788,6 @@
               </a:rPr>
               <a:t>grill</a:t>
             </a:r>
-            <a:endParaRPr kumimoji="0" lang="en-US" sz="15000" b="0" i="0" u="none" strike="noStrike" kern="0" cap="none" spc="0" normalizeH="0" baseline="0" noProof="0" dirty="0">
-              <a:ln>
-                <a:noFill/>
-              </a:ln>
-              <a:solidFill>
-                <a:schemeClr val="bg2"/>
-              </a:solidFill>
-              <a:effectLst/>
-              <a:uLnTx/>
-              <a:uFillTx/>
-            </a:endParaRPr>
           </a:p>
         </p:txBody>
       </p:sp>
@@ -12285,7 +11883,7 @@
             </a:r>
             <a:r>
               <a:rPr lang="en-US" dirty="0">
-                <a:hlinkClick r:id="rId1" tooltip="detail"/>
+                <a:hlinkClick r:id="rId2" tooltip="detail"/>
               </a:rPr>
               <a:t>details</a:t>
             </a:r>
@@ -12295,7 +11893,7 @@
             </a:r>
             <a:r>
               <a:rPr lang="en-US" dirty="0">
-                <a:hlinkClick r:id="rId2" tooltip="send"/>
+                <a:hlinkClick r:id="rId3" tooltip="send"/>
               </a:rPr>
               <a:t>send</a:t>
             </a:r>
@@ -12305,7 +11903,7 @@
             </a:r>
             <a:r>
               <a:rPr lang="en-US" dirty="0">
-                <a:hlinkClick r:id="rId3" tooltip="letter"/>
+                <a:hlinkClick r:id="rId4" tooltip="letter"/>
               </a:rPr>
               <a:t>letters</a:t>
             </a:r>
@@ -12329,7 +11927,7 @@
             </a:r>
             <a:r>
               <a:rPr lang="en-US" dirty="0">
-                <a:hlinkClick r:id="rId4" tooltip="speak"/>
+                <a:hlinkClick r:id="rId5" tooltip="speak"/>
               </a:rPr>
               <a:t>speak</a:t>
             </a:r>
@@ -12337,19 +11935,18 @@
               <a:rPr lang="en-US" dirty="0"/>
               <a:t> to someone directly</a:t>
             </a:r>
+          </a:p>
+          <a:p>
             <a:endParaRPr lang="en-US" dirty="0"/>
           </a:p>
           <a:p>
-            <a:endParaRPr lang="en-US" dirty="0"/>
-          </a:p>
-          <a:p>
             <a:r>
               <a:rPr lang="en-US" dirty="0"/>
               <a:t>if you address a problem, you start trying to </a:t>
             </a:r>
             <a:r>
               <a:rPr lang="en-US" dirty="0">
-                <a:hlinkClick r:id="rId5" tooltip="solve"/>
+                <a:hlinkClick r:id="rId6" tooltip="solve"/>
               </a:rPr>
               <a:t>solve</a:t>
             </a:r>
@@ -12357,7 +11954,6 @@
               <a:rPr lang="en-US" dirty="0"/>
               <a:t> it</a:t>
             </a:r>
-            <a:endParaRPr lang="en-US" dirty="0"/>
           </a:p>
         </p:txBody>
       </p:sp>
@@ -12378,6 +11974,7 @@
           <a:p>
             <a:fld id="{4898AEC0-503E-4FA4-859C-D0F72D6E3F79}" type="slidenum">
               <a:rPr lang="en-US" noProof="1" smtClean="0"/>
+              <a:t>28</a:t>
             </a:fld>
             <a:endParaRPr lang="en-US" noProof="1"/>
           </a:p>
@@ -12431,17 +12028,6 @@
               </a:rPr>
               <a:t>address</a:t>
             </a:r>
-            <a:endParaRPr kumimoji="0" lang="en-US" sz="15000" b="0" i="0" u="none" strike="noStrike" kern="0" cap="none" spc="0" normalizeH="0" baseline="0" noProof="0" dirty="0">
-              <a:ln>
-                <a:noFill/>
-              </a:ln>
-              <a:solidFill>
-                <a:schemeClr val="bg2"/>
-              </a:solidFill>
-              <a:effectLst/>
-              <a:uLnTx/>
-              <a:uFillTx/>
-            </a:endParaRPr>
           </a:p>
         </p:txBody>
       </p:sp>
@@ -12489,7 +12075,6 @@
               <a:rPr lang="en-US" dirty="0"/>
               <a:t>revenue</a:t>
             </a:r>
-            <a:endParaRPr lang="en-US" dirty="0"/>
           </a:p>
         </p:txBody>
       </p:sp>
@@ -12533,7 +12118,7 @@
             </a:r>
             <a:r>
               <a:rPr lang="en-US" dirty="0">
-                <a:hlinkClick r:id="rId1" tooltip="organization"/>
+                <a:hlinkClick r:id="rId2" tooltip="organization"/>
               </a:rPr>
               <a:t>organization</a:t>
             </a:r>
@@ -12543,7 +12128,7 @@
             </a:r>
             <a:r>
               <a:rPr lang="en-US" dirty="0">
-                <a:hlinkClick r:id="rId2" tooltip="receive"/>
+                <a:hlinkClick r:id="rId3" tooltip="receive"/>
               </a:rPr>
               <a:t>receives</a:t>
             </a:r>
@@ -12553,7 +12138,7 @@
             </a:r>
             <a:r>
               <a:rPr lang="en-US" dirty="0">
-                <a:hlinkClick r:id="rId3" tooltip="period"/>
+                <a:hlinkClick r:id="rId4" tooltip="period"/>
               </a:rPr>
               <a:t>period</a:t>
             </a:r>
@@ -12563,7 +12148,7 @@
             </a:r>
             <a:r>
               <a:rPr lang="en-US" dirty="0">
-                <a:hlinkClick r:id="rId4" tooltip="selling"/>
+                <a:hlinkClick r:id="rId5" tooltip="selling"/>
               </a:rPr>
               <a:t>selling</a:t>
             </a:r>
@@ -12571,7 +12156,6 @@
               <a:rPr lang="en-US" dirty="0"/>
               <a:t> goods or services</a:t>
             </a:r>
-            <a:endParaRPr lang="en-US" dirty="0"/>
           </a:p>
         </p:txBody>
       </p:sp>
@@ -12592,6 +12176,7 @@
           <a:p>
             <a:fld id="{4898AEC0-503E-4FA4-859C-D0F72D6E3F79}" type="slidenum">
               <a:rPr lang="en-US" noProof="1" smtClean="0"/>
+              <a:t>29</a:t>
             </a:fld>
             <a:endParaRPr lang="en-US" noProof="1"/>
           </a:p>
@@ -12680,17 +12265,6 @@
               </a:rPr>
               <a:t>revenue</a:t>
             </a:r>
-            <a:endParaRPr kumimoji="0" lang="en-US" sz="15000" b="0" i="0" u="none" strike="noStrike" kern="0" cap="none" spc="0" normalizeH="0" baseline="0" noProof="0" dirty="0">
-              <a:ln>
-                <a:noFill/>
-              </a:ln>
-              <a:solidFill>
-                <a:schemeClr val="bg2"/>
-              </a:solidFill>
-              <a:effectLst/>
-              <a:uLnTx/>
-              <a:uFillTx/>
-            </a:endParaRPr>
           </a:p>
         </p:txBody>
       </p:sp>
@@ -12745,7 +12319,6 @@
               <a:rPr lang="en-US" sz="1800" dirty="0"/>
               <a:t>wage</a:t>
             </a:r>
-            <a:endParaRPr lang="en-US" sz="1800" dirty="0"/>
           </a:p>
           <a:p>
             <a:r>
@@ -12755,6 +12328,380 @@
                 </a:solidFill>
               </a:rPr>
               <a:t>wake</a:t>
+            </a:r>
+          </a:p>
+          <a:p>
+            <a:r>
+              <a:rPr lang="en-US" sz="1800" dirty="0"/>
+              <a:t>walk</a:t>
+            </a:r>
+          </a:p>
+          <a:p>
+            <a:r>
+              <a:rPr lang="en-US" sz="1800" b="1" dirty="0">
+                <a:solidFill>
+                  <a:srgbClr val="007BC0"/>
+                </a:solidFill>
+              </a:rPr>
+              <a:t>wall</a:t>
+            </a:r>
+          </a:p>
+          <a:p>
+            <a:r>
+              <a:rPr lang="en-US" sz="1800" dirty="0"/>
+              <a:t>wander</a:t>
+            </a:r>
+          </a:p>
+          <a:p>
+            <a:r>
+              <a:rPr lang="en-US" sz="1800" b="1" dirty="0">
+                <a:solidFill>
+                  <a:srgbClr val="007BC0"/>
+                </a:solidFill>
+              </a:rPr>
+              <a:t>want</a:t>
+            </a:r>
+          </a:p>
+          <a:p>
+            <a:r>
+              <a:rPr lang="en-US" sz="1800" dirty="0"/>
+              <a:t>war</a:t>
+            </a:r>
+          </a:p>
+          <a:p>
+            <a:r>
+              <a:rPr lang="en-US" sz="1800" b="1" dirty="0">
+                <a:solidFill>
+                  <a:srgbClr val="007BC0"/>
+                </a:solidFill>
+              </a:rPr>
+              <a:t>ward</a:t>
+            </a:r>
+          </a:p>
+          <a:p>
+            <a:r>
+              <a:rPr lang="en-US" sz="1800" dirty="0"/>
+              <a:t>wardrobe</a:t>
+            </a:r>
+          </a:p>
+          <a:p>
+            <a:r>
+              <a:rPr lang="en-US" sz="1800" b="1" dirty="0">
+                <a:solidFill>
+                  <a:srgbClr val="007BC0"/>
+                </a:solidFill>
+              </a:rPr>
+              <a:t>warm</a:t>
+            </a:r>
+          </a:p>
+          <a:p>
+            <a:r>
+              <a:rPr lang="en-US" sz="1800" dirty="0"/>
+              <a:t>warn</a:t>
+            </a:r>
+          </a:p>
+          <a:p>
+            <a:r>
+              <a:rPr lang="en-US" sz="1800" b="1" dirty="0">
+                <a:solidFill>
+                  <a:srgbClr val="007BC0"/>
+                </a:solidFill>
+              </a:rPr>
+              <a:t>waste</a:t>
+            </a:r>
+          </a:p>
+          <a:p>
+            <a:r>
+              <a:rPr lang="en-US" sz="1800" dirty="0"/>
+              <a:t>wave</a:t>
+            </a:r>
+          </a:p>
+          <a:p>
+            <a:r>
+              <a:rPr lang="en-US" sz="1800" b="1" dirty="0">
+                <a:solidFill>
+                  <a:srgbClr val="007BC0"/>
+                </a:solidFill>
+              </a:rPr>
+              <a:t>weakness</a:t>
+            </a:r>
+          </a:p>
+          <a:p>
+            <a:r>
+              <a:rPr lang="en-US" sz="1800" dirty="0"/>
+              <a:t>wear</a:t>
+            </a:r>
+          </a:p>
+          <a:p>
+            <a:r>
+              <a:rPr lang="en-US" sz="1800" b="1" dirty="0">
+                <a:solidFill>
+                  <a:srgbClr val="007BC0"/>
+                </a:solidFill>
+              </a:rPr>
+              <a:t>weather</a:t>
+            </a:r>
+          </a:p>
+          <a:p>
+            <a:r>
+              <a:rPr lang="en-US" sz="1800" dirty="0"/>
+              <a:t>wedding</a:t>
+            </a:r>
+          </a:p>
+          <a:p>
+            <a:r>
+              <a:rPr lang="en-US" sz="1800" b="1" dirty="0">
+                <a:solidFill>
+                  <a:srgbClr val="007BC0"/>
+                </a:solidFill>
+              </a:rPr>
+              <a:t>weigh</a:t>
+            </a:r>
+          </a:p>
+          <a:p>
+            <a:r>
+              <a:rPr lang="en-US" sz="1800" dirty="0"/>
+              <a:t>weight</a:t>
+            </a:r>
+          </a:p>
+          <a:p>
+            <a:r>
+              <a:rPr lang="en-US" sz="1800" b="1" dirty="0">
+                <a:solidFill>
+                  <a:srgbClr val="007BC0"/>
+                </a:solidFill>
+              </a:rPr>
+              <a:t>weird</a:t>
+            </a:r>
+          </a:p>
+          <a:p>
+            <a:r>
+              <a:rPr lang="en-US" sz="1800" dirty="0"/>
+              <a:t>welfare</a:t>
+            </a:r>
+          </a:p>
+          <a:p>
+            <a:r>
+              <a:rPr lang="en-US" sz="1800" b="1" dirty="0">
+                <a:solidFill>
+                  <a:srgbClr val="007BC0"/>
+                </a:solidFill>
+              </a:rPr>
+              <a:t>west</a:t>
+            </a:r>
+          </a:p>
+          <a:p>
+            <a:r>
+              <a:rPr lang="en-US" sz="1800" dirty="0"/>
+              <a:t>western</a:t>
+            </a:r>
+          </a:p>
+          <a:p>
+            <a:r>
+              <a:rPr lang="en-US" sz="1800" b="1" dirty="0">
+                <a:solidFill>
+                  <a:srgbClr val="007BC0"/>
+                </a:solidFill>
+              </a:rPr>
+              <a:t>wet</a:t>
+            </a:r>
+          </a:p>
+          <a:p>
+            <a:r>
+              <a:rPr lang="en-US" sz="1800" dirty="0"/>
+              <a:t>whatsoever</a:t>
+            </a:r>
+          </a:p>
+          <a:p>
+            <a:r>
+              <a:rPr lang="en-US" sz="1800" b="1" dirty="0">
+                <a:solidFill>
+                  <a:srgbClr val="007BC0"/>
+                </a:solidFill>
+              </a:rPr>
+              <a:t>wheel</a:t>
+            </a:r>
+          </a:p>
+          <a:p>
+            <a:r>
+              <a:rPr lang="en-US" sz="1800" dirty="0"/>
+              <a:t>whereas</a:t>
+            </a:r>
+          </a:p>
+          <a:p>
+            <a:r>
+              <a:rPr lang="en-US" sz="1800" b="1" dirty="0">
+                <a:solidFill>
+                  <a:srgbClr val="007BC0"/>
+                </a:solidFill>
+              </a:rPr>
+              <a:t>while</a:t>
+            </a:r>
+          </a:p>
+          <a:p>
+            <a:r>
+              <a:rPr lang="en-US" sz="1800" dirty="0"/>
+              <a:t>whisky</a:t>
+            </a:r>
+          </a:p>
+          <a:p>
+            <a:r>
+              <a:rPr lang="en-US" sz="1800" b="1" dirty="0">
+                <a:solidFill>
+                  <a:srgbClr val="007BC0"/>
+                </a:solidFill>
+              </a:rPr>
+              <a:t>whisper</a:t>
+            </a:r>
+          </a:p>
+          <a:p>
+            <a:r>
+              <a:rPr lang="en-US" sz="1800" dirty="0"/>
+              <a:t>white</a:t>
+            </a:r>
+          </a:p>
+          <a:p>
+            <a:r>
+              <a:rPr lang="en-US" sz="1800" b="1" dirty="0">
+                <a:solidFill>
+                  <a:srgbClr val="007BC0"/>
+                </a:solidFill>
+              </a:rPr>
+              <a:t>whose</a:t>
+            </a:r>
+          </a:p>
+          <a:p>
+            <a:r>
+              <a:rPr lang="en-US" sz="1800" dirty="0"/>
+              <a:t>wicked</a:t>
+            </a:r>
+          </a:p>
+          <a:p>
+            <a:r>
+              <a:rPr lang="en-US" sz="1800" b="1" dirty="0">
+                <a:solidFill>
+                  <a:srgbClr val="007BC0"/>
+                </a:solidFill>
+              </a:rPr>
+              <a:t>wide</a:t>
+            </a:r>
+          </a:p>
+          <a:p>
+            <a:r>
+              <a:rPr lang="en-US" sz="1800" dirty="0"/>
+              <a:t>widely</a:t>
+            </a:r>
+          </a:p>
+          <a:p>
+            <a:r>
+              <a:rPr lang="en-US" sz="1800" b="1" dirty="0">
+                <a:solidFill>
+                  <a:srgbClr val="007BC0"/>
+                </a:solidFill>
+              </a:rPr>
+              <a:t>widespread</a:t>
+            </a:r>
+          </a:p>
+          <a:p>
+            <a:r>
+              <a:rPr lang="en-US" sz="1800" dirty="0"/>
+              <a:t>wild</a:t>
+            </a:r>
+          </a:p>
+          <a:p>
+            <a:r>
+              <a:rPr lang="en-US" sz="1800" b="1" dirty="0">
+                <a:solidFill>
+                  <a:srgbClr val="007BC0"/>
+                </a:solidFill>
+              </a:rPr>
+              <a:t>will</a:t>
+            </a:r>
+          </a:p>
+          <a:p>
+            <a:r>
+              <a:rPr lang="en-US" sz="1800" dirty="0"/>
+              <a:t>willing</a:t>
+            </a:r>
+          </a:p>
+          <a:p>
+            <a:r>
+              <a:rPr lang="en-US" sz="1800" b="1" dirty="0">
+                <a:solidFill>
+                  <a:srgbClr val="007BC0"/>
+                </a:solidFill>
+              </a:rPr>
+              <a:t>wind</a:t>
+            </a:r>
+          </a:p>
+          <a:p>
+            <a:r>
+              <a:rPr lang="en-US" sz="1800" dirty="0"/>
+              <a:t>windy</a:t>
+            </a:r>
+          </a:p>
+          <a:p>
+            <a:r>
+              <a:rPr lang="en-US" sz="1800" b="1" dirty="0">
+                <a:solidFill>
+                  <a:srgbClr val="007BC0"/>
+                </a:solidFill>
+              </a:rPr>
+              <a:t>wine</a:t>
+            </a:r>
+          </a:p>
+          <a:p>
+            <a:r>
+              <a:rPr lang="en-US" sz="1800" dirty="0"/>
+              <a:t>wing</a:t>
+            </a:r>
+          </a:p>
+          <a:p>
+            <a:r>
+              <a:rPr lang="en-US" sz="1800" b="1" dirty="0">
+                <a:solidFill>
+                  <a:srgbClr val="007BC0"/>
+                </a:solidFill>
+              </a:rPr>
+              <a:t>winter</a:t>
+            </a:r>
+          </a:p>
+          <a:p>
+            <a:r>
+              <a:rPr lang="en-US" sz="1800" dirty="0"/>
+              <a:t>wipe</a:t>
+            </a:r>
+          </a:p>
+          <a:p>
+            <a:r>
+              <a:rPr lang="en-US" sz="1800" b="1" dirty="0">
+                <a:solidFill>
+                  <a:srgbClr val="007BC0"/>
+                </a:solidFill>
+              </a:rPr>
+              <a:t>wire</a:t>
+            </a:r>
+          </a:p>
+          <a:p>
+            <a:r>
+              <a:rPr lang="en-US" sz="1800" dirty="0"/>
+              <a:t>wise</a:t>
+            </a:r>
+          </a:p>
+          <a:p>
+            <a:r>
+              <a:rPr lang="en-US" sz="1800" b="1" dirty="0">
+                <a:solidFill>
+                  <a:srgbClr val="007BC0"/>
+                </a:solidFill>
+              </a:rPr>
+              <a:t>witness</a:t>
+            </a:r>
+          </a:p>
+          <a:p>
+            <a:r>
+              <a:rPr lang="en-US" altLang="zh-CN" sz="1800" dirty="0"/>
+              <a:t>wonder</a:t>
             </a:r>
             <a:endParaRPr lang="en-US" sz="1800" b="1" dirty="0">
               <a:solidFill>
@@ -12765,9 +12712,8 @@
           <a:p>
             <a:r>
               <a:rPr lang="en-US" sz="1800" dirty="0"/>
-              <a:t>walk</a:t>
-            </a:r>
-            <a:endParaRPr lang="en-US" sz="1800" dirty="0"/>
+              <a:t>wool</a:t>
+            </a:r>
           </a:p>
           <a:p>
             <a:r>
@@ -12776,20 +12722,14 @@
                   <a:srgbClr val="007BC0"/>
                 </a:solidFill>
               </a:rPr>
-              <a:t>wall</a:t>
-            </a:r>
-            <a:endParaRPr lang="en-US" sz="1800" b="1" dirty="0">
-              <a:solidFill>
-                <a:srgbClr val="007BC0"/>
-              </a:solidFill>
-            </a:endParaRPr>
+              <a:t>word</a:t>
+            </a:r>
           </a:p>
           <a:p>
             <a:r>
               <a:rPr lang="en-US" sz="1800" dirty="0"/>
-              <a:t>wander</a:t>
-            </a:r>
-            <a:endParaRPr lang="en-US" sz="1800" dirty="0"/>
+              <a:t>worth</a:t>
+            </a:r>
           </a:p>
           <a:p>
             <a:r>
@@ -12798,20 +12738,27 @@
                   <a:srgbClr val="007BC0"/>
                 </a:solidFill>
               </a:rPr>
-              <a:t>want</a:t>
-            </a:r>
-            <a:endParaRPr lang="en-US" sz="1800" b="1" dirty="0">
-              <a:solidFill>
-                <a:srgbClr val="007BC0"/>
-              </a:solidFill>
-            </a:endParaRPr>
+              <a:t>would</a:t>
+            </a:r>
           </a:p>
           <a:p>
             <a:r>
               <a:rPr lang="en-US" sz="1800" dirty="0"/>
-              <a:t>war</a:t>
+              <a:t>wound</a:t>
+            </a:r>
+          </a:p>
+          <a:p>
+            <a:r>
+              <a:rPr lang="en-US" altLang="zh-CN" sz="1800" dirty="0"/>
+              <a:t>wonder</a:t>
             </a:r>
             <a:endParaRPr lang="en-US" sz="1800" dirty="0"/>
+          </a:p>
+          <a:p>
+            <a:r>
+              <a:rPr lang="en-US" sz="1800" dirty="0"/>
+              <a:t>wrap</a:t>
+            </a:r>
           </a:p>
           <a:p>
             <a:r>
@@ -12820,20 +12767,14 @@
                   <a:srgbClr val="007BC0"/>
                 </a:solidFill>
               </a:rPr>
-              <a:t>ward</a:t>
-            </a:r>
-            <a:endParaRPr lang="en-US" sz="1800" b="1" dirty="0">
-              <a:solidFill>
-                <a:srgbClr val="007BC0"/>
-              </a:solidFill>
-            </a:endParaRPr>
+              <a:t>write</a:t>
+            </a:r>
           </a:p>
           <a:p>
             <a:r>
               <a:rPr lang="en-US" sz="1800" dirty="0"/>
-              <a:t>wardrobe</a:t>
-            </a:r>
-            <a:endParaRPr lang="en-US" sz="1800" dirty="0"/>
+              <a:t>writer</a:t>
+            </a:r>
           </a:p>
           <a:p>
             <a:r>
@@ -12842,544 +12783,8 @@
                   <a:srgbClr val="007BC0"/>
                 </a:solidFill>
               </a:rPr>
-              <a:t>warm</a:t>
-            </a:r>
-            <a:endParaRPr lang="en-US" sz="1800" b="1" dirty="0">
-              <a:solidFill>
-                <a:srgbClr val="007BC0"/>
-              </a:solidFill>
-            </a:endParaRPr>
-          </a:p>
-          <a:p>
-            <a:r>
-              <a:rPr lang="en-US" sz="1800" dirty="0"/>
-              <a:t>warn</a:t>
-            </a:r>
-            <a:endParaRPr lang="en-US" sz="1800" dirty="0"/>
-          </a:p>
-          <a:p>
-            <a:r>
-              <a:rPr lang="en-US" sz="1800" b="1" dirty="0">
-                <a:solidFill>
-                  <a:srgbClr val="007BC0"/>
-                </a:solidFill>
-              </a:rPr>
-              <a:t>waste</a:t>
-            </a:r>
-            <a:endParaRPr lang="en-US" sz="1800" b="1" dirty="0">
-              <a:solidFill>
-                <a:srgbClr val="007BC0"/>
-              </a:solidFill>
-            </a:endParaRPr>
-          </a:p>
-          <a:p>
-            <a:r>
-              <a:rPr lang="en-US" sz="1800" dirty="0"/>
-              <a:t>wave</a:t>
-            </a:r>
-            <a:endParaRPr lang="en-US" sz="1800" dirty="0"/>
-          </a:p>
-          <a:p>
-            <a:r>
-              <a:rPr lang="en-US" sz="1800" b="1" dirty="0">
-                <a:solidFill>
-                  <a:srgbClr val="007BC0"/>
-                </a:solidFill>
-              </a:rPr>
-              <a:t>weakness</a:t>
-            </a:r>
-            <a:endParaRPr lang="en-US" sz="1800" b="1" dirty="0">
-              <a:solidFill>
-                <a:srgbClr val="007BC0"/>
-              </a:solidFill>
-            </a:endParaRPr>
-          </a:p>
-          <a:p>
-            <a:r>
-              <a:rPr lang="en-US" sz="1800" dirty="0"/>
-              <a:t>wear</a:t>
-            </a:r>
-            <a:endParaRPr lang="en-US" sz="1800" dirty="0"/>
-          </a:p>
-          <a:p>
-            <a:r>
-              <a:rPr lang="en-US" sz="1800" b="1" dirty="0">
-                <a:solidFill>
-                  <a:srgbClr val="007BC0"/>
-                </a:solidFill>
-              </a:rPr>
-              <a:t>weather</a:t>
-            </a:r>
-            <a:endParaRPr lang="en-US" sz="1800" b="1" dirty="0">
-              <a:solidFill>
-                <a:srgbClr val="007BC0"/>
-              </a:solidFill>
-            </a:endParaRPr>
-          </a:p>
-          <a:p>
-            <a:r>
-              <a:rPr lang="en-US" sz="1800" dirty="0"/>
-              <a:t>wedding</a:t>
-            </a:r>
-            <a:endParaRPr lang="en-US" sz="1800" dirty="0"/>
-          </a:p>
-          <a:p>
-            <a:r>
-              <a:rPr lang="en-US" sz="1800" b="1" dirty="0">
-                <a:solidFill>
-                  <a:srgbClr val="007BC0"/>
-                </a:solidFill>
-              </a:rPr>
-              <a:t>weigh</a:t>
-            </a:r>
-            <a:endParaRPr lang="en-US" sz="1800" b="1" dirty="0">
-              <a:solidFill>
-                <a:srgbClr val="007BC0"/>
-              </a:solidFill>
-            </a:endParaRPr>
-          </a:p>
-          <a:p>
-            <a:r>
-              <a:rPr lang="en-US" sz="1800" dirty="0"/>
-              <a:t>weight</a:t>
-            </a:r>
-            <a:endParaRPr lang="en-US" sz="1800" dirty="0"/>
-          </a:p>
-          <a:p>
-            <a:r>
-              <a:rPr lang="en-US" sz="1800" b="1" dirty="0">
-                <a:solidFill>
-                  <a:srgbClr val="007BC0"/>
-                </a:solidFill>
-              </a:rPr>
-              <a:t>weird</a:t>
-            </a:r>
-            <a:endParaRPr lang="en-US" sz="1800" b="1" dirty="0">
-              <a:solidFill>
-                <a:srgbClr val="007BC0"/>
-              </a:solidFill>
-            </a:endParaRPr>
-          </a:p>
-          <a:p>
-            <a:r>
-              <a:rPr lang="en-US" sz="1800" dirty="0"/>
-              <a:t>welfare</a:t>
-            </a:r>
-            <a:endParaRPr lang="en-US" sz="1800" dirty="0"/>
-          </a:p>
-          <a:p>
-            <a:r>
-              <a:rPr lang="en-US" sz="1800" b="1" dirty="0">
-                <a:solidFill>
-                  <a:srgbClr val="007BC0"/>
-                </a:solidFill>
-              </a:rPr>
-              <a:t>west</a:t>
-            </a:r>
-            <a:endParaRPr lang="en-US" sz="1800" b="1" dirty="0">
-              <a:solidFill>
-                <a:srgbClr val="007BC0"/>
-              </a:solidFill>
-            </a:endParaRPr>
-          </a:p>
-          <a:p>
-            <a:r>
-              <a:rPr lang="en-US" sz="1800" dirty="0"/>
-              <a:t>western</a:t>
-            </a:r>
-            <a:endParaRPr lang="en-US" sz="1800" dirty="0"/>
-          </a:p>
-          <a:p>
-            <a:r>
-              <a:rPr lang="en-US" sz="1800" b="1" dirty="0">
-                <a:solidFill>
-                  <a:srgbClr val="007BC0"/>
-                </a:solidFill>
-              </a:rPr>
-              <a:t>wet</a:t>
-            </a:r>
-            <a:endParaRPr lang="en-US" sz="1800" b="1" dirty="0">
-              <a:solidFill>
-                <a:srgbClr val="007BC0"/>
-              </a:solidFill>
-            </a:endParaRPr>
-          </a:p>
-          <a:p>
-            <a:r>
-              <a:rPr lang="en-US" sz="1800" dirty="0"/>
-              <a:t>whatsoever</a:t>
-            </a:r>
-            <a:endParaRPr lang="en-US" sz="1800" dirty="0"/>
-          </a:p>
-          <a:p>
-            <a:r>
-              <a:rPr lang="en-US" sz="1800" b="1" dirty="0">
-                <a:solidFill>
-                  <a:srgbClr val="007BC0"/>
-                </a:solidFill>
-              </a:rPr>
-              <a:t>wheel</a:t>
-            </a:r>
-            <a:endParaRPr lang="en-US" sz="1800" b="1" dirty="0">
-              <a:solidFill>
-                <a:srgbClr val="007BC0"/>
-              </a:solidFill>
-            </a:endParaRPr>
-          </a:p>
-          <a:p>
-            <a:r>
-              <a:rPr lang="en-US" sz="1800" dirty="0"/>
-              <a:t>whereas</a:t>
-            </a:r>
-            <a:endParaRPr lang="en-US" sz="1800" dirty="0"/>
-          </a:p>
-          <a:p>
-            <a:r>
-              <a:rPr lang="en-US" sz="1800" b="1" dirty="0">
-                <a:solidFill>
-                  <a:srgbClr val="007BC0"/>
-                </a:solidFill>
-              </a:rPr>
-              <a:t>while</a:t>
-            </a:r>
-            <a:endParaRPr lang="en-US" sz="1800" b="1" dirty="0">
-              <a:solidFill>
-                <a:srgbClr val="007BC0"/>
-              </a:solidFill>
-            </a:endParaRPr>
-          </a:p>
-          <a:p>
-            <a:r>
-              <a:rPr lang="en-US" sz="1800" dirty="0"/>
-              <a:t>whisky</a:t>
-            </a:r>
-            <a:endParaRPr lang="en-US" sz="1800" dirty="0"/>
-          </a:p>
-          <a:p>
-            <a:r>
-              <a:rPr lang="en-US" sz="1800" b="1" dirty="0">
-                <a:solidFill>
-                  <a:srgbClr val="007BC0"/>
-                </a:solidFill>
-              </a:rPr>
-              <a:t>whisper</a:t>
-            </a:r>
-            <a:endParaRPr lang="en-US" sz="1800" b="1" dirty="0">
-              <a:solidFill>
-                <a:srgbClr val="007BC0"/>
-              </a:solidFill>
-            </a:endParaRPr>
-          </a:p>
-          <a:p>
-            <a:r>
-              <a:rPr lang="en-US" sz="1800" dirty="0"/>
-              <a:t>white</a:t>
-            </a:r>
-            <a:endParaRPr lang="en-US" sz="1800" dirty="0"/>
-          </a:p>
-          <a:p>
-            <a:r>
-              <a:rPr lang="en-US" sz="1800" b="1" dirty="0">
-                <a:solidFill>
-                  <a:srgbClr val="007BC0"/>
-                </a:solidFill>
-              </a:rPr>
-              <a:t>whose</a:t>
-            </a:r>
-            <a:endParaRPr lang="en-US" sz="1800" b="1" dirty="0">
-              <a:solidFill>
-                <a:srgbClr val="007BC0"/>
-              </a:solidFill>
-            </a:endParaRPr>
-          </a:p>
-          <a:p>
-            <a:r>
-              <a:rPr lang="en-US" sz="1800" dirty="0"/>
-              <a:t>wicked</a:t>
-            </a:r>
-            <a:endParaRPr lang="en-US" sz="1800" dirty="0"/>
-          </a:p>
-          <a:p>
-            <a:r>
-              <a:rPr lang="en-US" sz="1800" b="1" dirty="0">
-                <a:solidFill>
-                  <a:srgbClr val="007BC0"/>
-                </a:solidFill>
-              </a:rPr>
-              <a:t>wide</a:t>
-            </a:r>
-            <a:endParaRPr lang="en-US" sz="1800" b="1" dirty="0">
-              <a:solidFill>
-                <a:srgbClr val="007BC0"/>
-              </a:solidFill>
-            </a:endParaRPr>
-          </a:p>
-          <a:p>
-            <a:r>
-              <a:rPr lang="en-US" sz="1800" dirty="0"/>
-              <a:t>widely</a:t>
-            </a:r>
-            <a:endParaRPr lang="en-US" sz="1800" dirty="0"/>
-          </a:p>
-          <a:p>
-            <a:r>
-              <a:rPr lang="en-US" sz="1800" b="1" dirty="0">
-                <a:solidFill>
-                  <a:srgbClr val="007BC0"/>
-                </a:solidFill>
-              </a:rPr>
-              <a:t>widespread</a:t>
-            </a:r>
-            <a:endParaRPr lang="en-US" sz="1800" b="1" dirty="0">
-              <a:solidFill>
-                <a:srgbClr val="007BC0"/>
-              </a:solidFill>
-            </a:endParaRPr>
-          </a:p>
-          <a:p>
-            <a:r>
-              <a:rPr lang="en-US" sz="1800" dirty="0"/>
-              <a:t>wild</a:t>
-            </a:r>
-            <a:endParaRPr lang="en-US" sz="1800" dirty="0"/>
-          </a:p>
-          <a:p>
-            <a:r>
-              <a:rPr lang="en-US" sz="1800" b="1" dirty="0">
-                <a:solidFill>
-                  <a:srgbClr val="007BC0"/>
-                </a:solidFill>
-              </a:rPr>
-              <a:t>will</a:t>
-            </a:r>
-            <a:endParaRPr lang="en-US" sz="1800" b="1" dirty="0">
-              <a:solidFill>
-                <a:srgbClr val="007BC0"/>
-              </a:solidFill>
-            </a:endParaRPr>
-          </a:p>
-          <a:p>
-            <a:r>
-              <a:rPr lang="en-US" sz="1800" dirty="0"/>
-              <a:t>willing</a:t>
-            </a:r>
-            <a:endParaRPr lang="en-US" sz="1800" dirty="0"/>
-          </a:p>
-          <a:p>
-            <a:r>
-              <a:rPr lang="en-US" sz="1800" b="1" dirty="0">
-                <a:solidFill>
-                  <a:srgbClr val="007BC0"/>
-                </a:solidFill>
-              </a:rPr>
-              <a:t>wind</a:t>
-            </a:r>
-            <a:endParaRPr lang="en-US" sz="1800" b="1" dirty="0">
-              <a:solidFill>
-                <a:srgbClr val="007BC0"/>
-              </a:solidFill>
-            </a:endParaRPr>
-          </a:p>
-          <a:p>
-            <a:r>
-              <a:rPr lang="en-US" sz="1800" dirty="0"/>
-              <a:t>windy</a:t>
-            </a:r>
-            <a:endParaRPr lang="en-US" sz="1800" dirty="0"/>
-          </a:p>
-          <a:p>
-            <a:r>
-              <a:rPr lang="en-US" sz="1800" b="1" dirty="0">
-                <a:solidFill>
-                  <a:srgbClr val="007BC0"/>
-                </a:solidFill>
-              </a:rPr>
-              <a:t>wine</a:t>
-            </a:r>
-            <a:endParaRPr lang="en-US" sz="1800" b="1" dirty="0">
-              <a:solidFill>
-                <a:srgbClr val="007BC0"/>
-              </a:solidFill>
-            </a:endParaRPr>
-          </a:p>
-          <a:p>
-            <a:r>
-              <a:rPr lang="en-US" sz="1800" dirty="0"/>
-              <a:t>wing</a:t>
-            </a:r>
-            <a:endParaRPr lang="en-US" sz="1800" dirty="0"/>
-          </a:p>
-          <a:p>
-            <a:r>
-              <a:rPr lang="en-US" sz="1800" b="1" dirty="0">
-                <a:solidFill>
-                  <a:srgbClr val="007BC0"/>
-                </a:solidFill>
-              </a:rPr>
-              <a:t>winter</a:t>
-            </a:r>
-            <a:endParaRPr lang="en-US" sz="1800" b="1" dirty="0">
-              <a:solidFill>
-                <a:srgbClr val="007BC0"/>
-              </a:solidFill>
-            </a:endParaRPr>
-          </a:p>
-          <a:p>
-            <a:r>
-              <a:rPr lang="en-US" sz="1800" dirty="0"/>
-              <a:t>wipe</a:t>
-            </a:r>
-            <a:endParaRPr lang="en-US" sz="1800" dirty="0"/>
-          </a:p>
-          <a:p>
-            <a:r>
-              <a:rPr lang="en-US" sz="1800" b="1" dirty="0">
-                <a:solidFill>
-                  <a:srgbClr val="007BC0"/>
-                </a:solidFill>
-              </a:rPr>
-              <a:t>wire</a:t>
-            </a:r>
-            <a:endParaRPr lang="en-US" sz="1800" b="1" dirty="0">
-              <a:solidFill>
-                <a:srgbClr val="007BC0"/>
-              </a:solidFill>
-            </a:endParaRPr>
-          </a:p>
-          <a:p>
-            <a:r>
-              <a:rPr lang="en-US" sz="1800" dirty="0"/>
-              <a:t>wise</a:t>
-            </a:r>
-            <a:endParaRPr lang="en-US" sz="1800" dirty="0"/>
-          </a:p>
-          <a:p>
-            <a:r>
-              <a:rPr lang="en-US" sz="1800" b="1" dirty="0">
-                <a:solidFill>
-                  <a:srgbClr val="007BC0"/>
-                </a:solidFill>
-              </a:rPr>
-              <a:t>witness</a:t>
-            </a:r>
-            <a:endParaRPr lang="en-US" sz="1800" b="1" dirty="0">
-              <a:solidFill>
-                <a:srgbClr val="007BC0"/>
-              </a:solidFill>
-            </a:endParaRPr>
-          </a:p>
-          <a:p>
-            <a:r>
-              <a:rPr lang="en-US" altLang="zh-CN" sz="1800" dirty="0"/>
-              <a:t>wonder</a:t>
-            </a:r>
-            <a:endParaRPr lang="en-US" sz="1800" b="1" dirty="0">
-              <a:solidFill>
-                <a:srgbClr val="007BC0"/>
-              </a:solidFill>
-            </a:endParaRPr>
-          </a:p>
-          <a:p>
-            <a:r>
-              <a:rPr lang="en-US" sz="1800" dirty="0"/>
-              <a:t>wool</a:t>
-            </a:r>
-            <a:endParaRPr lang="en-US" sz="1800" dirty="0"/>
-          </a:p>
-          <a:p>
-            <a:r>
-              <a:rPr lang="en-US" sz="1800" b="1" dirty="0">
-                <a:solidFill>
-                  <a:srgbClr val="007BC0"/>
-                </a:solidFill>
-              </a:rPr>
-              <a:t>word</a:t>
-            </a:r>
-            <a:endParaRPr lang="en-US" sz="1800" b="1" dirty="0">
-              <a:solidFill>
-                <a:srgbClr val="007BC0"/>
-              </a:solidFill>
-            </a:endParaRPr>
-          </a:p>
-          <a:p>
-            <a:r>
-              <a:rPr lang="en-US" sz="1800" dirty="0"/>
-              <a:t>worth</a:t>
-            </a:r>
-            <a:endParaRPr lang="en-US" sz="1800" dirty="0"/>
-          </a:p>
-          <a:p>
-            <a:r>
-              <a:rPr lang="en-US" sz="1800" b="1" dirty="0">
-                <a:solidFill>
-                  <a:srgbClr val="007BC0"/>
-                </a:solidFill>
-              </a:rPr>
-              <a:t>would</a:t>
-            </a:r>
-            <a:endParaRPr lang="en-US" sz="1800" b="1" dirty="0">
-              <a:solidFill>
-                <a:srgbClr val="007BC0"/>
-              </a:solidFill>
-            </a:endParaRPr>
-          </a:p>
-          <a:p>
-            <a:r>
-              <a:rPr lang="en-US" sz="1800" dirty="0"/>
-              <a:t>wound</a:t>
-            </a:r>
-            <a:endParaRPr lang="en-US" sz="1800" dirty="0"/>
-          </a:p>
-          <a:p>
-            <a:r>
-              <a:rPr lang="en-US" altLang="zh-CN" sz="1800" dirty="0"/>
-              <a:t>wonder</a:t>
-            </a:r>
-            <a:endParaRPr lang="en-US" sz="1800" dirty="0"/>
-          </a:p>
-          <a:p>
-            <a:r>
-              <a:rPr lang="en-US" sz="1800" dirty="0"/>
-              <a:t>wrap</a:t>
-            </a:r>
-            <a:endParaRPr lang="en-US" sz="1800" dirty="0"/>
-          </a:p>
-          <a:p>
-            <a:r>
-              <a:rPr lang="en-US" sz="1800" b="1" dirty="0">
-                <a:solidFill>
-                  <a:srgbClr val="007BC0"/>
-                </a:solidFill>
-              </a:rPr>
-              <a:t>write</a:t>
-            </a:r>
-            <a:endParaRPr lang="en-US" sz="1800" b="1" dirty="0">
-              <a:solidFill>
-                <a:srgbClr val="007BC0"/>
-              </a:solidFill>
-            </a:endParaRPr>
-          </a:p>
-          <a:p>
-            <a:r>
-              <a:rPr lang="en-US" sz="1800" dirty="0"/>
-              <a:t>writer</a:t>
-            </a:r>
-            <a:endParaRPr lang="en-US" sz="1800" dirty="0"/>
-          </a:p>
-          <a:p>
-            <a:r>
-              <a:rPr lang="en-US" sz="1800" b="1" dirty="0">
-                <a:solidFill>
-                  <a:srgbClr val="007BC0"/>
-                </a:solidFill>
-              </a:rPr>
               <a:t>writing</a:t>
             </a:r>
-            <a:endParaRPr lang="en-US" sz="1800" b="1" dirty="0">
-              <a:solidFill>
-                <a:srgbClr val="007BC0"/>
-              </a:solidFill>
-            </a:endParaRPr>
           </a:p>
         </p:txBody>
       </p:sp>
@@ -13450,7 +12855,6 @@
               <a:rPr lang="en-US"/>
               <a:t>Wrap</a:t>
             </a:r>
-            <a:endParaRPr lang="en-US"/>
           </a:p>
         </p:txBody>
       </p:sp>
@@ -13475,7 +12879,7 @@
             </a:r>
             <a:r>
               <a:rPr lang="en-US" dirty="0">
-                <a:hlinkClick r:id="rId1" tooltip="danger"/>
+                <a:hlinkClick r:id="rId3" tooltip="danger"/>
               </a:rPr>
               <a:t>danger</a:t>
             </a:r>
@@ -13488,7 +12892,7 @@
             </a:r>
             <a:r>
               <a:rPr lang="en-US" dirty="0">
-                <a:hlinkClick r:id="rId2" tooltip="wanting"/>
+                <a:hlinkClick r:id="rId4" tooltip="wanting"/>
               </a:rPr>
               <a:t>wanting</a:t>
             </a:r>
@@ -13496,7 +12900,6 @@
               <a:rPr lang="en-US" dirty="0"/>
               <a:t> something very much</a:t>
             </a:r>
-            <a:endParaRPr lang="en-US" dirty="0"/>
           </a:p>
         </p:txBody>
       </p:sp>
@@ -13517,6 +12920,7 @@
           <a:p>
             <a:fld id="{4898AEC0-503E-4FA4-859C-D0F72D6E3F79}" type="slidenum">
               <a:rPr lang="en-US" noProof="1" smtClean="0"/>
+              <a:t>30</a:t>
             </a:fld>
             <a:endParaRPr lang="en-US" noProof="1"/>
           </a:p>
@@ -13661,7 +13065,6 @@
               <a:rPr lang="en-US" dirty="0"/>
               <a:t>expect</a:t>
             </a:r>
-            <a:endParaRPr lang="en-US" dirty="0"/>
           </a:p>
         </p:txBody>
       </p:sp>
@@ -13684,7 +13087,6 @@
               <a:rPr lang="en-US"/>
               <a:t>Wrap</a:t>
             </a:r>
-            <a:endParaRPr lang="en-US"/>
           </a:p>
         </p:txBody>
       </p:sp>
@@ -13709,7 +13111,7 @@
             </a:r>
             <a:r>
               <a:rPr lang="en-US" dirty="0">
-                <a:hlinkClick r:id="rId1" tooltip="likely"/>
+                <a:hlinkClick r:id="rId2" tooltip="likely"/>
               </a:rPr>
               <a:t>likely</a:t>
             </a:r>
@@ -13717,7 +13119,6 @@
               <a:rPr lang="en-US" dirty="0"/>
               <a:t> or has been planned</a:t>
             </a:r>
-            <a:endParaRPr lang="en-US" dirty="0"/>
           </a:p>
         </p:txBody>
       </p:sp>
@@ -13738,6 +13139,7 @@
           <a:p>
             <a:fld id="{4898AEC0-503E-4FA4-859C-D0F72D6E3F79}" type="slidenum">
               <a:rPr lang="en-US" noProof="1" smtClean="0"/>
+              <a:t>31</a:t>
             </a:fld>
             <a:endParaRPr lang="en-US" noProof="1"/>
           </a:p>
@@ -13774,7 +13176,6 @@
               <a:rPr lang="en-US" dirty="0"/>
               <a:t>expectation</a:t>
             </a:r>
-            <a:endParaRPr lang="en-US" dirty="0"/>
           </a:p>
         </p:txBody>
       </p:sp>
@@ -13826,17 +13227,6 @@
               </a:rPr>
               <a:t>expect</a:t>
             </a:r>
-            <a:endParaRPr kumimoji="0" lang="en-US" sz="15000" b="0" i="0" u="none" strike="noStrike" kern="0" cap="none" spc="0" normalizeH="0" baseline="0" noProof="0" dirty="0">
-              <a:ln>
-                <a:noFill/>
-              </a:ln>
-              <a:solidFill>
-                <a:schemeClr val="bg2"/>
-              </a:solidFill>
-              <a:effectLst/>
-              <a:uLnTx/>
-              <a:uFillTx/>
-            </a:endParaRPr>
           </a:p>
         </p:txBody>
       </p:sp>
@@ -13884,7 +13274,6 @@
               <a:rPr lang="en-US" dirty="0"/>
               <a:t>convince</a:t>
             </a:r>
-            <a:endParaRPr lang="en-US" dirty="0"/>
           </a:p>
         </p:txBody>
       </p:sp>
@@ -13907,7 +13296,6 @@
               <a:rPr lang="en-US"/>
               <a:t>Wrap</a:t>
             </a:r>
-            <a:endParaRPr lang="en-US"/>
           </a:p>
         </p:txBody>
       </p:sp>
@@ -13932,7 +13320,7 @@
             </a:r>
             <a:r>
               <a:rPr lang="en-US" dirty="0">
-                <a:hlinkClick r:id="rId1" tooltip="certain"/>
+                <a:hlinkClick r:id="rId2" tooltip="certain"/>
               </a:rPr>
               <a:t>certain</a:t>
             </a:r>
@@ -13942,7 +13330,7 @@
             </a:r>
             <a:r>
               <a:rPr lang="en-US" dirty="0">
-                <a:hlinkClick r:id="rId2" tooltip="true"/>
+                <a:hlinkClick r:id="rId3" tooltip="true"/>
               </a:rPr>
               <a:t>true</a:t>
             </a:r>
@@ -13967,6 +13355,7 @@
           <a:p>
             <a:fld id="{4898AEC0-503E-4FA4-859C-D0F72D6E3F79}" type="slidenum">
               <a:rPr lang="en-US" noProof="1" smtClean="0"/>
+              <a:t>32</a:t>
             </a:fld>
             <a:endParaRPr lang="en-US" noProof="1"/>
           </a:p>
@@ -14003,7 +13392,6 @@
               <a:rPr lang="en-US" dirty="0"/>
               <a:t>highly convinced that</a:t>
             </a:r>
-            <a:endParaRPr lang="en-US" dirty="0"/>
           </a:p>
         </p:txBody>
       </p:sp>
@@ -14055,17 +13443,6 @@
               </a:rPr>
               <a:t>convince</a:t>
             </a:r>
-            <a:endParaRPr kumimoji="0" lang="en-US" sz="15000" b="0" i="0" u="none" strike="noStrike" kern="0" cap="none" spc="0" normalizeH="0" baseline="0" noProof="0" dirty="0">
-              <a:ln>
-                <a:noFill/>
-              </a:ln>
-              <a:solidFill>
-                <a:schemeClr val="bg2"/>
-              </a:solidFill>
-              <a:effectLst/>
-              <a:uLnTx/>
-              <a:uFillTx/>
-            </a:endParaRPr>
           </a:p>
         </p:txBody>
       </p:sp>
@@ -14156,7 +13533,7 @@
           <a:p>
             <a:r>
               <a:rPr lang="en-US" dirty="0">
-                <a:hlinkClick r:id="rId1" tooltip="able"/>
+                <a:hlinkClick r:id="rId2" tooltip="able"/>
               </a:rPr>
               <a:t>able</a:t>
             </a:r>
@@ -14164,7 +13541,6 @@
               <a:rPr lang="en-US" dirty="0"/>
               <a:t> to do things well</a:t>
             </a:r>
-            <a:endParaRPr lang="en-US" dirty="0"/>
           </a:p>
         </p:txBody>
       </p:sp>
@@ -14185,6 +13561,7 @@
           <a:p>
             <a:fld id="{4898AEC0-503E-4FA4-859C-D0F72D6E3F79}" type="slidenum">
               <a:rPr lang="en-US" noProof="1" smtClean="0"/>
+              <a:t>33</a:t>
             </a:fld>
             <a:endParaRPr lang="en-US" noProof="1"/>
           </a:p>
@@ -14281,7 +13658,7 @@
             </a:r>
             <a:r>
               <a:rPr lang="en-US" dirty="0">
-                <a:hlinkClick r:id="rId1" tooltip="opinion"/>
+                <a:hlinkClick r:id="rId2" tooltip="opinion"/>
               </a:rPr>
               <a:t>opinion</a:t>
             </a:r>
@@ -14291,7 +13668,7 @@
             </a:r>
             <a:r>
               <a:rPr lang="en-US" dirty="0">
-                <a:hlinkClick r:id="rId2" tooltip="past"/>
+                <a:hlinkClick r:id="rId3" tooltip="past"/>
               </a:rPr>
               <a:t>past</a:t>
             </a:r>
@@ -14316,6 +13693,7 @@
           <a:p>
             <a:fld id="{4898AEC0-503E-4FA4-859C-D0F72D6E3F79}" type="slidenum">
               <a:rPr lang="en-US" noProof="1" smtClean="0"/>
+              <a:t>34</a:t>
             </a:fld>
             <a:endParaRPr lang="en-US" noProof="1"/>
           </a:p>
@@ -14330,7 +13708,7 @@
           <p:nvPr/>
         </p:nvPicPr>
         <p:blipFill>
-          <a:blip r:embed="rId3">
+          <a:blip r:embed="rId4">
             <a:extLst>
               <a:ext uri="{28A0092B-C50C-407E-A947-70E740481C1C}">
                 <a14:useLocalDpi xmlns:a14="http://schemas.microsoft.com/office/drawing/2010/main" val="0"/>
@@ -14360,7 +13738,7 @@
           <p:nvPr/>
         </p:nvPicPr>
         <p:blipFill>
-          <a:blip r:embed="rId4">
+          <a:blip r:embed="rId5">
             <a:extLst>
               <a:ext uri="{28A0092B-C50C-407E-A947-70E740481C1C}">
                 <a14:useLocalDpi xmlns:a14="http://schemas.microsoft.com/office/drawing/2010/main" val="0"/>
@@ -14425,7 +13803,6 @@
               <a:rPr lang="en-US" dirty="0"/>
               <a:t>heavily</a:t>
             </a:r>
-            <a:endParaRPr lang="en-US" dirty="0"/>
           </a:p>
         </p:txBody>
       </p:sp>
@@ -14469,7 +13846,7 @@
             </a:r>
             <a:r>
               <a:rPr lang="en-US" dirty="0">
-                <a:hlinkClick r:id="rId1" tooltip="degree"/>
+                <a:hlinkClick r:id="rId2" tooltip="degree"/>
               </a:rPr>
               <a:t>degree</a:t>
             </a:r>
@@ -14477,7 +13854,6 @@
               <a:rPr lang="en-US" dirty="0"/>
               <a:t>, or with great severity</a:t>
             </a:r>
-            <a:endParaRPr lang="en-US" dirty="0"/>
           </a:p>
         </p:txBody>
       </p:sp>
@@ -14498,6 +13874,7 @@
           <a:p>
             <a:fld id="{4898AEC0-503E-4FA4-859C-D0F72D6E3F79}" type="slidenum">
               <a:rPr lang="en-US" noProof="1" smtClean="0"/>
+              <a:t>35</a:t>
             </a:fld>
             <a:endParaRPr lang="en-US" noProof="1"/>
           </a:p>
@@ -14534,7 +13911,6 @@
               <a:rPr lang="en-US" dirty="0"/>
               <a:t>very</a:t>
             </a:r>
-            <a:endParaRPr lang="en-US" dirty="0"/>
           </a:p>
         </p:txBody>
       </p:sp>
@@ -14582,124 +13958,122 @@
               <a:rPr lang="en-US" dirty="0"/>
               <a:t>profit</a:t>
             </a:r>
+          </a:p>
+        </p:txBody>
+      </p:sp>
+      <p:sp>
+        <p:nvSpPr>
+          <p:cNvPr id="3" name="Text Placeholder 2"/>
+          <p:cNvSpPr>
+            <a:spLocks noGrp="1"/>
+          </p:cNvSpPr>
+          <p:nvPr>
+            <p:ph type="body" sz="quarter" idx="15"/>
+          </p:nvPr>
+        </p:nvSpPr>
+        <p:spPr/>
+        <p:txBody>
+          <a:bodyPr/>
+          <a:lstStyle/>
+          <a:p>
+            <a:endParaRPr lang="en-US"/>
+          </a:p>
+        </p:txBody>
+      </p:sp>
+      <p:sp>
+        <p:nvSpPr>
+          <p:cNvPr id="4" name="Content Placeholder 3"/>
+          <p:cNvSpPr>
+            <a:spLocks noGrp="1"/>
+          </p:cNvSpPr>
+          <p:nvPr>
+            <p:ph sz="quarter" idx="1"/>
+          </p:nvPr>
+        </p:nvSpPr>
+        <p:spPr/>
+        <p:txBody>
+          <a:bodyPr/>
+          <a:lstStyle/>
+          <a:p>
+            <a:r>
+              <a:rPr lang="en-US" dirty="0"/>
+              <a:t>money that you </a:t>
+            </a:r>
+            <a:r>
+              <a:rPr lang="en-US" dirty="0">
+                <a:hlinkClick r:id="rId2" tooltip="gain"/>
+              </a:rPr>
+              <a:t>gain</a:t>
+            </a:r>
+            <a:r>
+              <a:rPr lang="en-US" dirty="0"/>
+              <a:t> by </a:t>
+            </a:r>
+            <a:r>
+              <a:rPr lang="en-US" dirty="0">
+                <a:hlinkClick r:id="rId3" tooltip="selling"/>
+              </a:rPr>
+              <a:t>selling</a:t>
+            </a:r>
+            <a:r>
+              <a:rPr lang="en-US" dirty="0"/>
+              <a:t> things or doing </a:t>
+            </a:r>
+            <a:r>
+              <a:rPr lang="en-US" dirty="0">
+                <a:hlinkClick r:id="rId4" tooltip="business"/>
+              </a:rPr>
+              <a:t>business</a:t>
+            </a:r>
+            <a:r>
+              <a:rPr lang="en-US" dirty="0"/>
+              <a:t>, after your </a:t>
+            </a:r>
+            <a:r>
+              <a:rPr lang="en-US" dirty="0">
+                <a:hlinkClick r:id="rId5" tooltip="cost"/>
+              </a:rPr>
+              <a:t>costs</a:t>
+            </a:r>
+            <a:r>
+              <a:rPr lang="en-US" dirty="0"/>
+              <a:t> have been </a:t>
+            </a:r>
+            <a:r>
+              <a:rPr lang="en-US" dirty="0">
+                <a:hlinkClick r:id="rId6" tooltip="pay"/>
+              </a:rPr>
+              <a:t>paid</a:t>
+            </a:r>
             <a:endParaRPr lang="en-US" dirty="0"/>
           </a:p>
-        </p:txBody>
-      </p:sp>
-      <p:sp>
-        <p:nvSpPr>
-          <p:cNvPr id="3" name="Text Placeholder 2"/>
-          <p:cNvSpPr>
-            <a:spLocks noGrp="1"/>
-          </p:cNvSpPr>
-          <p:nvPr>
-            <p:ph type="body" sz="quarter" idx="15"/>
-          </p:nvPr>
-        </p:nvSpPr>
-        <p:spPr/>
-        <p:txBody>
-          <a:bodyPr/>
-          <a:lstStyle/>
-          <a:p>
-            <a:endParaRPr lang="en-US"/>
-          </a:p>
-        </p:txBody>
-      </p:sp>
-      <p:sp>
-        <p:nvSpPr>
-          <p:cNvPr id="4" name="Content Placeholder 3"/>
-          <p:cNvSpPr>
-            <a:spLocks noGrp="1"/>
-          </p:cNvSpPr>
-          <p:nvPr>
-            <p:ph sz="quarter" idx="1"/>
-          </p:nvPr>
-        </p:nvSpPr>
-        <p:spPr/>
-        <p:txBody>
-          <a:bodyPr/>
-          <a:lstStyle/>
-          <a:p>
-            <a:r>
-              <a:rPr lang="en-US" dirty="0"/>
-              <a:t>money that you </a:t>
+          <a:p>
+            <a:endParaRPr lang="en-US" dirty="0"/>
+          </a:p>
+          <a:p>
+            <a:r>
+              <a:rPr lang="en-US" dirty="0"/>
+              <a:t>profitable</a:t>
+            </a:r>
+          </a:p>
+          <a:p>
+            <a:r>
+              <a:rPr lang="en-US" dirty="0"/>
+              <a:t>producing a </a:t>
             </a:r>
             <a:r>
               <a:rPr lang="en-US" dirty="0">
-                <a:hlinkClick r:id="rId1" tooltip="gain"/>
-              </a:rPr>
-              <a:t>gain</a:t>
-            </a:r>
-            <a:r>
-              <a:rPr lang="en-US" dirty="0"/>
-              <a:t> by </a:t>
+                <a:hlinkClick r:id="rId7" tooltip="profit"/>
+              </a:rPr>
+              <a:t>profit</a:t>
+            </a:r>
+            <a:r>
+              <a:rPr lang="en-US" dirty="0"/>
+              <a:t> or a </a:t>
             </a:r>
             <a:r>
               <a:rPr lang="en-US" dirty="0">
-                <a:hlinkClick r:id="rId2" tooltip="selling"/>
-              </a:rPr>
-              <a:t>selling</a:t>
-            </a:r>
-            <a:r>
-              <a:rPr lang="en-US" dirty="0"/>
-              <a:t> things or doing </a:t>
-            </a:r>
-            <a:r>
-              <a:rPr lang="en-US" dirty="0">
-                <a:hlinkClick r:id="rId3" tooltip="business"/>
-              </a:rPr>
-              <a:t>business</a:t>
-            </a:r>
-            <a:r>
-              <a:rPr lang="en-US" dirty="0"/>
-              <a:t>, after your </a:t>
-            </a:r>
-            <a:r>
-              <a:rPr lang="en-US" dirty="0">
-                <a:hlinkClick r:id="rId4" tooltip="cost"/>
-              </a:rPr>
-              <a:t>costs</a:t>
-            </a:r>
-            <a:r>
-              <a:rPr lang="en-US" dirty="0"/>
-              <a:t> have been </a:t>
-            </a:r>
-            <a:r>
-              <a:rPr lang="en-US" dirty="0">
-                <a:hlinkClick r:id="rId5" tooltip="pay"/>
-              </a:rPr>
-              <a:t>paid</a:t>
-            </a:r>
-            <a:endParaRPr lang="en-US" dirty="0"/>
-          </a:p>
-          <a:p>
-            <a:endParaRPr lang="en-US" dirty="0"/>
-          </a:p>
-          <a:p>
-            <a:r>
-              <a:rPr lang="en-US" dirty="0"/>
-              <a:t>profitable</a:t>
-            </a:r>
-            <a:endParaRPr lang="en-US" dirty="0"/>
-          </a:p>
-          <a:p>
-            <a:r>
-              <a:rPr lang="en-US" dirty="0"/>
-              <a:t>producing a </a:t>
-            </a:r>
-            <a:r>
-              <a:rPr lang="en-US" dirty="0">
-                <a:hlinkClick r:id="rId6" tooltip="profit"/>
-              </a:rPr>
-              <a:t>profit</a:t>
-            </a:r>
-            <a:r>
-              <a:rPr lang="en-US" dirty="0"/>
-              <a:t> or a </a:t>
-            </a:r>
-            <a:r>
-              <a:rPr lang="en-US" dirty="0">
-                <a:hlinkClick r:id="rId7" tooltip="useful"/>
+                <a:hlinkClick r:id="rId8" tooltip="useful"/>
               </a:rPr>
               <a:t>useful</a:t>
             </a:r>
@@ -14707,7 +14081,6 @@
               <a:rPr lang="en-US" dirty="0"/>
               <a:t> result</a:t>
             </a:r>
-            <a:endParaRPr lang="en-US" dirty="0"/>
           </a:p>
         </p:txBody>
       </p:sp>
@@ -14728,6 +14101,7 @@
           <a:p>
             <a:fld id="{4898AEC0-503E-4FA4-859C-D0F72D6E3F79}" type="slidenum">
               <a:rPr lang="en-US" noProof="1" smtClean="0"/>
+              <a:t>36</a:t>
             </a:fld>
             <a:endParaRPr lang="en-US" noProof="1"/>
           </a:p>
@@ -14764,7 +14138,6 @@
               <a:rPr lang="en-US" dirty="0"/>
               <a:t>profitable</a:t>
             </a:r>
-            <a:endParaRPr lang="en-US" dirty="0"/>
           </a:p>
         </p:txBody>
       </p:sp>
@@ -14859,7 +14232,7 @@
             </a:r>
             <a:r>
               <a:rPr lang="en-US" dirty="0">
-                <a:hlinkClick r:id="rId1" tooltip="exist"/>
+                <a:hlinkClick r:id="rId2" tooltip="exist"/>
               </a:rPr>
               <a:t>exist</a:t>
             </a:r>
@@ -14869,7 +14242,7 @@
             </a:r>
             <a:r>
               <a:rPr lang="en-US" dirty="0">
-                <a:hlinkClick r:id="rId2" tooltip="period"/>
+                <a:hlinkClick r:id="rId3" tooltip="period"/>
               </a:rPr>
               <a:t>period</a:t>
             </a:r>
@@ -14877,16 +14250,15 @@
               <a:rPr lang="en-US" dirty="0"/>
               <a:t> of time</a:t>
             </a:r>
-            <a:endParaRPr lang="en-US" dirty="0"/>
           </a:p>
           <a:p>
             <a:endParaRPr lang="en-US" dirty="0">
-              <a:hlinkClick r:id="rId3" tooltip="able"/>
+              <a:hlinkClick r:id="rId4" tooltip="able"/>
             </a:endParaRPr>
           </a:p>
           <a:p>
             <a:endParaRPr lang="en-US" dirty="0">
-              <a:hlinkClick r:id="rId3" tooltip="able"/>
+              <a:hlinkClick r:id="rId4" tooltip="able"/>
             </a:endParaRPr>
           </a:p>
           <a:p>
@@ -14895,13 +14267,13 @@
               <a:t>sustainable</a:t>
             </a:r>
             <a:endParaRPr lang="en-US" dirty="0">
-              <a:hlinkClick r:id="rId3" tooltip="able"/>
+              <a:hlinkClick r:id="rId4" tooltip="able"/>
             </a:endParaRPr>
           </a:p>
           <a:p>
             <a:r>
               <a:rPr lang="en-US" dirty="0">
-                <a:hlinkClick r:id="rId3" tooltip="able"/>
+                <a:hlinkClick r:id="rId4" tooltip="able"/>
               </a:rPr>
               <a:t>able</a:t>
             </a:r>
@@ -14911,7 +14283,7 @@
             </a:r>
             <a:r>
               <a:rPr lang="en-US" dirty="0">
-                <a:hlinkClick r:id="rId4" tooltip="damage"/>
+                <a:hlinkClick r:id="rId5" tooltip="damage"/>
               </a:rPr>
               <a:t>damage</a:t>
             </a:r>
@@ -14921,7 +14293,7 @@
             </a:r>
             <a:r>
               <a:rPr lang="en-US" dirty="0">
-                <a:hlinkClick r:id="rId5" tooltip="environment"/>
+                <a:hlinkClick r:id="rId6" tooltip="environment"/>
               </a:rPr>
               <a:t>environment</a:t>
             </a:r>
@@ -14946,6 +14318,7 @@
           <a:p>
             <a:fld id="{4898AEC0-503E-4FA4-859C-D0F72D6E3F79}" type="slidenum">
               <a:rPr lang="en-US" noProof="1" smtClean="0"/>
+              <a:t>37</a:t>
             </a:fld>
             <a:endParaRPr lang="en-US" noProof="1"/>
           </a:p>
@@ -14982,7 +14355,6 @@
               <a:rPr lang="en-US" dirty="0"/>
               <a:t>maintain</a:t>
             </a:r>
-            <a:endParaRPr lang="en-US" dirty="0"/>
           </a:p>
         </p:txBody>
       </p:sp>
@@ -15017,7 +14389,6 @@
               <a:rPr lang="en-US" dirty="0"/>
               <a:t>sustainable</a:t>
             </a:r>
-            <a:endParaRPr lang="en-US" dirty="0"/>
           </a:p>
         </p:txBody>
       </p:sp>
@@ -15065,7 +14436,6 @@
               <a:rPr lang="en-US" dirty="0"/>
               <a:t>continuous</a:t>
             </a:r>
-            <a:endParaRPr lang="en-US" dirty="0"/>
           </a:p>
         </p:txBody>
       </p:sp>
@@ -15109,7 +14479,7 @@
             </a:r>
             <a:r>
               <a:rPr lang="en-US" dirty="0">
-                <a:hlinkClick r:id="rId1" tooltip="exist"/>
+                <a:hlinkClick r:id="rId2" tooltip="exist"/>
               </a:rPr>
               <a:t>exist</a:t>
             </a:r>
@@ -15117,7 +14487,6 @@
               <a:rPr lang="en-US" dirty="0"/>
               <a:t> without stopping</a:t>
             </a:r>
-            <a:endParaRPr lang="en-US" dirty="0"/>
           </a:p>
         </p:txBody>
       </p:sp>
@@ -15138,6 +14507,7 @@
           <a:p>
             <a:fld id="{4898AEC0-503E-4FA4-859C-D0F72D6E3F79}" type="slidenum">
               <a:rPr lang="en-US" noProof="1" smtClean="0"/>
+              <a:t>38</a:t>
             </a:fld>
             <a:endParaRPr lang="en-US" noProof="1"/>
           </a:p>
@@ -15191,17 +14561,6 @@
               </a:rPr>
               <a:t>continuous</a:t>
             </a:r>
-            <a:endParaRPr kumimoji="0" lang="en-US" sz="15000" b="0" i="0" u="none" strike="noStrike" kern="0" cap="none" spc="0" normalizeH="0" baseline="0" noProof="0" dirty="0">
-              <a:ln>
-                <a:noFill/>
-              </a:ln>
-              <a:solidFill>
-                <a:schemeClr val="bg2"/>
-              </a:solidFill>
-              <a:effectLst/>
-              <a:uLnTx/>
-              <a:uFillTx/>
-            </a:endParaRPr>
           </a:p>
         </p:txBody>
       </p:sp>
@@ -15249,7 +14608,6 @@
               <a:rPr lang="en-US" dirty="0"/>
               <a:t>consistent</a:t>
             </a:r>
-            <a:endParaRPr lang="en-US" dirty="0"/>
           </a:p>
         </p:txBody>
       </p:sp>
@@ -15293,7 +14651,7 @@
             </a:r>
             <a:r>
               <a:rPr lang="en-US" dirty="0">
-                <a:hlinkClick r:id="rId1" tooltip="behave"/>
+                <a:hlinkClick r:id="rId2" tooltip="behave"/>
               </a:rPr>
               <a:t>behaving</a:t>
             </a:r>
@@ -15303,7 +14661,7 @@
             </a:r>
             <a:r>
               <a:rPr lang="en-US" dirty="0">
-                <a:hlinkClick r:id="rId2" tooltip="attitude"/>
+                <a:hlinkClick r:id="rId3" tooltip="attitude"/>
               </a:rPr>
               <a:t>attitudes</a:t>
             </a:r>
@@ -15313,7 +14671,7 @@
             </a:r>
             <a:r>
               <a:rPr lang="en-US" dirty="0">
-                <a:hlinkClick r:id="rId3" tooltip="standard"/>
+                <a:hlinkClick r:id="rId4" tooltip="standard"/>
               </a:rPr>
               <a:t>standards</a:t>
             </a:r>
@@ -15331,7 +14689,7 @@
             </a:r>
             <a:r>
               <a:rPr lang="en-US" dirty="0">
-                <a:hlinkClick r:id="rId4" tooltip="approval"/>
+                <a:hlinkClick r:id="rId5" tooltip="approval"/>
               </a:rPr>
               <a:t>approval</a:t>
             </a:r>
@@ -15356,6 +14714,7 @@
           <a:p>
             <a:fld id="{4898AEC0-503E-4FA4-859C-D0F72D6E3F79}" type="slidenum">
               <a:rPr lang="en-US" noProof="1" smtClean="0"/>
+              <a:t>39</a:t>
             </a:fld>
             <a:endParaRPr lang="en-US" noProof="1"/>
           </a:p>
@@ -15409,17 +14768,6 @@
               </a:rPr>
               <a:t>consistent</a:t>
             </a:r>
-            <a:endParaRPr kumimoji="0" lang="en-US" sz="15000" b="0" i="0" u="none" strike="noStrike" kern="0" cap="none" spc="0" normalizeH="0" baseline="0" noProof="0" dirty="0">
-              <a:ln>
-                <a:noFill/>
-              </a:ln>
-              <a:solidFill>
-                <a:schemeClr val="bg2"/>
-              </a:solidFill>
-              <a:effectLst/>
-              <a:uLnTx/>
-              <a:uFillTx/>
-            </a:endParaRPr>
           </a:p>
         </p:txBody>
       </p:sp>
@@ -15467,7 +14815,6 @@
               <a:rPr lang="en-US" dirty="0"/>
               <a:t>wage</a:t>
             </a:r>
-            <a:endParaRPr lang="en-US" dirty="0"/>
           </a:p>
         </p:txBody>
       </p:sp>
@@ -15490,7 +14837,6 @@
               <a:rPr lang="en-US" dirty="0"/>
               <a:t>Wrap</a:t>
             </a:r>
-            <a:endParaRPr lang="en-US" dirty="0"/>
           </a:p>
         </p:txBody>
       </p:sp>
@@ -15515,7 +14861,7 @@
             </a:r>
             <a:r>
               <a:rPr lang="en-US" dirty="0">
-                <a:hlinkClick r:id="rId1" tooltip="earn"/>
+                <a:hlinkClick r:id="rId2" tooltip="earn"/>
               </a:rPr>
               <a:t>earn</a:t>
             </a:r>
@@ -15525,7 +14871,7 @@
             </a:r>
             <a:r>
               <a:rPr lang="en-US" dirty="0">
-                <a:hlinkClick r:id="rId2" tooltip="accord"/>
+                <a:hlinkClick r:id="rId3" tooltip="accord"/>
               </a:rPr>
               <a:t>according</a:t>
             </a:r>
@@ -15533,7 +14879,6 @@
               <a:rPr lang="en-US" dirty="0"/>
               <a:t> to the number of hours, days, or weeks</a:t>
             </a:r>
-            <a:endParaRPr lang="en-US" dirty="0"/>
           </a:p>
         </p:txBody>
       </p:sp>
@@ -15554,6 +14899,7 @@
           <a:p>
             <a:fld id="{4898AEC0-503E-4FA4-859C-D0F72D6E3F79}" type="slidenum">
               <a:rPr lang="en-US" noProof="1" smtClean="0"/>
+              <a:t>4</a:t>
             </a:fld>
             <a:endParaRPr lang="en-US" noProof="1"/>
           </a:p>
@@ -15607,17 +14953,6 @@
               </a:rPr>
               <a:t>wage</a:t>
             </a:r>
-            <a:endParaRPr kumimoji="0" lang="en-US" sz="15000" b="0" i="0" u="none" strike="noStrike" kern="0" cap="none" spc="0" normalizeH="0" baseline="0" noProof="0" dirty="0">
-              <a:ln>
-                <a:noFill/>
-              </a:ln>
-              <a:solidFill>
-                <a:schemeClr val="bg2"/>
-              </a:solidFill>
-              <a:effectLst/>
-              <a:uLnTx/>
-              <a:uFillTx/>
-            </a:endParaRPr>
           </a:p>
         </p:txBody>
       </p:sp>
@@ -15660,7 +14995,6 @@
               <a:rPr lang="en-US" b="1" dirty="0"/>
               <a:t>minimum wage</a:t>
             </a:r>
-            <a:endParaRPr lang="en-US" b="1" dirty="0"/>
           </a:p>
           <a:p>
             <a:pPr marR="0" algn="l" defTabSz="914400" eaLnBrk="1" fontAlgn="auto" latinLnBrk="0" hangingPunct="1">
@@ -15768,7 +15102,7 @@
           <p:nvPr/>
         </p:nvPicPr>
         <p:blipFill>
-          <a:blip r:embed="rId3"/>
+          <a:blip r:embed="rId4"/>
           <a:stretch>
             <a:fillRect/>
           </a:stretch>
@@ -15827,7 +15161,6 @@
               <a:rPr lang="en-US" dirty="0"/>
               <a:t>further</a:t>
             </a:r>
-            <a:endParaRPr lang="en-US" dirty="0"/>
           </a:p>
         </p:txBody>
       </p:sp>
@@ -15871,7 +15204,7 @@
             </a:r>
             <a:r>
               <a:rPr lang="en-US" dirty="0">
-                <a:hlinkClick r:id="rId1" tooltip="degree"/>
+                <a:hlinkClick r:id="rId2" tooltip="degree"/>
               </a:rPr>
               <a:t>degree</a:t>
             </a:r>
@@ -15896,6 +15229,7 @@
           <a:p>
             <a:fld id="{4898AEC0-503E-4FA4-859C-D0F72D6E3F79}" type="slidenum">
               <a:rPr lang="en-US" noProof="1" smtClean="0"/>
+              <a:t>40</a:t>
             </a:fld>
             <a:endParaRPr lang="en-US" noProof="1"/>
           </a:p>
@@ -15949,17 +15283,6 @@
               </a:rPr>
               <a:t>further</a:t>
             </a:r>
-            <a:endParaRPr kumimoji="0" lang="en-US" sz="15000" b="0" i="0" u="none" strike="noStrike" kern="0" cap="none" spc="0" normalizeH="0" baseline="0" noProof="0" dirty="0">
-              <a:ln>
-                <a:noFill/>
-              </a:ln>
-              <a:solidFill>
-                <a:schemeClr val="bg2"/>
-              </a:solidFill>
-              <a:effectLst/>
-              <a:uLnTx/>
-              <a:uFillTx/>
-            </a:endParaRPr>
           </a:p>
         </p:txBody>
       </p:sp>
@@ -16052,7 +15375,6 @@
               <a:rPr lang="en-US" dirty="0"/>
               <a:t>to stop something from happening, or stop someone from doing something</a:t>
             </a:r>
-            <a:endParaRPr lang="en-US" dirty="0"/>
           </a:p>
         </p:txBody>
       </p:sp>
@@ -16073,6 +15395,7 @@
           <a:p>
             <a:fld id="{4898AEC0-503E-4FA4-859C-D0F72D6E3F79}" type="slidenum">
               <a:rPr lang="en-US" noProof="1" smtClean="0"/>
+              <a:t>41</a:t>
             </a:fld>
             <a:endParaRPr lang="en-US" noProof="1"/>
           </a:p>
@@ -16126,17 +15449,6 @@
               </a:rPr>
               <a:t>prevent</a:t>
             </a:r>
-            <a:endParaRPr kumimoji="0" lang="en-US" sz="15000" b="0" i="0" u="none" strike="noStrike" kern="0" cap="none" spc="0" normalizeH="0" baseline="0" noProof="0" dirty="0">
-              <a:ln>
-                <a:noFill/>
-              </a:ln>
-              <a:solidFill>
-                <a:schemeClr val="bg2"/>
-              </a:solidFill>
-              <a:effectLst/>
-              <a:uLnTx/>
-              <a:uFillTx/>
-            </a:endParaRPr>
           </a:p>
         </p:txBody>
       </p:sp>
@@ -16184,7 +15496,6 @@
               <a:rPr lang="en-US" dirty="0"/>
               <a:t>therefore</a:t>
             </a:r>
-            <a:endParaRPr lang="en-US" dirty="0"/>
           </a:p>
         </p:txBody>
       </p:sp>
@@ -16228,7 +15539,7 @@
             </a:r>
             <a:r>
               <a:rPr lang="en-US" dirty="0">
-                <a:hlinkClick r:id="rId1" tooltip="result"/>
+                <a:hlinkClick r:id="rId2" tooltip="result"/>
               </a:rPr>
               <a:t>result</a:t>
             </a:r>
@@ -16238,7 +15549,7 @@
             </a:r>
             <a:r>
               <a:rPr lang="en-US" dirty="0">
-                <a:hlinkClick r:id="rId2" tooltip="mention"/>
+                <a:hlinkClick r:id="rId3" tooltip="mention"/>
               </a:rPr>
               <a:t>mentioned</a:t>
             </a:r>
@@ -16263,6 +15574,7 @@
           <a:p>
             <a:fld id="{4898AEC0-503E-4FA4-859C-D0F72D6E3F79}" type="slidenum">
               <a:rPr lang="en-US" noProof="1" smtClean="0"/>
+              <a:t>42</a:t>
             </a:fld>
             <a:endParaRPr lang="en-US" noProof="1"/>
           </a:p>
@@ -16368,7 +15680,6 @@
               <a:rPr lang="en-US" dirty="0"/>
               <a:t>heat</a:t>
             </a:r>
-            <a:endParaRPr lang="en-US" dirty="0"/>
           </a:p>
         </p:txBody>
       </p:sp>
@@ -16410,7 +15721,6 @@
               <a:rPr lang="en-US" dirty="0"/>
               <a:t>to make something become warm or hot</a:t>
             </a:r>
-            <a:endParaRPr lang="en-US" dirty="0"/>
           </a:p>
         </p:txBody>
       </p:sp>
@@ -16431,6 +15741,7 @@
           <a:p>
             <a:fld id="{4898AEC0-503E-4FA4-859C-D0F72D6E3F79}" type="slidenum">
               <a:rPr lang="en-US" noProof="1" smtClean="0"/>
+              <a:t>43</a:t>
             </a:fld>
             <a:endParaRPr lang="en-US" noProof="1"/>
           </a:p>
@@ -16467,7 +15778,6 @@
               <a:rPr lang="en-US" dirty="0"/>
               <a:t>heat up</a:t>
             </a:r>
-            <a:endParaRPr lang="en-US" dirty="0"/>
           </a:p>
         </p:txBody>
       </p:sp>
@@ -16571,7 +15881,6 @@
               <a:rPr lang="en-US" dirty="0"/>
               <a:t>forbidden</a:t>
             </a:r>
-            <a:endParaRPr lang="en-US" dirty="0"/>
           </a:p>
         </p:txBody>
       </p:sp>
@@ -16605,7 +15914,7 @@
           </p:nvPr>
         </p:nvPicPr>
         <p:blipFill>
-          <a:blip r:embed="rId1">
+          <a:blip r:embed="rId2">
             <a:extLst>
               <a:ext uri="{28A0092B-C50C-407E-A947-70E740481C1C}">
                 <a14:useLocalDpi xmlns:a14="http://schemas.microsoft.com/office/drawing/2010/main" val="0"/>
@@ -16640,6 +15949,7 @@
           <a:p>
             <a:fld id="{4898AEC0-503E-4FA4-859C-D0F72D6E3F79}" type="slidenum">
               <a:rPr lang="en-US" noProof="1" smtClean="0"/>
+              <a:t>44</a:t>
             </a:fld>
             <a:endParaRPr lang="en-US" noProof="1"/>
           </a:p>
@@ -16676,7 +15986,6 @@
               <a:rPr lang="en-US" dirty="0"/>
               <a:t>forbidden city</a:t>
             </a:r>
-            <a:endParaRPr lang="en-US" dirty="0"/>
           </a:p>
         </p:txBody>
       </p:sp>
@@ -16780,7 +16089,6 @@
               <a:rPr lang="en-US" dirty="0"/>
               <a:t>forbidden</a:t>
             </a:r>
-            <a:endParaRPr lang="en-US" dirty="0"/>
           </a:p>
         </p:txBody>
       </p:sp>
@@ -16820,6 +16128,7 @@
           <a:p>
             <a:fld id="{4898AEC0-503E-4FA4-859C-D0F72D6E3F79}" type="slidenum">
               <a:rPr lang="en-US" noProof="1" smtClean="0"/>
+              <a:t>45</a:t>
             </a:fld>
             <a:endParaRPr lang="en-US" noProof="1"/>
           </a:p>
@@ -16856,7 +16165,6 @@
               <a:rPr lang="en-US" dirty="0"/>
               <a:t>full swing</a:t>
             </a:r>
-            <a:endParaRPr lang="en-US" dirty="0"/>
           </a:p>
         </p:txBody>
       </p:sp>
@@ -16927,7 +16235,7 @@
           </p:nvPr>
         </p:nvPicPr>
         <p:blipFill>
-          <a:blip r:embed="rId1">
+          <a:blip r:embed="rId2">
             <a:extLst>
               <a:ext uri="{28A0092B-C50C-407E-A947-70E740481C1C}">
                 <a14:useLocalDpi xmlns:a14="http://schemas.microsoft.com/office/drawing/2010/main" val="0"/>
@@ -16954,7 +16262,7 @@
           <p:nvPr/>
         </p:nvPicPr>
         <p:blipFill>
-          <a:blip r:embed="rId2">
+          <a:blip r:embed="rId3">
             <a:extLst>
               <a:ext uri="{28A0092B-C50C-407E-A947-70E740481C1C}">
                 <a14:useLocalDpi xmlns:a14="http://schemas.microsoft.com/office/drawing/2010/main" val="0"/>
@@ -17019,7 +16327,6 @@
               <a:rPr lang="en-US" dirty="0"/>
               <a:t>forbidden</a:t>
             </a:r>
-            <a:endParaRPr lang="en-US" dirty="0"/>
           </a:p>
         </p:txBody>
       </p:sp>
@@ -17059,6 +16366,7 @@
           <a:p>
             <a:fld id="{4898AEC0-503E-4FA4-859C-D0F72D6E3F79}" type="slidenum">
               <a:rPr lang="en-US" noProof="1" smtClean="0"/>
+              <a:t>46</a:t>
             </a:fld>
             <a:endParaRPr lang="en-US" noProof="1"/>
           </a:p>
@@ -17131,7 +16439,7 @@
           </p:nvPr>
         </p:nvPicPr>
         <p:blipFill>
-          <a:blip r:embed="rId1"/>
+          <a:blip r:embed="rId2"/>
           <a:stretch>
             <a:fillRect/>
           </a:stretch>
@@ -17190,7 +16498,6 @@
               <a:rPr lang="en-US" dirty="0"/>
               <a:t>forbidden</a:t>
             </a:r>
-            <a:endParaRPr lang="en-US" dirty="0"/>
           </a:p>
         </p:txBody>
       </p:sp>
@@ -17230,6 +16537,7 @@
           <a:p>
             <a:fld id="{4898AEC0-503E-4FA4-859C-D0F72D6E3F79}" type="slidenum">
               <a:rPr lang="en-US" noProof="1" smtClean="0"/>
+              <a:t>47</a:t>
             </a:fld>
             <a:endParaRPr lang="en-US" noProof="1"/>
           </a:p>
@@ -17283,17 +16591,6 @@
               </a:rPr>
               <a:t>spray</a:t>
             </a:r>
-            <a:endParaRPr kumimoji="0" lang="en-US" sz="15000" b="0" i="0" u="none" strike="noStrike" kern="0" cap="none" spc="0" normalizeH="0" baseline="0" noProof="0" dirty="0">
-              <a:ln>
-                <a:noFill/>
-              </a:ln>
-              <a:solidFill>
-                <a:schemeClr val="bg2"/>
-              </a:solidFill>
-              <a:effectLst/>
-              <a:uLnTx/>
-              <a:uFillTx/>
-            </a:endParaRPr>
           </a:p>
         </p:txBody>
       </p:sp>
@@ -17308,7 +16605,7 @@
           </p:nvPr>
         </p:nvPicPr>
         <p:blipFill>
-          <a:blip r:embed="rId1">
+          <a:blip r:embed="rId2">
             <a:extLst>
               <a:ext uri="{28A0092B-C50C-407E-A947-70E740481C1C}">
                 <a14:useLocalDpi xmlns:a14="http://schemas.microsoft.com/office/drawing/2010/main" val="0"/>
@@ -17370,7 +16667,6 @@
               <a:rPr lang="en-US" dirty="0"/>
               <a:t>forbidden</a:t>
             </a:r>
-            <a:endParaRPr lang="en-US" dirty="0"/>
           </a:p>
         </p:txBody>
       </p:sp>
@@ -17410,6 +16706,7 @@
           <a:p>
             <a:fld id="{4898AEC0-503E-4FA4-859C-D0F72D6E3F79}" type="slidenum">
               <a:rPr lang="en-US" noProof="1" smtClean="0"/>
+              <a:t>48</a:t>
             </a:fld>
             <a:endParaRPr lang="en-US" noProof="1"/>
           </a:p>
@@ -17463,17 +16760,6 @@
               </a:rPr>
               <a:t>sack</a:t>
             </a:r>
-            <a:endParaRPr kumimoji="0" lang="en-US" sz="15000" b="0" i="0" u="none" strike="noStrike" kern="0" cap="none" spc="0" normalizeH="0" baseline="0" noProof="0" dirty="0">
-              <a:ln>
-                <a:noFill/>
-              </a:ln>
-              <a:solidFill>
-                <a:schemeClr val="bg2"/>
-              </a:solidFill>
-              <a:effectLst/>
-              <a:uLnTx/>
-              <a:uFillTx/>
-            </a:endParaRPr>
           </a:p>
         </p:txBody>
       </p:sp>
@@ -17488,7 +16774,7 @@
           </p:nvPr>
         </p:nvPicPr>
         <p:blipFill>
-          <a:blip r:embed="rId1">
+          <a:blip r:embed="rId2">
             <a:extLst>
               <a:ext uri="{28A0092B-C50C-407E-A947-70E740481C1C}">
                 <a14:useLocalDpi xmlns:a14="http://schemas.microsoft.com/office/drawing/2010/main" val="0"/>
@@ -17550,7 +16836,6 @@
               <a:rPr lang="en-US" dirty="0"/>
               <a:t>swear</a:t>
             </a:r>
-            <a:endParaRPr lang="en-US" dirty="0"/>
           </a:p>
         </p:txBody>
       </p:sp>
@@ -17590,6 +16875,7 @@
           <a:p>
             <a:fld id="{4898AEC0-503E-4FA4-859C-D0F72D6E3F79}" type="slidenum">
               <a:rPr lang="en-US" noProof="1" smtClean="0"/>
+              <a:t>49</a:t>
             </a:fld>
             <a:endParaRPr lang="en-US" noProof="1"/>
           </a:p>
@@ -17643,17 +16929,6 @@
               </a:rPr>
               <a:t>swear</a:t>
             </a:r>
-            <a:endParaRPr kumimoji="0" lang="en-US" sz="15000" b="0" i="0" u="none" strike="noStrike" kern="0" cap="none" spc="0" normalizeH="0" baseline="0" noProof="0" dirty="0">
-              <a:ln>
-                <a:noFill/>
-              </a:ln>
-              <a:solidFill>
-                <a:schemeClr val="bg2"/>
-              </a:solidFill>
-              <a:effectLst/>
-              <a:uLnTx/>
-              <a:uFillTx/>
-            </a:endParaRPr>
           </a:p>
         </p:txBody>
       </p:sp>
@@ -17661,14 +16936,14 @@
         <p:nvPicPr>
           <p:cNvPr id="7" name="Content Placeholder 6"/>
           <p:cNvPicPr>
-            <a:picLocks noChangeAspect="1"/>
+            <a:picLocks noGrp="1" noChangeAspect="1"/>
           </p:cNvPicPr>
           <p:nvPr>
             <p:ph sz="quarter" idx="1"/>
           </p:nvPr>
         </p:nvPicPr>
         <p:blipFill>
-          <a:blip r:embed="rId1"/>
+          <a:blip r:embed="rId2"/>
           <a:stretch>
             <a:fillRect/>
           </a:stretch>
@@ -17727,7 +17002,6 @@
               <a:rPr lang="en-US" dirty="0"/>
               <a:t>wander</a:t>
             </a:r>
-            <a:endParaRPr lang="en-US" dirty="0"/>
           </a:p>
         </p:txBody>
       </p:sp>
@@ -17750,7 +17024,6 @@
               <a:rPr lang="en-US"/>
               <a:t>Wrap</a:t>
             </a:r>
-            <a:endParaRPr lang="en-US"/>
           </a:p>
         </p:txBody>
       </p:sp>
@@ -17775,7 +17048,7 @@
             </a:r>
             <a:r>
               <a:rPr lang="en-US" dirty="0">
-                <a:hlinkClick r:id="rId1" tooltip="clear"/>
+                <a:hlinkClick r:id="rId2" tooltip="clear"/>
               </a:rPr>
               <a:t>clear</a:t>
             </a:r>
@@ -17785,7 +17058,7 @@
             </a:r>
             <a:r>
               <a:rPr lang="en-US" dirty="0">
-                <a:hlinkClick r:id="rId2" tooltip="direction"/>
+                <a:hlinkClick r:id="rId3" tooltip="direction"/>
               </a:rPr>
               <a:t>direction</a:t>
             </a:r>
@@ -17795,7 +17068,7 @@
             </a:r>
             <a:r>
               <a:rPr lang="en-US" dirty="0">
-                <a:hlinkClick r:id="rId3" tooltip="purpose"/>
+                <a:hlinkClick r:id="rId4" tooltip="purpose"/>
               </a:rPr>
               <a:t>purpose</a:t>
             </a:r>
@@ -17820,6 +17093,7 @@
           <a:p>
             <a:fld id="{4898AEC0-503E-4FA4-859C-D0F72D6E3F79}" type="slidenum">
               <a:rPr lang="en-US" noProof="1" smtClean="0"/>
+              <a:t>5</a:t>
             </a:fld>
             <a:endParaRPr lang="en-US" noProof="1"/>
           </a:p>
@@ -17890,7 +17164,7 @@
           <p:nvPr/>
         </p:nvPicPr>
         <p:blipFill>
-          <a:blip r:embed="rId4">
+          <a:blip r:embed="rId5">
             <a:extLst>
               <a:ext uri="{28A0092B-C50C-407E-A947-70E740481C1C}">
                 <a14:useLocalDpi xmlns:a14="http://schemas.microsoft.com/office/drawing/2010/main" val="0"/>
@@ -17955,7 +17229,6 @@
               <a:rPr lang="en-US" dirty="0"/>
               <a:t>forbidden</a:t>
             </a:r>
-            <a:endParaRPr lang="en-US" dirty="0"/>
           </a:p>
         </p:txBody>
       </p:sp>
@@ -17995,6 +17268,7 @@
           <a:p>
             <a:fld id="{4898AEC0-503E-4FA4-859C-D0F72D6E3F79}" type="slidenum">
               <a:rPr lang="en-US" noProof="1" smtClean="0"/>
+              <a:t>50</a:t>
             </a:fld>
             <a:endParaRPr lang="en-US" noProof="1"/>
           </a:p>
@@ -18048,17 +17322,6 @@
               </a:rPr>
               <a:t>sail</a:t>
             </a:r>
-            <a:endParaRPr kumimoji="0" lang="en-US" sz="15000" b="0" i="0" u="none" strike="noStrike" kern="0" cap="none" spc="0" normalizeH="0" baseline="0" noProof="0" dirty="0">
-              <a:ln>
-                <a:noFill/>
-              </a:ln>
-              <a:solidFill>
-                <a:schemeClr val="bg2"/>
-              </a:solidFill>
-              <a:effectLst/>
-              <a:uLnTx/>
-              <a:uFillTx/>
-            </a:endParaRPr>
           </a:p>
         </p:txBody>
       </p:sp>
@@ -18073,7 +17336,7 @@
           </p:nvPr>
         </p:nvPicPr>
         <p:blipFill>
-          <a:blip r:embed="rId1">
+          <a:blip r:embed="rId2">
             <a:extLst>
               <a:ext uri="{28A0092B-C50C-407E-A947-70E740481C1C}">
                 <a14:useLocalDpi xmlns:a14="http://schemas.microsoft.com/office/drawing/2010/main" val="0"/>
@@ -18100,7 +17363,7 @@
           <p:nvPr/>
         </p:nvPicPr>
         <p:blipFill>
-          <a:blip r:embed="rId2">
+          <a:blip r:embed="rId3">
             <a:extLst>
               <a:ext uri="{28A0092B-C50C-407E-A947-70E740481C1C}">
                 <a14:useLocalDpi xmlns:a14="http://schemas.microsoft.com/office/drawing/2010/main" val="0"/>
@@ -18165,7 +17428,6 @@
               <a:rPr lang="en-US" dirty="0"/>
               <a:t>forbidden</a:t>
             </a:r>
-            <a:endParaRPr lang="en-US" dirty="0"/>
           </a:p>
         </p:txBody>
       </p:sp>
@@ -18205,6 +17467,7 @@
           <a:p>
             <a:fld id="{4898AEC0-503E-4FA4-859C-D0F72D6E3F79}" type="slidenum">
               <a:rPr lang="en-US" noProof="1" smtClean="0"/>
+              <a:t>51</a:t>
             </a:fld>
             <a:endParaRPr lang="en-US" noProof="1"/>
           </a:p>
@@ -18258,17 +17521,6 @@
               </a:rPr>
               <a:t>sake</a:t>
             </a:r>
-            <a:endParaRPr kumimoji="0" lang="en-US" sz="15000" b="0" i="0" u="none" strike="noStrike" kern="0" cap="none" spc="0" normalizeH="0" baseline="0" noProof="0" dirty="0">
-              <a:ln>
-                <a:noFill/>
-              </a:ln>
-              <a:solidFill>
-                <a:schemeClr val="bg2"/>
-              </a:solidFill>
-              <a:effectLst/>
-              <a:uLnTx/>
-              <a:uFillTx/>
-            </a:endParaRPr>
           </a:p>
         </p:txBody>
       </p:sp>
@@ -18325,18 +17577,627 @@
               <a:rPr lang="en-US" dirty="0"/>
               <a:t>for the sake of</a:t>
             </a:r>
+          </a:p>
+          <a:p>
+            <a:r>
+              <a:rPr lang="en-US" dirty="0"/>
+              <a:t>= For the purpose of</a:t>
+            </a:r>
+          </a:p>
+        </p:txBody>
+      </p:sp>
+    </p:spTree>
+  </p:cSld>
+  <p:clrMapOvr>
+    <a:masterClrMapping/>
+  </p:clrMapOvr>
+</p:sld>
+</file>
+
+<file path=ppt/slides/slide52.xml><?xml version="1.0" encoding="utf-8"?>
+<p:sld xmlns:a="http://schemas.openxmlformats.org/drawingml/2006/main" xmlns:r="http://schemas.openxmlformats.org/officeDocument/2006/relationships" xmlns:p="http://schemas.openxmlformats.org/presentationml/2006/main">
+  <p:cSld>
+    <p:spTree>
+      <p:nvGrpSpPr>
+        <p:cNvPr id="1" name=""/>
+        <p:cNvGrpSpPr/>
+        <p:nvPr/>
+      </p:nvGrpSpPr>
+      <p:grpSpPr>
+        <a:xfrm>
+          <a:off x="0" y="0"/>
+          <a:ext cx="0" cy="0"/>
+          <a:chOff x="0" y="0"/>
+          <a:chExt cx="0" cy="0"/>
+        </a:xfrm>
+      </p:grpSpPr>
+      <p:sp>
+        <p:nvSpPr>
+          <p:cNvPr id="2" name="Title 1"/>
+          <p:cNvSpPr>
+            <a:spLocks noGrp="1"/>
+          </p:cNvSpPr>
+          <p:nvPr>
+            <p:ph type="title"/>
+          </p:nvPr>
+        </p:nvSpPr>
+        <p:spPr/>
+        <p:txBody>
+          <a:bodyPr/>
+          <a:lstStyle/>
+          <a:p>
+            <a:r>
+              <a:rPr lang="en-US" dirty="0"/>
+              <a:t>forbidden</a:t>
+            </a:r>
+          </a:p>
+        </p:txBody>
+      </p:sp>
+      <p:sp>
+        <p:nvSpPr>
+          <p:cNvPr id="3" name="Text Placeholder 2"/>
+          <p:cNvSpPr>
+            <a:spLocks noGrp="1"/>
+          </p:cNvSpPr>
+          <p:nvPr>
+            <p:ph type="body" sz="quarter" idx="15"/>
+          </p:nvPr>
+        </p:nvSpPr>
+        <p:spPr/>
+        <p:txBody>
+          <a:bodyPr/>
+          <a:lstStyle/>
+          <a:p>
+            <a:endParaRPr lang="en-US"/>
+          </a:p>
+        </p:txBody>
+      </p:sp>
+      <p:sp>
+        <p:nvSpPr>
+          <p:cNvPr id="5" name="Slide Number Placeholder 4"/>
+          <p:cNvSpPr>
+            <a:spLocks noGrp="1"/>
+          </p:cNvSpPr>
+          <p:nvPr>
+            <p:ph type="sldNum" sz="quarter" idx="12"/>
+          </p:nvPr>
+        </p:nvSpPr>
+        <p:spPr/>
+        <p:txBody>
+          <a:bodyPr/>
+          <a:lstStyle/>
+          <a:p>
+            <a:fld id="{4898AEC0-503E-4FA4-859C-D0F72D6E3F79}" type="slidenum">
+              <a:rPr lang="en-US" noProof="1" smtClean="0"/>
+              <a:t>52</a:t>
+            </a:fld>
+            <a:endParaRPr lang="en-US" noProof="1"/>
+          </a:p>
+        </p:txBody>
+      </p:sp>
+      <p:sp>
+        <p:nvSpPr>
+          <p:cNvPr id="4" name="TextBox 3"/>
+          <p:cNvSpPr txBox="1"/>
+          <p:nvPr/>
+        </p:nvSpPr>
+        <p:spPr>
+          <a:xfrm>
+            <a:off x="349345" y="1998372"/>
+            <a:ext cx="10833662" cy="3258207"/>
+          </a:xfrm>
+          <a:prstGeom prst="rect">
+            <a:avLst/>
+          </a:prstGeom>
+          <a:noFill/>
+        </p:spPr>
+        <p:txBody>
+          <a:bodyPr wrap="square" lIns="0" tIns="0" rIns="0" bIns="0" rtlCol="0">
+            <a:noAutofit/>
+          </a:bodyPr>
+          <a:lstStyle/>
+          <a:p>
+            <a:pPr marR="0" algn="l" defTabSz="914400" eaLnBrk="1" fontAlgn="auto" latinLnBrk="0" hangingPunct="1">
+              <a:spcBef>
+                <a:spcPts val="500"/>
+              </a:spcBef>
+              <a:spcAft>
+                <a:spcPts val="0"/>
+              </a:spcAft>
+              <a:buClrTx/>
+              <a:buSzTx/>
+              <a:buFontTx/>
+              <a:buNone/>
+            </a:pPr>
+            <a:r>
+              <a:rPr kumimoji="0" lang="en-US" sz="15000" b="0" i="0" u="none" strike="noStrike" kern="0" cap="none" spc="0" normalizeH="0" baseline="0" noProof="0" dirty="0">
+                <a:ln>
+                  <a:noFill/>
+                </a:ln>
+                <a:solidFill>
+                  <a:schemeClr val="bg2"/>
+                </a:solidFill>
+                <a:effectLst/>
+                <a:uLnTx/>
+                <a:uFillTx/>
+              </a:rPr>
+              <a:t>arrest</a:t>
+            </a:r>
+          </a:p>
+        </p:txBody>
+      </p:sp>
+      <p:sp>
+        <p:nvSpPr>
+          <p:cNvPr id="8" name="Content Placeholder 7"/>
+          <p:cNvSpPr>
+            <a:spLocks noGrp="1"/>
+          </p:cNvSpPr>
+          <p:nvPr>
+            <p:ph sz="quarter" idx="1"/>
+          </p:nvPr>
+        </p:nvSpPr>
+        <p:spPr/>
+        <p:txBody>
+          <a:bodyPr/>
+          <a:lstStyle/>
+          <a:p>
             <a:endParaRPr lang="en-US" dirty="0"/>
           </a:p>
           <a:p>
+            <a:endParaRPr lang="en-US" dirty="0"/>
+          </a:p>
+        </p:txBody>
+      </p:sp>
+      <p:sp>
+        <p:nvSpPr>
+          <p:cNvPr id="10" name="Rectangle 9"/>
+          <p:cNvSpPr/>
+          <p:nvPr/>
+        </p:nvSpPr>
+        <p:spPr>
+          <a:xfrm>
+            <a:off x="7978140" y="3085465"/>
+            <a:ext cx="2672715" cy="1029970"/>
+          </a:xfrm>
+          <a:prstGeom prst="rect">
+            <a:avLst/>
+          </a:prstGeom>
+          <a:noFill/>
+          <a:ln w="9525" cap="flat" cmpd="sng" algn="ctr">
+            <a:solidFill>
+              <a:srgbClr val="3F136C"/>
+            </a:solidFill>
+            <a:prstDash val="solid"/>
+          </a:ln>
+          <a:effectLst/>
+        </p:spPr>
+        <p:txBody>
+          <a:bodyPr rtlCol="0" anchor="ctr"/>
+          <a:lstStyle/>
+          <a:p>
+            <a:r>
+              <a:rPr lang="en-US" dirty="0"/>
+              <a:t>for the sake of</a:t>
+            </a:r>
+          </a:p>
+          <a:p>
             <a:r>
               <a:rPr lang="en-US" dirty="0"/>
               <a:t>= For the purpose of</a:t>
             </a:r>
+          </a:p>
+        </p:txBody>
+      </p:sp>
+    </p:spTree>
+    <p:extLst>
+      <p:ext uri="{BB962C8B-B14F-4D97-AF65-F5344CB8AC3E}">
+        <p14:creationId xmlns:p14="http://schemas.microsoft.com/office/powerpoint/2010/main" val="3919668292"/>
+      </p:ext>
+    </p:extLst>
+  </p:cSld>
+  <p:clrMapOvr>
+    <a:masterClrMapping/>
+  </p:clrMapOvr>
+</p:sld>
+</file>
+
+<file path=ppt/slides/slide53.xml><?xml version="1.0" encoding="utf-8"?>
+<p:sld xmlns:a="http://schemas.openxmlformats.org/drawingml/2006/main" xmlns:r="http://schemas.openxmlformats.org/officeDocument/2006/relationships" xmlns:p="http://schemas.openxmlformats.org/presentationml/2006/main">
+  <p:cSld>
+    <p:spTree>
+      <p:nvGrpSpPr>
+        <p:cNvPr id="1" name=""/>
+        <p:cNvGrpSpPr/>
+        <p:nvPr/>
+      </p:nvGrpSpPr>
+      <p:grpSpPr>
+        <a:xfrm>
+          <a:off x="0" y="0"/>
+          <a:ext cx="0" cy="0"/>
+          <a:chOff x="0" y="0"/>
+          <a:chExt cx="0" cy="0"/>
+        </a:xfrm>
+      </p:grpSpPr>
+      <p:sp>
+        <p:nvSpPr>
+          <p:cNvPr id="2" name="Title 1"/>
+          <p:cNvSpPr>
+            <a:spLocks noGrp="1"/>
+          </p:cNvSpPr>
+          <p:nvPr>
+            <p:ph type="title"/>
+          </p:nvPr>
+        </p:nvSpPr>
+        <p:spPr/>
+        <p:txBody>
+          <a:bodyPr/>
+          <a:lstStyle/>
+          <a:p>
+            <a:r>
+              <a:rPr lang="en-US" dirty="0"/>
+              <a:t>forbidden</a:t>
+            </a:r>
+          </a:p>
+        </p:txBody>
+      </p:sp>
+      <p:sp>
+        <p:nvSpPr>
+          <p:cNvPr id="3" name="Text Placeholder 2"/>
+          <p:cNvSpPr>
+            <a:spLocks noGrp="1"/>
+          </p:cNvSpPr>
+          <p:nvPr>
+            <p:ph type="body" sz="quarter" idx="15"/>
+          </p:nvPr>
+        </p:nvSpPr>
+        <p:spPr/>
+        <p:txBody>
+          <a:bodyPr/>
+          <a:lstStyle/>
+          <a:p>
+            <a:endParaRPr lang="en-US"/>
+          </a:p>
+        </p:txBody>
+      </p:sp>
+      <p:sp>
+        <p:nvSpPr>
+          <p:cNvPr id="5" name="Slide Number Placeholder 4"/>
+          <p:cNvSpPr>
+            <a:spLocks noGrp="1"/>
+          </p:cNvSpPr>
+          <p:nvPr>
+            <p:ph type="sldNum" sz="quarter" idx="12"/>
+          </p:nvPr>
+        </p:nvSpPr>
+        <p:spPr/>
+        <p:txBody>
+          <a:bodyPr/>
+          <a:lstStyle/>
+          <a:p>
+            <a:fld id="{4898AEC0-503E-4FA4-859C-D0F72D6E3F79}" type="slidenum">
+              <a:rPr lang="en-US" noProof="1" smtClean="0"/>
+              <a:t>53</a:t>
+            </a:fld>
+            <a:endParaRPr lang="en-US" noProof="1"/>
+          </a:p>
+        </p:txBody>
+      </p:sp>
+      <p:sp>
+        <p:nvSpPr>
+          <p:cNvPr id="4" name="TextBox 3"/>
+          <p:cNvSpPr txBox="1"/>
+          <p:nvPr/>
+        </p:nvSpPr>
+        <p:spPr>
+          <a:xfrm>
+            <a:off x="349345" y="1998372"/>
+            <a:ext cx="10833662" cy="3258207"/>
+          </a:xfrm>
+          <a:prstGeom prst="rect">
+            <a:avLst/>
+          </a:prstGeom>
+          <a:noFill/>
+        </p:spPr>
+        <p:txBody>
+          <a:bodyPr wrap="square" lIns="0" tIns="0" rIns="0" bIns="0" rtlCol="0">
+            <a:noAutofit/>
+          </a:bodyPr>
+          <a:lstStyle/>
+          <a:p>
+            <a:pPr marR="0" algn="l" defTabSz="914400" eaLnBrk="1" fontAlgn="auto" latinLnBrk="0" hangingPunct="1">
+              <a:spcBef>
+                <a:spcPts val="500"/>
+              </a:spcBef>
+              <a:spcAft>
+                <a:spcPts val="0"/>
+              </a:spcAft>
+              <a:buClrTx/>
+              <a:buSzTx/>
+              <a:buFontTx/>
+              <a:buNone/>
+            </a:pPr>
+            <a:r>
+              <a:rPr kumimoji="0" lang="en-US" sz="15000" b="0" i="0" u="none" strike="noStrike" kern="0" cap="none" spc="0" normalizeH="0" baseline="0" noProof="0" dirty="0">
+                <a:ln>
+                  <a:noFill/>
+                </a:ln>
+                <a:solidFill>
+                  <a:schemeClr val="bg2"/>
+                </a:solidFill>
+                <a:effectLst/>
+                <a:uLnTx/>
+                <a:uFillTx/>
+              </a:rPr>
+              <a:t>accuse</a:t>
+            </a:r>
+          </a:p>
+        </p:txBody>
+      </p:sp>
+      <p:sp>
+        <p:nvSpPr>
+          <p:cNvPr id="8" name="Content Placeholder 7"/>
+          <p:cNvSpPr>
+            <a:spLocks noGrp="1"/>
+          </p:cNvSpPr>
+          <p:nvPr>
+            <p:ph sz="quarter" idx="1"/>
+          </p:nvPr>
+        </p:nvSpPr>
+        <p:spPr/>
+        <p:txBody>
+          <a:bodyPr/>
+          <a:lstStyle/>
+          <a:p>
             <a:endParaRPr lang="en-US" dirty="0"/>
           </a:p>
+          <a:p>
+            <a:endParaRPr lang="en-US" dirty="0"/>
+          </a:p>
+        </p:txBody>
+      </p:sp>
+      <p:sp>
+        <p:nvSpPr>
+          <p:cNvPr id="10" name="Rectangle 9"/>
+          <p:cNvSpPr/>
+          <p:nvPr/>
+        </p:nvSpPr>
+        <p:spPr>
+          <a:xfrm>
+            <a:off x="7978140" y="3085465"/>
+            <a:ext cx="2672715" cy="1029970"/>
+          </a:xfrm>
+          <a:prstGeom prst="rect">
+            <a:avLst/>
+          </a:prstGeom>
+          <a:noFill/>
+          <a:ln w="9525" cap="flat" cmpd="sng" algn="ctr">
+            <a:solidFill>
+              <a:srgbClr val="3F136C"/>
+            </a:solidFill>
+            <a:prstDash val="solid"/>
+          </a:ln>
+          <a:effectLst/>
+        </p:spPr>
+        <p:txBody>
+          <a:bodyPr rtlCol="0" anchor="ctr"/>
+          <a:lstStyle/>
+          <a:p>
+            <a:r>
+              <a:rPr lang="en-US" dirty="0"/>
+              <a:t>for the sake of</a:t>
+            </a:r>
+          </a:p>
+          <a:p>
+            <a:r>
+              <a:rPr lang="en-US" dirty="0"/>
+              <a:t>= For the purpose of</a:t>
+            </a:r>
+          </a:p>
         </p:txBody>
       </p:sp>
     </p:spTree>
+    <p:extLst>
+      <p:ext uri="{BB962C8B-B14F-4D97-AF65-F5344CB8AC3E}">
+        <p14:creationId xmlns:p14="http://schemas.microsoft.com/office/powerpoint/2010/main" val="1122999453"/>
+      </p:ext>
+    </p:extLst>
+  </p:cSld>
+  <p:clrMapOvr>
+    <a:masterClrMapping/>
+  </p:clrMapOvr>
+</p:sld>
+</file>
+
+<file path=ppt/slides/slide54.xml><?xml version="1.0" encoding="utf-8"?>
+<p:sld xmlns:a="http://schemas.openxmlformats.org/drawingml/2006/main" xmlns:r="http://schemas.openxmlformats.org/officeDocument/2006/relationships" xmlns:p="http://schemas.openxmlformats.org/presentationml/2006/main">
+  <p:cSld>
+    <p:spTree>
+      <p:nvGrpSpPr>
+        <p:cNvPr id="1" name=""/>
+        <p:cNvGrpSpPr/>
+        <p:nvPr/>
+      </p:nvGrpSpPr>
+      <p:grpSpPr>
+        <a:xfrm>
+          <a:off x="0" y="0"/>
+          <a:ext cx="0" cy="0"/>
+          <a:chOff x="0" y="0"/>
+          <a:chExt cx="0" cy="0"/>
+        </a:xfrm>
+      </p:grpSpPr>
+      <p:sp>
+        <p:nvSpPr>
+          <p:cNvPr id="2" name="Title 1"/>
+          <p:cNvSpPr>
+            <a:spLocks noGrp="1"/>
+          </p:cNvSpPr>
+          <p:nvPr>
+            <p:ph type="title"/>
+          </p:nvPr>
+        </p:nvSpPr>
+        <p:spPr/>
+        <p:txBody>
+          <a:bodyPr/>
+          <a:lstStyle/>
+          <a:p>
+            <a:r>
+              <a:rPr lang="en-US" dirty="0"/>
+              <a:t>forbidden</a:t>
+            </a:r>
+          </a:p>
+        </p:txBody>
+      </p:sp>
+      <p:sp>
+        <p:nvSpPr>
+          <p:cNvPr id="3" name="Text Placeholder 2"/>
+          <p:cNvSpPr>
+            <a:spLocks noGrp="1"/>
+          </p:cNvSpPr>
+          <p:nvPr>
+            <p:ph type="body" sz="quarter" idx="15"/>
+          </p:nvPr>
+        </p:nvSpPr>
+        <p:spPr/>
+        <p:txBody>
+          <a:bodyPr/>
+          <a:lstStyle/>
+          <a:p>
+            <a:endParaRPr lang="en-US"/>
+          </a:p>
+        </p:txBody>
+      </p:sp>
+      <p:sp>
+        <p:nvSpPr>
+          <p:cNvPr id="5" name="Slide Number Placeholder 4"/>
+          <p:cNvSpPr>
+            <a:spLocks noGrp="1"/>
+          </p:cNvSpPr>
+          <p:nvPr>
+            <p:ph type="sldNum" sz="quarter" idx="12"/>
+          </p:nvPr>
+        </p:nvSpPr>
+        <p:spPr/>
+        <p:txBody>
+          <a:bodyPr/>
+          <a:lstStyle/>
+          <a:p>
+            <a:fld id="{4898AEC0-503E-4FA4-859C-D0F72D6E3F79}" type="slidenum">
+              <a:rPr lang="en-US" noProof="1" smtClean="0"/>
+              <a:t>54</a:t>
+            </a:fld>
+            <a:endParaRPr lang="en-US" noProof="1"/>
+          </a:p>
+        </p:txBody>
+      </p:sp>
+      <p:sp>
+        <p:nvSpPr>
+          <p:cNvPr id="4" name="TextBox 3"/>
+          <p:cNvSpPr txBox="1"/>
+          <p:nvPr/>
+        </p:nvSpPr>
+        <p:spPr>
+          <a:xfrm>
+            <a:off x="349345" y="1998372"/>
+            <a:ext cx="10833662" cy="3258207"/>
+          </a:xfrm>
+          <a:prstGeom prst="rect">
+            <a:avLst/>
+          </a:prstGeom>
+          <a:noFill/>
+        </p:spPr>
+        <p:txBody>
+          <a:bodyPr wrap="square" lIns="0" tIns="0" rIns="0" bIns="0" rtlCol="0">
+            <a:noAutofit/>
+          </a:bodyPr>
+          <a:lstStyle/>
+          <a:p>
+            <a:pPr marR="0" algn="l" defTabSz="914400" eaLnBrk="1" fontAlgn="auto" latinLnBrk="0" hangingPunct="1">
+              <a:spcBef>
+                <a:spcPts val="500"/>
+              </a:spcBef>
+              <a:spcAft>
+                <a:spcPts val="0"/>
+              </a:spcAft>
+              <a:buClrTx/>
+              <a:buSzTx/>
+              <a:buFontTx/>
+              <a:buNone/>
+            </a:pPr>
+            <a:r>
+              <a:rPr kumimoji="0" lang="en-US" sz="15000" b="0" i="0" u="none" strike="noStrike" kern="0" cap="none" spc="0" normalizeH="0" baseline="0" noProof="0" dirty="0">
+                <a:ln>
+                  <a:noFill/>
+                </a:ln>
+                <a:solidFill>
+                  <a:schemeClr val="bg2"/>
+                </a:solidFill>
+                <a:effectLst/>
+                <a:uLnTx/>
+                <a:uFillTx/>
+              </a:rPr>
+              <a:t>awkward</a:t>
+            </a:r>
+          </a:p>
+        </p:txBody>
+      </p:sp>
+      <p:sp>
+        <p:nvSpPr>
+          <p:cNvPr id="8" name="Content Placeholder 7"/>
+          <p:cNvSpPr>
+            <a:spLocks noGrp="1"/>
+          </p:cNvSpPr>
+          <p:nvPr>
+            <p:ph sz="quarter" idx="1"/>
+          </p:nvPr>
+        </p:nvSpPr>
+        <p:spPr/>
+        <p:txBody>
+          <a:bodyPr/>
+          <a:lstStyle/>
+          <a:p>
+            <a:endParaRPr lang="en-US" dirty="0"/>
+          </a:p>
+          <a:p>
+            <a:endParaRPr lang="en-US" dirty="0"/>
+          </a:p>
+        </p:txBody>
+      </p:sp>
+      <p:pic>
+        <p:nvPicPr>
+          <p:cNvPr id="6" name="Picture 5">
+            <a:extLst>
+              <a:ext uri="{FF2B5EF4-FFF2-40B4-BE49-F238E27FC236}">
+                <a16:creationId xmlns:a16="http://schemas.microsoft.com/office/drawing/2014/main" id="{01CB26CF-B312-00FC-90B0-36771F48AFF0}"/>
+              </a:ext>
+            </a:extLst>
+          </p:cNvPr>
+          <p:cNvPicPr>
+            <a:picLocks noChangeAspect="1"/>
+          </p:cNvPicPr>
+          <p:nvPr/>
+        </p:nvPicPr>
+        <p:blipFill>
+          <a:blip r:embed="rId2"/>
+          <a:stretch>
+            <a:fillRect/>
+          </a:stretch>
+        </p:blipFill>
+        <p:spPr>
+          <a:xfrm>
+            <a:off x="7916025" y="3493895"/>
+            <a:ext cx="2847975" cy="1600200"/>
+          </a:xfrm>
+          <a:prstGeom prst="rect">
+            <a:avLst/>
+          </a:prstGeom>
+        </p:spPr>
+      </p:pic>
+    </p:spTree>
+    <p:extLst>
+      <p:ext uri="{BB962C8B-B14F-4D97-AF65-F5344CB8AC3E}">
+        <p14:creationId xmlns:p14="http://schemas.microsoft.com/office/powerpoint/2010/main" val="3021043392"/>
+      </p:ext>
+    </p:extLst>
   </p:cSld>
   <p:clrMapOvr>
     <a:masterClrMapping/>
@@ -18380,7 +18241,6 @@
               <a:rPr lang="en-US" dirty="0"/>
               <a:t>ward</a:t>
             </a:r>
-            <a:endParaRPr lang="en-US" dirty="0"/>
           </a:p>
         </p:txBody>
       </p:sp>
@@ -18403,7 +18263,6 @@
               <a:rPr lang="en-US"/>
               <a:t>Wrap</a:t>
             </a:r>
-            <a:endParaRPr lang="en-US"/>
           </a:p>
         </p:txBody>
       </p:sp>
@@ -18428,7 +18287,7 @@
             </a:r>
             <a:r>
               <a:rPr lang="en-US" dirty="0">
-                <a:hlinkClick r:id="rId1" tooltip="hospital"/>
+                <a:hlinkClick r:id="rId2" tooltip="hospital"/>
               </a:rPr>
               <a:t>hospital</a:t>
             </a:r>
@@ -18438,7 +18297,7 @@
             </a:r>
             <a:r>
               <a:rPr lang="en-US" dirty="0">
-                <a:hlinkClick r:id="rId2" tooltip="medical"/>
+                <a:hlinkClick r:id="rId3" tooltip="medical"/>
               </a:rPr>
               <a:t>medical</a:t>
             </a:r>
@@ -18448,7 +18307,7 @@
             </a:r>
             <a:r>
               <a:rPr lang="en-US" dirty="0">
-                <a:hlinkClick r:id="rId3" tooltip="treatment"/>
+                <a:hlinkClick r:id="rId4" tooltip="treatment"/>
               </a:rPr>
               <a:t>treatment</a:t>
             </a:r>
@@ -18456,59 +18315,58 @@
               <a:rPr lang="en-US" dirty="0"/>
               <a:t> stay</a:t>
             </a:r>
+          </a:p>
+          <a:p>
+            <a:r>
+              <a:rPr lang="en-US" dirty="0"/>
+              <a:t>one of the small areas that a city has been </a:t>
+            </a:r>
+            <a:r>
+              <a:rPr lang="en-US" dirty="0">
+                <a:hlinkClick r:id="rId5" tooltip="divide"/>
+              </a:rPr>
+              <a:t>divided</a:t>
+            </a:r>
+            <a:r>
+              <a:rPr lang="en-US" dirty="0"/>
+              <a:t> into for the </a:t>
+            </a:r>
+            <a:r>
+              <a:rPr lang="en-US" dirty="0">
+                <a:hlinkClick r:id="rId6" tooltip="purpose"/>
+              </a:rPr>
+              <a:t>purpose</a:t>
+            </a:r>
+            <a:r>
+              <a:rPr lang="en-US" dirty="0"/>
+              <a:t> of local </a:t>
+            </a:r>
+            <a:r>
+              <a:rPr lang="en-US" dirty="0">
+                <a:hlinkClick r:id="rId7" tooltip="election"/>
+              </a:rPr>
+              <a:t>elections</a:t>
+            </a:r>
             <a:endParaRPr lang="en-US" dirty="0"/>
           </a:p>
           <a:p>
             <a:r>
               <a:rPr lang="en-US" dirty="0"/>
-              <a:t>one of the small areas that a city has been </a:t>
+              <a:t>someone, especially a child, who is under the </a:t>
             </a:r>
             <a:r>
               <a:rPr lang="en-US" dirty="0">
-                <a:hlinkClick r:id="rId4" tooltip="divide"/>
-              </a:rPr>
-              <a:t>divided</a:t>
-            </a:r>
-            <a:r>
-              <a:rPr lang="en-US" dirty="0"/>
-              <a:t> into for the </a:t>
+                <a:hlinkClick r:id="rId8" tooltip="legal"/>
+              </a:rPr>
+              <a:t>legal</a:t>
+            </a:r>
+            <a:r>
+              <a:rPr lang="en-US" dirty="0"/>
+              <a:t> </a:t>
             </a:r>
             <a:r>
               <a:rPr lang="en-US" dirty="0">
-                <a:hlinkClick r:id="rId5" tooltip="purpose"/>
-              </a:rPr>
-              <a:t>purpose</a:t>
-            </a:r>
-            <a:r>
-              <a:rPr lang="en-US" dirty="0"/>
-              <a:t> of local </a:t>
-            </a:r>
-            <a:r>
-              <a:rPr lang="en-US" dirty="0">
-                <a:hlinkClick r:id="rId6" tooltip="election"/>
-              </a:rPr>
-              <a:t>elections</a:t>
-            </a:r>
-            <a:endParaRPr lang="en-US" dirty="0"/>
-          </a:p>
-          <a:p>
-            <a:r>
-              <a:rPr lang="en-US" dirty="0"/>
-              <a:t>someone, especially a child, who is under the </a:t>
-            </a:r>
-            <a:r>
-              <a:rPr lang="en-US" dirty="0">
-                <a:hlinkClick r:id="rId7" tooltip="legal"/>
-              </a:rPr>
-              <a:t>legal</a:t>
-            </a:r>
-            <a:r>
-              <a:rPr lang="en-US" dirty="0"/>
-              <a:t> </a:t>
-            </a:r>
-            <a:r>
-              <a:rPr lang="en-US" dirty="0">
-                <a:hlinkClick r:id="rId8" tooltip="protection"/>
+                <a:hlinkClick r:id="rId9" tooltip="protection"/>
               </a:rPr>
               <a:t>protection</a:t>
             </a:r>
@@ -18516,7 +18374,6 @@
               <a:rPr lang="en-US" dirty="0"/>
               <a:t> of another person or of a law court</a:t>
             </a:r>
-            <a:endParaRPr lang="en-US" dirty="0"/>
           </a:p>
         </p:txBody>
       </p:sp>
@@ -18537,6 +18394,7 @@
           <a:p>
             <a:fld id="{4898AEC0-503E-4FA4-859C-D0F72D6E3F79}" type="slidenum">
               <a:rPr lang="en-US" noProof="1" smtClean="0"/>
+              <a:t>6</a:t>
             </a:fld>
             <a:endParaRPr lang="en-US" noProof="1"/>
           </a:p>
@@ -18590,17 +18448,6 @@
               </a:rPr>
               <a:t>ward</a:t>
             </a:r>
-            <a:endParaRPr kumimoji="0" lang="en-US" sz="15000" b="0" i="0" u="none" strike="noStrike" kern="0" cap="none" spc="0" normalizeH="0" baseline="0" noProof="0" dirty="0">
-              <a:ln>
-                <a:noFill/>
-              </a:ln>
-              <a:solidFill>
-                <a:schemeClr val="bg2"/>
-              </a:solidFill>
-              <a:effectLst/>
-              <a:uLnTx/>
-              <a:uFillTx/>
-            </a:endParaRPr>
           </a:p>
         </p:txBody>
       </p:sp>
@@ -18613,7 +18460,7 @@
           <p:nvPr/>
         </p:nvPicPr>
         <p:blipFill>
-          <a:blip r:embed="rId9">
+          <a:blip r:embed="rId10">
             <a:extLst>
               <a:ext uri="{28A0092B-C50C-407E-A947-70E740481C1C}">
                 <a14:useLocalDpi xmlns:a14="http://schemas.microsoft.com/office/drawing/2010/main" val="0"/>
@@ -18678,7 +18525,6 @@
               <a:rPr lang="en-US" dirty="0"/>
               <a:t>wardrobe</a:t>
             </a:r>
-            <a:endParaRPr lang="en-US" dirty="0"/>
           </a:p>
         </p:txBody>
       </p:sp>
@@ -18701,7 +18547,6 @@
               <a:rPr lang="en-US"/>
               <a:t>Wrap</a:t>
             </a:r>
-            <a:endParaRPr lang="en-US"/>
           </a:p>
         </p:txBody>
       </p:sp>
@@ -18722,6 +18567,7 @@
           <a:p>
             <a:fld id="{4898AEC0-503E-4FA4-859C-D0F72D6E3F79}" type="slidenum">
               <a:rPr lang="en-US" noProof="1" smtClean="0"/>
+              <a:t>7</a:t>
             </a:fld>
             <a:endParaRPr lang="en-US" noProof="1"/>
           </a:p>
@@ -18812,7 +18658,7 @@
               <a:rPr lang="en-US" b="0" i="0" dirty="0">
                 <a:effectLst/>
                 <a:latin typeface="Arial" panose="02080604020202020204" pitchFamily="34" charset="0"/>
-                <a:hlinkClick r:id="rId1" tooltip="furniture"/>
+                <a:hlinkClick r:id="rId2" tooltip="furniture"/>
               </a:rPr>
               <a:t>furniture</a:t>
             </a:r>
@@ -18830,7 +18676,7 @@
               <a:rPr lang="en-US" b="0" i="0" dirty="0">
                 <a:effectLst/>
                 <a:latin typeface="Arial" panose="02080604020202020204" pitchFamily="34" charset="0"/>
-                <a:hlinkClick r:id="rId2" tooltip="cupboard"/>
+                <a:hlinkClick r:id="rId3" tooltip="cupboard"/>
               </a:rPr>
               <a:t>cupboard</a:t>
             </a:r>
@@ -18848,7 +18694,7 @@
               <a:rPr lang="en-US" b="0" i="0" dirty="0">
                 <a:effectLst/>
                 <a:latin typeface="Arial" panose="02080604020202020204" pitchFamily="34" charset="0"/>
-                <a:hlinkClick r:id="rId3" tooltip="hang"/>
+                <a:hlinkClick r:id="rId4" tooltip="hang"/>
               </a:rPr>
               <a:t>hang</a:t>
             </a:r>
@@ -18866,7 +18712,7 @@
               <a:rPr lang="en-US" b="0" i="0" dirty="0">
                 <a:effectLst/>
                 <a:latin typeface="Arial" panose="02080604020202020204" pitchFamily="34" charset="0"/>
-                <a:hlinkClick r:id="rId4" tooltip="clothe"/>
+                <a:hlinkClick r:id="rId5" tooltip="clothe"/>
               </a:rPr>
               <a:t>clothes</a:t>
             </a:r>
@@ -18896,7 +18742,7 @@
           <p:nvPr/>
         </p:nvPicPr>
         <p:blipFill>
-          <a:blip r:embed="rId5">
+          <a:blip r:embed="rId6">
             <a:extLst>
               <a:ext uri="{28A0092B-C50C-407E-A947-70E740481C1C}">
                 <a14:useLocalDpi xmlns:a14="http://schemas.microsoft.com/office/drawing/2010/main" val="0"/>
@@ -18961,7 +18807,6 @@
               <a:rPr lang="en-US" dirty="0"/>
               <a:t>weird</a:t>
             </a:r>
-            <a:endParaRPr lang="en-US" dirty="0"/>
           </a:p>
         </p:txBody>
       </p:sp>
@@ -18984,7 +18829,6 @@
               <a:rPr lang="en-US"/>
               <a:t>Wrap</a:t>
             </a:r>
-            <a:endParaRPr lang="en-US"/>
           </a:p>
         </p:txBody>
       </p:sp>
@@ -19009,7 +18853,7 @@
             </a:r>
             <a:r>
               <a:rPr lang="en-US" dirty="0">
-                <a:hlinkClick r:id="rId1" tooltip="strange"/>
+                <a:hlinkClick r:id="rId2" tooltip="strange"/>
               </a:rPr>
               <a:t>strange</a:t>
             </a:r>
@@ -19019,7 +18863,7 @@
             </a:r>
             <a:r>
               <a:rPr lang="en-US" dirty="0">
-                <a:hlinkClick r:id="rId2" tooltip="unusual"/>
+                <a:hlinkClick r:id="rId3" tooltip="unusual"/>
               </a:rPr>
               <a:t>unusual</a:t>
             </a:r>
@@ -19029,7 +18873,7 @@
             </a:r>
             <a:r>
               <a:rPr lang="en-US" dirty="0">
-                <a:hlinkClick r:id="rId3" tooltip="explain"/>
+                <a:hlinkClick r:id="rId4" tooltip="explain"/>
               </a:rPr>
               <a:t>explain</a:t>
             </a:r>
@@ -19054,6 +18898,7 @@
           <a:p>
             <a:fld id="{4898AEC0-503E-4FA4-859C-D0F72D6E3F79}" type="slidenum">
               <a:rPr lang="en-US" noProof="1" smtClean="0"/>
+              <a:t>8</a:t>
             </a:fld>
             <a:endParaRPr lang="en-US" noProof="1"/>
           </a:p>
@@ -19124,7 +18969,7 @@
           <p:nvPr/>
         </p:nvPicPr>
         <p:blipFill>
-          <a:blip r:embed="rId4">
+          <a:blip r:embed="rId5">
             <a:extLst>
               <a:ext uri="{28A0092B-C50C-407E-A947-70E740481C1C}">
                 <a14:useLocalDpi xmlns:a14="http://schemas.microsoft.com/office/drawing/2010/main" val="0"/>
@@ -19212,7 +19057,6 @@
               <a:rPr lang="en-US"/>
               <a:t>Wrap</a:t>
             </a:r>
-            <a:endParaRPr lang="en-US"/>
           </a:p>
         </p:txBody>
       </p:sp>
@@ -19233,7 +19077,7 @@
           <a:p>
             <a:r>
               <a:rPr lang="en-US" dirty="0">
-                <a:hlinkClick r:id="rId1" tooltip="behave"/>
+                <a:hlinkClick r:id="rId2" tooltip="behave"/>
               </a:rPr>
               <a:t>behaving</a:t>
             </a:r>
@@ -19241,7 +19085,6 @@
               <a:rPr lang="en-US" dirty="0"/>
               <a:t> in a way that is morally wrong</a:t>
             </a:r>
-            <a:endParaRPr lang="en-US" dirty="0"/>
           </a:p>
         </p:txBody>
       </p:sp>
@@ -19262,6 +19105,7 @@
           <a:p>
             <a:fld id="{4898AEC0-503E-4FA4-859C-D0F72D6E3F79}" type="slidenum">
               <a:rPr lang="en-US" noProof="1" smtClean="0"/>
+              <a:t>9</a:t>
             </a:fld>
             <a:endParaRPr lang="en-US" noProof="1"/>
           </a:p>
@@ -19302,18 +19146,12 @@
               </a:rPr>
               <a:t>SYN</a:t>
             </a:r>
-            <a:endParaRPr lang="en-US" b="1" dirty="0">
-              <a:solidFill>
-                <a:srgbClr val="FFC000"/>
-              </a:solidFill>
-            </a:endParaRPr>
           </a:p>
           <a:p>
             <a:r>
               <a:rPr lang="en-US" dirty="0"/>
               <a:t>evil</a:t>
             </a:r>
-            <a:endParaRPr lang="en-US" dirty="0"/>
           </a:p>
         </p:txBody>
       </p:sp>
@@ -19404,14 +19242,12 @@
               <a:rPr lang="en-US" dirty="0"/>
               <a:t>weekend</a:t>
             </a:r>
-            <a:endParaRPr lang="en-US" dirty="0"/>
           </a:p>
           <a:p>
             <a:r>
               <a:rPr lang="en-US" dirty="0"/>
               <a:t>kid</a:t>
             </a:r>
-            <a:endParaRPr lang="en-US" dirty="0"/>
           </a:p>
         </p:txBody>
       </p:sp>
@@ -19424,7 +19260,7 @@
           <p:nvPr/>
         </p:nvPicPr>
         <p:blipFill>
-          <a:blip r:embed="rId2">
+          <a:blip r:embed="rId3">
             <a:extLst>
               <a:ext uri="{28A0092B-C50C-407E-A947-70E740481C1C}">
                 <a14:useLocalDpi xmlns:a14="http://schemas.microsoft.com/office/drawing/2010/main" val="0"/>
@@ -19454,7 +19290,7 @@
 </file>
 
 <file path=ppt/tags/tag1.xml><?xml version="1.0" encoding="utf-8"?>
-<p:tagLst xmlns:p="http://schemas.openxmlformats.org/presentationml/2006/main">
+<p:tagLst xmlns:a="http://schemas.openxmlformats.org/drawingml/2006/main" xmlns:r="http://schemas.openxmlformats.org/officeDocument/2006/relationships" xmlns:p="http://schemas.openxmlformats.org/presentationml/2006/main">
   <p:tag name="SAXMLTEMPLATE" val="presentation_169"/>
   <p:tag name="SAXMLCOMPANYNAME" val="bosch"/>
   <p:tag name="MLTEMPLATEVERSION" val="2.0"/>
@@ -19732,6 +19568,7 @@
       </a:lstStyle>
     </a:txDef>
   </a:objectDefaults>
+  <a:extraClrSchemeLst/>
   <a:custClrLst>
     <a:custClr name="Bosch Red 50">
       <a:srgbClr val="ED0007"/>
@@ -20023,6 +19860,8 @@
       </a:bgFillStyleLst>
     </a:fmtScheme>
   </a:themeElements>
+  <a:objectDefaults/>
+  <a:extraClrSchemeLst/>
   <a:extLst>
     <a:ext uri="{05A4C25C-085E-4340-85A3-A5531E510DB2}">
       <thm15:themeFamily xmlns:thm15="http://schemas.microsoft.com/office/thememl/2012/main" name="Office Theme" id="{62F939B6-93AF-4DB8-9C6B-D6C7DFDC589F}" vid="{4A3C46E8-61CC-4603-A589-7422A47A8E4A}"/>

--- a/longman 3000.pptx
+++ b/longman 3000.pptx
@@ -5,68 +5,69 @@
     <p:sldMasterId id="2147483648" r:id="rId1"/>
   </p:sldMasterIdLst>
   <p:notesMasterIdLst>
-    <p:notesMasterId r:id="rId56"/>
+    <p:notesMasterId r:id="rId15"/>
   </p:notesMasterIdLst>
   <p:sldIdLst>
-    <p:sldId id="256" r:id="rId2"/>
-    <p:sldId id="260" r:id="rId3"/>
-    <p:sldId id="294" r:id="rId4"/>
-    <p:sldId id="286" r:id="rId5"/>
-    <p:sldId id="287" r:id="rId6"/>
-    <p:sldId id="288" r:id="rId7"/>
-    <p:sldId id="289" r:id="rId8"/>
-    <p:sldId id="290" r:id="rId9"/>
-    <p:sldId id="298" r:id="rId10"/>
-    <p:sldId id="302" r:id="rId11"/>
-    <p:sldId id="295" r:id="rId12"/>
-    <p:sldId id="296" r:id="rId13"/>
-    <p:sldId id="297" r:id="rId14"/>
-    <p:sldId id="273" r:id="rId15"/>
-    <p:sldId id="277" r:id="rId16"/>
-    <p:sldId id="299" r:id="rId17"/>
-    <p:sldId id="300" r:id="rId18"/>
-    <p:sldId id="301" r:id="rId19"/>
-    <p:sldId id="280" r:id="rId20"/>
-    <p:sldId id="282" r:id="rId21"/>
-    <p:sldId id="281" r:id="rId22"/>
-    <p:sldId id="303" r:id="rId23"/>
-    <p:sldId id="284" r:id="rId24"/>
-    <p:sldId id="285" r:id="rId25"/>
-    <p:sldId id="291" r:id="rId26"/>
-    <p:sldId id="293" r:id="rId27"/>
-    <p:sldId id="342" r:id="rId28"/>
-    <p:sldId id="261" r:id="rId29"/>
-    <p:sldId id="262" r:id="rId30"/>
-    <p:sldId id="263" r:id="rId31"/>
-    <p:sldId id="265" r:id="rId32"/>
-    <p:sldId id="266" r:id="rId33"/>
-    <p:sldId id="264" r:id="rId34"/>
-    <p:sldId id="267" r:id="rId35"/>
-    <p:sldId id="268" r:id="rId36"/>
-    <p:sldId id="269" r:id="rId37"/>
-    <p:sldId id="270" r:id="rId38"/>
-    <p:sldId id="271" r:id="rId39"/>
-    <p:sldId id="272" r:id="rId40"/>
-    <p:sldId id="274" r:id="rId41"/>
-    <p:sldId id="276" r:id="rId42"/>
-    <p:sldId id="278" r:id="rId43"/>
-    <p:sldId id="279" r:id="rId44"/>
-    <p:sldId id="275" r:id="rId45"/>
-    <p:sldId id="305" r:id="rId46"/>
-    <p:sldId id="306" r:id="rId47"/>
-    <p:sldId id="308" r:id="rId48"/>
-    <p:sldId id="309" r:id="rId49"/>
-    <p:sldId id="344" r:id="rId50"/>
-    <p:sldId id="311" r:id="rId51"/>
-    <p:sldId id="312" r:id="rId52"/>
-    <p:sldId id="345" r:id="rId53"/>
-    <p:sldId id="346" r:id="rId54"/>
-    <p:sldId id="347" r:id="rId55"/>
+    <p:sldId id="256" r:id="rId3"/>
+    <p:sldId id="260" r:id="rId4"/>
+    <p:sldId id="294" r:id="rId5"/>
+    <p:sldId id="286" r:id="rId6"/>
+    <p:sldId id="287" r:id="rId7"/>
+    <p:sldId id="288" r:id="rId8"/>
+    <p:sldId id="289" r:id="rId9"/>
+    <p:sldId id="290" r:id="rId10"/>
+    <p:sldId id="298" r:id="rId11"/>
+    <p:sldId id="302" r:id="rId12"/>
+    <p:sldId id="295" r:id="rId13"/>
+    <p:sldId id="296" r:id="rId14"/>
+    <p:sldId id="297" r:id="rId16"/>
+    <p:sldId id="273" r:id="rId17"/>
+    <p:sldId id="277" r:id="rId18"/>
+    <p:sldId id="299" r:id="rId19"/>
+    <p:sldId id="300" r:id="rId20"/>
+    <p:sldId id="301" r:id="rId21"/>
+    <p:sldId id="280" r:id="rId22"/>
+    <p:sldId id="282" r:id="rId23"/>
+    <p:sldId id="281" r:id="rId24"/>
+    <p:sldId id="303" r:id="rId25"/>
+    <p:sldId id="284" r:id="rId26"/>
+    <p:sldId id="285" r:id="rId27"/>
+    <p:sldId id="291" r:id="rId28"/>
+    <p:sldId id="293" r:id="rId29"/>
+    <p:sldId id="342" r:id="rId30"/>
+    <p:sldId id="261" r:id="rId31"/>
+    <p:sldId id="262" r:id="rId32"/>
+    <p:sldId id="263" r:id="rId33"/>
+    <p:sldId id="265" r:id="rId34"/>
+    <p:sldId id="266" r:id="rId35"/>
+    <p:sldId id="264" r:id="rId36"/>
+    <p:sldId id="267" r:id="rId37"/>
+    <p:sldId id="268" r:id="rId38"/>
+    <p:sldId id="269" r:id="rId39"/>
+    <p:sldId id="270" r:id="rId40"/>
+    <p:sldId id="271" r:id="rId41"/>
+    <p:sldId id="272" r:id="rId42"/>
+    <p:sldId id="274" r:id="rId43"/>
+    <p:sldId id="276" r:id="rId44"/>
+    <p:sldId id="278" r:id="rId45"/>
+    <p:sldId id="279" r:id="rId46"/>
+    <p:sldId id="275" r:id="rId47"/>
+    <p:sldId id="305" r:id="rId48"/>
+    <p:sldId id="306" r:id="rId49"/>
+    <p:sldId id="308" r:id="rId50"/>
+    <p:sldId id="309" r:id="rId51"/>
+    <p:sldId id="344" r:id="rId52"/>
+    <p:sldId id="311" r:id="rId53"/>
+    <p:sldId id="312" r:id="rId54"/>
+    <p:sldId id="370" r:id="rId55"/>
+    <p:sldId id="345" r:id="rId56"/>
+    <p:sldId id="346" r:id="rId57"/>
+    <p:sldId id="347" r:id="rId58"/>
   </p:sldIdLst>
-  <p:sldSz cx="10969625" cy="6170613"/>
+  <p:sldSz cx="10969625" cy="6170295"/>
   <p:notesSz cx="6858000" cy="9144000"/>
   <p:custDataLst>
-    <p:tags r:id="rId57"/>
+    <p:tags r:id="rId62"/>
   </p:custDataLst>
   <p:defaultTextStyle>
     <a:defPPr>
@@ -261,15 +262,13 @@
             <p14:sldId id="344"/>
             <p14:sldId id="311"/>
             <p14:sldId id="312"/>
+            <p14:sldId id="370"/>
             <p14:sldId id="345"/>
             <p14:sldId id="346"/>
             <p14:sldId id="347"/>
           </p14:sldIdLst>
         </p14:section>
       </p14:sectionLst>
-    </p:ext>
-    <p:ext uri="{EFAFB233-063F-42B5-8137-9DF3F51BA10A}">
-      <p15:sldGuideLst xmlns:p15="http://schemas.microsoft.com/office/powerpoint/2012/main"/>
     </p:ext>
   </p:extLst>
 </p:presentation>
@@ -357,7 +356,6 @@
           <a:p>
             <a:fld id="{6007911F-CEAF-4F0B-98BD-EFB38C6572AA}" type="datetimeFigureOut">
               <a:rPr lang="de-DE" smtClean="0"/>
-              <a:t>20.02.2024</a:t>
             </a:fld>
             <a:endParaRPr lang="de-DE"/>
           </a:p>
@@ -424,6 +422,7 @@
               <a:rPr lang="de-DE"/>
               <a:t>Mastertextformat bearbeiten</a:t>
             </a:r>
+            <a:endParaRPr lang="de-DE"/>
           </a:p>
           <a:p>
             <a:pPr lvl="1"/>
@@ -431,6 +430,7 @@
               <a:rPr lang="de-DE"/>
               <a:t>Zweite Ebene</a:t>
             </a:r>
+            <a:endParaRPr lang="de-DE"/>
           </a:p>
           <a:p>
             <a:pPr lvl="2"/>
@@ -438,6 +438,7 @@
               <a:rPr lang="de-DE"/>
               <a:t>Dritte Ebene</a:t>
             </a:r>
+            <a:endParaRPr lang="de-DE"/>
           </a:p>
           <a:p>
             <a:pPr lvl="3"/>
@@ -445,6 +446,7 @@
               <a:rPr lang="de-DE"/>
               <a:t>Vierte Ebene</a:t>
             </a:r>
+            <a:endParaRPr lang="de-DE"/>
           </a:p>
           <a:p>
             <a:pPr lvl="4"/>
@@ -452,6 +454,7 @@
               <a:rPr lang="de-DE"/>
               <a:t>Fünfte Ebene</a:t>
             </a:r>
+            <a:endParaRPr lang="de-DE"/>
           </a:p>
         </p:txBody>
       </p:sp>
@@ -515,7 +518,6 @@
           <a:p>
             <a:fld id="{492D48B2-9EB0-4B37-9B35-FC11E2EA535A}" type="slidenum">
               <a:rPr lang="de-DE" smtClean="0"/>
-              <a:t>‹#›</a:t>
             </a:fld>
             <a:endParaRPr lang="de-DE"/>
           </a:p>
@@ -684,7 +686,6 @@
           <a:p>
             <a:fld id="{492D48B2-9EB0-4B37-9B35-FC11E2EA535A}" type="slidenum">
               <a:rPr lang="de-DE" smtClean="0"/>
-              <a:t>12</a:t>
             </a:fld>
             <a:endParaRPr lang="de-DE"/>
           </a:p>
@@ -750,6 +751,7 @@
               <a:rPr lang="zh-CN" altLang="en-US" dirty="0"/>
               <a:t>是一个常用的口头表达，通常用来表示结束某个活动、会议、对话或任务。它的含义是告诉人们尽快完成正在进行的事情，不要再继续延长或拖延。这个短语可以在各种情境下使用，包括以下几种情况：</a:t>
             </a:r>
+            <a:endParaRPr lang="zh-CN" altLang="en-US" dirty="0"/>
           </a:p>
           <a:p>
             <a:pPr>
@@ -768,6 +770,7 @@
               <a:rPr lang="zh-CN" altLang="en-US" dirty="0"/>
               <a:t>，以表示他们需要结束讲话或会议。</a:t>
             </a:r>
+            <a:endParaRPr lang="zh-CN" altLang="en-US" dirty="0"/>
           </a:p>
           <a:p>
             <a:pPr>
@@ -786,6 +789,7 @@
               <a:rPr lang="zh-CN" altLang="en-US" dirty="0"/>
               <a:t>来宣布拍摄工作的结束。</a:t>
             </a:r>
+            <a:endParaRPr lang="zh-CN" altLang="en-US" dirty="0"/>
           </a:p>
           <a:p>
             <a:pPr>
@@ -804,6 +808,7 @@
               <a:rPr lang="zh-CN" altLang="en-US" dirty="0"/>
               <a:t>来表示他们需要结束谈话并离开。</a:t>
             </a:r>
+            <a:endParaRPr lang="zh-CN" altLang="en-US" dirty="0"/>
           </a:p>
           <a:p>
             <a:pPr>
@@ -822,6 +827,7 @@
               <a:rPr lang="zh-CN" altLang="en-US" dirty="0"/>
               <a:t>，表示你需要完成当前的任务或项目。</a:t>
             </a:r>
+            <a:endParaRPr lang="zh-CN" altLang="en-US" dirty="0"/>
           </a:p>
           <a:p>
             <a:r>
@@ -836,6 +842,7 @@
               <a:rPr lang="zh-CN" altLang="en-US" dirty="0"/>
               <a:t>是一种通用的表达方式，用来提醒人们结束正在进行的事情，通常是出于时间、进度或其他方面的考虑。</a:t>
             </a:r>
+            <a:endParaRPr lang="zh-CN" altLang="en-US" dirty="0"/>
           </a:p>
         </p:txBody>
       </p:sp>
@@ -856,7 +863,6 @@
           <a:p>
             <a:fld id="{492D48B2-9EB0-4B37-9B35-FC11E2EA535A}" type="slidenum">
               <a:rPr lang="de-DE" smtClean="0"/>
-              <a:t>14</a:t>
             </a:fld>
             <a:endParaRPr lang="de-DE"/>
           </a:p>
@@ -935,7 +941,6 @@
           <a:p>
             <a:fld id="{492D48B2-9EB0-4B37-9B35-FC11E2EA535A}" type="slidenum">
               <a:rPr lang="de-DE" smtClean="0"/>
-              <a:t>26</a:t>
             </a:fld>
             <a:endParaRPr lang="de-DE"/>
           </a:p>
@@ -1014,7 +1019,6 @@
           <a:p>
             <a:fld id="{492D48B2-9EB0-4B37-9B35-FC11E2EA535A}" type="slidenum">
               <a:rPr lang="de-DE" smtClean="0"/>
-              <a:t>27</a:t>
             </a:fld>
             <a:endParaRPr lang="de-DE"/>
           </a:p>
@@ -1076,6 +1080,7 @@
               <a:rPr lang="en-US" dirty="0"/>
               <a:t>The doctors tried desperately to save her life.</a:t>
             </a:r>
+            <a:endParaRPr lang="en-US" dirty="0"/>
           </a:p>
         </p:txBody>
       </p:sp>
@@ -1096,7 +1101,6 @@
           <a:p>
             <a:fld id="{492D48B2-9EB0-4B37-9B35-FC11E2EA535A}" type="slidenum">
               <a:rPr lang="de-DE" smtClean="0"/>
-              <a:t>30</a:t>
             </a:fld>
             <a:endParaRPr lang="de-DE"/>
           </a:p>
@@ -1111,7 +1115,7 @@
 </file>
 
 <file path=ppt/slideLayouts/slideLayout1.xml><?xml version="1.0" encoding="utf-8"?>
-<p:sldLayout xmlns:a="http://schemas.openxmlformats.org/drawingml/2006/main" xmlns:r="http://schemas.openxmlformats.org/officeDocument/2006/relationships" xmlns:p="http://schemas.openxmlformats.org/presentationml/2006/main" showMasterSp="0" preserve="1" userDrawn="1">
+<p:sldLayout xmlns:a="http://schemas.openxmlformats.org/drawingml/2006/main" xmlns:r="http://schemas.openxmlformats.org/officeDocument/2006/relationships" xmlns:p="http://schemas.openxmlformats.org/presentationml/2006/main" preserve="1" showMasterSp="0" userDrawn="1">
   <p:cSld name="Title horizontal ">
     <p:spTree>
       <p:nvGrpSpPr>
@@ -1198,6 +1202,7 @@
               <a:rPr lang="en-US" noProof="1"/>
               <a:t>Presentation title</a:t>
             </a:r>
+            <a:endParaRPr lang="en-US" noProof="1"/>
           </a:p>
         </p:txBody>
       </p:sp>
@@ -1254,6 +1259,7 @@
               <a:rPr lang="en-US" noProof="1"/>
               <a:t>Name, Department, Date</a:t>
             </a:r>
+            <a:endParaRPr lang="en-US" noProof="1"/>
           </a:p>
         </p:txBody>
       </p:sp>
@@ -1369,6 +1375,7 @@
               <a:rPr lang="en-US" noProof="1"/>
               <a:t>Add Chapter Title</a:t>
             </a:r>
+            <a:endParaRPr lang="en-US" noProof="1"/>
           </a:p>
         </p:txBody>
       </p:sp>
@@ -1400,6 +1407,7 @@
               <a:rPr lang="en-US" noProof="1"/>
               <a:t>Add Slide Title</a:t>
             </a:r>
+            <a:endParaRPr lang="en-US" noProof="1"/>
           </a:p>
         </p:txBody>
       </p:sp>
@@ -1432,6 +1440,7 @@
               <a:rPr lang="en-US" noProof="1"/>
               <a:t>Add Text</a:t>
             </a:r>
+            <a:endParaRPr lang="en-US" noProof="1"/>
           </a:p>
           <a:p>
             <a:pPr lvl="1"/>
@@ -1439,6 +1448,7 @@
               <a:rPr lang="en-US" noProof="1"/>
               <a:t>Zweite Ebene</a:t>
             </a:r>
+            <a:endParaRPr lang="en-US" noProof="1"/>
           </a:p>
           <a:p>
             <a:pPr lvl="2"/>
@@ -1446,6 +1456,7 @@
               <a:rPr lang="en-US" noProof="1"/>
               <a:t>Dritte Ebene</a:t>
             </a:r>
+            <a:endParaRPr lang="en-US" noProof="1"/>
           </a:p>
           <a:p>
             <a:pPr lvl="3"/>
@@ -1453,6 +1464,7 @@
               <a:rPr lang="en-US" noProof="1"/>
               <a:t>Vierte Ebene</a:t>
             </a:r>
+            <a:endParaRPr lang="en-US" noProof="1"/>
           </a:p>
           <a:p>
             <a:pPr lvl="4"/>
@@ -1460,6 +1472,7 @@
               <a:rPr lang="en-US" noProof="1"/>
               <a:t>Fünfte Ebene</a:t>
             </a:r>
+            <a:endParaRPr lang="en-US" noProof="1"/>
           </a:p>
         </p:txBody>
       </p:sp>
@@ -1492,6 +1505,7 @@
               <a:rPr lang="en-US" noProof="1"/>
               <a:t>Add Text </a:t>
             </a:r>
+            <a:endParaRPr lang="en-US" noProof="1"/>
           </a:p>
           <a:p>
             <a:pPr lvl="1"/>
@@ -1499,6 +1513,7 @@
               <a:rPr lang="en-US" noProof="1"/>
               <a:t>Zweite Ebene</a:t>
             </a:r>
+            <a:endParaRPr lang="en-US" noProof="1"/>
           </a:p>
           <a:p>
             <a:pPr lvl="2"/>
@@ -1506,6 +1521,7 @@
               <a:rPr lang="en-US" noProof="1"/>
               <a:t>Dritte Ebene</a:t>
             </a:r>
+            <a:endParaRPr lang="en-US" noProof="1"/>
           </a:p>
           <a:p>
             <a:pPr lvl="3"/>
@@ -1513,6 +1529,7 @@
               <a:rPr lang="en-US" noProof="1"/>
               <a:t>Vierte Ebene</a:t>
             </a:r>
+            <a:endParaRPr lang="en-US" noProof="1"/>
           </a:p>
           <a:p>
             <a:pPr lvl="4"/>
@@ -1520,6 +1537,7 @@
               <a:rPr lang="en-US" noProof="1"/>
               <a:t>Fünfte Ebene</a:t>
             </a:r>
+            <a:endParaRPr lang="en-US" noProof="1"/>
           </a:p>
         </p:txBody>
       </p:sp>
@@ -1564,6 +1582,12 @@
               </a:rPr>
               <a:t> </a:t>
             </a:r>
+            <a:endParaRPr lang="en-US" sz="550" b="0" i="0" u="none" strike="noStrike" kern="0" baseline="0" noProof="1">
+              <a:solidFill>
+                <a:srgbClr val="000000"/>
+              </a:solidFill>
+              <a:latin typeface="+mn-lt"/>
+            </a:endParaRPr>
           </a:p>
         </p:txBody>
       </p:sp>
@@ -1584,7 +1608,6 @@
           <a:p>
             <a:fld id="{4898AEC0-503E-4FA4-859C-D0F72D6E3F79}" type="slidenum">
               <a:rPr lang="en-US" noProof="1" smtClean="0"/>
-              <a:t>‹#›</a:t>
             </a:fld>
             <a:endParaRPr lang="en-US" noProof="1"/>
           </a:p>
@@ -1671,6 +1694,7 @@
               <a:rPr lang="en-US" noProof="1"/>
               <a:t>Add Chapter Title</a:t>
             </a:r>
+            <a:endParaRPr lang="en-US" noProof="1"/>
           </a:p>
         </p:txBody>
       </p:sp>
@@ -1702,6 +1726,7 @@
               <a:rPr lang="en-US" noProof="1"/>
               <a:t>Add Slide Title</a:t>
             </a:r>
+            <a:endParaRPr lang="en-US" noProof="1"/>
           </a:p>
         </p:txBody>
       </p:sp>
@@ -1734,6 +1759,7 @@
               <a:rPr lang="en-US" noProof="1"/>
               <a:t>Add Text </a:t>
             </a:r>
+            <a:endParaRPr lang="en-US" noProof="1"/>
           </a:p>
           <a:p>
             <a:pPr lvl="1"/>
@@ -1741,6 +1767,7 @@
               <a:rPr lang="en-US" noProof="1"/>
               <a:t>Zweite Ebene</a:t>
             </a:r>
+            <a:endParaRPr lang="en-US" noProof="1"/>
           </a:p>
           <a:p>
             <a:pPr lvl="2"/>
@@ -1748,6 +1775,7 @@
               <a:rPr lang="en-US" noProof="1"/>
               <a:t>Dritte Ebene</a:t>
             </a:r>
+            <a:endParaRPr lang="en-US" noProof="1"/>
           </a:p>
           <a:p>
             <a:pPr lvl="3"/>
@@ -1755,6 +1783,7 @@
               <a:rPr lang="en-US" noProof="1"/>
               <a:t>Vierte Ebene</a:t>
             </a:r>
+            <a:endParaRPr lang="en-US" noProof="1"/>
           </a:p>
           <a:p>
             <a:pPr lvl="4"/>
@@ -1762,6 +1791,7 @@
               <a:rPr lang="en-US" noProof="1"/>
               <a:t>Fünfte Ebene</a:t>
             </a:r>
+            <a:endParaRPr lang="en-US" noProof="1"/>
           </a:p>
         </p:txBody>
       </p:sp>
@@ -1794,6 +1824,7 @@
               <a:rPr lang="en-US" noProof="1"/>
               <a:t>Add Text </a:t>
             </a:r>
+            <a:endParaRPr lang="en-US" noProof="1"/>
           </a:p>
           <a:p>
             <a:pPr lvl="1"/>
@@ -1801,6 +1832,7 @@
               <a:rPr lang="en-US" noProof="1"/>
               <a:t>Zweite Ebene</a:t>
             </a:r>
+            <a:endParaRPr lang="en-US" noProof="1"/>
           </a:p>
           <a:p>
             <a:pPr lvl="2"/>
@@ -1808,6 +1840,7 @@
               <a:rPr lang="en-US" noProof="1"/>
               <a:t>Dritte Ebene</a:t>
             </a:r>
+            <a:endParaRPr lang="en-US" noProof="1"/>
           </a:p>
           <a:p>
             <a:pPr lvl="3"/>
@@ -1815,6 +1848,7 @@
               <a:rPr lang="en-US" noProof="1"/>
               <a:t>Vierte Ebene</a:t>
             </a:r>
+            <a:endParaRPr lang="en-US" noProof="1"/>
           </a:p>
           <a:p>
             <a:pPr lvl="4"/>
@@ -1822,6 +1856,7 @@
               <a:rPr lang="en-US" noProof="1"/>
               <a:t>Fünfte Ebene</a:t>
             </a:r>
+            <a:endParaRPr lang="en-US" noProof="1"/>
           </a:p>
         </p:txBody>
       </p:sp>
@@ -1854,6 +1889,7 @@
               <a:rPr lang="en-US" noProof="1"/>
               <a:t>Add Text </a:t>
             </a:r>
+            <a:endParaRPr lang="en-US" noProof="1"/>
           </a:p>
           <a:p>
             <a:pPr lvl="1"/>
@@ -1861,6 +1897,7 @@
               <a:rPr lang="en-US" noProof="1"/>
               <a:t>Zweite Ebene</a:t>
             </a:r>
+            <a:endParaRPr lang="en-US" noProof="1"/>
           </a:p>
           <a:p>
             <a:pPr lvl="2"/>
@@ -1868,6 +1905,7 @@
               <a:rPr lang="en-US" noProof="1"/>
               <a:t>Dritte Ebene</a:t>
             </a:r>
+            <a:endParaRPr lang="en-US" noProof="1"/>
           </a:p>
           <a:p>
             <a:pPr lvl="3"/>
@@ -1875,6 +1913,7 @@
               <a:rPr lang="en-US" noProof="1"/>
               <a:t>Vierte Ebene</a:t>
             </a:r>
+            <a:endParaRPr lang="en-US" noProof="1"/>
           </a:p>
           <a:p>
             <a:pPr lvl="4"/>
@@ -1882,6 +1921,7 @@
               <a:rPr lang="en-US" noProof="1"/>
               <a:t>Fünfte Ebene</a:t>
             </a:r>
+            <a:endParaRPr lang="en-US" noProof="1"/>
           </a:p>
         </p:txBody>
       </p:sp>
@@ -1926,6 +1966,12 @@
               </a:rPr>
               <a:t> </a:t>
             </a:r>
+            <a:endParaRPr lang="en-US" sz="550" b="0" i="0" u="none" strike="noStrike" kern="0" baseline="0" noProof="1">
+              <a:solidFill>
+                <a:srgbClr val="000000"/>
+              </a:solidFill>
+              <a:latin typeface="+mn-lt"/>
+            </a:endParaRPr>
           </a:p>
         </p:txBody>
       </p:sp>
@@ -1946,7 +1992,6 @@
           <a:p>
             <a:fld id="{4898AEC0-503E-4FA4-859C-D0F72D6E3F79}" type="slidenum">
               <a:rPr lang="en-US" noProof="1" smtClean="0"/>
-              <a:t>‹#›</a:t>
             </a:fld>
             <a:endParaRPr lang="en-US" noProof="1"/>
           </a:p>
@@ -2033,6 +2078,7 @@
               <a:rPr lang="en-US" noProof="1"/>
               <a:t>Add Chapter Title</a:t>
             </a:r>
+            <a:endParaRPr lang="en-US" noProof="1"/>
           </a:p>
         </p:txBody>
       </p:sp>
@@ -2064,6 +2110,7 @@
               <a:rPr lang="en-US" noProof="1"/>
               <a:t>Add Slide Title</a:t>
             </a:r>
+            <a:endParaRPr lang="en-US" noProof="1"/>
           </a:p>
         </p:txBody>
       </p:sp>
@@ -2096,6 +2143,7 @@
               <a:rPr lang="en-US" noProof="1"/>
               <a:t>Add Text </a:t>
             </a:r>
+            <a:endParaRPr lang="en-US" noProof="1"/>
           </a:p>
           <a:p>
             <a:pPr lvl="1"/>
@@ -2103,6 +2151,7 @@
               <a:rPr lang="en-US" noProof="1"/>
               <a:t>Zweite Ebene</a:t>
             </a:r>
+            <a:endParaRPr lang="en-US" noProof="1"/>
           </a:p>
           <a:p>
             <a:pPr lvl="2"/>
@@ -2110,6 +2159,7 @@
               <a:rPr lang="en-US" noProof="1"/>
               <a:t>Dritte Ebene</a:t>
             </a:r>
+            <a:endParaRPr lang="en-US" noProof="1"/>
           </a:p>
           <a:p>
             <a:pPr lvl="3"/>
@@ -2117,6 +2167,7 @@
               <a:rPr lang="en-US" noProof="1"/>
               <a:t>Vierte Ebene</a:t>
             </a:r>
+            <a:endParaRPr lang="en-US" noProof="1"/>
           </a:p>
           <a:p>
             <a:pPr lvl="4"/>
@@ -2124,6 +2175,7 @@
               <a:rPr lang="en-US" noProof="1"/>
               <a:t>Fünfte Ebene</a:t>
             </a:r>
+            <a:endParaRPr lang="en-US" noProof="1"/>
           </a:p>
         </p:txBody>
       </p:sp>
@@ -2156,6 +2208,7 @@
               <a:rPr lang="en-US" noProof="1"/>
               <a:t>Add Text </a:t>
             </a:r>
+            <a:endParaRPr lang="en-US" noProof="1"/>
           </a:p>
           <a:p>
             <a:pPr lvl="1"/>
@@ -2163,6 +2216,7 @@
               <a:rPr lang="en-US" noProof="1"/>
               <a:t>Zweite Ebene</a:t>
             </a:r>
+            <a:endParaRPr lang="en-US" noProof="1"/>
           </a:p>
           <a:p>
             <a:pPr lvl="2"/>
@@ -2170,6 +2224,7 @@
               <a:rPr lang="en-US" noProof="1"/>
               <a:t>Dritte Ebene</a:t>
             </a:r>
+            <a:endParaRPr lang="en-US" noProof="1"/>
           </a:p>
           <a:p>
             <a:pPr lvl="3"/>
@@ -2177,6 +2232,7 @@
               <a:rPr lang="en-US" noProof="1"/>
               <a:t>Vierte Ebene</a:t>
             </a:r>
+            <a:endParaRPr lang="en-US" noProof="1"/>
           </a:p>
           <a:p>
             <a:pPr lvl="4"/>
@@ -2184,6 +2240,7 @@
               <a:rPr lang="en-US" noProof="1"/>
               <a:t>Fünfte Ebene</a:t>
             </a:r>
+            <a:endParaRPr lang="en-US" noProof="1"/>
           </a:p>
         </p:txBody>
       </p:sp>
@@ -2216,6 +2273,7 @@
               <a:rPr lang="en-US" noProof="1"/>
               <a:t>Add Text </a:t>
             </a:r>
+            <a:endParaRPr lang="en-US" noProof="1"/>
           </a:p>
           <a:p>
             <a:pPr lvl="1"/>
@@ -2223,6 +2281,7 @@
               <a:rPr lang="en-US" noProof="1"/>
               <a:t>Zweite Ebene</a:t>
             </a:r>
+            <a:endParaRPr lang="en-US" noProof="1"/>
           </a:p>
           <a:p>
             <a:pPr lvl="2"/>
@@ -2230,6 +2289,7 @@
               <a:rPr lang="en-US" noProof="1"/>
               <a:t>Dritte Ebene</a:t>
             </a:r>
+            <a:endParaRPr lang="en-US" noProof="1"/>
           </a:p>
           <a:p>
             <a:pPr lvl="3"/>
@@ -2237,6 +2297,7 @@
               <a:rPr lang="en-US" noProof="1"/>
               <a:t>Vierte Ebene</a:t>
             </a:r>
+            <a:endParaRPr lang="en-US" noProof="1"/>
           </a:p>
           <a:p>
             <a:pPr lvl="4"/>
@@ -2244,6 +2305,7 @@
               <a:rPr lang="en-US" noProof="1"/>
               <a:t>Fünfte Ebene</a:t>
             </a:r>
+            <a:endParaRPr lang="en-US" noProof="1"/>
           </a:p>
         </p:txBody>
       </p:sp>
@@ -2276,6 +2338,7 @@
               <a:rPr lang="en-US" noProof="1"/>
               <a:t>Add Text</a:t>
             </a:r>
+            <a:endParaRPr lang="en-US" noProof="1"/>
           </a:p>
           <a:p>
             <a:pPr lvl="1"/>
@@ -2283,6 +2346,7 @@
               <a:rPr lang="en-US" noProof="1"/>
               <a:t>Zweite Ebene</a:t>
             </a:r>
+            <a:endParaRPr lang="en-US" noProof="1"/>
           </a:p>
           <a:p>
             <a:pPr lvl="2"/>
@@ -2290,6 +2354,7 @@
               <a:rPr lang="en-US" noProof="1"/>
               <a:t>Dritte Ebene</a:t>
             </a:r>
+            <a:endParaRPr lang="en-US" noProof="1"/>
           </a:p>
           <a:p>
             <a:pPr lvl="3"/>
@@ -2297,6 +2362,7 @@
               <a:rPr lang="en-US" noProof="1"/>
               <a:t>Vierte Ebene</a:t>
             </a:r>
+            <a:endParaRPr lang="en-US" noProof="1"/>
           </a:p>
           <a:p>
             <a:pPr lvl="4"/>
@@ -2304,6 +2370,7 @@
               <a:rPr lang="en-US" noProof="1"/>
               <a:t>Fünfte Ebene</a:t>
             </a:r>
+            <a:endParaRPr lang="en-US" noProof="1"/>
           </a:p>
         </p:txBody>
       </p:sp>
@@ -2348,6 +2415,12 @@
               </a:rPr>
               <a:t> </a:t>
             </a:r>
+            <a:endParaRPr lang="en-US" sz="550" b="0" i="0" u="none" strike="noStrike" kern="0" baseline="0" noProof="1">
+              <a:solidFill>
+                <a:srgbClr val="000000"/>
+              </a:solidFill>
+              <a:latin typeface="+mn-lt"/>
+            </a:endParaRPr>
           </a:p>
         </p:txBody>
       </p:sp>
@@ -2368,7 +2441,6 @@
           <a:p>
             <a:fld id="{4898AEC0-503E-4FA4-859C-D0F72D6E3F79}" type="slidenum">
               <a:rPr lang="en-US" noProof="1" smtClean="0"/>
-              <a:t>‹#›</a:t>
             </a:fld>
             <a:endParaRPr lang="en-US" noProof="1"/>
           </a:p>
@@ -2455,6 +2527,7 @@
               <a:rPr lang="en-US" noProof="1"/>
               <a:t>Add Chapter Title</a:t>
             </a:r>
+            <a:endParaRPr lang="en-US" noProof="1"/>
           </a:p>
         </p:txBody>
       </p:sp>
@@ -2486,6 +2559,7 @@
               <a:rPr lang="en-US" noProof="1"/>
               <a:t>Add Slide Title</a:t>
             </a:r>
+            <a:endParaRPr lang="en-US" noProof="1"/>
           </a:p>
         </p:txBody>
       </p:sp>
@@ -2518,6 +2592,7 @@
               <a:rPr lang="en-US" noProof="1"/>
               <a:t>Add Text </a:t>
             </a:r>
+            <a:endParaRPr lang="en-US" noProof="1"/>
           </a:p>
           <a:p>
             <a:pPr lvl="1"/>
@@ -2525,6 +2600,7 @@
               <a:rPr lang="en-US" noProof="1"/>
               <a:t>Zweite Ebene</a:t>
             </a:r>
+            <a:endParaRPr lang="en-US" noProof="1"/>
           </a:p>
           <a:p>
             <a:pPr lvl="2"/>
@@ -2532,6 +2608,7 @@
               <a:rPr lang="en-US" noProof="1"/>
               <a:t>Dritte Ebene</a:t>
             </a:r>
+            <a:endParaRPr lang="en-US" noProof="1"/>
           </a:p>
           <a:p>
             <a:pPr lvl="3"/>
@@ -2539,6 +2616,7 @@
               <a:rPr lang="en-US" noProof="1"/>
               <a:t>Vierte Ebene</a:t>
             </a:r>
+            <a:endParaRPr lang="en-US" noProof="1"/>
           </a:p>
           <a:p>
             <a:pPr lvl="4"/>
@@ -2546,6 +2624,7 @@
               <a:rPr lang="en-US" noProof="1"/>
               <a:t>Fünfte Ebene</a:t>
             </a:r>
+            <a:endParaRPr lang="en-US" noProof="1"/>
           </a:p>
         </p:txBody>
       </p:sp>
@@ -2578,6 +2657,7 @@
               <a:rPr lang="en-US" noProof="1"/>
               <a:t>Add Text </a:t>
             </a:r>
+            <a:endParaRPr lang="en-US" noProof="1"/>
           </a:p>
           <a:p>
             <a:pPr lvl="1"/>
@@ -2585,6 +2665,7 @@
               <a:rPr lang="en-US" noProof="1"/>
               <a:t>Zweite Ebene</a:t>
             </a:r>
+            <a:endParaRPr lang="en-US" noProof="1"/>
           </a:p>
           <a:p>
             <a:pPr lvl="2"/>
@@ -2592,6 +2673,7 @@
               <a:rPr lang="en-US" noProof="1"/>
               <a:t>Dritte Ebene</a:t>
             </a:r>
+            <a:endParaRPr lang="en-US" noProof="1"/>
           </a:p>
           <a:p>
             <a:pPr lvl="3"/>
@@ -2599,6 +2681,7 @@
               <a:rPr lang="en-US" noProof="1"/>
               <a:t>Vierte Ebene</a:t>
             </a:r>
+            <a:endParaRPr lang="en-US" noProof="1"/>
           </a:p>
           <a:p>
             <a:pPr lvl="4"/>
@@ -2606,6 +2689,7 @@
               <a:rPr lang="en-US" noProof="1"/>
               <a:t>Fünfte Ebene</a:t>
             </a:r>
+            <a:endParaRPr lang="en-US" noProof="1"/>
           </a:p>
         </p:txBody>
       </p:sp>
@@ -2650,6 +2734,12 @@
               </a:rPr>
               <a:t> </a:t>
             </a:r>
+            <a:endParaRPr lang="en-US" sz="550" b="0" i="0" u="none" strike="noStrike" kern="0" baseline="0" noProof="1">
+              <a:solidFill>
+                <a:srgbClr val="000000"/>
+              </a:solidFill>
+              <a:latin typeface="+mn-lt"/>
+            </a:endParaRPr>
           </a:p>
         </p:txBody>
       </p:sp>
@@ -2670,7 +2760,6 @@
           <a:p>
             <a:fld id="{4898AEC0-503E-4FA4-859C-D0F72D6E3F79}" type="slidenum">
               <a:rPr lang="en-US" noProof="1" smtClean="0"/>
-              <a:t>‹#›</a:t>
             </a:fld>
             <a:endParaRPr lang="en-US" noProof="1"/>
           </a:p>
@@ -2757,6 +2846,7 @@
               <a:rPr lang="en-US" noProof="1"/>
               <a:t>Add Chapter Title</a:t>
             </a:r>
+            <a:endParaRPr lang="en-US" noProof="1"/>
           </a:p>
         </p:txBody>
       </p:sp>
@@ -2788,6 +2878,7 @@
               <a:rPr lang="en-US" noProof="1"/>
               <a:t>Add Slide Title</a:t>
             </a:r>
+            <a:endParaRPr lang="en-US" noProof="1"/>
           </a:p>
         </p:txBody>
       </p:sp>
@@ -2820,6 +2911,7 @@
               <a:rPr lang="en-US" noProof="1"/>
               <a:t>Add Text </a:t>
             </a:r>
+            <a:endParaRPr lang="en-US" noProof="1"/>
           </a:p>
           <a:p>
             <a:pPr lvl="1"/>
@@ -2827,6 +2919,7 @@
               <a:rPr lang="en-US" noProof="1"/>
               <a:t>Zweite Ebene</a:t>
             </a:r>
+            <a:endParaRPr lang="en-US" noProof="1"/>
           </a:p>
           <a:p>
             <a:pPr lvl="2"/>
@@ -2834,6 +2927,7 @@
               <a:rPr lang="en-US" noProof="1"/>
               <a:t>Dritte Ebene</a:t>
             </a:r>
+            <a:endParaRPr lang="en-US" noProof="1"/>
           </a:p>
           <a:p>
             <a:pPr lvl="3"/>
@@ -2841,6 +2935,7 @@
               <a:rPr lang="en-US" noProof="1"/>
               <a:t>Vierte Ebene</a:t>
             </a:r>
+            <a:endParaRPr lang="en-US" noProof="1"/>
           </a:p>
           <a:p>
             <a:pPr lvl="4"/>
@@ -2848,6 +2943,7 @@
               <a:rPr lang="en-US" noProof="1"/>
               <a:t>Fünfte Ebene</a:t>
             </a:r>
+            <a:endParaRPr lang="en-US" noProof="1"/>
           </a:p>
         </p:txBody>
       </p:sp>
@@ -2880,6 +2976,7 @@
               <a:rPr lang="en-US" noProof="1"/>
               <a:t>Add Text </a:t>
             </a:r>
+            <a:endParaRPr lang="en-US" noProof="1"/>
           </a:p>
           <a:p>
             <a:pPr lvl="1"/>
@@ -2887,6 +2984,7 @@
               <a:rPr lang="en-US" noProof="1"/>
               <a:t>Zweite Ebene</a:t>
             </a:r>
+            <a:endParaRPr lang="en-US" noProof="1"/>
           </a:p>
           <a:p>
             <a:pPr lvl="2"/>
@@ -2894,6 +2992,7 @@
               <a:rPr lang="en-US" noProof="1"/>
               <a:t>Dritte Ebene</a:t>
             </a:r>
+            <a:endParaRPr lang="en-US" noProof="1"/>
           </a:p>
           <a:p>
             <a:pPr lvl="3"/>
@@ -2901,6 +3000,7 @@
               <a:rPr lang="en-US" noProof="1"/>
               <a:t>Vierte Ebene</a:t>
             </a:r>
+            <a:endParaRPr lang="en-US" noProof="1"/>
           </a:p>
           <a:p>
             <a:pPr lvl="4"/>
@@ -2908,6 +3008,7 @@
               <a:rPr lang="en-US" noProof="1"/>
               <a:t>Fünfte Ebene</a:t>
             </a:r>
+            <a:endParaRPr lang="en-US" noProof="1"/>
           </a:p>
         </p:txBody>
       </p:sp>
@@ -2940,6 +3041,7 @@
               <a:rPr lang="en-US" noProof="1"/>
               <a:t>Add Text </a:t>
             </a:r>
+            <a:endParaRPr lang="en-US" noProof="1"/>
           </a:p>
           <a:p>
             <a:pPr lvl="1"/>
@@ -2947,6 +3049,7 @@
               <a:rPr lang="en-US" noProof="1"/>
               <a:t>Zweite Ebene</a:t>
             </a:r>
+            <a:endParaRPr lang="en-US" noProof="1"/>
           </a:p>
           <a:p>
             <a:pPr lvl="2"/>
@@ -2954,6 +3057,7 @@
               <a:rPr lang="en-US" noProof="1"/>
               <a:t>Dritte Ebene</a:t>
             </a:r>
+            <a:endParaRPr lang="en-US" noProof="1"/>
           </a:p>
           <a:p>
             <a:pPr lvl="3"/>
@@ -2961,6 +3065,7 @@
               <a:rPr lang="en-US" noProof="1"/>
               <a:t>Vierte Ebene</a:t>
             </a:r>
+            <a:endParaRPr lang="en-US" noProof="1"/>
           </a:p>
           <a:p>
             <a:pPr lvl="4"/>
@@ -2968,6 +3073,7 @@
               <a:rPr lang="en-US" noProof="1"/>
               <a:t>Fünfte Ebene</a:t>
             </a:r>
+            <a:endParaRPr lang="en-US" noProof="1"/>
           </a:p>
         </p:txBody>
       </p:sp>
@@ -3000,6 +3106,7 @@
               <a:rPr lang="en-US" noProof="1"/>
               <a:t>Add Text </a:t>
             </a:r>
+            <a:endParaRPr lang="en-US" noProof="1"/>
           </a:p>
           <a:p>
             <a:pPr lvl="1"/>
@@ -3007,6 +3114,7 @@
               <a:rPr lang="en-US" noProof="1"/>
               <a:t>Zweite Ebene</a:t>
             </a:r>
+            <a:endParaRPr lang="en-US" noProof="1"/>
           </a:p>
           <a:p>
             <a:pPr lvl="2"/>
@@ -3014,6 +3122,7 @@
               <a:rPr lang="en-US" noProof="1"/>
               <a:t>Dritte Ebene</a:t>
             </a:r>
+            <a:endParaRPr lang="en-US" noProof="1"/>
           </a:p>
           <a:p>
             <a:pPr lvl="3"/>
@@ -3021,6 +3130,7 @@
               <a:rPr lang="en-US" noProof="1"/>
               <a:t>Vierte Ebene</a:t>
             </a:r>
+            <a:endParaRPr lang="en-US" noProof="1"/>
           </a:p>
           <a:p>
             <a:pPr lvl="4"/>
@@ -3028,6 +3138,7 @@
               <a:rPr lang="en-US" noProof="1"/>
               <a:t>Fünfte Ebene</a:t>
             </a:r>
+            <a:endParaRPr lang="en-US" noProof="1"/>
           </a:p>
         </p:txBody>
       </p:sp>
@@ -3072,6 +3183,12 @@
               </a:rPr>
               <a:t> </a:t>
             </a:r>
+            <a:endParaRPr lang="en-US" sz="550" b="0" i="0" u="none" strike="noStrike" kern="0" baseline="0" noProof="1">
+              <a:solidFill>
+                <a:srgbClr val="000000"/>
+              </a:solidFill>
+              <a:latin typeface="+mn-lt"/>
+            </a:endParaRPr>
           </a:p>
         </p:txBody>
       </p:sp>
@@ -3092,7 +3209,6 @@
           <a:p>
             <a:fld id="{4898AEC0-503E-4FA4-859C-D0F72D6E3F79}" type="slidenum">
               <a:rPr lang="en-US" noProof="1" smtClean="0"/>
-              <a:t>‹#›</a:t>
             </a:fld>
             <a:endParaRPr lang="en-US" noProof="1"/>
           </a:p>
@@ -3179,6 +3295,7 @@
               <a:rPr lang="en-US" noProof="1"/>
               <a:t>Add Chapter Title</a:t>
             </a:r>
+            <a:endParaRPr lang="en-US" noProof="1"/>
           </a:p>
         </p:txBody>
       </p:sp>
@@ -3210,6 +3327,7 @@
               <a:rPr lang="en-US" noProof="1"/>
               <a:t>Add Slide Title</a:t>
             </a:r>
+            <a:endParaRPr lang="en-US" noProof="1"/>
           </a:p>
         </p:txBody>
       </p:sp>
@@ -3242,6 +3360,7 @@
               <a:rPr lang="en-US" noProof="1"/>
               <a:t>Add Text </a:t>
             </a:r>
+            <a:endParaRPr lang="en-US" noProof="1"/>
           </a:p>
           <a:p>
             <a:pPr lvl="1"/>
@@ -3249,6 +3368,7 @@
               <a:rPr lang="en-US" noProof="1"/>
               <a:t>Zweite Ebene</a:t>
             </a:r>
+            <a:endParaRPr lang="en-US" noProof="1"/>
           </a:p>
           <a:p>
             <a:pPr lvl="2"/>
@@ -3256,6 +3376,7 @@
               <a:rPr lang="en-US" noProof="1"/>
               <a:t>Dritte Ebene</a:t>
             </a:r>
+            <a:endParaRPr lang="en-US" noProof="1"/>
           </a:p>
           <a:p>
             <a:pPr lvl="3"/>
@@ -3263,6 +3384,7 @@
               <a:rPr lang="en-US" noProof="1"/>
               <a:t>Vierte Ebene</a:t>
             </a:r>
+            <a:endParaRPr lang="en-US" noProof="1"/>
           </a:p>
           <a:p>
             <a:pPr lvl="4"/>
@@ -3270,6 +3392,7 @@
               <a:rPr lang="en-US" noProof="1"/>
               <a:t>Fünfte Ebene</a:t>
             </a:r>
+            <a:endParaRPr lang="en-US" noProof="1"/>
           </a:p>
         </p:txBody>
       </p:sp>
@@ -3302,6 +3425,7 @@
               <a:rPr lang="en-US" noProof="1"/>
               <a:t>Add Text </a:t>
             </a:r>
+            <a:endParaRPr lang="en-US" noProof="1"/>
           </a:p>
           <a:p>
             <a:pPr lvl="1"/>
@@ -3309,6 +3433,7 @@
               <a:rPr lang="en-US" noProof="1"/>
               <a:t>Zweite Ebene</a:t>
             </a:r>
+            <a:endParaRPr lang="en-US" noProof="1"/>
           </a:p>
           <a:p>
             <a:pPr lvl="2"/>
@@ -3316,6 +3441,7 @@
               <a:rPr lang="en-US" noProof="1"/>
               <a:t>Dritte Ebene</a:t>
             </a:r>
+            <a:endParaRPr lang="en-US" noProof="1"/>
           </a:p>
           <a:p>
             <a:pPr lvl="3"/>
@@ -3323,6 +3449,7 @@
               <a:rPr lang="en-US" noProof="1"/>
               <a:t>Vierte Ebene</a:t>
             </a:r>
+            <a:endParaRPr lang="en-US" noProof="1"/>
           </a:p>
           <a:p>
             <a:pPr lvl="4"/>
@@ -3330,6 +3457,7 @@
               <a:rPr lang="en-US" noProof="1"/>
               <a:t>Fünfte Ebene</a:t>
             </a:r>
+            <a:endParaRPr lang="en-US" noProof="1"/>
           </a:p>
         </p:txBody>
       </p:sp>
@@ -3362,6 +3490,7 @@
               <a:rPr lang="en-US" noProof="1"/>
               <a:t>Add Text </a:t>
             </a:r>
+            <a:endParaRPr lang="en-US" noProof="1"/>
           </a:p>
           <a:p>
             <a:pPr lvl="1"/>
@@ -3369,6 +3498,7 @@
               <a:rPr lang="en-US" noProof="1"/>
               <a:t>Zweite Ebene</a:t>
             </a:r>
+            <a:endParaRPr lang="en-US" noProof="1"/>
           </a:p>
           <a:p>
             <a:pPr lvl="2"/>
@@ -3376,6 +3506,7 @@
               <a:rPr lang="en-US" noProof="1"/>
               <a:t>Dritte Ebene</a:t>
             </a:r>
+            <a:endParaRPr lang="en-US" noProof="1"/>
           </a:p>
           <a:p>
             <a:pPr lvl="3"/>
@@ -3383,6 +3514,7 @@
               <a:rPr lang="en-US" noProof="1"/>
               <a:t>Vierte Ebene</a:t>
             </a:r>
+            <a:endParaRPr lang="en-US" noProof="1"/>
           </a:p>
           <a:p>
             <a:pPr lvl="4"/>
@@ -3390,6 +3522,7 @@
               <a:rPr lang="en-US" noProof="1"/>
               <a:t>Fünfte Ebene</a:t>
             </a:r>
+            <a:endParaRPr lang="en-US" noProof="1"/>
           </a:p>
         </p:txBody>
       </p:sp>
@@ -3422,6 +3555,7 @@
               <a:rPr lang="en-US" noProof="1"/>
               <a:t>Add Text </a:t>
             </a:r>
+            <a:endParaRPr lang="en-US" noProof="1"/>
           </a:p>
           <a:p>
             <a:pPr lvl="1"/>
@@ -3429,6 +3563,7 @@
               <a:rPr lang="en-US" noProof="1"/>
               <a:t>Zweite Ebene</a:t>
             </a:r>
+            <a:endParaRPr lang="en-US" noProof="1"/>
           </a:p>
           <a:p>
             <a:pPr lvl="2"/>
@@ -3436,6 +3571,7 @@
               <a:rPr lang="en-US" noProof="1"/>
               <a:t>Dritte Ebene</a:t>
             </a:r>
+            <a:endParaRPr lang="en-US" noProof="1"/>
           </a:p>
           <a:p>
             <a:pPr lvl="3"/>
@@ -3443,6 +3579,7 @@
               <a:rPr lang="en-US" noProof="1"/>
               <a:t>Vierte Ebene</a:t>
             </a:r>
+            <a:endParaRPr lang="en-US" noProof="1"/>
           </a:p>
           <a:p>
             <a:pPr lvl="4"/>
@@ -3450,6 +3587,7 @@
               <a:rPr lang="en-US" noProof="1"/>
               <a:t>Fünfte Ebene</a:t>
             </a:r>
+            <a:endParaRPr lang="en-US" noProof="1"/>
           </a:p>
         </p:txBody>
       </p:sp>
@@ -3482,6 +3620,7 @@
               <a:rPr lang="en-US" noProof="1"/>
               <a:t>Add Text </a:t>
             </a:r>
+            <a:endParaRPr lang="en-US" noProof="1"/>
           </a:p>
           <a:p>
             <a:pPr lvl="1"/>
@@ -3489,6 +3628,7 @@
               <a:rPr lang="en-US" noProof="1"/>
               <a:t>Zweite Ebene</a:t>
             </a:r>
+            <a:endParaRPr lang="en-US" noProof="1"/>
           </a:p>
           <a:p>
             <a:pPr lvl="2"/>
@@ -3496,6 +3636,7 @@
               <a:rPr lang="en-US" noProof="1"/>
               <a:t>Dritte Ebene</a:t>
             </a:r>
+            <a:endParaRPr lang="en-US" noProof="1"/>
           </a:p>
           <a:p>
             <a:pPr lvl="3"/>
@@ -3503,6 +3644,7 @@
               <a:rPr lang="en-US" noProof="1"/>
               <a:t>Vierte Ebene</a:t>
             </a:r>
+            <a:endParaRPr lang="en-US" noProof="1"/>
           </a:p>
           <a:p>
             <a:pPr lvl="4"/>
@@ -3510,6 +3652,7 @@
               <a:rPr lang="en-US" noProof="1"/>
               <a:t>Fünfte Ebene</a:t>
             </a:r>
+            <a:endParaRPr lang="en-US" noProof="1"/>
           </a:p>
         </p:txBody>
       </p:sp>
@@ -3542,6 +3685,7 @@
               <a:rPr lang="en-US" noProof="1"/>
               <a:t>Add Text </a:t>
             </a:r>
+            <a:endParaRPr lang="en-US" noProof="1"/>
           </a:p>
           <a:p>
             <a:pPr lvl="1"/>
@@ -3549,6 +3693,7 @@
               <a:rPr lang="en-US" noProof="1"/>
               <a:t>Zweite Ebene</a:t>
             </a:r>
+            <a:endParaRPr lang="en-US" noProof="1"/>
           </a:p>
           <a:p>
             <a:pPr lvl="2"/>
@@ -3556,6 +3701,7 @@
               <a:rPr lang="en-US" noProof="1"/>
               <a:t>Dritte Ebene</a:t>
             </a:r>
+            <a:endParaRPr lang="en-US" noProof="1"/>
           </a:p>
           <a:p>
             <a:pPr lvl="3"/>
@@ -3563,6 +3709,7 @@
               <a:rPr lang="en-US" noProof="1"/>
               <a:t>Vierte Ebene</a:t>
             </a:r>
+            <a:endParaRPr lang="en-US" noProof="1"/>
           </a:p>
           <a:p>
             <a:pPr lvl="4"/>
@@ -3570,6 +3717,7 @@
               <a:rPr lang="en-US" noProof="1"/>
               <a:t>Fünfte Ebene</a:t>
             </a:r>
+            <a:endParaRPr lang="en-US" noProof="1"/>
           </a:p>
         </p:txBody>
       </p:sp>
@@ -3614,6 +3762,12 @@
               </a:rPr>
               <a:t> </a:t>
             </a:r>
+            <a:endParaRPr lang="en-US" sz="550" b="0" i="0" u="none" strike="noStrike" kern="0" baseline="0" noProof="1">
+              <a:solidFill>
+                <a:srgbClr val="000000"/>
+              </a:solidFill>
+              <a:latin typeface="+mn-lt"/>
+            </a:endParaRPr>
           </a:p>
         </p:txBody>
       </p:sp>
@@ -3634,7 +3788,6 @@
           <a:p>
             <a:fld id="{4898AEC0-503E-4FA4-859C-D0F72D6E3F79}" type="slidenum">
               <a:rPr lang="en-US" noProof="1" smtClean="0"/>
-              <a:t>‹#›</a:t>
             </a:fld>
             <a:endParaRPr lang="en-US" noProof="1"/>
           </a:p>
@@ -3721,6 +3874,7 @@
               <a:rPr lang="en-US" noProof="1"/>
               <a:t>Add Chapter Title</a:t>
             </a:r>
+            <a:endParaRPr lang="en-US" noProof="1"/>
           </a:p>
         </p:txBody>
       </p:sp>
@@ -3752,6 +3906,7 @@
               <a:rPr lang="en-US" noProof="1"/>
               <a:t>Add Slide Title</a:t>
             </a:r>
+            <a:endParaRPr lang="en-US" noProof="1"/>
           </a:p>
         </p:txBody>
       </p:sp>
@@ -3784,6 +3939,7 @@
               <a:rPr lang="en-US" noProof="1"/>
               <a:t>Add Text </a:t>
             </a:r>
+            <a:endParaRPr lang="en-US" noProof="1"/>
           </a:p>
           <a:p>
             <a:pPr lvl="1"/>
@@ -3791,6 +3947,7 @@
               <a:rPr lang="en-US" noProof="1"/>
               <a:t>Zweite Ebene</a:t>
             </a:r>
+            <a:endParaRPr lang="en-US" noProof="1"/>
           </a:p>
           <a:p>
             <a:pPr lvl="2"/>
@@ -3798,6 +3955,7 @@
               <a:rPr lang="en-US" noProof="1"/>
               <a:t>Dritte Ebene</a:t>
             </a:r>
+            <a:endParaRPr lang="en-US" noProof="1"/>
           </a:p>
           <a:p>
             <a:pPr lvl="3"/>
@@ -3805,6 +3963,7 @@
               <a:rPr lang="en-US" noProof="1"/>
               <a:t>Vierte Ebene</a:t>
             </a:r>
+            <a:endParaRPr lang="en-US" noProof="1"/>
           </a:p>
           <a:p>
             <a:pPr lvl="4"/>
@@ -3812,6 +3971,7 @@
               <a:rPr lang="en-US" noProof="1"/>
               <a:t>Fünfte Ebene</a:t>
             </a:r>
+            <a:endParaRPr lang="en-US" noProof="1"/>
           </a:p>
         </p:txBody>
       </p:sp>
@@ -3844,6 +4004,7 @@
               <a:rPr lang="en-US" noProof="1"/>
               <a:t>Add Text </a:t>
             </a:r>
+            <a:endParaRPr lang="en-US" noProof="1"/>
           </a:p>
           <a:p>
             <a:pPr lvl="1"/>
@@ -3851,6 +4012,7 @@
               <a:rPr lang="en-US" noProof="1"/>
               <a:t>Zweite Ebene</a:t>
             </a:r>
+            <a:endParaRPr lang="en-US" noProof="1"/>
           </a:p>
           <a:p>
             <a:pPr lvl="2"/>
@@ -3858,6 +4020,7 @@
               <a:rPr lang="en-US" noProof="1"/>
               <a:t>Dritte Ebene</a:t>
             </a:r>
+            <a:endParaRPr lang="en-US" noProof="1"/>
           </a:p>
           <a:p>
             <a:pPr lvl="3"/>
@@ -3865,6 +4028,7 @@
               <a:rPr lang="en-US" noProof="1"/>
               <a:t>Vierte Ebene</a:t>
             </a:r>
+            <a:endParaRPr lang="en-US" noProof="1"/>
           </a:p>
           <a:p>
             <a:pPr lvl="4"/>
@@ -3872,6 +4036,7 @@
               <a:rPr lang="en-US" noProof="1"/>
               <a:t>Fünfte Ebene</a:t>
             </a:r>
+            <a:endParaRPr lang="en-US" noProof="1"/>
           </a:p>
         </p:txBody>
       </p:sp>
@@ -3904,6 +4069,7 @@
               <a:rPr lang="en-US" noProof="1"/>
               <a:t>Add Text </a:t>
             </a:r>
+            <a:endParaRPr lang="en-US" noProof="1"/>
           </a:p>
           <a:p>
             <a:pPr lvl="1"/>
@@ -3911,6 +4077,7 @@
               <a:rPr lang="en-US" noProof="1"/>
               <a:t>Zweite Ebene</a:t>
             </a:r>
+            <a:endParaRPr lang="en-US" noProof="1"/>
           </a:p>
           <a:p>
             <a:pPr lvl="2"/>
@@ -3918,6 +4085,7 @@
               <a:rPr lang="en-US" noProof="1"/>
               <a:t>Dritte Ebene</a:t>
             </a:r>
+            <a:endParaRPr lang="en-US" noProof="1"/>
           </a:p>
           <a:p>
             <a:pPr lvl="3"/>
@@ -3925,6 +4093,7 @@
               <a:rPr lang="en-US" noProof="1"/>
               <a:t>Vierte Ebene</a:t>
             </a:r>
+            <a:endParaRPr lang="en-US" noProof="1"/>
           </a:p>
           <a:p>
             <a:pPr lvl="4"/>
@@ -3932,6 +4101,7 @@
               <a:rPr lang="en-US" noProof="1"/>
               <a:t>Fünfte Ebene</a:t>
             </a:r>
+            <a:endParaRPr lang="en-US" noProof="1"/>
           </a:p>
         </p:txBody>
       </p:sp>
@@ -3964,6 +4134,7 @@
               <a:rPr lang="en-US" noProof="1"/>
               <a:t>Add Text </a:t>
             </a:r>
+            <a:endParaRPr lang="en-US" noProof="1"/>
           </a:p>
           <a:p>
             <a:pPr lvl="1"/>
@@ -3971,6 +4142,7 @@
               <a:rPr lang="en-US" noProof="1"/>
               <a:t>Zweite Ebene</a:t>
             </a:r>
+            <a:endParaRPr lang="en-US" noProof="1"/>
           </a:p>
           <a:p>
             <a:pPr lvl="2"/>
@@ -3978,6 +4150,7 @@
               <a:rPr lang="en-US" noProof="1"/>
               <a:t>Dritte Ebene</a:t>
             </a:r>
+            <a:endParaRPr lang="en-US" noProof="1"/>
           </a:p>
           <a:p>
             <a:pPr lvl="3"/>
@@ -3985,6 +4158,7 @@
               <a:rPr lang="en-US" noProof="1"/>
               <a:t>Vierte Ebene</a:t>
             </a:r>
+            <a:endParaRPr lang="en-US" noProof="1"/>
           </a:p>
           <a:p>
             <a:pPr lvl="4"/>
@@ -3992,6 +4166,7 @@
               <a:rPr lang="en-US" noProof="1"/>
               <a:t>Fünfte Ebene</a:t>
             </a:r>
+            <a:endParaRPr lang="en-US" noProof="1"/>
           </a:p>
         </p:txBody>
       </p:sp>
@@ -4024,6 +4199,7 @@
               <a:rPr lang="en-US" noProof="1"/>
               <a:t>Add Text </a:t>
             </a:r>
+            <a:endParaRPr lang="en-US" noProof="1"/>
           </a:p>
           <a:p>
             <a:pPr lvl="1"/>
@@ -4031,6 +4207,7 @@
               <a:rPr lang="en-US" noProof="1"/>
               <a:t>Zweite Ebene</a:t>
             </a:r>
+            <a:endParaRPr lang="en-US" noProof="1"/>
           </a:p>
           <a:p>
             <a:pPr lvl="2"/>
@@ -4038,6 +4215,7 @@
               <a:rPr lang="en-US" noProof="1"/>
               <a:t>Dritte Ebene</a:t>
             </a:r>
+            <a:endParaRPr lang="en-US" noProof="1"/>
           </a:p>
           <a:p>
             <a:pPr lvl="3"/>
@@ -4045,6 +4223,7 @@
               <a:rPr lang="en-US" noProof="1"/>
               <a:t>Vierte Ebene</a:t>
             </a:r>
+            <a:endParaRPr lang="en-US" noProof="1"/>
           </a:p>
           <a:p>
             <a:pPr lvl="4"/>
@@ -4052,6 +4231,7 @@
               <a:rPr lang="en-US" noProof="1"/>
               <a:t>Fünfte Ebene</a:t>
             </a:r>
+            <a:endParaRPr lang="en-US" noProof="1"/>
           </a:p>
         </p:txBody>
       </p:sp>
@@ -4084,6 +4264,7 @@
               <a:rPr lang="en-US" noProof="1"/>
               <a:t>Add Text </a:t>
             </a:r>
+            <a:endParaRPr lang="en-US" noProof="1"/>
           </a:p>
           <a:p>
             <a:pPr lvl="1"/>
@@ -4091,6 +4272,7 @@
               <a:rPr lang="en-US" noProof="1"/>
               <a:t>Zweite Ebene</a:t>
             </a:r>
+            <a:endParaRPr lang="en-US" noProof="1"/>
           </a:p>
           <a:p>
             <a:pPr lvl="2"/>
@@ -4098,6 +4280,7 @@
               <a:rPr lang="en-US" noProof="1"/>
               <a:t>Dritte Ebene</a:t>
             </a:r>
+            <a:endParaRPr lang="en-US" noProof="1"/>
           </a:p>
           <a:p>
             <a:pPr lvl="3"/>
@@ -4105,6 +4288,7 @@
               <a:rPr lang="en-US" noProof="1"/>
               <a:t>Vierte Ebene</a:t>
             </a:r>
+            <a:endParaRPr lang="en-US" noProof="1"/>
           </a:p>
           <a:p>
             <a:pPr lvl="4"/>
@@ -4112,6 +4296,7 @@
               <a:rPr lang="en-US" noProof="1"/>
               <a:t>Fünfte Ebene</a:t>
             </a:r>
+            <a:endParaRPr lang="en-US" noProof="1"/>
           </a:p>
         </p:txBody>
       </p:sp>
@@ -4144,6 +4329,7 @@
               <a:rPr lang="en-US" noProof="1"/>
               <a:t>Add Text </a:t>
             </a:r>
+            <a:endParaRPr lang="en-US" noProof="1"/>
           </a:p>
           <a:p>
             <a:pPr lvl="1"/>
@@ -4151,6 +4337,7 @@
               <a:rPr lang="en-US" noProof="1"/>
               <a:t>Zweite Ebene</a:t>
             </a:r>
+            <a:endParaRPr lang="en-US" noProof="1"/>
           </a:p>
           <a:p>
             <a:pPr lvl="2"/>
@@ -4158,6 +4345,7 @@
               <a:rPr lang="en-US" noProof="1"/>
               <a:t>Dritte Ebene</a:t>
             </a:r>
+            <a:endParaRPr lang="en-US" noProof="1"/>
           </a:p>
           <a:p>
             <a:pPr lvl="3"/>
@@ -4165,6 +4353,7 @@
               <a:rPr lang="en-US" noProof="1"/>
               <a:t>Vierte Ebene</a:t>
             </a:r>
+            <a:endParaRPr lang="en-US" noProof="1"/>
           </a:p>
           <a:p>
             <a:pPr lvl="4"/>
@@ -4172,6 +4361,7 @@
               <a:rPr lang="en-US" noProof="1"/>
               <a:t>Fünfte Ebene</a:t>
             </a:r>
+            <a:endParaRPr lang="en-US" noProof="1"/>
           </a:p>
         </p:txBody>
       </p:sp>
@@ -4204,6 +4394,7 @@
               <a:rPr lang="en-US" noProof="1"/>
               <a:t>Add Text </a:t>
             </a:r>
+            <a:endParaRPr lang="en-US" noProof="1"/>
           </a:p>
           <a:p>
             <a:pPr lvl="1"/>
@@ -4211,6 +4402,7 @@
               <a:rPr lang="en-US" noProof="1"/>
               <a:t>Zweite Ebene</a:t>
             </a:r>
+            <a:endParaRPr lang="en-US" noProof="1"/>
           </a:p>
           <a:p>
             <a:pPr lvl="2"/>
@@ -4218,6 +4410,7 @@
               <a:rPr lang="en-US" noProof="1"/>
               <a:t>Dritte Ebene</a:t>
             </a:r>
+            <a:endParaRPr lang="en-US" noProof="1"/>
           </a:p>
           <a:p>
             <a:pPr lvl="3"/>
@@ -4225,6 +4418,7 @@
               <a:rPr lang="en-US" noProof="1"/>
               <a:t>Vierte Ebene</a:t>
             </a:r>
+            <a:endParaRPr lang="en-US" noProof="1"/>
           </a:p>
           <a:p>
             <a:pPr lvl="4"/>
@@ -4232,6 +4426,7 @@
               <a:rPr lang="en-US" noProof="1"/>
               <a:t>Fünfte Ebene</a:t>
             </a:r>
+            <a:endParaRPr lang="en-US" noProof="1"/>
           </a:p>
         </p:txBody>
       </p:sp>
@@ -4276,6 +4471,12 @@
               </a:rPr>
               <a:t> </a:t>
             </a:r>
+            <a:endParaRPr lang="en-US" sz="550" b="0" i="0" u="none" strike="noStrike" kern="0" baseline="0" noProof="1">
+              <a:solidFill>
+                <a:srgbClr val="000000"/>
+              </a:solidFill>
+              <a:latin typeface="+mn-lt"/>
+            </a:endParaRPr>
           </a:p>
         </p:txBody>
       </p:sp>
@@ -4296,7 +4497,6 @@
           <a:p>
             <a:fld id="{4898AEC0-503E-4FA4-859C-D0F72D6E3F79}" type="slidenum">
               <a:rPr lang="en-US" noProof="1" smtClean="0"/>
-              <a:t>‹#›</a:t>
             </a:fld>
             <a:endParaRPr lang="en-US" noProof="1"/>
           </a:p>
@@ -4383,6 +4583,7 @@
               <a:rPr lang="en-US" noProof="1"/>
               <a:t>Add Chapter Title</a:t>
             </a:r>
+            <a:endParaRPr lang="en-US" noProof="1"/>
           </a:p>
         </p:txBody>
       </p:sp>
@@ -4427,6 +4628,12 @@
               </a:rPr>
               <a:t> </a:t>
             </a:r>
+            <a:endParaRPr lang="en-US" sz="550" b="0" i="0" u="none" strike="noStrike" kern="0" baseline="0" noProof="1">
+              <a:solidFill>
+                <a:srgbClr val="000000"/>
+              </a:solidFill>
+              <a:latin typeface="+mn-lt"/>
+            </a:endParaRPr>
           </a:p>
         </p:txBody>
       </p:sp>
@@ -4449,6 +4656,7 @@
               <a:rPr lang="en-US"/>
               <a:t>Add Slide Title</a:t>
             </a:r>
+            <a:endParaRPr lang="en-US"/>
           </a:p>
         </p:txBody>
       </p:sp>
@@ -4469,7 +4677,6 @@
           <a:p>
             <a:fld id="{4898AEC0-503E-4FA4-859C-D0F72D6E3F79}" type="slidenum">
               <a:rPr lang="en-US" noProof="1" smtClean="0"/>
-              <a:t>‹#›</a:t>
             </a:fld>
             <a:endParaRPr lang="en-US" noProof="1"/>
           </a:p>
@@ -4541,6 +4748,12 @@
               </a:rPr>
               <a:t> </a:t>
             </a:r>
+            <a:endParaRPr lang="en-US" sz="550" b="0" i="0" u="none" strike="noStrike" kern="0" baseline="0" noProof="1">
+              <a:solidFill>
+                <a:srgbClr val="000000"/>
+              </a:solidFill>
+              <a:latin typeface="+mn-lt"/>
+            </a:endParaRPr>
           </a:p>
         </p:txBody>
       </p:sp>
@@ -4561,7 +4774,6 @@
           <a:p>
             <a:fld id="{4898AEC0-503E-4FA4-859C-D0F72D6E3F79}" type="slidenum">
               <a:rPr lang="en-US" noProof="1" smtClean="0"/>
-              <a:t>‹#›</a:t>
             </a:fld>
             <a:endParaRPr lang="en-US" noProof="1"/>
           </a:p>
@@ -4576,7 +4788,7 @@
 </file>
 
 <file path=ppt/slideLayouts/slideLayout2.xml><?xml version="1.0" encoding="utf-8"?>
-<p:sldLayout xmlns:a="http://schemas.openxmlformats.org/drawingml/2006/main" xmlns:r="http://schemas.openxmlformats.org/officeDocument/2006/relationships" xmlns:p="http://schemas.openxmlformats.org/presentationml/2006/main" showMasterSp="0" preserve="1" userDrawn="1">
+<p:sldLayout xmlns:a="http://schemas.openxmlformats.org/drawingml/2006/main" xmlns:r="http://schemas.openxmlformats.org/officeDocument/2006/relationships" xmlns:p="http://schemas.openxmlformats.org/presentationml/2006/main" preserve="1" showMasterSp="0" userDrawn="1">
   <p:cSld name="Title vertical ">
     <p:spTree>
       <p:nvGrpSpPr>
@@ -4663,6 +4875,7 @@
               <a:rPr lang="en-US" noProof="1"/>
               <a:t>Presentation title</a:t>
             </a:r>
+            <a:endParaRPr lang="en-US" noProof="1"/>
           </a:p>
         </p:txBody>
       </p:sp>
@@ -4719,6 +4932,7 @@
               <a:rPr lang="en-US" noProof="1"/>
               <a:t>Name, Department, Date</a:t>
             </a:r>
+            <a:endParaRPr lang="en-US" noProof="1"/>
           </a:p>
         </p:txBody>
       </p:sp>
@@ -4762,7 +4976,7 @@
 </file>
 
 <file path=ppt/slideLayouts/slideLayout3.xml><?xml version="1.0" encoding="utf-8"?>
-<p:sldLayout xmlns:a="http://schemas.openxmlformats.org/drawingml/2006/main" xmlns:r="http://schemas.openxmlformats.org/officeDocument/2006/relationships" xmlns:p="http://schemas.openxmlformats.org/presentationml/2006/main" showMasterSp="0" preserve="1" userDrawn="1">
+<p:sldLayout xmlns:a="http://schemas.openxmlformats.org/drawingml/2006/main" xmlns:r="http://schemas.openxmlformats.org/officeDocument/2006/relationships" xmlns:p="http://schemas.openxmlformats.org/presentationml/2006/main" preserve="1" showMasterSp="0" userDrawn="1">
   <p:cSld name="Chapter horizontal ">
     <p:spTree>
       <p:nvGrpSpPr>
@@ -4854,6 +5068,7 @@
               <a:rPr lang="en-US" noProof="1"/>
               <a:t>Chapter title</a:t>
             </a:r>
+            <a:endParaRPr lang="en-US" noProof="1"/>
           </a:p>
         </p:txBody>
       </p:sp>
@@ -4979,6 +5194,7 @@
               <a:rPr lang="en-US"/>
               <a:t>00</a:t>
             </a:r>
+            <a:endParaRPr lang="en-US"/>
           </a:p>
         </p:txBody>
       </p:sp>
@@ -5022,7 +5238,7 @@
 </file>
 
 <file path=ppt/slideLayouts/slideLayout4.xml><?xml version="1.0" encoding="utf-8"?>
-<p:sldLayout xmlns:a="http://schemas.openxmlformats.org/drawingml/2006/main" xmlns:r="http://schemas.openxmlformats.org/officeDocument/2006/relationships" xmlns:p="http://schemas.openxmlformats.org/presentationml/2006/main" showMasterSp="0" preserve="1" userDrawn="1">
+<p:sldLayout xmlns:a="http://schemas.openxmlformats.org/drawingml/2006/main" xmlns:r="http://schemas.openxmlformats.org/officeDocument/2006/relationships" xmlns:p="http://schemas.openxmlformats.org/presentationml/2006/main" preserve="1" showMasterSp="0" userDrawn="1">
   <p:cSld name="Chapter vertical ">
     <p:spTree>
       <p:nvGrpSpPr>
@@ -5114,6 +5330,7 @@
               <a:rPr lang="en-US" noProof="1"/>
               <a:t>Chapter title</a:t>
             </a:r>
+            <a:endParaRPr lang="en-US" noProof="1"/>
           </a:p>
         </p:txBody>
       </p:sp>
@@ -5239,6 +5456,7 @@
               <a:rPr lang="en-US"/>
               <a:t>00</a:t>
             </a:r>
+            <a:endParaRPr lang="en-US"/>
           </a:p>
         </p:txBody>
       </p:sp>
@@ -5282,7 +5500,7 @@
 </file>
 
 <file path=ppt/slideLayouts/slideLayout5.xml><?xml version="1.0" encoding="utf-8"?>
-<p:sldLayout xmlns:a="http://schemas.openxmlformats.org/drawingml/2006/main" xmlns:r="http://schemas.openxmlformats.org/officeDocument/2006/relationships" xmlns:p="http://schemas.openxmlformats.org/presentationml/2006/main" showMasterSp="0" preserve="1" userDrawn="1">
+<p:sldLayout xmlns:a="http://schemas.openxmlformats.org/drawingml/2006/main" xmlns:r="http://schemas.openxmlformats.org/officeDocument/2006/relationships" xmlns:p="http://schemas.openxmlformats.org/presentationml/2006/main" preserve="1" showMasterSp="0" userDrawn="1">
   <p:cSld name="Full picture without text ">
     <p:spTree>
       <p:nvGrpSpPr>
@@ -5400,6 +5618,7 @@
               <a:rPr lang="en-US" noProof="1"/>
               <a:t>Insert photo</a:t>
             </a:r>
+            <a:endParaRPr lang="en-US" noProof="1"/>
           </a:p>
         </p:txBody>
       </p:sp>
@@ -5413,7 +5632,7 @@
 </file>
 
 <file path=ppt/slideLayouts/slideLayout6.xml><?xml version="1.0" encoding="utf-8"?>
-<p:sldLayout xmlns:a="http://schemas.openxmlformats.org/drawingml/2006/main" xmlns:r="http://schemas.openxmlformats.org/officeDocument/2006/relationships" xmlns:p="http://schemas.openxmlformats.org/presentationml/2006/main" showMasterSp="0" preserve="1" userDrawn="1">
+<p:sldLayout xmlns:a="http://schemas.openxmlformats.org/drawingml/2006/main" xmlns:r="http://schemas.openxmlformats.org/officeDocument/2006/relationships" xmlns:p="http://schemas.openxmlformats.org/presentationml/2006/main" preserve="1" showMasterSp="0" userDrawn="1">
   <p:cSld name="Full picture with text ">
     <p:spTree>
       <p:nvGrpSpPr>
@@ -5531,6 +5750,7 @@
               <a:rPr lang="en-US" noProof="1"/>
               <a:t>Insert photo</a:t>
             </a:r>
+            <a:endParaRPr lang="en-US" noProof="1"/>
           </a:p>
         </p:txBody>
       </p:sp>
@@ -5590,6 +5810,7 @@
               <a:rPr lang="en-US" noProof="1"/>
               <a:t>Add Text</a:t>
             </a:r>
+            <a:endParaRPr lang="en-US" noProof="1"/>
           </a:p>
         </p:txBody>
       </p:sp>
@@ -5603,7 +5824,7 @@
 </file>
 
 <file path=ppt/slideLayouts/slideLayout7.xml><?xml version="1.0" encoding="utf-8"?>
-<p:sldLayout xmlns:a="http://schemas.openxmlformats.org/drawingml/2006/main" xmlns:r="http://schemas.openxmlformats.org/officeDocument/2006/relationships" xmlns:p="http://schemas.openxmlformats.org/presentationml/2006/main" showMasterSp="0" preserve="1" userDrawn="1">
+<p:sldLayout xmlns:a="http://schemas.openxmlformats.org/drawingml/2006/main" xmlns:r="http://schemas.openxmlformats.org/officeDocument/2006/relationships" xmlns:p="http://schemas.openxmlformats.org/presentationml/2006/main" preserve="1" showMasterSp="0" userDrawn="1">
   <p:cSld name="Split horizontal ">
     <p:spTree>
       <p:nvGrpSpPr>
@@ -5721,6 +5942,7 @@
               <a:rPr lang="en-US" noProof="1"/>
               <a:t>Insert photo</a:t>
             </a:r>
+            <a:endParaRPr lang="en-US" noProof="1"/>
           </a:p>
         </p:txBody>
       </p:sp>
@@ -5777,6 +5999,7 @@
               <a:rPr lang="en-US" noProof="1"/>
               <a:t>Add Text</a:t>
             </a:r>
+            <a:endParaRPr lang="en-US" noProof="1"/>
           </a:p>
         </p:txBody>
       </p:sp>
@@ -5790,7 +6013,7 @@
 </file>
 
 <file path=ppt/slideLayouts/slideLayout8.xml><?xml version="1.0" encoding="utf-8"?>
-<p:sldLayout xmlns:a="http://schemas.openxmlformats.org/drawingml/2006/main" xmlns:r="http://schemas.openxmlformats.org/officeDocument/2006/relationships" xmlns:p="http://schemas.openxmlformats.org/presentationml/2006/main" showMasterSp="0" preserve="1" userDrawn="1">
+<p:sldLayout xmlns:a="http://schemas.openxmlformats.org/drawingml/2006/main" xmlns:r="http://schemas.openxmlformats.org/officeDocument/2006/relationships" xmlns:p="http://schemas.openxmlformats.org/presentationml/2006/main" preserve="1" showMasterSp="0" userDrawn="1">
   <p:cSld name="Split vertical ">
     <p:spTree>
       <p:nvGrpSpPr>
@@ -5878,6 +6101,7 @@
               <a:rPr lang="en-US" noProof="1"/>
               <a:t>Insert photo</a:t>
             </a:r>
+            <a:endParaRPr lang="en-US" noProof="1"/>
           </a:p>
         </p:txBody>
       </p:sp>
@@ -5934,6 +6158,7 @@
               <a:rPr lang="en-US" noProof="1"/>
               <a:t>Add Text</a:t>
             </a:r>
+            <a:endParaRPr lang="en-US" noProof="1"/>
           </a:p>
         </p:txBody>
       </p:sp>
@@ -6021,6 +6246,7 @@
               <a:rPr lang="en-US" noProof="1"/>
               <a:t>Add Slide Title</a:t>
             </a:r>
+            <a:endParaRPr lang="en-US" noProof="1"/>
           </a:p>
         </p:txBody>
       </p:sp>
@@ -6080,6 +6306,7 @@
               <a:rPr lang="en-US" noProof="1"/>
               <a:t>Add Chapter Title</a:t>
             </a:r>
+            <a:endParaRPr lang="en-US" noProof="1"/>
           </a:p>
         </p:txBody>
       </p:sp>
@@ -6124,6 +6351,12 @@
               </a:rPr>
               <a:t> </a:t>
             </a:r>
+            <a:endParaRPr lang="en-US" sz="550" b="0" i="0" u="none" strike="noStrike" kern="0" baseline="0" noProof="1">
+              <a:solidFill>
+                <a:srgbClr val="000000"/>
+              </a:solidFill>
+              <a:latin typeface="+mn-lt"/>
+            </a:endParaRPr>
           </a:p>
         </p:txBody>
       </p:sp>
@@ -6156,6 +6389,7 @@
               <a:rPr lang="en-US" noProof="1"/>
               <a:t>Add Text</a:t>
             </a:r>
+            <a:endParaRPr lang="en-US" noProof="1"/>
           </a:p>
           <a:p>
             <a:pPr lvl="1"/>
@@ -6163,6 +6397,7 @@
               <a:rPr lang="en-US" noProof="1"/>
               <a:t>Zweite Ebene</a:t>
             </a:r>
+            <a:endParaRPr lang="en-US" noProof="1"/>
           </a:p>
           <a:p>
             <a:pPr lvl="2"/>
@@ -6170,6 +6405,7 @@
               <a:rPr lang="en-US" noProof="1"/>
               <a:t>Dritte Ebene</a:t>
             </a:r>
+            <a:endParaRPr lang="en-US" noProof="1"/>
           </a:p>
           <a:p>
             <a:pPr lvl="3"/>
@@ -6177,6 +6413,7 @@
               <a:rPr lang="en-US" noProof="1"/>
               <a:t>Vierte Ebene</a:t>
             </a:r>
+            <a:endParaRPr lang="en-US" noProof="1"/>
           </a:p>
           <a:p>
             <a:pPr lvl="4"/>
@@ -6184,6 +6421,7 @@
               <a:rPr lang="en-US" noProof="1"/>
               <a:t>Fünfte Ebene</a:t>
             </a:r>
+            <a:endParaRPr lang="en-US" noProof="1"/>
           </a:p>
         </p:txBody>
       </p:sp>
@@ -6204,7 +6442,6 @@
           <a:p>
             <a:fld id="{4898AEC0-503E-4FA4-859C-D0F72D6E3F79}" type="slidenum">
               <a:rPr lang="en-US" noProof="1" smtClean="0"/>
-              <a:t>‹#›</a:t>
             </a:fld>
             <a:endParaRPr lang="en-US" noProof="1"/>
           </a:p>
@@ -6249,7 +6486,7 @@
           <p:nvPr userDrawn="1"/>
         </p:nvPicPr>
         <p:blipFill>
-          <a:blip r:embed="rId20" cstate="print">
+          <a:blip r:embed="rId19" cstate="print">
             <a:extLst>
               <a:ext uri="{28A0092B-C50C-407E-A947-70E740481C1C}">
                 <a14:useLocalDpi xmlns:a14="http://schemas.microsoft.com/office/drawing/2010/main" val="0"/>
@@ -6299,6 +6536,7 @@
               <a:rPr lang="en-US" noProof="1"/>
               <a:t>Add Slide Title</a:t>
             </a:r>
+            <a:endParaRPr lang="en-US" noProof="1"/>
           </a:p>
         </p:txBody>
       </p:sp>
@@ -6332,6 +6570,7 @@
               <a:rPr lang="en-US" noProof="1"/>
               <a:t>Click to edit Master text styles</a:t>
             </a:r>
+            <a:endParaRPr lang="en-US" noProof="1"/>
           </a:p>
           <a:p>
             <a:pPr lvl="1"/>
@@ -6339,6 +6578,7 @@
               <a:rPr lang="en-US" noProof="1"/>
               <a:t>Second level</a:t>
             </a:r>
+            <a:endParaRPr lang="en-US" noProof="1"/>
           </a:p>
           <a:p>
             <a:pPr lvl="2"/>
@@ -6346,6 +6586,7 @@
               <a:rPr lang="en-US" noProof="1"/>
               <a:t>Third level</a:t>
             </a:r>
+            <a:endParaRPr lang="en-US" noProof="1"/>
           </a:p>
           <a:p>
             <a:pPr lvl="3"/>
@@ -6353,6 +6594,7 @@
               <a:rPr lang="en-US" noProof="1"/>
               <a:t>Fourth level</a:t>
             </a:r>
+            <a:endParaRPr lang="en-US" noProof="1"/>
           </a:p>
           <a:p>
             <a:pPr lvl="4"/>
@@ -6360,6 +6602,7 @@
               <a:rPr lang="en-US" noProof="1"/>
               <a:t>Fifth level</a:t>
             </a:r>
+            <a:endParaRPr lang="en-US" noProof="1"/>
           </a:p>
         </p:txBody>
       </p:sp>
@@ -6397,7 +6640,6 @@
           <a:p>
             <a:fld id="{4898AEC0-503E-4FA4-859C-D0F72D6E3F79}" type="slidenum">
               <a:rPr lang="en-US" noProof="1" dirty="0" smtClean="0"/>
-              <a:t>‹#›</a:t>
             </a:fld>
             <a:endParaRPr lang="en-US" noProof="1"/>
           </a:p>
@@ -6459,6 +6701,12 @@
               </a:rPr>
               <a:t> | XC/PJ-ICV-CN | 2023-09-21</a:t>
             </a:r>
+            <a:endParaRPr lang="en-US" sz="600" kern="0" baseline="0" noProof="1">
+              <a:solidFill>
+                <a:schemeClr val="tx1"/>
+              </a:solidFill>
+              <a:latin typeface="+mn-lt"/>
+            </a:endParaRPr>
           </a:p>
           <a:p>
             <a:pPr marR="0" defTabSz="914400" eaLnBrk="1" fontAlgn="auto" latinLnBrk="0" hangingPunct="1">
@@ -6530,6 +6778,12 @@
               </a:rPr>
               <a:t>© Bosch Automotive Products (Suzhou) Co., Ltd.  2023. All rights reserved, also regarding any disposal, exploitation, reproduction, editing, distribution, as well as in the event of applications for industrial property rights.</a:t>
             </a:r>
+            <a:endParaRPr lang="en-US" sz="600" kern="0" baseline="0" noProof="1">
+              <a:solidFill>
+                <a:srgbClr val="B2B3B5"/>
+              </a:solidFill>
+              <a:latin typeface="+mn-lt"/>
+            </a:endParaRPr>
           </a:p>
         </p:txBody>
       </p:sp>
@@ -6587,6 +6841,11 @@
               </a:rPr>
               <a:t>%businessunit%%departmentshort%%dateformat%</a:t>
             </a:r>
+            <a:endParaRPr lang="en-US" sz="600" kern="0" baseline="0" noProof="1">
+              <a:solidFill>
+                <a:schemeClr val="tx1"/>
+              </a:solidFill>
+            </a:endParaRPr>
           </a:p>
         </p:txBody>
       </p:sp>
@@ -6636,6 +6895,11 @@
               </a:rPr>
               <a:t>%copyright%</a:t>
             </a:r>
+            <a:endParaRPr lang="en-US" sz="600" kern="0" baseline="0" noProof="1">
+              <a:solidFill>
+                <a:srgbClr val="B2B3B5"/>
+              </a:solidFill>
+            </a:endParaRPr>
           </a:p>
         </p:txBody>
       </p:sp>
@@ -6680,6 +6944,12 @@
               </a:rPr>
               <a:t>%attachmentremark% </a:t>
             </a:r>
+            <a:endParaRPr lang="en-US" sz="550" b="0" i="0" u="none" strike="noStrike" kern="0" baseline="0" noProof="1">
+              <a:solidFill>
+                <a:srgbClr val="000000"/>
+              </a:solidFill>
+              <a:latin typeface="+mn-lt"/>
+            </a:endParaRPr>
           </a:p>
         </p:txBody>
       </p:sp>
@@ -6692,7 +6962,7 @@
           <p:nvPr userDrawn="1"/>
         </p:nvPicPr>
         <p:blipFill>
-          <a:blip r:embed="rId21">
+          <a:blip r:embed="rId20">
             <a:extLst>
               <a:ext uri="{28A0092B-C50C-407E-A947-70E740481C1C}">
                 <a14:useLocalDpi xmlns:a14="http://schemas.microsoft.com/office/drawing/2010/main" val="0"/>
@@ -7142,6 +7412,7 @@
               <a:rPr lang="en-US"/>
               <a:t>Wrap</a:t>
             </a:r>
+            <a:endParaRPr lang="en-US"/>
           </a:p>
         </p:txBody>
       </p:sp>
@@ -7166,7 +7437,7 @@
             </a:r>
             <a:r>
               <a:rPr lang="en-US" dirty="0">
-                <a:hlinkClick r:id="rId2" tooltip="natural"/>
+                <a:hlinkClick r:id="rId1" tooltip="natural"/>
               </a:rPr>
               <a:t>natural</a:t>
             </a:r>
@@ -7174,6 +7445,7 @@
               <a:rPr lang="en-US" dirty="0"/>
               <a:t> state, not changed or controlled by people</a:t>
             </a:r>
+            <a:endParaRPr lang="en-US" dirty="0"/>
           </a:p>
           <a:p>
             <a:r>
@@ -7182,7 +7454,7 @@
             </a:r>
             <a:r>
               <a:rPr lang="en-US" dirty="0">
-                <a:hlinkClick r:id="rId3" tooltip="farm"/>
+                <a:hlinkClick r:id="rId2" tooltip="farm"/>
               </a:rPr>
               <a:t>farming</a:t>
             </a:r>
@@ -7203,7 +7475,7 @@
             </a:r>
             <a:r>
               <a:rPr lang="en-US" dirty="0">
-                <a:hlinkClick r:id="rId4" tooltip="express"/>
+                <a:hlinkClick r:id="rId3" tooltip="express"/>
               </a:rPr>
               <a:t>expressing</a:t>
             </a:r>
@@ -7213,7 +7485,7 @@
             </a:r>
             <a:r>
               <a:rPr lang="en-US" dirty="0">
-                <a:hlinkClick r:id="rId5" tooltip="uncontrolled"/>
+                <a:hlinkClick r:id="rId4" tooltip="uncontrolled"/>
               </a:rPr>
               <a:t>uncontrolled</a:t>
             </a:r>
@@ -7223,7 +7495,7 @@
             </a:r>
             <a:r>
               <a:rPr lang="en-US" dirty="0">
-                <a:hlinkClick r:id="rId6" tooltip="emotion"/>
+                <a:hlinkClick r:id="rId5" tooltip="emotion"/>
               </a:rPr>
               <a:t>emotions</a:t>
             </a:r>
@@ -7233,7 +7505,7 @@
             </a:r>
             <a:r>
               <a:rPr lang="en-US" dirty="0">
-                <a:hlinkClick r:id="rId7" tooltip="anger"/>
+                <a:hlinkClick r:id="rId6" tooltip="anger"/>
               </a:rPr>
               <a:t>anger</a:t>
             </a:r>
@@ -7243,7 +7515,7 @@
             </a:r>
             <a:r>
               <a:rPr lang="en-US" dirty="0">
-                <a:hlinkClick r:id="rId8" tooltip="happiness"/>
+                <a:hlinkClick r:id="rId7" tooltip="happiness"/>
               </a:rPr>
               <a:t>happiness</a:t>
             </a:r>
@@ -7253,7 +7525,7 @@
             </a:r>
             <a:r>
               <a:rPr lang="en-US" dirty="0">
-                <a:hlinkClick r:id="rId9" tooltip="excitement"/>
+                <a:hlinkClick r:id="rId8" tooltip="excitement"/>
               </a:rPr>
               <a:t>excitement</a:t>
             </a:r>
@@ -7262,7 +7534,7 @@
           <a:p>
             <a:r>
               <a:rPr lang="en-US" dirty="0">
-                <a:hlinkClick r:id="rId10" tooltip="behave"/>
+                <a:hlinkClick r:id="rId9" tooltip="behave"/>
               </a:rPr>
               <a:t>behaving</a:t>
             </a:r>
@@ -7272,7 +7544,7 @@
             </a:r>
             <a:r>
               <a:rPr lang="en-US" dirty="0">
-                <a:hlinkClick r:id="rId11" tooltip="violent"/>
+                <a:hlinkClick r:id="rId10" tooltip="violent"/>
               </a:rPr>
               <a:t>violent</a:t>
             </a:r>
@@ -7280,6 +7552,7 @@
               <a:rPr lang="en-US" dirty="0"/>
               <a:t> way</a:t>
             </a:r>
+            <a:endParaRPr lang="en-US" dirty="0"/>
           </a:p>
         </p:txBody>
       </p:sp>
@@ -7300,7 +7573,6 @@
           <a:p>
             <a:fld id="{4898AEC0-503E-4FA4-859C-D0F72D6E3F79}" type="slidenum">
               <a:rPr lang="en-US" noProof="1" smtClean="0"/>
-              <a:t>10</a:t>
             </a:fld>
             <a:endParaRPr lang="en-US" noProof="1"/>
           </a:p>
@@ -7371,7 +7643,7 @@
           <p:nvPr/>
         </p:nvPicPr>
         <p:blipFill>
-          <a:blip r:embed="rId12"/>
+          <a:blip r:embed="rId11"/>
           <a:stretch>
             <a:fillRect/>
           </a:stretch>
@@ -7430,6 +7702,7 @@
               <a:rPr lang="en-US" dirty="0"/>
               <a:t>whatsoever</a:t>
             </a:r>
+            <a:endParaRPr lang="en-US" dirty="0"/>
           </a:p>
         </p:txBody>
       </p:sp>
@@ -7452,6 +7725,7 @@
               <a:rPr lang="en-US"/>
               <a:t>Wrap</a:t>
             </a:r>
+            <a:endParaRPr lang="en-US"/>
           </a:p>
         </p:txBody>
       </p:sp>
@@ -7476,7 +7750,7 @@
             </a:r>
             <a:r>
               <a:rPr lang="en-US" dirty="0">
-                <a:hlinkClick r:id="rId2" tooltip="emphasize"/>
+                <a:hlinkClick r:id="rId1" tooltip="emphasize"/>
               </a:rPr>
               <a:t>emphasize</a:t>
             </a:r>
@@ -7486,7 +7760,7 @@
             </a:r>
             <a:r>
               <a:rPr lang="en-US" dirty="0">
-                <a:hlinkClick r:id="rId3" tooltip="negative"/>
+                <a:hlinkClick r:id="rId2" tooltip="negative"/>
               </a:rPr>
               <a:t>negative</a:t>
             </a:r>
@@ -7496,7 +7770,7 @@
             </a:r>
             <a:r>
               <a:rPr lang="en-US" dirty="0">
-                <a:hlinkClick r:id="rId4" tooltip="statement"/>
+                <a:hlinkClick r:id="rId3" tooltip="statement"/>
               </a:rPr>
               <a:t>statement</a:t>
             </a:r>
@@ -7521,7 +7795,6 @@
           <a:p>
             <a:fld id="{4898AEC0-503E-4FA4-859C-D0F72D6E3F79}" type="slidenum">
               <a:rPr lang="en-US" noProof="1" smtClean="0"/>
-              <a:t>11</a:t>
             </a:fld>
             <a:endParaRPr lang="en-US" noProof="1"/>
           </a:p>
@@ -7558,6 +7831,7 @@
               <a:rPr lang="en-US" dirty="0"/>
               <a:t>whatever</a:t>
             </a:r>
+            <a:endParaRPr lang="en-US" dirty="0"/>
           </a:p>
         </p:txBody>
       </p:sp>
@@ -7661,6 +7935,7 @@
               <a:rPr lang="en-US" dirty="0"/>
               <a:t>whereas</a:t>
             </a:r>
+            <a:endParaRPr lang="en-US" dirty="0"/>
           </a:p>
         </p:txBody>
       </p:sp>
@@ -7683,6 +7958,7 @@
               <a:rPr lang="en-US"/>
               <a:t>Wrap</a:t>
             </a:r>
+            <a:endParaRPr lang="en-US"/>
           </a:p>
         </p:txBody>
       </p:sp>
@@ -7707,7 +7983,7 @@
             </a:r>
             <a:r>
               <a:rPr lang="en-US" dirty="0">
-                <a:hlinkClick r:id="rId3" tooltip="true"/>
+                <a:hlinkClick r:id="rId1" tooltip="true"/>
               </a:rPr>
               <a:t>true</a:t>
             </a:r>
@@ -7715,6 +7991,7 @@
               <a:rPr lang="en-US" dirty="0"/>
               <a:t> of one thing, it is not true of another</a:t>
             </a:r>
+            <a:endParaRPr lang="en-US" dirty="0"/>
           </a:p>
           <a:p>
             <a:r>
@@ -7723,7 +8000,7 @@
             </a:r>
             <a:r>
               <a:rPr lang="en-US" dirty="0">
-                <a:hlinkClick r:id="rId4" tooltip="begin"/>
+                <a:hlinkClick r:id="rId2" tooltip="begin"/>
               </a:rPr>
               <a:t>beginning</a:t>
             </a:r>
@@ -7733,7 +8010,7 @@
             </a:r>
             <a:r>
               <a:rPr lang="en-US" dirty="0">
-                <a:hlinkClick r:id="rId5" tooltip="official"/>
+                <a:hlinkClick r:id="rId3" tooltip="official"/>
               </a:rPr>
               <a:t>official</a:t>
             </a:r>
@@ -7743,7 +8020,7 @@
             </a:r>
             <a:r>
               <a:rPr lang="en-US" dirty="0">
-                <a:hlinkClick r:id="rId6" tooltip="document"/>
+                <a:hlinkClick r:id="rId4" tooltip="document"/>
               </a:rPr>
               <a:t>document</a:t>
             </a:r>
@@ -7753,7 +8030,7 @@
             </a:r>
             <a:r>
               <a:rPr lang="en-US" dirty="0">
-                <a:hlinkClick r:id="rId7" tooltip="mean"/>
+                <a:hlinkClick r:id="rId5" tooltip="mean"/>
               </a:rPr>
               <a:t>mean</a:t>
             </a:r>
@@ -7763,7 +8040,7 @@
             </a:r>
             <a:r>
               <a:rPr lang="en-US" dirty="0">
-                <a:hlinkClick r:id="rId8" tooltip="fact"/>
+                <a:hlinkClick r:id="rId6" tooltip="fact"/>
               </a:rPr>
               <a:t>fact</a:t>
             </a:r>
@@ -7771,6 +8048,7 @@
               <a:rPr lang="en-US" dirty="0"/>
               <a:t>’</a:t>
             </a:r>
+            <a:endParaRPr lang="en-US" dirty="0"/>
           </a:p>
         </p:txBody>
       </p:sp>
@@ -7791,7 +8069,6 @@
           <a:p>
             <a:fld id="{4898AEC0-503E-4FA4-859C-D0F72D6E3F79}" type="slidenum">
               <a:rPr lang="en-US" noProof="1" smtClean="0"/>
-              <a:t>12</a:t>
             </a:fld>
             <a:endParaRPr lang="en-US" noProof="1"/>
           </a:p>
@@ -7897,6 +8174,7 @@
               <a:rPr lang="en-US" dirty="0"/>
               <a:t>whisper</a:t>
             </a:r>
+            <a:endParaRPr lang="en-US" dirty="0"/>
           </a:p>
         </p:txBody>
       </p:sp>
@@ -7919,6 +8197,7 @@
               <a:rPr lang="en-US"/>
               <a:t>Wrap</a:t>
             </a:r>
+            <a:endParaRPr lang="en-US"/>
           </a:p>
         </p:txBody>
       </p:sp>
@@ -7943,7 +8222,7 @@
             </a:r>
             <a:r>
               <a:rPr lang="en-US" dirty="0">
-                <a:hlinkClick r:id="rId2" tooltip="speak"/>
+                <a:hlinkClick r:id="rId1" tooltip="speak"/>
               </a:rPr>
               <a:t>speak</a:t>
             </a:r>
@@ -7953,7 +8232,7 @@
             </a:r>
             <a:r>
               <a:rPr lang="en-US" dirty="0">
-                <a:hlinkClick r:id="rId3" tooltip="breath"/>
+                <a:hlinkClick r:id="rId2" tooltip="breath"/>
               </a:rPr>
               <a:t>breath</a:t>
             </a:r>
@@ -7963,7 +8242,7 @@
             </a:r>
             <a:r>
               <a:rPr lang="en-US" dirty="0">
-                <a:hlinkClick r:id="rId4" tooltip="voice"/>
+                <a:hlinkClick r:id="rId3" tooltip="voice"/>
               </a:rPr>
               <a:t>voice</a:t>
             </a:r>
@@ -7976,7 +8255,7 @@
             </a:r>
             <a:r>
               <a:rPr lang="en-US" dirty="0">
-                <a:hlinkClick r:id="rId5" tooltip="suggest"/>
+                <a:hlinkClick r:id="rId4" tooltip="suggest"/>
               </a:rPr>
               <a:t>suggest</a:t>
             </a:r>
@@ -7984,6 +8263,7 @@
               <a:rPr lang="en-US" dirty="0"/>
               <a:t> something privately or secretly</a:t>
             </a:r>
+            <a:endParaRPr lang="en-US" dirty="0"/>
           </a:p>
         </p:txBody>
       </p:sp>
@@ -8004,7 +8284,6 @@
           <a:p>
             <a:fld id="{4898AEC0-503E-4FA4-859C-D0F72D6E3F79}" type="slidenum">
               <a:rPr lang="en-US" noProof="1" smtClean="0"/>
-              <a:t>13</a:t>
             </a:fld>
             <a:endParaRPr lang="en-US" noProof="1"/>
           </a:p>
@@ -8075,7 +8354,7 @@
           <p:nvPr/>
         </p:nvPicPr>
         <p:blipFill>
-          <a:blip r:embed="rId6"/>
+          <a:blip r:embed="rId5"/>
           <a:stretch>
             <a:fillRect/>
           </a:stretch>
@@ -8134,6 +8413,7 @@
               <a:rPr lang="en-US" dirty="0"/>
               <a:t>wrap</a:t>
             </a:r>
+            <a:endParaRPr lang="en-US" dirty="0"/>
           </a:p>
         </p:txBody>
       </p:sp>
@@ -8156,6 +8436,7 @@
               <a:rPr lang="en-US" dirty="0"/>
               <a:t>W</a:t>
             </a:r>
+            <a:endParaRPr lang="en-US" dirty="0"/>
           </a:p>
         </p:txBody>
       </p:sp>
@@ -8178,6 +8459,7 @@
               <a:rPr lang="en-US" dirty="0"/>
               <a:t>to put paper or cloth over something to cover it</a:t>
             </a:r>
+            <a:endParaRPr lang="en-US" dirty="0"/>
           </a:p>
           <a:p>
             <a:r>
@@ -8186,7 +8468,7 @@
             </a:r>
             <a:r>
               <a:rPr lang="en-US" dirty="0">
-                <a:hlinkClick r:id="rId3" tooltip="wrap"/>
+                <a:hlinkClick r:id="rId1" tooltip="wrap"/>
               </a:rPr>
               <a:t>wrap</a:t>
             </a:r>
@@ -8196,7 +8478,7 @@
             </a:r>
             <a:r>
               <a:rPr lang="en-US" dirty="0">
-                <a:hlinkClick r:id="rId4" tooltip="leg"/>
+                <a:hlinkClick r:id="rId2" tooltip="leg"/>
               </a:rPr>
               <a:t>legs</a:t>
             </a:r>
@@ -8206,7 +8488,7 @@
             </a:r>
             <a:r>
               <a:rPr lang="en-US" dirty="0">
-                <a:hlinkClick r:id="rId5" tooltip="finger"/>
+                <a:hlinkClick r:id="rId3" tooltip="finger"/>
               </a:rPr>
               <a:t>fingers</a:t>
             </a:r>
@@ -8214,6 +8496,7 @@
               <a:rPr lang="en-US" dirty="0"/>
               <a:t> around something, you use them to hold it</a:t>
             </a:r>
+            <a:endParaRPr lang="en-US" dirty="0"/>
           </a:p>
         </p:txBody>
       </p:sp>
@@ -8234,7 +8517,6 @@
           <a:p>
             <a:fld id="{4898AEC0-503E-4FA4-859C-D0F72D6E3F79}" type="slidenum">
               <a:rPr lang="en-US" noProof="1" smtClean="0"/>
-              <a:t>14</a:t>
             </a:fld>
             <a:endParaRPr lang="en-US" noProof="1"/>
           </a:p>
@@ -8249,7 +8531,7 @@
           <p:nvPr/>
         </p:nvPicPr>
         <p:blipFill>
-          <a:blip r:embed="rId6"/>
+          <a:blip r:embed="rId4"/>
           <a:stretch>
             <a:fillRect/>
           </a:stretch>
@@ -8273,7 +8555,7 @@
           <p:nvPr/>
         </p:nvPicPr>
         <p:blipFill>
-          <a:blip r:embed="rId7"/>
+          <a:blip r:embed="rId5"/>
           <a:stretch>
             <a:fillRect/>
           </a:stretch>
@@ -8336,6 +8618,17 @@
               </a:rPr>
               <a:t>wrap</a:t>
             </a:r>
+            <a:endParaRPr kumimoji="0" lang="en-US" sz="15000" b="0" i="0" u="none" strike="noStrike" kern="0" cap="none" spc="0" normalizeH="0" baseline="0" noProof="0" dirty="0">
+              <a:ln>
+                <a:noFill/>
+              </a:ln>
+              <a:solidFill>
+                <a:schemeClr val="bg2"/>
+              </a:solidFill>
+              <a:effectLst/>
+              <a:uLnTx/>
+              <a:uFillTx/>
+            </a:endParaRPr>
           </a:p>
         </p:txBody>
       </p:sp>
@@ -8383,6 +8676,7 @@
               <a:rPr lang="en-US" dirty="0"/>
               <a:t>wind</a:t>
             </a:r>
+            <a:endParaRPr lang="en-US" dirty="0"/>
           </a:p>
         </p:txBody>
       </p:sp>
@@ -8426,7 +8720,7 @@
             </a:r>
             <a:r>
               <a:rPr lang="en-US" dirty="0">
-                <a:hlinkClick r:id="rId2" tooltip="current"/>
+                <a:hlinkClick r:id="rId1" tooltip="current"/>
               </a:rPr>
               <a:t>current</a:t>
             </a:r>
@@ -8451,7 +8745,6 @@
           <a:p>
             <a:fld id="{4898AEC0-503E-4FA4-859C-D0F72D6E3F79}" type="slidenum">
               <a:rPr lang="en-US" noProof="1" smtClean="0"/>
-              <a:t>15</a:t>
             </a:fld>
             <a:endParaRPr lang="en-US" noProof="1"/>
           </a:p>
@@ -8466,7 +8759,7 @@
           <p:nvPr/>
         </p:nvPicPr>
         <p:blipFill>
-          <a:blip r:embed="rId3"/>
+          <a:blip r:embed="rId2"/>
           <a:stretch>
             <a:fillRect/>
           </a:stretch>
@@ -8529,6 +8822,17 @@
               </a:rPr>
               <a:t>wind</a:t>
             </a:r>
+            <a:endParaRPr kumimoji="0" lang="en-US" sz="15000" b="0" i="0" u="none" strike="noStrike" kern="0" cap="none" spc="0" normalizeH="0" baseline="0" noProof="0" dirty="0">
+              <a:ln>
+                <a:noFill/>
+              </a:ln>
+              <a:solidFill>
+                <a:schemeClr val="bg2"/>
+              </a:solidFill>
+              <a:effectLst/>
+              <a:uLnTx/>
+              <a:uFillTx/>
+            </a:endParaRPr>
           </a:p>
         </p:txBody>
       </p:sp>
@@ -8576,6 +8880,7 @@
               <a:rPr lang="en-US" dirty="0"/>
               <a:t>wool</a:t>
             </a:r>
+            <a:endParaRPr lang="en-US" dirty="0"/>
           </a:p>
         </p:txBody>
       </p:sp>
@@ -8619,7 +8924,7 @@
             </a:r>
             <a:r>
               <a:rPr lang="en-US" dirty="0">
-                <a:hlinkClick r:id="rId2" tooltip="soft"/>
+                <a:hlinkClick r:id="rId1" tooltip="soft"/>
               </a:rPr>
               <a:t>soft</a:t>
             </a:r>
@@ -8629,7 +8934,7 @@
             </a:r>
             <a:r>
               <a:rPr lang="en-US" dirty="0">
-                <a:hlinkClick r:id="rId3" tooltip="thick"/>
+                <a:hlinkClick r:id="rId2" tooltip="thick"/>
               </a:rPr>
               <a:t>thick</a:t>
             </a:r>
@@ -8639,7 +8944,7 @@
             </a:r>
             <a:r>
               <a:rPr lang="en-US" dirty="0">
-                <a:hlinkClick r:id="rId4" tooltip="sheep"/>
+                <a:hlinkClick r:id="rId3" tooltip="sheep"/>
               </a:rPr>
               <a:t>sheep</a:t>
             </a:r>
@@ -8649,7 +8954,7 @@
             </a:r>
             <a:r>
               <a:rPr lang="en-US" dirty="0">
-                <a:hlinkClick r:id="rId5" tooltip="goat"/>
+                <a:hlinkClick r:id="rId4" tooltip="goat"/>
               </a:rPr>
               <a:t>goats</a:t>
             </a:r>
@@ -8657,6 +8962,7 @@
               <a:rPr lang="en-US" dirty="0"/>
               <a:t> have on their body</a:t>
             </a:r>
+            <a:endParaRPr lang="en-US" dirty="0"/>
           </a:p>
           <a:p>
             <a:r>
@@ -8665,7 +8971,7 @@
             </a:r>
             <a:r>
               <a:rPr lang="en-US" dirty="0">
-                <a:hlinkClick r:id="rId6" tooltip="wool"/>
+                <a:hlinkClick r:id="rId5" tooltip="wool"/>
               </a:rPr>
               <a:t>wool</a:t>
             </a:r>
@@ -8674,7 +8980,7 @@
           <a:p>
             <a:r>
               <a:rPr lang="en-US" dirty="0">
-                <a:hlinkClick r:id="rId7" tooltip="thread"/>
+                <a:hlinkClick r:id="rId6" tooltip="thread"/>
               </a:rPr>
               <a:t>thread</a:t>
             </a:r>
@@ -8684,7 +8990,7 @@
             </a:r>
             <a:r>
               <a:rPr lang="en-US" dirty="0">
-                <a:hlinkClick r:id="rId8" tooltip="knit"/>
+                <a:hlinkClick r:id="rId7" tooltip="knit"/>
               </a:rPr>
               <a:t>knit</a:t>
             </a:r>
@@ -8692,6 +8998,7 @@
               <a:rPr lang="en-US" dirty="0"/>
               <a:t> clothes </a:t>
             </a:r>
+            <a:endParaRPr lang="en-US" dirty="0"/>
           </a:p>
         </p:txBody>
       </p:sp>
@@ -8712,7 +9019,6 @@
           <a:p>
             <a:fld id="{4898AEC0-503E-4FA4-859C-D0F72D6E3F79}" type="slidenum">
               <a:rPr lang="en-US" noProof="1" smtClean="0"/>
-              <a:t>16</a:t>
             </a:fld>
             <a:endParaRPr lang="en-US" noProof="1"/>
           </a:p>
@@ -8766,6 +9072,17 @@
               </a:rPr>
               <a:t>wool</a:t>
             </a:r>
+            <a:endParaRPr kumimoji="0" lang="en-US" sz="15000" b="0" i="0" u="none" strike="noStrike" kern="0" cap="none" spc="0" normalizeH="0" baseline="0" noProof="0" dirty="0">
+              <a:ln>
+                <a:noFill/>
+              </a:ln>
+              <a:solidFill>
+                <a:schemeClr val="bg2"/>
+              </a:solidFill>
+              <a:effectLst/>
+              <a:uLnTx/>
+              <a:uFillTx/>
+            </a:endParaRPr>
           </a:p>
         </p:txBody>
       </p:sp>
@@ -8778,7 +9095,7 @@
           <p:nvPr/>
         </p:nvPicPr>
         <p:blipFill>
-          <a:blip r:embed="rId9">
+          <a:blip r:embed="rId8">
             <a:extLst>
               <a:ext uri="{28A0092B-C50C-407E-A947-70E740481C1C}">
                 <a14:useLocalDpi xmlns:a14="http://schemas.microsoft.com/office/drawing/2010/main" val="0"/>
@@ -8808,7 +9125,7 @@
           <p:nvPr/>
         </p:nvPicPr>
         <p:blipFill>
-          <a:blip r:embed="rId10">
+          <a:blip r:embed="rId9">
             <a:extLst>
               <a:ext uri="{28A0092B-C50C-407E-A947-70E740481C1C}">
                 <a14:useLocalDpi xmlns:a14="http://schemas.microsoft.com/office/drawing/2010/main" val="0"/>
@@ -8917,7 +9234,7 @@
             </a:r>
             <a:r>
               <a:rPr lang="en-US" dirty="0">
-                <a:hlinkClick r:id="rId2" tooltip="injury"/>
+                <a:hlinkClick r:id="rId1" tooltip="injury"/>
               </a:rPr>
               <a:t>injury</a:t>
             </a:r>
@@ -8927,7 +9244,7 @@
             </a:r>
             <a:r>
               <a:rPr lang="en-US" dirty="0">
-                <a:hlinkClick r:id="rId3" tooltip="body"/>
+                <a:hlinkClick r:id="rId2" tooltip="body"/>
               </a:rPr>
               <a:t>body</a:t>
             </a:r>
@@ -8937,7 +9254,7 @@
             </a:r>
             <a:r>
               <a:rPr lang="en-US" dirty="0">
-                <a:hlinkClick r:id="rId4" tooltip="weapon"/>
+                <a:hlinkClick r:id="rId3" tooltip="weapon"/>
               </a:rPr>
               <a:t>weapon</a:t>
             </a:r>
@@ -8947,7 +9264,7 @@
             </a:r>
             <a:r>
               <a:rPr lang="en-US" dirty="0">
-                <a:hlinkClick r:id="rId5" tooltip="knife"/>
+                <a:hlinkClick r:id="rId4" tooltip="knife"/>
               </a:rPr>
               <a:t>knife</a:t>
             </a:r>
@@ -8957,7 +9274,7 @@
             </a:r>
             <a:r>
               <a:rPr lang="en-US" dirty="0">
-                <a:hlinkClick r:id="rId6" tooltip="bullet"/>
+                <a:hlinkClick r:id="rId5" tooltip="bullet"/>
               </a:rPr>
               <a:t>bullet</a:t>
             </a:r>
@@ -8970,7 +9287,7 @@
             </a:r>
             <a:r>
               <a:rPr lang="en-US" dirty="0">
-                <a:hlinkClick r:id="rId7" tooltip="emotional"/>
+                <a:hlinkClick r:id="rId6" tooltip="emotional"/>
               </a:rPr>
               <a:t>emotional</a:t>
             </a:r>
@@ -8980,7 +9297,7 @@
             </a:r>
             <a:r>
               <a:rPr lang="en-US" dirty="0">
-                <a:hlinkClick r:id="rId8" tooltip="mental"/>
+                <a:hlinkClick r:id="rId7" tooltip="mental"/>
               </a:rPr>
               <a:t>mental</a:t>
             </a:r>
@@ -8990,7 +9307,7 @@
             </a:r>
             <a:r>
               <a:rPr lang="en-US" dirty="0">
-                <a:hlinkClick r:id="rId9" tooltip="pain"/>
+                <a:hlinkClick r:id="rId8" tooltip="pain"/>
               </a:rPr>
               <a:t>pain</a:t>
             </a:r>
@@ -9000,7 +9317,7 @@
             </a:r>
             <a:r>
               <a:rPr lang="en-US" dirty="0">
-                <a:hlinkClick r:id="rId10" tooltip="unpleasant"/>
+                <a:hlinkClick r:id="rId9" tooltip="unpleasant"/>
               </a:rPr>
               <a:t>unpleasant</a:t>
             </a:r>
@@ -9008,6 +9325,7 @@
               <a:rPr lang="en-US" dirty="0"/>
               <a:t> to you</a:t>
             </a:r>
+            <a:endParaRPr lang="en-US" dirty="0"/>
           </a:p>
         </p:txBody>
       </p:sp>
@@ -9028,7 +9346,6 @@
           <a:p>
             <a:fld id="{4898AEC0-503E-4FA4-859C-D0F72D6E3F79}" type="slidenum">
               <a:rPr lang="en-US" noProof="1" smtClean="0"/>
-              <a:t>17</a:t>
             </a:fld>
             <a:endParaRPr lang="en-US" noProof="1"/>
           </a:p>
@@ -9082,6 +9399,17 @@
               </a:rPr>
               <a:t>wound</a:t>
             </a:r>
+            <a:endParaRPr kumimoji="0" lang="en-US" sz="15000" b="0" i="0" u="none" strike="noStrike" kern="0" cap="none" spc="0" normalizeH="0" baseline="0" noProof="0" dirty="0">
+              <a:ln>
+                <a:noFill/>
+              </a:ln>
+              <a:solidFill>
+                <a:schemeClr val="bg2"/>
+              </a:solidFill>
+              <a:effectLst/>
+              <a:uLnTx/>
+              <a:uFillTx/>
+            </a:endParaRPr>
           </a:p>
         </p:txBody>
       </p:sp>
@@ -9094,7 +9422,7 @@
           <p:nvPr/>
         </p:nvPicPr>
         <p:blipFill>
-          <a:blip r:embed="rId11"/>
+          <a:blip r:embed="rId10"/>
           <a:stretch>
             <a:fillRect/>
           </a:stretch>
@@ -9196,7 +9524,7 @@
           <a:p>
             <a:r>
               <a:rPr lang="en-US" dirty="0">
-                <a:hlinkClick r:id="rId2" tooltip="existing"/>
+                <a:hlinkClick r:id="rId1" tooltip="existing"/>
               </a:rPr>
               <a:t>existing</a:t>
             </a:r>
@@ -9204,6 +9532,7 @@
               <a:rPr lang="en-US" dirty="0"/>
               <a:t> or happening in many places or situations, or among many people</a:t>
             </a:r>
+            <a:endParaRPr lang="en-US" dirty="0"/>
           </a:p>
         </p:txBody>
       </p:sp>
@@ -9224,7 +9553,6 @@
           <a:p>
             <a:fld id="{4898AEC0-503E-4FA4-859C-D0F72D6E3F79}" type="slidenum">
               <a:rPr lang="en-US" noProof="1" smtClean="0"/>
-              <a:t>18</a:t>
             </a:fld>
             <a:endParaRPr lang="en-US" noProof="1"/>
           </a:p>
@@ -9278,6 +9606,17 @@
               </a:rPr>
               <a:t>widespread</a:t>
             </a:r>
+            <a:endParaRPr kumimoji="0" lang="en-US" sz="15000" b="0" i="0" u="none" strike="noStrike" kern="0" cap="none" spc="0" normalizeH="0" baseline="0" noProof="0" dirty="0">
+              <a:ln>
+                <a:noFill/>
+              </a:ln>
+              <a:solidFill>
+                <a:schemeClr val="bg2"/>
+              </a:solidFill>
+              <a:effectLst/>
+              <a:uLnTx/>
+              <a:uFillTx/>
+            </a:endParaRPr>
           </a:p>
         </p:txBody>
       </p:sp>
@@ -9290,7 +9629,7 @@
           <p:nvPr/>
         </p:nvPicPr>
         <p:blipFill>
-          <a:blip r:embed="rId3">
+          <a:blip r:embed="rId2">
             <a:extLst>
               <a:ext uri="{28A0092B-C50C-407E-A947-70E740481C1C}">
                 <a14:useLocalDpi xmlns:a14="http://schemas.microsoft.com/office/drawing/2010/main" val="0"/>
@@ -9355,6 +9694,7 @@
               <a:rPr lang="en-US" dirty="0"/>
               <a:t>wise</a:t>
             </a:r>
+            <a:endParaRPr lang="en-US" dirty="0"/>
           </a:p>
         </p:txBody>
       </p:sp>
@@ -9394,7 +9734,7 @@
           <a:p>
             <a:r>
               <a:rPr lang="en-US" dirty="0">
-                <a:hlinkClick r:id="rId2" tooltip="wise"/>
+                <a:hlinkClick r:id="rId1" tooltip="wise"/>
               </a:rPr>
               <a:t>wise</a:t>
             </a:r>
@@ -9404,7 +9744,7 @@
             </a:r>
             <a:r>
               <a:rPr lang="en-US" dirty="0">
-                <a:hlinkClick r:id="rId3" tooltip="decision"/>
+                <a:hlinkClick r:id="rId2" tooltip="decision"/>
               </a:rPr>
               <a:t>decisions</a:t>
             </a:r>
@@ -9414,7 +9754,7 @@
             </a:r>
             <a:r>
               <a:rPr lang="en-US" dirty="0">
-                <a:hlinkClick r:id="rId4" tooltip="action"/>
+                <a:hlinkClick r:id="rId3" tooltip="action"/>
               </a:rPr>
               <a:t>actions</a:t>
             </a:r>
@@ -9424,7 +9764,7 @@
             </a:r>
             <a:r>
               <a:rPr lang="en-US" dirty="0">
-                <a:hlinkClick r:id="rId5" tooltip="sensible"/>
+                <a:hlinkClick r:id="rId4" tooltip="sensible"/>
               </a:rPr>
               <a:t>sensible</a:t>
             </a:r>
@@ -9434,7 +9774,7 @@
             </a:r>
             <a:r>
               <a:rPr lang="en-US" dirty="0">
-                <a:hlinkClick r:id="rId6" tooltip="base"/>
+                <a:hlinkClick r:id="rId5" tooltip="base"/>
               </a:rPr>
               <a:t>based</a:t>
             </a:r>
@@ -9444,7 +9784,7 @@
             </a:r>
             <a:r>
               <a:rPr lang="en-US" dirty="0">
-                <a:hlinkClick r:id="rId7" tooltip="judgment"/>
+                <a:hlinkClick r:id="rId6" tooltip="judgment"/>
               </a:rPr>
               <a:t>judgment</a:t>
             </a:r>
@@ -9469,7 +9809,6 @@
           <a:p>
             <a:fld id="{4898AEC0-503E-4FA4-859C-D0F72D6E3F79}" type="slidenum">
               <a:rPr lang="en-US" noProof="1" smtClean="0"/>
-              <a:t>19</a:t>
             </a:fld>
             <a:endParaRPr lang="en-US" noProof="1"/>
           </a:p>
@@ -9523,6 +9862,17 @@
               </a:rPr>
               <a:t>wise</a:t>
             </a:r>
+            <a:endParaRPr kumimoji="0" lang="en-US" sz="15000" b="0" i="0" u="none" strike="noStrike" kern="0" cap="none" spc="0" normalizeH="0" baseline="0" noProof="0" dirty="0">
+              <a:ln>
+                <a:noFill/>
+              </a:ln>
+              <a:solidFill>
+                <a:schemeClr val="bg2"/>
+              </a:solidFill>
+              <a:effectLst/>
+              <a:uLnTx/>
+              <a:uFillTx/>
+            </a:endParaRPr>
           </a:p>
         </p:txBody>
       </p:sp>
@@ -9535,7 +9885,7 @@
           <p:nvPr/>
         </p:nvPicPr>
         <p:blipFill>
-          <a:blip r:embed="rId8">
+          <a:blip r:embed="rId7">
             <a:extLst>
               <a:ext uri="{28A0092B-C50C-407E-A947-70E740481C1C}">
                 <a14:useLocalDpi xmlns:a14="http://schemas.microsoft.com/office/drawing/2010/main" val="0"/>
@@ -9600,6 +9950,7 @@
               <a:rPr lang="en-US" dirty="0"/>
               <a:t>issue</a:t>
             </a:r>
+            <a:endParaRPr lang="en-US" dirty="0"/>
           </a:p>
         </p:txBody>
       </p:sp>
@@ -9726,7 +10077,6 @@
           <a:p>
             <a:fld id="{4898AEC0-503E-4FA4-859C-D0F72D6E3F79}" type="slidenum">
               <a:rPr lang="en-US" noProof="1" smtClean="0"/>
-              <a:t>2</a:t>
             </a:fld>
             <a:endParaRPr lang="en-US" noProof="1"/>
           </a:p>
@@ -9776,6 +10126,7 @@
               <a:rPr lang="en-US" dirty="0"/>
               <a:t>wire</a:t>
             </a:r>
+            <a:endParaRPr lang="en-US" dirty="0"/>
           </a:p>
         </p:txBody>
       </p:sp>
@@ -9815,7 +10166,7 @@
           <a:p>
             <a:r>
               <a:rPr lang="en-US" dirty="0">
-                <a:hlinkClick r:id="rId2" tooltip="thin"/>
+                <a:hlinkClick r:id="rId1" tooltip="thin"/>
               </a:rPr>
               <a:t>thin</a:t>
             </a:r>
@@ -9825,7 +10176,7 @@
             </a:r>
             <a:r>
               <a:rPr lang="en-US" dirty="0">
-                <a:hlinkClick r:id="rId3" tooltip="metal"/>
+                <a:hlinkClick r:id="rId2" tooltip="metal"/>
               </a:rPr>
               <a:t>metal</a:t>
             </a:r>
@@ -9835,7 +10186,7 @@
             </a:r>
             <a:r>
               <a:rPr lang="en-US" dirty="0">
-                <a:hlinkClick r:id="rId4" tooltip="thread"/>
+                <a:hlinkClick r:id="rId3" tooltip="thread"/>
               </a:rPr>
               <a:t>thread</a:t>
             </a:r>
@@ -9843,6 +10194,7 @@
               <a:rPr lang="en-US" dirty="0"/>
               <a:t>, or a piece of this</a:t>
             </a:r>
+            <a:endParaRPr lang="en-US" dirty="0"/>
           </a:p>
           <a:p>
             <a:r>
@@ -9851,7 +10203,7 @@
             </a:r>
             <a:r>
               <a:rPr lang="en-US" dirty="0">
-                <a:hlinkClick r:id="rId5" tooltip="carry"/>
+                <a:hlinkClick r:id="rId4" tooltip="carry"/>
               </a:rPr>
               <a:t>carrying</a:t>
             </a:r>
@@ -9861,7 +10213,7 @@
             </a:r>
             <a:r>
               <a:rPr lang="en-US" dirty="0">
-                <a:hlinkClick r:id="rId6" tooltip="electrical"/>
+                <a:hlinkClick r:id="rId5" tooltip="electrical"/>
               </a:rPr>
               <a:t>electrical</a:t>
             </a:r>
@@ -9871,7 +10223,7 @@
             </a:r>
             <a:r>
               <a:rPr lang="en-US" dirty="0">
-                <a:hlinkClick r:id="rId7" tooltip="current"/>
+                <a:hlinkClick r:id="rId6" tooltip="current"/>
               </a:rPr>
               <a:t>currents</a:t>
             </a:r>
@@ -9881,7 +10233,7 @@
             </a:r>
             <a:r>
               <a:rPr lang="en-US" dirty="0">
-                <a:hlinkClick r:id="rId8" tooltip="signal"/>
+                <a:hlinkClick r:id="rId7" tooltip="signal"/>
               </a:rPr>
               <a:t>signals</a:t>
             </a:r>
@@ -9906,7 +10258,6 @@
           <a:p>
             <a:fld id="{4898AEC0-503E-4FA4-859C-D0F72D6E3F79}" type="slidenum">
               <a:rPr lang="en-US" noProof="1" smtClean="0"/>
-              <a:t>20</a:t>
             </a:fld>
             <a:endParaRPr lang="en-US" noProof="1"/>
           </a:p>
@@ -9943,6 +10294,7 @@
               <a:rPr lang="en-US" dirty="0"/>
               <a:t>wireless</a:t>
             </a:r>
+            <a:endParaRPr lang="en-US" dirty="0"/>
           </a:p>
         </p:txBody>
       </p:sp>
@@ -10011,7 +10363,7 @@
           <p:nvPr/>
         </p:nvPicPr>
         <p:blipFill>
-          <a:blip r:embed="rId9"/>
+          <a:blip r:embed="rId8"/>
           <a:stretch>
             <a:fillRect/>
           </a:stretch>
@@ -10070,6 +10422,7 @@
               <a:rPr lang="en-US" dirty="0"/>
               <a:t>witness</a:t>
             </a:r>
+            <a:endParaRPr lang="en-US" dirty="0"/>
           </a:p>
         </p:txBody>
       </p:sp>
@@ -10113,7 +10466,7 @@
             </a:r>
             <a:r>
               <a:rPr lang="en-US" dirty="0">
-                <a:hlinkClick r:id="rId2" tooltip="crime"/>
+                <a:hlinkClick r:id="rId1" tooltip="crime"/>
               </a:rPr>
               <a:t>crime</a:t>
             </a:r>
@@ -10123,7 +10476,7 @@
             </a:r>
             <a:r>
               <a:rPr lang="en-US" dirty="0">
-                <a:hlinkClick r:id="rId3" tooltip="accident"/>
+                <a:hlinkClick r:id="rId2" tooltip="accident"/>
               </a:rPr>
               <a:t>accident</a:t>
             </a:r>
@@ -10133,7 +10486,7 @@
             </a:r>
             <a:r>
               <a:rPr lang="en-US" dirty="0">
-                <a:hlinkClick r:id="rId4" tooltip="describe"/>
+                <a:hlinkClick r:id="rId3" tooltip="describe"/>
               </a:rPr>
               <a:t>describe</a:t>
             </a:r>
@@ -10141,6 +10494,7 @@
               <a:rPr lang="en-US" dirty="0"/>
               <a:t> what happened</a:t>
             </a:r>
+            <a:endParaRPr lang="en-US" dirty="0"/>
           </a:p>
         </p:txBody>
       </p:sp>
@@ -10161,7 +10515,6 @@
           <a:p>
             <a:fld id="{4898AEC0-503E-4FA4-859C-D0F72D6E3F79}" type="slidenum">
               <a:rPr lang="en-US" noProof="1" smtClean="0"/>
-              <a:t>21</a:t>
             </a:fld>
             <a:endParaRPr lang="en-US" noProof="1"/>
           </a:p>
@@ -10176,7 +10529,7 @@
           <p:nvPr/>
         </p:nvPicPr>
         <p:blipFill>
-          <a:blip r:embed="rId5">
+          <a:blip r:embed="rId4">
             <a:extLst>
               <a:ext uri="{28A0092B-C50C-407E-A947-70E740481C1C}">
                 <a14:useLocalDpi xmlns:a14="http://schemas.microsoft.com/office/drawing/2010/main" val="0"/>
@@ -10245,6 +10598,17 @@
               </a:rPr>
               <a:t>witness</a:t>
             </a:r>
+            <a:endParaRPr kumimoji="0" lang="en-US" sz="15000" b="0" i="0" u="none" strike="noStrike" kern="0" cap="none" spc="0" normalizeH="0" baseline="0" noProof="0" dirty="0">
+              <a:ln>
+                <a:noFill/>
+              </a:ln>
+              <a:solidFill>
+                <a:schemeClr val="bg2"/>
+              </a:solidFill>
+              <a:effectLst/>
+              <a:uLnTx/>
+              <a:uFillTx/>
+            </a:endParaRPr>
           </a:p>
         </p:txBody>
       </p:sp>
@@ -10332,7 +10696,6 @@
           <a:p>
             <a:fld id="{4898AEC0-503E-4FA4-859C-D0F72D6E3F79}" type="slidenum">
               <a:rPr lang="en-US" noProof="1" smtClean="0"/>
-              <a:t>22</a:t>
             </a:fld>
             <a:endParaRPr lang="en-US" noProof="1"/>
           </a:p>
@@ -10405,7 +10768,7 @@
                 </a:solidFill>
                 <a:effectLst/>
                 <a:latin typeface="Arial" panose="02080604020202020204" pitchFamily="34" charset="0"/>
-                <a:hlinkClick r:id="rId2" tooltip="sure"/>
+                <a:hlinkClick r:id="rId1" tooltip="sure"/>
               </a:rPr>
               <a:t>sure</a:t>
             </a:r>
@@ -10426,7 +10789,7 @@
                 </a:solidFill>
                 <a:effectLst/>
                 <a:latin typeface="Arial" panose="02080604020202020204" pitchFamily="34" charset="0"/>
-                <a:hlinkClick r:id="rId3" tooltip="try"/>
+                <a:hlinkClick r:id="rId2" tooltip="try"/>
               </a:rPr>
               <a:t>try</a:t>
             </a:r>
@@ -10447,7 +10810,7 @@
                 </a:solidFill>
                 <a:effectLst/>
                 <a:latin typeface="Arial" panose="02080604020202020204" pitchFamily="34" charset="0"/>
-                <a:hlinkClick r:id="rId4" tooltip="guess"/>
+                <a:hlinkClick r:id="rId3" tooltip="guess"/>
               </a:rPr>
               <a:t>guess</a:t>
             </a:r>
@@ -10468,7 +10831,7 @@
                 </a:solidFill>
                 <a:effectLst/>
                 <a:latin typeface="Arial" panose="02080604020202020204" pitchFamily="34" charset="0"/>
-                <a:hlinkClick r:id="rId5" tooltip="true"/>
+                <a:hlinkClick r:id="rId4" tooltip="true"/>
               </a:rPr>
               <a:t>true</a:t>
             </a:r>
@@ -10515,7 +10878,7 @@
               <a:rPr lang="en-US" b="0" i="0" dirty="0">
                 <a:effectLst/>
                 <a:latin typeface="Arial" panose="02080604020202020204" pitchFamily="34" charset="0"/>
-                <a:hlinkClick r:id="rId6" tooltip="surprise"/>
+                <a:hlinkClick r:id="rId5" tooltip="surprise"/>
               </a:rPr>
               <a:t>surprised</a:t>
             </a:r>
@@ -10533,7 +10896,7 @@
               <a:rPr lang="en-US" b="0" i="0" dirty="0">
                 <a:effectLst/>
                 <a:latin typeface="Arial" panose="02080604020202020204" pitchFamily="34" charset="0"/>
-                <a:hlinkClick r:id="rId7" tooltip="unable"/>
+                <a:hlinkClick r:id="rId6" tooltip="unable"/>
               </a:rPr>
               <a:t>unable</a:t>
             </a:r>
@@ -10560,7 +10923,7 @@
           <p:nvPr/>
         </p:nvPicPr>
         <p:blipFill>
-          <a:blip r:embed="rId8"/>
+          <a:blip r:embed="rId7"/>
           <a:stretch>
             <a:fillRect/>
           </a:stretch>
@@ -10695,6 +11058,7 @@
               <a:rPr lang="en-US" dirty="0"/>
               <a:t>wipe</a:t>
             </a:r>
+            <a:endParaRPr lang="en-US" dirty="0"/>
           </a:p>
         </p:txBody>
       </p:sp>
@@ -10738,7 +11102,7 @@
             </a:r>
             <a:r>
               <a:rPr lang="en-US" dirty="0">
-                <a:hlinkClick r:id="rId2" tooltip="rub"/>
+                <a:hlinkClick r:id="rId1" tooltip="rub"/>
               </a:rPr>
               <a:t>rub</a:t>
             </a:r>
@@ -10748,7 +11112,7 @@
             </a:r>
             <a:r>
               <a:rPr lang="en-US" dirty="0">
-                <a:hlinkClick r:id="rId3" tooltip="surface"/>
+                <a:hlinkClick r:id="rId2" tooltip="surface"/>
               </a:rPr>
               <a:t>surface</a:t>
             </a:r>
@@ -10758,7 +11122,7 @@
             </a:r>
             <a:r>
               <a:rPr lang="en-US" dirty="0">
-                <a:hlinkClick r:id="rId4" tooltip="remove"/>
+                <a:hlinkClick r:id="rId3" tooltip="remove"/>
               </a:rPr>
               <a:t>remove</a:t>
             </a:r>
@@ -10768,7 +11132,7 @@
             </a:r>
             <a:r>
               <a:rPr lang="en-US" dirty="0">
-                <a:hlinkClick r:id="rId5" tooltip="dirt"/>
+                <a:hlinkClick r:id="rId4" tooltip="dirt"/>
               </a:rPr>
               <a:t>dirt</a:t>
             </a:r>
@@ -10778,7 +11142,7 @@
             </a:r>
             <a:r>
               <a:rPr lang="en-US" dirty="0">
-                <a:hlinkClick r:id="rId6" tooltip="liquid"/>
+                <a:hlinkClick r:id="rId5" tooltip="liquid"/>
               </a:rPr>
               <a:t>liquid</a:t>
             </a:r>
@@ -10814,7 +11178,6 @@
           <a:p>
             <a:fld id="{4898AEC0-503E-4FA4-859C-D0F72D6E3F79}" type="slidenum">
               <a:rPr lang="en-US" noProof="1" smtClean="0"/>
-              <a:t>23</a:t>
             </a:fld>
             <a:endParaRPr lang="en-US" noProof="1"/>
           </a:p>
@@ -10829,7 +11192,7 @@
           <p:nvPr/>
         </p:nvPicPr>
         <p:blipFill>
-          <a:blip r:embed="rId7">
+          <a:blip r:embed="rId6">
             <a:extLst>
               <a:ext uri="{28A0092B-C50C-407E-A947-70E740481C1C}">
                 <a14:useLocalDpi xmlns:a14="http://schemas.microsoft.com/office/drawing/2010/main" val="0"/>
@@ -10950,6 +11313,7 @@
               <a:rPr lang="en-US" dirty="0"/>
               <a:t>winter</a:t>
             </a:r>
+            <a:endParaRPr lang="en-US" dirty="0"/>
           </a:p>
         </p:txBody>
       </p:sp>
@@ -10993,7 +11357,7 @@
             </a:r>
             <a:r>
               <a:rPr lang="en-US" dirty="0">
-                <a:hlinkClick r:id="rId2" tooltip="season"/>
+                <a:hlinkClick r:id="rId1" tooltip="season"/>
               </a:rPr>
               <a:t>season</a:t>
             </a:r>
@@ -11003,7 +11367,7 @@
             </a:r>
             <a:r>
               <a:rPr lang="en-US" dirty="0">
-                <a:hlinkClick r:id="rId3" tooltip="autumn"/>
+                <a:hlinkClick r:id="rId2" tooltip="autumn"/>
               </a:rPr>
               <a:t>autumn</a:t>
             </a:r>
@@ -11013,7 +11377,7 @@
             </a:r>
             <a:r>
               <a:rPr lang="en-US" dirty="0">
-                <a:hlinkClick r:id="rId4" tooltip="spring"/>
+                <a:hlinkClick r:id="rId3" tooltip="spring"/>
               </a:rPr>
               <a:t>spring</a:t>
             </a:r>
@@ -11023,7 +11387,7 @@
             </a:r>
             <a:r>
               <a:rPr lang="en-US" dirty="0">
-                <a:hlinkClick r:id="rId5" tooltip="weather"/>
+                <a:hlinkClick r:id="rId4" tooltip="weather"/>
               </a:rPr>
               <a:t>weather</a:t>
             </a:r>
@@ -11033,7 +11397,7 @@
             </a:r>
             <a:r>
               <a:rPr lang="en-US" dirty="0">
-                <a:hlinkClick r:id="rId6" tooltip="cold"/>
+                <a:hlinkClick r:id="rId5" tooltip="cold"/>
               </a:rPr>
               <a:t>coldest</a:t>
             </a:r>
@@ -11058,7 +11422,6 @@
           <a:p>
             <a:fld id="{4898AEC0-503E-4FA4-859C-D0F72D6E3F79}" type="slidenum">
               <a:rPr lang="en-US" noProof="1" smtClean="0"/>
-              <a:t>24</a:t>
             </a:fld>
             <a:endParaRPr lang="en-US" noProof="1"/>
           </a:p>
@@ -11112,6 +11475,17 @@
               </a:rPr>
               <a:t>winter</a:t>
             </a:r>
+            <a:endParaRPr kumimoji="0" lang="en-US" sz="15000" b="0" i="0" u="none" strike="noStrike" kern="0" cap="none" spc="0" normalizeH="0" baseline="0" noProof="0" dirty="0">
+              <a:ln>
+                <a:noFill/>
+              </a:ln>
+              <a:solidFill>
+                <a:schemeClr val="bg2"/>
+              </a:solidFill>
+              <a:effectLst/>
+              <a:uLnTx/>
+              <a:uFillTx/>
+            </a:endParaRPr>
           </a:p>
         </p:txBody>
       </p:sp>
@@ -11124,7 +11498,7 @@
           <p:nvPr/>
         </p:nvPicPr>
         <p:blipFill>
-          <a:blip r:embed="rId7">
+          <a:blip r:embed="rId6">
             <a:extLst>
               <a:ext uri="{28A0092B-C50C-407E-A947-70E740481C1C}">
                 <a14:useLocalDpi xmlns:a14="http://schemas.microsoft.com/office/drawing/2010/main" val="0"/>
@@ -11189,6 +11563,7 @@
               <a:rPr lang="en-US" dirty="0"/>
               <a:t>welfare</a:t>
             </a:r>
+            <a:endParaRPr lang="en-US" dirty="0"/>
           </a:p>
         </p:txBody>
       </p:sp>
@@ -11232,7 +11607,7 @@
             </a:r>
             <a:r>
               <a:rPr lang="en-US" dirty="0">
-                <a:hlinkClick r:id="rId2" tooltip="welfare"/>
+                <a:hlinkClick r:id="rId1" tooltip="welfare"/>
               </a:rPr>
               <a:t>welfare</a:t>
             </a:r>
@@ -11242,7 +11617,7 @@
             </a:r>
             <a:r>
               <a:rPr lang="en-US" dirty="0">
-                <a:hlinkClick r:id="rId3" tooltip="health"/>
+                <a:hlinkClick r:id="rId2" tooltip="health"/>
               </a:rPr>
               <a:t>health</a:t>
             </a:r>
@@ -11252,7 +11627,7 @@
             </a:r>
             <a:r>
               <a:rPr lang="en-US" dirty="0">
-                <a:hlinkClick r:id="rId4" tooltip="happiness"/>
+                <a:hlinkClick r:id="rId3" tooltip="happiness"/>
               </a:rPr>
               <a:t>happiness</a:t>
             </a:r>
@@ -11265,7 +11640,7 @@
             </a:r>
             <a:r>
               <a:rPr lang="en-US" dirty="0">
-                <a:hlinkClick r:id="rId5" tooltip="personal"/>
+                <a:hlinkClick r:id="rId4" tooltip="personal"/>
               </a:rPr>
               <a:t>personal</a:t>
             </a:r>
@@ -11275,7 +11650,7 @@
             </a:r>
             <a:r>
               <a:rPr lang="en-US" dirty="0">
-                <a:hlinkClick r:id="rId6" tooltip="social"/>
+                <a:hlinkClick r:id="rId5" tooltip="social"/>
               </a:rPr>
               <a:t>social</a:t>
             </a:r>
@@ -11283,6 +11658,7 @@
               <a:rPr lang="en-US" dirty="0"/>
               <a:t> problems</a:t>
             </a:r>
+            <a:endParaRPr lang="en-US" dirty="0"/>
           </a:p>
           <a:p>
             <a:r>
@@ -11291,7 +11667,7 @@
             </a:r>
             <a:r>
               <a:rPr lang="en-US" dirty="0">
-                <a:hlinkClick r:id="rId7" tooltip="poor"/>
+                <a:hlinkClick r:id="rId6" tooltip="poor"/>
               </a:rPr>
               <a:t>poor</a:t>
             </a:r>
@@ -11301,7 +11677,7 @@
             </a:r>
             <a:r>
               <a:rPr lang="en-US" dirty="0">
-                <a:hlinkClick r:id="rId8" tooltip="unemployed"/>
+                <a:hlinkClick r:id="rId7" tooltip="unemployed"/>
               </a:rPr>
               <a:t>unemployed</a:t>
             </a:r>
@@ -11326,7 +11702,6 @@
           <a:p>
             <a:fld id="{4898AEC0-503E-4FA4-859C-D0F72D6E3F79}" type="slidenum">
               <a:rPr lang="en-US" noProof="1" smtClean="0"/>
-              <a:t>25</a:t>
             </a:fld>
             <a:endParaRPr lang="en-US" noProof="1"/>
           </a:p>
@@ -11380,6 +11755,17 @@
               </a:rPr>
               <a:t>welfare</a:t>
             </a:r>
+            <a:endParaRPr kumimoji="0" lang="en-US" sz="15000" b="0" i="0" u="none" strike="noStrike" kern="0" cap="none" spc="0" normalizeH="0" baseline="0" noProof="0" dirty="0">
+              <a:ln>
+                <a:noFill/>
+              </a:ln>
+              <a:solidFill>
+                <a:schemeClr val="bg2"/>
+              </a:solidFill>
+              <a:effectLst/>
+              <a:uLnTx/>
+              <a:uFillTx/>
+            </a:endParaRPr>
           </a:p>
         </p:txBody>
       </p:sp>
@@ -11392,7 +11778,7 @@
           <p:nvPr/>
         </p:nvPicPr>
         <p:blipFill>
-          <a:blip r:embed="rId9">
+          <a:blip r:embed="rId8">
             <a:extLst>
               <a:ext uri="{28A0092B-C50C-407E-A947-70E740481C1C}">
                 <a14:useLocalDpi xmlns:a14="http://schemas.microsoft.com/office/drawing/2010/main" val="0"/>
@@ -11457,6 +11843,7 @@
               <a:rPr lang="en-US" dirty="0"/>
               <a:t>whisky</a:t>
             </a:r>
+            <a:endParaRPr lang="en-US" dirty="0"/>
           </a:p>
         </p:txBody>
       </p:sp>
@@ -11500,7 +11887,7 @@
             </a:r>
             <a:r>
               <a:rPr lang="en-US" dirty="0">
-                <a:hlinkClick r:id="rId3" tooltip="alcoholic"/>
+                <a:hlinkClick r:id="rId1" tooltip="alcoholic"/>
               </a:rPr>
               <a:t>alcoholic</a:t>
             </a:r>
@@ -11510,7 +11897,7 @@
             </a:r>
             <a:r>
               <a:rPr lang="en-US" dirty="0">
-                <a:hlinkClick r:id="rId4" tooltip="grain"/>
+                <a:hlinkClick r:id="rId2" tooltip="grain"/>
               </a:rPr>
               <a:t>grain</a:t>
             </a:r>
@@ -11520,7 +11907,7 @@
             </a:r>
             <a:r>
               <a:rPr lang="en-US" dirty="0">
-                <a:hlinkClick r:id="rId5" tooltip="glass"/>
+                <a:hlinkClick r:id="rId3" tooltip="glass"/>
               </a:rPr>
               <a:t>glass</a:t>
             </a:r>
@@ -11528,6 +11915,7 @@
               <a:rPr lang="en-US" dirty="0"/>
               <a:t> of this</a:t>
             </a:r>
+            <a:endParaRPr lang="en-US" dirty="0"/>
           </a:p>
         </p:txBody>
       </p:sp>
@@ -11548,7 +11936,6 @@
           <a:p>
             <a:fld id="{4898AEC0-503E-4FA4-859C-D0F72D6E3F79}" type="slidenum">
               <a:rPr lang="en-US" noProof="1" smtClean="0"/>
-              <a:t>26</a:t>
             </a:fld>
             <a:endParaRPr lang="en-US" noProof="1"/>
           </a:p>
@@ -11563,7 +11950,7 @@
           <p:nvPr/>
         </p:nvPicPr>
         <p:blipFill>
-          <a:blip r:embed="rId6"/>
+          <a:blip r:embed="rId4"/>
           <a:stretch>
             <a:fillRect/>
           </a:stretch>
@@ -11626,6 +12013,17 @@
               </a:rPr>
               <a:t>whisky</a:t>
             </a:r>
+            <a:endParaRPr kumimoji="0" lang="en-US" sz="15000" b="0" i="0" u="none" strike="noStrike" kern="0" cap="none" spc="0" normalizeH="0" baseline="0" noProof="0" dirty="0">
+              <a:ln>
+                <a:noFill/>
+              </a:ln>
+              <a:solidFill>
+                <a:schemeClr val="bg2"/>
+              </a:solidFill>
+              <a:effectLst/>
+              <a:uLnTx/>
+              <a:uFillTx/>
+            </a:endParaRPr>
           </a:p>
         </p:txBody>
       </p:sp>
@@ -11673,6 +12071,7 @@
               <a:rPr lang="en-US" dirty="0"/>
               <a:t>whisky</a:t>
             </a:r>
+            <a:endParaRPr lang="en-US" dirty="0"/>
           </a:p>
         </p:txBody>
       </p:sp>
@@ -11714,6 +12113,7 @@
               <a:rPr lang="en-US" dirty="0"/>
               <a:t>to ask someone a lot of questions about something </a:t>
             </a:r>
+            <a:endParaRPr lang="en-US" dirty="0"/>
           </a:p>
         </p:txBody>
       </p:sp>
@@ -11734,7 +12134,6 @@
           <a:p>
             <a:fld id="{4898AEC0-503E-4FA4-859C-D0F72D6E3F79}" type="slidenum">
               <a:rPr lang="en-US" noProof="1" smtClean="0"/>
-              <a:t>27</a:t>
             </a:fld>
             <a:endParaRPr lang="en-US" noProof="1"/>
           </a:p>
@@ -11788,6 +12187,17 @@
               </a:rPr>
               <a:t>grill</a:t>
             </a:r>
+            <a:endParaRPr kumimoji="0" lang="en-US" sz="15000" b="0" i="0" u="none" strike="noStrike" kern="0" cap="none" spc="0" normalizeH="0" baseline="0" noProof="0" dirty="0">
+              <a:ln>
+                <a:noFill/>
+              </a:ln>
+              <a:solidFill>
+                <a:schemeClr val="bg2"/>
+              </a:solidFill>
+              <a:effectLst/>
+              <a:uLnTx/>
+              <a:uFillTx/>
+            </a:endParaRPr>
           </a:p>
         </p:txBody>
       </p:sp>
@@ -11883,7 +12293,7 @@
             </a:r>
             <a:r>
               <a:rPr lang="en-US" dirty="0">
-                <a:hlinkClick r:id="rId2" tooltip="detail"/>
+                <a:hlinkClick r:id="rId1" tooltip="detail"/>
               </a:rPr>
               <a:t>details</a:t>
             </a:r>
@@ -11893,7 +12303,7 @@
             </a:r>
             <a:r>
               <a:rPr lang="en-US" dirty="0">
-                <a:hlinkClick r:id="rId3" tooltip="send"/>
+                <a:hlinkClick r:id="rId2" tooltip="send"/>
               </a:rPr>
               <a:t>send</a:t>
             </a:r>
@@ -11903,7 +12313,7 @@
             </a:r>
             <a:r>
               <a:rPr lang="en-US" dirty="0">
-                <a:hlinkClick r:id="rId4" tooltip="letter"/>
+                <a:hlinkClick r:id="rId3" tooltip="letter"/>
               </a:rPr>
               <a:t>letters</a:t>
             </a:r>
@@ -11927,7 +12337,7 @@
             </a:r>
             <a:r>
               <a:rPr lang="en-US" dirty="0">
-                <a:hlinkClick r:id="rId5" tooltip="speak"/>
+                <a:hlinkClick r:id="rId4" tooltip="speak"/>
               </a:rPr>
               <a:t>speak</a:t>
             </a:r>
@@ -11935,18 +12345,19 @@
               <a:rPr lang="en-US" dirty="0"/>
               <a:t> to someone directly</a:t>
             </a:r>
-          </a:p>
-          <a:p>
             <a:endParaRPr lang="en-US" dirty="0"/>
           </a:p>
           <a:p>
+            <a:endParaRPr lang="en-US" dirty="0"/>
+          </a:p>
+          <a:p>
             <a:r>
               <a:rPr lang="en-US" dirty="0"/>
               <a:t>if you address a problem, you start trying to </a:t>
             </a:r>
             <a:r>
               <a:rPr lang="en-US" dirty="0">
-                <a:hlinkClick r:id="rId6" tooltip="solve"/>
+                <a:hlinkClick r:id="rId5" tooltip="solve"/>
               </a:rPr>
               <a:t>solve</a:t>
             </a:r>
@@ -11954,6 +12365,7 @@
               <a:rPr lang="en-US" dirty="0"/>
               <a:t> it</a:t>
             </a:r>
+            <a:endParaRPr lang="en-US" dirty="0"/>
           </a:p>
         </p:txBody>
       </p:sp>
@@ -11974,7 +12386,6 @@
           <a:p>
             <a:fld id="{4898AEC0-503E-4FA4-859C-D0F72D6E3F79}" type="slidenum">
               <a:rPr lang="en-US" noProof="1" smtClean="0"/>
-              <a:t>28</a:t>
             </a:fld>
             <a:endParaRPr lang="en-US" noProof="1"/>
           </a:p>
@@ -12028,6 +12439,17 @@
               </a:rPr>
               <a:t>address</a:t>
             </a:r>
+            <a:endParaRPr kumimoji="0" lang="en-US" sz="15000" b="0" i="0" u="none" strike="noStrike" kern="0" cap="none" spc="0" normalizeH="0" baseline="0" noProof="0" dirty="0">
+              <a:ln>
+                <a:noFill/>
+              </a:ln>
+              <a:solidFill>
+                <a:schemeClr val="bg2"/>
+              </a:solidFill>
+              <a:effectLst/>
+              <a:uLnTx/>
+              <a:uFillTx/>
+            </a:endParaRPr>
           </a:p>
         </p:txBody>
       </p:sp>
@@ -12075,6 +12497,7 @@
               <a:rPr lang="en-US" dirty="0"/>
               <a:t>revenue</a:t>
             </a:r>
+            <a:endParaRPr lang="en-US" dirty="0"/>
           </a:p>
         </p:txBody>
       </p:sp>
@@ -12118,7 +12541,7 @@
             </a:r>
             <a:r>
               <a:rPr lang="en-US" dirty="0">
-                <a:hlinkClick r:id="rId2" tooltip="organization"/>
+                <a:hlinkClick r:id="rId1" tooltip="organization"/>
               </a:rPr>
               <a:t>organization</a:t>
             </a:r>
@@ -12128,7 +12551,7 @@
             </a:r>
             <a:r>
               <a:rPr lang="en-US" dirty="0">
-                <a:hlinkClick r:id="rId3" tooltip="receive"/>
+                <a:hlinkClick r:id="rId2" tooltip="receive"/>
               </a:rPr>
               <a:t>receives</a:t>
             </a:r>
@@ -12138,7 +12561,7 @@
             </a:r>
             <a:r>
               <a:rPr lang="en-US" dirty="0">
-                <a:hlinkClick r:id="rId4" tooltip="period"/>
+                <a:hlinkClick r:id="rId3" tooltip="period"/>
               </a:rPr>
               <a:t>period</a:t>
             </a:r>
@@ -12148,7 +12571,7 @@
             </a:r>
             <a:r>
               <a:rPr lang="en-US" dirty="0">
-                <a:hlinkClick r:id="rId5" tooltip="selling"/>
+                <a:hlinkClick r:id="rId4" tooltip="selling"/>
               </a:rPr>
               <a:t>selling</a:t>
             </a:r>
@@ -12156,6 +12579,7 @@
               <a:rPr lang="en-US" dirty="0"/>
               <a:t> goods or services</a:t>
             </a:r>
+            <a:endParaRPr lang="en-US" dirty="0"/>
           </a:p>
         </p:txBody>
       </p:sp>
@@ -12176,7 +12600,6 @@
           <a:p>
             <a:fld id="{4898AEC0-503E-4FA4-859C-D0F72D6E3F79}" type="slidenum">
               <a:rPr lang="en-US" noProof="1" smtClean="0"/>
-              <a:t>29</a:t>
             </a:fld>
             <a:endParaRPr lang="en-US" noProof="1"/>
           </a:p>
@@ -12265,6 +12688,17 @@
               </a:rPr>
               <a:t>revenue</a:t>
             </a:r>
+            <a:endParaRPr kumimoji="0" lang="en-US" sz="15000" b="0" i="0" u="none" strike="noStrike" kern="0" cap="none" spc="0" normalizeH="0" baseline="0" noProof="0" dirty="0">
+              <a:ln>
+                <a:noFill/>
+              </a:ln>
+              <a:solidFill>
+                <a:schemeClr val="bg2"/>
+              </a:solidFill>
+              <a:effectLst/>
+              <a:uLnTx/>
+              <a:uFillTx/>
+            </a:endParaRPr>
           </a:p>
         </p:txBody>
       </p:sp>
@@ -12319,6 +12753,7 @@
               <a:rPr lang="en-US" sz="1800" dirty="0"/>
               <a:t>wage</a:t>
             </a:r>
+            <a:endParaRPr lang="en-US" sz="1800" dirty="0"/>
           </a:p>
           <a:p>
             <a:r>
@@ -12328,380 +12763,6 @@
                 </a:solidFill>
               </a:rPr>
               <a:t>wake</a:t>
-            </a:r>
-          </a:p>
-          <a:p>
-            <a:r>
-              <a:rPr lang="en-US" sz="1800" dirty="0"/>
-              <a:t>walk</a:t>
-            </a:r>
-          </a:p>
-          <a:p>
-            <a:r>
-              <a:rPr lang="en-US" sz="1800" b="1" dirty="0">
-                <a:solidFill>
-                  <a:srgbClr val="007BC0"/>
-                </a:solidFill>
-              </a:rPr>
-              <a:t>wall</a:t>
-            </a:r>
-          </a:p>
-          <a:p>
-            <a:r>
-              <a:rPr lang="en-US" sz="1800" dirty="0"/>
-              <a:t>wander</a:t>
-            </a:r>
-          </a:p>
-          <a:p>
-            <a:r>
-              <a:rPr lang="en-US" sz="1800" b="1" dirty="0">
-                <a:solidFill>
-                  <a:srgbClr val="007BC0"/>
-                </a:solidFill>
-              </a:rPr>
-              <a:t>want</a:t>
-            </a:r>
-          </a:p>
-          <a:p>
-            <a:r>
-              <a:rPr lang="en-US" sz="1800" dirty="0"/>
-              <a:t>war</a:t>
-            </a:r>
-          </a:p>
-          <a:p>
-            <a:r>
-              <a:rPr lang="en-US" sz="1800" b="1" dirty="0">
-                <a:solidFill>
-                  <a:srgbClr val="007BC0"/>
-                </a:solidFill>
-              </a:rPr>
-              <a:t>ward</a:t>
-            </a:r>
-          </a:p>
-          <a:p>
-            <a:r>
-              <a:rPr lang="en-US" sz="1800" dirty="0"/>
-              <a:t>wardrobe</a:t>
-            </a:r>
-          </a:p>
-          <a:p>
-            <a:r>
-              <a:rPr lang="en-US" sz="1800" b="1" dirty="0">
-                <a:solidFill>
-                  <a:srgbClr val="007BC0"/>
-                </a:solidFill>
-              </a:rPr>
-              <a:t>warm</a:t>
-            </a:r>
-          </a:p>
-          <a:p>
-            <a:r>
-              <a:rPr lang="en-US" sz="1800" dirty="0"/>
-              <a:t>warn</a:t>
-            </a:r>
-          </a:p>
-          <a:p>
-            <a:r>
-              <a:rPr lang="en-US" sz="1800" b="1" dirty="0">
-                <a:solidFill>
-                  <a:srgbClr val="007BC0"/>
-                </a:solidFill>
-              </a:rPr>
-              <a:t>waste</a:t>
-            </a:r>
-          </a:p>
-          <a:p>
-            <a:r>
-              <a:rPr lang="en-US" sz="1800" dirty="0"/>
-              <a:t>wave</a:t>
-            </a:r>
-          </a:p>
-          <a:p>
-            <a:r>
-              <a:rPr lang="en-US" sz="1800" b="1" dirty="0">
-                <a:solidFill>
-                  <a:srgbClr val="007BC0"/>
-                </a:solidFill>
-              </a:rPr>
-              <a:t>weakness</a:t>
-            </a:r>
-          </a:p>
-          <a:p>
-            <a:r>
-              <a:rPr lang="en-US" sz="1800" dirty="0"/>
-              <a:t>wear</a:t>
-            </a:r>
-          </a:p>
-          <a:p>
-            <a:r>
-              <a:rPr lang="en-US" sz="1800" b="1" dirty="0">
-                <a:solidFill>
-                  <a:srgbClr val="007BC0"/>
-                </a:solidFill>
-              </a:rPr>
-              <a:t>weather</a:t>
-            </a:r>
-          </a:p>
-          <a:p>
-            <a:r>
-              <a:rPr lang="en-US" sz="1800" dirty="0"/>
-              <a:t>wedding</a:t>
-            </a:r>
-          </a:p>
-          <a:p>
-            <a:r>
-              <a:rPr lang="en-US" sz="1800" b="1" dirty="0">
-                <a:solidFill>
-                  <a:srgbClr val="007BC0"/>
-                </a:solidFill>
-              </a:rPr>
-              <a:t>weigh</a:t>
-            </a:r>
-          </a:p>
-          <a:p>
-            <a:r>
-              <a:rPr lang="en-US" sz="1800" dirty="0"/>
-              <a:t>weight</a:t>
-            </a:r>
-          </a:p>
-          <a:p>
-            <a:r>
-              <a:rPr lang="en-US" sz="1800" b="1" dirty="0">
-                <a:solidFill>
-                  <a:srgbClr val="007BC0"/>
-                </a:solidFill>
-              </a:rPr>
-              <a:t>weird</a:t>
-            </a:r>
-          </a:p>
-          <a:p>
-            <a:r>
-              <a:rPr lang="en-US" sz="1800" dirty="0"/>
-              <a:t>welfare</a:t>
-            </a:r>
-          </a:p>
-          <a:p>
-            <a:r>
-              <a:rPr lang="en-US" sz="1800" b="1" dirty="0">
-                <a:solidFill>
-                  <a:srgbClr val="007BC0"/>
-                </a:solidFill>
-              </a:rPr>
-              <a:t>west</a:t>
-            </a:r>
-          </a:p>
-          <a:p>
-            <a:r>
-              <a:rPr lang="en-US" sz="1800" dirty="0"/>
-              <a:t>western</a:t>
-            </a:r>
-          </a:p>
-          <a:p>
-            <a:r>
-              <a:rPr lang="en-US" sz="1800" b="1" dirty="0">
-                <a:solidFill>
-                  <a:srgbClr val="007BC0"/>
-                </a:solidFill>
-              </a:rPr>
-              <a:t>wet</a:t>
-            </a:r>
-          </a:p>
-          <a:p>
-            <a:r>
-              <a:rPr lang="en-US" sz="1800" dirty="0"/>
-              <a:t>whatsoever</a:t>
-            </a:r>
-          </a:p>
-          <a:p>
-            <a:r>
-              <a:rPr lang="en-US" sz="1800" b="1" dirty="0">
-                <a:solidFill>
-                  <a:srgbClr val="007BC0"/>
-                </a:solidFill>
-              </a:rPr>
-              <a:t>wheel</a:t>
-            </a:r>
-          </a:p>
-          <a:p>
-            <a:r>
-              <a:rPr lang="en-US" sz="1800" dirty="0"/>
-              <a:t>whereas</a:t>
-            </a:r>
-          </a:p>
-          <a:p>
-            <a:r>
-              <a:rPr lang="en-US" sz="1800" b="1" dirty="0">
-                <a:solidFill>
-                  <a:srgbClr val="007BC0"/>
-                </a:solidFill>
-              </a:rPr>
-              <a:t>while</a:t>
-            </a:r>
-          </a:p>
-          <a:p>
-            <a:r>
-              <a:rPr lang="en-US" sz="1800" dirty="0"/>
-              <a:t>whisky</a:t>
-            </a:r>
-          </a:p>
-          <a:p>
-            <a:r>
-              <a:rPr lang="en-US" sz="1800" b="1" dirty="0">
-                <a:solidFill>
-                  <a:srgbClr val="007BC0"/>
-                </a:solidFill>
-              </a:rPr>
-              <a:t>whisper</a:t>
-            </a:r>
-          </a:p>
-          <a:p>
-            <a:r>
-              <a:rPr lang="en-US" sz="1800" dirty="0"/>
-              <a:t>white</a:t>
-            </a:r>
-          </a:p>
-          <a:p>
-            <a:r>
-              <a:rPr lang="en-US" sz="1800" b="1" dirty="0">
-                <a:solidFill>
-                  <a:srgbClr val="007BC0"/>
-                </a:solidFill>
-              </a:rPr>
-              <a:t>whose</a:t>
-            </a:r>
-          </a:p>
-          <a:p>
-            <a:r>
-              <a:rPr lang="en-US" sz="1800" dirty="0"/>
-              <a:t>wicked</a:t>
-            </a:r>
-          </a:p>
-          <a:p>
-            <a:r>
-              <a:rPr lang="en-US" sz="1800" b="1" dirty="0">
-                <a:solidFill>
-                  <a:srgbClr val="007BC0"/>
-                </a:solidFill>
-              </a:rPr>
-              <a:t>wide</a:t>
-            </a:r>
-          </a:p>
-          <a:p>
-            <a:r>
-              <a:rPr lang="en-US" sz="1800" dirty="0"/>
-              <a:t>widely</a:t>
-            </a:r>
-          </a:p>
-          <a:p>
-            <a:r>
-              <a:rPr lang="en-US" sz="1800" b="1" dirty="0">
-                <a:solidFill>
-                  <a:srgbClr val="007BC0"/>
-                </a:solidFill>
-              </a:rPr>
-              <a:t>widespread</a:t>
-            </a:r>
-          </a:p>
-          <a:p>
-            <a:r>
-              <a:rPr lang="en-US" sz="1800" dirty="0"/>
-              <a:t>wild</a:t>
-            </a:r>
-          </a:p>
-          <a:p>
-            <a:r>
-              <a:rPr lang="en-US" sz="1800" b="1" dirty="0">
-                <a:solidFill>
-                  <a:srgbClr val="007BC0"/>
-                </a:solidFill>
-              </a:rPr>
-              <a:t>will</a:t>
-            </a:r>
-          </a:p>
-          <a:p>
-            <a:r>
-              <a:rPr lang="en-US" sz="1800" dirty="0"/>
-              <a:t>willing</a:t>
-            </a:r>
-          </a:p>
-          <a:p>
-            <a:r>
-              <a:rPr lang="en-US" sz="1800" b="1" dirty="0">
-                <a:solidFill>
-                  <a:srgbClr val="007BC0"/>
-                </a:solidFill>
-              </a:rPr>
-              <a:t>wind</a:t>
-            </a:r>
-          </a:p>
-          <a:p>
-            <a:r>
-              <a:rPr lang="en-US" sz="1800" dirty="0"/>
-              <a:t>windy</a:t>
-            </a:r>
-          </a:p>
-          <a:p>
-            <a:r>
-              <a:rPr lang="en-US" sz="1800" b="1" dirty="0">
-                <a:solidFill>
-                  <a:srgbClr val="007BC0"/>
-                </a:solidFill>
-              </a:rPr>
-              <a:t>wine</a:t>
-            </a:r>
-          </a:p>
-          <a:p>
-            <a:r>
-              <a:rPr lang="en-US" sz="1800" dirty="0"/>
-              <a:t>wing</a:t>
-            </a:r>
-          </a:p>
-          <a:p>
-            <a:r>
-              <a:rPr lang="en-US" sz="1800" b="1" dirty="0">
-                <a:solidFill>
-                  <a:srgbClr val="007BC0"/>
-                </a:solidFill>
-              </a:rPr>
-              <a:t>winter</a:t>
-            </a:r>
-          </a:p>
-          <a:p>
-            <a:r>
-              <a:rPr lang="en-US" sz="1800" dirty="0"/>
-              <a:t>wipe</a:t>
-            </a:r>
-          </a:p>
-          <a:p>
-            <a:r>
-              <a:rPr lang="en-US" sz="1800" b="1" dirty="0">
-                <a:solidFill>
-                  <a:srgbClr val="007BC0"/>
-                </a:solidFill>
-              </a:rPr>
-              <a:t>wire</a:t>
-            </a:r>
-          </a:p>
-          <a:p>
-            <a:r>
-              <a:rPr lang="en-US" sz="1800" dirty="0"/>
-              <a:t>wise</a:t>
-            </a:r>
-          </a:p>
-          <a:p>
-            <a:r>
-              <a:rPr lang="en-US" sz="1800" b="1" dirty="0">
-                <a:solidFill>
-                  <a:srgbClr val="007BC0"/>
-                </a:solidFill>
-              </a:rPr>
-              <a:t>witness</a:t>
-            </a:r>
-          </a:p>
-          <a:p>
-            <a:r>
-              <a:rPr lang="en-US" altLang="zh-CN" sz="1800" dirty="0"/>
-              <a:t>wonder</a:t>
             </a:r>
             <a:endParaRPr lang="en-US" sz="1800" b="1" dirty="0">
               <a:solidFill>
@@ -12712,8 +12773,9 @@
           <a:p>
             <a:r>
               <a:rPr lang="en-US" sz="1800" dirty="0"/>
-              <a:t>wool</a:t>
-            </a:r>
+              <a:t>walk</a:t>
+            </a:r>
+            <a:endParaRPr lang="en-US" sz="1800" dirty="0"/>
           </a:p>
           <a:p>
             <a:r>
@@ -12722,14 +12784,20 @@
                   <a:srgbClr val="007BC0"/>
                 </a:solidFill>
               </a:rPr>
-              <a:t>word</a:t>
-            </a:r>
+              <a:t>wall</a:t>
+            </a:r>
+            <a:endParaRPr lang="en-US" sz="1800" b="1" dirty="0">
+              <a:solidFill>
+                <a:srgbClr val="007BC0"/>
+              </a:solidFill>
+            </a:endParaRPr>
           </a:p>
           <a:p>
             <a:r>
               <a:rPr lang="en-US" sz="1800" dirty="0"/>
-              <a:t>worth</a:t>
-            </a:r>
+              <a:t>wander</a:t>
+            </a:r>
+            <a:endParaRPr lang="en-US" sz="1800" dirty="0"/>
           </a:p>
           <a:p>
             <a:r>
@@ -12738,27 +12806,20 @@
                   <a:srgbClr val="007BC0"/>
                 </a:solidFill>
               </a:rPr>
-              <a:t>would</a:t>
-            </a:r>
+              <a:t>want</a:t>
+            </a:r>
+            <a:endParaRPr lang="en-US" sz="1800" b="1" dirty="0">
+              <a:solidFill>
+                <a:srgbClr val="007BC0"/>
+              </a:solidFill>
+            </a:endParaRPr>
           </a:p>
           <a:p>
             <a:r>
               <a:rPr lang="en-US" sz="1800" dirty="0"/>
-              <a:t>wound</a:t>
-            </a:r>
-          </a:p>
-          <a:p>
-            <a:r>
-              <a:rPr lang="en-US" altLang="zh-CN" sz="1800" dirty="0"/>
-              <a:t>wonder</a:t>
+              <a:t>war</a:t>
             </a:r>
             <a:endParaRPr lang="en-US" sz="1800" dirty="0"/>
-          </a:p>
-          <a:p>
-            <a:r>
-              <a:rPr lang="en-US" sz="1800" dirty="0"/>
-              <a:t>wrap</a:t>
-            </a:r>
           </a:p>
           <a:p>
             <a:r>
@@ -12767,14 +12828,20 @@
                   <a:srgbClr val="007BC0"/>
                 </a:solidFill>
               </a:rPr>
-              <a:t>write</a:t>
-            </a:r>
+              <a:t>ward</a:t>
+            </a:r>
+            <a:endParaRPr lang="en-US" sz="1800" b="1" dirty="0">
+              <a:solidFill>
+                <a:srgbClr val="007BC0"/>
+              </a:solidFill>
+            </a:endParaRPr>
           </a:p>
           <a:p>
             <a:r>
               <a:rPr lang="en-US" sz="1800" dirty="0"/>
-              <a:t>writer</a:t>
-            </a:r>
+              <a:t>wardrobe</a:t>
+            </a:r>
+            <a:endParaRPr lang="en-US" sz="1800" dirty="0"/>
           </a:p>
           <a:p>
             <a:r>
@@ -12783,8 +12850,544 @@
                   <a:srgbClr val="007BC0"/>
                 </a:solidFill>
               </a:rPr>
+              <a:t>warm</a:t>
+            </a:r>
+            <a:endParaRPr lang="en-US" sz="1800" b="1" dirty="0">
+              <a:solidFill>
+                <a:srgbClr val="007BC0"/>
+              </a:solidFill>
+            </a:endParaRPr>
+          </a:p>
+          <a:p>
+            <a:r>
+              <a:rPr lang="en-US" sz="1800" dirty="0"/>
+              <a:t>warn</a:t>
+            </a:r>
+            <a:endParaRPr lang="en-US" sz="1800" dirty="0"/>
+          </a:p>
+          <a:p>
+            <a:r>
+              <a:rPr lang="en-US" sz="1800" b="1" dirty="0">
+                <a:solidFill>
+                  <a:srgbClr val="007BC0"/>
+                </a:solidFill>
+              </a:rPr>
+              <a:t>waste</a:t>
+            </a:r>
+            <a:endParaRPr lang="en-US" sz="1800" b="1" dirty="0">
+              <a:solidFill>
+                <a:srgbClr val="007BC0"/>
+              </a:solidFill>
+            </a:endParaRPr>
+          </a:p>
+          <a:p>
+            <a:r>
+              <a:rPr lang="en-US" sz="1800" dirty="0"/>
+              <a:t>wave</a:t>
+            </a:r>
+            <a:endParaRPr lang="en-US" sz="1800" dirty="0"/>
+          </a:p>
+          <a:p>
+            <a:r>
+              <a:rPr lang="en-US" sz="1800" b="1" dirty="0">
+                <a:solidFill>
+                  <a:srgbClr val="007BC0"/>
+                </a:solidFill>
+              </a:rPr>
+              <a:t>weakness</a:t>
+            </a:r>
+            <a:endParaRPr lang="en-US" sz="1800" b="1" dirty="0">
+              <a:solidFill>
+                <a:srgbClr val="007BC0"/>
+              </a:solidFill>
+            </a:endParaRPr>
+          </a:p>
+          <a:p>
+            <a:r>
+              <a:rPr lang="en-US" sz="1800" dirty="0"/>
+              <a:t>wear</a:t>
+            </a:r>
+            <a:endParaRPr lang="en-US" sz="1800" dirty="0"/>
+          </a:p>
+          <a:p>
+            <a:r>
+              <a:rPr lang="en-US" sz="1800" b="1" dirty="0">
+                <a:solidFill>
+                  <a:srgbClr val="007BC0"/>
+                </a:solidFill>
+              </a:rPr>
+              <a:t>weather</a:t>
+            </a:r>
+            <a:endParaRPr lang="en-US" sz="1800" b="1" dirty="0">
+              <a:solidFill>
+                <a:srgbClr val="007BC0"/>
+              </a:solidFill>
+            </a:endParaRPr>
+          </a:p>
+          <a:p>
+            <a:r>
+              <a:rPr lang="en-US" sz="1800" dirty="0"/>
+              <a:t>wedding</a:t>
+            </a:r>
+            <a:endParaRPr lang="en-US" sz="1800" dirty="0"/>
+          </a:p>
+          <a:p>
+            <a:r>
+              <a:rPr lang="en-US" sz="1800" b="1" dirty="0">
+                <a:solidFill>
+                  <a:srgbClr val="007BC0"/>
+                </a:solidFill>
+              </a:rPr>
+              <a:t>weigh</a:t>
+            </a:r>
+            <a:endParaRPr lang="en-US" sz="1800" b="1" dirty="0">
+              <a:solidFill>
+                <a:srgbClr val="007BC0"/>
+              </a:solidFill>
+            </a:endParaRPr>
+          </a:p>
+          <a:p>
+            <a:r>
+              <a:rPr lang="en-US" sz="1800" dirty="0"/>
+              <a:t>weight</a:t>
+            </a:r>
+            <a:endParaRPr lang="en-US" sz="1800" dirty="0"/>
+          </a:p>
+          <a:p>
+            <a:r>
+              <a:rPr lang="en-US" sz="1800" b="1" dirty="0">
+                <a:solidFill>
+                  <a:srgbClr val="007BC0"/>
+                </a:solidFill>
+              </a:rPr>
+              <a:t>weird</a:t>
+            </a:r>
+            <a:endParaRPr lang="en-US" sz="1800" b="1" dirty="0">
+              <a:solidFill>
+                <a:srgbClr val="007BC0"/>
+              </a:solidFill>
+            </a:endParaRPr>
+          </a:p>
+          <a:p>
+            <a:r>
+              <a:rPr lang="en-US" sz="1800" dirty="0"/>
+              <a:t>welfare</a:t>
+            </a:r>
+            <a:endParaRPr lang="en-US" sz="1800" dirty="0"/>
+          </a:p>
+          <a:p>
+            <a:r>
+              <a:rPr lang="en-US" sz="1800" b="1" dirty="0">
+                <a:solidFill>
+                  <a:srgbClr val="007BC0"/>
+                </a:solidFill>
+              </a:rPr>
+              <a:t>west</a:t>
+            </a:r>
+            <a:endParaRPr lang="en-US" sz="1800" b="1" dirty="0">
+              <a:solidFill>
+                <a:srgbClr val="007BC0"/>
+              </a:solidFill>
+            </a:endParaRPr>
+          </a:p>
+          <a:p>
+            <a:r>
+              <a:rPr lang="en-US" sz="1800" dirty="0"/>
+              <a:t>western</a:t>
+            </a:r>
+            <a:endParaRPr lang="en-US" sz="1800" dirty="0"/>
+          </a:p>
+          <a:p>
+            <a:r>
+              <a:rPr lang="en-US" sz="1800" b="1" dirty="0">
+                <a:solidFill>
+                  <a:srgbClr val="007BC0"/>
+                </a:solidFill>
+              </a:rPr>
+              <a:t>wet</a:t>
+            </a:r>
+            <a:endParaRPr lang="en-US" sz="1800" b="1" dirty="0">
+              <a:solidFill>
+                <a:srgbClr val="007BC0"/>
+              </a:solidFill>
+            </a:endParaRPr>
+          </a:p>
+          <a:p>
+            <a:r>
+              <a:rPr lang="en-US" sz="1800" dirty="0"/>
+              <a:t>whatsoever</a:t>
+            </a:r>
+            <a:endParaRPr lang="en-US" sz="1800" dirty="0"/>
+          </a:p>
+          <a:p>
+            <a:r>
+              <a:rPr lang="en-US" sz="1800" b="1" dirty="0">
+                <a:solidFill>
+                  <a:srgbClr val="007BC0"/>
+                </a:solidFill>
+              </a:rPr>
+              <a:t>wheel</a:t>
+            </a:r>
+            <a:endParaRPr lang="en-US" sz="1800" b="1" dirty="0">
+              <a:solidFill>
+                <a:srgbClr val="007BC0"/>
+              </a:solidFill>
+            </a:endParaRPr>
+          </a:p>
+          <a:p>
+            <a:r>
+              <a:rPr lang="en-US" sz="1800" dirty="0"/>
+              <a:t>whereas</a:t>
+            </a:r>
+            <a:endParaRPr lang="en-US" sz="1800" dirty="0"/>
+          </a:p>
+          <a:p>
+            <a:r>
+              <a:rPr lang="en-US" sz="1800" b="1" dirty="0">
+                <a:solidFill>
+                  <a:srgbClr val="007BC0"/>
+                </a:solidFill>
+              </a:rPr>
+              <a:t>while</a:t>
+            </a:r>
+            <a:endParaRPr lang="en-US" sz="1800" b="1" dirty="0">
+              <a:solidFill>
+                <a:srgbClr val="007BC0"/>
+              </a:solidFill>
+            </a:endParaRPr>
+          </a:p>
+          <a:p>
+            <a:r>
+              <a:rPr lang="en-US" sz="1800" dirty="0"/>
+              <a:t>whisky</a:t>
+            </a:r>
+            <a:endParaRPr lang="en-US" sz="1800" dirty="0"/>
+          </a:p>
+          <a:p>
+            <a:r>
+              <a:rPr lang="en-US" sz="1800" b="1" dirty="0">
+                <a:solidFill>
+                  <a:srgbClr val="007BC0"/>
+                </a:solidFill>
+              </a:rPr>
+              <a:t>whisper</a:t>
+            </a:r>
+            <a:endParaRPr lang="en-US" sz="1800" b="1" dirty="0">
+              <a:solidFill>
+                <a:srgbClr val="007BC0"/>
+              </a:solidFill>
+            </a:endParaRPr>
+          </a:p>
+          <a:p>
+            <a:r>
+              <a:rPr lang="en-US" sz="1800" dirty="0"/>
+              <a:t>white</a:t>
+            </a:r>
+            <a:endParaRPr lang="en-US" sz="1800" dirty="0"/>
+          </a:p>
+          <a:p>
+            <a:r>
+              <a:rPr lang="en-US" sz="1800" b="1" dirty="0">
+                <a:solidFill>
+                  <a:srgbClr val="007BC0"/>
+                </a:solidFill>
+              </a:rPr>
+              <a:t>whose</a:t>
+            </a:r>
+            <a:endParaRPr lang="en-US" sz="1800" b="1" dirty="0">
+              <a:solidFill>
+                <a:srgbClr val="007BC0"/>
+              </a:solidFill>
+            </a:endParaRPr>
+          </a:p>
+          <a:p>
+            <a:r>
+              <a:rPr lang="en-US" sz="1800" dirty="0"/>
+              <a:t>wicked</a:t>
+            </a:r>
+            <a:endParaRPr lang="en-US" sz="1800" dirty="0"/>
+          </a:p>
+          <a:p>
+            <a:r>
+              <a:rPr lang="en-US" sz="1800" b="1" dirty="0">
+                <a:solidFill>
+                  <a:srgbClr val="007BC0"/>
+                </a:solidFill>
+              </a:rPr>
+              <a:t>wide</a:t>
+            </a:r>
+            <a:endParaRPr lang="en-US" sz="1800" b="1" dirty="0">
+              <a:solidFill>
+                <a:srgbClr val="007BC0"/>
+              </a:solidFill>
+            </a:endParaRPr>
+          </a:p>
+          <a:p>
+            <a:r>
+              <a:rPr lang="en-US" sz="1800" dirty="0"/>
+              <a:t>widely</a:t>
+            </a:r>
+            <a:endParaRPr lang="en-US" sz="1800" dirty="0"/>
+          </a:p>
+          <a:p>
+            <a:r>
+              <a:rPr lang="en-US" sz="1800" b="1" dirty="0">
+                <a:solidFill>
+                  <a:srgbClr val="007BC0"/>
+                </a:solidFill>
+              </a:rPr>
+              <a:t>widespread</a:t>
+            </a:r>
+            <a:endParaRPr lang="en-US" sz="1800" b="1" dirty="0">
+              <a:solidFill>
+                <a:srgbClr val="007BC0"/>
+              </a:solidFill>
+            </a:endParaRPr>
+          </a:p>
+          <a:p>
+            <a:r>
+              <a:rPr lang="en-US" sz="1800" dirty="0"/>
+              <a:t>wild</a:t>
+            </a:r>
+            <a:endParaRPr lang="en-US" sz="1800" dirty="0"/>
+          </a:p>
+          <a:p>
+            <a:r>
+              <a:rPr lang="en-US" sz="1800" b="1" dirty="0">
+                <a:solidFill>
+                  <a:srgbClr val="007BC0"/>
+                </a:solidFill>
+              </a:rPr>
+              <a:t>will</a:t>
+            </a:r>
+            <a:endParaRPr lang="en-US" sz="1800" b="1" dirty="0">
+              <a:solidFill>
+                <a:srgbClr val="007BC0"/>
+              </a:solidFill>
+            </a:endParaRPr>
+          </a:p>
+          <a:p>
+            <a:r>
+              <a:rPr lang="en-US" sz="1800" dirty="0"/>
+              <a:t>willing</a:t>
+            </a:r>
+            <a:endParaRPr lang="en-US" sz="1800" dirty="0"/>
+          </a:p>
+          <a:p>
+            <a:r>
+              <a:rPr lang="en-US" sz="1800" b="1" dirty="0">
+                <a:solidFill>
+                  <a:srgbClr val="007BC0"/>
+                </a:solidFill>
+              </a:rPr>
+              <a:t>wind</a:t>
+            </a:r>
+            <a:endParaRPr lang="en-US" sz="1800" b="1" dirty="0">
+              <a:solidFill>
+                <a:srgbClr val="007BC0"/>
+              </a:solidFill>
+            </a:endParaRPr>
+          </a:p>
+          <a:p>
+            <a:r>
+              <a:rPr lang="en-US" sz="1800" dirty="0"/>
+              <a:t>windy</a:t>
+            </a:r>
+            <a:endParaRPr lang="en-US" sz="1800" dirty="0"/>
+          </a:p>
+          <a:p>
+            <a:r>
+              <a:rPr lang="en-US" sz="1800" b="1" dirty="0">
+                <a:solidFill>
+                  <a:srgbClr val="007BC0"/>
+                </a:solidFill>
+              </a:rPr>
+              <a:t>wine</a:t>
+            </a:r>
+            <a:endParaRPr lang="en-US" sz="1800" b="1" dirty="0">
+              <a:solidFill>
+                <a:srgbClr val="007BC0"/>
+              </a:solidFill>
+            </a:endParaRPr>
+          </a:p>
+          <a:p>
+            <a:r>
+              <a:rPr lang="en-US" sz="1800" dirty="0"/>
+              <a:t>wing</a:t>
+            </a:r>
+            <a:endParaRPr lang="en-US" sz="1800" dirty="0"/>
+          </a:p>
+          <a:p>
+            <a:r>
+              <a:rPr lang="en-US" sz="1800" b="1" dirty="0">
+                <a:solidFill>
+                  <a:srgbClr val="007BC0"/>
+                </a:solidFill>
+              </a:rPr>
+              <a:t>winter</a:t>
+            </a:r>
+            <a:endParaRPr lang="en-US" sz="1800" b="1" dirty="0">
+              <a:solidFill>
+                <a:srgbClr val="007BC0"/>
+              </a:solidFill>
+            </a:endParaRPr>
+          </a:p>
+          <a:p>
+            <a:r>
+              <a:rPr lang="en-US" sz="1800" dirty="0"/>
+              <a:t>wipe</a:t>
+            </a:r>
+            <a:endParaRPr lang="en-US" sz="1800" dirty="0"/>
+          </a:p>
+          <a:p>
+            <a:r>
+              <a:rPr lang="en-US" sz="1800" b="1" dirty="0">
+                <a:solidFill>
+                  <a:srgbClr val="007BC0"/>
+                </a:solidFill>
+              </a:rPr>
+              <a:t>wire</a:t>
+            </a:r>
+            <a:endParaRPr lang="en-US" sz="1800" b="1" dirty="0">
+              <a:solidFill>
+                <a:srgbClr val="007BC0"/>
+              </a:solidFill>
+            </a:endParaRPr>
+          </a:p>
+          <a:p>
+            <a:r>
+              <a:rPr lang="en-US" sz="1800" dirty="0"/>
+              <a:t>wise</a:t>
+            </a:r>
+            <a:endParaRPr lang="en-US" sz="1800" dirty="0"/>
+          </a:p>
+          <a:p>
+            <a:r>
+              <a:rPr lang="en-US" sz="1800" b="1" dirty="0">
+                <a:solidFill>
+                  <a:srgbClr val="007BC0"/>
+                </a:solidFill>
+              </a:rPr>
+              <a:t>witness</a:t>
+            </a:r>
+            <a:endParaRPr lang="en-US" sz="1800" b="1" dirty="0">
+              <a:solidFill>
+                <a:srgbClr val="007BC0"/>
+              </a:solidFill>
+            </a:endParaRPr>
+          </a:p>
+          <a:p>
+            <a:r>
+              <a:rPr lang="en-US" altLang="zh-CN" sz="1800" dirty="0"/>
+              <a:t>wonder</a:t>
+            </a:r>
+            <a:endParaRPr lang="en-US" sz="1800" b="1" dirty="0">
+              <a:solidFill>
+                <a:srgbClr val="007BC0"/>
+              </a:solidFill>
+            </a:endParaRPr>
+          </a:p>
+          <a:p>
+            <a:r>
+              <a:rPr lang="en-US" sz="1800" dirty="0"/>
+              <a:t>wool</a:t>
+            </a:r>
+            <a:endParaRPr lang="en-US" sz="1800" dirty="0"/>
+          </a:p>
+          <a:p>
+            <a:r>
+              <a:rPr lang="en-US" sz="1800" b="1" dirty="0">
+                <a:solidFill>
+                  <a:srgbClr val="007BC0"/>
+                </a:solidFill>
+              </a:rPr>
+              <a:t>word</a:t>
+            </a:r>
+            <a:endParaRPr lang="en-US" sz="1800" b="1" dirty="0">
+              <a:solidFill>
+                <a:srgbClr val="007BC0"/>
+              </a:solidFill>
+            </a:endParaRPr>
+          </a:p>
+          <a:p>
+            <a:r>
+              <a:rPr lang="en-US" sz="1800" dirty="0"/>
+              <a:t>worth</a:t>
+            </a:r>
+            <a:endParaRPr lang="en-US" sz="1800" dirty="0"/>
+          </a:p>
+          <a:p>
+            <a:r>
+              <a:rPr lang="en-US" sz="1800" b="1" dirty="0">
+                <a:solidFill>
+                  <a:srgbClr val="007BC0"/>
+                </a:solidFill>
+              </a:rPr>
+              <a:t>would</a:t>
+            </a:r>
+            <a:endParaRPr lang="en-US" sz="1800" b="1" dirty="0">
+              <a:solidFill>
+                <a:srgbClr val="007BC0"/>
+              </a:solidFill>
+            </a:endParaRPr>
+          </a:p>
+          <a:p>
+            <a:r>
+              <a:rPr lang="en-US" sz="1800" dirty="0"/>
+              <a:t>wound</a:t>
+            </a:r>
+            <a:endParaRPr lang="en-US" sz="1800" dirty="0"/>
+          </a:p>
+          <a:p>
+            <a:r>
+              <a:rPr lang="en-US" altLang="zh-CN" sz="1800" dirty="0"/>
+              <a:t>wonder</a:t>
+            </a:r>
+            <a:endParaRPr lang="en-US" sz="1800" dirty="0"/>
+          </a:p>
+          <a:p>
+            <a:r>
+              <a:rPr lang="en-US" sz="1800" dirty="0"/>
+              <a:t>wrap</a:t>
+            </a:r>
+            <a:endParaRPr lang="en-US" sz="1800" dirty="0"/>
+          </a:p>
+          <a:p>
+            <a:r>
+              <a:rPr lang="en-US" sz="1800" b="1" dirty="0">
+                <a:solidFill>
+                  <a:srgbClr val="007BC0"/>
+                </a:solidFill>
+              </a:rPr>
+              <a:t>write</a:t>
+            </a:r>
+            <a:endParaRPr lang="en-US" sz="1800" b="1" dirty="0">
+              <a:solidFill>
+                <a:srgbClr val="007BC0"/>
+              </a:solidFill>
+            </a:endParaRPr>
+          </a:p>
+          <a:p>
+            <a:r>
+              <a:rPr lang="en-US" sz="1800" dirty="0"/>
+              <a:t>writer</a:t>
+            </a:r>
+            <a:endParaRPr lang="en-US" sz="1800" dirty="0"/>
+          </a:p>
+          <a:p>
+            <a:r>
+              <a:rPr lang="en-US" sz="1800" b="1" dirty="0">
+                <a:solidFill>
+                  <a:srgbClr val="007BC0"/>
+                </a:solidFill>
+              </a:rPr>
               <a:t>writing</a:t>
             </a:r>
+            <a:endParaRPr lang="en-US" sz="1800" b="1" dirty="0">
+              <a:solidFill>
+                <a:srgbClr val="007BC0"/>
+              </a:solidFill>
+            </a:endParaRPr>
           </a:p>
         </p:txBody>
       </p:sp>
@@ -12855,6 +13458,7 @@
               <a:rPr lang="en-US"/>
               <a:t>Wrap</a:t>
             </a:r>
+            <a:endParaRPr lang="en-US"/>
           </a:p>
         </p:txBody>
       </p:sp>
@@ -12879,7 +13483,7 @@
             </a:r>
             <a:r>
               <a:rPr lang="en-US" dirty="0">
-                <a:hlinkClick r:id="rId3" tooltip="danger"/>
+                <a:hlinkClick r:id="rId1" tooltip="danger"/>
               </a:rPr>
               <a:t>danger</a:t>
             </a:r>
@@ -12892,7 +13496,7 @@
             </a:r>
             <a:r>
               <a:rPr lang="en-US" dirty="0">
-                <a:hlinkClick r:id="rId4" tooltip="wanting"/>
+                <a:hlinkClick r:id="rId2" tooltip="wanting"/>
               </a:rPr>
               <a:t>wanting</a:t>
             </a:r>
@@ -12900,6 +13504,7 @@
               <a:rPr lang="en-US" dirty="0"/>
               <a:t> something very much</a:t>
             </a:r>
+            <a:endParaRPr lang="en-US" dirty="0"/>
           </a:p>
         </p:txBody>
       </p:sp>
@@ -12920,7 +13525,6 @@
           <a:p>
             <a:fld id="{4898AEC0-503E-4FA4-859C-D0F72D6E3F79}" type="slidenum">
               <a:rPr lang="en-US" noProof="1" smtClean="0"/>
-              <a:t>30</a:t>
             </a:fld>
             <a:endParaRPr lang="en-US" noProof="1"/>
           </a:p>
@@ -13065,6 +13669,7 @@
               <a:rPr lang="en-US" dirty="0"/>
               <a:t>expect</a:t>
             </a:r>
+            <a:endParaRPr lang="en-US" dirty="0"/>
           </a:p>
         </p:txBody>
       </p:sp>
@@ -13087,6 +13692,7 @@
               <a:rPr lang="en-US"/>
               <a:t>Wrap</a:t>
             </a:r>
+            <a:endParaRPr lang="en-US"/>
           </a:p>
         </p:txBody>
       </p:sp>
@@ -13111,7 +13717,7 @@
             </a:r>
             <a:r>
               <a:rPr lang="en-US" dirty="0">
-                <a:hlinkClick r:id="rId2" tooltip="likely"/>
+                <a:hlinkClick r:id="rId1" tooltip="likely"/>
               </a:rPr>
               <a:t>likely</a:t>
             </a:r>
@@ -13119,6 +13725,7 @@
               <a:rPr lang="en-US" dirty="0"/>
               <a:t> or has been planned</a:t>
             </a:r>
+            <a:endParaRPr lang="en-US" dirty="0"/>
           </a:p>
         </p:txBody>
       </p:sp>
@@ -13139,7 +13746,6 @@
           <a:p>
             <a:fld id="{4898AEC0-503E-4FA4-859C-D0F72D6E3F79}" type="slidenum">
               <a:rPr lang="en-US" noProof="1" smtClean="0"/>
-              <a:t>31</a:t>
             </a:fld>
             <a:endParaRPr lang="en-US" noProof="1"/>
           </a:p>
@@ -13176,6 +13782,7 @@
               <a:rPr lang="en-US" dirty="0"/>
               <a:t>expectation</a:t>
             </a:r>
+            <a:endParaRPr lang="en-US" dirty="0"/>
           </a:p>
         </p:txBody>
       </p:sp>
@@ -13227,6 +13834,17 @@
               </a:rPr>
               <a:t>expect</a:t>
             </a:r>
+            <a:endParaRPr kumimoji="0" lang="en-US" sz="15000" b="0" i="0" u="none" strike="noStrike" kern="0" cap="none" spc="0" normalizeH="0" baseline="0" noProof="0" dirty="0">
+              <a:ln>
+                <a:noFill/>
+              </a:ln>
+              <a:solidFill>
+                <a:schemeClr val="bg2"/>
+              </a:solidFill>
+              <a:effectLst/>
+              <a:uLnTx/>
+              <a:uFillTx/>
+            </a:endParaRPr>
           </a:p>
         </p:txBody>
       </p:sp>
@@ -13274,6 +13892,7 @@
               <a:rPr lang="en-US" dirty="0"/>
               <a:t>convince</a:t>
             </a:r>
+            <a:endParaRPr lang="en-US" dirty="0"/>
           </a:p>
         </p:txBody>
       </p:sp>
@@ -13296,6 +13915,7 @@
               <a:rPr lang="en-US"/>
               <a:t>Wrap</a:t>
             </a:r>
+            <a:endParaRPr lang="en-US"/>
           </a:p>
         </p:txBody>
       </p:sp>
@@ -13320,7 +13940,7 @@
             </a:r>
             <a:r>
               <a:rPr lang="en-US" dirty="0">
-                <a:hlinkClick r:id="rId2" tooltip="certain"/>
+                <a:hlinkClick r:id="rId1" tooltip="certain"/>
               </a:rPr>
               <a:t>certain</a:t>
             </a:r>
@@ -13330,7 +13950,7 @@
             </a:r>
             <a:r>
               <a:rPr lang="en-US" dirty="0">
-                <a:hlinkClick r:id="rId3" tooltip="true"/>
+                <a:hlinkClick r:id="rId2" tooltip="true"/>
               </a:rPr>
               <a:t>true</a:t>
             </a:r>
@@ -13355,7 +13975,6 @@
           <a:p>
             <a:fld id="{4898AEC0-503E-4FA4-859C-D0F72D6E3F79}" type="slidenum">
               <a:rPr lang="en-US" noProof="1" smtClean="0"/>
-              <a:t>32</a:t>
             </a:fld>
             <a:endParaRPr lang="en-US" noProof="1"/>
           </a:p>
@@ -13392,6 +14011,7 @@
               <a:rPr lang="en-US" dirty="0"/>
               <a:t>highly convinced that</a:t>
             </a:r>
+            <a:endParaRPr lang="en-US" dirty="0"/>
           </a:p>
         </p:txBody>
       </p:sp>
@@ -13443,6 +14063,17 @@
               </a:rPr>
               <a:t>convince</a:t>
             </a:r>
+            <a:endParaRPr kumimoji="0" lang="en-US" sz="15000" b="0" i="0" u="none" strike="noStrike" kern="0" cap="none" spc="0" normalizeH="0" baseline="0" noProof="0" dirty="0">
+              <a:ln>
+                <a:noFill/>
+              </a:ln>
+              <a:solidFill>
+                <a:schemeClr val="bg2"/>
+              </a:solidFill>
+              <a:effectLst/>
+              <a:uLnTx/>
+              <a:uFillTx/>
+            </a:endParaRPr>
           </a:p>
         </p:txBody>
       </p:sp>
@@ -13533,7 +14164,7 @@
           <a:p>
             <a:r>
               <a:rPr lang="en-US" dirty="0">
-                <a:hlinkClick r:id="rId2" tooltip="able"/>
+                <a:hlinkClick r:id="rId1" tooltip="able"/>
               </a:rPr>
               <a:t>able</a:t>
             </a:r>
@@ -13541,6 +14172,7 @@
               <a:rPr lang="en-US" dirty="0"/>
               <a:t> to do things well</a:t>
             </a:r>
+            <a:endParaRPr lang="en-US" dirty="0"/>
           </a:p>
         </p:txBody>
       </p:sp>
@@ -13561,7 +14193,6 @@
           <a:p>
             <a:fld id="{4898AEC0-503E-4FA4-859C-D0F72D6E3F79}" type="slidenum">
               <a:rPr lang="en-US" noProof="1" smtClean="0"/>
-              <a:t>33</a:t>
             </a:fld>
             <a:endParaRPr lang="en-US" noProof="1"/>
           </a:p>
@@ -13658,7 +14289,7 @@
             </a:r>
             <a:r>
               <a:rPr lang="en-US" dirty="0">
-                <a:hlinkClick r:id="rId2" tooltip="opinion"/>
+                <a:hlinkClick r:id="rId1" tooltip="opinion"/>
               </a:rPr>
               <a:t>opinion</a:t>
             </a:r>
@@ -13668,7 +14299,7 @@
             </a:r>
             <a:r>
               <a:rPr lang="en-US" dirty="0">
-                <a:hlinkClick r:id="rId3" tooltip="past"/>
+                <a:hlinkClick r:id="rId2" tooltip="past"/>
               </a:rPr>
               <a:t>past</a:t>
             </a:r>
@@ -13693,7 +14324,6 @@
           <a:p>
             <a:fld id="{4898AEC0-503E-4FA4-859C-D0F72D6E3F79}" type="slidenum">
               <a:rPr lang="en-US" noProof="1" smtClean="0"/>
-              <a:t>34</a:t>
             </a:fld>
             <a:endParaRPr lang="en-US" noProof="1"/>
           </a:p>
@@ -13708,7 +14338,7 @@
           <p:nvPr/>
         </p:nvPicPr>
         <p:blipFill>
-          <a:blip r:embed="rId4">
+          <a:blip r:embed="rId3">
             <a:extLst>
               <a:ext uri="{28A0092B-C50C-407E-A947-70E740481C1C}">
                 <a14:useLocalDpi xmlns:a14="http://schemas.microsoft.com/office/drawing/2010/main" val="0"/>
@@ -13738,7 +14368,7 @@
           <p:nvPr/>
         </p:nvPicPr>
         <p:blipFill>
-          <a:blip r:embed="rId5">
+          <a:blip r:embed="rId4">
             <a:extLst>
               <a:ext uri="{28A0092B-C50C-407E-A947-70E740481C1C}">
                 <a14:useLocalDpi xmlns:a14="http://schemas.microsoft.com/office/drawing/2010/main" val="0"/>
@@ -13803,6 +14433,7 @@
               <a:rPr lang="en-US" dirty="0"/>
               <a:t>heavily</a:t>
             </a:r>
+            <a:endParaRPr lang="en-US" dirty="0"/>
           </a:p>
         </p:txBody>
       </p:sp>
@@ -13846,7 +14477,7 @@
             </a:r>
             <a:r>
               <a:rPr lang="en-US" dirty="0">
-                <a:hlinkClick r:id="rId2" tooltip="degree"/>
+                <a:hlinkClick r:id="rId1" tooltip="degree"/>
               </a:rPr>
               <a:t>degree</a:t>
             </a:r>
@@ -13854,6 +14485,7 @@
               <a:rPr lang="en-US" dirty="0"/>
               <a:t>, or with great severity</a:t>
             </a:r>
+            <a:endParaRPr lang="en-US" dirty="0"/>
           </a:p>
         </p:txBody>
       </p:sp>
@@ -13874,7 +14506,6 @@
           <a:p>
             <a:fld id="{4898AEC0-503E-4FA4-859C-D0F72D6E3F79}" type="slidenum">
               <a:rPr lang="en-US" noProof="1" smtClean="0"/>
-              <a:t>35</a:t>
             </a:fld>
             <a:endParaRPr lang="en-US" noProof="1"/>
           </a:p>
@@ -13911,6 +14542,7 @@
               <a:rPr lang="en-US" dirty="0"/>
               <a:t>very</a:t>
             </a:r>
+            <a:endParaRPr lang="en-US" dirty="0"/>
           </a:p>
         </p:txBody>
       </p:sp>
@@ -13958,6 +14590,7 @@
               <a:rPr lang="en-US" dirty="0"/>
               <a:t>profit</a:t>
             </a:r>
+            <a:endParaRPr lang="en-US" dirty="0"/>
           </a:p>
         </p:txBody>
       </p:sp>
@@ -14001,7 +14634,7 @@
             </a:r>
             <a:r>
               <a:rPr lang="en-US" dirty="0">
-                <a:hlinkClick r:id="rId2" tooltip="gain"/>
+                <a:hlinkClick r:id="rId1" tooltip="gain"/>
               </a:rPr>
               <a:t>gain</a:t>
             </a:r>
@@ -14011,7 +14644,7 @@
             </a:r>
             <a:r>
               <a:rPr lang="en-US" dirty="0">
-                <a:hlinkClick r:id="rId3" tooltip="selling"/>
+                <a:hlinkClick r:id="rId2" tooltip="selling"/>
               </a:rPr>
               <a:t>selling</a:t>
             </a:r>
@@ -14021,7 +14654,7 @@
             </a:r>
             <a:r>
               <a:rPr lang="en-US" dirty="0">
-                <a:hlinkClick r:id="rId4" tooltip="business"/>
+                <a:hlinkClick r:id="rId3" tooltip="business"/>
               </a:rPr>
               <a:t>business</a:t>
             </a:r>
@@ -14031,7 +14664,7 @@
             </a:r>
             <a:r>
               <a:rPr lang="en-US" dirty="0">
-                <a:hlinkClick r:id="rId5" tooltip="cost"/>
+                <a:hlinkClick r:id="rId4" tooltip="cost"/>
               </a:rPr>
               <a:t>costs</a:t>
             </a:r>
@@ -14041,7 +14674,7 @@
             </a:r>
             <a:r>
               <a:rPr lang="en-US" dirty="0">
-                <a:hlinkClick r:id="rId6" tooltip="pay"/>
+                <a:hlinkClick r:id="rId5" tooltip="pay"/>
               </a:rPr>
               <a:t>paid</a:t>
             </a:r>
@@ -14055,6 +14688,7 @@
               <a:rPr lang="en-US" dirty="0"/>
               <a:t>profitable</a:t>
             </a:r>
+            <a:endParaRPr lang="en-US" dirty="0"/>
           </a:p>
           <a:p>
             <a:r>
@@ -14063,7 +14697,7 @@
             </a:r>
             <a:r>
               <a:rPr lang="en-US" dirty="0">
-                <a:hlinkClick r:id="rId7" tooltip="profit"/>
+                <a:hlinkClick r:id="rId6" tooltip="profit"/>
               </a:rPr>
               <a:t>profit</a:t>
             </a:r>
@@ -14073,7 +14707,7 @@
             </a:r>
             <a:r>
               <a:rPr lang="en-US" dirty="0">
-                <a:hlinkClick r:id="rId8" tooltip="useful"/>
+                <a:hlinkClick r:id="rId7" tooltip="useful"/>
               </a:rPr>
               <a:t>useful</a:t>
             </a:r>
@@ -14081,6 +14715,7 @@
               <a:rPr lang="en-US" dirty="0"/>
               <a:t> result</a:t>
             </a:r>
+            <a:endParaRPr lang="en-US" dirty="0"/>
           </a:p>
         </p:txBody>
       </p:sp>
@@ -14101,7 +14736,6 @@
           <a:p>
             <a:fld id="{4898AEC0-503E-4FA4-859C-D0F72D6E3F79}" type="slidenum">
               <a:rPr lang="en-US" noProof="1" smtClean="0"/>
-              <a:t>36</a:t>
             </a:fld>
             <a:endParaRPr lang="en-US" noProof="1"/>
           </a:p>
@@ -14138,6 +14772,7 @@
               <a:rPr lang="en-US" dirty="0"/>
               <a:t>profitable</a:t>
             </a:r>
+            <a:endParaRPr lang="en-US" dirty="0"/>
           </a:p>
         </p:txBody>
       </p:sp>
@@ -14232,7 +14867,7 @@
             </a:r>
             <a:r>
               <a:rPr lang="en-US" dirty="0">
-                <a:hlinkClick r:id="rId2" tooltip="exist"/>
+                <a:hlinkClick r:id="rId1" tooltip="exist"/>
               </a:rPr>
               <a:t>exist</a:t>
             </a:r>
@@ -14242,7 +14877,7 @@
             </a:r>
             <a:r>
               <a:rPr lang="en-US" dirty="0">
-                <a:hlinkClick r:id="rId3" tooltip="period"/>
+                <a:hlinkClick r:id="rId2" tooltip="period"/>
               </a:rPr>
               <a:t>period</a:t>
             </a:r>
@@ -14250,15 +14885,16 @@
               <a:rPr lang="en-US" dirty="0"/>
               <a:t> of time</a:t>
             </a:r>
+            <a:endParaRPr lang="en-US" dirty="0"/>
           </a:p>
           <a:p>
             <a:endParaRPr lang="en-US" dirty="0">
-              <a:hlinkClick r:id="rId4" tooltip="able"/>
+              <a:hlinkClick r:id="rId3" tooltip="able"/>
             </a:endParaRPr>
           </a:p>
           <a:p>
             <a:endParaRPr lang="en-US" dirty="0">
-              <a:hlinkClick r:id="rId4" tooltip="able"/>
+              <a:hlinkClick r:id="rId3" tooltip="able"/>
             </a:endParaRPr>
           </a:p>
           <a:p>
@@ -14267,13 +14903,13 @@
               <a:t>sustainable</a:t>
             </a:r>
             <a:endParaRPr lang="en-US" dirty="0">
-              <a:hlinkClick r:id="rId4" tooltip="able"/>
+              <a:hlinkClick r:id="rId3" tooltip="able"/>
             </a:endParaRPr>
           </a:p>
           <a:p>
             <a:r>
               <a:rPr lang="en-US" dirty="0">
-                <a:hlinkClick r:id="rId4" tooltip="able"/>
+                <a:hlinkClick r:id="rId3" tooltip="able"/>
               </a:rPr>
               <a:t>able</a:t>
             </a:r>
@@ -14283,7 +14919,7 @@
             </a:r>
             <a:r>
               <a:rPr lang="en-US" dirty="0">
-                <a:hlinkClick r:id="rId5" tooltip="damage"/>
+                <a:hlinkClick r:id="rId4" tooltip="damage"/>
               </a:rPr>
               <a:t>damage</a:t>
             </a:r>
@@ -14293,7 +14929,7 @@
             </a:r>
             <a:r>
               <a:rPr lang="en-US" dirty="0">
-                <a:hlinkClick r:id="rId6" tooltip="environment"/>
+                <a:hlinkClick r:id="rId5" tooltip="environment"/>
               </a:rPr>
               <a:t>environment</a:t>
             </a:r>
@@ -14318,7 +14954,6 @@
           <a:p>
             <a:fld id="{4898AEC0-503E-4FA4-859C-D0F72D6E3F79}" type="slidenum">
               <a:rPr lang="en-US" noProof="1" smtClean="0"/>
-              <a:t>37</a:t>
             </a:fld>
             <a:endParaRPr lang="en-US" noProof="1"/>
           </a:p>
@@ -14355,6 +14990,7 @@
               <a:rPr lang="en-US" dirty="0"/>
               <a:t>maintain</a:t>
             </a:r>
+            <a:endParaRPr lang="en-US" dirty="0"/>
           </a:p>
         </p:txBody>
       </p:sp>
@@ -14389,6 +15025,7 @@
               <a:rPr lang="en-US" dirty="0"/>
               <a:t>sustainable</a:t>
             </a:r>
+            <a:endParaRPr lang="en-US" dirty="0"/>
           </a:p>
         </p:txBody>
       </p:sp>
@@ -14436,6 +15073,7 @@
               <a:rPr lang="en-US" dirty="0"/>
               <a:t>continuous</a:t>
             </a:r>
+            <a:endParaRPr lang="en-US" dirty="0"/>
           </a:p>
         </p:txBody>
       </p:sp>
@@ -14479,7 +15117,7 @@
             </a:r>
             <a:r>
               <a:rPr lang="en-US" dirty="0">
-                <a:hlinkClick r:id="rId2" tooltip="exist"/>
+                <a:hlinkClick r:id="rId1" tooltip="exist"/>
               </a:rPr>
               <a:t>exist</a:t>
             </a:r>
@@ -14487,6 +15125,7 @@
               <a:rPr lang="en-US" dirty="0"/>
               <a:t> without stopping</a:t>
             </a:r>
+            <a:endParaRPr lang="en-US" dirty="0"/>
           </a:p>
         </p:txBody>
       </p:sp>
@@ -14507,7 +15146,6 @@
           <a:p>
             <a:fld id="{4898AEC0-503E-4FA4-859C-D0F72D6E3F79}" type="slidenum">
               <a:rPr lang="en-US" noProof="1" smtClean="0"/>
-              <a:t>38</a:t>
             </a:fld>
             <a:endParaRPr lang="en-US" noProof="1"/>
           </a:p>
@@ -14561,6 +15199,17 @@
               </a:rPr>
               <a:t>continuous</a:t>
             </a:r>
+            <a:endParaRPr kumimoji="0" lang="en-US" sz="15000" b="0" i="0" u="none" strike="noStrike" kern="0" cap="none" spc="0" normalizeH="0" baseline="0" noProof="0" dirty="0">
+              <a:ln>
+                <a:noFill/>
+              </a:ln>
+              <a:solidFill>
+                <a:schemeClr val="bg2"/>
+              </a:solidFill>
+              <a:effectLst/>
+              <a:uLnTx/>
+              <a:uFillTx/>
+            </a:endParaRPr>
           </a:p>
         </p:txBody>
       </p:sp>
@@ -14608,6 +15257,7 @@
               <a:rPr lang="en-US" dirty="0"/>
               <a:t>consistent</a:t>
             </a:r>
+            <a:endParaRPr lang="en-US" dirty="0"/>
           </a:p>
         </p:txBody>
       </p:sp>
@@ -14651,7 +15301,7 @@
             </a:r>
             <a:r>
               <a:rPr lang="en-US" dirty="0">
-                <a:hlinkClick r:id="rId2" tooltip="behave"/>
+                <a:hlinkClick r:id="rId1" tooltip="behave"/>
               </a:rPr>
               <a:t>behaving</a:t>
             </a:r>
@@ -14661,7 +15311,7 @@
             </a:r>
             <a:r>
               <a:rPr lang="en-US" dirty="0">
-                <a:hlinkClick r:id="rId3" tooltip="attitude"/>
+                <a:hlinkClick r:id="rId2" tooltip="attitude"/>
               </a:rPr>
               <a:t>attitudes</a:t>
             </a:r>
@@ -14671,7 +15321,7 @@
             </a:r>
             <a:r>
               <a:rPr lang="en-US" dirty="0">
-                <a:hlinkClick r:id="rId4" tooltip="standard"/>
+                <a:hlinkClick r:id="rId3" tooltip="standard"/>
               </a:rPr>
               <a:t>standards</a:t>
             </a:r>
@@ -14689,7 +15339,7 @@
             </a:r>
             <a:r>
               <a:rPr lang="en-US" dirty="0">
-                <a:hlinkClick r:id="rId5" tooltip="approval"/>
+                <a:hlinkClick r:id="rId4" tooltip="approval"/>
               </a:rPr>
               <a:t>approval</a:t>
             </a:r>
@@ -14714,7 +15364,6 @@
           <a:p>
             <a:fld id="{4898AEC0-503E-4FA4-859C-D0F72D6E3F79}" type="slidenum">
               <a:rPr lang="en-US" noProof="1" smtClean="0"/>
-              <a:t>39</a:t>
             </a:fld>
             <a:endParaRPr lang="en-US" noProof="1"/>
           </a:p>
@@ -14768,6 +15417,17 @@
               </a:rPr>
               <a:t>consistent</a:t>
             </a:r>
+            <a:endParaRPr kumimoji="0" lang="en-US" sz="15000" b="0" i="0" u="none" strike="noStrike" kern="0" cap="none" spc="0" normalizeH="0" baseline="0" noProof="0" dirty="0">
+              <a:ln>
+                <a:noFill/>
+              </a:ln>
+              <a:solidFill>
+                <a:schemeClr val="bg2"/>
+              </a:solidFill>
+              <a:effectLst/>
+              <a:uLnTx/>
+              <a:uFillTx/>
+            </a:endParaRPr>
           </a:p>
         </p:txBody>
       </p:sp>
@@ -14815,6 +15475,7 @@
               <a:rPr lang="en-US" dirty="0"/>
               <a:t>wage</a:t>
             </a:r>
+            <a:endParaRPr lang="en-US" dirty="0"/>
           </a:p>
         </p:txBody>
       </p:sp>
@@ -14837,6 +15498,7 @@
               <a:rPr lang="en-US" dirty="0"/>
               <a:t>Wrap</a:t>
             </a:r>
+            <a:endParaRPr lang="en-US" dirty="0"/>
           </a:p>
         </p:txBody>
       </p:sp>
@@ -14861,7 +15523,7 @@
             </a:r>
             <a:r>
               <a:rPr lang="en-US" dirty="0">
-                <a:hlinkClick r:id="rId2" tooltip="earn"/>
+                <a:hlinkClick r:id="rId1" tooltip="earn"/>
               </a:rPr>
               <a:t>earn</a:t>
             </a:r>
@@ -14871,7 +15533,7 @@
             </a:r>
             <a:r>
               <a:rPr lang="en-US" dirty="0">
-                <a:hlinkClick r:id="rId3" tooltip="accord"/>
+                <a:hlinkClick r:id="rId2" tooltip="accord"/>
               </a:rPr>
               <a:t>according</a:t>
             </a:r>
@@ -14879,6 +15541,7 @@
               <a:rPr lang="en-US" dirty="0"/>
               <a:t> to the number of hours, days, or weeks</a:t>
             </a:r>
+            <a:endParaRPr lang="en-US" dirty="0"/>
           </a:p>
         </p:txBody>
       </p:sp>
@@ -14899,7 +15562,6 @@
           <a:p>
             <a:fld id="{4898AEC0-503E-4FA4-859C-D0F72D6E3F79}" type="slidenum">
               <a:rPr lang="en-US" noProof="1" smtClean="0"/>
-              <a:t>4</a:t>
             </a:fld>
             <a:endParaRPr lang="en-US" noProof="1"/>
           </a:p>
@@ -14953,6 +15615,17 @@
               </a:rPr>
               <a:t>wage</a:t>
             </a:r>
+            <a:endParaRPr kumimoji="0" lang="en-US" sz="15000" b="0" i="0" u="none" strike="noStrike" kern="0" cap="none" spc="0" normalizeH="0" baseline="0" noProof="0" dirty="0">
+              <a:ln>
+                <a:noFill/>
+              </a:ln>
+              <a:solidFill>
+                <a:schemeClr val="bg2"/>
+              </a:solidFill>
+              <a:effectLst/>
+              <a:uLnTx/>
+              <a:uFillTx/>
+            </a:endParaRPr>
           </a:p>
         </p:txBody>
       </p:sp>
@@ -14995,6 +15668,7 @@
               <a:rPr lang="en-US" b="1" dirty="0"/>
               <a:t>minimum wage</a:t>
             </a:r>
+            <a:endParaRPr lang="en-US" b="1" dirty="0"/>
           </a:p>
           <a:p>
             <a:pPr marR="0" algn="l" defTabSz="914400" eaLnBrk="1" fontAlgn="auto" latinLnBrk="0" hangingPunct="1">
@@ -15102,7 +15776,7 @@
           <p:nvPr/>
         </p:nvPicPr>
         <p:blipFill>
-          <a:blip r:embed="rId4"/>
+          <a:blip r:embed="rId3"/>
           <a:stretch>
             <a:fillRect/>
           </a:stretch>
@@ -15161,6 +15835,7 @@
               <a:rPr lang="en-US" dirty="0"/>
               <a:t>further</a:t>
             </a:r>
+            <a:endParaRPr lang="en-US" dirty="0"/>
           </a:p>
         </p:txBody>
       </p:sp>
@@ -15204,7 +15879,7 @@
             </a:r>
             <a:r>
               <a:rPr lang="en-US" dirty="0">
-                <a:hlinkClick r:id="rId2" tooltip="degree"/>
+                <a:hlinkClick r:id="rId1" tooltip="degree"/>
               </a:rPr>
               <a:t>degree</a:t>
             </a:r>
@@ -15229,7 +15904,6 @@
           <a:p>
             <a:fld id="{4898AEC0-503E-4FA4-859C-D0F72D6E3F79}" type="slidenum">
               <a:rPr lang="en-US" noProof="1" smtClean="0"/>
-              <a:t>40</a:t>
             </a:fld>
             <a:endParaRPr lang="en-US" noProof="1"/>
           </a:p>
@@ -15283,6 +15957,17 @@
               </a:rPr>
               <a:t>further</a:t>
             </a:r>
+            <a:endParaRPr kumimoji="0" lang="en-US" sz="15000" b="0" i="0" u="none" strike="noStrike" kern="0" cap="none" spc="0" normalizeH="0" baseline="0" noProof="0" dirty="0">
+              <a:ln>
+                <a:noFill/>
+              </a:ln>
+              <a:solidFill>
+                <a:schemeClr val="bg2"/>
+              </a:solidFill>
+              <a:effectLst/>
+              <a:uLnTx/>
+              <a:uFillTx/>
+            </a:endParaRPr>
           </a:p>
         </p:txBody>
       </p:sp>
@@ -15375,6 +16060,7 @@
               <a:rPr lang="en-US" dirty="0"/>
               <a:t>to stop something from happening, or stop someone from doing something</a:t>
             </a:r>
+            <a:endParaRPr lang="en-US" dirty="0"/>
           </a:p>
         </p:txBody>
       </p:sp>
@@ -15395,7 +16081,6 @@
           <a:p>
             <a:fld id="{4898AEC0-503E-4FA4-859C-D0F72D6E3F79}" type="slidenum">
               <a:rPr lang="en-US" noProof="1" smtClean="0"/>
-              <a:t>41</a:t>
             </a:fld>
             <a:endParaRPr lang="en-US" noProof="1"/>
           </a:p>
@@ -15449,6 +16134,17 @@
               </a:rPr>
               <a:t>prevent</a:t>
             </a:r>
+            <a:endParaRPr kumimoji="0" lang="en-US" sz="15000" b="0" i="0" u="none" strike="noStrike" kern="0" cap="none" spc="0" normalizeH="0" baseline="0" noProof="0" dirty="0">
+              <a:ln>
+                <a:noFill/>
+              </a:ln>
+              <a:solidFill>
+                <a:schemeClr val="bg2"/>
+              </a:solidFill>
+              <a:effectLst/>
+              <a:uLnTx/>
+              <a:uFillTx/>
+            </a:endParaRPr>
           </a:p>
         </p:txBody>
       </p:sp>
@@ -15496,6 +16192,7 @@
               <a:rPr lang="en-US" dirty="0"/>
               <a:t>therefore</a:t>
             </a:r>
+            <a:endParaRPr lang="en-US" dirty="0"/>
           </a:p>
         </p:txBody>
       </p:sp>
@@ -15539,7 +16236,7 @@
             </a:r>
             <a:r>
               <a:rPr lang="en-US" dirty="0">
-                <a:hlinkClick r:id="rId2" tooltip="result"/>
+                <a:hlinkClick r:id="rId1" tooltip="result"/>
               </a:rPr>
               <a:t>result</a:t>
             </a:r>
@@ -15549,7 +16246,7 @@
             </a:r>
             <a:r>
               <a:rPr lang="en-US" dirty="0">
-                <a:hlinkClick r:id="rId3" tooltip="mention"/>
+                <a:hlinkClick r:id="rId2" tooltip="mention"/>
               </a:rPr>
               <a:t>mentioned</a:t>
             </a:r>
@@ -15574,7 +16271,6 @@
           <a:p>
             <a:fld id="{4898AEC0-503E-4FA4-859C-D0F72D6E3F79}" type="slidenum">
               <a:rPr lang="en-US" noProof="1" smtClean="0"/>
-              <a:t>42</a:t>
             </a:fld>
             <a:endParaRPr lang="en-US" noProof="1"/>
           </a:p>
@@ -15680,6 +16376,7 @@
               <a:rPr lang="en-US" dirty="0"/>
               <a:t>heat</a:t>
             </a:r>
+            <a:endParaRPr lang="en-US" dirty="0"/>
           </a:p>
         </p:txBody>
       </p:sp>
@@ -15721,6 +16418,7 @@
               <a:rPr lang="en-US" dirty="0"/>
               <a:t>to make something become warm or hot</a:t>
             </a:r>
+            <a:endParaRPr lang="en-US" dirty="0"/>
           </a:p>
         </p:txBody>
       </p:sp>
@@ -15741,7 +16439,6 @@
           <a:p>
             <a:fld id="{4898AEC0-503E-4FA4-859C-D0F72D6E3F79}" type="slidenum">
               <a:rPr lang="en-US" noProof="1" smtClean="0"/>
-              <a:t>43</a:t>
             </a:fld>
             <a:endParaRPr lang="en-US" noProof="1"/>
           </a:p>
@@ -15778,6 +16475,7 @@
               <a:rPr lang="en-US" dirty="0"/>
               <a:t>heat up</a:t>
             </a:r>
+            <a:endParaRPr lang="en-US" dirty="0"/>
           </a:p>
         </p:txBody>
       </p:sp>
@@ -15881,6 +16579,7 @@
               <a:rPr lang="en-US" dirty="0"/>
               <a:t>forbidden</a:t>
             </a:r>
+            <a:endParaRPr lang="en-US" dirty="0"/>
           </a:p>
         </p:txBody>
       </p:sp>
@@ -15914,7 +16613,7 @@
           </p:nvPr>
         </p:nvPicPr>
         <p:blipFill>
-          <a:blip r:embed="rId2">
+          <a:blip r:embed="rId1">
             <a:extLst>
               <a:ext uri="{28A0092B-C50C-407E-A947-70E740481C1C}">
                 <a14:useLocalDpi xmlns:a14="http://schemas.microsoft.com/office/drawing/2010/main" val="0"/>
@@ -15949,7 +16648,6 @@
           <a:p>
             <a:fld id="{4898AEC0-503E-4FA4-859C-D0F72D6E3F79}" type="slidenum">
               <a:rPr lang="en-US" noProof="1" smtClean="0"/>
-              <a:t>44</a:t>
             </a:fld>
             <a:endParaRPr lang="en-US" noProof="1"/>
           </a:p>
@@ -15986,6 +16684,7 @@
               <a:rPr lang="en-US" dirty="0"/>
               <a:t>forbidden city</a:t>
             </a:r>
+            <a:endParaRPr lang="en-US" dirty="0"/>
           </a:p>
         </p:txBody>
       </p:sp>
@@ -16089,6 +16788,7 @@
               <a:rPr lang="en-US" dirty="0"/>
               <a:t>forbidden</a:t>
             </a:r>
+            <a:endParaRPr lang="en-US" dirty="0"/>
           </a:p>
         </p:txBody>
       </p:sp>
@@ -16128,7 +16828,6 @@
           <a:p>
             <a:fld id="{4898AEC0-503E-4FA4-859C-D0F72D6E3F79}" type="slidenum">
               <a:rPr lang="en-US" noProof="1" smtClean="0"/>
-              <a:t>45</a:t>
             </a:fld>
             <a:endParaRPr lang="en-US" noProof="1"/>
           </a:p>
@@ -16165,6 +16864,7 @@
               <a:rPr lang="en-US" dirty="0"/>
               <a:t>full swing</a:t>
             </a:r>
+            <a:endParaRPr lang="en-US" dirty="0"/>
           </a:p>
         </p:txBody>
       </p:sp>
@@ -16235,7 +16935,7 @@
           </p:nvPr>
         </p:nvPicPr>
         <p:blipFill>
-          <a:blip r:embed="rId2">
+          <a:blip r:embed="rId1">
             <a:extLst>
               <a:ext uri="{28A0092B-C50C-407E-A947-70E740481C1C}">
                 <a14:useLocalDpi xmlns:a14="http://schemas.microsoft.com/office/drawing/2010/main" val="0"/>
@@ -16262,7 +16962,7 @@
           <p:nvPr/>
         </p:nvPicPr>
         <p:blipFill>
-          <a:blip r:embed="rId3">
+          <a:blip r:embed="rId2">
             <a:extLst>
               <a:ext uri="{28A0092B-C50C-407E-A947-70E740481C1C}">
                 <a14:useLocalDpi xmlns:a14="http://schemas.microsoft.com/office/drawing/2010/main" val="0"/>
@@ -16327,6 +17027,7 @@
               <a:rPr lang="en-US" dirty="0"/>
               <a:t>forbidden</a:t>
             </a:r>
+            <a:endParaRPr lang="en-US" dirty="0"/>
           </a:p>
         </p:txBody>
       </p:sp>
@@ -16366,7 +17067,6 @@
           <a:p>
             <a:fld id="{4898AEC0-503E-4FA4-859C-D0F72D6E3F79}" type="slidenum">
               <a:rPr lang="en-US" noProof="1" smtClean="0"/>
-              <a:t>46</a:t>
             </a:fld>
             <a:endParaRPr lang="en-US" noProof="1"/>
           </a:p>
@@ -16439,7 +17139,7 @@
           </p:nvPr>
         </p:nvPicPr>
         <p:blipFill>
-          <a:blip r:embed="rId2"/>
+          <a:blip r:embed="rId1"/>
           <a:stretch>
             <a:fillRect/>
           </a:stretch>
@@ -16498,6 +17198,7 @@
               <a:rPr lang="en-US" dirty="0"/>
               <a:t>forbidden</a:t>
             </a:r>
+            <a:endParaRPr lang="en-US" dirty="0"/>
           </a:p>
         </p:txBody>
       </p:sp>
@@ -16537,7 +17238,6 @@
           <a:p>
             <a:fld id="{4898AEC0-503E-4FA4-859C-D0F72D6E3F79}" type="slidenum">
               <a:rPr lang="en-US" noProof="1" smtClean="0"/>
-              <a:t>47</a:t>
             </a:fld>
             <a:endParaRPr lang="en-US" noProof="1"/>
           </a:p>
@@ -16591,6 +17291,17 @@
               </a:rPr>
               <a:t>spray</a:t>
             </a:r>
+            <a:endParaRPr kumimoji="0" lang="en-US" sz="15000" b="0" i="0" u="none" strike="noStrike" kern="0" cap="none" spc="0" normalizeH="0" baseline="0" noProof="0" dirty="0">
+              <a:ln>
+                <a:noFill/>
+              </a:ln>
+              <a:solidFill>
+                <a:schemeClr val="bg2"/>
+              </a:solidFill>
+              <a:effectLst/>
+              <a:uLnTx/>
+              <a:uFillTx/>
+            </a:endParaRPr>
           </a:p>
         </p:txBody>
       </p:sp>
@@ -16605,7 +17316,7 @@
           </p:nvPr>
         </p:nvPicPr>
         <p:blipFill>
-          <a:blip r:embed="rId2">
+          <a:blip r:embed="rId1">
             <a:extLst>
               <a:ext uri="{28A0092B-C50C-407E-A947-70E740481C1C}">
                 <a14:useLocalDpi xmlns:a14="http://schemas.microsoft.com/office/drawing/2010/main" val="0"/>
@@ -16667,6 +17378,7 @@
               <a:rPr lang="en-US" dirty="0"/>
               <a:t>forbidden</a:t>
             </a:r>
+            <a:endParaRPr lang="en-US" dirty="0"/>
           </a:p>
         </p:txBody>
       </p:sp>
@@ -16706,7 +17418,6 @@
           <a:p>
             <a:fld id="{4898AEC0-503E-4FA4-859C-D0F72D6E3F79}" type="slidenum">
               <a:rPr lang="en-US" noProof="1" smtClean="0"/>
-              <a:t>48</a:t>
             </a:fld>
             <a:endParaRPr lang="en-US" noProof="1"/>
           </a:p>
@@ -16760,6 +17471,17 @@
               </a:rPr>
               <a:t>sack</a:t>
             </a:r>
+            <a:endParaRPr kumimoji="0" lang="en-US" sz="15000" b="0" i="0" u="none" strike="noStrike" kern="0" cap="none" spc="0" normalizeH="0" baseline="0" noProof="0" dirty="0">
+              <a:ln>
+                <a:noFill/>
+              </a:ln>
+              <a:solidFill>
+                <a:schemeClr val="bg2"/>
+              </a:solidFill>
+              <a:effectLst/>
+              <a:uLnTx/>
+              <a:uFillTx/>
+            </a:endParaRPr>
           </a:p>
         </p:txBody>
       </p:sp>
@@ -16774,7 +17496,7 @@
           </p:nvPr>
         </p:nvPicPr>
         <p:blipFill>
-          <a:blip r:embed="rId2">
+          <a:blip r:embed="rId1">
             <a:extLst>
               <a:ext uri="{28A0092B-C50C-407E-A947-70E740481C1C}">
                 <a14:useLocalDpi xmlns:a14="http://schemas.microsoft.com/office/drawing/2010/main" val="0"/>
@@ -16836,6 +17558,7 @@
               <a:rPr lang="en-US" dirty="0"/>
               <a:t>swear</a:t>
             </a:r>
+            <a:endParaRPr lang="en-US" dirty="0"/>
           </a:p>
         </p:txBody>
       </p:sp>
@@ -16875,7 +17598,6 @@
           <a:p>
             <a:fld id="{4898AEC0-503E-4FA4-859C-D0F72D6E3F79}" type="slidenum">
               <a:rPr lang="en-US" noProof="1" smtClean="0"/>
-              <a:t>49</a:t>
             </a:fld>
             <a:endParaRPr lang="en-US" noProof="1"/>
           </a:p>
@@ -16929,6 +17651,17 @@
               </a:rPr>
               <a:t>swear</a:t>
             </a:r>
+            <a:endParaRPr kumimoji="0" lang="en-US" sz="15000" b="0" i="0" u="none" strike="noStrike" kern="0" cap="none" spc="0" normalizeH="0" baseline="0" noProof="0" dirty="0">
+              <a:ln>
+                <a:noFill/>
+              </a:ln>
+              <a:solidFill>
+                <a:schemeClr val="bg2"/>
+              </a:solidFill>
+              <a:effectLst/>
+              <a:uLnTx/>
+              <a:uFillTx/>
+            </a:endParaRPr>
           </a:p>
         </p:txBody>
       </p:sp>
@@ -16943,7 +17676,7 @@
           </p:nvPr>
         </p:nvPicPr>
         <p:blipFill>
-          <a:blip r:embed="rId2"/>
+          <a:blip r:embed="rId1"/>
           <a:stretch>
             <a:fillRect/>
           </a:stretch>
@@ -17002,6 +17735,7 @@
               <a:rPr lang="en-US" dirty="0"/>
               <a:t>wander</a:t>
             </a:r>
+            <a:endParaRPr lang="en-US" dirty="0"/>
           </a:p>
         </p:txBody>
       </p:sp>
@@ -17024,6 +17758,7 @@
               <a:rPr lang="en-US"/>
               <a:t>Wrap</a:t>
             </a:r>
+            <a:endParaRPr lang="en-US"/>
           </a:p>
         </p:txBody>
       </p:sp>
@@ -17048,7 +17783,7 @@
             </a:r>
             <a:r>
               <a:rPr lang="en-US" dirty="0">
-                <a:hlinkClick r:id="rId2" tooltip="clear"/>
+                <a:hlinkClick r:id="rId1" tooltip="clear"/>
               </a:rPr>
               <a:t>clear</a:t>
             </a:r>
@@ -17058,7 +17793,7 @@
             </a:r>
             <a:r>
               <a:rPr lang="en-US" dirty="0">
-                <a:hlinkClick r:id="rId3" tooltip="direction"/>
+                <a:hlinkClick r:id="rId2" tooltip="direction"/>
               </a:rPr>
               <a:t>direction</a:t>
             </a:r>
@@ -17068,7 +17803,7 @@
             </a:r>
             <a:r>
               <a:rPr lang="en-US" dirty="0">
-                <a:hlinkClick r:id="rId4" tooltip="purpose"/>
+                <a:hlinkClick r:id="rId3" tooltip="purpose"/>
               </a:rPr>
               <a:t>purpose</a:t>
             </a:r>
@@ -17093,7 +17828,6 @@
           <a:p>
             <a:fld id="{4898AEC0-503E-4FA4-859C-D0F72D6E3F79}" type="slidenum">
               <a:rPr lang="en-US" noProof="1" smtClean="0"/>
-              <a:t>5</a:t>
             </a:fld>
             <a:endParaRPr lang="en-US" noProof="1"/>
           </a:p>
@@ -17164,7 +17898,7 @@
           <p:nvPr/>
         </p:nvPicPr>
         <p:blipFill>
-          <a:blip r:embed="rId5">
+          <a:blip r:embed="rId4">
             <a:extLst>
               <a:ext uri="{28A0092B-C50C-407E-A947-70E740481C1C}">
                 <a14:useLocalDpi xmlns:a14="http://schemas.microsoft.com/office/drawing/2010/main" val="0"/>
@@ -17229,6 +17963,7 @@
               <a:rPr lang="en-US" dirty="0"/>
               <a:t>forbidden</a:t>
             </a:r>
+            <a:endParaRPr lang="en-US" dirty="0"/>
           </a:p>
         </p:txBody>
       </p:sp>
@@ -17268,7 +18003,6 @@
           <a:p>
             <a:fld id="{4898AEC0-503E-4FA4-859C-D0F72D6E3F79}" type="slidenum">
               <a:rPr lang="en-US" noProof="1" smtClean="0"/>
-              <a:t>50</a:t>
             </a:fld>
             <a:endParaRPr lang="en-US" noProof="1"/>
           </a:p>
@@ -17322,6 +18056,17 @@
               </a:rPr>
               <a:t>sail</a:t>
             </a:r>
+            <a:endParaRPr kumimoji="0" lang="en-US" sz="15000" b="0" i="0" u="none" strike="noStrike" kern="0" cap="none" spc="0" normalizeH="0" baseline="0" noProof="0" dirty="0">
+              <a:ln>
+                <a:noFill/>
+              </a:ln>
+              <a:solidFill>
+                <a:schemeClr val="bg2"/>
+              </a:solidFill>
+              <a:effectLst/>
+              <a:uLnTx/>
+              <a:uFillTx/>
+            </a:endParaRPr>
           </a:p>
         </p:txBody>
       </p:sp>
@@ -17336,7 +18081,7 @@
           </p:nvPr>
         </p:nvPicPr>
         <p:blipFill>
-          <a:blip r:embed="rId2">
+          <a:blip r:embed="rId1">
             <a:extLst>
               <a:ext uri="{28A0092B-C50C-407E-A947-70E740481C1C}">
                 <a14:useLocalDpi xmlns:a14="http://schemas.microsoft.com/office/drawing/2010/main" val="0"/>
@@ -17363,7 +18108,7 @@
           <p:nvPr/>
         </p:nvPicPr>
         <p:blipFill>
-          <a:blip r:embed="rId3">
+          <a:blip r:embed="rId2">
             <a:extLst>
               <a:ext uri="{28A0092B-C50C-407E-A947-70E740481C1C}">
                 <a14:useLocalDpi xmlns:a14="http://schemas.microsoft.com/office/drawing/2010/main" val="0"/>
@@ -17428,6 +18173,7 @@
               <a:rPr lang="en-US" dirty="0"/>
               <a:t>forbidden</a:t>
             </a:r>
+            <a:endParaRPr lang="en-US" dirty="0"/>
           </a:p>
         </p:txBody>
       </p:sp>
@@ -17467,7 +18213,6 @@
           <a:p>
             <a:fld id="{4898AEC0-503E-4FA4-859C-D0F72D6E3F79}" type="slidenum">
               <a:rPr lang="en-US" noProof="1" smtClean="0"/>
-              <a:t>51</a:t>
             </a:fld>
             <a:endParaRPr lang="en-US" noProof="1"/>
           </a:p>
@@ -17521,6 +18266,17 @@
               </a:rPr>
               <a:t>sake</a:t>
             </a:r>
+            <a:endParaRPr kumimoji="0" lang="en-US" sz="15000" b="0" i="0" u="none" strike="noStrike" kern="0" cap="none" spc="0" normalizeH="0" baseline="0" noProof="0" dirty="0">
+              <a:ln>
+                <a:noFill/>
+              </a:ln>
+              <a:solidFill>
+                <a:schemeClr val="bg2"/>
+              </a:solidFill>
+              <a:effectLst/>
+              <a:uLnTx/>
+              <a:uFillTx/>
+            </a:endParaRPr>
           </a:p>
         </p:txBody>
       </p:sp>
@@ -17577,12 +18333,14 @@
               <a:rPr lang="en-US" dirty="0"/>
               <a:t>for the sake of</a:t>
             </a:r>
+            <a:endParaRPr lang="en-US" dirty="0"/>
           </a:p>
           <a:p>
             <a:r>
               <a:rPr lang="en-US" dirty="0"/>
               <a:t>= For the purpose of</a:t>
             </a:r>
+            <a:endParaRPr lang="en-US" dirty="0"/>
           </a:p>
         </p:txBody>
       </p:sp>
@@ -17628,8 +18386,9 @@
           <a:p>
             <a:r>
               <a:rPr lang="en-US" dirty="0"/>
-              <a:t>forbidden</a:t>
-            </a:r>
+              <a:t>sustain</a:t>
+            </a:r>
+            <a:endParaRPr lang="en-US" dirty="0"/>
           </a:p>
         </p:txBody>
       </p:sp>
@@ -17669,7 +18428,6 @@
           <a:p>
             <a:fld id="{4898AEC0-503E-4FA4-859C-D0F72D6E3F79}" type="slidenum">
               <a:rPr lang="en-US" noProof="1" smtClean="0"/>
-              <a:t>52</a:t>
             </a:fld>
             <a:endParaRPr lang="en-US" noProof="1"/>
           </a:p>
@@ -17683,7 +18441,7 @@
         </p:nvSpPr>
         <p:spPr>
           <a:xfrm>
-            <a:off x="349345" y="1998372"/>
+            <a:off x="349345" y="1971702"/>
             <a:ext cx="10833662" cy="3258207"/>
           </a:xfrm>
           <a:prstGeom prst="rect">
@@ -17721,30 +18479,19 @@
                 <a:uLnTx/>
                 <a:uFillTx/>
               </a:rPr>
-              <a:t>arrest</a:t>
-            </a:r>
-          </a:p>
-        </p:txBody>
-      </p:sp>
-      <p:sp>
-        <p:nvSpPr>
-          <p:cNvPr id="8" name="Content Placeholder 7"/>
-          <p:cNvSpPr>
-            <a:spLocks noGrp="1"/>
-          </p:cNvSpPr>
-          <p:nvPr>
-            <p:ph sz="quarter" idx="1"/>
-          </p:nvPr>
-        </p:nvSpPr>
-        <p:spPr/>
-        <p:txBody>
-          <a:bodyPr/>
-          <a:lstStyle/>
-          <a:p>
-            <a:endParaRPr lang="en-US" dirty="0"/>
-          </a:p>
-          <a:p>
-            <a:endParaRPr lang="en-US" dirty="0"/>
+              <a:t>sustain</a:t>
+            </a:r>
+            <a:endParaRPr kumimoji="0" lang="en-US" sz="15000" b="0" i="0" u="none" strike="noStrike" kern="0" cap="none" spc="0" normalizeH="0" baseline="0" noProof="0" dirty="0">
+              <a:ln>
+                <a:noFill/>
+              </a:ln>
+              <a:solidFill>
+                <a:schemeClr val="bg2"/>
+              </a:solidFill>
+              <a:effectLst/>
+              <a:uLnTx/>
+              <a:uFillTx/>
+            </a:endParaRPr>
           </a:p>
         </p:txBody>
       </p:sp>
@@ -17777,23 +18524,13 @@
           <a:p>
             <a:r>
               <a:rPr lang="en-US" dirty="0"/>
-              <a:t>for the sake of</a:t>
-            </a:r>
-          </a:p>
-          <a:p>
-            <a:r>
-              <a:rPr lang="en-US" dirty="0"/>
-              <a:t>= For the purpose of</a:t>
-            </a:r>
+              <a:t>self-sustained</a:t>
+            </a:r>
+            <a:endParaRPr lang="en-US" dirty="0"/>
           </a:p>
         </p:txBody>
       </p:sp>
     </p:spTree>
-    <p:extLst>
-      <p:ext uri="{BB962C8B-B14F-4D97-AF65-F5344CB8AC3E}">
-        <p14:creationId xmlns:p14="http://schemas.microsoft.com/office/powerpoint/2010/main" val="3919668292"/>
-      </p:ext>
-    </p:extLst>
   </p:cSld>
   <p:clrMapOvr>
     <a:masterClrMapping/>
@@ -17837,6 +18574,7 @@
               <a:rPr lang="en-US" dirty="0"/>
               <a:t>forbidden</a:t>
             </a:r>
+            <a:endParaRPr lang="en-US" dirty="0"/>
           </a:p>
         </p:txBody>
       </p:sp>
@@ -17876,7 +18614,6 @@
           <a:p>
             <a:fld id="{4898AEC0-503E-4FA4-859C-D0F72D6E3F79}" type="slidenum">
               <a:rPr lang="en-US" noProof="1" smtClean="0"/>
-              <a:t>53</a:t>
             </a:fld>
             <a:endParaRPr lang="en-US" noProof="1"/>
           </a:p>
@@ -17928,8 +18665,19 @@
                 <a:uLnTx/>
                 <a:uFillTx/>
               </a:rPr>
-              <a:t>accuse</a:t>
-            </a:r>
+              <a:t>arrest</a:t>
+            </a:r>
+            <a:endParaRPr kumimoji="0" lang="en-US" sz="15000" b="0" i="0" u="none" strike="noStrike" kern="0" cap="none" spc="0" normalizeH="0" baseline="0" noProof="0" dirty="0">
+              <a:ln>
+                <a:noFill/>
+              </a:ln>
+              <a:solidFill>
+                <a:schemeClr val="bg2"/>
+              </a:solidFill>
+              <a:effectLst/>
+              <a:uLnTx/>
+              <a:uFillTx/>
+            </a:endParaRPr>
           </a:p>
         </p:txBody>
       </p:sp>
@@ -17986,21 +18734,18 @@
               <a:rPr lang="en-US" dirty="0"/>
               <a:t>for the sake of</a:t>
             </a:r>
+            <a:endParaRPr lang="en-US" dirty="0"/>
           </a:p>
           <a:p>
             <a:r>
               <a:rPr lang="en-US" dirty="0"/>
               <a:t>= For the purpose of</a:t>
             </a:r>
+            <a:endParaRPr lang="en-US" dirty="0"/>
           </a:p>
         </p:txBody>
       </p:sp>
     </p:spTree>
-    <p:extLst>
-      <p:ext uri="{BB962C8B-B14F-4D97-AF65-F5344CB8AC3E}">
-        <p14:creationId xmlns:p14="http://schemas.microsoft.com/office/powerpoint/2010/main" val="1122999453"/>
-      </p:ext>
-    </p:extLst>
   </p:cSld>
   <p:clrMapOvr>
     <a:masterClrMapping/>
@@ -18044,6 +18789,7 @@
               <a:rPr lang="en-US" dirty="0"/>
               <a:t>forbidden</a:t>
             </a:r>
+            <a:endParaRPr lang="en-US" dirty="0"/>
           </a:p>
         </p:txBody>
       </p:sp>
@@ -18083,7 +18829,6 @@
           <a:p>
             <a:fld id="{4898AEC0-503E-4FA4-859C-D0F72D6E3F79}" type="slidenum">
               <a:rPr lang="en-US" noProof="1" smtClean="0"/>
-              <a:t>54</a:t>
             </a:fld>
             <a:endParaRPr lang="en-US" noProof="1"/>
           </a:p>
@@ -18135,8 +18880,234 @@
                 <a:uLnTx/>
                 <a:uFillTx/>
               </a:rPr>
+              <a:t>accuse</a:t>
+            </a:r>
+            <a:endParaRPr kumimoji="0" lang="en-US" sz="15000" b="0" i="0" u="none" strike="noStrike" kern="0" cap="none" spc="0" normalizeH="0" baseline="0" noProof="0" dirty="0">
+              <a:ln>
+                <a:noFill/>
+              </a:ln>
+              <a:solidFill>
+                <a:schemeClr val="bg2"/>
+              </a:solidFill>
+              <a:effectLst/>
+              <a:uLnTx/>
+              <a:uFillTx/>
+            </a:endParaRPr>
+          </a:p>
+        </p:txBody>
+      </p:sp>
+      <p:sp>
+        <p:nvSpPr>
+          <p:cNvPr id="8" name="Content Placeholder 7"/>
+          <p:cNvSpPr>
+            <a:spLocks noGrp="1"/>
+          </p:cNvSpPr>
+          <p:nvPr>
+            <p:ph sz="quarter" idx="1"/>
+          </p:nvPr>
+        </p:nvSpPr>
+        <p:spPr/>
+        <p:txBody>
+          <a:bodyPr/>
+          <a:lstStyle/>
+          <a:p>
+            <a:endParaRPr lang="en-US" dirty="0"/>
+          </a:p>
+          <a:p>
+            <a:endParaRPr lang="en-US" dirty="0"/>
+          </a:p>
+        </p:txBody>
+      </p:sp>
+      <p:sp>
+        <p:nvSpPr>
+          <p:cNvPr id="10" name="Rectangle 9"/>
+          <p:cNvSpPr/>
+          <p:nvPr/>
+        </p:nvSpPr>
+        <p:spPr>
+          <a:xfrm>
+            <a:off x="7978140" y="3085465"/>
+            <a:ext cx="2672715" cy="1029970"/>
+          </a:xfrm>
+          <a:prstGeom prst="rect">
+            <a:avLst/>
+          </a:prstGeom>
+          <a:noFill/>
+          <a:ln w="9525" cap="flat" cmpd="sng" algn="ctr">
+            <a:solidFill>
+              <a:srgbClr val="3F136C"/>
+            </a:solidFill>
+            <a:prstDash val="solid"/>
+          </a:ln>
+          <a:effectLst/>
+        </p:spPr>
+        <p:txBody>
+          <a:bodyPr rtlCol="0" anchor="ctr"/>
+          <a:lstStyle/>
+          <a:p>
+            <a:r>
+              <a:rPr lang="en-US" dirty="0"/>
+              <a:t>for the sake of</a:t>
+            </a:r>
+            <a:endParaRPr lang="en-US" dirty="0"/>
+          </a:p>
+          <a:p>
+            <a:r>
+              <a:rPr lang="en-US" dirty="0"/>
+              <a:t>= For the purpose of</a:t>
+            </a:r>
+            <a:endParaRPr lang="en-US" dirty="0"/>
+          </a:p>
+        </p:txBody>
+      </p:sp>
+    </p:spTree>
+  </p:cSld>
+  <p:clrMapOvr>
+    <a:masterClrMapping/>
+  </p:clrMapOvr>
+</p:sld>
+</file>
+
+<file path=ppt/slides/slide55.xml><?xml version="1.0" encoding="utf-8"?>
+<p:sld xmlns:a="http://schemas.openxmlformats.org/drawingml/2006/main" xmlns:r="http://schemas.openxmlformats.org/officeDocument/2006/relationships" xmlns:p="http://schemas.openxmlformats.org/presentationml/2006/main">
+  <p:cSld>
+    <p:spTree>
+      <p:nvGrpSpPr>
+        <p:cNvPr id="1" name=""/>
+        <p:cNvGrpSpPr/>
+        <p:nvPr/>
+      </p:nvGrpSpPr>
+      <p:grpSpPr>
+        <a:xfrm>
+          <a:off x="0" y="0"/>
+          <a:ext cx="0" cy="0"/>
+          <a:chOff x="0" y="0"/>
+          <a:chExt cx="0" cy="0"/>
+        </a:xfrm>
+      </p:grpSpPr>
+      <p:sp>
+        <p:nvSpPr>
+          <p:cNvPr id="2" name="Title 1"/>
+          <p:cNvSpPr>
+            <a:spLocks noGrp="1"/>
+          </p:cNvSpPr>
+          <p:nvPr>
+            <p:ph type="title"/>
+          </p:nvPr>
+        </p:nvSpPr>
+        <p:spPr/>
+        <p:txBody>
+          <a:bodyPr/>
+          <a:lstStyle/>
+          <a:p>
+            <a:r>
+              <a:rPr lang="en-US" dirty="0"/>
+              <a:t>forbidden</a:t>
+            </a:r>
+            <a:endParaRPr lang="en-US" dirty="0"/>
+          </a:p>
+        </p:txBody>
+      </p:sp>
+      <p:sp>
+        <p:nvSpPr>
+          <p:cNvPr id="3" name="Text Placeholder 2"/>
+          <p:cNvSpPr>
+            <a:spLocks noGrp="1"/>
+          </p:cNvSpPr>
+          <p:nvPr>
+            <p:ph type="body" sz="quarter" idx="15"/>
+          </p:nvPr>
+        </p:nvSpPr>
+        <p:spPr/>
+        <p:txBody>
+          <a:bodyPr/>
+          <a:lstStyle/>
+          <a:p>
+            <a:endParaRPr lang="en-US"/>
+          </a:p>
+        </p:txBody>
+      </p:sp>
+      <p:sp>
+        <p:nvSpPr>
+          <p:cNvPr id="5" name="Slide Number Placeholder 4"/>
+          <p:cNvSpPr>
+            <a:spLocks noGrp="1"/>
+          </p:cNvSpPr>
+          <p:nvPr>
+            <p:ph type="sldNum" sz="quarter" idx="12"/>
+          </p:nvPr>
+        </p:nvSpPr>
+        <p:spPr/>
+        <p:txBody>
+          <a:bodyPr/>
+          <a:lstStyle/>
+          <a:p>
+            <a:fld id="{4898AEC0-503E-4FA4-859C-D0F72D6E3F79}" type="slidenum">
+              <a:rPr lang="en-US" noProof="1" smtClean="0"/>
+            </a:fld>
+            <a:endParaRPr lang="en-US" noProof="1"/>
+          </a:p>
+        </p:txBody>
+      </p:sp>
+      <p:sp>
+        <p:nvSpPr>
+          <p:cNvPr id="4" name="TextBox 3"/>
+          <p:cNvSpPr txBox="1"/>
+          <p:nvPr/>
+        </p:nvSpPr>
+        <p:spPr>
+          <a:xfrm>
+            <a:off x="349345" y="1998372"/>
+            <a:ext cx="10833662" cy="3258207"/>
+          </a:xfrm>
+          <a:prstGeom prst="rect">
+            <a:avLst/>
+          </a:prstGeom>
+          <a:noFill/>
+        </p:spPr>
+        <p:txBody>
+          <a:bodyPr wrap="square" lIns="0" tIns="0" rIns="0" bIns="0" rtlCol="0">
+            <a:noAutofit/>
+          </a:bodyPr>
+          <a:lstStyle/>
+          <a:p>
+            <a:pPr marR="0" algn="l" defTabSz="914400" eaLnBrk="1" fontAlgn="auto" latinLnBrk="0" hangingPunct="1">
+              <a:spcBef>
+                <a:spcPts val="500"/>
+              </a:spcBef>
+              <a:spcAft>
+                <a:spcPts val="0"/>
+              </a:spcAft>
+              <a:buClrTx/>
+              <a:buSzTx/>
+              <a:buFontTx/>
+              <a:buNone/>
+            </a:pPr>
+            <a:r>
+              <a:rPr kumimoji="0" lang="en-US" sz="15000" b="0" i="0" u="none" strike="noStrike" kern="0" cap="none" spc="0" normalizeH="0" baseline="0" noProof="0" dirty="0">
+                <a:ln>
+                  <a:noFill/>
+                </a:ln>
+                <a:solidFill>
+                  <a:schemeClr val="bg2"/>
+                </a:solidFill>
+                <a:effectLst/>
+                <a:uLnTx/>
+                <a:uFillTx/>
+              </a:rPr>
               <a:t>awkward</a:t>
             </a:r>
+            <a:endParaRPr kumimoji="0" lang="en-US" sz="15000" b="0" i="0" u="none" strike="noStrike" kern="0" cap="none" spc="0" normalizeH="0" baseline="0" noProof="0" dirty="0">
+              <a:ln>
+                <a:noFill/>
+              </a:ln>
+              <a:solidFill>
+                <a:schemeClr val="bg2"/>
+              </a:solidFill>
+              <a:effectLst/>
+              <a:uLnTx/>
+              <a:uFillTx/>
+            </a:endParaRPr>
           </a:p>
         </p:txBody>
       </p:sp>
@@ -18164,20 +19135,14 @@
       </p:sp>
       <p:pic>
         <p:nvPicPr>
-          <p:cNvPr id="6" name="Picture 5">
-            <a:extLst>
-              <a:ext uri="{FF2B5EF4-FFF2-40B4-BE49-F238E27FC236}">
-                <a16:creationId xmlns:a16="http://schemas.microsoft.com/office/drawing/2014/main" id="{01CB26CF-B312-00FC-90B0-36771F48AFF0}"/>
-              </a:ext>
-            </a:extLst>
-          </p:cNvPr>
+          <p:cNvPr id="6" name="Picture 5"/>
           <p:cNvPicPr>
             <a:picLocks noChangeAspect="1"/>
           </p:cNvPicPr>
           <p:nvPr/>
         </p:nvPicPr>
         <p:blipFill>
-          <a:blip r:embed="rId2"/>
+          <a:blip r:embed="rId1"/>
           <a:stretch>
             <a:fillRect/>
           </a:stretch>
@@ -18193,11 +19158,6 @@
         </p:spPr>
       </p:pic>
     </p:spTree>
-    <p:extLst>
-      <p:ext uri="{BB962C8B-B14F-4D97-AF65-F5344CB8AC3E}">
-        <p14:creationId xmlns:p14="http://schemas.microsoft.com/office/powerpoint/2010/main" val="3021043392"/>
-      </p:ext>
-    </p:extLst>
   </p:cSld>
   <p:clrMapOvr>
     <a:masterClrMapping/>
@@ -18241,6 +19201,7 @@
               <a:rPr lang="en-US" dirty="0"/>
               <a:t>ward</a:t>
             </a:r>
+            <a:endParaRPr lang="en-US" dirty="0"/>
           </a:p>
         </p:txBody>
       </p:sp>
@@ -18263,6 +19224,7 @@
               <a:rPr lang="en-US"/>
               <a:t>Wrap</a:t>
             </a:r>
+            <a:endParaRPr lang="en-US"/>
           </a:p>
         </p:txBody>
       </p:sp>
@@ -18287,7 +19249,7 @@
             </a:r>
             <a:r>
               <a:rPr lang="en-US" dirty="0">
-                <a:hlinkClick r:id="rId2" tooltip="hospital"/>
+                <a:hlinkClick r:id="rId1" tooltip="hospital"/>
               </a:rPr>
               <a:t>hospital</a:t>
             </a:r>
@@ -18297,7 +19259,7 @@
             </a:r>
             <a:r>
               <a:rPr lang="en-US" dirty="0">
-                <a:hlinkClick r:id="rId3" tooltip="medical"/>
+                <a:hlinkClick r:id="rId2" tooltip="medical"/>
               </a:rPr>
               <a:t>medical</a:t>
             </a:r>
@@ -18307,7 +19269,7 @@
             </a:r>
             <a:r>
               <a:rPr lang="en-US" dirty="0">
-                <a:hlinkClick r:id="rId4" tooltip="treatment"/>
+                <a:hlinkClick r:id="rId3" tooltip="treatment"/>
               </a:rPr>
               <a:t>treatment</a:t>
             </a:r>
@@ -18315,6 +19277,7 @@
               <a:rPr lang="en-US" dirty="0"/>
               <a:t> stay</a:t>
             </a:r>
+            <a:endParaRPr lang="en-US" dirty="0"/>
           </a:p>
           <a:p>
             <a:r>
@@ -18323,7 +19286,7 @@
             </a:r>
             <a:r>
               <a:rPr lang="en-US" dirty="0">
-                <a:hlinkClick r:id="rId5" tooltip="divide"/>
+                <a:hlinkClick r:id="rId4" tooltip="divide"/>
               </a:rPr>
               <a:t>divided</a:t>
             </a:r>
@@ -18333,7 +19296,7 @@
             </a:r>
             <a:r>
               <a:rPr lang="en-US" dirty="0">
-                <a:hlinkClick r:id="rId6" tooltip="purpose"/>
+                <a:hlinkClick r:id="rId5" tooltip="purpose"/>
               </a:rPr>
               <a:t>purpose</a:t>
             </a:r>
@@ -18343,7 +19306,7 @@
             </a:r>
             <a:r>
               <a:rPr lang="en-US" dirty="0">
-                <a:hlinkClick r:id="rId7" tooltip="election"/>
+                <a:hlinkClick r:id="rId6" tooltip="election"/>
               </a:rPr>
               <a:t>elections</a:t>
             </a:r>
@@ -18356,7 +19319,7 @@
             </a:r>
             <a:r>
               <a:rPr lang="en-US" dirty="0">
-                <a:hlinkClick r:id="rId8" tooltip="legal"/>
+                <a:hlinkClick r:id="rId7" tooltip="legal"/>
               </a:rPr>
               <a:t>legal</a:t>
             </a:r>
@@ -18366,7 +19329,7 @@
             </a:r>
             <a:r>
               <a:rPr lang="en-US" dirty="0">
-                <a:hlinkClick r:id="rId9" tooltip="protection"/>
+                <a:hlinkClick r:id="rId8" tooltip="protection"/>
               </a:rPr>
               <a:t>protection</a:t>
             </a:r>
@@ -18374,6 +19337,7 @@
               <a:rPr lang="en-US" dirty="0"/>
               <a:t> of another person or of a law court</a:t>
             </a:r>
+            <a:endParaRPr lang="en-US" dirty="0"/>
           </a:p>
         </p:txBody>
       </p:sp>
@@ -18394,7 +19358,6 @@
           <a:p>
             <a:fld id="{4898AEC0-503E-4FA4-859C-D0F72D6E3F79}" type="slidenum">
               <a:rPr lang="en-US" noProof="1" smtClean="0"/>
-              <a:t>6</a:t>
             </a:fld>
             <a:endParaRPr lang="en-US" noProof="1"/>
           </a:p>
@@ -18448,6 +19411,17 @@
               </a:rPr>
               <a:t>ward</a:t>
             </a:r>
+            <a:endParaRPr kumimoji="0" lang="en-US" sz="15000" b="0" i="0" u="none" strike="noStrike" kern="0" cap="none" spc="0" normalizeH="0" baseline="0" noProof="0" dirty="0">
+              <a:ln>
+                <a:noFill/>
+              </a:ln>
+              <a:solidFill>
+                <a:schemeClr val="bg2"/>
+              </a:solidFill>
+              <a:effectLst/>
+              <a:uLnTx/>
+              <a:uFillTx/>
+            </a:endParaRPr>
           </a:p>
         </p:txBody>
       </p:sp>
@@ -18460,7 +19434,7 @@
           <p:nvPr/>
         </p:nvPicPr>
         <p:blipFill>
-          <a:blip r:embed="rId10">
+          <a:blip r:embed="rId9">
             <a:extLst>
               <a:ext uri="{28A0092B-C50C-407E-A947-70E740481C1C}">
                 <a14:useLocalDpi xmlns:a14="http://schemas.microsoft.com/office/drawing/2010/main" val="0"/>
@@ -18525,6 +19499,7 @@
               <a:rPr lang="en-US" dirty="0"/>
               <a:t>wardrobe</a:t>
             </a:r>
+            <a:endParaRPr lang="en-US" dirty="0"/>
           </a:p>
         </p:txBody>
       </p:sp>
@@ -18547,6 +19522,7 @@
               <a:rPr lang="en-US"/>
               <a:t>Wrap</a:t>
             </a:r>
+            <a:endParaRPr lang="en-US"/>
           </a:p>
         </p:txBody>
       </p:sp>
@@ -18567,7 +19543,6 @@
           <a:p>
             <a:fld id="{4898AEC0-503E-4FA4-859C-D0F72D6E3F79}" type="slidenum">
               <a:rPr lang="en-US" noProof="1" smtClean="0"/>
-              <a:t>7</a:t>
             </a:fld>
             <a:endParaRPr lang="en-US" noProof="1"/>
           </a:p>
@@ -18658,7 +19633,7 @@
               <a:rPr lang="en-US" b="0" i="0" dirty="0">
                 <a:effectLst/>
                 <a:latin typeface="Arial" panose="02080604020202020204" pitchFamily="34" charset="0"/>
-                <a:hlinkClick r:id="rId2" tooltip="furniture"/>
+                <a:hlinkClick r:id="rId1" tooltip="furniture"/>
               </a:rPr>
               <a:t>furniture</a:t>
             </a:r>
@@ -18676,7 +19651,7 @@
               <a:rPr lang="en-US" b="0" i="0" dirty="0">
                 <a:effectLst/>
                 <a:latin typeface="Arial" panose="02080604020202020204" pitchFamily="34" charset="0"/>
-                <a:hlinkClick r:id="rId3" tooltip="cupboard"/>
+                <a:hlinkClick r:id="rId2" tooltip="cupboard"/>
               </a:rPr>
               <a:t>cupboard</a:t>
             </a:r>
@@ -18694,7 +19669,7 @@
               <a:rPr lang="en-US" b="0" i="0" dirty="0">
                 <a:effectLst/>
                 <a:latin typeface="Arial" panose="02080604020202020204" pitchFamily="34" charset="0"/>
-                <a:hlinkClick r:id="rId4" tooltip="hang"/>
+                <a:hlinkClick r:id="rId3" tooltip="hang"/>
               </a:rPr>
               <a:t>hang</a:t>
             </a:r>
@@ -18712,7 +19687,7 @@
               <a:rPr lang="en-US" b="0" i="0" dirty="0">
                 <a:effectLst/>
                 <a:latin typeface="Arial" panose="02080604020202020204" pitchFamily="34" charset="0"/>
-                <a:hlinkClick r:id="rId5" tooltip="clothe"/>
+                <a:hlinkClick r:id="rId4" tooltip="clothe"/>
               </a:rPr>
               <a:t>clothes</a:t>
             </a:r>
@@ -18742,7 +19717,7 @@
           <p:nvPr/>
         </p:nvPicPr>
         <p:blipFill>
-          <a:blip r:embed="rId6">
+          <a:blip r:embed="rId5">
             <a:extLst>
               <a:ext uri="{28A0092B-C50C-407E-A947-70E740481C1C}">
                 <a14:useLocalDpi xmlns:a14="http://schemas.microsoft.com/office/drawing/2010/main" val="0"/>
@@ -18807,6 +19782,7 @@
               <a:rPr lang="en-US" dirty="0"/>
               <a:t>weird</a:t>
             </a:r>
+            <a:endParaRPr lang="en-US" dirty="0"/>
           </a:p>
         </p:txBody>
       </p:sp>
@@ -18829,6 +19805,7 @@
               <a:rPr lang="en-US"/>
               <a:t>Wrap</a:t>
             </a:r>
+            <a:endParaRPr lang="en-US"/>
           </a:p>
         </p:txBody>
       </p:sp>
@@ -18853,7 +19830,7 @@
             </a:r>
             <a:r>
               <a:rPr lang="en-US" dirty="0">
-                <a:hlinkClick r:id="rId2" tooltip="strange"/>
+                <a:hlinkClick r:id="rId1" tooltip="strange"/>
               </a:rPr>
               <a:t>strange</a:t>
             </a:r>
@@ -18863,7 +19840,7 @@
             </a:r>
             <a:r>
               <a:rPr lang="en-US" dirty="0">
-                <a:hlinkClick r:id="rId3" tooltip="unusual"/>
+                <a:hlinkClick r:id="rId2" tooltip="unusual"/>
               </a:rPr>
               <a:t>unusual</a:t>
             </a:r>
@@ -18873,7 +19850,7 @@
             </a:r>
             <a:r>
               <a:rPr lang="en-US" dirty="0">
-                <a:hlinkClick r:id="rId4" tooltip="explain"/>
+                <a:hlinkClick r:id="rId3" tooltip="explain"/>
               </a:rPr>
               <a:t>explain</a:t>
             </a:r>
@@ -18898,7 +19875,6 @@
           <a:p>
             <a:fld id="{4898AEC0-503E-4FA4-859C-D0F72D6E3F79}" type="slidenum">
               <a:rPr lang="en-US" noProof="1" smtClean="0"/>
-              <a:t>8</a:t>
             </a:fld>
             <a:endParaRPr lang="en-US" noProof="1"/>
           </a:p>
@@ -18969,7 +19945,7 @@
           <p:nvPr/>
         </p:nvPicPr>
         <p:blipFill>
-          <a:blip r:embed="rId5">
+          <a:blip r:embed="rId4">
             <a:extLst>
               <a:ext uri="{28A0092B-C50C-407E-A947-70E740481C1C}">
                 <a14:useLocalDpi xmlns:a14="http://schemas.microsoft.com/office/drawing/2010/main" val="0"/>
@@ -19057,6 +20033,7 @@
               <a:rPr lang="en-US"/>
               <a:t>Wrap</a:t>
             </a:r>
+            <a:endParaRPr lang="en-US"/>
           </a:p>
         </p:txBody>
       </p:sp>
@@ -19077,7 +20054,7 @@
           <a:p>
             <a:r>
               <a:rPr lang="en-US" dirty="0">
-                <a:hlinkClick r:id="rId2" tooltip="behave"/>
+                <a:hlinkClick r:id="rId1" tooltip="behave"/>
               </a:rPr>
               <a:t>behaving</a:t>
             </a:r>
@@ -19085,6 +20062,7 @@
               <a:rPr lang="en-US" dirty="0"/>
               <a:t> in a way that is morally wrong</a:t>
             </a:r>
+            <a:endParaRPr lang="en-US" dirty="0"/>
           </a:p>
         </p:txBody>
       </p:sp>
@@ -19105,7 +20083,6 @@
           <a:p>
             <a:fld id="{4898AEC0-503E-4FA4-859C-D0F72D6E3F79}" type="slidenum">
               <a:rPr lang="en-US" noProof="1" smtClean="0"/>
-              <a:t>9</a:t>
             </a:fld>
             <a:endParaRPr lang="en-US" noProof="1"/>
           </a:p>
@@ -19146,12 +20123,18 @@
               </a:rPr>
               <a:t>SYN</a:t>
             </a:r>
+            <a:endParaRPr lang="en-US" b="1" dirty="0">
+              <a:solidFill>
+                <a:srgbClr val="FFC000"/>
+              </a:solidFill>
+            </a:endParaRPr>
           </a:p>
           <a:p>
             <a:r>
               <a:rPr lang="en-US" dirty="0"/>
               <a:t>evil</a:t>
             </a:r>
+            <a:endParaRPr lang="en-US" dirty="0"/>
           </a:p>
         </p:txBody>
       </p:sp>
@@ -19242,12 +20225,14 @@
               <a:rPr lang="en-US" dirty="0"/>
               <a:t>weekend</a:t>
             </a:r>
+            <a:endParaRPr lang="en-US" dirty="0"/>
           </a:p>
           <a:p>
             <a:r>
               <a:rPr lang="en-US" dirty="0"/>
               <a:t>kid</a:t>
             </a:r>
+            <a:endParaRPr lang="en-US" dirty="0"/>
           </a:p>
         </p:txBody>
       </p:sp>
@@ -19260,7 +20245,7 @@
           <p:nvPr/>
         </p:nvPicPr>
         <p:blipFill>
-          <a:blip r:embed="rId3">
+          <a:blip r:embed="rId2">
             <a:extLst>
               <a:ext uri="{28A0092B-C50C-407E-A947-70E740481C1C}">
                 <a14:useLocalDpi xmlns:a14="http://schemas.microsoft.com/office/drawing/2010/main" val="0"/>
@@ -19290,7 +20275,7 @@
 </file>
 
 <file path=ppt/tags/tag1.xml><?xml version="1.0" encoding="utf-8"?>
-<p:tagLst xmlns:a="http://schemas.openxmlformats.org/drawingml/2006/main" xmlns:r="http://schemas.openxmlformats.org/officeDocument/2006/relationships" xmlns:p="http://schemas.openxmlformats.org/presentationml/2006/main">
+<p:tagLst xmlns:p="http://schemas.openxmlformats.org/presentationml/2006/main">
   <p:tag name="SAXMLTEMPLATE" val="presentation_169"/>
   <p:tag name="SAXMLCOMPANYNAME" val="bosch"/>
   <p:tag name="MLTEMPLATEVERSION" val="2.0"/>
@@ -19568,7 +20553,6 @@
       </a:lstStyle>
     </a:txDef>
   </a:objectDefaults>
-  <a:extraClrSchemeLst/>
   <a:custClrLst>
     <a:custClr name="Bosch Red 50">
       <a:srgbClr val="ED0007"/>
@@ -19860,8 +20844,6 @@
       </a:bgFillStyleLst>
     </a:fmtScheme>
   </a:themeElements>
-  <a:objectDefaults/>
-  <a:extraClrSchemeLst/>
   <a:extLst>
     <a:ext uri="{05A4C25C-085E-4340-85A3-A5531E510DB2}">
       <thm15:themeFamily xmlns:thm15="http://schemas.microsoft.com/office/thememl/2012/main" name="Office Theme" id="{62F939B6-93AF-4DB8-9C6B-D6C7DFDC589F}" vid="{4A3C46E8-61CC-4603-A589-7422A47A8E4A}"/>
